--- a/notes/01-What-is-Data-Science.pptx
+++ b/notes/01-What-is-Data-Science.pptx
@@ -5786,7 +5786,7 @@
               <a:buNone/>
             </a:pPr>
             <a:r>
-              <a:rPr lang="en" dirty="0" smtClean="0"/>
+              <a:rPr lang="en" dirty="0"/>
               <a:t>CSC310</a:t>
             </a:r>
             <a:endParaRPr dirty="0"/>
@@ -6301,8 +6301,8 @@
         </p:nvSpPr>
         <p:spPr>
           <a:xfrm>
-            <a:off x="311700" y="1152475"/>
-            <a:ext cx="3999900" cy="3416400"/>
+            <a:off x="311699" y="1152475"/>
+            <a:ext cx="5521542" cy="3416400"/>
           </a:xfrm>
           <a:prstGeom prst="rect">
             <a:avLst/>
@@ -6391,6 +6391,26 @@
             <a:endParaRPr dirty="0"/>
           </a:p>
           <a:p>
+            <a:pPr lvl="1">
+              <a:spcBef>
+                <a:spcPts val="0"/>
+              </a:spcBef>
+            </a:pPr>
+            <a:r>
+              <a:rPr lang="en-US" dirty="0"/>
+              <a:t>Gradebook (</a:t>
+            </a:r>
+            <a:r>
+              <a:rPr lang="en-US" dirty="0" err="1"/>
+              <a:t>BrightSpace</a:t>
+            </a:r>
+            <a:r>
+              <a:rPr lang="en-US" dirty="0"/>
+              <a:t>)</a:t>
+            </a:r>
+            <a:endParaRPr lang="en" dirty="0"/>
+          </a:p>
+          <a:p>
             <a:pPr marL="914400" lvl="1" indent="-304800" rtl="0">
               <a:spcBef>
                 <a:spcPts val="0"/>
@@ -6405,17 +6425,29 @@
               <a:rPr lang="en" dirty="0"/>
               <a:t>Course Website</a:t>
             </a:r>
+          </a:p>
+          <a:p>
+            <a:pPr marL="914400" lvl="1" indent="-304800" rtl="0">
+              <a:spcBef>
+                <a:spcPts val="0"/>
+              </a:spcBef>
+              <a:spcAft>
+                <a:spcPts val="0"/>
+              </a:spcAft>
+              <a:buSzPts val="1200"/>
+              <a:buChar char="○"/>
+            </a:pPr>
+            <a:r>
+              <a:rPr lang="en" dirty="0"/>
+              <a:t>Shared Google Drive</a:t>
+            </a:r>
             <a:endParaRPr dirty="0"/>
           </a:p>
           <a:p>
-            <a:pPr marL="914400" lvl="1" indent="-304800" rtl="0">
-              <a:spcBef>
-                <a:spcPts val="0"/>
-              </a:spcBef>
-              <a:spcAft>
-                <a:spcPts val="0"/>
-              </a:spcAft>
-              <a:buSzPts val="1200"/>
+            <a:pPr lvl="2">
+              <a:spcBef>
+                <a:spcPts val="0"/>
+              </a:spcBef>
               <a:buChar char="○"/>
             </a:pPr>
             <a:r>
@@ -6425,31 +6457,10 @@
             <a:endParaRPr dirty="0"/>
           </a:p>
           <a:p>
-            <a:pPr marL="914400" lvl="1" indent="-304800" rtl="0">
-              <a:spcBef>
-                <a:spcPts val="0"/>
-              </a:spcBef>
-              <a:spcAft>
-                <a:spcPts val="0"/>
-              </a:spcAft>
-              <a:buSzPts val="1200"/>
-              <a:buChar char="○"/>
-            </a:pPr>
-            <a:r>
-              <a:rPr lang="en" dirty="0"/>
-              <a:t>Gradebook (Sakai)</a:t>
-            </a:r>
-            <a:endParaRPr dirty="0"/>
-          </a:p>
-          <a:p>
-            <a:pPr marL="914400" lvl="1" indent="-304800" rtl="0">
-              <a:spcBef>
-                <a:spcPts val="0"/>
-              </a:spcBef>
-              <a:spcAft>
-                <a:spcPts val="0"/>
-              </a:spcAft>
-              <a:buSzPts val="1200"/>
+            <a:pPr lvl="2">
+              <a:spcBef>
+                <a:spcPts val="0"/>
+              </a:spcBef>
               <a:buChar char="○"/>
             </a:pPr>
             <a:r>
@@ -6470,10 +6481,10 @@
               <a:buChar char="●"/>
             </a:pPr>
             <a:r>
-              <a:rPr lang="en" dirty="0" smtClean="0"/>
+              <a:rPr lang="en" dirty="0"/>
               <a:t>Python!</a:t>
             </a:r>
-            <a:endParaRPr lang="en-US" dirty="0" smtClean="0"/>
+            <a:endParaRPr lang="en-US" dirty="0"/>
           </a:p>
           <a:p>
             <a:pPr lvl="1" indent="-317500">
@@ -6484,8 +6495,8 @@
               <a:buChar char="●"/>
             </a:pPr>
             <a:r>
-              <a:rPr lang="en-US" dirty="0" smtClean="0"/>
-              <a:t>Anaconda3</a:t>
+              <a:rPr lang="en-US" dirty="0"/>
+              <a:t>Python3</a:t>
             </a:r>
           </a:p>
           <a:p>
@@ -6497,12 +6508,41 @@
               <a:buChar char="●"/>
             </a:pPr>
             <a:r>
-              <a:rPr lang="en-US" dirty="0" err="1" smtClean="0"/>
-              <a:t>Jupyter</a:t>
+              <a:rPr lang="en-US" dirty="0"/>
+              <a:t>Google </a:t>
             </a:r>
             <a:r>
-              <a:rPr lang="en-US" dirty="0" smtClean="0"/>
+              <a:rPr lang="en-US" dirty="0" err="1"/>
+              <a:t>Colab</a:t>
+            </a:r>
+            <a:r>
+              <a:rPr lang="en-US" dirty="0"/>
               <a:t> Notebooks</a:t>
+            </a:r>
+          </a:p>
+          <a:p>
+            <a:pPr lvl="2" indent="-317500">
+              <a:spcBef>
+                <a:spcPts val="0"/>
+              </a:spcBef>
+              <a:buSzPts val="1400"/>
+              <a:buChar char="●"/>
+            </a:pPr>
+            <a:r>
+              <a:rPr lang="en-US" dirty="0"/>
+              <a:t>https://</a:t>
+            </a:r>
+            <a:r>
+              <a:rPr lang="en-US" dirty="0" err="1"/>
+              <a:t>colab.research.google.com</a:t>
+            </a:r>
+            <a:r>
+              <a:rPr lang="en-US" dirty="0"/>
+              <a:t>/notebooks/</a:t>
+            </a:r>
+            <a:r>
+              <a:rPr lang="en-US" dirty="0" err="1"/>
+              <a:t>intro.ipynb</a:t>
             </a:r>
             <a:endParaRPr dirty="0"/>
           </a:p>
@@ -6524,7 +6564,7 @@
         </p:blipFill>
         <p:spPr>
           <a:xfrm>
-            <a:off x="5078825" y="864704"/>
+            <a:off x="6279955" y="445025"/>
             <a:ext cx="2552345" cy="3369365"/>
           </a:xfrm>
           <a:prstGeom prst="rect">
@@ -6701,7 +6741,7 @@
               <a:t>for </a:t>
             </a:r>
             <a:r>
-              <a:rPr lang="en-US" sz="1200" dirty="0" smtClean="0">
+              <a:rPr lang="en-US" sz="1200" dirty="0">
                 <a:solidFill>
                   <a:schemeClr val="dk1"/>
                 </a:solidFill>
@@ -6709,20 +6749,12 @@
               <a:t>AI, </a:t>
             </a:r>
             <a:r>
-              <a:rPr lang="en" sz="1200" dirty="0" smtClean="0">
-                <a:solidFill>
-                  <a:schemeClr val="dk1"/>
-                </a:solidFill>
-              </a:rPr>
-              <a:t>data </a:t>
-            </a:r>
-            <a:r>
               <a:rPr lang="en" sz="1200" dirty="0">
                 <a:solidFill>
                   <a:schemeClr val="dk1"/>
                 </a:solidFill>
               </a:rPr>
-              <a:t>structures, algorithms, visualization, big data support, and general programming</a:t>
+              <a:t>data structures, algorithms, visualization, big data support, and general programming</a:t>
             </a:r>
             <a:endParaRPr sz="1200" dirty="0">
               <a:solidFill>

--- a/notes/01-What-is-Data-Science.pptx
+++ b/notes/01-What-is-Data-Science.pptx
@@ -1,29 +1,29 @@
 
 <file path=ppt/presentation.xml><?xml version="1.0" encoding="utf-8"?>
-<p:presentation xmlns:a="http://schemas.openxmlformats.org/drawingml/2006/main" xmlns:r="http://schemas.openxmlformats.org/officeDocument/2006/relationships" xmlns:mc="http://schemas.openxmlformats.org/markup-compatibility/2006" xmlns:mv="urn:schemas-microsoft-com:mac:vml" xmlns:p="http://schemas.openxmlformats.org/presentationml/2006/main" xmlns:c="http://schemas.openxmlformats.org/drawingml/2006/chart" xmlns:dgm="http://schemas.openxmlformats.org/drawingml/2006/diagram" xmlns:o="urn:schemas-microsoft-com:office:office" xmlns:v="urn:schemas-microsoft-com:vml" xmlns:pvml="urn:schemas-microsoft-com:office:powerpoint" xmlns:com="http://schemas.openxmlformats.org/drawingml/2006/compatibility" xmlns:p14="http://schemas.microsoft.com/office/powerpoint/2010/main" xmlns:p15="http://schemas.microsoft.com/office/powerpoint/2012/main" xmlns:ahyp="http://schemas.microsoft.com/office/drawing/2018/hyperlinkcolor" autoCompressPictures="0" strictFirstAndLastChars="0" saveSubsetFonts="1">
+<p:presentation xmlns:a="http://schemas.openxmlformats.org/drawingml/2006/main" xmlns:r="http://schemas.openxmlformats.org/officeDocument/2006/relationships" xmlns:p="http://schemas.openxmlformats.org/presentationml/2006/main" strictFirstAndLastChars="0" saveSubsetFonts="1" autoCompressPictures="0">
   <p:sldMasterIdLst>
-    <p:sldMasterId id="2147483648" r:id="rId3"/>
+    <p:sldMasterId id="2147483648" r:id="rId1"/>
   </p:sldMasterIdLst>
   <p:notesMasterIdLst>
-    <p:notesMasterId r:id="rId4"/>
+    <p:notesMasterId r:id="rId13"/>
   </p:notesMasterIdLst>
   <p:sldIdLst>
-    <p:sldId id="256" r:id="rId5"/>
-    <p:sldId id="257" r:id="rId6"/>
-    <p:sldId id="258" r:id="rId7"/>
-    <p:sldId id="259" r:id="rId8"/>
-    <p:sldId id="260" r:id="rId9"/>
-    <p:sldId id="261" r:id="rId10"/>
-    <p:sldId id="262" r:id="rId11"/>
-    <p:sldId id="263" r:id="rId12"/>
-    <p:sldId id="264" r:id="rId13"/>
-    <p:sldId id="265" r:id="rId14"/>
-    <p:sldId id="266" r:id="rId15"/>
+    <p:sldId id="256" r:id="rId2"/>
+    <p:sldId id="257" r:id="rId3"/>
+    <p:sldId id="258" r:id="rId4"/>
+    <p:sldId id="259" r:id="rId5"/>
+    <p:sldId id="260" r:id="rId6"/>
+    <p:sldId id="261" r:id="rId7"/>
+    <p:sldId id="262" r:id="rId8"/>
+    <p:sldId id="263" r:id="rId9"/>
+    <p:sldId id="264" r:id="rId10"/>
+    <p:sldId id="265" r:id="rId11"/>
+    <p:sldId id="266" r:id="rId12"/>
   </p:sldIdLst>
-  <p:sldSz cy="5143500" cx="9144000"/>
+  <p:sldSz cx="9144000" cy="5143500" type="screen16x9"/>
   <p:notesSz cx="6858000" cy="9144000"/>
   <p:defaultTextStyle>
-    <a:defPPr lvl="0" marR="0" rtl="0" algn="l">
+    <a:defPPr marR="0" lvl="0" algn="l" rtl="0">
       <a:lnSpc>
         <a:spcPct val="100000"/>
       </a:lnSpc>
@@ -34,7 +34,7 @@
         <a:spcPts val="0"/>
       </a:spcAft>
     </a:defPPr>
-    <a:lvl1pPr lvl="0" marR="0" rtl="0" algn="l">
+    <a:lvl1pPr marR="0" lvl="0" algn="l" rtl="0">
       <a:lnSpc>
         <a:spcPct val="100000"/>
       </a:lnSpc>
@@ -48,7 +48,7 @@
         <a:srgbClr val="000000"/>
       </a:buClr>
       <a:buFont typeface="Arial"/>
-      <a:defRPr b="0" i="0" sz="1400" u="none" cap="none" strike="noStrike">
+      <a:defRPr sz="1400" b="0" i="0" u="none" strike="noStrike" cap="none">
         <a:solidFill>
           <a:srgbClr val="000000"/>
         </a:solidFill>
@@ -58,7 +58,7 @@
         <a:sym typeface="Arial"/>
       </a:defRPr>
     </a:lvl1pPr>
-    <a:lvl2pPr lvl="1" marR="0" rtl="0" algn="l">
+    <a:lvl2pPr marR="0" lvl="1" algn="l" rtl="0">
       <a:lnSpc>
         <a:spcPct val="100000"/>
       </a:lnSpc>
@@ -72,7 +72,7 @@
         <a:srgbClr val="000000"/>
       </a:buClr>
       <a:buFont typeface="Arial"/>
-      <a:defRPr b="0" i="0" sz="1400" u="none" cap="none" strike="noStrike">
+      <a:defRPr sz="1400" b="0" i="0" u="none" strike="noStrike" cap="none">
         <a:solidFill>
           <a:srgbClr val="000000"/>
         </a:solidFill>
@@ -82,7 +82,7 @@
         <a:sym typeface="Arial"/>
       </a:defRPr>
     </a:lvl2pPr>
-    <a:lvl3pPr lvl="2" marR="0" rtl="0" algn="l">
+    <a:lvl3pPr marR="0" lvl="2" algn="l" rtl="0">
       <a:lnSpc>
         <a:spcPct val="100000"/>
       </a:lnSpc>
@@ -96,7 +96,7 @@
         <a:srgbClr val="000000"/>
       </a:buClr>
       <a:buFont typeface="Arial"/>
-      <a:defRPr b="0" i="0" sz="1400" u="none" cap="none" strike="noStrike">
+      <a:defRPr sz="1400" b="0" i="0" u="none" strike="noStrike" cap="none">
         <a:solidFill>
           <a:srgbClr val="000000"/>
         </a:solidFill>
@@ -106,7 +106,7 @@
         <a:sym typeface="Arial"/>
       </a:defRPr>
     </a:lvl3pPr>
-    <a:lvl4pPr lvl="3" marR="0" rtl="0" algn="l">
+    <a:lvl4pPr marR="0" lvl="3" algn="l" rtl="0">
       <a:lnSpc>
         <a:spcPct val="100000"/>
       </a:lnSpc>
@@ -120,7 +120,7 @@
         <a:srgbClr val="000000"/>
       </a:buClr>
       <a:buFont typeface="Arial"/>
-      <a:defRPr b="0" i="0" sz="1400" u="none" cap="none" strike="noStrike">
+      <a:defRPr sz="1400" b="0" i="0" u="none" strike="noStrike" cap="none">
         <a:solidFill>
           <a:srgbClr val="000000"/>
         </a:solidFill>
@@ -130,7 +130,7 @@
         <a:sym typeface="Arial"/>
       </a:defRPr>
     </a:lvl4pPr>
-    <a:lvl5pPr lvl="4" marR="0" rtl="0" algn="l">
+    <a:lvl5pPr marR="0" lvl="4" algn="l" rtl="0">
       <a:lnSpc>
         <a:spcPct val="100000"/>
       </a:lnSpc>
@@ -144,7 +144,7 @@
         <a:srgbClr val="000000"/>
       </a:buClr>
       <a:buFont typeface="Arial"/>
-      <a:defRPr b="0" i="0" sz="1400" u="none" cap="none" strike="noStrike">
+      <a:defRPr sz="1400" b="0" i="0" u="none" strike="noStrike" cap="none">
         <a:solidFill>
           <a:srgbClr val="000000"/>
         </a:solidFill>
@@ -154,7 +154,7 @@
         <a:sym typeface="Arial"/>
       </a:defRPr>
     </a:lvl5pPr>
-    <a:lvl6pPr lvl="5" marR="0" rtl="0" algn="l">
+    <a:lvl6pPr marR="0" lvl="5" algn="l" rtl="0">
       <a:lnSpc>
         <a:spcPct val="100000"/>
       </a:lnSpc>
@@ -168,7 +168,7 @@
         <a:srgbClr val="000000"/>
       </a:buClr>
       <a:buFont typeface="Arial"/>
-      <a:defRPr b="0" i="0" sz="1400" u="none" cap="none" strike="noStrike">
+      <a:defRPr sz="1400" b="0" i="0" u="none" strike="noStrike" cap="none">
         <a:solidFill>
           <a:srgbClr val="000000"/>
         </a:solidFill>
@@ -178,7 +178,7 @@
         <a:sym typeface="Arial"/>
       </a:defRPr>
     </a:lvl6pPr>
-    <a:lvl7pPr lvl="6" marR="0" rtl="0" algn="l">
+    <a:lvl7pPr marR="0" lvl="6" algn="l" rtl="0">
       <a:lnSpc>
         <a:spcPct val="100000"/>
       </a:lnSpc>
@@ -192,7 +192,7 @@
         <a:srgbClr val="000000"/>
       </a:buClr>
       <a:buFont typeface="Arial"/>
-      <a:defRPr b="0" i="0" sz="1400" u="none" cap="none" strike="noStrike">
+      <a:defRPr sz="1400" b="0" i="0" u="none" strike="noStrike" cap="none">
         <a:solidFill>
           <a:srgbClr val="000000"/>
         </a:solidFill>
@@ -202,7 +202,7 @@
         <a:sym typeface="Arial"/>
       </a:defRPr>
     </a:lvl7pPr>
-    <a:lvl8pPr lvl="7" marR="0" rtl="0" algn="l">
+    <a:lvl8pPr marR="0" lvl="7" algn="l" rtl="0">
       <a:lnSpc>
         <a:spcPct val="100000"/>
       </a:lnSpc>
@@ -216,7 +216,7 @@
         <a:srgbClr val="000000"/>
       </a:buClr>
       <a:buFont typeface="Arial"/>
-      <a:defRPr b="0" i="0" sz="1400" u="none" cap="none" strike="noStrike">
+      <a:defRPr sz="1400" b="0" i="0" u="none" strike="noStrike" cap="none">
         <a:solidFill>
           <a:srgbClr val="000000"/>
         </a:solidFill>
@@ -226,7 +226,7 @@
         <a:sym typeface="Arial"/>
       </a:defRPr>
     </a:lvl8pPr>
-    <a:lvl9pPr lvl="8" marR="0" rtl="0" algn="l">
+    <a:lvl9pPr marR="0" lvl="8" algn="l" rtl="0">
       <a:lnSpc>
         <a:spcPct val="100000"/>
       </a:lnSpc>
@@ -240,7 +240,7 @@
         <a:srgbClr val="000000"/>
       </a:buClr>
       <a:buFont typeface="Arial"/>
-      <a:defRPr b="0" i="0" sz="1400" u="none" cap="none" strike="noStrike">
+      <a:defRPr sz="1400" b="0" i="0" u="none" strike="noStrike" cap="none">
         <a:solidFill>
           <a:srgbClr val="000000"/>
         </a:solidFill>
@@ -253,25 +253,26 @@
   </p:defaultTextStyle>
   <p:extLst>
     <p:ext uri="http://customooxmlschemas.google.com/">
-      <go:slidesCustomData xmlns:go="http://customooxmlschemas.google.com/" r:id="rId16" roundtripDataSignature="AMtx7mgV2tuNOZf2BqOUAIU2qMV//eIKbg=="/>
+      <go:slidesCustomData xmlns:go="http://customooxmlschemas.google.com/" xmlns:ahyp="http://schemas.microsoft.com/office/drawing/2018/hyperlinkcolor" xmlns:p15="http://schemas.microsoft.com/office/powerpoint/2012/main" xmlns:p14="http://schemas.microsoft.com/office/powerpoint/2010/main" xmlns:com="http://schemas.openxmlformats.org/drawingml/2006/compatibility" xmlns:pvml="urn:schemas-microsoft-com:office:powerpoint" xmlns:v="urn:schemas-microsoft-com:vml" xmlns:o="urn:schemas-microsoft-com:office:office" xmlns:dgm="http://schemas.openxmlformats.org/drawingml/2006/diagram" xmlns:c="http://schemas.openxmlformats.org/drawingml/2006/chart" xmlns:mv="urn:schemas-microsoft-com:mac:vml" xmlns:mc="http://schemas.openxmlformats.org/markup-compatibility/2006" xmlns="" r:id="rId16" roundtripDataSignature="AMtx7mgV2tuNOZf2BqOUAIU2qMV//eIKbg=="/>
     </p:ext>
   </p:extLst>
 </p:presentation>
 </file>
 
 <file path=ppt/notesMasters/notesMaster1.xml><?xml version="1.0" encoding="utf-8"?>
-<p:notesMaster xmlns:a="http://schemas.openxmlformats.org/drawingml/2006/main" xmlns:r="http://schemas.openxmlformats.org/officeDocument/2006/relationships" xmlns:mc="http://schemas.openxmlformats.org/markup-compatibility/2006" xmlns:mv="urn:schemas-microsoft-com:mac:vml" xmlns:p="http://schemas.openxmlformats.org/presentationml/2006/main" xmlns:c="http://schemas.openxmlformats.org/drawingml/2006/chart" xmlns:dgm="http://schemas.openxmlformats.org/drawingml/2006/diagram" xmlns:o="urn:schemas-microsoft-com:office:office" xmlns:v="urn:schemas-microsoft-com:vml" xmlns:pvml="urn:schemas-microsoft-com:office:powerpoint" xmlns:com="http://schemas.openxmlformats.org/drawingml/2006/compatibility" xmlns:p14="http://schemas.microsoft.com/office/powerpoint/2010/main" xmlns:p15="http://schemas.microsoft.com/office/powerpoint/2012/main" xmlns:ahyp="http://schemas.microsoft.com/office/drawing/2018/hyperlinkcolor">
+<p:notesMaster xmlns:a="http://schemas.openxmlformats.org/drawingml/2006/main" xmlns:r="http://schemas.openxmlformats.org/officeDocument/2006/relationships" xmlns:p="http://schemas.openxmlformats.org/presentationml/2006/main">
   <p:cSld>
     <p:bg>
       <p:bgPr>
         <a:solidFill>
           <a:schemeClr val="lt1"/>
         </a:solidFill>
+        <a:effectLst/>
       </p:bgPr>
     </p:bg>
     <p:spTree>
       <p:nvGrpSpPr>
-        <p:cNvPr id="2" name="Shape 2"/>
+        <p:cNvPr id="1" name="Shape 2"/>
         <p:cNvGrpSpPr/>
         <p:nvPr/>
       </p:nvGrpSpPr>
@@ -286,9 +287,11 @@
       <p:sp>
         <p:nvSpPr>
           <p:cNvPr id="3" name="Google Shape;3;n"/>
-          <p:cNvSpPr/>
+          <p:cNvSpPr>
+            <a:spLocks noGrp="1" noRot="1" noChangeAspect="1"/>
+          </p:cNvSpPr>
           <p:nvPr>
-            <p:ph idx="2" type="sldImg"/>
+            <p:ph type="sldImg" idx="2"/>
           </p:nvPr>
         </p:nvSpPr>
         <p:spPr>
@@ -297,9 +300,13 @@
             <a:ext cx="6096075" cy="3429000"/>
           </a:xfrm>
           <a:custGeom>
-            <a:rect b="b" l="l" r="r" t="t"/>
+            <a:avLst/>
+            <a:gdLst/>
+            <a:ahLst/>
+            <a:cxnLst/>
+            <a:rect l="l" t="t" r="r" b="b"/>
             <a:pathLst>
-              <a:path extrusionOk="0" h="120000" w="120000">
+              <a:path w="120000" h="120000" extrusionOk="0">
                 <a:moveTo>
                   <a:pt x="0" y="0"/>
                 </a:moveTo>
@@ -317,23 +324,25 @@
             </a:pathLst>
           </a:custGeom>
           <a:noFill/>
-          <a:ln cap="flat" cmpd="sng" w="9525">
+          <a:ln w="9525" cap="flat" cmpd="sng">
             <a:solidFill>
               <a:srgbClr val="000000"/>
             </a:solidFill>
             <a:prstDash val="solid"/>
             <a:round/>
-            <a:headEnd len="sm" w="sm" type="none"/>
-            <a:tailEnd len="sm" w="sm" type="none"/>
+            <a:headEnd type="none" w="sm" len="sm"/>
+            <a:tailEnd type="none" w="sm" len="sm"/>
           </a:ln>
         </p:spPr>
       </p:sp>
       <p:sp>
         <p:nvSpPr>
           <p:cNvPr id="4" name="Google Shape;4;n"/>
-          <p:cNvSpPr txBox="1"/>
+          <p:cNvSpPr txBox="1">
+            <a:spLocks noGrp="1"/>
+          </p:cNvSpPr>
           <p:nvPr>
-            <p:ph idx="1" type="body"/>
+            <p:ph type="body" idx="1"/>
           </p:nvPr>
         </p:nvSpPr>
         <p:spPr>
@@ -350,11 +359,11 @@
           </a:ln>
         </p:spPr>
         <p:txBody>
-          <a:bodyPr anchorCtr="0" anchor="t" bIns="91425" lIns="91425" spcFirstLastPara="1" rIns="91425" wrap="square" tIns="91425">
+          <a:bodyPr spcFirstLastPara="1" wrap="square" lIns="91425" tIns="91425" rIns="91425" bIns="91425" anchor="t" anchorCtr="0">
             <a:noAutofit/>
           </a:bodyPr>
           <a:lstStyle>
-            <a:lvl1pPr indent="-317500" lvl="0" marL="457200" marR="0" rtl="0" algn="l">
+            <a:lvl1pPr marL="457200" marR="0" lvl="0" indent="-317500" algn="l" rtl="0">
               <a:spcBef>
                 <a:spcPts val="0"/>
               </a:spcBef>
@@ -367,7 +376,7 @@
               <a:buSzPts val="1400"/>
               <a:buFont typeface="Arial"/>
               <a:buChar char="●"/>
-              <a:defRPr b="0" i="0" sz="1100" u="none" cap="none" strike="noStrike">
+              <a:defRPr sz="1100" b="0" i="0" u="none" strike="noStrike" cap="none">
                 <a:solidFill>
                   <a:schemeClr val="dk1"/>
                 </a:solidFill>
@@ -377,7 +386,7 @@
                 <a:sym typeface="Arial"/>
               </a:defRPr>
             </a:lvl1pPr>
-            <a:lvl2pPr indent="-317500" lvl="1" marL="914400" marR="0" rtl="0" algn="l">
+            <a:lvl2pPr marL="914400" marR="0" lvl="1" indent="-317500" algn="l" rtl="0">
               <a:spcBef>
                 <a:spcPts val="0"/>
               </a:spcBef>
@@ -390,7 +399,7 @@
               <a:buSzPts val="1400"/>
               <a:buFont typeface="Arial"/>
               <a:buChar char="○"/>
-              <a:defRPr b="0" i="0" sz="1100" u="none" cap="none" strike="noStrike">
+              <a:defRPr sz="1100" b="0" i="0" u="none" strike="noStrike" cap="none">
                 <a:solidFill>
                   <a:schemeClr val="dk1"/>
                 </a:solidFill>
@@ -400,7 +409,7 @@
                 <a:sym typeface="Arial"/>
               </a:defRPr>
             </a:lvl2pPr>
-            <a:lvl3pPr indent="-317500" lvl="2" marL="1371600" marR="0" rtl="0" algn="l">
+            <a:lvl3pPr marL="1371600" marR="0" lvl="2" indent="-317500" algn="l" rtl="0">
               <a:spcBef>
                 <a:spcPts val="0"/>
               </a:spcBef>
@@ -413,7 +422,7 @@
               <a:buSzPts val="1400"/>
               <a:buFont typeface="Arial"/>
               <a:buChar char="■"/>
-              <a:defRPr b="0" i="0" sz="1100" u="none" cap="none" strike="noStrike">
+              <a:defRPr sz="1100" b="0" i="0" u="none" strike="noStrike" cap="none">
                 <a:solidFill>
                   <a:schemeClr val="dk1"/>
                 </a:solidFill>
@@ -423,7 +432,7 @@
                 <a:sym typeface="Arial"/>
               </a:defRPr>
             </a:lvl3pPr>
-            <a:lvl4pPr indent="-317500" lvl="3" marL="1828800" marR="0" rtl="0" algn="l">
+            <a:lvl4pPr marL="1828800" marR="0" lvl="3" indent="-317500" algn="l" rtl="0">
               <a:spcBef>
                 <a:spcPts val="0"/>
               </a:spcBef>
@@ -436,7 +445,7 @@
               <a:buSzPts val="1400"/>
               <a:buFont typeface="Arial"/>
               <a:buChar char="●"/>
-              <a:defRPr b="0" i="0" sz="1100" u="none" cap="none" strike="noStrike">
+              <a:defRPr sz="1100" b="0" i="0" u="none" strike="noStrike" cap="none">
                 <a:solidFill>
                   <a:schemeClr val="dk1"/>
                 </a:solidFill>
@@ -446,7 +455,7 @@
                 <a:sym typeface="Arial"/>
               </a:defRPr>
             </a:lvl4pPr>
-            <a:lvl5pPr indent="-317500" lvl="4" marL="2286000" marR="0" rtl="0" algn="l">
+            <a:lvl5pPr marL="2286000" marR="0" lvl="4" indent="-317500" algn="l" rtl="0">
               <a:spcBef>
                 <a:spcPts val="0"/>
               </a:spcBef>
@@ -459,7 +468,7 @@
               <a:buSzPts val="1400"/>
               <a:buFont typeface="Arial"/>
               <a:buChar char="○"/>
-              <a:defRPr b="0" i="0" sz="1100" u="none" cap="none" strike="noStrike">
+              <a:defRPr sz="1100" b="0" i="0" u="none" strike="noStrike" cap="none">
                 <a:solidFill>
                   <a:schemeClr val="dk1"/>
                 </a:solidFill>
@@ -469,7 +478,7 @@
                 <a:sym typeface="Arial"/>
               </a:defRPr>
             </a:lvl5pPr>
-            <a:lvl6pPr indent="-317500" lvl="5" marL="2743200" marR="0" rtl="0" algn="l">
+            <a:lvl6pPr marL="2743200" marR="0" lvl="5" indent="-317500" algn="l" rtl="0">
               <a:spcBef>
                 <a:spcPts val="0"/>
               </a:spcBef>
@@ -482,7 +491,7 @@
               <a:buSzPts val="1400"/>
               <a:buFont typeface="Arial"/>
               <a:buChar char="■"/>
-              <a:defRPr b="0" i="0" sz="1100" u="none" cap="none" strike="noStrike">
+              <a:defRPr sz="1100" b="0" i="0" u="none" strike="noStrike" cap="none">
                 <a:solidFill>
                   <a:schemeClr val="dk1"/>
                 </a:solidFill>
@@ -492,7 +501,7 @@
                 <a:sym typeface="Arial"/>
               </a:defRPr>
             </a:lvl6pPr>
-            <a:lvl7pPr indent="-317500" lvl="6" marL="3200400" marR="0" rtl="0" algn="l">
+            <a:lvl7pPr marL="3200400" marR="0" lvl="6" indent="-317500" algn="l" rtl="0">
               <a:spcBef>
                 <a:spcPts val="0"/>
               </a:spcBef>
@@ -505,7 +514,7 @@
               <a:buSzPts val="1400"/>
               <a:buFont typeface="Arial"/>
               <a:buChar char="●"/>
-              <a:defRPr b="0" i="0" sz="1100" u="none" cap="none" strike="noStrike">
+              <a:defRPr sz="1100" b="0" i="0" u="none" strike="noStrike" cap="none">
                 <a:solidFill>
                   <a:schemeClr val="dk1"/>
                 </a:solidFill>
@@ -515,7 +524,7 @@
                 <a:sym typeface="Arial"/>
               </a:defRPr>
             </a:lvl7pPr>
-            <a:lvl8pPr indent="-317500" lvl="7" marL="3657600" marR="0" rtl="0" algn="l">
+            <a:lvl8pPr marL="3657600" marR="0" lvl="7" indent="-317500" algn="l" rtl="0">
               <a:spcBef>
                 <a:spcPts val="0"/>
               </a:spcBef>
@@ -528,7 +537,7 @@
               <a:buSzPts val="1400"/>
               <a:buFont typeface="Arial"/>
               <a:buChar char="○"/>
-              <a:defRPr b="0" i="0" sz="1100" u="none" cap="none" strike="noStrike">
+              <a:defRPr sz="1100" b="0" i="0" u="none" strike="noStrike" cap="none">
                 <a:solidFill>
                   <a:schemeClr val="dk1"/>
                 </a:solidFill>
@@ -538,7 +547,7 @@
                 <a:sym typeface="Arial"/>
               </a:defRPr>
             </a:lvl8pPr>
-            <a:lvl9pPr indent="-317500" lvl="8" marL="4114800" marR="0" rtl="0" algn="l">
+            <a:lvl9pPr marL="4114800" marR="0" lvl="8" indent="-317500" algn="l" rtl="0">
               <a:spcBef>
                 <a:spcPts val="0"/>
               </a:spcBef>
@@ -551,7 +560,7 @@
               <a:buSzPts val="1400"/>
               <a:buFont typeface="Arial"/>
               <a:buChar char="■"/>
-              <a:defRPr b="0" i="0" sz="1100" u="none" cap="none" strike="noStrike">
+              <a:defRPr sz="1100" b="0" i="0" u="none" strike="noStrike" cap="none">
                 <a:solidFill>
                   <a:schemeClr val="dk1"/>
                 </a:solidFill>
@@ -562,14 +571,16 @@
               </a:defRPr>
             </a:lvl9pPr>
           </a:lstStyle>
-          <a:p/>
+          <a:p>
+            <a:endParaRPr/>
+          </a:p>
         </p:txBody>
       </p:sp>
     </p:spTree>
   </p:cSld>
-  <p:clrMap accent1="accent1" accent2="accent2" accent3="accent3" accent4="accent4" accent5="accent5" accent6="accent6" bg1="lt1" bg2="dk2" tx1="dk1" tx2="lt2" folHlink="folHlink" hlink="hlink"/>
+  <p:clrMap bg1="lt1" tx1="dk1" bg2="dk2" tx2="lt2" accent1="accent1" accent2="accent2" accent3="accent3" accent4="accent4" accent5="accent5" accent6="accent6" hlink="hlink" folHlink="folHlink"/>
   <p:notesStyle>
-    <a:defPPr lvl="0" marR="0" rtl="0" algn="l">
+    <a:defPPr marR="0" lvl="0" algn="l" rtl="0">
       <a:lnSpc>
         <a:spcPct val="100000"/>
       </a:lnSpc>
@@ -580,7 +591,7 @@
         <a:spcPts val="0"/>
       </a:spcAft>
     </a:defPPr>
-    <a:lvl1pPr lvl="0" marR="0" rtl="0" algn="l">
+    <a:lvl1pPr marR="0" lvl="0" algn="l" rtl="0">
       <a:lnSpc>
         <a:spcPct val="100000"/>
       </a:lnSpc>
@@ -594,7 +605,7 @@
         <a:srgbClr val="000000"/>
       </a:buClr>
       <a:buFont typeface="Arial"/>
-      <a:defRPr b="0" i="0" sz="1400" u="none" cap="none" strike="noStrike">
+      <a:defRPr sz="1400" b="0" i="0" u="none" strike="noStrike" cap="none">
         <a:solidFill>
           <a:srgbClr val="000000"/>
         </a:solidFill>
@@ -604,7 +615,7 @@
         <a:sym typeface="Arial"/>
       </a:defRPr>
     </a:lvl1pPr>
-    <a:lvl2pPr lvl="1" marR="0" rtl="0" algn="l">
+    <a:lvl2pPr marR="0" lvl="1" algn="l" rtl="0">
       <a:lnSpc>
         <a:spcPct val="100000"/>
       </a:lnSpc>
@@ -618,7 +629,7 @@
         <a:srgbClr val="000000"/>
       </a:buClr>
       <a:buFont typeface="Arial"/>
-      <a:defRPr b="0" i="0" sz="1400" u="none" cap="none" strike="noStrike">
+      <a:defRPr sz="1400" b="0" i="0" u="none" strike="noStrike" cap="none">
         <a:solidFill>
           <a:srgbClr val="000000"/>
         </a:solidFill>
@@ -628,7 +639,7 @@
         <a:sym typeface="Arial"/>
       </a:defRPr>
     </a:lvl2pPr>
-    <a:lvl3pPr lvl="2" marR="0" rtl="0" algn="l">
+    <a:lvl3pPr marR="0" lvl="2" algn="l" rtl="0">
       <a:lnSpc>
         <a:spcPct val="100000"/>
       </a:lnSpc>
@@ -642,7 +653,7 @@
         <a:srgbClr val="000000"/>
       </a:buClr>
       <a:buFont typeface="Arial"/>
-      <a:defRPr b="0" i="0" sz="1400" u="none" cap="none" strike="noStrike">
+      <a:defRPr sz="1400" b="0" i="0" u="none" strike="noStrike" cap="none">
         <a:solidFill>
           <a:srgbClr val="000000"/>
         </a:solidFill>
@@ -652,7 +663,7 @@
         <a:sym typeface="Arial"/>
       </a:defRPr>
     </a:lvl3pPr>
-    <a:lvl4pPr lvl="3" marR="0" rtl="0" algn="l">
+    <a:lvl4pPr marR="0" lvl="3" algn="l" rtl="0">
       <a:lnSpc>
         <a:spcPct val="100000"/>
       </a:lnSpc>
@@ -666,7 +677,7 @@
         <a:srgbClr val="000000"/>
       </a:buClr>
       <a:buFont typeface="Arial"/>
-      <a:defRPr b="0" i="0" sz="1400" u="none" cap="none" strike="noStrike">
+      <a:defRPr sz="1400" b="0" i="0" u="none" strike="noStrike" cap="none">
         <a:solidFill>
           <a:srgbClr val="000000"/>
         </a:solidFill>
@@ -676,7 +687,7 @@
         <a:sym typeface="Arial"/>
       </a:defRPr>
     </a:lvl4pPr>
-    <a:lvl5pPr lvl="4" marR="0" rtl="0" algn="l">
+    <a:lvl5pPr marR="0" lvl="4" algn="l" rtl="0">
       <a:lnSpc>
         <a:spcPct val="100000"/>
       </a:lnSpc>
@@ -690,7 +701,7 @@
         <a:srgbClr val="000000"/>
       </a:buClr>
       <a:buFont typeface="Arial"/>
-      <a:defRPr b="0" i="0" sz="1400" u="none" cap="none" strike="noStrike">
+      <a:defRPr sz="1400" b="0" i="0" u="none" strike="noStrike" cap="none">
         <a:solidFill>
           <a:srgbClr val="000000"/>
         </a:solidFill>
@@ -700,7 +711,7 @@
         <a:sym typeface="Arial"/>
       </a:defRPr>
     </a:lvl5pPr>
-    <a:lvl6pPr lvl="5" marR="0" rtl="0" algn="l">
+    <a:lvl6pPr marR="0" lvl="5" algn="l" rtl="0">
       <a:lnSpc>
         <a:spcPct val="100000"/>
       </a:lnSpc>
@@ -714,7 +725,7 @@
         <a:srgbClr val="000000"/>
       </a:buClr>
       <a:buFont typeface="Arial"/>
-      <a:defRPr b="0" i="0" sz="1400" u="none" cap="none" strike="noStrike">
+      <a:defRPr sz="1400" b="0" i="0" u="none" strike="noStrike" cap="none">
         <a:solidFill>
           <a:srgbClr val="000000"/>
         </a:solidFill>
@@ -724,7 +735,7 @@
         <a:sym typeface="Arial"/>
       </a:defRPr>
     </a:lvl6pPr>
-    <a:lvl7pPr lvl="6" marR="0" rtl="0" algn="l">
+    <a:lvl7pPr marR="0" lvl="6" algn="l" rtl="0">
       <a:lnSpc>
         <a:spcPct val="100000"/>
       </a:lnSpc>
@@ -738,7 +749,7 @@
         <a:srgbClr val="000000"/>
       </a:buClr>
       <a:buFont typeface="Arial"/>
-      <a:defRPr b="0" i="0" sz="1400" u="none" cap="none" strike="noStrike">
+      <a:defRPr sz="1400" b="0" i="0" u="none" strike="noStrike" cap="none">
         <a:solidFill>
           <a:srgbClr val="000000"/>
         </a:solidFill>
@@ -748,7 +759,7 @@
         <a:sym typeface="Arial"/>
       </a:defRPr>
     </a:lvl7pPr>
-    <a:lvl8pPr lvl="7" marR="0" rtl="0" algn="l">
+    <a:lvl8pPr marR="0" lvl="7" algn="l" rtl="0">
       <a:lnSpc>
         <a:spcPct val="100000"/>
       </a:lnSpc>
@@ -762,7 +773,7 @@
         <a:srgbClr val="000000"/>
       </a:buClr>
       <a:buFont typeface="Arial"/>
-      <a:defRPr b="0" i="0" sz="1400" u="none" cap="none" strike="noStrike">
+      <a:defRPr sz="1400" b="0" i="0" u="none" strike="noStrike" cap="none">
         <a:solidFill>
           <a:srgbClr val="000000"/>
         </a:solidFill>
@@ -772,7 +783,7 @@
         <a:sym typeface="Arial"/>
       </a:defRPr>
     </a:lvl8pPr>
-    <a:lvl9pPr lvl="8" marR="0" rtl="0" algn="l">
+    <a:lvl9pPr marR="0" lvl="8" algn="l" rtl="0">
       <a:lnSpc>
         <a:spcPct val="100000"/>
       </a:lnSpc>
@@ -786,7 +797,7 @@
         <a:srgbClr val="000000"/>
       </a:buClr>
       <a:buFont typeface="Arial"/>
-      <a:defRPr b="0" i="0" sz="1400" u="none" cap="none" strike="noStrike">
+      <a:defRPr sz="1400" b="0" i="0" u="none" strike="noStrike" cap="none">
         <a:solidFill>
           <a:srgbClr val="000000"/>
         </a:solidFill>
@@ -801,11 +812,11 @@
 </file>
 
 <file path=ppt/notesSlides/notesSlide1.xml><?xml version="1.0" encoding="utf-8"?>
-<p:notes xmlns:a="http://schemas.openxmlformats.org/drawingml/2006/main" xmlns:r="http://schemas.openxmlformats.org/officeDocument/2006/relationships" xmlns:mc="http://schemas.openxmlformats.org/markup-compatibility/2006" xmlns:mv="urn:schemas-microsoft-com:mac:vml" xmlns:p="http://schemas.openxmlformats.org/presentationml/2006/main" xmlns:c="http://schemas.openxmlformats.org/drawingml/2006/chart" xmlns:dgm="http://schemas.openxmlformats.org/drawingml/2006/diagram" xmlns:o="urn:schemas-microsoft-com:office:office" xmlns:v="urn:schemas-microsoft-com:vml" xmlns:pvml="urn:schemas-microsoft-com:office:powerpoint" xmlns:com="http://schemas.openxmlformats.org/drawingml/2006/compatibility" xmlns:p14="http://schemas.microsoft.com/office/powerpoint/2010/main" xmlns:p15="http://schemas.microsoft.com/office/powerpoint/2012/main" xmlns:ahyp="http://schemas.microsoft.com/office/drawing/2018/hyperlinkcolor" showMasterPhAnim="0" showMasterSp="0">
+<p:notes xmlns:a="http://schemas.openxmlformats.org/drawingml/2006/main" xmlns:r="http://schemas.openxmlformats.org/officeDocument/2006/relationships" xmlns:p="http://schemas.openxmlformats.org/presentationml/2006/main" showMasterSp="0" showMasterPhAnim="0">
   <p:cSld>
     <p:spTree>
       <p:nvGrpSpPr>
-        <p:cNvPr id="50" name="Shape 50"/>
+        <p:cNvPr id="1" name="Shape 50"/>
         <p:cNvGrpSpPr/>
         <p:nvPr/>
       </p:nvGrpSpPr>
@@ -820,9 +831,11 @@
       <p:sp>
         <p:nvSpPr>
           <p:cNvPr id="51" name="Google Shape;51;p1:notes"/>
-          <p:cNvSpPr/>
+          <p:cNvSpPr>
+            <a:spLocks noGrp="1" noRot="1" noChangeAspect="1"/>
+          </p:cNvSpPr>
           <p:nvPr>
-            <p:ph idx="2" type="sldImg"/>
+            <p:ph type="sldImg" idx="2"/>
           </p:nvPr>
         </p:nvSpPr>
         <p:spPr>
@@ -831,9 +844,13 @@
             <a:ext cx="6096000" cy="3429000"/>
           </a:xfrm>
           <a:custGeom>
-            <a:rect b="b" l="l" r="r" t="t"/>
+            <a:avLst/>
+            <a:gdLst/>
+            <a:ahLst/>
+            <a:cxnLst/>
+            <a:rect l="l" t="t" r="r" b="b"/>
             <a:pathLst>
-              <a:path extrusionOk="0" h="120000" w="120000">
+              <a:path w="120000" h="120000" extrusionOk="0">
                 <a:moveTo>
                   <a:pt x="0" y="0"/>
                 </a:moveTo>
@@ -851,23 +868,25 @@
             </a:pathLst>
           </a:custGeom>
           <a:noFill/>
-          <a:ln cap="flat" cmpd="sng" w="9525">
+          <a:ln w="9525" cap="flat" cmpd="sng">
             <a:solidFill>
               <a:srgbClr val="000000"/>
             </a:solidFill>
             <a:prstDash val="solid"/>
             <a:round/>
-            <a:headEnd len="sm" w="sm" type="none"/>
-            <a:tailEnd len="sm" w="sm" type="none"/>
+            <a:headEnd type="none" w="sm" len="sm"/>
+            <a:tailEnd type="none" w="sm" len="sm"/>
           </a:ln>
         </p:spPr>
       </p:sp>
       <p:sp>
         <p:nvSpPr>
           <p:cNvPr id="52" name="Google Shape;52;p1:notes"/>
-          <p:cNvSpPr txBox="1"/>
+          <p:cNvSpPr txBox="1">
+            <a:spLocks noGrp="1"/>
+          </p:cNvSpPr>
           <p:nvPr>
-            <p:ph idx="1" type="body"/>
+            <p:ph type="body" idx="1"/>
           </p:nvPr>
         </p:nvSpPr>
         <p:spPr>
@@ -884,12 +903,12 @@
           </a:ln>
         </p:spPr>
         <p:txBody>
-          <a:bodyPr anchorCtr="0" anchor="t" bIns="91425" lIns="91425" spcFirstLastPara="1" rIns="91425" wrap="square" tIns="91425">
+          <a:bodyPr spcFirstLastPara="1" wrap="square" lIns="91425" tIns="91425" rIns="91425" bIns="91425" anchor="t" anchorCtr="0">
             <a:noAutofit/>
           </a:bodyPr>
           <a:lstStyle/>
           <a:p>
-            <a:pPr indent="0" lvl="0" marL="0" rtl="0" algn="l">
+            <a:pPr marL="0" lvl="0" indent="0" algn="l" rtl="0">
               <a:spcBef>
                 <a:spcPts val="0"/>
               </a:spcBef>
@@ -903,9 +922,6 @@
               <a:buFont typeface="Arial"/>
               <a:buNone/>
             </a:pPr>
-            <a:r>
-              <a:t/>
-            </a:r>
             <a:endParaRPr/>
           </a:p>
         </p:txBody>
@@ -919,11 +935,11 @@
 </file>
 
 <file path=ppt/notesSlides/notesSlide10.xml><?xml version="1.0" encoding="utf-8"?>
-<p:notes xmlns:a="http://schemas.openxmlformats.org/drawingml/2006/main" xmlns:r="http://schemas.openxmlformats.org/officeDocument/2006/relationships" xmlns:mc="http://schemas.openxmlformats.org/markup-compatibility/2006" xmlns:mv="urn:schemas-microsoft-com:mac:vml" xmlns:p="http://schemas.openxmlformats.org/presentationml/2006/main" xmlns:c="http://schemas.openxmlformats.org/drawingml/2006/chart" xmlns:dgm="http://schemas.openxmlformats.org/drawingml/2006/diagram" xmlns:o="urn:schemas-microsoft-com:office:office" xmlns:v="urn:schemas-microsoft-com:vml" xmlns:pvml="urn:schemas-microsoft-com:office:powerpoint" xmlns:com="http://schemas.openxmlformats.org/drawingml/2006/compatibility" xmlns:p14="http://schemas.microsoft.com/office/powerpoint/2010/main" xmlns:p15="http://schemas.microsoft.com/office/powerpoint/2012/main" xmlns:ahyp="http://schemas.microsoft.com/office/drawing/2018/hyperlinkcolor" showMasterPhAnim="0" showMasterSp="0">
+<p:notes xmlns:a="http://schemas.openxmlformats.org/drawingml/2006/main" xmlns:r="http://schemas.openxmlformats.org/officeDocument/2006/relationships" xmlns:p="http://schemas.openxmlformats.org/presentationml/2006/main" showMasterSp="0" showMasterPhAnim="0">
   <p:cSld>
     <p:spTree>
       <p:nvGrpSpPr>
-        <p:cNvPr id="121" name="Shape 121"/>
+        <p:cNvPr id="1" name="Shape 121"/>
         <p:cNvGrpSpPr/>
         <p:nvPr/>
       </p:nvGrpSpPr>
@@ -938,9 +954,11 @@
       <p:sp>
         <p:nvSpPr>
           <p:cNvPr id="122" name="Google Shape;122;p10:notes"/>
-          <p:cNvSpPr/>
+          <p:cNvSpPr>
+            <a:spLocks noGrp="1" noRot="1" noChangeAspect="1"/>
+          </p:cNvSpPr>
           <p:nvPr>
-            <p:ph idx="2" type="sldImg"/>
+            <p:ph type="sldImg" idx="2"/>
           </p:nvPr>
         </p:nvSpPr>
         <p:spPr>
@@ -949,9 +967,13 @@
             <a:ext cx="6096000" cy="3429000"/>
           </a:xfrm>
           <a:custGeom>
-            <a:rect b="b" l="l" r="r" t="t"/>
+            <a:avLst/>
+            <a:gdLst/>
+            <a:ahLst/>
+            <a:cxnLst/>
+            <a:rect l="l" t="t" r="r" b="b"/>
             <a:pathLst>
-              <a:path extrusionOk="0" h="120000" w="120000">
+              <a:path w="120000" h="120000" extrusionOk="0">
                 <a:moveTo>
                   <a:pt x="0" y="0"/>
                 </a:moveTo>
@@ -969,23 +991,25 @@
             </a:pathLst>
           </a:custGeom>
           <a:noFill/>
-          <a:ln cap="flat" cmpd="sng" w="9525">
+          <a:ln w="9525" cap="flat" cmpd="sng">
             <a:solidFill>
               <a:srgbClr val="000000"/>
             </a:solidFill>
             <a:prstDash val="solid"/>
             <a:round/>
-            <a:headEnd len="sm" w="sm" type="none"/>
-            <a:tailEnd len="sm" w="sm" type="none"/>
+            <a:headEnd type="none" w="sm" len="sm"/>
+            <a:tailEnd type="none" w="sm" len="sm"/>
           </a:ln>
         </p:spPr>
       </p:sp>
       <p:sp>
         <p:nvSpPr>
           <p:cNvPr id="123" name="Google Shape;123;p10:notes"/>
-          <p:cNvSpPr txBox="1"/>
+          <p:cNvSpPr txBox="1">
+            <a:spLocks noGrp="1"/>
+          </p:cNvSpPr>
           <p:nvPr>
-            <p:ph idx="1" type="body"/>
+            <p:ph type="body" idx="1"/>
           </p:nvPr>
         </p:nvSpPr>
         <p:spPr>
@@ -1002,12 +1026,12 @@
           </a:ln>
         </p:spPr>
         <p:txBody>
-          <a:bodyPr anchorCtr="0" anchor="t" bIns="91425" lIns="91425" spcFirstLastPara="1" rIns="91425" wrap="square" tIns="91425">
+          <a:bodyPr spcFirstLastPara="1" wrap="square" lIns="91425" tIns="91425" rIns="91425" bIns="91425" anchor="t" anchorCtr="0">
             <a:noAutofit/>
           </a:bodyPr>
           <a:lstStyle/>
           <a:p>
-            <a:pPr indent="0" lvl="0" marL="0" rtl="0" algn="l">
+            <a:pPr marL="0" lvl="0" indent="0" algn="l" rtl="0">
               <a:spcBef>
                 <a:spcPts val="0"/>
               </a:spcBef>
@@ -1021,9 +1045,6 @@
               <a:buFont typeface="Arial"/>
               <a:buNone/>
             </a:pPr>
-            <a:r>
-              <a:t/>
-            </a:r>
             <a:endParaRPr/>
           </a:p>
         </p:txBody>
@@ -1037,11 +1058,11 @@
 </file>
 
 <file path=ppt/notesSlides/notesSlide11.xml><?xml version="1.0" encoding="utf-8"?>
-<p:notes xmlns:a="http://schemas.openxmlformats.org/drawingml/2006/main" xmlns:r="http://schemas.openxmlformats.org/officeDocument/2006/relationships" xmlns:mc="http://schemas.openxmlformats.org/markup-compatibility/2006" xmlns:mv="urn:schemas-microsoft-com:mac:vml" xmlns:p="http://schemas.openxmlformats.org/presentationml/2006/main" xmlns:c="http://schemas.openxmlformats.org/drawingml/2006/chart" xmlns:dgm="http://schemas.openxmlformats.org/drawingml/2006/diagram" xmlns:o="urn:schemas-microsoft-com:office:office" xmlns:v="urn:schemas-microsoft-com:vml" xmlns:pvml="urn:schemas-microsoft-com:office:powerpoint" xmlns:com="http://schemas.openxmlformats.org/drawingml/2006/compatibility" xmlns:p14="http://schemas.microsoft.com/office/powerpoint/2010/main" xmlns:p15="http://schemas.microsoft.com/office/powerpoint/2012/main" xmlns:ahyp="http://schemas.microsoft.com/office/drawing/2018/hyperlinkcolor" showMasterPhAnim="0" showMasterSp="0">
+<p:notes xmlns:a="http://schemas.openxmlformats.org/drawingml/2006/main" xmlns:r="http://schemas.openxmlformats.org/officeDocument/2006/relationships" xmlns:p="http://schemas.openxmlformats.org/presentationml/2006/main" showMasterSp="0" showMasterPhAnim="0">
   <p:cSld>
     <p:spTree>
       <p:nvGrpSpPr>
-        <p:cNvPr id="126" name="Shape 126"/>
+        <p:cNvPr id="1" name="Shape 126"/>
         <p:cNvGrpSpPr/>
         <p:nvPr/>
       </p:nvGrpSpPr>
@@ -1056,9 +1077,11 @@
       <p:sp>
         <p:nvSpPr>
           <p:cNvPr id="127" name="Google Shape;127;p11:notes"/>
-          <p:cNvSpPr/>
+          <p:cNvSpPr>
+            <a:spLocks noGrp="1" noRot="1" noChangeAspect="1"/>
+          </p:cNvSpPr>
           <p:nvPr>
-            <p:ph idx="2" type="sldImg"/>
+            <p:ph type="sldImg" idx="2"/>
           </p:nvPr>
         </p:nvSpPr>
         <p:spPr>
@@ -1067,9 +1090,13 @@
             <a:ext cx="6096000" cy="3429000"/>
           </a:xfrm>
           <a:custGeom>
-            <a:rect b="b" l="l" r="r" t="t"/>
+            <a:avLst/>
+            <a:gdLst/>
+            <a:ahLst/>
+            <a:cxnLst/>
+            <a:rect l="l" t="t" r="r" b="b"/>
             <a:pathLst>
-              <a:path extrusionOk="0" h="120000" w="120000">
+              <a:path w="120000" h="120000" extrusionOk="0">
                 <a:moveTo>
                   <a:pt x="0" y="0"/>
                 </a:moveTo>
@@ -1087,23 +1114,25 @@
             </a:pathLst>
           </a:custGeom>
           <a:noFill/>
-          <a:ln cap="flat" cmpd="sng" w="9525">
+          <a:ln w="9525" cap="flat" cmpd="sng">
             <a:solidFill>
               <a:srgbClr val="000000"/>
             </a:solidFill>
             <a:prstDash val="solid"/>
             <a:round/>
-            <a:headEnd len="sm" w="sm" type="none"/>
-            <a:tailEnd len="sm" w="sm" type="none"/>
+            <a:headEnd type="none" w="sm" len="sm"/>
+            <a:tailEnd type="none" w="sm" len="sm"/>
           </a:ln>
         </p:spPr>
       </p:sp>
       <p:sp>
         <p:nvSpPr>
           <p:cNvPr id="128" name="Google Shape;128;p11:notes"/>
-          <p:cNvSpPr txBox="1"/>
+          <p:cNvSpPr txBox="1">
+            <a:spLocks noGrp="1"/>
+          </p:cNvSpPr>
           <p:nvPr>
-            <p:ph idx="1" type="body"/>
+            <p:ph type="body" idx="1"/>
           </p:nvPr>
         </p:nvSpPr>
         <p:spPr>
@@ -1120,12 +1149,12 @@
           </a:ln>
         </p:spPr>
         <p:txBody>
-          <a:bodyPr anchorCtr="0" anchor="t" bIns="91425" lIns="91425" spcFirstLastPara="1" rIns="91425" wrap="square" tIns="91425">
+          <a:bodyPr spcFirstLastPara="1" wrap="square" lIns="91425" tIns="91425" rIns="91425" bIns="91425" anchor="t" anchorCtr="0">
             <a:noAutofit/>
           </a:bodyPr>
           <a:lstStyle/>
           <a:p>
-            <a:pPr indent="0" lvl="0" marL="0" rtl="0" algn="l">
+            <a:pPr marL="0" lvl="0" indent="0" algn="l" rtl="0">
               <a:spcBef>
                 <a:spcPts val="0"/>
               </a:spcBef>
@@ -1139,9 +1168,6 @@
               <a:buFont typeface="Arial"/>
               <a:buNone/>
             </a:pPr>
-            <a:r>
-              <a:t/>
-            </a:r>
             <a:endParaRPr/>
           </a:p>
         </p:txBody>
@@ -1155,11 +1181,11 @@
 </file>
 
 <file path=ppt/notesSlides/notesSlide2.xml><?xml version="1.0" encoding="utf-8"?>
-<p:notes xmlns:a="http://schemas.openxmlformats.org/drawingml/2006/main" xmlns:r="http://schemas.openxmlformats.org/officeDocument/2006/relationships" xmlns:mc="http://schemas.openxmlformats.org/markup-compatibility/2006" xmlns:mv="urn:schemas-microsoft-com:mac:vml" xmlns:p="http://schemas.openxmlformats.org/presentationml/2006/main" xmlns:c="http://schemas.openxmlformats.org/drawingml/2006/chart" xmlns:dgm="http://schemas.openxmlformats.org/drawingml/2006/diagram" xmlns:o="urn:schemas-microsoft-com:office:office" xmlns:v="urn:schemas-microsoft-com:vml" xmlns:pvml="urn:schemas-microsoft-com:office:powerpoint" xmlns:com="http://schemas.openxmlformats.org/drawingml/2006/compatibility" xmlns:p14="http://schemas.microsoft.com/office/powerpoint/2010/main" xmlns:p15="http://schemas.microsoft.com/office/powerpoint/2012/main" xmlns:ahyp="http://schemas.microsoft.com/office/drawing/2018/hyperlinkcolor" showMasterPhAnim="0" showMasterSp="0">
+<p:notes xmlns:a="http://schemas.openxmlformats.org/drawingml/2006/main" xmlns:r="http://schemas.openxmlformats.org/officeDocument/2006/relationships" xmlns:p="http://schemas.openxmlformats.org/presentationml/2006/main" showMasterSp="0" showMasterPhAnim="0">
   <p:cSld>
     <p:spTree>
       <p:nvGrpSpPr>
-        <p:cNvPr id="57" name="Shape 57"/>
+        <p:cNvPr id="1" name="Shape 57"/>
         <p:cNvGrpSpPr/>
         <p:nvPr/>
       </p:nvGrpSpPr>
@@ -1174,9 +1200,11 @@
       <p:sp>
         <p:nvSpPr>
           <p:cNvPr id="58" name="Google Shape;58;p2:notes"/>
-          <p:cNvSpPr/>
+          <p:cNvSpPr>
+            <a:spLocks noGrp="1" noRot="1" noChangeAspect="1"/>
+          </p:cNvSpPr>
           <p:nvPr>
-            <p:ph idx="2" type="sldImg"/>
+            <p:ph type="sldImg" idx="2"/>
           </p:nvPr>
         </p:nvSpPr>
         <p:spPr>
@@ -1185,9 +1213,13 @@
             <a:ext cx="6096000" cy="3429000"/>
           </a:xfrm>
           <a:custGeom>
-            <a:rect b="b" l="l" r="r" t="t"/>
+            <a:avLst/>
+            <a:gdLst/>
+            <a:ahLst/>
+            <a:cxnLst/>
+            <a:rect l="l" t="t" r="r" b="b"/>
             <a:pathLst>
-              <a:path extrusionOk="0" h="120000" w="120000">
+              <a:path w="120000" h="120000" extrusionOk="0">
                 <a:moveTo>
                   <a:pt x="0" y="0"/>
                 </a:moveTo>
@@ -1205,23 +1237,25 @@
             </a:pathLst>
           </a:custGeom>
           <a:noFill/>
-          <a:ln cap="flat" cmpd="sng" w="9525">
+          <a:ln w="9525" cap="flat" cmpd="sng">
             <a:solidFill>
               <a:srgbClr val="000000"/>
             </a:solidFill>
             <a:prstDash val="solid"/>
             <a:round/>
-            <a:headEnd len="sm" w="sm" type="none"/>
-            <a:tailEnd len="sm" w="sm" type="none"/>
+            <a:headEnd type="none" w="sm" len="sm"/>
+            <a:tailEnd type="none" w="sm" len="sm"/>
           </a:ln>
         </p:spPr>
       </p:sp>
       <p:sp>
         <p:nvSpPr>
           <p:cNvPr id="59" name="Google Shape;59;p2:notes"/>
-          <p:cNvSpPr txBox="1"/>
+          <p:cNvSpPr txBox="1">
+            <a:spLocks noGrp="1"/>
+          </p:cNvSpPr>
           <p:nvPr>
-            <p:ph idx="1" type="body"/>
+            <p:ph type="body" idx="1"/>
           </p:nvPr>
         </p:nvSpPr>
         <p:spPr>
@@ -1238,12 +1272,12 @@
           </a:ln>
         </p:spPr>
         <p:txBody>
-          <a:bodyPr anchorCtr="0" anchor="t" bIns="91425" lIns="91425" spcFirstLastPara="1" rIns="91425" wrap="square" tIns="91425">
+          <a:bodyPr spcFirstLastPara="1" wrap="square" lIns="91425" tIns="91425" rIns="91425" bIns="91425" anchor="t" anchorCtr="0">
             <a:noAutofit/>
           </a:bodyPr>
           <a:lstStyle/>
           <a:p>
-            <a:pPr indent="0" lvl="0" marL="0" rtl="0" algn="l">
+            <a:pPr marL="0" lvl="0" indent="0" algn="l" rtl="0">
               <a:spcBef>
                 <a:spcPts val="0"/>
               </a:spcBef>
@@ -1257,9 +1291,6 @@
               <a:buFont typeface="Arial"/>
               <a:buNone/>
             </a:pPr>
-            <a:r>
-              <a:t/>
-            </a:r>
             <a:endParaRPr/>
           </a:p>
         </p:txBody>
@@ -1273,11 +1304,11 @@
 </file>
 
 <file path=ppt/notesSlides/notesSlide3.xml><?xml version="1.0" encoding="utf-8"?>
-<p:notes xmlns:a="http://schemas.openxmlformats.org/drawingml/2006/main" xmlns:r="http://schemas.openxmlformats.org/officeDocument/2006/relationships" xmlns:mc="http://schemas.openxmlformats.org/markup-compatibility/2006" xmlns:mv="urn:schemas-microsoft-com:mac:vml" xmlns:p="http://schemas.openxmlformats.org/presentationml/2006/main" xmlns:c="http://schemas.openxmlformats.org/drawingml/2006/chart" xmlns:dgm="http://schemas.openxmlformats.org/drawingml/2006/diagram" xmlns:o="urn:schemas-microsoft-com:office:office" xmlns:v="urn:schemas-microsoft-com:vml" xmlns:pvml="urn:schemas-microsoft-com:office:powerpoint" xmlns:com="http://schemas.openxmlformats.org/drawingml/2006/compatibility" xmlns:p14="http://schemas.microsoft.com/office/powerpoint/2010/main" xmlns:p15="http://schemas.microsoft.com/office/powerpoint/2012/main" xmlns:ahyp="http://schemas.microsoft.com/office/drawing/2018/hyperlinkcolor" showMasterPhAnim="0" showMasterSp="0">
+<p:notes xmlns:a="http://schemas.openxmlformats.org/drawingml/2006/main" xmlns:r="http://schemas.openxmlformats.org/officeDocument/2006/relationships" xmlns:p="http://schemas.openxmlformats.org/presentationml/2006/main" showMasterSp="0" showMasterPhAnim="0">
   <p:cSld>
     <p:spTree>
       <p:nvGrpSpPr>
-        <p:cNvPr id="64" name="Shape 64"/>
+        <p:cNvPr id="1" name="Shape 64"/>
         <p:cNvGrpSpPr/>
         <p:nvPr/>
       </p:nvGrpSpPr>
@@ -1292,9 +1323,11 @@
       <p:sp>
         <p:nvSpPr>
           <p:cNvPr id="65" name="Google Shape;65;p3:notes"/>
-          <p:cNvSpPr/>
+          <p:cNvSpPr>
+            <a:spLocks noGrp="1" noRot="1" noChangeAspect="1"/>
+          </p:cNvSpPr>
           <p:nvPr>
-            <p:ph idx="2" type="sldImg"/>
+            <p:ph type="sldImg" idx="2"/>
           </p:nvPr>
         </p:nvSpPr>
         <p:spPr>
@@ -1303,9 +1336,13 @@
             <a:ext cx="6096000" cy="3429000"/>
           </a:xfrm>
           <a:custGeom>
-            <a:rect b="b" l="l" r="r" t="t"/>
+            <a:avLst/>
+            <a:gdLst/>
+            <a:ahLst/>
+            <a:cxnLst/>
+            <a:rect l="l" t="t" r="r" b="b"/>
             <a:pathLst>
-              <a:path extrusionOk="0" h="120000" w="120000">
+              <a:path w="120000" h="120000" extrusionOk="0">
                 <a:moveTo>
                   <a:pt x="0" y="0"/>
                 </a:moveTo>
@@ -1323,23 +1360,25 @@
             </a:pathLst>
           </a:custGeom>
           <a:noFill/>
-          <a:ln cap="flat" cmpd="sng" w="9525">
+          <a:ln w="9525" cap="flat" cmpd="sng">
             <a:solidFill>
               <a:srgbClr val="000000"/>
             </a:solidFill>
             <a:prstDash val="solid"/>
             <a:round/>
-            <a:headEnd len="sm" w="sm" type="none"/>
-            <a:tailEnd len="sm" w="sm" type="none"/>
+            <a:headEnd type="none" w="sm" len="sm"/>
+            <a:tailEnd type="none" w="sm" len="sm"/>
           </a:ln>
         </p:spPr>
       </p:sp>
       <p:sp>
         <p:nvSpPr>
           <p:cNvPr id="66" name="Google Shape;66;p3:notes"/>
-          <p:cNvSpPr txBox="1"/>
+          <p:cNvSpPr txBox="1">
+            <a:spLocks noGrp="1"/>
+          </p:cNvSpPr>
           <p:nvPr>
-            <p:ph idx="1" type="body"/>
+            <p:ph type="body" idx="1"/>
           </p:nvPr>
         </p:nvSpPr>
         <p:spPr>
@@ -1356,12 +1395,12 @@
           </a:ln>
         </p:spPr>
         <p:txBody>
-          <a:bodyPr anchorCtr="0" anchor="t" bIns="91425" lIns="91425" spcFirstLastPara="1" rIns="91425" wrap="square" tIns="91425">
+          <a:bodyPr spcFirstLastPara="1" wrap="square" lIns="91425" tIns="91425" rIns="91425" bIns="91425" anchor="t" anchorCtr="0">
             <a:noAutofit/>
           </a:bodyPr>
           <a:lstStyle/>
           <a:p>
-            <a:pPr indent="0" lvl="0" marL="0" rtl="0" algn="l">
+            <a:pPr marL="0" lvl="0" indent="0" algn="l" rtl="0">
               <a:spcBef>
                 <a:spcPts val="0"/>
               </a:spcBef>
@@ -1375,9 +1414,6 @@
               <a:buFont typeface="Arial"/>
               <a:buNone/>
             </a:pPr>
-            <a:r>
-              <a:t/>
-            </a:r>
             <a:endParaRPr/>
           </a:p>
         </p:txBody>
@@ -1391,11 +1427,11 @@
 </file>
 
 <file path=ppt/notesSlides/notesSlide4.xml><?xml version="1.0" encoding="utf-8"?>
-<p:notes xmlns:a="http://schemas.openxmlformats.org/drawingml/2006/main" xmlns:r="http://schemas.openxmlformats.org/officeDocument/2006/relationships" xmlns:mc="http://schemas.openxmlformats.org/markup-compatibility/2006" xmlns:mv="urn:schemas-microsoft-com:mac:vml" xmlns:p="http://schemas.openxmlformats.org/presentationml/2006/main" xmlns:c="http://schemas.openxmlformats.org/drawingml/2006/chart" xmlns:dgm="http://schemas.openxmlformats.org/drawingml/2006/diagram" xmlns:o="urn:schemas-microsoft-com:office:office" xmlns:v="urn:schemas-microsoft-com:vml" xmlns:pvml="urn:schemas-microsoft-com:office:powerpoint" xmlns:com="http://schemas.openxmlformats.org/drawingml/2006/compatibility" xmlns:p14="http://schemas.microsoft.com/office/powerpoint/2010/main" xmlns:p15="http://schemas.microsoft.com/office/powerpoint/2012/main" xmlns:ahyp="http://schemas.microsoft.com/office/drawing/2018/hyperlinkcolor" showMasterPhAnim="0" showMasterSp="0">
+<p:notes xmlns:a="http://schemas.openxmlformats.org/drawingml/2006/main" xmlns:r="http://schemas.openxmlformats.org/officeDocument/2006/relationships" xmlns:p="http://schemas.openxmlformats.org/presentationml/2006/main" showMasterSp="0" showMasterPhAnim="0">
   <p:cSld>
     <p:spTree>
       <p:nvGrpSpPr>
-        <p:cNvPr id="72" name="Shape 72"/>
+        <p:cNvPr id="1" name="Shape 72"/>
         <p:cNvGrpSpPr/>
         <p:nvPr/>
       </p:nvGrpSpPr>
@@ -1410,9 +1446,11 @@
       <p:sp>
         <p:nvSpPr>
           <p:cNvPr id="73" name="Google Shape;73;p4:notes"/>
-          <p:cNvSpPr/>
+          <p:cNvSpPr>
+            <a:spLocks noGrp="1" noRot="1" noChangeAspect="1"/>
+          </p:cNvSpPr>
           <p:nvPr>
-            <p:ph idx="2" type="sldImg"/>
+            <p:ph type="sldImg" idx="2"/>
           </p:nvPr>
         </p:nvSpPr>
         <p:spPr>
@@ -1421,9 +1459,13 @@
             <a:ext cx="6096000" cy="3429000"/>
           </a:xfrm>
           <a:custGeom>
-            <a:rect b="b" l="l" r="r" t="t"/>
+            <a:avLst/>
+            <a:gdLst/>
+            <a:ahLst/>
+            <a:cxnLst/>
+            <a:rect l="l" t="t" r="r" b="b"/>
             <a:pathLst>
-              <a:path extrusionOk="0" h="120000" w="120000">
+              <a:path w="120000" h="120000" extrusionOk="0">
                 <a:moveTo>
                   <a:pt x="0" y="0"/>
                 </a:moveTo>
@@ -1441,23 +1483,25 @@
             </a:pathLst>
           </a:custGeom>
           <a:noFill/>
-          <a:ln cap="flat" cmpd="sng" w="9525">
+          <a:ln w="9525" cap="flat" cmpd="sng">
             <a:solidFill>
               <a:srgbClr val="000000"/>
             </a:solidFill>
             <a:prstDash val="solid"/>
             <a:round/>
-            <a:headEnd len="sm" w="sm" type="none"/>
-            <a:tailEnd len="sm" w="sm" type="none"/>
+            <a:headEnd type="none" w="sm" len="sm"/>
+            <a:tailEnd type="none" w="sm" len="sm"/>
           </a:ln>
         </p:spPr>
       </p:sp>
       <p:sp>
         <p:nvSpPr>
           <p:cNvPr id="74" name="Google Shape;74;p4:notes"/>
-          <p:cNvSpPr txBox="1"/>
+          <p:cNvSpPr txBox="1">
+            <a:spLocks noGrp="1"/>
+          </p:cNvSpPr>
           <p:nvPr>
-            <p:ph idx="1" type="body"/>
+            <p:ph type="body" idx="1"/>
           </p:nvPr>
         </p:nvSpPr>
         <p:spPr>
@@ -1474,12 +1518,12 @@
           </a:ln>
         </p:spPr>
         <p:txBody>
-          <a:bodyPr anchorCtr="0" anchor="t" bIns="91425" lIns="91425" spcFirstLastPara="1" rIns="91425" wrap="square" tIns="91425">
+          <a:bodyPr spcFirstLastPara="1" wrap="square" lIns="91425" tIns="91425" rIns="91425" bIns="91425" anchor="t" anchorCtr="0">
             <a:noAutofit/>
           </a:bodyPr>
           <a:lstStyle/>
           <a:p>
-            <a:pPr indent="0" lvl="0" marL="0" rtl="0" algn="l">
+            <a:pPr marL="0" lvl="0" indent="0" algn="l" rtl="0">
               <a:spcBef>
                 <a:spcPts val="0"/>
               </a:spcBef>
@@ -1493,9 +1537,6 @@
               <a:buFont typeface="Arial"/>
               <a:buNone/>
             </a:pPr>
-            <a:r>
-              <a:t/>
-            </a:r>
             <a:endParaRPr/>
           </a:p>
         </p:txBody>
@@ -1509,11 +1550,11 @@
 </file>
 
 <file path=ppt/notesSlides/notesSlide5.xml><?xml version="1.0" encoding="utf-8"?>
-<p:notes xmlns:a="http://schemas.openxmlformats.org/drawingml/2006/main" xmlns:r="http://schemas.openxmlformats.org/officeDocument/2006/relationships" xmlns:mc="http://schemas.openxmlformats.org/markup-compatibility/2006" xmlns:mv="urn:schemas-microsoft-com:mac:vml" xmlns:p="http://schemas.openxmlformats.org/presentationml/2006/main" xmlns:c="http://schemas.openxmlformats.org/drawingml/2006/chart" xmlns:dgm="http://schemas.openxmlformats.org/drawingml/2006/diagram" xmlns:o="urn:schemas-microsoft-com:office:office" xmlns:v="urn:schemas-microsoft-com:vml" xmlns:pvml="urn:schemas-microsoft-com:office:powerpoint" xmlns:com="http://schemas.openxmlformats.org/drawingml/2006/compatibility" xmlns:p14="http://schemas.microsoft.com/office/powerpoint/2010/main" xmlns:p15="http://schemas.microsoft.com/office/powerpoint/2012/main" xmlns:ahyp="http://schemas.microsoft.com/office/drawing/2018/hyperlinkcolor" showMasterPhAnim="0" showMasterSp="0">
+<p:notes xmlns:a="http://schemas.openxmlformats.org/drawingml/2006/main" xmlns:r="http://schemas.openxmlformats.org/officeDocument/2006/relationships" xmlns:p="http://schemas.openxmlformats.org/presentationml/2006/main" showMasterSp="0" showMasterPhAnim="0">
   <p:cSld>
     <p:spTree>
       <p:nvGrpSpPr>
-        <p:cNvPr id="81" name="Shape 81"/>
+        <p:cNvPr id="1" name="Shape 81"/>
         <p:cNvGrpSpPr/>
         <p:nvPr/>
       </p:nvGrpSpPr>
@@ -1528,9 +1569,11 @@
       <p:sp>
         <p:nvSpPr>
           <p:cNvPr id="82" name="Google Shape;82;p5:notes"/>
-          <p:cNvSpPr/>
+          <p:cNvSpPr>
+            <a:spLocks noGrp="1" noRot="1" noChangeAspect="1"/>
+          </p:cNvSpPr>
           <p:nvPr>
-            <p:ph idx="2" type="sldImg"/>
+            <p:ph type="sldImg" idx="2"/>
           </p:nvPr>
         </p:nvSpPr>
         <p:spPr>
@@ -1539,9 +1582,13 @@
             <a:ext cx="6096000" cy="3429000"/>
           </a:xfrm>
           <a:custGeom>
-            <a:rect b="b" l="l" r="r" t="t"/>
+            <a:avLst/>
+            <a:gdLst/>
+            <a:ahLst/>
+            <a:cxnLst/>
+            <a:rect l="l" t="t" r="r" b="b"/>
             <a:pathLst>
-              <a:path extrusionOk="0" h="120000" w="120000">
+              <a:path w="120000" h="120000" extrusionOk="0">
                 <a:moveTo>
                   <a:pt x="0" y="0"/>
                 </a:moveTo>
@@ -1559,23 +1606,25 @@
             </a:pathLst>
           </a:custGeom>
           <a:noFill/>
-          <a:ln cap="flat" cmpd="sng" w="9525">
+          <a:ln w="9525" cap="flat" cmpd="sng">
             <a:solidFill>
               <a:srgbClr val="000000"/>
             </a:solidFill>
             <a:prstDash val="solid"/>
             <a:round/>
-            <a:headEnd len="sm" w="sm" type="none"/>
-            <a:tailEnd len="sm" w="sm" type="none"/>
+            <a:headEnd type="none" w="sm" len="sm"/>
+            <a:tailEnd type="none" w="sm" len="sm"/>
           </a:ln>
         </p:spPr>
       </p:sp>
       <p:sp>
         <p:nvSpPr>
           <p:cNvPr id="83" name="Google Shape;83;p5:notes"/>
-          <p:cNvSpPr txBox="1"/>
+          <p:cNvSpPr txBox="1">
+            <a:spLocks noGrp="1"/>
+          </p:cNvSpPr>
           <p:nvPr>
-            <p:ph idx="1" type="body"/>
+            <p:ph type="body" idx="1"/>
           </p:nvPr>
         </p:nvSpPr>
         <p:spPr>
@@ -1592,12 +1641,12 @@
           </a:ln>
         </p:spPr>
         <p:txBody>
-          <a:bodyPr anchorCtr="0" anchor="t" bIns="91425" lIns="91425" spcFirstLastPara="1" rIns="91425" wrap="square" tIns="91425">
+          <a:bodyPr spcFirstLastPara="1" wrap="square" lIns="91425" tIns="91425" rIns="91425" bIns="91425" anchor="t" anchorCtr="0">
             <a:noAutofit/>
           </a:bodyPr>
           <a:lstStyle/>
           <a:p>
-            <a:pPr indent="0" lvl="0" marL="0" rtl="0" algn="l">
+            <a:pPr marL="0" lvl="0" indent="0" algn="l" rtl="0">
               <a:spcBef>
                 <a:spcPts val="0"/>
               </a:spcBef>
@@ -1611,9 +1660,6 @@
               <a:buFont typeface="Arial"/>
               <a:buNone/>
             </a:pPr>
-            <a:r>
-              <a:t/>
-            </a:r>
             <a:endParaRPr/>
           </a:p>
         </p:txBody>
@@ -1627,11 +1673,11 @@
 </file>
 
 <file path=ppt/notesSlides/notesSlide6.xml><?xml version="1.0" encoding="utf-8"?>
-<p:notes xmlns:a="http://schemas.openxmlformats.org/drawingml/2006/main" xmlns:r="http://schemas.openxmlformats.org/officeDocument/2006/relationships" xmlns:mc="http://schemas.openxmlformats.org/markup-compatibility/2006" xmlns:mv="urn:schemas-microsoft-com:mac:vml" xmlns:p="http://schemas.openxmlformats.org/presentationml/2006/main" xmlns:c="http://schemas.openxmlformats.org/drawingml/2006/chart" xmlns:dgm="http://schemas.openxmlformats.org/drawingml/2006/diagram" xmlns:o="urn:schemas-microsoft-com:office:office" xmlns:v="urn:schemas-microsoft-com:vml" xmlns:pvml="urn:schemas-microsoft-com:office:powerpoint" xmlns:com="http://schemas.openxmlformats.org/drawingml/2006/compatibility" xmlns:p14="http://schemas.microsoft.com/office/powerpoint/2010/main" xmlns:p15="http://schemas.microsoft.com/office/powerpoint/2012/main" xmlns:ahyp="http://schemas.microsoft.com/office/drawing/2018/hyperlinkcolor" showMasterPhAnim="0" showMasterSp="0">
+<p:notes xmlns:a="http://schemas.openxmlformats.org/drawingml/2006/main" xmlns:r="http://schemas.openxmlformats.org/officeDocument/2006/relationships" xmlns:p="http://schemas.openxmlformats.org/presentationml/2006/main" showMasterSp="0" showMasterPhAnim="0">
   <p:cSld>
     <p:spTree>
       <p:nvGrpSpPr>
-        <p:cNvPr id="88" name="Shape 88"/>
+        <p:cNvPr id="1" name="Shape 88"/>
         <p:cNvGrpSpPr/>
         <p:nvPr/>
       </p:nvGrpSpPr>
@@ -1646,9 +1692,11 @@
       <p:sp>
         <p:nvSpPr>
           <p:cNvPr id="89" name="Google Shape;89;p6:notes"/>
-          <p:cNvSpPr/>
+          <p:cNvSpPr>
+            <a:spLocks noGrp="1" noRot="1" noChangeAspect="1"/>
+          </p:cNvSpPr>
           <p:nvPr>
-            <p:ph idx="2" type="sldImg"/>
+            <p:ph type="sldImg" idx="2"/>
           </p:nvPr>
         </p:nvSpPr>
         <p:spPr>
@@ -1657,9 +1705,13 @@
             <a:ext cx="6096000" cy="3429000"/>
           </a:xfrm>
           <a:custGeom>
-            <a:rect b="b" l="l" r="r" t="t"/>
+            <a:avLst/>
+            <a:gdLst/>
+            <a:ahLst/>
+            <a:cxnLst/>
+            <a:rect l="l" t="t" r="r" b="b"/>
             <a:pathLst>
-              <a:path extrusionOk="0" h="120000" w="120000">
+              <a:path w="120000" h="120000" extrusionOk="0">
                 <a:moveTo>
                   <a:pt x="0" y="0"/>
                 </a:moveTo>
@@ -1677,23 +1729,25 @@
             </a:pathLst>
           </a:custGeom>
           <a:noFill/>
-          <a:ln cap="flat" cmpd="sng" w="9525">
+          <a:ln w="9525" cap="flat" cmpd="sng">
             <a:solidFill>
               <a:srgbClr val="000000"/>
             </a:solidFill>
             <a:prstDash val="solid"/>
             <a:round/>
-            <a:headEnd len="sm" w="sm" type="none"/>
-            <a:tailEnd len="sm" w="sm" type="none"/>
+            <a:headEnd type="none" w="sm" len="sm"/>
+            <a:tailEnd type="none" w="sm" len="sm"/>
           </a:ln>
         </p:spPr>
       </p:sp>
       <p:sp>
         <p:nvSpPr>
           <p:cNvPr id="90" name="Google Shape;90;p6:notes"/>
-          <p:cNvSpPr txBox="1"/>
+          <p:cNvSpPr txBox="1">
+            <a:spLocks noGrp="1"/>
+          </p:cNvSpPr>
           <p:nvPr>
-            <p:ph idx="1" type="body"/>
+            <p:ph type="body" idx="1"/>
           </p:nvPr>
         </p:nvSpPr>
         <p:spPr>
@@ -1710,12 +1764,12 @@
           </a:ln>
         </p:spPr>
         <p:txBody>
-          <a:bodyPr anchorCtr="0" anchor="t" bIns="91425" lIns="91425" spcFirstLastPara="1" rIns="91425" wrap="square" tIns="91425">
+          <a:bodyPr spcFirstLastPara="1" wrap="square" lIns="91425" tIns="91425" rIns="91425" bIns="91425" anchor="t" anchorCtr="0">
             <a:noAutofit/>
           </a:bodyPr>
           <a:lstStyle/>
           <a:p>
-            <a:pPr indent="0" lvl="0" marL="0" rtl="0" algn="l">
+            <a:pPr marL="0" lvl="0" indent="0" algn="l" rtl="0">
               <a:spcBef>
                 <a:spcPts val="0"/>
               </a:spcBef>
@@ -1729,9 +1783,6 @@
               <a:buFont typeface="Arial"/>
               <a:buNone/>
             </a:pPr>
-            <a:r>
-              <a:t/>
-            </a:r>
             <a:endParaRPr/>
           </a:p>
         </p:txBody>
@@ -1745,11 +1796,11 @@
 </file>
 
 <file path=ppt/notesSlides/notesSlide7.xml><?xml version="1.0" encoding="utf-8"?>
-<p:notes xmlns:a="http://schemas.openxmlformats.org/drawingml/2006/main" xmlns:r="http://schemas.openxmlformats.org/officeDocument/2006/relationships" xmlns:mc="http://schemas.openxmlformats.org/markup-compatibility/2006" xmlns:mv="urn:schemas-microsoft-com:mac:vml" xmlns:p="http://schemas.openxmlformats.org/presentationml/2006/main" xmlns:c="http://schemas.openxmlformats.org/drawingml/2006/chart" xmlns:dgm="http://schemas.openxmlformats.org/drawingml/2006/diagram" xmlns:o="urn:schemas-microsoft-com:office:office" xmlns:v="urn:schemas-microsoft-com:vml" xmlns:pvml="urn:schemas-microsoft-com:office:powerpoint" xmlns:com="http://schemas.openxmlformats.org/drawingml/2006/compatibility" xmlns:p14="http://schemas.microsoft.com/office/powerpoint/2010/main" xmlns:p15="http://schemas.microsoft.com/office/powerpoint/2012/main" xmlns:ahyp="http://schemas.microsoft.com/office/drawing/2018/hyperlinkcolor" showMasterPhAnim="0" showMasterSp="0">
+<p:notes xmlns:a="http://schemas.openxmlformats.org/drawingml/2006/main" xmlns:r="http://schemas.openxmlformats.org/officeDocument/2006/relationships" xmlns:p="http://schemas.openxmlformats.org/presentationml/2006/main" showMasterSp="0" showMasterPhAnim="0">
   <p:cSld>
     <p:spTree>
       <p:nvGrpSpPr>
-        <p:cNvPr id="97" name="Shape 97"/>
+        <p:cNvPr id="1" name="Shape 97"/>
         <p:cNvGrpSpPr/>
         <p:nvPr/>
       </p:nvGrpSpPr>
@@ -1764,9 +1815,11 @@
       <p:sp>
         <p:nvSpPr>
           <p:cNvPr id="98" name="Google Shape;98;p7:notes"/>
-          <p:cNvSpPr/>
+          <p:cNvSpPr>
+            <a:spLocks noGrp="1" noRot="1" noChangeAspect="1"/>
+          </p:cNvSpPr>
           <p:nvPr>
-            <p:ph idx="2" type="sldImg"/>
+            <p:ph type="sldImg" idx="2"/>
           </p:nvPr>
         </p:nvSpPr>
         <p:spPr>
@@ -1775,9 +1828,13 @@
             <a:ext cx="6096000" cy="3429000"/>
           </a:xfrm>
           <a:custGeom>
-            <a:rect b="b" l="l" r="r" t="t"/>
+            <a:avLst/>
+            <a:gdLst/>
+            <a:ahLst/>
+            <a:cxnLst/>
+            <a:rect l="l" t="t" r="r" b="b"/>
             <a:pathLst>
-              <a:path extrusionOk="0" h="120000" w="120000">
+              <a:path w="120000" h="120000" extrusionOk="0">
                 <a:moveTo>
                   <a:pt x="0" y="0"/>
                 </a:moveTo>
@@ -1795,23 +1852,25 @@
             </a:pathLst>
           </a:custGeom>
           <a:noFill/>
-          <a:ln cap="flat" cmpd="sng" w="9525">
+          <a:ln w="9525" cap="flat" cmpd="sng">
             <a:solidFill>
               <a:srgbClr val="000000"/>
             </a:solidFill>
             <a:prstDash val="solid"/>
             <a:round/>
-            <a:headEnd len="sm" w="sm" type="none"/>
-            <a:tailEnd len="sm" w="sm" type="none"/>
+            <a:headEnd type="none" w="sm" len="sm"/>
+            <a:tailEnd type="none" w="sm" len="sm"/>
           </a:ln>
         </p:spPr>
       </p:sp>
       <p:sp>
         <p:nvSpPr>
           <p:cNvPr id="99" name="Google Shape;99;p7:notes"/>
-          <p:cNvSpPr txBox="1"/>
+          <p:cNvSpPr txBox="1">
+            <a:spLocks noGrp="1"/>
+          </p:cNvSpPr>
           <p:nvPr>
-            <p:ph idx="1" type="body"/>
+            <p:ph type="body" idx="1"/>
           </p:nvPr>
         </p:nvSpPr>
         <p:spPr>
@@ -1828,12 +1887,12 @@
           </a:ln>
         </p:spPr>
         <p:txBody>
-          <a:bodyPr anchorCtr="0" anchor="t" bIns="91425" lIns="91425" spcFirstLastPara="1" rIns="91425" wrap="square" tIns="91425">
+          <a:bodyPr spcFirstLastPara="1" wrap="square" lIns="91425" tIns="91425" rIns="91425" bIns="91425" anchor="t" anchorCtr="0">
             <a:noAutofit/>
           </a:bodyPr>
           <a:lstStyle/>
           <a:p>
-            <a:pPr indent="0" lvl="0" marL="0" rtl="0" algn="l">
+            <a:pPr marL="0" lvl="0" indent="0" algn="l" rtl="0">
               <a:spcBef>
                 <a:spcPts val="0"/>
               </a:spcBef>
@@ -1847,9 +1906,6 @@
               <a:buFont typeface="Arial"/>
               <a:buNone/>
             </a:pPr>
-            <a:r>
-              <a:t/>
-            </a:r>
             <a:endParaRPr/>
           </a:p>
         </p:txBody>
@@ -1863,11 +1919,11 @@
 </file>
 
 <file path=ppt/notesSlides/notesSlide8.xml><?xml version="1.0" encoding="utf-8"?>
-<p:notes xmlns:a="http://schemas.openxmlformats.org/drawingml/2006/main" xmlns:r="http://schemas.openxmlformats.org/officeDocument/2006/relationships" xmlns:mc="http://schemas.openxmlformats.org/markup-compatibility/2006" xmlns:mv="urn:schemas-microsoft-com:mac:vml" xmlns:p="http://schemas.openxmlformats.org/presentationml/2006/main" xmlns:c="http://schemas.openxmlformats.org/drawingml/2006/chart" xmlns:dgm="http://schemas.openxmlformats.org/drawingml/2006/diagram" xmlns:o="urn:schemas-microsoft-com:office:office" xmlns:v="urn:schemas-microsoft-com:vml" xmlns:pvml="urn:schemas-microsoft-com:office:powerpoint" xmlns:com="http://schemas.openxmlformats.org/drawingml/2006/compatibility" xmlns:p14="http://schemas.microsoft.com/office/powerpoint/2010/main" xmlns:p15="http://schemas.microsoft.com/office/powerpoint/2012/main" xmlns:ahyp="http://schemas.microsoft.com/office/drawing/2018/hyperlinkcolor" showMasterPhAnim="0" showMasterSp="0">
+<p:notes xmlns:a="http://schemas.openxmlformats.org/drawingml/2006/main" xmlns:r="http://schemas.openxmlformats.org/officeDocument/2006/relationships" xmlns:p="http://schemas.openxmlformats.org/presentationml/2006/main" showMasterSp="0" showMasterPhAnim="0">
   <p:cSld>
     <p:spTree>
       <p:nvGrpSpPr>
-        <p:cNvPr id="106" name="Shape 106"/>
+        <p:cNvPr id="1" name="Shape 106"/>
         <p:cNvGrpSpPr/>
         <p:nvPr/>
       </p:nvGrpSpPr>
@@ -1882,9 +1938,11 @@
       <p:sp>
         <p:nvSpPr>
           <p:cNvPr id="107" name="Google Shape;107;p8:notes"/>
-          <p:cNvSpPr/>
+          <p:cNvSpPr>
+            <a:spLocks noGrp="1" noRot="1" noChangeAspect="1"/>
+          </p:cNvSpPr>
           <p:nvPr>
-            <p:ph idx="2" type="sldImg"/>
+            <p:ph type="sldImg" idx="2"/>
           </p:nvPr>
         </p:nvSpPr>
         <p:spPr>
@@ -1893,9 +1951,13 @@
             <a:ext cx="6096000" cy="3429000"/>
           </a:xfrm>
           <a:custGeom>
-            <a:rect b="b" l="l" r="r" t="t"/>
+            <a:avLst/>
+            <a:gdLst/>
+            <a:ahLst/>
+            <a:cxnLst/>
+            <a:rect l="l" t="t" r="r" b="b"/>
             <a:pathLst>
-              <a:path extrusionOk="0" h="120000" w="120000">
+              <a:path w="120000" h="120000" extrusionOk="0">
                 <a:moveTo>
                   <a:pt x="0" y="0"/>
                 </a:moveTo>
@@ -1913,23 +1975,25 @@
             </a:pathLst>
           </a:custGeom>
           <a:noFill/>
-          <a:ln cap="flat" cmpd="sng" w="9525">
+          <a:ln w="9525" cap="flat" cmpd="sng">
             <a:solidFill>
               <a:srgbClr val="000000"/>
             </a:solidFill>
             <a:prstDash val="solid"/>
             <a:round/>
-            <a:headEnd len="sm" w="sm" type="none"/>
-            <a:tailEnd len="sm" w="sm" type="none"/>
+            <a:headEnd type="none" w="sm" len="sm"/>
+            <a:tailEnd type="none" w="sm" len="sm"/>
           </a:ln>
         </p:spPr>
       </p:sp>
       <p:sp>
         <p:nvSpPr>
           <p:cNvPr id="108" name="Google Shape;108;p8:notes"/>
-          <p:cNvSpPr txBox="1"/>
+          <p:cNvSpPr txBox="1">
+            <a:spLocks noGrp="1"/>
+          </p:cNvSpPr>
           <p:nvPr>
-            <p:ph idx="1" type="body"/>
+            <p:ph type="body" idx="1"/>
           </p:nvPr>
         </p:nvSpPr>
         <p:spPr>
@@ -1946,12 +2010,12 @@
           </a:ln>
         </p:spPr>
         <p:txBody>
-          <a:bodyPr anchorCtr="0" anchor="t" bIns="91425" lIns="91425" spcFirstLastPara="1" rIns="91425" wrap="square" tIns="91425">
+          <a:bodyPr spcFirstLastPara="1" wrap="square" lIns="91425" tIns="91425" rIns="91425" bIns="91425" anchor="t" anchorCtr="0">
             <a:noAutofit/>
           </a:bodyPr>
           <a:lstStyle/>
           <a:p>
-            <a:pPr indent="0" lvl="0" marL="0" rtl="0" algn="l">
+            <a:pPr marL="0" lvl="0" indent="0" algn="l" rtl="0">
               <a:spcBef>
                 <a:spcPts val="0"/>
               </a:spcBef>
@@ -1965,9 +2029,6 @@
               <a:buFont typeface="Arial"/>
               <a:buNone/>
             </a:pPr>
-            <a:r>
-              <a:t/>
-            </a:r>
             <a:endParaRPr/>
           </a:p>
         </p:txBody>
@@ -1981,11 +2042,11 @@
 </file>
 
 <file path=ppt/notesSlides/notesSlide9.xml><?xml version="1.0" encoding="utf-8"?>
-<p:notes xmlns:a="http://schemas.openxmlformats.org/drawingml/2006/main" xmlns:r="http://schemas.openxmlformats.org/officeDocument/2006/relationships" xmlns:mc="http://schemas.openxmlformats.org/markup-compatibility/2006" xmlns:mv="urn:schemas-microsoft-com:mac:vml" xmlns:p="http://schemas.openxmlformats.org/presentationml/2006/main" xmlns:c="http://schemas.openxmlformats.org/drawingml/2006/chart" xmlns:dgm="http://schemas.openxmlformats.org/drawingml/2006/diagram" xmlns:o="urn:schemas-microsoft-com:office:office" xmlns:v="urn:schemas-microsoft-com:vml" xmlns:pvml="urn:schemas-microsoft-com:office:powerpoint" xmlns:com="http://schemas.openxmlformats.org/drawingml/2006/compatibility" xmlns:p14="http://schemas.microsoft.com/office/powerpoint/2010/main" xmlns:p15="http://schemas.microsoft.com/office/powerpoint/2012/main" xmlns:ahyp="http://schemas.microsoft.com/office/drawing/2018/hyperlinkcolor" showMasterPhAnim="0" showMasterSp="0">
+<p:notes xmlns:a="http://schemas.openxmlformats.org/drawingml/2006/main" xmlns:r="http://schemas.openxmlformats.org/officeDocument/2006/relationships" xmlns:p="http://schemas.openxmlformats.org/presentationml/2006/main" showMasterSp="0" showMasterPhAnim="0">
   <p:cSld>
     <p:spTree>
       <p:nvGrpSpPr>
-        <p:cNvPr id="112" name="Shape 112"/>
+        <p:cNvPr id="1" name="Shape 112"/>
         <p:cNvGrpSpPr/>
         <p:nvPr/>
       </p:nvGrpSpPr>
@@ -2000,9 +2061,11 @@
       <p:sp>
         <p:nvSpPr>
           <p:cNvPr id="113" name="Google Shape;113;p9:notes"/>
-          <p:cNvSpPr/>
+          <p:cNvSpPr>
+            <a:spLocks noGrp="1" noRot="1" noChangeAspect="1"/>
+          </p:cNvSpPr>
           <p:nvPr>
-            <p:ph idx="2" type="sldImg"/>
+            <p:ph type="sldImg" idx="2"/>
           </p:nvPr>
         </p:nvSpPr>
         <p:spPr>
@@ -2011,9 +2074,13 @@
             <a:ext cx="6096000" cy="3429000"/>
           </a:xfrm>
           <a:custGeom>
-            <a:rect b="b" l="l" r="r" t="t"/>
+            <a:avLst/>
+            <a:gdLst/>
+            <a:ahLst/>
+            <a:cxnLst/>
+            <a:rect l="l" t="t" r="r" b="b"/>
             <a:pathLst>
-              <a:path extrusionOk="0" h="120000" w="120000">
+              <a:path w="120000" h="120000" extrusionOk="0">
                 <a:moveTo>
                   <a:pt x="0" y="0"/>
                 </a:moveTo>
@@ -2031,23 +2098,25 @@
             </a:pathLst>
           </a:custGeom>
           <a:noFill/>
-          <a:ln cap="flat" cmpd="sng" w="9525">
+          <a:ln w="9525" cap="flat" cmpd="sng">
             <a:solidFill>
               <a:srgbClr val="000000"/>
             </a:solidFill>
             <a:prstDash val="solid"/>
             <a:round/>
-            <a:headEnd len="sm" w="sm" type="none"/>
-            <a:tailEnd len="sm" w="sm" type="none"/>
+            <a:headEnd type="none" w="sm" len="sm"/>
+            <a:tailEnd type="none" w="sm" len="sm"/>
           </a:ln>
         </p:spPr>
       </p:sp>
       <p:sp>
         <p:nvSpPr>
           <p:cNvPr id="114" name="Google Shape;114;p9:notes"/>
-          <p:cNvSpPr txBox="1"/>
+          <p:cNvSpPr txBox="1">
+            <a:spLocks noGrp="1"/>
+          </p:cNvSpPr>
           <p:nvPr>
-            <p:ph idx="1" type="body"/>
+            <p:ph type="body" idx="1"/>
           </p:nvPr>
         </p:nvSpPr>
         <p:spPr>
@@ -2064,12 +2133,12 @@
           </a:ln>
         </p:spPr>
         <p:txBody>
-          <a:bodyPr anchorCtr="0" anchor="t" bIns="91425" lIns="91425" spcFirstLastPara="1" rIns="91425" wrap="square" tIns="91425">
+          <a:bodyPr spcFirstLastPara="1" wrap="square" lIns="91425" tIns="91425" rIns="91425" bIns="91425" anchor="t" anchorCtr="0">
             <a:noAutofit/>
           </a:bodyPr>
           <a:lstStyle/>
           <a:p>
-            <a:pPr indent="0" lvl="0" marL="0" rtl="0" algn="l">
+            <a:pPr marL="0" lvl="0" indent="0" algn="l" rtl="0">
               <a:spcBef>
                 <a:spcPts val="0"/>
               </a:spcBef>
@@ -2083,9 +2152,6 @@
               <a:buFont typeface="Arial"/>
               <a:buNone/>
             </a:pPr>
-            <a:r>
-              <a:t/>
-            </a:r>
             <a:endParaRPr/>
           </a:p>
         </p:txBody>
@@ -2099,11 +2165,11 @@
 </file>
 
 <file path=ppt/slideLayouts/slideLayout1.xml><?xml version="1.0" encoding="utf-8"?>
-<p:sldLayout xmlns:a="http://schemas.openxmlformats.org/drawingml/2006/main" xmlns:r="http://schemas.openxmlformats.org/officeDocument/2006/relationships" xmlns:mc="http://schemas.openxmlformats.org/markup-compatibility/2006" xmlns:mv="urn:schemas-microsoft-com:mac:vml" xmlns:p="http://schemas.openxmlformats.org/presentationml/2006/main" xmlns:c="http://schemas.openxmlformats.org/drawingml/2006/chart" xmlns:dgm="http://schemas.openxmlformats.org/drawingml/2006/diagram" xmlns:o="urn:schemas-microsoft-com:office:office" xmlns:v="urn:schemas-microsoft-com:vml" xmlns:pvml="urn:schemas-microsoft-com:office:powerpoint" xmlns:com="http://schemas.openxmlformats.org/drawingml/2006/compatibility" xmlns:p14="http://schemas.microsoft.com/office/powerpoint/2010/main" xmlns:p15="http://schemas.microsoft.com/office/powerpoint/2012/main" xmlns:ahyp="http://schemas.microsoft.com/office/drawing/2018/hyperlinkcolor" matchingName="Title slide" type="title">
+<p:sldLayout xmlns:a="http://schemas.openxmlformats.org/drawingml/2006/main" xmlns:r="http://schemas.openxmlformats.org/officeDocument/2006/relationships" xmlns:p="http://schemas.openxmlformats.org/presentationml/2006/main" matchingName="Title slide" type="title">
   <p:cSld name="TITLE">
     <p:spTree>
       <p:nvGrpSpPr>
-        <p:cNvPr id="9" name="Shape 9"/>
+        <p:cNvPr id="1" name="Shape 9"/>
         <p:cNvGrpSpPr/>
         <p:nvPr/>
       </p:nvGrpSpPr>
@@ -2118,7 +2184,9 @@
       <p:sp>
         <p:nvSpPr>
           <p:cNvPr id="10" name="Google Shape;10;p13"/>
-          <p:cNvSpPr txBox="1"/>
+          <p:cNvSpPr txBox="1">
+            <a:spLocks noGrp="1"/>
+          </p:cNvSpPr>
           <p:nvPr>
             <p:ph type="ctrTitle"/>
           </p:nvPr>
@@ -2137,7 +2205,7 @@
           </a:ln>
         </p:spPr>
         <p:txBody>
-          <a:bodyPr anchorCtr="0" anchor="b" bIns="91425" lIns="91425" spcFirstLastPara="1" rIns="91425" wrap="square" tIns="91425">
+          <a:bodyPr spcFirstLastPara="1" wrap="square" lIns="91425" tIns="91425" rIns="91425" bIns="91425" anchor="b" anchorCtr="0">
             <a:noAutofit/>
           </a:bodyPr>
           <a:lstStyle>
@@ -2245,15 +2313,19 @@
               <a:defRPr sz="5200"/>
             </a:lvl9pPr>
           </a:lstStyle>
-          <a:p/>
+          <a:p>
+            <a:endParaRPr/>
+          </a:p>
         </p:txBody>
       </p:sp>
       <p:sp>
         <p:nvSpPr>
           <p:cNvPr id="11" name="Google Shape;11;p13"/>
-          <p:cNvSpPr txBox="1"/>
+          <p:cNvSpPr txBox="1">
+            <a:spLocks noGrp="1"/>
+          </p:cNvSpPr>
           <p:nvPr>
-            <p:ph idx="1" type="subTitle"/>
+            <p:ph type="subTitle" idx="1"/>
           </p:nvPr>
         </p:nvSpPr>
         <p:spPr>
@@ -2270,7 +2342,7 @@
           </a:ln>
         </p:spPr>
         <p:txBody>
-          <a:bodyPr anchorCtr="0" anchor="t" bIns="91425" lIns="91425" spcFirstLastPara="1" rIns="91425" wrap="square" tIns="91425">
+          <a:bodyPr spcFirstLastPara="1" wrap="square" lIns="91425" tIns="91425" rIns="91425" bIns="91425" anchor="t" anchorCtr="0">
             <a:noAutofit/>
           </a:bodyPr>
           <a:lstStyle>
@@ -2410,15 +2482,19 @@
               <a:defRPr sz="2800"/>
             </a:lvl9pPr>
           </a:lstStyle>
-          <a:p/>
+          <a:p>
+            <a:endParaRPr/>
+          </a:p>
         </p:txBody>
       </p:sp>
       <p:sp>
         <p:nvSpPr>
           <p:cNvPr id="12" name="Google Shape;12;p13"/>
-          <p:cNvSpPr txBox="1"/>
+          <p:cNvSpPr txBox="1">
+            <a:spLocks noGrp="1"/>
+          </p:cNvSpPr>
           <p:nvPr>
-            <p:ph idx="12" type="sldNum"/>
+            <p:ph type="sldNum" idx="12"/>
           </p:nvPr>
         </p:nvSpPr>
         <p:spPr>
@@ -2435,11 +2511,11 @@
           </a:ln>
         </p:spPr>
         <p:txBody>
-          <a:bodyPr anchorCtr="0" anchor="ctr" bIns="91425" lIns="91425" spcFirstLastPara="1" rIns="91425" wrap="square" tIns="91425">
+          <a:bodyPr spcFirstLastPara="1" wrap="square" lIns="91425" tIns="91425" rIns="91425" bIns="91425" anchor="ctr" anchorCtr="0">
             <a:noAutofit/>
           </a:bodyPr>
           <a:lstStyle>
-            <a:lvl1pPr indent="0" lvl="0" marL="0" algn="l">
+            <a:lvl1pPr marL="0" lvl="0" indent="0" algn="l">
               <a:lnSpc>
                 <a:spcPct val="100000"/>
               </a:lnSpc>
@@ -2457,7 +2533,7 @@
               <a:buNone/>
               <a:defRPr/>
             </a:lvl1pPr>
-            <a:lvl2pPr indent="0" lvl="1" marL="0" algn="l">
+            <a:lvl2pPr marL="0" lvl="1" indent="0" algn="l">
               <a:lnSpc>
                 <a:spcPct val="100000"/>
               </a:lnSpc>
@@ -2475,7 +2551,7 @@
               <a:buNone/>
               <a:defRPr/>
             </a:lvl2pPr>
-            <a:lvl3pPr indent="0" lvl="2" marL="0" algn="l">
+            <a:lvl3pPr marL="0" lvl="2" indent="0" algn="l">
               <a:lnSpc>
                 <a:spcPct val="100000"/>
               </a:lnSpc>
@@ -2493,7 +2569,7 @@
               <a:buNone/>
               <a:defRPr/>
             </a:lvl3pPr>
-            <a:lvl4pPr indent="0" lvl="3" marL="0" algn="l">
+            <a:lvl4pPr marL="0" lvl="3" indent="0" algn="l">
               <a:lnSpc>
                 <a:spcPct val="100000"/>
               </a:lnSpc>
@@ -2511,7 +2587,7 @@
               <a:buNone/>
               <a:defRPr/>
             </a:lvl4pPr>
-            <a:lvl5pPr indent="0" lvl="4" marL="0" algn="l">
+            <a:lvl5pPr marL="0" lvl="4" indent="0" algn="l">
               <a:lnSpc>
                 <a:spcPct val="100000"/>
               </a:lnSpc>
@@ -2529,7 +2605,7 @@
               <a:buNone/>
               <a:defRPr/>
             </a:lvl5pPr>
-            <a:lvl6pPr indent="0" lvl="5" marL="0" algn="l">
+            <a:lvl6pPr marL="0" lvl="5" indent="0" algn="l">
               <a:lnSpc>
                 <a:spcPct val="100000"/>
               </a:lnSpc>
@@ -2547,7 +2623,7 @@
               <a:buNone/>
               <a:defRPr/>
             </a:lvl6pPr>
-            <a:lvl7pPr indent="0" lvl="6" marL="0" algn="l">
+            <a:lvl7pPr marL="0" lvl="6" indent="0" algn="l">
               <a:lnSpc>
                 <a:spcPct val="100000"/>
               </a:lnSpc>
@@ -2565,7 +2641,7 @@
               <a:buNone/>
               <a:defRPr/>
             </a:lvl7pPr>
-            <a:lvl8pPr indent="0" lvl="7" marL="0" algn="l">
+            <a:lvl8pPr marL="0" lvl="7" indent="0" algn="l">
               <a:lnSpc>
                 <a:spcPct val="100000"/>
               </a:lnSpc>
@@ -2583,7 +2659,7 @@
               <a:buNone/>
               <a:defRPr/>
             </a:lvl8pPr>
-            <a:lvl9pPr indent="0" lvl="8" marL="0" algn="l">
+            <a:lvl9pPr marL="0" lvl="8" indent="0" algn="l">
               <a:lnSpc>
                 <a:spcPct val="100000"/>
               </a:lnSpc>
@@ -2603,7 +2679,7 @@
             </a:lvl9pPr>
           </a:lstStyle>
           <a:p>
-            <a:pPr indent="0" lvl="0" marL="0" rtl="0" algn="l">
+            <a:pPr marL="0" lvl="0" indent="0" algn="l" rtl="0">
               <a:spcBef>
                 <a:spcPts val="0"/>
               </a:spcBef>
@@ -2629,11 +2705,11 @@
 </file>
 
 <file path=ppt/slideLayouts/slideLayout10.xml><?xml version="1.0" encoding="utf-8"?>
-<p:sldLayout xmlns:a="http://schemas.openxmlformats.org/drawingml/2006/main" xmlns:r="http://schemas.openxmlformats.org/officeDocument/2006/relationships" xmlns:mc="http://schemas.openxmlformats.org/markup-compatibility/2006" xmlns:mv="urn:schemas-microsoft-com:mac:vml" xmlns:p="http://schemas.openxmlformats.org/presentationml/2006/main" xmlns:c="http://schemas.openxmlformats.org/drawingml/2006/chart" xmlns:dgm="http://schemas.openxmlformats.org/drawingml/2006/diagram" xmlns:o="urn:schemas-microsoft-com:office:office" xmlns:v="urn:schemas-microsoft-com:vml" xmlns:pvml="urn:schemas-microsoft-com:office:powerpoint" xmlns:com="http://schemas.openxmlformats.org/drawingml/2006/compatibility" xmlns:p14="http://schemas.microsoft.com/office/powerpoint/2010/main" xmlns:p15="http://schemas.microsoft.com/office/powerpoint/2012/main" xmlns:ahyp="http://schemas.microsoft.com/office/drawing/2018/hyperlinkcolor" matchingName="Caption">
+<p:sldLayout xmlns:a="http://schemas.openxmlformats.org/drawingml/2006/main" xmlns:r="http://schemas.openxmlformats.org/officeDocument/2006/relationships" xmlns:p="http://schemas.openxmlformats.org/presentationml/2006/main" matchingName="Caption">
   <p:cSld name="Caption">
     <p:spTree>
       <p:nvGrpSpPr>
-        <p:cNvPr id="43" name="Shape 43"/>
+        <p:cNvPr id="1" name="Shape 43"/>
         <p:cNvGrpSpPr/>
         <p:nvPr/>
       </p:nvGrpSpPr>
@@ -2648,9 +2724,11 @@
       <p:sp>
         <p:nvSpPr>
           <p:cNvPr id="44" name="Google Shape;44;p22"/>
-          <p:cNvSpPr txBox="1"/>
+          <p:cNvSpPr txBox="1">
+            <a:spLocks noGrp="1"/>
+          </p:cNvSpPr>
           <p:nvPr>
-            <p:ph idx="1" type="body"/>
+            <p:ph type="body" idx="1"/>
           </p:nvPr>
         </p:nvSpPr>
         <p:spPr>
@@ -2667,11 +2745,11 @@
           </a:ln>
         </p:spPr>
         <p:txBody>
-          <a:bodyPr anchorCtr="0" anchor="ctr" bIns="91425" lIns="91425" spcFirstLastPara="1" rIns="91425" wrap="square" tIns="91425">
+          <a:bodyPr spcFirstLastPara="1" wrap="square" lIns="91425" tIns="91425" rIns="91425" bIns="91425" anchor="ctr" anchorCtr="0">
             <a:noAutofit/>
           </a:bodyPr>
           <a:lstStyle>
-            <a:lvl1pPr indent="-228600" lvl="0" marL="457200" algn="l">
+            <a:lvl1pPr marL="457200" lvl="0" indent="-228600" algn="l">
               <a:lnSpc>
                 <a:spcPct val="100000"/>
               </a:lnSpc>
@@ -2686,7 +2764,7 @@
               <a:buNone/>
               <a:defRPr/>
             </a:lvl1pPr>
-            <a:lvl2pPr indent="-317500" lvl="1" marL="914400" algn="l">
+            <a:lvl2pPr marL="914400" lvl="1" indent="-317500" algn="l">
               <a:lnSpc>
                 <a:spcPct val="115000"/>
               </a:lnSpc>
@@ -2700,7 +2778,7 @@
               <a:buChar char="○"/>
               <a:defRPr/>
             </a:lvl2pPr>
-            <a:lvl3pPr indent="-317500" lvl="2" marL="1371600" algn="l">
+            <a:lvl3pPr marL="1371600" lvl="2" indent="-317500" algn="l">
               <a:lnSpc>
                 <a:spcPct val="115000"/>
               </a:lnSpc>
@@ -2714,7 +2792,7 @@
               <a:buChar char="■"/>
               <a:defRPr/>
             </a:lvl3pPr>
-            <a:lvl4pPr indent="-317500" lvl="3" marL="1828800" algn="l">
+            <a:lvl4pPr marL="1828800" lvl="3" indent="-317500" algn="l">
               <a:lnSpc>
                 <a:spcPct val="115000"/>
               </a:lnSpc>
@@ -2728,7 +2806,7 @@
               <a:buChar char="●"/>
               <a:defRPr/>
             </a:lvl4pPr>
-            <a:lvl5pPr indent="-317500" lvl="4" marL="2286000" algn="l">
+            <a:lvl5pPr marL="2286000" lvl="4" indent="-317500" algn="l">
               <a:lnSpc>
                 <a:spcPct val="115000"/>
               </a:lnSpc>
@@ -2742,7 +2820,7 @@
               <a:buChar char="○"/>
               <a:defRPr/>
             </a:lvl5pPr>
-            <a:lvl6pPr indent="-317500" lvl="5" marL="2743200" algn="l">
+            <a:lvl6pPr marL="2743200" lvl="5" indent="-317500" algn="l">
               <a:lnSpc>
                 <a:spcPct val="115000"/>
               </a:lnSpc>
@@ -2756,7 +2834,7 @@
               <a:buChar char="■"/>
               <a:defRPr/>
             </a:lvl6pPr>
-            <a:lvl7pPr indent="-317500" lvl="6" marL="3200400" algn="l">
+            <a:lvl7pPr marL="3200400" lvl="6" indent="-317500" algn="l">
               <a:lnSpc>
                 <a:spcPct val="115000"/>
               </a:lnSpc>
@@ -2770,7 +2848,7 @@
               <a:buChar char="●"/>
               <a:defRPr/>
             </a:lvl7pPr>
-            <a:lvl8pPr indent="-317500" lvl="7" marL="3657600" algn="l">
+            <a:lvl8pPr marL="3657600" lvl="7" indent="-317500" algn="l">
               <a:lnSpc>
                 <a:spcPct val="115000"/>
               </a:lnSpc>
@@ -2784,7 +2862,7 @@
               <a:buChar char="○"/>
               <a:defRPr/>
             </a:lvl8pPr>
-            <a:lvl9pPr indent="-317500" lvl="8" marL="4114800" algn="l">
+            <a:lvl9pPr marL="4114800" lvl="8" indent="-317500" algn="l">
               <a:lnSpc>
                 <a:spcPct val="115000"/>
               </a:lnSpc>
@@ -2799,15 +2877,19 @@
               <a:defRPr/>
             </a:lvl9pPr>
           </a:lstStyle>
-          <a:p/>
+          <a:p>
+            <a:endParaRPr/>
+          </a:p>
         </p:txBody>
       </p:sp>
       <p:sp>
         <p:nvSpPr>
           <p:cNvPr id="45" name="Google Shape;45;p22"/>
-          <p:cNvSpPr txBox="1"/>
+          <p:cNvSpPr txBox="1">
+            <a:spLocks noGrp="1"/>
+          </p:cNvSpPr>
           <p:nvPr>
-            <p:ph idx="12" type="sldNum"/>
+            <p:ph type="sldNum" idx="12"/>
           </p:nvPr>
         </p:nvSpPr>
         <p:spPr>
@@ -2824,11 +2906,11 @@
           </a:ln>
         </p:spPr>
         <p:txBody>
-          <a:bodyPr anchorCtr="0" anchor="ctr" bIns="91425" lIns="91425" spcFirstLastPara="1" rIns="91425" wrap="square" tIns="91425">
+          <a:bodyPr spcFirstLastPara="1" wrap="square" lIns="91425" tIns="91425" rIns="91425" bIns="91425" anchor="ctr" anchorCtr="0">
             <a:noAutofit/>
           </a:bodyPr>
           <a:lstStyle>
-            <a:lvl1pPr indent="0" lvl="0" marL="0" algn="l">
+            <a:lvl1pPr marL="0" lvl="0" indent="0" algn="l">
               <a:lnSpc>
                 <a:spcPct val="100000"/>
               </a:lnSpc>
@@ -2846,7 +2928,7 @@
               <a:buNone/>
               <a:defRPr/>
             </a:lvl1pPr>
-            <a:lvl2pPr indent="0" lvl="1" marL="0" algn="l">
+            <a:lvl2pPr marL="0" lvl="1" indent="0" algn="l">
               <a:lnSpc>
                 <a:spcPct val="100000"/>
               </a:lnSpc>
@@ -2864,7 +2946,7 @@
               <a:buNone/>
               <a:defRPr/>
             </a:lvl2pPr>
-            <a:lvl3pPr indent="0" lvl="2" marL="0" algn="l">
+            <a:lvl3pPr marL="0" lvl="2" indent="0" algn="l">
               <a:lnSpc>
                 <a:spcPct val="100000"/>
               </a:lnSpc>
@@ -2882,7 +2964,7 @@
               <a:buNone/>
               <a:defRPr/>
             </a:lvl3pPr>
-            <a:lvl4pPr indent="0" lvl="3" marL="0" algn="l">
+            <a:lvl4pPr marL="0" lvl="3" indent="0" algn="l">
               <a:lnSpc>
                 <a:spcPct val="100000"/>
               </a:lnSpc>
@@ -2900,7 +2982,7 @@
               <a:buNone/>
               <a:defRPr/>
             </a:lvl4pPr>
-            <a:lvl5pPr indent="0" lvl="4" marL="0" algn="l">
+            <a:lvl5pPr marL="0" lvl="4" indent="0" algn="l">
               <a:lnSpc>
                 <a:spcPct val="100000"/>
               </a:lnSpc>
@@ -2918,7 +3000,7 @@
               <a:buNone/>
               <a:defRPr/>
             </a:lvl5pPr>
-            <a:lvl6pPr indent="0" lvl="5" marL="0" algn="l">
+            <a:lvl6pPr marL="0" lvl="5" indent="0" algn="l">
               <a:lnSpc>
                 <a:spcPct val="100000"/>
               </a:lnSpc>
@@ -2936,7 +3018,7 @@
               <a:buNone/>
               <a:defRPr/>
             </a:lvl6pPr>
-            <a:lvl7pPr indent="0" lvl="6" marL="0" algn="l">
+            <a:lvl7pPr marL="0" lvl="6" indent="0" algn="l">
               <a:lnSpc>
                 <a:spcPct val="100000"/>
               </a:lnSpc>
@@ -2954,7 +3036,7 @@
               <a:buNone/>
               <a:defRPr/>
             </a:lvl7pPr>
-            <a:lvl8pPr indent="0" lvl="7" marL="0" algn="l">
+            <a:lvl8pPr marL="0" lvl="7" indent="0" algn="l">
               <a:lnSpc>
                 <a:spcPct val="100000"/>
               </a:lnSpc>
@@ -2972,7 +3054,7 @@
               <a:buNone/>
               <a:defRPr/>
             </a:lvl8pPr>
-            <a:lvl9pPr indent="0" lvl="8" marL="0" algn="l">
+            <a:lvl9pPr marL="0" lvl="8" indent="0" algn="l">
               <a:lnSpc>
                 <a:spcPct val="100000"/>
               </a:lnSpc>
@@ -2992,7 +3074,7 @@
             </a:lvl9pPr>
           </a:lstStyle>
           <a:p>
-            <a:pPr indent="0" lvl="0" marL="0" rtl="0" algn="l">
+            <a:pPr marL="0" lvl="0" indent="0" algn="l" rtl="0">
               <a:spcBef>
                 <a:spcPts val="0"/>
               </a:spcBef>
@@ -3018,11 +3100,11 @@
 </file>
 
 <file path=ppt/slideLayouts/slideLayout11.xml><?xml version="1.0" encoding="utf-8"?>
-<p:sldLayout xmlns:a="http://schemas.openxmlformats.org/drawingml/2006/main" xmlns:r="http://schemas.openxmlformats.org/officeDocument/2006/relationships" xmlns:mc="http://schemas.openxmlformats.org/markup-compatibility/2006" xmlns:mv="urn:schemas-microsoft-com:mac:vml" xmlns:p="http://schemas.openxmlformats.org/presentationml/2006/main" xmlns:c="http://schemas.openxmlformats.org/drawingml/2006/chart" xmlns:dgm="http://schemas.openxmlformats.org/drawingml/2006/diagram" xmlns:o="urn:schemas-microsoft-com:office:office" xmlns:v="urn:schemas-microsoft-com:vml" xmlns:pvml="urn:schemas-microsoft-com:office:powerpoint" xmlns:com="http://schemas.openxmlformats.org/drawingml/2006/compatibility" xmlns:p14="http://schemas.microsoft.com/office/powerpoint/2010/main" xmlns:p15="http://schemas.microsoft.com/office/powerpoint/2012/main" xmlns:ahyp="http://schemas.microsoft.com/office/drawing/2018/hyperlinkcolor" matchingName="Big number">
+<p:sldLayout xmlns:a="http://schemas.openxmlformats.org/drawingml/2006/main" xmlns:r="http://schemas.openxmlformats.org/officeDocument/2006/relationships" xmlns:p="http://schemas.openxmlformats.org/presentationml/2006/main" matchingName="Big number">
   <p:cSld name="Big number">
     <p:spTree>
       <p:nvGrpSpPr>
-        <p:cNvPr id="46" name="Shape 46"/>
+        <p:cNvPr id="1" name="Shape 46"/>
         <p:cNvGrpSpPr/>
         <p:nvPr/>
       </p:nvGrpSpPr>
@@ -3037,7 +3119,9 @@
       <p:sp>
         <p:nvSpPr>
           <p:cNvPr id="47" name="Google Shape;47;p23"/>
-          <p:cNvSpPr txBox="1"/>
+          <p:cNvSpPr txBox="1">
+            <a:spLocks noGrp="1"/>
+          </p:cNvSpPr>
           <p:nvPr>
             <p:ph type="title"/>
           </p:nvPr>
@@ -3056,7 +3140,7 @@
           </a:ln>
         </p:spPr>
         <p:txBody>
-          <a:bodyPr anchorCtr="0" anchor="b" bIns="91425" lIns="91425" spcFirstLastPara="1" rIns="91425" wrap="square" tIns="91425">
+          <a:bodyPr spcFirstLastPara="1" wrap="square" lIns="91425" tIns="91425" rIns="91425" bIns="91425" anchor="b" anchorCtr="0">
             <a:noAutofit/>
           </a:bodyPr>
           <a:lstStyle>
@@ -3164,15 +3248,19 @@
               <a:defRPr sz="12000"/>
             </a:lvl9pPr>
           </a:lstStyle>
-          <a:p/>
+          <a:p>
+            <a:endParaRPr/>
+          </a:p>
         </p:txBody>
       </p:sp>
       <p:sp>
         <p:nvSpPr>
           <p:cNvPr id="48" name="Google Shape;48;p23"/>
-          <p:cNvSpPr txBox="1"/>
+          <p:cNvSpPr txBox="1">
+            <a:spLocks noGrp="1"/>
+          </p:cNvSpPr>
           <p:nvPr>
-            <p:ph idx="1" type="body"/>
+            <p:ph type="body" idx="1"/>
           </p:nvPr>
         </p:nvSpPr>
         <p:spPr>
@@ -3189,11 +3277,11 @@
           </a:ln>
         </p:spPr>
         <p:txBody>
-          <a:bodyPr anchorCtr="0" anchor="t" bIns="91425" lIns="91425" spcFirstLastPara="1" rIns="91425" wrap="square" tIns="91425">
+          <a:bodyPr spcFirstLastPara="1" wrap="square" lIns="91425" tIns="91425" rIns="91425" bIns="91425" anchor="t" anchorCtr="0">
             <a:noAutofit/>
           </a:bodyPr>
           <a:lstStyle>
-            <a:lvl1pPr indent="-342900" lvl="0" marL="457200" algn="ctr">
+            <a:lvl1pPr marL="457200" lvl="0" indent="-342900" algn="ctr">
               <a:lnSpc>
                 <a:spcPct val="115000"/>
               </a:lnSpc>
@@ -3208,7 +3296,7 @@
               <a:buChar char="●"/>
               <a:defRPr/>
             </a:lvl1pPr>
-            <a:lvl2pPr indent="-317500" lvl="1" marL="914400" algn="ctr">
+            <a:lvl2pPr marL="914400" lvl="1" indent="-317500" algn="ctr">
               <a:lnSpc>
                 <a:spcPct val="115000"/>
               </a:lnSpc>
@@ -3223,7 +3311,7 @@
               <a:buChar char="○"/>
               <a:defRPr/>
             </a:lvl2pPr>
-            <a:lvl3pPr indent="-317500" lvl="2" marL="1371600" algn="ctr">
+            <a:lvl3pPr marL="1371600" lvl="2" indent="-317500" algn="ctr">
               <a:lnSpc>
                 <a:spcPct val="115000"/>
               </a:lnSpc>
@@ -3238,7 +3326,7 @@
               <a:buChar char="■"/>
               <a:defRPr/>
             </a:lvl3pPr>
-            <a:lvl4pPr indent="-317500" lvl="3" marL="1828800" algn="ctr">
+            <a:lvl4pPr marL="1828800" lvl="3" indent="-317500" algn="ctr">
               <a:lnSpc>
                 <a:spcPct val="115000"/>
               </a:lnSpc>
@@ -3253,7 +3341,7 @@
               <a:buChar char="●"/>
               <a:defRPr/>
             </a:lvl4pPr>
-            <a:lvl5pPr indent="-317500" lvl="4" marL="2286000" algn="ctr">
+            <a:lvl5pPr marL="2286000" lvl="4" indent="-317500" algn="ctr">
               <a:lnSpc>
                 <a:spcPct val="115000"/>
               </a:lnSpc>
@@ -3268,7 +3356,7 @@
               <a:buChar char="○"/>
               <a:defRPr/>
             </a:lvl5pPr>
-            <a:lvl6pPr indent="-317500" lvl="5" marL="2743200" algn="ctr">
+            <a:lvl6pPr marL="2743200" lvl="5" indent="-317500" algn="ctr">
               <a:lnSpc>
                 <a:spcPct val="115000"/>
               </a:lnSpc>
@@ -3283,7 +3371,7 @@
               <a:buChar char="■"/>
               <a:defRPr/>
             </a:lvl6pPr>
-            <a:lvl7pPr indent="-317500" lvl="6" marL="3200400" algn="ctr">
+            <a:lvl7pPr marL="3200400" lvl="6" indent="-317500" algn="ctr">
               <a:lnSpc>
                 <a:spcPct val="115000"/>
               </a:lnSpc>
@@ -3298,7 +3386,7 @@
               <a:buChar char="●"/>
               <a:defRPr/>
             </a:lvl7pPr>
-            <a:lvl8pPr indent="-317500" lvl="7" marL="3657600" algn="ctr">
+            <a:lvl8pPr marL="3657600" lvl="7" indent="-317500" algn="ctr">
               <a:lnSpc>
                 <a:spcPct val="115000"/>
               </a:lnSpc>
@@ -3313,7 +3401,7 @@
               <a:buChar char="○"/>
               <a:defRPr/>
             </a:lvl8pPr>
-            <a:lvl9pPr indent="-317500" lvl="8" marL="4114800" algn="ctr">
+            <a:lvl9pPr marL="4114800" lvl="8" indent="-317500" algn="ctr">
               <a:lnSpc>
                 <a:spcPct val="115000"/>
               </a:lnSpc>
@@ -3329,15 +3417,19 @@
               <a:defRPr/>
             </a:lvl9pPr>
           </a:lstStyle>
-          <a:p/>
+          <a:p>
+            <a:endParaRPr/>
+          </a:p>
         </p:txBody>
       </p:sp>
       <p:sp>
         <p:nvSpPr>
           <p:cNvPr id="49" name="Google Shape;49;p23"/>
-          <p:cNvSpPr txBox="1"/>
+          <p:cNvSpPr txBox="1">
+            <a:spLocks noGrp="1"/>
+          </p:cNvSpPr>
           <p:nvPr>
-            <p:ph idx="12" type="sldNum"/>
+            <p:ph type="sldNum" idx="12"/>
           </p:nvPr>
         </p:nvSpPr>
         <p:spPr>
@@ -3354,11 +3446,11 @@
           </a:ln>
         </p:spPr>
         <p:txBody>
-          <a:bodyPr anchorCtr="0" anchor="ctr" bIns="91425" lIns="91425" spcFirstLastPara="1" rIns="91425" wrap="square" tIns="91425">
+          <a:bodyPr spcFirstLastPara="1" wrap="square" lIns="91425" tIns="91425" rIns="91425" bIns="91425" anchor="ctr" anchorCtr="0">
             <a:noAutofit/>
           </a:bodyPr>
           <a:lstStyle>
-            <a:lvl1pPr indent="0" lvl="0" marL="0" algn="l">
+            <a:lvl1pPr marL="0" lvl="0" indent="0" algn="l">
               <a:lnSpc>
                 <a:spcPct val="100000"/>
               </a:lnSpc>
@@ -3376,7 +3468,7 @@
               <a:buNone/>
               <a:defRPr/>
             </a:lvl1pPr>
-            <a:lvl2pPr indent="0" lvl="1" marL="0" algn="l">
+            <a:lvl2pPr marL="0" lvl="1" indent="0" algn="l">
               <a:lnSpc>
                 <a:spcPct val="100000"/>
               </a:lnSpc>
@@ -3394,7 +3486,7 @@
               <a:buNone/>
               <a:defRPr/>
             </a:lvl2pPr>
-            <a:lvl3pPr indent="0" lvl="2" marL="0" algn="l">
+            <a:lvl3pPr marL="0" lvl="2" indent="0" algn="l">
               <a:lnSpc>
                 <a:spcPct val="100000"/>
               </a:lnSpc>
@@ -3412,7 +3504,7 @@
               <a:buNone/>
               <a:defRPr/>
             </a:lvl3pPr>
-            <a:lvl4pPr indent="0" lvl="3" marL="0" algn="l">
+            <a:lvl4pPr marL="0" lvl="3" indent="0" algn="l">
               <a:lnSpc>
                 <a:spcPct val="100000"/>
               </a:lnSpc>
@@ -3430,7 +3522,7 @@
               <a:buNone/>
               <a:defRPr/>
             </a:lvl4pPr>
-            <a:lvl5pPr indent="0" lvl="4" marL="0" algn="l">
+            <a:lvl5pPr marL="0" lvl="4" indent="0" algn="l">
               <a:lnSpc>
                 <a:spcPct val="100000"/>
               </a:lnSpc>
@@ -3448,7 +3540,7 @@
               <a:buNone/>
               <a:defRPr/>
             </a:lvl5pPr>
-            <a:lvl6pPr indent="0" lvl="5" marL="0" algn="l">
+            <a:lvl6pPr marL="0" lvl="5" indent="0" algn="l">
               <a:lnSpc>
                 <a:spcPct val="100000"/>
               </a:lnSpc>
@@ -3466,7 +3558,7 @@
               <a:buNone/>
               <a:defRPr/>
             </a:lvl6pPr>
-            <a:lvl7pPr indent="0" lvl="6" marL="0" algn="l">
+            <a:lvl7pPr marL="0" lvl="6" indent="0" algn="l">
               <a:lnSpc>
                 <a:spcPct val="100000"/>
               </a:lnSpc>
@@ -3484,7 +3576,7 @@
               <a:buNone/>
               <a:defRPr/>
             </a:lvl7pPr>
-            <a:lvl8pPr indent="0" lvl="7" marL="0" algn="l">
+            <a:lvl8pPr marL="0" lvl="7" indent="0" algn="l">
               <a:lnSpc>
                 <a:spcPct val="100000"/>
               </a:lnSpc>
@@ -3502,7 +3594,7 @@
               <a:buNone/>
               <a:defRPr/>
             </a:lvl8pPr>
-            <a:lvl9pPr indent="0" lvl="8" marL="0" algn="l">
+            <a:lvl9pPr marL="0" lvl="8" indent="0" algn="l">
               <a:lnSpc>
                 <a:spcPct val="100000"/>
               </a:lnSpc>
@@ -3522,7 +3614,7 @@
             </a:lvl9pPr>
           </a:lstStyle>
           <a:p>
-            <a:pPr indent="0" lvl="0" marL="0" rtl="0" algn="l">
+            <a:pPr marL="0" lvl="0" indent="0" algn="l" rtl="0">
               <a:spcBef>
                 <a:spcPts val="0"/>
               </a:spcBef>
@@ -3548,11 +3640,11 @@
 </file>
 
 <file path=ppt/slideLayouts/slideLayout2.xml><?xml version="1.0" encoding="utf-8"?>
-<p:sldLayout xmlns:a="http://schemas.openxmlformats.org/drawingml/2006/main" xmlns:r="http://schemas.openxmlformats.org/officeDocument/2006/relationships" xmlns:mc="http://schemas.openxmlformats.org/markup-compatibility/2006" xmlns:mv="urn:schemas-microsoft-com:mac:vml" xmlns:p="http://schemas.openxmlformats.org/presentationml/2006/main" xmlns:c="http://schemas.openxmlformats.org/drawingml/2006/chart" xmlns:dgm="http://schemas.openxmlformats.org/drawingml/2006/diagram" xmlns:o="urn:schemas-microsoft-com:office:office" xmlns:v="urn:schemas-microsoft-com:vml" xmlns:pvml="urn:schemas-microsoft-com:office:powerpoint" xmlns:com="http://schemas.openxmlformats.org/drawingml/2006/compatibility" xmlns:p14="http://schemas.microsoft.com/office/powerpoint/2010/main" xmlns:p15="http://schemas.microsoft.com/office/powerpoint/2012/main" xmlns:ahyp="http://schemas.microsoft.com/office/drawing/2018/hyperlinkcolor" matchingName="Title and two columns" type="twoColTx">
+<p:sldLayout xmlns:a="http://schemas.openxmlformats.org/drawingml/2006/main" xmlns:r="http://schemas.openxmlformats.org/officeDocument/2006/relationships" xmlns:p="http://schemas.openxmlformats.org/presentationml/2006/main" matchingName="Title and two columns" type="twoColTx">
   <p:cSld name="TITLE_AND_TWO_COLUMNS">
     <p:spTree>
       <p:nvGrpSpPr>
-        <p:cNvPr id="13" name="Shape 13"/>
+        <p:cNvPr id="1" name="Shape 13"/>
         <p:cNvGrpSpPr/>
         <p:nvPr/>
       </p:nvGrpSpPr>
@@ -3567,7 +3659,9 @@
       <p:sp>
         <p:nvSpPr>
           <p:cNvPr id="14" name="Google Shape;14;p14"/>
-          <p:cNvSpPr txBox="1"/>
+          <p:cNvSpPr txBox="1">
+            <a:spLocks noGrp="1"/>
+          </p:cNvSpPr>
           <p:nvPr>
             <p:ph type="title"/>
           </p:nvPr>
@@ -3586,7 +3680,7 @@
           </a:ln>
         </p:spPr>
         <p:txBody>
-          <a:bodyPr anchorCtr="0" anchor="t" bIns="91425" lIns="91425" spcFirstLastPara="1" rIns="91425" wrap="square" tIns="91425">
+          <a:bodyPr spcFirstLastPara="1" wrap="square" lIns="91425" tIns="91425" rIns="91425" bIns="91425" anchor="t" anchorCtr="0">
             <a:noAutofit/>
           </a:bodyPr>
           <a:lstStyle>
@@ -3694,15 +3788,19 @@
               <a:defRPr/>
             </a:lvl9pPr>
           </a:lstStyle>
-          <a:p/>
+          <a:p>
+            <a:endParaRPr/>
+          </a:p>
         </p:txBody>
       </p:sp>
       <p:sp>
         <p:nvSpPr>
           <p:cNvPr id="15" name="Google Shape;15;p14"/>
-          <p:cNvSpPr txBox="1"/>
+          <p:cNvSpPr txBox="1">
+            <a:spLocks noGrp="1"/>
+          </p:cNvSpPr>
           <p:nvPr>
-            <p:ph idx="1" type="body"/>
+            <p:ph type="body" idx="1"/>
           </p:nvPr>
         </p:nvSpPr>
         <p:spPr>
@@ -3719,11 +3817,11 @@
           </a:ln>
         </p:spPr>
         <p:txBody>
-          <a:bodyPr anchorCtr="0" anchor="t" bIns="91425" lIns="91425" spcFirstLastPara="1" rIns="91425" wrap="square" tIns="91425">
+          <a:bodyPr spcFirstLastPara="1" wrap="square" lIns="91425" tIns="91425" rIns="91425" bIns="91425" anchor="t" anchorCtr="0">
             <a:noAutofit/>
           </a:bodyPr>
           <a:lstStyle>
-            <a:lvl1pPr indent="-317500" lvl="0" marL="457200" algn="l">
+            <a:lvl1pPr marL="457200" lvl="0" indent="-317500" algn="l">
               <a:lnSpc>
                 <a:spcPct val="115000"/>
               </a:lnSpc>
@@ -3738,7 +3836,7 @@
               <a:buChar char="●"/>
               <a:defRPr sz="1400"/>
             </a:lvl1pPr>
-            <a:lvl2pPr indent="-304800" lvl="1" marL="914400" algn="l">
+            <a:lvl2pPr marL="914400" lvl="1" indent="-304800" algn="l">
               <a:lnSpc>
                 <a:spcPct val="115000"/>
               </a:lnSpc>
@@ -3753,7 +3851,7 @@
               <a:buChar char="○"/>
               <a:defRPr sz="1200"/>
             </a:lvl2pPr>
-            <a:lvl3pPr indent="-304800" lvl="2" marL="1371600" algn="l">
+            <a:lvl3pPr marL="1371600" lvl="2" indent="-304800" algn="l">
               <a:lnSpc>
                 <a:spcPct val="115000"/>
               </a:lnSpc>
@@ -3768,7 +3866,7 @@
               <a:buChar char="■"/>
               <a:defRPr sz="1200"/>
             </a:lvl3pPr>
-            <a:lvl4pPr indent="-304800" lvl="3" marL="1828800" algn="l">
+            <a:lvl4pPr marL="1828800" lvl="3" indent="-304800" algn="l">
               <a:lnSpc>
                 <a:spcPct val="115000"/>
               </a:lnSpc>
@@ -3783,7 +3881,7 @@
               <a:buChar char="●"/>
               <a:defRPr sz="1200"/>
             </a:lvl4pPr>
-            <a:lvl5pPr indent="-304800" lvl="4" marL="2286000" algn="l">
+            <a:lvl5pPr marL="2286000" lvl="4" indent="-304800" algn="l">
               <a:lnSpc>
                 <a:spcPct val="115000"/>
               </a:lnSpc>
@@ -3798,7 +3896,7 @@
               <a:buChar char="○"/>
               <a:defRPr sz="1200"/>
             </a:lvl5pPr>
-            <a:lvl6pPr indent="-304800" lvl="5" marL="2743200" algn="l">
+            <a:lvl6pPr marL="2743200" lvl="5" indent="-304800" algn="l">
               <a:lnSpc>
                 <a:spcPct val="115000"/>
               </a:lnSpc>
@@ -3813,7 +3911,7 @@
               <a:buChar char="■"/>
               <a:defRPr sz="1200"/>
             </a:lvl6pPr>
-            <a:lvl7pPr indent="-304800" lvl="6" marL="3200400" algn="l">
+            <a:lvl7pPr marL="3200400" lvl="6" indent="-304800" algn="l">
               <a:lnSpc>
                 <a:spcPct val="115000"/>
               </a:lnSpc>
@@ -3828,7 +3926,7 @@
               <a:buChar char="●"/>
               <a:defRPr sz="1200"/>
             </a:lvl7pPr>
-            <a:lvl8pPr indent="-304800" lvl="7" marL="3657600" algn="l">
+            <a:lvl8pPr marL="3657600" lvl="7" indent="-304800" algn="l">
               <a:lnSpc>
                 <a:spcPct val="115000"/>
               </a:lnSpc>
@@ -3843,7 +3941,7 @@
               <a:buChar char="○"/>
               <a:defRPr sz="1200"/>
             </a:lvl8pPr>
-            <a:lvl9pPr indent="-304800" lvl="8" marL="4114800" algn="l">
+            <a:lvl9pPr marL="4114800" lvl="8" indent="-304800" algn="l">
               <a:lnSpc>
                 <a:spcPct val="115000"/>
               </a:lnSpc>
@@ -3859,15 +3957,19 @@
               <a:defRPr sz="1200"/>
             </a:lvl9pPr>
           </a:lstStyle>
-          <a:p/>
+          <a:p>
+            <a:endParaRPr/>
+          </a:p>
         </p:txBody>
       </p:sp>
       <p:sp>
         <p:nvSpPr>
           <p:cNvPr id="16" name="Google Shape;16;p14"/>
-          <p:cNvSpPr txBox="1"/>
+          <p:cNvSpPr txBox="1">
+            <a:spLocks noGrp="1"/>
+          </p:cNvSpPr>
           <p:nvPr>
-            <p:ph idx="2" type="body"/>
+            <p:ph type="body" idx="2"/>
           </p:nvPr>
         </p:nvSpPr>
         <p:spPr>
@@ -3884,11 +3986,11 @@
           </a:ln>
         </p:spPr>
         <p:txBody>
-          <a:bodyPr anchorCtr="0" anchor="t" bIns="91425" lIns="91425" spcFirstLastPara="1" rIns="91425" wrap="square" tIns="91425">
+          <a:bodyPr spcFirstLastPara="1" wrap="square" lIns="91425" tIns="91425" rIns="91425" bIns="91425" anchor="t" anchorCtr="0">
             <a:noAutofit/>
           </a:bodyPr>
           <a:lstStyle>
-            <a:lvl1pPr indent="-317500" lvl="0" marL="457200" algn="l">
+            <a:lvl1pPr marL="457200" lvl="0" indent="-317500" algn="l">
               <a:lnSpc>
                 <a:spcPct val="115000"/>
               </a:lnSpc>
@@ -3903,7 +4005,7 @@
               <a:buChar char="●"/>
               <a:defRPr sz="1400"/>
             </a:lvl1pPr>
-            <a:lvl2pPr indent="-304800" lvl="1" marL="914400" algn="l">
+            <a:lvl2pPr marL="914400" lvl="1" indent="-304800" algn="l">
               <a:lnSpc>
                 <a:spcPct val="115000"/>
               </a:lnSpc>
@@ -3918,7 +4020,7 @@
               <a:buChar char="○"/>
               <a:defRPr sz="1200"/>
             </a:lvl2pPr>
-            <a:lvl3pPr indent="-304800" lvl="2" marL="1371600" algn="l">
+            <a:lvl3pPr marL="1371600" lvl="2" indent="-304800" algn="l">
               <a:lnSpc>
                 <a:spcPct val="115000"/>
               </a:lnSpc>
@@ -3933,7 +4035,7 @@
               <a:buChar char="■"/>
               <a:defRPr sz="1200"/>
             </a:lvl3pPr>
-            <a:lvl4pPr indent="-304800" lvl="3" marL="1828800" algn="l">
+            <a:lvl4pPr marL="1828800" lvl="3" indent="-304800" algn="l">
               <a:lnSpc>
                 <a:spcPct val="115000"/>
               </a:lnSpc>
@@ -3948,7 +4050,7 @@
               <a:buChar char="●"/>
               <a:defRPr sz="1200"/>
             </a:lvl4pPr>
-            <a:lvl5pPr indent="-304800" lvl="4" marL="2286000" algn="l">
+            <a:lvl5pPr marL="2286000" lvl="4" indent="-304800" algn="l">
               <a:lnSpc>
                 <a:spcPct val="115000"/>
               </a:lnSpc>
@@ -3963,7 +4065,7 @@
               <a:buChar char="○"/>
               <a:defRPr sz="1200"/>
             </a:lvl5pPr>
-            <a:lvl6pPr indent="-304800" lvl="5" marL="2743200" algn="l">
+            <a:lvl6pPr marL="2743200" lvl="5" indent="-304800" algn="l">
               <a:lnSpc>
                 <a:spcPct val="115000"/>
               </a:lnSpc>
@@ -3978,7 +4080,7 @@
               <a:buChar char="■"/>
               <a:defRPr sz="1200"/>
             </a:lvl6pPr>
-            <a:lvl7pPr indent="-304800" lvl="6" marL="3200400" algn="l">
+            <a:lvl7pPr marL="3200400" lvl="6" indent="-304800" algn="l">
               <a:lnSpc>
                 <a:spcPct val="115000"/>
               </a:lnSpc>
@@ -3993,7 +4095,7 @@
               <a:buChar char="●"/>
               <a:defRPr sz="1200"/>
             </a:lvl7pPr>
-            <a:lvl8pPr indent="-304800" lvl="7" marL="3657600" algn="l">
+            <a:lvl8pPr marL="3657600" lvl="7" indent="-304800" algn="l">
               <a:lnSpc>
                 <a:spcPct val="115000"/>
               </a:lnSpc>
@@ -4008,7 +4110,7 @@
               <a:buChar char="○"/>
               <a:defRPr sz="1200"/>
             </a:lvl8pPr>
-            <a:lvl9pPr indent="-304800" lvl="8" marL="4114800" algn="l">
+            <a:lvl9pPr marL="4114800" lvl="8" indent="-304800" algn="l">
               <a:lnSpc>
                 <a:spcPct val="115000"/>
               </a:lnSpc>
@@ -4024,15 +4126,19 @@
               <a:defRPr sz="1200"/>
             </a:lvl9pPr>
           </a:lstStyle>
-          <a:p/>
+          <a:p>
+            <a:endParaRPr/>
+          </a:p>
         </p:txBody>
       </p:sp>
       <p:sp>
         <p:nvSpPr>
           <p:cNvPr id="17" name="Google Shape;17;p14"/>
-          <p:cNvSpPr txBox="1"/>
+          <p:cNvSpPr txBox="1">
+            <a:spLocks noGrp="1"/>
+          </p:cNvSpPr>
           <p:nvPr>
-            <p:ph idx="12" type="sldNum"/>
+            <p:ph type="sldNum" idx="12"/>
           </p:nvPr>
         </p:nvSpPr>
         <p:spPr>
@@ -4049,11 +4155,11 @@
           </a:ln>
         </p:spPr>
         <p:txBody>
-          <a:bodyPr anchorCtr="0" anchor="ctr" bIns="91425" lIns="91425" spcFirstLastPara="1" rIns="91425" wrap="square" tIns="91425">
+          <a:bodyPr spcFirstLastPara="1" wrap="square" lIns="91425" tIns="91425" rIns="91425" bIns="91425" anchor="ctr" anchorCtr="0">
             <a:noAutofit/>
           </a:bodyPr>
           <a:lstStyle>
-            <a:lvl1pPr indent="0" lvl="0" marL="0" algn="l">
+            <a:lvl1pPr marL="0" lvl="0" indent="0" algn="l">
               <a:lnSpc>
                 <a:spcPct val="100000"/>
               </a:lnSpc>
@@ -4071,7 +4177,7 @@
               <a:buNone/>
               <a:defRPr/>
             </a:lvl1pPr>
-            <a:lvl2pPr indent="0" lvl="1" marL="0" algn="l">
+            <a:lvl2pPr marL="0" lvl="1" indent="0" algn="l">
               <a:lnSpc>
                 <a:spcPct val="100000"/>
               </a:lnSpc>
@@ -4089,7 +4195,7 @@
               <a:buNone/>
               <a:defRPr/>
             </a:lvl2pPr>
-            <a:lvl3pPr indent="0" lvl="2" marL="0" algn="l">
+            <a:lvl3pPr marL="0" lvl="2" indent="0" algn="l">
               <a:lnSpc>
                 <a:spcPct val="100000"/>
               </a:lnSpc>
@@ -4107,7 +4213,7 @@
               <a:buNone/>
               <a:defRPr/>
             </a:lvl3pPr>
-            <a:lvl4pPr indent="0" lvl="3" marL="0" algn="l">
+            <a:lvl4pPr marL="0" lvl="3" indent="0" algn="l">
               <a:lnSpc>
                 <a:spcPct val="100000"/>
               </a:lnSpc>
@@ -4125,7 +4231,7 @@
               <a:buNone/>
               <a:defRPr/>
             </a:lvl4pPr>
-            <a:lvl5pPr indent="0" lvl="4" marL="0" algn="l">
+            <a:lvl5pPr marL="0" lvl="4" indent="0" algn="l">
               <a:lnSpc>
                 <a:spcPct val="100000"/>
               </a:lnSpc>
@@ -4143,7 +4249,7 @@
               <a:buNone/>
               <a:defRPr/>
             </a:lvl5pPr>
-            <a:lvl6pPr indent="0" lvl="5" marL="0" algn="l">
+            <a:lvl6pPr marL="0" lvl="5" indent="0" algn="l">
               <a:lnSpc>
                 <a:spcPct val="100000"/>
               </a:lnSpc>
@@ -4161,7 +4267,7 @@
               <a:buNone/>
               <a:defRPr/>
             </a:lvl6pPr>
-            <a:lvl7pPr indent="0" lvl="6" marL="0" algn="l">
+            <a:lvl7pPr marL="0" lvl="6" indent="0" algn="l">
               <a:lnSpc>
                 <a:spcPct val="100000"/>
               </a:lnSpc>
@@ -4179,7 +4285,7 @@
               <a:buNone/>
               <a:defRPr/>
             </a:lvl7pPr>
-            <a:lvl8pPr indent="0" lvl="7" marL="0" algn="l">
+            <a:lvl8pPr marL="0" lvl="7" indent="0" algn="l">
               <a:lnSpc>
                 <a:spcPct val="100000"/>
               </a:lnSpc>
@@ -4197,7 +4303,7 @@
               <a:buNone/>
               <a:defRPr/>
             </a:lvl8pPr>
-            <a:lvl9pPr indent="0" lvl="8" marL="0" algn="l">
+            <a:lvl9pPr marL="0" lvl="8" indent="0" algn="l">
               <a:lnSpc>
                 <a:spcPct val="100000"/>
               </a:lnSpc>
@@ -4217,7 +4323,7 @@
             </a:lvl9pPr>
           </a:lstStyle>
           <a:p>
-            <a:pPr indent="0" lvl="0" marL="0" rtl="0" algn="l">
+            <a:pPr marL="0" lvl="0" indent="0" algn="l" rtl="0">
               <a:spcBef>
                 <a:spcPts val="0"/>
               </a:spcBef>
@@ -4243,11 +4349,11 @@
 </file>
 
 <file path=ppt/slideLayouts/slideLayout3.xml><?xml version="1.0" encoding="utf-8"?>
-<p:sldLayout xmlns:a="http://schemas.openxmlformats.org/drawingml/2006/main" xmlns:r="http://schemas.openxmlformats.org/officeDocument/2006/relationships" xmlns:mc="http://schemas.openxmlformats.org/markup-compatibility/2006" xmlns:mv="urn:schemas-microsoft-com:mac:vml" xmlns:p="http://schemas.openxmlformats.org/presentationml/2006/main" xmlns:c="http://schemas.openxmlformats.org/drawingml/2006/chart" xmlns:dgm="http://schemas.openxmlformats.org/drawingml/2006/diagram" xmlns:o="urn:schemas-microsoft-com:office:office" xmlns:v="urn:schemas-microsoft-com:vml" xmlns:pvml="urn:schemas-microsoft-com:office:powerpoint" xmlns:com="http://schemas.openxmlformats.org/drawingml/2006/compatibility" xmlns:p14="http://schemas.microsoft.com/office/powerpoint/2010/main" xmlns:p15="http://schemas.microsoft.com/office/powerpoint/2012/main" xmlns:ahyp="http://schemas.microsoft.com/office/drawing/2018/hyperlinkcolor" matchingName="Title only" type="titleOnly">
+<p:sldLayout xmlns:a="http://schemas.openxmlformats.org/drawingml/2006/main" xmlns:r="http://schemas.openxmlformats.org/officeDocument/2006/relationships" xmlns:p="http://schemas.openxmlformats.org/presentationml/2006/main" matchingName="Title only" type="titleOnly">
   <p:cSld name="TITLE_ONLY">
     <p:spTree>
       <p:nvGrpSpPr>
-        <p:cNvPr id="18" name="Shape 18"/>
+        <p:cNvPr id="1" name="Shape 18"/>
         <p:cNvGrpSpPr/>
         <p:nvPr/>
       </p:nvGrpSpPr>
@@ -4262,7 +4368,9 @@
       <p:sp>
         <p:nvSpPr>
           <p:cNvPr id="19" name="Google Shape;19;p15"/>
-          <p:cNvSpPr txBox="1"/>
+          <p:cNvSpPr txBox="1">
+            <a:spLocks noGrp="1"/>
+          </p:cNvSpPr>
           <p:nvPr>
             <p:ph type="title"/>
           </p:nvPr>
@@ -4281,7 +4389,7 @@
           </a:ln>
         </p:spPr>
         <p:txBody>
-          <a:bodyPr anchorCtr="0" anchor="t" bIns="91425" lIns="91425" spcFirstLastPara="1" rIns="91425" wrap="square" tIns="91425">
+          <a:bodyPr spcFirstLastPara="1" wrap="square" lIns="91425" tIns="91425" rIns="91425" bIns="91425" anchor="t" anchorCtr="0">
             <a:noAutofit/>
           </a:bodyPr>
           <a:lstStyle>
@@ -4389,15 +4497,19 @@
               <a:defRPr/>
             </a:lvl9pPr>
           </a:lstStyle>
-          <a:p/>
+          <a:p>
+            <a:endParaRPr/>
+          </a:p>
         </p:txBody>
       </p:sp>
       <p:sp>
         <p:nvSpPr>
           <p:cNvPr id="20" name="Google Shape;20;p15"/>
-          <p:cNvSpPr txBox="1"/>
+          <p:cNvSpPr txBox="1">
+            <a:spLocks noGrp="1"/>
+          </p:cNvSpPr>
           <p:nvPr>
-            <p:ph idx="12" type="sldNum"/>
+            <p:ph type="sldNum" idx="12"/>
           </p:nvPr>
         </p:nvSpPr>
         <p:spPr>
@@ -4414,11 +4526,11 @@
           </a:ln>
         </p:spPr>
         <p:txBody>
-          <a:bodyPr anchorCtr="0" anchor="ctr" bIns="91425" lIns="91425" spcFirstLastPara="1" rIns="91425" wrap="square" tIns="91425">
+          <a:bodyPr spcFirstLastPara="1" wrap="square" lIns="91425" tIns="91425" rIns="91425" bIns="91425" anchor="ctr" anchorCtr="0">
             <a:noAutofit/>
           </a:bodyPr>
           <a:lstStyle>
-            <a:lvl1pPr indent="0" lvl="0" marL="0" algn="l">
+            <a:lvl1pPr marL="0" lvl="0" indent="0" algn="l">
               <a:lnSpc>
                 <a:spcPct val="100000"/>
               </a:lnSpc>
@@ -4436,7 +4548,7 @@
               <a:buNone/>
               <a:defRPr/>
             </a:lvl1pPr>
-            <a:lvl2pPr indent="0" lvl="1" marL="0" algn="l">
+            <a:lvl2pPr marL="0" lvl="1" indent="0" algn="l">
               <a:lnSpc>
                 <a:spcPct val="100000"/>
               </a:lnSpc>
@@ -4454,7 +4566,7 @@
               <a:buNone/>
               <a:defRPr/>
             </a:lvl2pPr>
-            <a:lvl3pPr indent="0" lvl="2" marL="0" algn="l">
+            <a:lvl3pPr marL="0" lvl="2" indent="0" algn="l">
               <a:lnSpc>
                 <a:spcPct val="100000"/>
               </a:lnSpc>
@@ -4472,7 +4584,7 @@
               <a:buNone/>
               <a:defRPr/>
             </a:lvl3pPr>
-            <a:lvl4pPr indent="0" lvl="3" marL="0" algn="l">
+            <a:lvl4pPr marL="0" lvl="3" indent="0" algn="l">
               <a:lnSpc>
                 <a:spcPct val="100000"/>
               </a:lnSpc>
@@ -4490,7 +4602,7 @@
               <a:buNone/>
               <a:defRPr/>
             </a:lvl4pPr>
-            <a:lvl5pPr indent="0" lvl="4" marL="0" algn="l">
+            <a:lvl5pPr marL="0" lvl="4" indent="0" algn="l">
               <a:lnSpc>
                 <a:spcPct val="100000"/>
               </a:lnSpc>
@@ -4508,7 +4620,7 @@
               <a:buNone/>
               <a:defRPr/>
             </a:lvl5pPr>
-            <a:lvl6pPr indent="0" lvl="5" marL="0" algn="l">
+            <a:lvl6pPr marL="0" lvl="5" indent="0" algn="l">
               <a:lnSpc>
                 <a:spcPct val="100000"/>
               </a:lnSpc>
@@ -4526,7 +4638,7 @@
               <a:buNone/>
               <a:defRPr/>
             </a:lvl6pPr>
-            <a:lvl7pPr indent="0" lvl="6" marL="0" algn="l">
+            <a:lvl7pPr marL="0" lvl="6" indent="0" algn="l">
               <a:lnSpc>
                 <a:spcPct val="100000"/>
               </a:lnSpc>
@@ -4544,7 +4656,7 @@
               <a:buNone/>
               <a:defRPr/>
             </a:lvl7pPr>
-            <a:lvl8pPr indent="0" lvl="7" marL="0" algn="l">
+            <a:lvl8pPr marL="0" lvl="7" indent="0" algn="l">
               <a:lnSpc>
                 <a:spcPct val="100000"/>
               </a:lnSpc>
@@ -4562,7 +4674,7 @@
               <a:buNone/>
               <a:defRPr/>
             </a:lvl8pPr>
-            <a:lvl9pPr indent="0" lvl="8" marL="0" algn="l">
+            <a:lvl9pPr marL="0" lvl="8" indent="0" algn="l">
               <a:lnSpc>
                 <a:spcPct val="100000"/>
               </a:lnSpc>
@@ -4582,7 +4694,7 @@
             </a:lvl9pPr>
           </a:lstStyle>
           <a:p>
-            <a:pPr indent="0" lvl="0" marL="0" rtl="0" algn="l">
+            <a:pPr marL="0" lvl="0" indent="0" algn="l" rtl="0">
               <a:spcBef>
                 <a:spcPts val="0"/>
               </a:spcBef>
@@ -4608,11 +4720,11 @@
 </file>
 
 <file path=ppt/slideLayouts/slideLayout4.xml><?xml version="1.0" encoding="utf-8"?>
-<p:sldLayout xmlns:a="http://schemas.openxmlformats.org/drawingml/2006/main" xmlns:r="http://schemas.openxmlformats.org/officeDocument/2006/relationships" xmlns:mc="http://schemas.openxmlformats.org/markup-compatibility/2006" xmlns:mv="urn:schemas-microsoft-com:mac:vml" xmlns:p="http://schemas.openxmlformats.org/presentationml/2006/main" xmlns:c="http://schemas.openxmlformats.org/drawingml/2006/chart" xmlns:dgm="http://schemas.openxmlformats.org/drawingml/2006/diagram" xmlns:o="urn:schemas-microsoft-com:office:office" xmlns:v="urn:schemas-microsoft-com:vml" xmlns:pvml="urn:schemas-microsoft-com:office:powerpoint" xmlns:com="http://schemas.openxmlformats.org/drawingml/2006/compatibility" xmlns:p14="http://schemas.microsoft.com/office/powerpoint/2010/main" xmlns:p15="http://schemas.microsoft.com/office/powerpoint/2012/main" xmlns:ahyp="http://schemas.microsoft.com/office/drawing/2018/hyperlinkcolor" matchingName="Blank" type="blank">
+<p:sldLayout xmlns:a="http://schemas.openxmlformats.org/drawingml/2006/main" xmlns:r="http://schemas.openxmlformats.org/officeDocument/2006/relationships" xmlns:p="http://schemas.openxmlformats.org/presentationml/2006/main" matchingName="Blank" type="blank">
   <p:cSld name="BLANK">
     <p:spTree>
       <p:nvGrpSpPr>
-        <p:cNvPr id="21" name="Shape 21"/>
+        <p:cNvPr id="1" name="Shape 21"/>
         <p:cNvGrpSpPr/>
         <p:nvPr/>
       </p:nvGrpSpPr>
@@ -4627,9 +4739,11 @@
       <p:sp>
         <p:nvSpPr>
           <p:cNvPr id="22" name="Google Shape;22;p16"/>
-          <p:cNvSpPr txBox="1"/>
+          <p:cNvSpPr txBox="1">
+            <a:spLocks noGrp="1"/>
+          </p:cNvSpPr>
           <p:nvPr>
-            <p:ph idx="12" type="sldNum"/>
+            <p:ph type="sldNum" idx="12"/>
           </p:nvPr>
         </p:nvSpPr>
         <p:spPr>
@@ -4646,11 +4760,11 @@
           </a:ln>
         </p:spPr>
         <p:txBody>
-          <a:bodyPr anchorCtr="0" anchor="ctr" bIns="91425" lIns="91425" spcFirstLastPara="1" rIns="91425" wrap="square" tIns="91425">
+          <a:bodyPr spcFirstLastPara="1" wrap="square" lIns="91425" tIns="91425" rIns="91425" bIns="91425" anchor="ctr" anchorCtr="0">
             <a:noAutofit/>
           </a:bodyPr>
           <a:lstStyle>
-            <a:lvl1pPr indent="0" lvl="0" marL="0" algn="l">
+            <a:lvl1pPr marL="0" lvl="0" indent="0" algn="l">
               <a:lnSpc>
                 <a:spcPct val="100000"/>
               </a:lnSpc>
@@ -4668,7 +4782,7 @@
               <a:buNone/>
               <a:defRPr/>
             </a:lvl1pPr>
-            <a:lvl2pPr indent="0" lvl="1" marL="0" algn="l">
+            <a:lvl2pPr marL="0" lvl="1" indent="0" algn="l">
               <a:lnSpc>
                 <a:spcPct val="100000"/>
               </a:lnSpc>
@@ -4686,7 +4800,7 @@
               <a:buNone/>
               <a:defRPr/>
             </a:lvl2pPr>
-            <a:lvl3pPr indent="0" lvl="2" marL="0" algn="l">
+            <a:lvl3pPr marL="0" lvl="2" indent="0" algn="l">
               <a:lnSpc>
                 <a:spcPct val="100000"/>
               </a:lnSpc>
@@ -4704,7 +4818,7 @@
               <a:buNone/>
               <a:defRPr/>
             </a:lvl3pPr>
-            <a:lvl4pPr indent="0" lvl="3" marL="0" algn="l">
+            <a:lvl4pPr marL="0" lvl="3" indent="0" algn="l">
               <a:lnSpc>
                 <a:spcPct val="100000"/>
               </a:lnSpc>
@@ -4722,7 +4836,7 @@
               <a:buNone/>
               <a:defRPr/>
             </a:lvl4pPr>
-            <a:lvl5pPr indent="0" lvl="4" marL="0" algn="l">
+            <a:lvl5pPr marL="0" lvl="4" indent="0" algn="l">
               <a:lnSpc>
                 <a:spcPct val="100000"/>
               </a:lnSpc>
@@ -4740,7 +4854,7 @@
               <a:buNone/>
               <a:defRPr/>
             </a:lvl5pPr>
-            <a:lvl6pPr indent="0" lvl="5" marL="0" algn="l">
+            <a:lvl6pPr marL="0" lvl="5" indent="0" algn="l">
               <a:lnSpc>
                 <a:spcPct val="100000"/>
               </a:lnSpc>
@@ -4758,7 +4872,7 @@
               <a:buNone/>
               <a:defRPr/>
             </a:lvl6pPr>
-            <a:lvl7pPr indent="0" lvl="6" marL="0" algn="l">
+            <a:lvl7pPr marL="0" lvl="6" indent="0" algn="l">
               <a:lnSpc>
                 <a:spcPct val="100000"/>
               </a:lnSpc>
@@ -4776,7 +4890,7 @@
               <a:buNone/>
               <a:defRPr/>
             </a:lvl7pPr>
-            <a:lvl8pPr indent="0" lvl="7" marL="0" algn="l">
+            <a:lvl8pPr marL="0" lvl="7" indent="0" algn="l">
               <a:lnSpc>
                 <a:spcPct val="100000"/>
               </a:lnSpc>
@@ -4794,7 +4908,7 @@
               <a:buNone/>
               <a:defRPr/>
             </a:lvl8pPr>
-            <a:lvl9pPr indent="0" lvl="8" marL="0" algn="l">
+            <a:lvl9pPr marL="0" lvl="8" indent="0" algn="l">
               <a:lnSpc>
                 <a:spcPct val="100000"/>
               </a:lnSpc>
@@ -4814,7 +4928,7 @@
             </a:lvl9pPr>
           </a:lstStyle>
           <a:p>
-            <a:pPr indent="0" lvl="0" marL="0" rtl="0" algn="l">
+            <a:pPr marL="0" lvl="0" indent="0" algn="l" rtl="0">
               <a:spcBef>
                 <a:spcPts val="0"/>
               </a:spcBef>
@@ -4840,11 +4954,11 @@
 </file>
 
 <file path=ppt/slideLayouts/slideLayout5.xml><?xml version="1.0" encoding="utf-8"?>
-<p:sldLayout xmlns:a="http://schemas.openxmlformats.org/drawingml/2006/main" xmlns:r="http://schemas.openxmlformats.org/officeDocument/2006/relationships" xmlns:mc="http://schemas.openxmlformats.org/markup-compatibility/2006" xmlns:mv="urn:schemas-microsoft-com:mac:vml" xmlns:p="http://schemas.openxmlformats.org/presentationml/2006/main" xmlns:c="http://schemas.openxmlformats.org/drawingml/2006/chart" xmlns:dgm="http://schemas.openxmlformats.org/drawingml/2006/diagram" xmlns:o="urn:schemas-microsoft-com:office:office" xmlns:v="urn:schemas-microsoft-com:vml" xmlns:pvml="urn:schemas-microsoft-com:office:powerpoint" xmlns:com="http://schemas.openxmlformats.org/drawingml/2006/compatibility" xmlns:p14="http://schemas.microsoft.com/office/powerpoint/2010/main" xmlns:p15="http://schemas.microsoft.com/office/powerpoint/2012/main" xmlns:ahyp="http://schemas.microsoft.com/office/drawing/2018/hyperlinkcolor" matchingName="Section header" type="secHead">
+<p:sldLayout xmlns:a="http://schemas.openxmlformats.org/drawingml/2006/main" xmlns:r="http://schemas.openxmlformats.org/officeDocument/2006/relationships" xmlns:p="http://schemas.openxmlformats.org/presentationml/2006/main" matchingName="Section header" type="secHead">
   <p:cSld name="SECTION_HEADER">
     <p:spTree>
       <p:nvGrpSpPr>
-        <p:cNvPr id="23" name="Shape 23"/>
+        <p:cNvPr id="1" name="Shape 23"/>
         <p:cNvGrpSpPr/>
         <p:nvPr/>
       </p:nvGrpSpPr>
@@ -4859,7 +4973,9 @@
       <p:sp>
         <p:nvSpPr>
           <p:cNvPr id="24" name="Google Shape;24;p17"/>
-          <p:cNvSpPr txBox="1"/>
+          <p:cNvSpPr txBox="1">
+            <a:spLocks noGrp="1"/>
+          </p:cNvSpPr>
           <p:nvPr>
             <p:ph type="title"/>
           </p:nvPr>
@@ -4878,7 +4994,7 @@
           </a:ln>
         </p:spPr>
         <p:txBody>
-          <a:bodyPr anchorCtr="0" anchor="ctr" bIns="91425" lIns="91425" spcFirstLastPara="1" rIns="91425" wrap="square" tIns="91425">
+          <a:bodyPr spcFirstLastPara="1" wrap="square" lIns="91425" tIns="91425" rIns="91425" bIns="91425" anchor="ctr" anchorCtr="0">
             <a:noAutofit/>
           </a:bodyPr>
           <a:lstStyle>
@@ -4986,15 +5102,19 @@
               <a:defRPr sz="3600"/>
             </a:lvl9pPr>
           </a:lstStyle>
-          <a:p/>
+          <a:p>
+            <a:endParaRPr/>
+          </a:p>
         </p:txBody>
       </p:sp>
       <p:sp>
         <p:nvSpPr>
           <p:cNvPr id="25" name="Google Shape;25;p17"/>
-          <p:cNvSpPr txBox="1"/>
+          <p:cNvSpPr txBox="1">
+            <a:spLocks noGrp="1"/>
+          </p:cNvSpPr>
           <p:nvPr>
-            <p:ph idx="12" type="sldNum"/>
+            <p:ph type="sldNum" idx="12"/>
           </p:nvPr>
         </p:nvSpPr>
         <p:spPr>
@@ -5011,11 +5131,11 @@
           </a:ln>
         </p:spPr>
         <p:txBody>
-          <a:bodyPr anchorCtr="0" anchor="ctr" bIns="91425" lIns="91425" spcFirstLastPara="1" rIns="91425" wrap="square" tIns="91425">
+          <a:bodyPr spcFirstLastPara="1" wrap="square" lIns="91425" tIns="91425" rIns="91425" bIns="91425" anchor="ctr" anchorCtr="0">
             <a:noAutofit/>
           </a:bodyPr>
           <a:lstStyle>
-            <a:lvl1pPr indent="0" lvl="0" marL="0" algn="l">
+            <a:lvl1pPr marL="0" lvl="0" indent="0" algn="l">
               <a:lnSpc>
                 <a:spcPct val="100000"/>
               </a:lnSpc>
@@ -5033,7 +5153,7 @@
               <a:buNone/>
               <a:defRPr/>
             </a:lvl1pPr>
-            <a:lvl2pPr indent="0" lvl="1" marL="0" algn="l">
+            <a:lvl2pPr marL="0" lvl="1" indent="0" algn="l">
               <a:lnSpc>
                 <a:spcPct val="100000"/>
               </a:lnSpc>
@@ -5051,7 +5171,7 @@
               <a:buNone/>
               <a:defRPr/>
             </a:lvl2pPr>
-            <a:lvl3pPr indent="0" lvl="2" marL="0" algn="l">
+            <a:lvl3pPr marL="0" lvl="2" indent="0" algn="l">
               <a:lnSpc>
                 <a:spcPct val="100000"/>
               </a:lnSpc>
@@ -5069,7 +5189,7 @@
               <a:buNone/>
               <a:defRPr/>
             </a:lvl3pPr>
-            <a:lvl4pPr indent="0" lvl="3" marL="0" algn="l">
+            <a:lvl4pPr marL="0" lvl="3" indent="0" algn="l">
               <a:lnSpc>
                 <a:spcPct val="100000"/>
               </a:lnSpc>
@@ -5087,7 +5207,7 @@
               <a:buNone/>
               <a:defRPr/>
             </a:lvl4pPr>
-            <a:lvl5pPr indent="0" lvl="4" marL="0" algn="l">
+            <a:lvl5pPr marL="0" lvl="4" indent="0" algn="l">
               <a:lnSpc>
                 <a:spcPct val="100000"/>
               </a:lnSpc>
@@ -5105,7 +5225,7 @@
               <a:buNone/>
               <a:defRPr/>
             </a:lvl5pPr>
-            <a:lvl6pPr indent="0" lvl="5" marL="0" algn="l">
+            <a:lvl6pPr marL="0" lvl="5" indent="0" algn="l">
               <a:lnSpc>
                 <a:spcPct val="100000"/>
               </a:lnSpc>
@@ -5123,7 +5243,7 @@
               <a:buNone/>
               <a:defRPr/>
             </a:lvl6pPr>
-            <a:lvl7pPr indent="0" lvl="6" marL="0" algn="l">
+            <a:lvl7pPr marL="0" lvl="6" indent="0" algn="l">
               <a:lnSpc>
                 <a:spcPct val="100000"/>
               </a:lnSpc>
@@ -5141,7 +5261,7 @@
               <a:buNone/>
               <a:defRPr/>
             </a:lvl7pPr>
-            <a:lvl8pPr indent="0" lvl="7" marL="0" algn="l">
+            <a:lvl8pPr marL="0" lvl="7" indent="0" algn="l">
               <a:lnSpc>
                 <a:spcPct val="100000"/>
               </a:lnSpc>
@@ -5159,7 +5279,7 @@
               <a:buNone/>
               <a:defRPr/>
             </a:lvl8pPr>
-            <a:lvl9pPr indent="0" lvl="8" marL="0" algn="l">
+            <a:lvl9pPr marL="0" lvl="8" indent="0" algn="l">
               <a:lnSpc>
                 <a:spcPct val="100000"/>
               </a:lnSpc>
@@ -5179,7 +5299,7 @@
             </a:lvl9pPr>
           </a:lstStyle>
           <a:p>
-            <a:pPr indent="0" lvl="0" marL="0" rtl="0" algn="l">
+            <a:pPr marL="0" lvl="0" indent="0" algn="l" rtl="0">
               <a:spcBef>
                 <a:spcPts val="0"/>
               </a:spcBef>
@@ -5205,11 +5325,11 @@
 </file>
 
 <file path=ppt/slideLayouts/slideLayout6.xml><?xml version="1.0" encoding="utf-8"?>
-<p:sldLayout xmlns:a="http://schemas.openxmlformats.org/drawingml/2006/main" xmlns:r="http://schemas.openxmlformats.org/officeDocument/2006/relationships" xmlns:mc="http://schemas.openxmlformats.org/markup-compatibility/2006" xmlns:mv="urn:schemas-microsoft-com:mac:vml" xmlns:p="http://schemas.openxmlformats.org/presentationml/2006/main" xmlns:c="http://schemas.openxmlformats.org/drawingml/2006/chart" xmlns:dgm="http://schemas.openxmlformats.org/drawingml/2006/diagram" xmlns:o="urn:schemas-microsoft-com:office:office" xmlns:v="urn:schemas-microsoft-com:vml" xmlns:pvml="urn:schemas-microsoft-com:office:powerpoint" xmlns:com="http://schemas.openxmlformats.org/drawingml/2006/compatibility" xmlns:p14="http://schemas.microsoft.com/office/powerpoint/2010/main" xmlns:p15="http://schemas.microsoft.com/office/powerpoint/2012/main" xmlns:ahyp="http://schemas.microsoft.com/office/drawing/2018/hyperlinkcolor" matchingName="Title and body" type="tx">
+<p:sldLayout xmlns:a="http://schemas.openxmlformats.org/drawingml/2006/main" xmlns:r="http://schemas.openxmlformats.org/officeDocument/2006/relationships" xmlns:p="http://schemas.openxmlformats.org/presentationml/2006/main" matchingName="Title and body" type="tx">
   <p:cSld name="TITLE_AND_BODY">
     <p:spTree>
       <p:nvGrpSpPr>
-        <p:cNvPr id="26" name="Shape 26"/>
+        <p:cNvPr id="1" name="Shape 26"/>
         <p:cNvGrpSpPr/>
         <p:nvPr/>
       </p:nvGrpSpPr>
@@ -5224,7 +5344,9 @@
       <p:sp>
         <p:nvSpPr>
           <p:cNvPr id="27" name="Google Shape;27;p18"/>
-          <p:cNvSpPr txBox="1"/>
+          <p:cNvSpPr txBox="1">
+            <a:spLocks noGrp="1"/>
+          </p:cNvSpPr>
           <p:nvPr>
             <p:ph type="title"/>
           </p:nvPr>
@@ -5243,7 +5365,7 @@
           </a:ln>
         </p:spPr>
         <p:txBody>
-          <a:bodyPr anchorCtr="0" anchor="t" bIns="91425" lIns="91425" spcFirstLastPara="1" rIns="91425" wrap="square" tIns="91425">
+          <a:bodyPr spcFirstLastPara="1" wrap="square" lIns="91425" tIns="91425" rIns="91425" bIns="91425" anchor="t" anchorCtr="0">
             <a:noAutofit/>
           </a:bodyPr>
           <a:lstStyle>
@@ -5351,15 +5473,19 @@
               <a:defRPr/>
             </a:lvl9pPr>
           </a:lstStyle>
-          <a:p/>
+          <a:p>
+            <a:endParaRPr/>
+          </a:p>
         </p:txBody>
       </p:sp>
       <p:sp>
         <p:nvSpPr>
           <p:cNvPr id="28" name="Google Shape;28;p18"/>
-          <p:cNvSpPr txBox="1"/>
+          <p:cNvSpPr txBox="1">
+            <a:spLocks noGrp="1"/>
+          </p:cNvSpPr>
           <p:nvPr>
-            <p:ph idx="1" type="body"/>
+            <p:ph type="body" idx="1"/>
           </p:nvPr>
         </p:nvSpPr>
         <p:spPr>
@@ -5376,11 +5502,11 @@
           </a:ln>
         </p:spPr>
         <p:txBody>
-          <a:bodyPr anchorCtr="0" anchor="t" bIns="91425" lIns="91425" spcFirstLastPara="1" rIns="91425" wrap="square" tIns="91425">
+          <a:bodyPr spcFirstLastPara="1" wrap="square" lIns="91425" tIns="91425" rIns="91425" bIns="91425" anchor="t" anchorCtr="0">
             <a:noAutofit/>
           </a:bodyPr>
           <a:lstStyle>
-            <a:lvl1pPr indent="-342900" lvl="0" marL="457200" algn="l">
+            <a:lvl1pPr marL="457200" lvl="0" indent="-342900" algn="l">
               <a:lnSpc>
                 <a:spcPct val="115000"/>
               </a:lnSpc>
@@ -5395,7 +5521,7 @@
               <a:buChar char="●"/>
               <a:defRPr/>
             </a:lvl1pPr>
-            <a:lvl2pPr indent="-317500" lvl="1" marL="914400" algn="l">
+            <a:lvl2pPr marL="914400" lvl="1" indent="-317500" algn="l">
               <a:lnSpc>
                 <a:spcPct val="115000"/>
               </a:lnSpc>
@@ -5410,7 +5536,7 @@
               <a:buChar char="○"/>
               <a:defRPr/>
             </a:lvl2pPr>
-            <a:lvl3pPr indent="-317500" lvl="2" marL="1371600" algn="l">
+            <a:lvl3pPr marL="1371600" lvl="2" indent="-317500" algn="l">
               <a:lnSpc>
                 <a:spcPct val="115000"/>
               </a:lnSpc>
@@ -5425,7 +5551,7 @@
               <a:buChar char="■"/>
               <a:defRPr/>
             </a:lvl3pPr>
-            <a:lvl4pPr indent="-317500" lvl="3" marL="1828800" algn="l">
+            <a:lvl4pPr marL="1828800" lvl="3" indent="-317500" algn="l">
               <a:lnSpc>
                 <a:spcPct val="115000"/>
               </a:lnSpc>
@@ -5440,7 +5566,7 @@
               <a:buChar char="●"/>
               <a:defRPr/>
             </a:lvl4pPr>
-            <a:lvl5pPr indent="-317500" lvl="4" marL="2286000" algn="l">
+            <a:lvl5pPr marL="2286000" lvl="4" indent="-317500" algn="l">
               <a:lnSpc>
                 <a:spcPct val="115000"/>
               </a:lnSpc>
@@ -5455,7 +5581,7 @@
               <a:buChar char="○"/>
               <a:defRPr/>
             </a:lvl5pPr>
-            <a:lvl6pPr indent="-317500" lvl="5" marL="2743200" algn="l">
+            <a:lvl6pPr marL="2743200" lvl="5" indent="-317500" algn="l">
               <a:lnSpc>
                 <a:spcPct val="115000"/>
               </a:lnSpc>
@@ -5470,7 +5596,7 @@
               <a:buChar char="■"/>
               <a:defRPr/>
             </a:lvl6pPr>
-            <a:lvl7pPr indent="-317500" lvl="6" marL="3200400" algn="l">
+            <a:lvl7pPr marL="3200400" lvl="6" indent="-317500" algn="l">
               <a:lnSpc>
                 <a:spcPct val="115000"/>
               </a:lnSpc>
@@ -5485,7 +5611,7 @@
               <a:buChar char="●"/>
               <a:defRPr/>
             </a:lvl7pPr>
-            <a:lvl8pPr indent="-317500" lvl="7" marL="3657600" algn="l">
+            <a:lvl8pPr marL="3657600" lvl="7" indent="-317500" algn="l">
               <a:lnSpc>
                 <a:spcPct val="115000"/>
               </a:lnSpc>
@@ -5500,7 +5626,7 @@
               <a:buChar char="○"/>
               <a:defRPr/>
             </a:lvl8pPr>
-            <a:lvl9pPr indent="-317500" lvl="8" marL="4114800" algn="l">
+            <a:lvl9pPr marL="4114800" lvl="8" indent="-317500" algn="l">
               <a:lnSpc>
                 <a:spcPct val="115000"/>
               </a:lnSpc>
@@ -5516,15 +5642,19 @@
               <a:defRPr/>
             </a:lvl9pPr>
           </a:lstStyle>
-          <a:p/>
+          <a:p>
+            <a:endParaRPr/>
+          </a:p>
         </p:txBody>
       </p:sp>
       <p:sp>
         <p:nvSpPr>
           <p:cNvPr id="29" name="Google Shape;29;p18"/>
-          <p:cNvSpPr txBox="1"/>
+          <p:cNvSpPr txBox="1">
+            <a:spLocks noGrp="1"/>
+          </p:cNvSpPr>
           <p:nvPr>
-            <p:ph idx="12" type="sldNum"/>
+            <p:ph type="sldNum" idx="12"/>
           </p:nvPr>
         </p:nvSpPr>
         <p:spPr>
@@ -5541,11 +5671,11 @@
           </a:ln>
         </p:spPr>
         <p:txBody>
-          <a:bodyPr anchorCtr="0" anchor="ctr" bIns="91425" lIns="91425" spcFirstLastPara="1" rIns="91425" wrap="square" tIns="91425">
+          <a:bodyPr spcFirstLastPara="1" wrap="square" lIns="91425" tIns="91425" rIns="91425" bIns="91425" anchor="ctr" anchorCtr="0">
             <a:noAutofit/>
           </a:bodyPr>
           <a:lstStyle>
-            <a:lvl1pPr indent="0" lvl="0" marL="0" algn="l">
+            <a:lvl1pPr marL="0" lvl="0" indent="0" algn="l">
               <a:lnSpc>
                 <a:spcPct val="100000"/>
               </a:lnSpc>
@@ -5563,7 +5693,7 @@
               <a:buNone/>
               <a:defRPr/>
             </a:lvl1pPr>
-            <a:lvl2pPr indent="0" lvl="1" marL="0" algn="l">
+            <a:lvl2pPr marL="0" lvl="1" indent="0" algn="l">
               <a:lnSpc>
                 <a:spcPct val="100000"/>
               </a:lnSpc>
@@ -5581,7 +5711,7 @@
               <a:buNone/>
               <a:defRPr/>
             </a:lvl2pPr>
-            <a:lvl3pPr indent="0" lvl="2" marL="0" algn="l">
+            <a:lvl3pPr marL="0" lvl="2" indent="0" algn="l">
               <a:lnSpc>
                 <a:spcPct val="100000"/>
               </a:lnSpc>
@@ -5599,7 +5729,7 @@
               <a:buNone/>
               <a:defRPr/>
             </a:lvl3pPr>
-            <a:lvl4pPr indent="0" lvl="3" marL="0" algn="l">
+            <a:lvl4pPr marL="0" lvl="3" indent="0" algn="l">
               <a:lnSpc>
                 <a:spcPct val="100000"/>
               </a:lnSpc>
@@ -5617,7 +5747,7 @@
               <a:buNone/>
               <a:defRPr/>
             </a:lvl4pPr>
-            <a:lvl5pPr indent="0" lvl="4" marL="0" algn="l">
+            <a:lvl5pPr marL="0" lvl="4" indent="0" algn="l">
               <a:lnSpc>
                 <a:spcPct val="100000"/>
               </a:lnSpc>
@@ -5635,7 +5765,7 @@
               <a:buNone/>
               <a:defRPr/>
             </a:lvl5pPr>
-            <a:lvl6pPr indent="0" lvl="5" marL="0" algn="l">
+            <a:lvl6pPr marL="0" lvl="5" indent="0" algn="l">
               <a:lnSpc>
                 <a:spcPct val="100000"/>
               </a:lnSpc>
@@ -5653,7 +5783,7 @@
               <a:buNone/>
               <a:defRPr/>
             </a:lvl6pPr>
-            <a:lvl7pPr indent="0" lvl="6" marL="0" algn="l">
+            <a:lvl7pPr marL="0" lvl="6" indent="0" algn="l">
               <a:lnSpc>
                 <a:spcPct val="100000"/>
               </a:lnSpc>
@@ -5671,7 +5801,7 @@
               <a:buNone/>
               <a:defRPr/>
             </a:lvl7pPr>
-            <a:lvl8pPr indent="0" lvl="7" marL="0" algn="l">
+            <a:lvl8pPr marL="0" lvl="7" indent="0" algn="l">
               <a:lnSpc>
                 <a:spcPct val="100000"/>
               </a:lnSpc>
@@ -5689,7 +5819,7 @@
               <a:buNone/>
               <a:defRPr/>
             </a:lvl8pPr>
-            <a:lvl9pPr indent="0" lvl="8" marL="0" algn="l">
+            <a:lvl9pPr marL="0" lvl="8" indent="0" algn="l">
               <a:lnSpc>
                 <a:spcPct val="100000"/>
               </a:lnSpc>
@@ -5709,7 +5839,7 @@
             </a:lvl9pPr>
           </a:lstStyle>
           <a:p>
-            <a:pPr indent="0" lvl="0" marL="0" rtl="0" algn="l">
+            <a:pPr marL="0" lvl="0" indent="0" algn="l" rtl="0">
               <a:spcBef>
                 <a:spcPts val="0"/>
               </a:spcBef>
@@ -5735,11 +5865,11 @@
 </file>
 
 <file path=ppt/slideLayouts/slideLayout7.xml><?xml version="1.0" encoding="utf-8"?>
-<p:sldLayout xmlns:a="http://schemas.openxmlformats.org/drawingml/2006/main" xmlns:r="http://schemas.openxmlformats.org/officeDocument/2006/relationships" xmlns:mc="http://schemas.openxmlformats.org/markup-compatibility/2006" xmlns:mv="urn:schemas-microsoft-com:mac:vml" xmlns:p="http://schemas.openxmlformats.org/presentationml/2006/main" xmlns:c="http://schemas.openxmlformats.org/drawingml/2006/chart" xmlns:dgm="http://schemas.openxmlformats.org/drawingml/2006/diagram" xmlns:o="urn:schemas-microsoft-com:office:office" xmlns:v="urn:schemas-microsoft-com:vml" xmlns:pvml="urn:schemas-microsoft-com:office:powerpoint" xmlns:com="http://schemas.openxmlformats.org/drawingml/2006/compatibility" xmlns:p14="http://schemas.microsoft.com/office/powerpoint/2010/main" xmlns:p15="http://schemas.microsoft.com/office/powerpoint/2012/main" xmlns:ahyp="http://schemas.microsoft.com/office/drawing/2018/hyperlinkcolor" matchingName="One column text">
+<p:sldLayout xmlns:a="http://schemas.openxmlformats.org/drawingml/2006/main" xmlns:r="http://schemas.openxmlformats.org/officeDocument/2006/relationships" xmlns:p="http://schemas.openxmlformats.org/presentationml/2006/main" matchingName="One column text">
   <p:cSld name="One column text">
     <p:spTree>
       <p:nvGrpSpPr>
-        <p:cNvPr id="30" name="Shape 30"/>
+        <p:cNvPr id="1" name="Shape 30"/>
         <p:cNvGrpSpPr/>
         <p:nvPr/>
       </p:nvGrpSpPr>
@@ -5754,7 +5884,9 @@
       <p:sp>
         <p:nvSpPr>
           <p:cNvPr id="31" name="Google Shape;31;p19"/>
-          <p:cNvSpPr txBox="1"/>
+          <p:cNvSpPr txBox="1">
+            <a:spLocks noGrp="1"/>
+          </p:cNvSpPr>
           <p:nvPr>
             <p:ph type="title"/>
           </p:nvPr>
@@ -5773,7 +5905,7 @@
           </a:ln>
         </p:spPr>
         <p:txBody>
-          <a:bodyPr anchorCtr="0" anchor="b" bIns="91425" lIns="91425" spcFirstLastPara="1" rIns="91425" wrap="square" tIns="91425">
+          <a:bodyPr spcFirstLastPara="1" wrap="square" lIns="91425" tIns="91425" rIns="91425" bIns="91425" anchor="b" anchorCtr="0">
             <a:noAutofit/>
           </a:bodyPr>
           <a:lstStyle>
@@ -5881,15 +6013,19 @@
               <a:defRPr sz="2400"/>
             </a:lvl9pPr>
           </a:lstStyle>
-          <a:p/>
+          <a:p>
+            <a:endParaRPr/>
+          </a:p>
         </p:txBody>
       </p:sp>
       <p:sp>
         <p:nvSpPr>
           <p:cNvPr id="32" name="Google Shape;32;p19"/>
-          <p:cNvSpPr txBox="1"/>
+          <p:cNvSpPr txBox="1">
+            <a:spLocks noGrp="1"/>
+          </p:cNvSpPr>
           <p:nvPr>
-            <p:ph idx="1" type="body"/>
+            <p:ph type="body" idx="1"/>
           </p:nvPr>
         </p:nvSpPr>
         <p:spPr>
@@ -5906,11 +6042,11 @@
           </a:ln>
         </p:spPr>
         <p:txBody>
-          <a:bodyPr anchorCtr="0" anchor="t" bIns="91425" lIns="91425" spcFirstLastPara="1" rIns="91425" wrap="square" tIns="91425">
+          <a:bodyPr spcFirstLastPara="1" wrap="square" lIns="91425" tIns="91425" rIns="91425" bIns="91425" anchor="t" anchorCtr="0">
             <a:noAutofit/>
           </a:bodyPr>
           <a:lstStyle>
-            <a:lvl1pPr indent="-304800" lvl="0" marL="457200" algn="l">
+            <a:lvl1pPr marL="457200" lvl="0" indent="-304800" algn="l">
               <a:lnSpc>
                 <a:spcPct val="115000"/>
               </a:lnSpc>
@@ -5925,7 +6061,7 @@
               <a:buChar char="●"/>
               <a:defRPr sz="1200"/>
             </a:lvl1pPr>
-            <a:lvl2pPr indent="-304800" lvl="1" marL="914400" algn="l">
+            <a:lvl2pPr marL="914400" lvl="1" indent="-304800" algn="l">
               <a:lnSpc>
                 <a:spcPct val="115000"/>
               </a:lnSpc>
@@ -5940,7 +6076,7 @@
               <a:buChar char="○"/>
               <a:defRPr sz="1200"/>
             </a:lvl2pPr>
-            <a:lvl3pPr indent="-304800" lvl="2" marL="1371600" algn="l">
+            <a:lvl3pPr marL="1371600" lvl="2" indent="-304800" algn="l">
               <a:lnSpc>
                 <a:spcPct val="115000"/>
               </a:lnSpc>
@@ -5955,7 +6091,7 @@
               <a:buChar char="■"/>
               <a:defRPr sz="1200"/>
             </a:lvl3pPr>
-            <a:lvl4pPr indent="-304800" lvl="3" marL="1828800" algn="l">
+            <a:lvl4pPr marL="1828800" lvl="3" indent="-304800" algn="l">
               <a:lnSpc>
                 <a:spcPct val="115000"/>
               </a:lnSpc>
@@ -5970,7 +6106,7 @@
               <a:buChar char="●"/>
               <a:defRPr sz="1200"/>
             </a:lvl4pPr>
-            <a:lvl5pPr indent="-304800" lvl="4" marL="2286000" algn="l">
+            <a:lvl5pPr marL="2286000" lvl="4" indent="-304800" algn="l">
               <a:lnSpc>
                 <a:spcPct val="115000"/>
               </a:lnSpc>
@@ -5985,7 +6121,7 @@
               <a:buChar char="○"/>
               <a:defRPr sz="1200"/>
             </a:lvl5pPr>
-            <a:lvl6pPr indent="-304800" lvl="5" marL="2743200" algn="l">
+            <a:lvl6pPr marL="2743200" lvl="5" indent="-304800" algn="l">
               <a:lnSpc>
                 <a:spcPct val="115000"/>
               </a:lnSpc>
@@ -6000,7 +6136,7 @@
               <a:buChar char="■"/>
               <a:defRPr sz="1200"/>
             </a:lvl6pPr>
-            <a:lvl7pPr indent="-304800" lvl="6" marL="3200400" algn="l">
+            <a:lvl7pPr marL="3200400" lvl="6" indent="-304800" algn="l">
               <a:lnSpc>
                 <a:spcPct val="115000"/>
               </a:lnSpc>
@@ -6015,7 +6151,7 @@
               <a:buChar char="●"/>
               <a:defRPr sz="1200"/>
             </a:lvl7pPr>
-            <a:lvl8pPr indent="-304800" lvl="7" marL="3657600" algn="l">
+            <a:lvl8pPr marL="3657600" lvl="7" indent="-304800" algn="l">
               <a:lnSpc>
                 <a:spcPct val="115000"/>
               </a:lnSpc>
@@ -6030,7 +6166,7 @@
               <a:buChar char="○"/>
               <a:defRPr sz="1200"/>
             </a:lvl8pPr>
-            <a:lvl9pPr indent="-304800" lvl="8" marL="4114800" algn="l">
+            <a:lvl9pPr marL="4114800" lvl="8" indent="-304800" algn="l">
               <a:lnSpc>
                 <a:spcPct val="115000"/>
               </a:lnSpc>
@@ -6046,15 +6182,19 @@
               <a:defRPr sz="1200"/>
             </a:lvl9pPr>
           </a:lstStyle>
-          <a:p/>
+          <a:p>
+            <a:endParaRPr/>
+          </a:p>
         </p:txBody>
       </p:sp>
       <p:sp>
         <p:nvSpPr>
           <p:cNvPr id="33" name="Google Shape;33;p19"/>
-          <p:cNvSpPr txBox="1"/>
+          <p:cNvSpPr txBox="1">
+            <a:spLocks noGrp="1"/>
+          </p:cNvSpPr>
           <p:nvPr>
-            <p:ph idx="12" type="sldNum"/>
+            <p:ph type="sldNum" idx="12"/>
           </p:nvPr>
         </p:nvSpPr>
         <p:spPr>
@@ -6071,11 +6211,11 @@
           </a:ln>
         </p:spPr>
         <p:txBody>
-          <a:bodyPr anchorCtr="0" anchor="ctr" bIns="91425" lIns="91425" spcFirstLastPara="1" rIns="91425" wrap="square" tIns="91425">
+          <a:bodyPr spcFirstLastPara="1" wrap="square" lIns="91425" tIns="91425" rIns="91425" bIns="91425" anchor="ctr" anchorCtr="0">
             <a:noAutofit/>
           </a:bodyPr>
           <a:lstStyle>
-            <a:lvl1pPr indent="0" lvl="0" marL="0" algn="l">
+            <a:lvl1pPr marL="0" lvl="0" indent="0" algn="l">
               <a:lnSpc>
                 <a:spcPct val="100000"/>
               </a:lnSpc>
@@ -6093,7 +6233,7 @@
               <a:buNone/>
               <a:defRPr/>
             </a:lvl1pPr>
-            <a:lvl2pPr indent="0" lvl="1" marL="0" algn="l">
+            <a:lvl2pPr marL="0" lvl="1" indent="0" algn="l">
               <a:lnSpc>
                 <a:spcPct val="100000"/>
               </a:lnSpc>
@@ -6111,7 +6251,7 @@
               <a:buNone/>
               <a:defRPr/>
             </a:lvl2pPr>
-            <a:lvl3pPr indent="0" lvl="2" marL="0" algn="l">
+            <a:lvl3pPr marL="0" lvl="2" indent="0" algn="l">
               <a:lnSpc>
                 <a:spcPct val="100000"/>
               </a:lnSpc>
@@ -6129,7 +6269,7 @@
               <a:buNone/>
               <a:defRPr/>
             </a:lvl3pPr>
-            <a:lvl4pPr indent="0" lvl="3" marL="0" algn="l">
+            <a:lvl4pPr marL="0" lvl="3" indent="0" algn="l">
               <a:lnSpc>
                 <a:spcPct val="100000"/>
               </a:lnSpc>
@@ -6147,7 +6287,7 @@
               <a:buNone/>
               <a:defRPr/>
             </a:lvl4pPr>
-            <a:lvl5pPr indent="0" lvl="4" marL="0" algn="l">
+            <a:lvl5pPr marL="0" lvl="4" indent="0" algn="l">
               <a:lnSpc>
                 <a:spcPct val="100000"/>
               </a:lnSpc>
@@ -6165,7 +6305,7 @@
               <a:buNone/>
               <a:defRPr/>
             </a:lvl5pPr>
-            <a:lvl6pPr indent="0" lvl="5" marL="0" algn="l">
+            <a:lvl6pPr marL="0" lvl="5" indent="0" algn="l">
               <a:lnSpc>
                 <a:spcPct val="100000"/>
               </a:lnSpc>
@@ -6183,7 +6323,7 @@
               <a:buNone/>
               <a:defRPr/>
             </a:lvl6pPr>
-            <a:lvl7pPr indent="0" lvl="6" marL="0" algn="l">
+            <a:lvl7pPr marL="0" lvl="6" indent="0" algn="l">
               <a:lnSpc>
                 <a:spcPct val="100000"/>
               </a:lnSpc>
@@ -6201,7 +6341,7 @@
               <a:buNone/>
               <a:defRPr/>
             </a:lvl7pPr>
-            <a:lvl8pPr indent="0" lvl="7" marL="0" algn="l">
+            <a:lvl8pPr marL="0" lvl="7" indent="0" algn="l">
               <a:lnSpc>
                 <a:spcPct val="100000"/>
               </a:lnSpc>
@@ -6219,7 +6359,7 @@
               <a:buNone/>
               <a:defRPr/>
             </a:lvl8pPr>
-            <a:lvl9pPr indent="0" lvl="8" marL="0" algn="l">
+            <a:lvl9pPr marL="0" lvl="8" indent="0" algn="l">
               <a:lnSpc>
                 <a:spcPct val="100000"/>
               </a:lnSpc>
@@ -6239,7 +6379,7 @@
             </a:lvl9pPr>
           </a:lstStyle>
           <a:p>
-            <a:pPr indent="0" lvl="0" marL="0" rtl="0" algn="l">
+            <a:pPr marL="0" lvl="0" indent="0" algn="l" rtl="0">
               <a:spcBef>
                 <a:spcPts val="0"/>
               </a:spcBef>
@@ -6265,11 +6405,11 @@
 </file>
 
 <file path=ppt/slideLayouts/slideLayout8.xml><?xml version="1.0" encoding="utf-8"?>
-<p:sldLayout xmlns:a="http://schemas.openxmlformats.org/drawingml/2006/main" xmlns:r="http://schemas.openxmlformats.org/officeDocument/2006/relationships" xmlns:mc="http://schemas.openxmlformats.org/markup-compatibility/2006" xmlns:mv="urn:schemas-microsoft-com:mac:vml" xmlns:p="http://schemas.openxmlformats.org/presentationml/2006/main" xmlns:c="http://schemas.openxmlformats.org/drawingml/2006/chart" xmlns:dgm="http://schemas.openxmlformats.org/drawingml/2006/diagram" xmlns:o="urn:schemas-microsoft-com:office:office" xmlns:v="urn:schemas-microsoft-com:vml" xmlns:pvml="urn:schemas-microsoft-com:office:powerpoint" xmlns:com="http://schemas.openxmlformats.org/drawingml/2006/compatibility" xmlns:p14="http://schemas.microsoft.com/office/powerpoint/2010/main" xmlns:p15="http://schemas.microsoft.com/office/powerpoint/2012/main" xmlns:ahyp="http://schemas.microsoft.com/office/drawing/2018/hyperlinkcolor" matchingName="Main point">
+<p:sldLayout xmlns:a="http://schemas.openxmlformats.org/drawingml/2006/main" xmlns:r="http://schemas.openxmlformats.org/officeDocument/2006/relationships" xmlns:p="http://schemas.openxmlformats.org/presentationml/2006/main" matchingName="Main point">
   <p:cSld name="Main point">
     <p:spTree>
       <p:nvGrpSpPr>
-        <p:cNvPr id="34" name="Shape 34"/>
+        <p:cNvPr id="1" name="Shape 34"/>
         <p:cNvGrpSpPr/>
         <p:nvPr/>
       </p:nvGrpSpPr>
@@ -6284,7 +6424,9 @@
       <p:sp>
         <p:nvSpPr>
           <p:cNvPr id="35" name="Google Shape;35;p20"/>
-          <p:cNvSpPr txBox="1"/>
+          <p:cNvSpPr txBox="1">
+            <a:spLocks noGrp="1"/>
+          </p:cNvSpPr>
           <p:nvPr>
             <p:ph type="title"/>
           </p:nvPr>
@@ -6303,7 +6445,7 @@
           </a:ln>
         </p:spPr>
         <p:txBody>
-          <a:bodyPr anchorCtr="0" anchor="ctr" bIns="91425" lIns="91425" spcFirstLastPara="1" rIns="91425" wrap="square" tIns="91425">
+          <a:bodyPr spcFirstLastPara="1" wrap="square" lIns="91425" tIns="91425" rIns="91425" bIns="91425" anchor="ctr" anchorCtr="0">
             <a:noAutofit/>
           </a:bodyPr>
           <a:lstStyle>
@@ -6411,15 +6553,19 @@
               <a:defRPr sz="4800"/>
             </a:lvl9pPr>
           </a:lstStyle>
-          <a:p/>
+          <a:p>
+            <a:endParaRPr/>
+          </a:p>
         </p:txBody>
       </p:sp>
       <p:sp>
         <p:nvSpPr>
           <p:cNvPr id="36" name="Google Shape;36;p20"/>
-          <p:cNvSpPr txBox="1"/>
+          <p:cNvSpPr txBox="1">
+            <a:spLocks noGrp="1"/>
+          </p:cNvSpPr>
           <p:nvPr>
-            <p:ph idx="12" type="sldNum"/>
+            <p:ph type="sldNum" idx="12"/>
           </p:nvPr>
         </p:nvSpPr>
         <p:spPr>
@@ -6436,11 +6582,11 @@
           </a:ln>
         </p:spPr>
         <p:txBody>
-          <a:bodyPr anchorCtr="0" anchor="ctr" bIns="91425" lIns="91425" spcFirstLastPara="1" rIns="91425" wrap="square" tIns="91425">
+          <a:bodyPr spcFirstLastPara="1" wrap="square" lIns="91425" tIns="91425" rIns="91425" bIns="91425" anchor="ctr" anchorCtr="0">
             <a:noAutofit/>
           </a:bodyPr>
           <a:lstStyle>
-            <a:lvl1pPr indent="0" lvl="0" marL="0" algn="l">
+            <a:lvl1pPr marL="0" lvl="0" indent="0" algn="l">
               <a:lnSpc>
                 <a:spcPct val="100000"/>
               </a:lnSpc>
@@ -6458,7 +6604,7 @@
               <a:buNone/>
               <a:defRPr/>
             </a:lvl1pPr>
-            <a:lvl2pPr indent="0" lvl="1" marL="0" algn="l">
+            <a:lvl2pPr marL="0" lvl="1" indent="0" algn="l">
               <a:lnSpc>
                 <a:spcPct val="100000"/>
               </a:lnSpc>
@@ -6476,7 +6622,7 @@
               <a:buNone/>
               <a:defRPr/>
             </a:lvl2pPr>
-            <a:lvl3pPr indent="0" lvl="2" marL="0" algn="l">
+            <a:lvl3pPr marL="0" lvl="2" indent="0" algn="l">
               <a:lnSpc>
                 <a:spcPct val="100000"/>
               </a:lnSpc>
@@ -6494,7 +6640,7 @@
               <a:buNone/>
               <a:defRPr/>
             </a:lvl3pPr>
-            <a:lvl4pPr indent="0" lvl="3" marL="0" algn="l">
+            <a:lvl4pPr marL="0" lvl="3" indent="0" algn="l">
               <a:lnSpc>
                 <a:spcPct val="100000"/>
               </a:lnSpc>
@@ -6512,7 +6658,7 @@
               <a:buNone/>
               <a:defRPr/>
             </a:lvl4pPr>
-            <a:lvl5pPr indent="0" lvl="4" marL="0" algn="l">
+            <a:lvl5pPr marL="0" lvl="4" indent="0" algn="l">
               <a:lnSpc>
                 <a:spcPct val="100000"/>
               </a:lnSpc>
@@ -6530,7 +6676,7 @@
               <a:buNone/>
               <a:defRPr/>
             </a:lvl5pPr>
-            <a:lvl6pPr indent="0" lvl="5" marL="0" algn="l">
+            <a:lvl6pPr marL="0" lvl="5" indent="0" algn="l">
               <a:lnSpc>
                 <a:spcPct val="100000"/>
               </a:lnSpc>
@@ -6548,7 +6694,7 @@
               <a:buNone/>
               <a:defRPr/>
             </a:lvl6pPr>
-            <a:lvl7pPr indent="0" lvl="6" marL="0" algn="l">
+            <a:lvl7pPr marL="0" lvl="6" indent="0" algn="l">
               <a:lnSpc>
                 <a:spcPct val="100000"/>
               </a:lnSpc>
@@ -6566,7 +6712,7 @@
               <a:buNone/>
               <a:defRPr/>
             </a:lvl7pPr>
-            <a:lvl8pPr indent="0" lvl="7" marL="0" algn="l">
+            <a:lvl8pPr marL="0" lvl="7" indent="0" algn="l">
               <a:lnSpc>
                 <a:spcPct val="100000"/>
               </a:lnSpc>
@@ -6584,7 +6730,7 @@
               <a:buNone/>
               <a:defRPr/>
             </a:lvl8pPr>
-            <a:lvl9pPr indent="0" lvl="8" marL="0" algn="l">
+            <a:lvl9pPr marL="0" lvl="8" indent="0" algn="l">
               <a:lnSpc>
                 <a:spcPct val="100000"/>
               </a:lnSpc>
@@ -6604,7 +6750,7 @@
             </a:lvl9pPr>
           </a:lstStyle>
           <a:p>
-            <a:pPr indent="0" lvl="0" marL="0" rtl="0" algn="l">
+            <a:pPr marL="0" lvl="0" indent="0" algn="l" rtl="0">
               <a:spcBef>
                 <a:spcPts val="0"/>
               </a:spcBef>
@@ -6630,11 +6776,11 @@
 </file>
 
 <file path=ppt/slideLayouts/slideLayout9.xml><?xml version="1.0" encoding="utf-8"?>
-<p:sldLayout xmlns:a="http://schemas.openxmlformats.org/drawingml/2006/main" xmlns:r="http://schemas.openxmlformats.org/officeDocument/2006/relationships" xmlns:mc="http://schemas.openxmlformats.org/markup-compatibility/2006" xmlns:mv="urn:schemas-microsoft-com:mac:vml" xmlns:p="http://schemas.openxmlformats.org/presentationml/2006/main" xmlns:c="http://schemas.openxmlformats.org/drawingml/2006/chart" xmlns:dgm="http://schemas.openxmlformats.org/drawingml/2006/diagram" xmlns:o="urn:schemas-microsoft-com:office:office" xmlns:v="urn:schemas-microsoft-com:vml" xmlns:pvml="urn:schemas-microsoft-com:office:powerpoint" xmlns:com="http://schemas.openxmlformats.org/drawingml/2006/compatibility" xmlns:p14="http://schemas.microsoft.com/office/powerpoint/2010/main" xmlns:p15="http://schemas.microsoft.com/office/powerpoint/2012/main" xmlns:ahyp="http://schemas.microsoft.com/office/drawing/2018/hyperlinkcolor" matchingName="Section title and description">
+<p:sldLayout xmlns:a="http://schemas.openxmlformats.org/drawingml/2006/main" xmlns:r="http://schemas.openxmlformats.org/officeDocument/2006/relationships" xmlns:p="http://schemas.openxmlformats.org/presentationml/2006/main" matchingName="Section title and description">
   <p:cSld name="Section title and description">
     <p:spTree>
       <p:nvGrpSpPr>
-        <p:cNvPr id="37" name="Shape 37"/>
+        <p:cNvPr id="1" name="Shape 37"/>
         <p:cNvGrpSpPr/>
         <p:nvPr/>
       </p:nvGrpSpPr>
@@ -6668,12 +6814,12 @@
           </a:ln>
         </p:spPr>
         <p:txBody>
-          <a:bodyPr anchorCtr="0" anchor="ctr" bIns="91425" lIns="91425" spcFirstLastPara="1" rIns="91425" wrap="square" tIns="91425">
+          <a:bodyPr spcFirstLastPara="1" wrap="square" lIns="91425" tIns="91425" rIns="91425" bIns="91425" anchor="ctr" anchorCtr="0">
             <a:noAutofit/>
           </a:bodyPr>
           <a:lstStyle/>
           <a:p>
-            <a:pPr indent="0" lvl="0" marL="0" marR="0" rtl="0" algn="l">
+            <a:pPr marL="0" marR="0" lvl="0" indent="0" algn="l" rtl="0">
               <a:lnSpc>
                 <a:spcPct val="100000"/>
               </a:lnSpc>
@@ -6690,10 +6836,7 @@
               <a:buFont typeface="Arial"/>
               <a:buNone/>
             </a:pPr>
-            <a:r>
-              <a:t/>
-            </a:r>
-            <a:endParaRPr b="0" i="0" sz="1400" u="none" cap="none" strike="noStrike">
+            <a:endParaRPr sz="1400" b="0" i="0" u="none" strike="noStrike" cap="none">
               <a:solidFill>
                 <a:srgbClr val="000000"/>
               </a:solidFill>
@@ -6708,7 +6851,9 @@
       <p:sp>
         <p:nvSpPr>
           <p:cNvPr id="39" name="Google Shape;39;p21"/>
-          <p:cNvSpPr txBox="1"/>
+          <p:cNvSpPr txBox="1">
+            <a:spLocks noGrp="1"/>
+          </p:cNvSpPr>
           <p:nvPr>
             <p:ph type="title"/>
           </p:nvPr>
@@ -6727,7 +6872,7 @@
           </a:ln>
         </p:spPr>
         <p:txBody>
-          <a:bodyPr anchorCtr="0" anchor="b" bIns="91425" lIns="91425" spcFirstLastPara="1" rIns="91425" wrap="square" tIns="91425">
+          <a:bodyPr spcFirstLastPara="1" wrap="square" lIns="91425" tIns="91425" rIns="91425" bIns="91425" anchor="b" anchorCtr="0">
             <a:noAutofit/>
           </a:bodyPr>
           <a:lstStyle>
@@ -6835,15 +6980,19 @@
               <a:defRPr sz="4200"/>
             </a:lvl9pPr>
           </a:lstStyle>
-          <a:p/>
+          <a:p>
+            <a:endParaRPr/>
+          </a:p>
         </p:txBody>
       </p:sp>
       <p:sp>
         <p:nvSpPr>
           <p:cNvPr id="40" name="Google Shape;40;p21"/>
-          <p:cNvSpPr txBox="1"/>
+          <p:cNvSpPr txBox="1">
+            <a:spLocks noGrp="1"/>
+          </p:cNvSpPr>
           <p:nvPr>
-            <p:ph idx="1" type="subTitle"/>
+            <p:ph type="subTitle" idx="1"/>
           </p:nvPr>
         </p:nvSpPr>
         <p:spPr>
@@ -6860,7 +7009,7 @@
           </a:ln>
         </p:spPr>
         <p:txBody>
-          <a:bodyPr anchorCtr="0" anchor="t" bIns="91425" lIns="91425" spcFirstLastPara="1" rIns="91425" wrap="square" tIns="91425">
+          <a:bodyPr spcFirstLastPara="1" wrap="square" lIns="91425" tIns="91425" rIns="91425" bIns="91425" anchor="t" anchorCtr="0">
             <a:noAutofit/>
           </a:bodyPr>
           <a:lstStyle>
@@ -7000,15 +7149,19 @@
               <a:defRPr sz="2100"/>
             </a:lvl9pPr>
           </a:lstStyle>
-          <a:p/>
+          <a:p>
+            <a:endParaRPr/>
+          </a:p>
         </p:txBody>
       </p:sp>
       <p:sp>
         <p:nvSpPr>
           <p:cNvPr id="41" name="Google Shape;41;p21"/>
-          <p:cNvSpPr txBox="1"/>
+          <p:cNvSpPr txBox="1">
+            <a:spLocks noGrp="1"/>
+          </p:cNvSpPr>
           <p:nvPr>
-            <p:ph idx="2" type="body"/>
+            <p:ph type="body" idx="2"/>
           </p:nvPr>
         </p:nvSpPr>
         <p:spPr>
@@ -7025,11 +7178,11 @@
           </a:ln>
         </p:spPr>
         <p:txBody>
-          <a:bodyPr anchorCtr="0" anchor="ctr" bIns="91425" lIns="91425" spcFirstLastPara="1" rIns="91425" wrap="square" tIns="91425">
+          <a:bodyPr spcFirstLastPara="1" wrap="square" lIns="91425" tIns="91425" rIns="91425" bIns="91425" anchor="ctr" anchorCtr="0">
             <a:noAutofit/>
           </a:bodyPr>
           <a:lstStyle>
-            <a:lvl1pPr indent="-342900" lvl="0" marL="457200" algn="l">
+            <a:lvl1pPr marL="457200" lvl="0" indent="-342900" algn="l">
               <a:lnSpc>
                 <a:spcPct val="115000"/>
               </a:lnSpc>
@@ -7044,7 +7197,7 @@
               <a:buChar char="●"/>
               <a:defRPr/>
             </a:lvl1pPr>
-            <a:lvl2pPr indent="-317500" lvl="1" marL="914400" algn="l">
+            <a:lvl2pPr marL="914400" lvl="1" indent="-317500" algn="l">
               <a:lnSpc>
                 <a:spcPct val="115000"/>
               </a:lnSpc>
@@ -7059,7 +7212,7 @@
               <a:buChar char="○"/>
               <a:defRPr/>
             </a:lvl2pPr>
-            <a:lvl3pPr indent="-317500" lvl="2" marL="1371600" algn="l">
+            <a:lvl3pPr marL="1371600" lvl="2" indent="-317500" algn="l">
               <a:lnSpc>
                 <a:spcPct val="115000"/>
               </a:lnSpc>
@@ -7074,7 +7227,7 @@
               <a:buChar char="■"/>
               <a:defRPr/>
             </a:lvl3pPr>
-            <a:lvl4pPr indent="-317500" lvl="3" marL="1828800" algn="l">
+            <a:lvl4pPr marL="1828800" lvl="3" indent="-317500" algn="l">
               <a:lnSpc>
                 <a:spcPct val="115000"/>
               </a:lnSpc>
@@ -7089,7 +7242,7 @@
               <a:buChar char="●"/>
               <a:defRPr/>
             </a:lvl4pPr>
-            <a:lvl5pPr indent="-317500" lvl="4" marL="2286000" algn="l">
+            <a:lvl5pPr marL="2286000" lvl="4" indent="-317500" algn="l">
               <a:lnSpc>
                 <a:spcPct val="115000"/>
               </a:lnSpc>
@@ -7104,7 +7257,7 @@
               <a:buChar char="○"/>
               <a:defRPr/>
             </a:lvl5pPr>
-            <a:lvl6pPr indent="-317500" lvl="5" marL="2743200" algn="l">
+            <a:lvl6pPr marL="2743200" lvl="5" indent="-317500" algn="l">
               <a:lnSpc>
                 <a:spcPct val="115000"/>
               </a:lnSpc>
@@ -7119,7 +7272,7 @@
               <a:buChar char="■"/>
               <a:defRPr/>
             </a:lvl6pPr>
-            <a:lvl7pPr indent="-317500" lvl="6" marL="3200400" algn="l">
+            <a:lvl7pPr marL="3200400" lvl="6" indent="-317500" algn="l">
               <a:lnSpc>
                 <a:spcPct val="115000"/>
               </a:lnSpc>
@@ -7134,7 +7287,7 @@
               <a:buChar char="●"/>
               <a:defRPr/>
             </a:lvl7pPr>
-            <a:lvl8pPr indent="-317500" lvl="7" marL="3657600" algn="l">
+            <a:lvl8pPr marL="3657600" lvl="7" indent="-317500" algn="l">
               <a:lnSpc>
                 <a:spcPct val="115000"/>
               </a:lnSpc>
@@ -7149,7 +7302,7 @@
               <a:buChar char="○"/>
               <a:defRPr/>
             </a:lvl8pPr>
-            <a:lvl9pPr indent="-317500" lvl="8" marL="4114800" algn="l">
+            <a:lvl9pPr marL="4114800" lvl="8" indent="-317500" algn="l">
               <a:lnSpc>
                 <a:spcPct val="115000"/>
               </a:lnSpc>
@@ -7165,15 +7318,19 @@
               <a:defRPr/>
             </a:lvl9pPr>
           </a:lstStyle>
-          <a:p/>
+          <a:p>
+            <a:endParaRPr/>
+          </a:p>
         </p:txBody>
       </p:sp>
       <p:sp>
         <p:nvSpPr>
           <p:cNvPr id="42" name="Google Shape;42;p21"/>
-          <p:cNvSpPr txBox="1"/>
+          <p:cNvSpPr txBox="1">
+            <a:spLocks noGrp="1"/>
+          </p:cNvSpPr>
           <p:nvPr>
-            <p:ph idx="12" type="sldNum"/>
+            <p:ph type="sldNum" idx="12"/>
           </p:nvPr>
         </p:nvSpPr>
         <p:spPr>
@@ -7190,11 +7347,11 @@
           </a:ln>
         </p:spPr>
         <p:txBody>
-          <a:bodyPr anchorCtr="0" anchor="ctr" bIns="91425" lIns="91425" spcFirstLastPara="1" rIns="91425" wrap="square" tIns="91425">
+          <a:bodyPr spcFirstLastPara="1" wrap="square" lIns="91425" tIns="91425" rIns="91425" bIns="91425" anchor="ctr" anchorCtr="0">
             <a:noAutofit/>
           </a:bodyPr>
           <a:lstStyle>
-            <a:lvl1pPr indent="0" lvl="0" marL="0" algn="l">
+            <a:lvl1pPr marL="0" lvl="0" indent="0" algn="l">
               <a:lnSpc>
                 <a:spcPct val="100000"/>
               </a:lnSpc>
@@ -7212,7 +7369,7 @@
               <a:buNone/>
               <a:defRPr/>
             </a:lvl1pPr>
-            <a:lvl2pPr indent="0" lvl="1" marL="0" algn="l">
+            <a:lvl2pPr marL="0" lvl="1" indent="0" algn="l">
               <a:lnSpc>
                 <a:spcPct val="100000"/>
               </a:lnSpc>
@@ -7230,7 +7387,7 @@
               <a:buNone/>
               <a:defRPr/>
             </a:lvl2pPr>
-            <a:lvl3pPr indent="0" lvl="2" marL="0" algn="l">
+            <a:lvl3pPr marL="0" lvl="2" indent="0" algn="l">
               <a:lnSpc>
                 <a:spcPct val="100000"/>
               </a:lnSpc>
@@ -7248,7 +7405,7 @@
               <a:buNone/>
               <a:defRPr/>
             </a:lvl3pPr>
-            <a:lvl4pPr indent="0" lvl="3" marL="0" algn="l">
+            <a:lvl4pPr marL="0" lvl="3" indent="0" algn="l">
               <a:lnSpc>
                 <a:spcPct val="100000"/>
               </a:lnSpc>
@@ -7266,7 +7423,7 @@
               <a:buNone/>
               <a:defRPr/>
             </a:lvl4pPr>
-            <a:lvl5pPr indent="0" lvl="4" marL="0" algn="l">
+            <a:lvl5pPr marL="0" lvl="4" indent="0" algn="l">
               <a:lnSpc>
                 <a:spcPct val="100000"/>
               </a:lnSpc>
@@ -7284,7 +7441,7 @@
               <a:buNone/>
               <a:defRPr/>
             </a:lvl5pPr>
-            <a:lvl6pPr indent="0" lvl="5" marL="0" algn="l">
+            <a:lvl6pPr marL="0" lvl="5" indent="0" algn="l">
               <a:lnSpc>
                 <a:spcPct val="100000"/>
               </a:lnSpc>
@@ -7302,7 +7459,7 @@
               <a:buNone/>
               <a:defRPr/>
             </a:lvl6pPr>
-            <a:lvl7pPr indent="0" lvl="6" marL="0" algn="l">
+            <a:lvl7pPr marL="0" lvl="6" indent="0" algn="l">
               <a:lnSpc>
                 <a:spcPct val="100000"/>
               </a:lnSpc>
@@ -7320,7 +7477,7 @@
               <a:buNone/>
               <a:defRPr/>
             </a:lvl7pPr>
-            <a:lvl8pPr indent="0" lvl="7" marL="0" algn="l">
+            <a:lvl8pPr marL="0" lvl="7" indent="0" algn="l">
               <a:lnSpc>
                 <a:spcPct val="100000"/>
               </a:lnSpc>
@@ -7338,7 +7495,7 @@
               <a:buNone/>
               <a:defRPr/>
             </a:lvl8pPr>
-            <a:lvl9pPr indent="0" lvl="8" marL="0" algn="l">
+            <a:lvl9pPr marL="0" lvl="8" indent="0" algn="l">
               <a:lnSpc>
                 <a:spcPct val="100000"/>
               </a:lnSpc>
@@ -7358,7 +7515,7 @@
             </a:lvl9pPr>
           </a:lstStyle>
           <a:p>
-            <a:pPr indent="0" lvl="0" marL="0" rtl="0" algn="l">
+            <a:pPr marL="0" lvl="0" indent="0" algn="l" rtl="0">
               <a:spcBef>
                 <a:spcPts val="0"/>
               </a:spcBef>
@@ -7384,18 +7541,19 @@
 </file>
 
 <file path=ppt/slideMasters/slideMaster1.xml><?xml version="1.0" encoding="utf-8"?>
-<p:sldMaster xmlns:a="http://schemas.openxmlformats.org/drawingml/2006/main" xmlns:r="http://schemas.openxmlformats.org/officeDocument/2006/relationships" xmlns:mc="http://schemas.openxmlformats.org/markup-compatibility/2006" xmlns:mv="urn:schemas-microsoft-com:mac:vml" xmlns:p="http://schemas.openxmlformats.org/presentationml/2006/main" xmlns:c="http://schemas.openxmlformats.org/drawingml/2006/chart" xmlns:dgm="http://schemas.openxmlformats.org/drawingml/2006/diagram" xmlns:o="urn:schemas-microsoft-com:office:office" xmlns:v="urn:schemas-microsoft-com:vml" xmlns:pvml="urn:schemas-microsoft-com:office:powerpoint" xmlns:com="http://schemas.openxmlformats.org/drawingml/2006/compatibility" xmlns:p14="http://schemas.microsoft.com/office/powerpoint/2010/main" xmlns:p15="http://schemas.microsoft.com/office/powerpoint/2012/main" xmlns:ahyp="http://schemas.microsoft.com/office/drawing/2018/hyperlinkcolor">
+<p:sldMaster xmlns:a="http://schemas.openxmlformats.org/drawingml/2006/main" xmlns:r="http://schemas.openxmlformats.org/officeDocument/2006/relationships" xmlns:p="http://schemas.openxmlformats.org/presentationml/2006/main">
   <p:cSld name="simple-light-2">
     <p:bg>
       <p:bgPr>
         <a:solidFill>
           <a:schemeClr val="lt1"/>
         </a:solidFill>
+        <a:effectLst/>
       </p:bgPr>
     </p:bg>
     <p:spTree>
       <p:nvGrpSpPr>
-        <p:cNvPr id="5" name="Shape 5"/>
+        <p:cNvPr id="1" name="Shape 5"/>
         <p:cNvGrpSpPr/>
         <p:nvPr/>
       </p:nvGrpSpPr>
@@ -7410,7 +7568,9 @@
       <p:sp>
         <p:nvSpPr>
           <p:cNvPr id="6" name="Google Shape;6;p12"/>
-          <p:cNvSpPr txBox="1"/>
+          <p:cNvSpPr txBox="1">
+            <a:spLocks noGrp="1"/>
+          </p:cNvSpPr>
           <p:nvPr>
             <p:ph type="title"/>
           </p:nvPr>
@@ -7429,11 +7589,11 @@
           </a:ln>
         </p:spPr>
         <p:txBody>
-          <a:bodyPr anchorCtr="0" anchor="t" bIns="91425" lIns="91425" spcFirstLastPara="1" rIns="91425" wrap="square" tIns="91425">
+          <a:bodyPr spcFirstLastPara="1" wrap="square" lIns="91425" tIns="91425" rIns="91425" bIns="91425" anchor="t" anchorCtr="0">
             <a:noAutofit/>
           </a:bodyPr>
           <a:lstStyle>
-            <a:lvl1pPr lvl="0" marR="0" rtl="0" algn="l">
+            <a:lvl1pPr marR="0" lvl="0" algn="l" rtl="0">
               <a:lnSpc>
                 <a:spcPct val="100000"/>
               </a:lnSpc>
@@ -7449,7 +7609,7 @@
               <a:buSzPts val="2800"/>
               <a:buFont typeface="Arial"/>
               <a:buNone/>
-              <a:defRPr b="0" i="0" sz="2800" u="none" cap="none" strike="noStrike">
+              <a:defRPr sz="2800" b="0" i="0" u="none" strike="noStrike" cap="none">
                 <a:solidFill>
                   <a:schemeClr val="dk1"/>
                 </a:solidFill>
@@ -7612,15 +7772,19 @@
               </a:defRPr>
             </a:lvl9pPr>
           </a:lstStyle>
-          <a:p/>
+          <a:p>
+            <a:endParaRPr/>
+          </a:p>
         </p:txBody>
       </p:sp>
       <p:sp>
         <p:nvSpPr>
           <p:cNvPr id="7" name="Google Shape;7;p12"/>
-          <p:cNvSpPr txBox="1"/>
+          <p:cNvSpPr txBox="1">
+            <a:spLocks noGrp="1"/>
+          </p:cNvSpPr>
           <p:nvPr>
-            <p:ph idx="1" type="body"/>
+            <p:ph type="body" idx="1"/>
           </p:nvPr>
         </p:nvSpPr>
         <p:spPr>
@@ -7637,11 +7801,11 @@
           </a:ln>
         </p:spPr>
         <p:txBody>
-          <a:bodyPr anchorCtr="0" anchor="t" bIns="91425" lIns="91425" spcFirstLastPara="1" rIns="91425" wrap="square" tIns="91425">
+          <a:bodyPr spcFirstLastPara="1" wrap="square" lIns="91425" tIns="91425" rIns="91425" bIns="91425" anchor="t" anchorCtr="0">
             <a:noAutofit/>
           </a:bodyPr>
           <a:lstStyle>
-            <a:lvl1pPr indent="-342900" lvl="0" marL="457200" marR="0" rtl="0" algn="l">
+            <a:lvl1pPr marL="457200" marR="0" lvl="0" indent="-342900" algn="l" rtl="0">
               <a:lnSpc>
                 <a:spcPct val="115000"/>
               </a:lnSpc>
@@ -7657,7 +7821,7 @@
               <a:buSzPts val="1800"/>
               <a:buFont typeface="Arial"/>
               <a:buChar char="●"/>
-              <a:defRPr b="0" i="0" sz="1800" u="none" cap="none" strike="noStrike">
+              <a:defRPr sz="1800" b="0" i="0" u="none" strike="noStrike" cap="none">
                 <a:solidFill>
                   <a:schemeClr val="dk2"/>
                 </a:solidFill>
@@ -7667,7 +7831,7 @@
                 <a:sym typeface="Arial"/>
               </a:defRPr>
             </a:lvl1pPr>
-            <a:lvl2pPr indent="-317500" lvl="1" marL="914400" marR="0" rtl="0" algn="l">
+            <a:lvl2pPr marL="914400" marR="0" lvl="1" indent="-317500" algn="l" rtl="0">
               <a:lnSpc>
                 <a:spcPct val="115000"/>
               </a:lnSpc>
@@ -7683,7 +7847,7 @@
               <a:buSzPts val="1400"/>
               <a:buFont typeface="Arial"/>
               <a:buChar char="○"/>
-              <a:defRPr b="0" i="0" sz="1400" u="none" cap="none" strike="noStrike">
+              <a:defRPr sz="1400" b="0" i="0" u="none" strike="noStrike" cap="none">
                 <a:solidFill>
                   <a:schemeClr val="dk2"/>
                 </a:solidFill>
@@ -7693,7 +7857,7 @@
                 <a:sym typeface="Arial"/>
               </a:defRPr>
             </a:lvl2pPr>
-            <a:lvl3pPr indent="-317500" lvl="2" marL="1371600" marR="0" rtl="0" algn="l">
+            <a:lvl3pPr marL="1371600" marR="0" lvl="2" indent="-317500" algn="l" rtl="0">
               <a:lnSpc>
                 <a:spcPct val="115000"/>
               </a:lnSpc>
@@ -7709,7 +7873,7 @@
               <a:buSzPts val="1400"/>
               <a:buFont typeface="Arial"/>
               <a:buChar char="■"/>
-              <a:defRPr b="0" i="0" sz="1400" u="none" cap="none" strike="noStrike">
+              <a:defRPr sz="1400" b="0" i="0" u="none" strike="noStrike" cap="none">
                 <a:solidFill>
                   <a:schemeClr val="dk2"/>
                 </a:solidFill>
@@ -7719,7 +7883,7 @@
                 <a:sym typeface="Arial"/>
               </a:defRPr>
             </a:lvl3pPr>
-            <a:lvl4pPr indent="-317500" lvl="3" marL="1828800" marR="0" rtl="0" algn="l">
+            <a:lvl4pPr marL="1828800" marR="0" lvl="3" indent="-317500" algn="l" rtl="0">
               <a:lnSpc>
                 <a:spcPct val="115000"/>
               </a:lnSpc>
@@ -7735,7 +7899,7 @@
               <a:buSzPts val="1400"/>
               <a:buFont typeface="Arial"/>
               <a:buChar char="●"/>
-              <a:defRPr b="0" i="0" sz="1400" u="none" cap="none" strike="noStrike">
+              <a:defRPr sz="1400" b="0" i="0" u="none" strike="noStrike" cap="none">
                 <a:solidFill>
                   <a:schemeClr val="dk2"/>
                 </a:solidFill>
@@ -7745,7 +7909,7 @@
                 <a:sym typeface="Arial"/>
               </a:defRPr>
             </a:lvl4pPr>
-            <a:lvl5pPr indent="-317500" lvl="4" marL="2286000" marR="0" rtl="0" algn="l">
+            <a:lvl5pPr marL="2286000" marR="0" lvl="4" indent="-317500" algn="l" rtl="0">
               <a:lnSpc>
                 <a:spcPct val="115000"/>
               </a:lnSpc>
@@ -7761,7 +7925,7 @@
               <a:buSzPts val="1400"/>
               <a:buFont typeface="Arial"/>
               <a:buChar char="○"/>
-              <a:defRPr b="0" i="0" sz="1400" u="none" cap="none" strike="noStrike">
+              <a:defRPr sz="1400" b="0" i="0" u="none" strike="noStrike" cap="none">
                 <a:solidFill>
                   <a:schemeClr val="dk2"/>
                 </a:solidFill>
@@ -7771,7 +7935,7 @@
                 <a:sym typeface="Arial"/>
               </a:defRPr>
             </a:lvl5pPr>
-            <a:lvl6pPr indent="-317500" lvl="5" marL="2743200" marR="0" rtl="0" algn="l">
+            <a:lvl6pPr marL="2743200" marR="0" lvl="5" indent="-317500" algn="l" rtl="0">
               <a:lnSpc>
                 <a:spcPct val="115000"/>
               </a:lnSpc>
@@ -7787,7 +7951,7 @@
               <a:buSzPts val="1400"/>
               <a:buFont typeface="Arial"/>
               <a:buChar char="■"/>
-              <a:defRPr b="0" i="0" sz="1400" u="none" cap="none" strike="noStrike">
+              <a:defRPr sz="1400" b="0" i="0" u="none" strike="noStrike" cap="none">
                 <a:solidFill>
                   <a:schemeClr val="dk2"/>
                 </a:solidFill>
@@ -7797,7 +7961,7 @@
                 <a:sym typeface="Arial"/>
               </a:defRPr>
             </a:lvl6pPr>
-            <a:lvl7pPr indent="-317500" lvl="6" marL="3200400" marR="0" rtl="0" algn="l">
+            <a:lvl7pPr marL="3200400" marR="0" lvl="6" indent="-317500" algn="l" rtl="0">
               <a:lnSpc>
                 <a:spcPct val="115000"/>
               </a:lnSpc>
@@ -7813,7 +7977,7 @@
               <a:buSzPts val="1400"/>
               <a:buFont typeface="Arial"/>
               <a:buChar char="●"/>
-              <a:defRPr b="0" i="0" sz="1400" u="none" cap="none" strike="noStrike">
+              <a:defRPr sz="1400" b="0" i="0" u="none" strike="noStrike" cap="none">
                 <a:solidFill>
                   <a:schemeClr val="dk2"/>
                 </a:solidFill>
@@ -7823,7 +7987,7 @@
                 <a:sym typeface="Arial"/>
               </a:defRPr>
             </a:lvl7pPr>
-            <a:lvl8pPr indent="-317500" lvl="7" marL="3657600" marR="0" rtl="0" algn="l">
+            <a:lvl8pPr marL="3657600" marR="0" lvl="7" indent="-317500" algn="l" rtl="0">
               <a:lnSpc>
                 <a:spcPct val="115000"/>
               </a:lnSpc>
@@ -7839,7 +8003,7 @@
               <a:buSzPts val="1400"/>
               <a:buFont typeface="Arial"/>
               <a:buChar char="○"/>
-              <a:defRPr b="0" i="0" sz="1400" u="none" cap="none" strike="noStrike">
+              <a:defRPr sz="1400" b="0" i="0" u="none" strike="noStrike" cap="none">
                 <a:solidFill>
                   <a:schemeClr val="dk2"/>
                 </a:solidFill>
@@ -7849,7 +8013,7 @@
                 <a:sym typeface="Arial"/>
               </a:defRPr>
             </a:lvl8pPr>
-            <a:lvl9pPr indent="-317500" lvl="8" marL="4114800" marR="0" rtl="0" algn="l">
+            <a:lvl9pPr marL="4114800" marR="0" lvl="8" indent="-317500" algn="l" rtl="0">
               <a:lnSpc>
                 <a:spcPct val="115000"/>
               </a:lnSpc>
@@ -7865,7 +8029,7 @@
               <a:buSzPts val="1400"/>
               <a:buFont typeface="Arial"/>
               <a:buChar char="■"/>
-              <a:defRPr b="0" i="0" sz="1400" u="none" cap="none" strike="noStrike">
+              <a:defRPr sz="1400" b="0" i="0" u="none" strike="noStrike" cap="none">
                 <a:solidFill>
                   <a:schemeClr val="dk2"/>
                 </a:solidFill>
@@ -7876,15 +8040,19 @@
               </a:defRPr>
             </a:lvl9pPr>
           </a:lstStyle>
-          <a:p/>
+          <a:p>
+            <a:endParaRPr/>
+          </a:p>
         </p:txBody>
       </p:sp>
       <p:sp>
         <p:nvSpPr>
           <p:cNvPr id="8" name="Google Shape;8;p12"/>
-          <p:cNvSpPr txBox="1"/>
+          <p:cNvSpPr txBox="1">
+            <a:spLocks noGrp="1"/>
+          </p:cNvSpPr>
           <p:nvPr>
-            <p:ph idx="12" type="sldNum"/>
+            <p:ph type="sldNum" idx="12"/>
           </p:nvPr>
         </p:nvSpPr>
         <p:spPr>
@@ -7901,11 +8069,11 @@
           </a:ln>
         </p:spPr>
         <p:txBody>
-          <a:bodyPr anchorCtr="0" anchor="ctr" bIns="91425" lIns="91425" spcFirstLastPara="1" rIns="91425" wrap="square" tIns="91425">
+          <a:bodyPr spcFirstLastPara="1" wrap="square" lIns="91425" tIns="91425" rIns="91425" bIns="91425" anchor="ctr" anchorCtr="0">
             <a:noAutofit/>
           </a:bodyPr>
           <a:lstStyle>
-            <a:lvl1pPr indent="0" lvl="0" marL="0" marR="0" rtl="0" algn="r">
+            <a:lvl1pPr marL="0" marR="0" lvl="0" indent="0" algn="r" rtl="0">
               <a:lnSpc>
                 <a:spcPct val="100000"/>
               </a:lnSpc>
@@ -7921,7 +8089,7 @@
               <a:buSzPts val="1000"/>
               <a:buFont typeface="Arial"/>
               <a:buNone/>
-              <a:defRPr b="0" i="0" sz="1000" u="none" cap="none" strike="noStrike">
+              <a:defRPr sz="1000" b="0" i="0" u="none" strike="noStrike" cap="none">
                 <a:solidFill>
                   <a:schemeClr val="dk2"/>
                 </a:solidFill>
@@ -7931,7 +8099,7 @@
                 <a:sym typeface="Arial"/>
               </a:defRPr>
             </a:lvl1pPr>
-            <a:lvl2pPr indent="0" lvl="1" marL="0" marR="0" rtl="0" algn="r">
+            <a:lvl2pPr marL="0" marR="0" lvl="1" indent="0" algn="r" rtl="0">
               <a:lnSpc>
                 <a:spcPct val="100000"/>
               </a:lnSpc>
@@ -7947,7 +8115,7 @@
               <a:buSzPts val="1000"/>
               <a:buFont typeface="Arial"/>
               <a:buNone/>
-              <a:defRPr b="0" i="0" sz="1000" u="none" cap="none" strike="noStrike">
+              <a:defRPr sz="1000" b="0" i="0" u="none" strike="noStrike" cap="none">
                 <a:solidFill>
                   <a:schemeClr val="dk2"/>
                 </a:solidFill>
@@ -7957,7 +8125,7 @@
                 <a:sym typeface="Arial"/>
               </a:defRPr>
             </a:lvl2pPr>
-            <a:lvl3pPr indent="0" lvl="2" marL="0" marR="0" rtl="0" algn="r">
+            <a:lvl3pPr marL="0" marR="0" lvl="2" indent="0" algn="r" rtl="0">
               <a:lnSpc>
                 <a:spcPct val="100000"/>
               </a:lnSpc>
@@ -7973,7 +8141,7 @@
               <a:buSzPts val="1000"/>
               <a:buFont typeface="Arial"/>
               <a:buNone/>
-              <a:defRPr b="0" i="0" sz="1000" u="none" cap="none" strike="noStrike">
+              <a:defRPr sz="1000" b="0" i="0" u="none" strike="noStrike" cap="none">
                 <a:solidFill>
                   <a:schemeClr val="dk2"/>
                 </a:solidFill>
@@ -7983,7 +8151,7 @@
                 <a:sym typeface="Arial"/>
               </a:defRPr>
             </a:lvl3pPr>
-            <a:lvl4pPr indent="0" lvl="3" marL="0" marR="0" rtl="0" algn="r">
+            <a:lvl4pPr marL="0" marR="0" lvl="3" indent="0" algn="r" rtl="0">
               <a:lnSpc>
                 <a:spcPct val="100000"/>
               </a:lnSpc>
@@ -7999,7 +8167,7 @@
               <a:buSzPts val="1000"/>
               <a:buFont typeface="Arial"/>
               <a:buNone/>
-              <a:defRPr b="0" i="0" sz="1000" u="none" cap="none" strike="noStrike">
+              <a:defRPr sz="1000" b="0" i="0" u="none" strike="noStrike" cap="none">
                 <a:solidFill>
                   <a:schemeClr val="dk2"/>
                 </a:solidFill>
@@ -8009,7 +8177,7 @@
                 <a:sym typeface="Arial"/>
               </a:defRPr>
             </a:lvl4pPr>
-            <a:lvl5pPr indent="0" lvl="4" marL="0" marR="0" rtl="0" algn="r">
+            <a:lvl5pPr marL="0" marR="0" lvl="4" indent="0" algn="r" rtl="0">
               <a:lnSpc>
                 <a:spcPct val="100000"/>
               </a:lnSpc>
@@ -8025,7 +8193,7 @@
               <a:buSzPts val="1000"/>
               <a:buFont typeface="Arial"/>
               <a:buNone/>
-              <a:defRPr b="0" i="0" sz="1000" u="none" cap="none" strike="noStrike">
+              <a:defRPr sz="1000" b="0" i="0" u="none" strike="noStrike" cap="none">
                 <a:solidFill>
                   <a:schemeClr val="dk2"/>
                 </a:solidFill>
@@ -8035,7 +8203,7 @@
                 <a:sym typeface="Arial"/>
               </a:defRPr>
             </a:lvl5pPr>
-            <a:lvl6pPr indent="0" lvl="5" marL="0" marR="0" rtl="0" algn="r">
+            <a:lvl6pPr marL="0" marR="0" lvl="5" indent="0" algn="r" rtl="0">
               <a:lnSpc>
                 <a:spcPct val="100000"/>
               </a:lnSpc>
@@ -8051,7 +8219,7 @@
               <a:buSzPts val="1000"/>
               <a:buFont typeface="Arial"/>
               <a:buNone/>
-              <a:defRPr b="0" i="0" sz="1000" u="none" cap="none" strike="noStrike">
+              <a:defRPr sz="1000" b="0" i="0" u="none" strike="noStrike" cap="none">
                 <a:solidFill>
                   <a:schemeClr val="dk2"/>
                 </a:solidFill>
@@ -8061,7 +8229,7 @@
                 <a:sym typeface="Arial"/>
               </a:defRPr>
             </a:lvl6pPr>
-            <a:lvl7pPr indent="0" lvl="6" marL="0" marR="0" rtl="0" algn="r">
+            <a:lvl7pPr marL="0" marR="0" lvl="6" indent="0" algn="r" rtl="0">
               <a:lnSpc>
                 <a:spcPct val="100000"/>
               </a:lnSpc>
@@ -8077,7 +8245,7 @@
               <a:buSzPts val="1000"/>
               <a:buFont typeface="Arial"/>
               <a:buNone/>
-              <a:defRPr b="0" i="0" sz="1000" u="none" cap="none" strike="noStrike">
+              <a:defRPr sz="1000" b="0" i="0" u="none" strike="noStrike" cap="none">
                 <a:solidFill>
                   <a:schemeClr val="dk2"/>
                 </a:solidFill>
@@ -8087,7 +8255,7 @@
                 <a:sym typeface="Arial"/>
               </a:defRPr>
             </a:lvl7pPr>
-            <a:lvl8pPr indent="0" lvl="7" marL="0" marR="0" rtl="0" algn="r">
+            <a:lvl8pPr marL="0" marR="0" lvl="7" indent="0" algn="r" rtl="0">
               <a:lnSpc>
                 <a:spcPct val="100000"/>
               </a:lnSpc>
@@ -8103,7 +8271,7 @@
               <a:buSzPts val="1000"/>
               <a:buFont typeface="Arial"/>
               <a:buNone/>
-              <a:defRPr b="0" i="0" sz="1000" u="none" cap="none" strike="noStrike">
+              <a:defRPr sz="1000" b="0" i="0" u="none" strike="noStrike" cap="none">
                 <a:solidFill>
                   <a:schemeClr val="dk2"/>
                 </a:solidFill>
@@ -8113,7 +8281,7 @@
                 <a:sym typeface="Arial"/>
               </a:defRPr>
             </a:lvl8pPr>
-            <a:lvl9pPr indent="0" lvl="8" marL="0" marR="0" rtl="0" algn="r">
+            <a:lvl9pPr marL="0" marR="0" lvl="8" indent="0" algn="r" rtl="0">
               <a:lnSpc>
                 <a:spcPct val="100000"/>
               </a:lnSpc>
@@ -8129,7 +8297,7 @@
               <a:buSzPts val="1000"/>
               <a:buFont typeface="Arial"/>
               <a:buNone/>
-              <a:defRPr b="0" i="0" sz="1000" u="none" cap="none" strike="noStrike">
+              <a:defRPr sz="1000" b="0" i="0" u="none" strike="noStrike" cap="none">
                 <a:solidFill>
                   <a:schemeClr val="dk2"/>
                 </a:solidFill>
@@ -8141,7 +8309,7 @@
             </a:lvl9pPr>
           </a:lstStyle>
           <a:p>
-            <a:pPr indent="0" lvl="0" marL="0" rtl="0" algn="r">
+            <a:pPr marL="0" lvl="0" indent="0" algn="r" rtl="0">
               <a:spcBef>
                 <a:spcPts val="0"/>
               </a:spcBef>
@@ -8160,7 +8328,7 @@
       </p:sp>
     </p:spTree>
   </p:cSld>
-  <p:clrMap accent1="accent1" accent2="accent2" accent3="accent3" accent4="accent4" accent5="accent5" accent6="accent6" bg1="lt1" bg2="dk2" tx1="dk1" tx2="lt2" folHlink="folHlink" hlink="hlink"/>
+  <p:clrMap bg1="lt1" tx1="dk1" bg2="dk2" tx2="lt2" accent1="accent1" accent2="accent2" accent3="accent3" accent4="accent4" accent5="accent5" accent6="accent6" hlink="hlink" folHlink="folHlink"/>
   <p:sldLayoutIdLst>
     <p:sldLayoutId id="2147483649" r:id="rId1"/>
     <p:sldLayoutId id="2147483650" r:id="rId2"/>
@@ -8174,10 +8342,10 @@
     <p:sldLayoutId id="2147483658" r:id="rId10"/>
     <p:sldLayoutId id="2147483659" r:id="rId11"/>
   </p:sldLayoutIdLst>
-  <p:hf dt="0" ftr="0" hdr="0" sldNum="0"/>
+  <p:hf sldNum="0" hdr="0" ftr="0" dt="0"/>
   <p:txStyles>
     <p:titleStyle>
-      <a:defPPr lvl="0" marR="0" rtl="0" algn="l">
+      <a:defPPr marR="0" lvl="0" algn="l" rtl="0">
         <a:lnSpc>
           <a:spcPct val="100000"/>
         </a:lnSpc>
@@ -8188,7 +8356,7 @@
           <a:spcPts val="0"/>
         </a:spcAft>
       </a:defPPr>
-      <a:lvl1pPr lvl="0" marR="0" rtl="0" algn="l">
+      <a:lvl1pPr marR="0" lvl="0" algn="l" rtl="0">
         <a:lnSpc>
           <a:spcPct val="100000"/>
         </a:lnSpc>
@@ -8202,7 +8370,7 @@
           <a:srgbClr val="000000"/>
         </a:buClr>
         <a:buFont typeface="Arial"/>
-        <a:defRPr b="0" i="0" sz="1400" u="none" cap="none" strike="noStrike">
+        <a:defRPr sz="1400" b="0" i="0" u="none" strike="noStrike" cap="none">
           <a:solidFill>
             <a:srgbClr val="000000"/>
           </a:solidFill>
@@ -8212,7 +8380,7 @@
           <a:sym typeface="Arial"/>
         </a:defRPr>
       </a:lvl1pPr>
-      <a:lvl2pPr lvl="1" marR="0" rtl="0" algn="l">
+      <a:lvl2pPr marR="0" lvl="1" algn="l" rtl="0">
         <a:lnSpc>
           <a:spcPct val="100000"/>
         </a:lnSpc>
@@ -8226,7 +8394,7 @@
           <a:srgbClr val="000000"/>
         </a:buClr>
         <a:buFont typeface="Arial"/>
-        <a:defRPr b="0" i="0" sz="1400" u="none" cap="none" strike="noStrike">
+        <a:defRPr sz="1400" b="0" i="0" u="none" strike="noStrike" cap="none">
           <a:solidFill>
             <a:srgbClr val="000000"/>
           </a:solidFill>
@@ -8236,7 +8404,7 @@
           <a:sym typeface="Arial"/>
         </a:defRPr>
       </a:lvl2pPr>
-      <a:lvl3pPr lvl="2" marR="0" rtl="0" algn="l">
+      <a:lvl3pPr marR="0" lvl="2" algn="l" rtl="0">
         <a:lnSpc>
           <a:spcPct val="100000"/>
         </a:lnSpc>
@@ -8250,7 +8418,7 @@
           <a:srgbClr val="000000"/>
         </a:buClr>
         <a:buFont typeface="Arial"/>
-        <a:defRPr b="0" i="0" sz="1400" u="none" cap="none" strike="noStrike">
+        <a:defRPr sz="1400" b="0" i="0" u="none" strike="noStrike" cap="none">
           <a:solidFill>
             <a:srgbClr val="000000"/>
           </a:solidFill>
@@ -8260,7 +8428,7 @@
           <a:sym typeface="Arial"/>
         </a:defRPr>
       </a:lvl3pPr>
-      <a:lvl4pPr lvl="3" marR="0" rtl="0" algn="l">
+      <a:lvl4pPr marR="0" lvl="3" algn="l" rtl="0">
         <a:lnSpc>
           <a:spcPct val="100000"/>
         </a:lnSpc>
@@ -8274,7 +8442,7 @@
           <a:srgbClr val="000000"/>
         </a:buClr>
         <a:buFont typeface="Arial"/>
-        <a:defRPr b="0" i="0" sz="1400" u="none" cap="none" strike="noStrike">
+        <a:defRPr sz="1400" b="0" i="0" u="none" strike="noStrike" cap="none">
           <a:solidFill>
             <a:srgbClr val="000000"/>
           </a:solidFill>
@@ -8284,7 +8452,7 @@
           <a:sym typeface="Arial"/>
         </a:defRPr>
       </a:lvl4pPr>
-      <a:lvl5pPr lvl="4" marR="0" rtl="0" algn="l">
+      <a:lvl5pPr marR="0" lvl="4" algn="l" rtl="0">
         <a:lnSpc>
           <a:spcPct val="100000"/>
         </a:lnSpc>
@@ -8298,7 +8466,7 @@
           <a:srgbClr val="000000"/>
         </a:buClr>
         <a:buFont typeface="Arial"/>
-        <a:defRPr b="0" i="0" sz="1400" u="none" cap="none" strike="noStrike">
+        <a:defRPr sz="1400" b="0" i="0" u="none" strike="noStrike" cap="none">
           <a:solidFill>
             <a:srgbClr val="000000"/>
           </a:solidFill>
@@ -8308,7 +8476,7 @@
           <a:sym typeface="Arial"/>
         </a:defRPr>
       </a:lvl5pPr>
-      <a:lvl6pPr lvl="5" marR="0" rtl="0" algn="l">
+      <a:lvl6pPr marR="0" lvl="5" algn="l" rtl="0">
         <a:lnSpc>
           <a:spcPct val="100000"/>
         </a:lnSpc>
@@ -8322,7 +8490,7 @@
           <a:srgbClr val="000000"/>
         </a:buClr>
         <a:buFont typeface="Arial"/>
-        <a:defRPr b="0" i="0" sz="1400" u="none" cap="none" strike="noStrike">
+        <a:defRPr sz="1400" b="0" i="0" u="none" strike="noStrike" cap="none">
           <a:solidFill>
             <a:srgbClr val="000000"/>
           </a:solidFill>
@@ -8332,7 +8500,7 @@
           <a:sym typeface="Arial"/>
         </a:defRPr>
       </a:lvl6pPr>
-      <a:lvl7pPr lvl="6" marR="0" rtl="0" algn="l">
+      <a:lvl7pPr marR="0" lvl="6" algn="l" rtl="0">
         <a:lnSpc>
           <a:spcPct val="100000"/>
         </a:lnSpc>
@@ -8346,7 +8514,7 @@
           <a:srgbClr val="000000"/>
         </a:buClr>
         <a:buFont typeface="Arial"/>
-        <a:defRPr b="0" i="0" sz="1400" u="none" cap="none" strike="noStrike">
+        <a:defRPr sz="1400" b="0" i="0" u="none" strike="noStrike" cap="none">
           <a:solidFill>
             <a:srgbClr val="000000"/>
           </a:solidFill>
@@ -8356,7 +8524,7 @@
           <a:sym typeface="Arial"/>
         </a:defRPr>
       </a:lvl7pPr>
-      <a:lvl8pPr lvl="7" marR="0" rtl="0" algn="l">
+      <a:lvl8pPr marR="0" lvl="7" algn="l" rtl="0">
         <a:lnSpc>
           <a:spcPct val="100000"/>
         </a:lnSpc>
@@ -8370,7 +8538,7 @@
           <a:srgbClr val="000000"/>
         </a:buClr>
         <a:buFont typeface="Arial"/>
-        <a:defRPr b="0" i="0" sz="1400" u="none" cap="none" strike="noStrike">
+        <a:defRPr sz="1400" b="0" i="0" u="none" strike="noStrike" cap="none">
           <a:solidFill>
             <a:srgbClr val="000000"/>
           </a:solidFill>
@@ -8380,7 +8548,7 @@
           <a:sym typeface="Arial"/>
         </a:defRPr>
       </a:lvl8pPr>
-      <a:lvl9pPr lvl="8" marR="0" rtl="0" algn="l">
+      <a:lvl9pPr marR="0" lvl="8" algn="l" rtl="0">
         <a:lnSpc>
           <a:spcPct val="100000"/>
         </a:lnSpc>
@@ -8394,7 +8562,7 @@
           <a:srgbClr val="000000"/>
         </a:buClr>
         <a:buFont typeface="Arial"/>
-        <a:defRPr b="0" i="0" sz="1400" u="none" cap="none" strike="noStrike">
+        <a:defRPr sz="1400" b="0" i="0" u="none" strike="noStrike" cap="none">
           <a:solidFill>
             <a:srgbClr val="000000"/>
           </a:solidFill>
@@ -8406,7 +8574,7 @@
       </a:lvl9pPr>
     </p:titleStyle>
     <p:bodyStyle>
-      <a:defPPr lvl="0" marR="0" rtl="0" algn="l">
+      <a:defPPr marR="0" lvl="0" algn="l" rtl="0">
         <a:lnSpc>
           <a:spcPct val="100000"/>
         </a:lnSpc>
@@ -8417,7 +8585,7 @@
           <a:spcPts val="0"/>
         </a:spcAft>
       </a:defPPr>
-      <a:lvl1pPr lvl="0" marR="0" rtl="0" algn="l">
+      <a:lvl1pPr marR="0" lvl="0" algn="l" rtl="0">
         <a:lnSpc>
           <a:spcPct val="100000"/>
         </a:lnSpc>
@@ -8431,7 +8599,7 @@
           <a:srgbClr val="000000"/>
         </a:buClr>
         <a:buFont typeface="Arial"/>
-        <a:defRPr b="0" i="0" sz="1400" u="none" cap="none" strike="noStrike">
+        <a:defRPr sz="1400" b="0" i="0" u="none" strike="noStrike" cap="none">
           <a:solidFill>
             <a:srgbClr val="000000"/>
           </a:solidFill>
@@ -8441,7 +8609,7 @@
           <a:sym typeface="Arial"/>
         </a:defRPr>
       </a:lvl1pPr>
-      <a:lvl2pPr lvl="1" marR="0" rtl="0" algn="l">
+      <a:lvl2pPr marR="0" lvl="1" algn="l" rtl="0">
         <a:lnSpc>
           <a:spcPct val="100000"/>
         </a:lnSpc>
@@ -8455,7 +8623,7 @@
           <a:srgbClr val="000000"/>
         </a:buClr>
         <a:buFont typeface="Arial"/>
-        <a:defRPr b="0" i="0" sz="1400" u="none" cap="none" strike="noStrike">
+        <a:defRPr sz="1400" b="0" i="0" u="none" strike="noStrike" cap="none">
           <a:solidFill>
             <a:srgbClr val="000000"/>
           </a:solidFill>
@@ -8465,7 +8633,7 @@
           <a:sym typeface="Arial"/>
         </a:defRPr>
       </a:lvl2pPr>
-      <a:lvl3pPr lvl="2" marR="0" rtl="0" algn="l">
+      <a:lvl3pPr marR="0" lvl="2" algn="l" rtl="0">
         <a:lnSpc>
           <a:spcPct val="100000"/>
         </a:lnSpc>
@@ -8479,7 +8647,7 @@
           <a:srgbClr val="000000"/>
         </a:buClr>
         <a:buFont typeface="Arial"/>
-        <a:defRPr b="0" i="0" sz="1400" u="none" cap="none" strike="noStrike">
+        <a:defRPr sz="1400" b="0" i="0" u="none" strike="noStrike" cap="none">
           <a:solidFill>
             <a:srgbClr val="000000"/>
           </a:solidFill>
@@ -8489,7 +8657,7 @@
           <a:sym typeface="Arial"/>
         </a:defRPr>
       </a:lvl3pPr>
-      <a:lvl4pPr lvl="3" marR="0" rtl="0" algn="l">
+      <a:lvl4pPr marR="0" lvl="3" algn="l" rtl="0">
         <a:lnSpc>
           <a:spcPct val="100000"/>
         </a:lnSpc>
@@ -8503,7 +8671,7 @@
           <a:srgbClr val="000000"/>
         </a:buClr>
         <a:buFont typeface="Arial"/>
-        <a:defRPr b="0" i="0" sz="1400" u="none" cap="none" strike="noStrike">
+        <a:defRPr sz="1400" b="0" i="0" u="none" strike="noStrike" cap="none">
           <a:solidFill>
             <a:srgbClr val="000000"/>
           </a:solidFill>
@@ -8513,7 +8681,7 @@
           <a:sym typeface="Arial"/>
         </a:defRPr>
       </a:lvl4pPr>
-      <a:lvl5pPr lvl="4" marR="0" rtl="0" algn="l">
+      <a:lvl5pPr marR="0" lvl="4" algn="l" rtl="0">
         <a:lnSpc>
           <a:spcPct val="100000"/>
         </a:lnSpc>
@@ -8527,7 +8695,7 @@
           <a:srgbClr val="000000"/>
         </a:buClr>
         <a:buFont typeface="Arial"/>
-        <a:defRPr b="0" i="0" sz="1400" u="none" cap="none" strike="noStrike">
+        <a:defRPr sz="1400" b="0" i="0" u="none" strike="noStrike" cap="none">
           <a:solidFill>
             <a:srgbClr val="000000"/>
           </a:solidFill>
@@ -8537,7 +8705,7 @@
           <a:sym typeface="Arial"/>
         </a:defRPr>
       </a:lvl5pPr>
-      <a:lvl6pPr lvl="5" marR="0" rtl="0" algn="l">
+      <a:lvl6pPr marR="0" lvl="5" algn="l" rtl="0">
         <a:lnSpc>
           <a:spcPct val="100000"/>
         </a:lnSpc>
@@ -8551,7 +8719,7 @@
           <a:srgbClr val="000000"/>
         </a:buClr>
         <a:buFont typeface="Arial"/>
-        <a:defRPr b="0" i="0" sz="1400" u="none" cap="none" strike="noStrike">
+        <a:defRPr sz="1400" b="0" i="0" u="none" strike="noStrike" cap="none">
           <a:solidFill>
             <a:srgbClr val="000000"/>
           </a:solidFill>
@@ -8561,7 +8729,7 @@
           <a:sym typeface="Arial"/>
         </a:defRPr>
       </a:lvl6pPr>
-      <a:lvl7pPr lvl="6" marR="0" rtl="0" algn="l">
+      <a:lvl7pPr marR="0" lvl="6" algn="l" rtl="0">
         <a:lnSpc>
           <a:spcPct val="100000"/>
         </a:lnSpc>
@@ -8575,7 +8743,7 @@
           <a:srgbClr val="000000"/>
         </a:buClr>
         <a:buFont typeface="Arial"/>
-        <a:defRPr b="0" i="0" sz="1400" u="none" cap="none" strike="noStrike">
+        <a:defRPr sz="1400" b="0" i="0" u="none" strike="noStrike" cap="none">
           <a:solidFill>
             <a:srgbClr val="000000"/>
           </a:solidFill>
@@ -8585,7 +8753,7 @@
           <a:sym typeface="Arial"/>
         </a:defRPr>
       </a:lvl7pPr>
-      <a:lvl8pPr lvl="7" marR="0" rtl="0" algn="l">
+      <a:lvl8pPr marR="0" lvl="7" algn="l" rtl="0">
         <a:lnSpc>
           <a:spcPct val="100000"/>
         </a:lnSpc>
@@ -8599,7 +8767,7 @@
           <a:srgbClr val="000000"/>
         </a:buClr>
         <a:buFont typeface="Arial"/>
-        <a:defRPr b="0" i="0" sz="1400" u="none" cap="none" strike="noStrike">
+        <a:defRPr sz="1400" b="0" i="0" u="none" strike="noStrike" cap="none">
           <a:solidFill>
             <a:srgbClr val="000000"/>
           </a:solidFill>
@@ -8609,7 +8777,7 @@
           <a:sym typeface="Arial"/>
         </a:defRPr>
       </a:lvl8pPr>
-      <a:lvl9pPr lvl="8" marR="0" rtl="0" algn="l">
+      <a:lvl9pPr marR="0" lvl="8" algn="l" rtl="0">
         <a:lnSpc>
           <a:spcPct val="100000"/>
         </a:lnSpc>
@@ -8623,7 +8791,7 @@
           <a:srgbClr val="000000"/>
         </a:buClr>
         <a:buFont typeface="Arial"/>
-        <a:defRPr b="0" i="0" sz="1400" u="none" cap="none" strike="noStrike">
+        <a:defRPr sz="1400" b="0" i="0" u="none" strike="noStrike" cap="none">
           <a:solidFill>
             <a:srgbClr val="000000"/>
           </a:solidFill>
@@ -8635,7 +8803,7 @@
       </a:lvl9pPr>
     </p:bodyStyle>
     <p:otherStyle>
-      <a:defPPr lvl="0" marR="0" rtl="0" algn="l">
+      <a:defPPr marR="0" lvl="0" algn="l" rtl="0">
         <a:lnSpc>
           <a:spcPct val="100000"/>
         </a:lnSpc>
@@ -8646,7 +8814,7 @@
           <a:spcPts val="0"/>
         </a:spcAft>
       </a:defPPr>
-      <a:lvl1pPr lvl="0" marR="0" rtl="0" algn="l">
+      <a:lvl1pPr marR="0" lvl="0" algn="l" rtl="0">
         <a:lnSpc>
           <a:spcPct val="100000"/>
         </a:lnSpc>
@@ -8660,7 +8828,7 @@
           <a:srgbClr val="000000"/>
         </a:buClr>
         <a:buFont typeface="Arial"/>
-        <a:defRPr b="0" i="0" sz="1400" u="none" cap="none" strike="noStrike">
+        <a:defRPr sz="1400" b="0" i="0" u="none" strike="noStrike" cap="none">
           <a:solidFill>
             <a:srgbClr val="000000"/>
           </a:solidFill>
@@ -8670,7 +8838,7 @@
           <a:sym typeface="Arial"/>
         </a:defRPr>
       </a:lvl1pPr>
-      <a:lvl2pPr lvl="1" marR="0" rtl="0" algn="l">
+      <a:lvl2pPr marR="0" lvl="1" algn="l" rtl="0">
         <a:lnSpc>
           <a:spcPct val="100000"/>
         </a:lnSpc>
@@ -8684,7 +8852,7 @@
           <a:srgbClr val="000000"/>
         </a:buClr>
         <a:buFont typeface="Arial"/>
-        <a:defRPr b="0" i="0" sz="1400" u="none" cap="none" strike="noStrike">
+        <a:defRPr sz="1400" b="0" i="0" u="none" strike="noStrike" cap="none">
           <a:solidFill>
             <a:srgbClr val="000000"/>
           </a:solidFill>
@@ -8694,7 +8862,7 @@
           <a:sym typeface="Arial"/>
         </a:defRPr>
       </a:lvl2pPr>
-      <a:lvl3pPr lvl="2" marR="0" rtl="0" algn="l">
+      <a:lvl3pPr marR="0" lvl="2" algn="l" rtl="0">
         <a:lnSpc>
           <a:spcPct val="100000"/>
         </a:lnSpc>
@@ -8708,7 +8876,7 @@
           <a:srgbClr val="000000"/>
         </a:buClr>
         <a:buFont typeface="Arial"/>
-        <a:defRPr b="0" i="0" sz="1400" u="none" cap="none" strike="noStrike">
+        <a:defRPr sz="1400" b="0" i="0" u="none" strike="noStrike" cap="none">
           <a:solidFill>
             <a:srgbClr val="000000"/>
           </a:solidFill>
@@ -8718,7 +8886,7 @@
           <a:sym typeface="Arial"/>
         </a:defRPr>
       </a:lvl3pPr>
-      <a:lvl4pPr lvl="3" marR="0" rtl="0" algn="l">
+      <a:lvl4pPr marR="0" lvl="3" algn="l" rtl="0">
         <a:lnSpc>
           <a:spcPct val="100000"/>
         </a:lnSpc>
@@ -8732,7 +8900,7 @@
           <a:srgbClr val="000000"/>
         </a:buClr>
         <a:buFont typeface="Arial"/>
-        <a:defRPr b="0" i="0" sz="1400" u="none" cap="none" strike="noStrike">
+        <a:defRPr sz="1400" b="0" i="0" u="none" strike="noStrike" cap="none">
           <a:solidFill>
             <a:srgbClr val="000000"/>
           </a:solidFill>
@@ -8742,7 +8910,7 @@
           <a:sym typeface="Arial"/>
         </a:defRPr>
       </a:lvl4pPr>
-      <a:lvl5pPr lvl="4" marR="0" rtl="0" algn="l">
+      <a:lvl5pPr marR="0" lvl="4" algn="l" rtl="0">
         <a:lnSpc>
           <a:spcPct val="100000"/>
         </a:lnSpc>
@@ -8756,7 +8924,7 @@
           <a:srgbClr val="000000"/>
         </a:buClr>
         <a:buFont typeface="Arial"/>
-        <a:defRPr b="0" i="0" sz="1400" u="none" cap="none" strike="noStrike">
+        <a:defRPr sz="1400" b="0" i="0" u="none" strike="noStrike" cap="none">
           <a:solidFill>
             <a:srgbClr val="000000"/>
           </a:solidFill>
@@ -8766,7 +8934,7 @@
           <a:sym typeface="Arial"/>
         </a:defRPr>
       </a:lvl5pPr>
-      <a:lvl6pPr lvl="5" marR="0" rtl="0" algn="l">
+      <a:lvl6pPr marR="0" lvl="5" algn="l" rtl="0">
         <a:lnSpc>
           <a:spcPct val="100000"/>
         </a:lnSpc>
@@ -8780,7 +8948,7 @@
           <a:srgbClr val="000000"/>
         </a:buClr>
         <a:buFont typeface="Arial"/>
-        <a:defRPr b="0" i="0" sz="1400" u="none" cap="none" strike="noStrike">
+        <a:defRPr sz="1400" b="0" i="0" u="none" strike="noStrike" cap="none">
           <a:solidFill>
             <a:srgbClr val="000000"/>
           </a:solidFill>
@@ -8790,7 +8958,7 @@
           <a:sym typeface="Arial"/>
         </a:defRPr>
       </a:lvl6pPr>
-      <a:lvl7pPr lvl="6" marR="0" rtl="0" algn="l">
+      <a:lvl7pPr marR="0" lvl="6" algn="l" rtl="0">
         <a:lnSpc>
           <a:spcPct val="100000"/>
         </a:lnSpc>
@@ -8804,7 +8972,7 @@
           <a:srgbClr val="000000"/>
         </a:buClr>
         <a:buFont typeface="Arial"/>
-        <a:defRPr b="0" i="0" sz="1400" u="none" cap="none" strike="noStrike">
+        <a:defRPr sz="1400" b="0" i="0" u="none" strike="noStrike" cap="none">
           <a:solidFill>
             <a:srgbClr val="000000"/>
           </a:solidFill>
@@ -8814,7 +8982,7 @@
           <a:sym typeface="Arial"/>
         </a:defRPr>
       </a:lvl7pPr>
-      <a:lvl8pPr lvl="7" marR="0" rtl="0" algn="l">
+      <a:lvl8pPr marR="0" lvl="7" algn="l" rtl="0">
         <a:lnSpc>
           <a:spcPct val="100000"/>
         </a:lnSpc>
@@ -8828,7 +8996,7 @@
           <a:srgbClr val="000000"/>
         </a:buClr>
         <a:buFont typeface="Arial"/>
-        <a:defRPr b="0" i="0" sz="1400" u="none" cap="none" strike="noStrike">
+        <a:defRPr sz="1400" b="0" i="0" u="none" strike="noStrike" cap="none">
           <a:solidFill>
             <a:srgbClr val="000000"/>
           </a:solidFill>
@@ -8838,7 +9006,7 @@
           <a:sym typeface="Arial"/>
         </a:defRPr>
       </a:lvl8pPr>
-      <a:lvl9pPr lvl="8" marR="0" rtl="0" algn="l">
+      <a:lvl9pPr marR="0" lvl="8" algn="l" rtl="0">
         <a:lnSpc>
           <a:spcPct val="100000"/>
         </a:lnSpc>
@@ -8852,7 +9020,7 @@
           <a:srgbClr val="000000"/>
         </a:buClr>
         <a:buFont typeface="Arial"/>
-        <a:defRPr b="0" i="0" sz="1400" u="none" cap="none" strike="noStrike">
+        <a:defRPr sz="1400" b="0" i="0" u="none" strike="noStrike" cap="none">
           <a:solidFill>
             <a:srgbClr val="000000"/>
           </a:solidFill>
@@ -8868,11 +9036,11 @@
 </file>
 
 <file path=ppt/slides/slide1.xml><?xml version="1.0" encoding="utf-8"?>
-<p:sld xmlns:a="http://schemas.openxmlformats.org/drawingml/2006/main" xmlns:r="http://schemas.openxmlformats.org/officeDocument/2006/relationships" xmlns:mc="http://schemas.openxmlformats.org/markup-compatibility/2006" xmlns:mv="urn:schemas-microsoft-com:mac:vml" xmlns:p="http://schemas.openxmlformats.org/presentationml/2006/main" xmlns:c="http://schemas.openxmlformats.org/drawingml/2006/chart" xmlns:dgm="http://schemas.openxmlformats.org/drawingml/2006/diagram" xmlns:o="urn:schemas-microsoft-com:office:office" xmlns:v="urn:schemas-microsoft-com:vml" xmlns:pvml="urn:schemas-microsoft-com:office:powerpoint" xmlns:com="http://schemas.openxmlformats.org/drawingml/2006/compatibility" xmlns:p14="http://schemas.microsoft.com/office/powerpoint/2010/main" xmlns:p15="http://schemas.microsoft.com/office/powerpoint/2012/main" xmlns:ahyp="http://schemas.microsoft.com/office/drawing/2018/hyperlinkcolor">
+<p:sld xmlns:a="http://schemas.openxmlformats.org/drawingml/2006/main" xmlns:r="http://schemas.openxmlformats.org/officeDocument/2006/relationships" xmlns:p="http://schemas.openxmlformats.org/presentationml/2006/main">
   <p:cSld>
     <p:spTree>
       <p:nvGrpSpPr>
-        <p:cNvPr id="53" name="Shape 53"/>
+        <p:cNvPr id="1" name="Shape 53"/>
         <p:cNvGrpSpPr/>
         <p:nvPr/>
       </p:nvGrpSpPr>
@@ -8886,7 +9054,7 @@
       </p:grpSpPr>
       <p:pic>
         <p:nvPicPr>
-          <p:cNvPr descr="data-science-illustration-­Feature_1290x688_MS-940x501.jpg" id="54" name="Google Shape;54;p1"/>
+          <p:cNvPr id="54" name="Google Shape;54;p1" descr="data-science-illustration-­Feature_1290x688_MS-940x501.jpg"/>
           <p:cNvPicPr preferRelativeResize="0"/>
           <p:nvPr/>
         </p:nvPicPr>
@@ -8894,7 +9062,7 @@
           <a:blip r:embed="rId3">
             <a:alphaModFix amt="46000"/>
           </a:blip>
-          <a:srcRect b="0" l="0" r="0" t="0"/>
+          <a:srcRect/>
           <a:stretch/>
         </p:blipFill>
         <p:spPr>
@@ -8914,7 +9082,9 @@
       <p:sp>
         <p:nvSpPr>
           <p:cNvPr id="55" name="Google Shape;55;p1"/>
-          <p:cNvSpPr txBox="1"/>
+          <p:cNvSpPr txBox="1">
+            <a:spLocks noGrp="1"/>
+          </p:cNvSpPr>
           <p:nvPr>
             <p:ph type="ctrTitle"/>
           </p:nvPr>
@@ -8933,12 +9103,12 @@
           </a:ln>
         </p:spPr>
         <p:txBody>
-          <a:bodyPr anchorCtr="0" anchor="b" bIns="91425" lIns="91425" spcFirstLastPara="1" rIns="91425" wrap="square" tIns="91425">
+          <a:bodyPr spcFirstLastPara="1" wrap="square" lIns="91425" tIns="91425" rIns="91425" bIns="91425" anchor="b" anchorCtr="0">
             <a:noAutofit/>
           </a:bodyPr>
           <a:lstStyle/>
           <a:p>
-            <a:pPr indent="0" lvl="0" marL="0" rtl="0" algn="ctr">
+            <a:pPr marL="0" lvl="0" indent="0" algn="ctr" rtl="0">
               <a:lnSpc>
                 <a:spcPct val="100000"/>
               </a:lnSpc>
@@ -8963,9 +9133,11 @@
       <p:sp>
         <p:nvSpPr>
           <p:cNvPr id="56" name="Google Shape;56;p1"/>
-          <p:cNvSpPr txBox="1"/>
+          <p:cNvSpPr txBox="1">
+            <a:spLocks noGrp="1"/>
+          </p:cNvSpPr>
           <p:nvPr>
-            <p:ph idx="1" type="subTitle"/>
+            <p:ph type="subTitle" idx="1"/>
           </p:nvPr>
         </p:nvSpPr>
         <p:spPr>
@@ -8982,12 +9154,12 @@
           </a:ln>
         </p:spPr>
         <p:txBody>
-          <a:bodyPr anchorCtr="0" anchor="t" bIns="91425" lIns="91425" spcFirstLastPara="1" rIns="91425" wrap="square" tIns="91425">
+          <a:bodyPr spcFirstLastPara="1" wrap="square" lIns="91425" tIns="91425" rIns="91425" bIns="91425" anchor="t" anchorCtr="0">
             <a:noAutofit/>
           </a:bodyPr>
           <a:lstStyle/>
           <a:p>
-            <a:pPr indent="0" lvl="0" marL="0" rtl="0" algn="ctr">
+            <a:pPr marL="0" lvl="0" indent="0" algn="ctr" rtl="0">
               <a:lnSpc>
                 <a:spcPct val="100000"/>
               </a:lnSpc>
@@ -9002,10 +9174,10 @@
               <a:buNone/>
             </a:pPr>
             <a:r>
-              <a:rPr lang="en"/>
+              <a:rPr lang="en" dirty="0"/>
               <a:t>CSC310</a:t>
             </a:r>
-            <a:endParaRPr/>
+            <a:endParaRPr dirty="0"/>
           </a:p>
         </p:txBody>
       </p:sp>
@@ -9018,11 +9190,11 @@
 </file>
 
 <file path=ppt/slides/slide10.xml><?xml version="1.0" encoding="utf-8"?>
-<p:sld xmlns:a="http://schemas.openxmlformats.org/drawingml/2006/main" xmlns:r="http://schemas.openxmlformats.org/officeDocument/2006/relationships" xmlns:mc="http://schemas.openxmlformats.org/markup-compatibility/2006" xmlns:mv="urn:schemas-microsoft-com:mac:vml" xmlns:p="http://schemas.openxmlformats.org/presentationml/2006/main" xmlns:c="http://schemas.openxmlformats.org/drawingml/2006/chart" xmlns:dgm="http://schemas.openxmlformats.org/drawingml/2006/diagram" xmlns:o="urn:schemas-microsoft-com:office:office" xmlns:v="urn:schemas-microsoft-com:vml" xmlns:pvml="urn:schemas-microsoft-com:office:powerpoint" xmlns:com="http://schemas.openxmlformats.org/drawingml/2006/compatibility" xmlns:p14="http://schemas.microsoft.com/office/powerpoint/2010/main" xmlns:p15="http://schemas.microsoft.com/office/powerpoint/2012/main" xmlns:ahyp="http://schemas.microsoft.com/office/drawing/2018/hyperlinkcolor">
+<p:sld xmlns:a="http://schemas.openxmlformats.org/drawingml/2006/main" xmlns:r="http://schemas.openxmlformats.org/officeDocument/2006/relationships" xmlns:p="http://schemas.openxmlformats.org/presentationml/2006/main">
   <p:cSld>
     <p:spTree>
       <p:nvGrpSpPr>
-        <p:cNvPr id="124" name="Shape 124"/>
+        <p:cNvPr id="1" name="Shape 124"/>
         <p:cNvGrpSpPr/>
         <p:nvPr/>
       </p:nvGrpSpPr>
@@ -9036,7 +9208,7 @@
       </p:grpSpPr>
       <p:pic>
         <p:nvPicPr>
-          <p:cNvPr descr="slide_3.jpg" id="125" name="Google Shape;125;p10"/>
+          <p:cNvPr id="125" name="Google Shape;125;p10" descr="slide_3.jpg"/>
           <p:cNvPicPr preferRelativeResize="0"/>
           <p:nvPr/>
         </p:nvPicPr>
@@ -9044,7 +9216,7 @@
           <a:blip r:embed="rId3">
             <a:alphaModFix/>
           </a:blip>
-          <a:srcRect b="0" l="0" r="0" t="0"/>
+          <a:srcRect/>
           <a:stretch/>
         </p:blipFill>
         <p:spPr>
@@ -9070,11 +9242,11 @@
 </file>
 
 <file path=ppt/slides/slide11.xml><?xml version="1.0" encoding="utf-8"?>
-<p:sld xmlns:a="http://schemas.openxmlformats.org/drawingml/2006/main" xmlns:r="http://schemas.openxmlformats.org/officeDocument/2006/relationships" xmlns:mc="http://schemas.openxmlformats.org/markup-compatibility/2006" xmlns:mv="urn:schemas-microsoft-com:mac:vml" xmlns:p="http://schemas.openxmlformats.org/presentationml/2006/main" xmlns:c="http://schemas.openxmlformats.org/drawingml/2006/chart" xmlns:dgm="http://schemas.openxmlformats.org/drawingml/2006/diagram" xmlns:o="urn:schemas-microsoft-com:office:office" xmlns:v="urn:schemas-microsoft-com:vml" xmlns:pvml="urn:schemas-microsoft-com:office:powerpoint" xmlns:com="http://schemas.openxmlformats.org/drawingml/2006/compatibility" xmlns:p14="http://schemas.microsoft.com/office/powerpoint/2010/main" xmlns:p15="http://schemas.microsoft.com/office/powerpoint/2012/main" xmlns:ahyp="http://schemas.microsoft.com/office/drawing/2018/hyperlinkcolor">
+<p:sld xmlns:a="http://schemas.openxmlformats.org/drawingml/2006/main" xmlns:r="http://schemas.openxmlformats.org/officeDocument/2006/relationships" xmlns:p="http://schemas.openxmlformats.org/presentationml/2006/main">
   <p:cSld>
     <p:spTree>
       <p:nvGrpSpPr>
-        <p:cNvPr id="129" name="Shape 129"/>
+        <p:cNvPr id="1" name="Shape 129"/>
         <p:cNvGrpSpPr/>
         <p:nvPr/>
       </p:nvGrpSpPr>
@@ -9089,7 +9261,9 @@
       <p:sp>
         <p:nvSpPr>
           <p:cNvPr id="130" name="Google Shape;130;p11"/>
-          <p:cNvSpPr txBox="1"/>
+          <p:cNvSpPr txBox="1">
+            <a:spLocks noGrp="1"/>
+          </p:cNvSpPr>
           <p:nvPr>
             <p:ph type="title"/>
           </p:nvPr>
@@ -9108,12 +9282,12 @@
           </a:ln>
         </p:spPr>
         <p:txBody>
-          <a:bodyPr anchorCtr="0" anchor="t" bIns="91425" lIns="91425" spcFirstLastPara="1" rIns="91425" wrap="square" tIns="91425">
+          <a:bodyPr spcFirstLastPara="1" wrap="square" lIns="91425" tIns="91425" rIns="91425" bIns="91425" anchor="t" anchorCtr="0">
             <a:noAutofit/>
           </a:bodyPr>
           <a:lstStyle/>
           <a:p>
-            <a:pPr indent="0" lvl="0" marL="0" rtl="0" algn="l">
+            <a:pPr marL="0" lvl="0" indent="0" algn="l" rtl="0">
               <a:lnSpc>
                 <a:spcPct val="100000"/>
               </a:lnSpc>
@@ -9138,9 +9312,11 @@
       <p:sp>
         <p:nvSpPr>
           <p:cNvPr id="131" name="Google Shape;131;p11"/>
-          <p:cNvSpPr txBox="1"/>
+          <p:cNvSpPr txBox="1">
+            <a:spLocks noGrp="1"/>
+          </p:cNvSpPr>
           <p:nvPr>
-            <p:ph idx="1" type="body"/>
+            <p:ph type="body" idx="1"/>
           </p:nvPr>
         </p:nvSpPr>
         <p:spPr>
@@ -9157,12 +9333,12 @@
           </a:ln>
         </p:spPr>
         <p:txBody>
-          <a:bodyPr anchorCtr="0" anchor="t" bIns="91425" lIns="91425" spcFirstLastPara="1" rIns="91425" wrap="square" tIns="91425">
+          <a:bodyPr spcFirstLastPara="1" wrap="square" lIns="91425" tIns="91425" rIns="91425" bIns="91425" anchor="t" anchorCtr="0">
             <a:noAutofit/>
           </a:bodyPr>
           <a:lstStyle/>
           <a:p>
-            <a:pPr indent="0" lvl="0" marL="0" rtl="0" algn="l">
+            <a:pPr marL="0" lvl="0" indent="0" algn="l" rtl="0">
               <a:lnSpc>
                 <a:spcPct val="115000"/>
               </a:lnSpc>
@@ -9180,21 +9356,21 @@
               <a:buNone/>
             </a:pPr>
             <a:r>
-              <a:rPr b="1" lang="en" sz="1200">
+              <a:rPr lang="en" sz="1200" b="1">
                 <a:solidFill>
                   <a:schemeClr val="dk1"/>
                 </a:solidFill>
               </a:rPr>
               <a:t>How do we ask the right questions?</a:t>
             </a:r>
-            <a:endParaRPr b="1" sz="1200">
+            <a:endParaRPr sz="1200" b="1">
               <a:solidFill>
                 <a:schemeClr val="dk1"/>
               </a:solidFill>
             </a:endParaRPr>
           </a:p>
           <a:p>
-            <a:pPr indent="0" lvl="0" marL="0" rtl="0" algn="l">
+            <a:pPr marL="0" lvl="0" indent="0" algn="l" rtl="0">
               <a:lnSpc>
                 <a:spcPct val="115000"/>
               </a:lnSpc>
@@ -9212,7 +9388,7 @@
               <a:buNone/>
             </a:pPr>
             <a:r>
-              <a:rPr b="1" lang="en">
+              <a:rPr lang="en" b="1">
                 <a:solidFill>
                   <a:schemeClr val="dk1"/>
                 </a:solidFill>
@@ -9234,7 +9410,7 @@
             </a:endParaRPr>
           </a:p>
           <a:p>
-            <a:pPr indent="0" lvl="0" marL="0" rtl="0" algn="l">
+            <a:pPr marL="0" lvl="0" indent="0" algn="l" rtl="0">
               <a:lnSpc>
                 <a:spcPct val="115000"/>
               </a:lnSpc>
@@ -9260,7 +9436,7 @@
               <a:t>Knowledge cannot be generated in a vacuum.  You need the context of a domain in order to generate new insights. E.g. bioinformatics, climate modeling, sales forecasting, </a:t>
             </a:r>
             <a:r>
-              <a:rPr i="1" lang="en" sz="1100">
+              <a:rPr lang="en" sz="1100" i="1">
                 <a:solidFill>
                   <a:schemeClr val="dk1"/>
                 </a:solidFill>
@@ -9282,7 +9458,7 @@
             </a:endParaRPr>
           </a:p>
           <a:p>
-            <a:pPr indent="0" lvl="0" marL="0" rtl="0" algn="l">
+            <a:pPr marL="0" lvl="0" indent="0" algn="l" rtl="0">
               <a:lnSpc>
                 <a:spcPct val="115000"/>
               </a:lnSpc>
@@ -9314,7 +9490,7 @@
             </a:endParaRPr>
           </a:p>
           <a:p>
-            <a:pPr indent="0" lvl="0" marL="0" rtl="0" algn="l">
+            <a:pPr marL="0" lvl="0" indent="0" algn="l" rtl="0">
               <a:lnSpc>
                 <a:spcPct val="115000"/>
               </a:lnSpc>
@@ -9328,9 +9504,6 @@
               <a:buFont typeface="Arial"/>
               <a:buNone/>
             </a:pPr>
-            <a:r>
-              <a:t/>
-            </a:r>
             <a:endParaRPr/>
           </a:p>
         </p:txBody>
@@ -9355,12 +9528,12 @@
           </a:ln>
         </p:spPr>
         <p:txBody>
-          <a:bodyPr anchorCtr="0" anchor="t" bIns="91425" lIns="91425" spcFirstLastPara="1" rIns="91425" wrap="square" tIns="91425">
+          <a:bodyPr spcFirstLastPara="1" wrap="square" lIns="91425" tIns="91425" rIns="91425" bIns="91425" anchor="t" anchorCtr="0">
             <a:noAutofit/>
           </a:bodyPr>
           <a:lstStyle/>
           <a:p>
-            <a:pPr indent="0" lvl="0" marL="0" marR="0" rtl="0" algn="l">
+            <a:pPr marL="0" marR="0" lvl="0" indent="0" algn="l" rtl="0">
               <a:lnSpc>
                 <a:spcPct val="115000"/>
               </a:lnSpc>
@@ -9378,7 +9551,7 @@
               <a:buNone/>
             </a:pPr>
             <a:r>
-              <a:rPr b="1" i="0" lang="en" sz="1400" u="none" cap="none" strike="noStrike">
+              <a:rPr lang="en" sz="1400" b="1" i="0" u="none" strike="noStrike" cap="none">
                 <a:solidFill>
                   <a:schemeClr val="dk1"/>
                 </a:solidFill>
@@ -9389,7 +9562,7 @@
               </a:rPr>
               <a:t>☞ Data science is the discipline of the extraction of knowledge from data.</a:t>
             </a:r>
-            <a:endParaRPr b="1" i="0" sz="1400" u="none" cap="none" strike="noStrike">
+            <a:endParaRPr sz="1400" b="1" i="0" u="none" strike="noStrike" cap="none">
               <a:solidFill>
                 <a:srgbClr val="000000"/>
               </a:solidFill>
@@ -9411,7 +9584,7 @@
           <a:blip r:embed="rId3">
             <a:alphaModFix/>
           </a:blip>
-          <a:srcRect b="0" l="0" r="0" t="0"/>
+          <a:srcRect/>
           <a:stretch/>
         </p:blipFill>
         <p:spPr>
@@ -9441,30 +9614,30 @@
           </a:xfrm>
           <a:prstGeom prst="rightArrow">
             <a:avLst>
-              <a:gd fmla="val 50000" name="adj1"/>
-              <a:gd fmla="val 50000" name="adj2"/>
+              <a:gd name="adj1" fmla="val 50000"/>
+              <a:gd name="adj2" fmla="val 50000"/>
             </a:avLst>
           </a:prstGeom>
           <a:solidFill>
             <a:srgbClr val="FF0000"/>
           </a:solidFill>
-          <a:ln cap="flat" cmpd="sng" w="9525">
+          <a:ln w="9525" cap="flat" cmpd="sng">
             <a:solidFill>
               <a:schemeClr val="dk2"/>
             </a:solidFill>
             <a:prstDash val="solid"/>
             <a:round/>
-            <a:headEnd len="sm" w="sm" type="none"/>
-            <a:tailEnd len="sm" w="sm" type="none"/>
+            <a:headEnd type="none" w="sm" len="sm"/>
+            <a:tailEnd type="none" w="sm" len="sm"/>
           </a:ln>
         </p:spPr>
         <p:txBody>
-          <a:bodyPr anchorCtr="0" anchor="ctr" bIns="91425" lIns="91425" spcFirstLastPara="1" rIns="91425" wrap="square" tIns="91425">
+          <a:bodyPr spcFirstLastPara="1" wrap="square" lIns="91425" tIns="91425" rIns="91425" bIns="91425" anchor="ctr" anchorCtr="0">
             <a:noAutofit/>
           </a:bodyPr>
           <a:lstStyle/>
           <a:p>
-            <a:pPr indent="0" lvl="0" marL="0" marR="0" rtl="0" algn="l">
+            <a:pPr marL="0" marR="0" lvl="0" indent="0" algn="l" rtl="0">
               <a:lnSpc>
                 <a:spcPct val="100000"/>
               </a:lnSpc>
@@ -9481,10 +9654,7 @@
               <a:buFont typeface="Arial"/>
               <a:buNone/>
             </a:pPr>
-            <a:r>
-              <a:t/>
-            </a:r>
-            <a:endParaRPr b="0" i="0" sz="1400" u="none" cap="none" strike="noStrike">
+            <a:endParaRPr sz="1400" b="0" i="0" u="none" strike="noStrike" cap="none">
               <a:solidFill>
                 <a:srgbClr val="000000"/>
               </a:solidFill>
@@ -9505,11 +9675,11 @@
 </file>
 
 <file path=ppt/slides/slide2.xml><?xml version="1.0" encoding="utf-8"?>
-<p:sld xmlns:a="http://schemas.openxmlformats.org/drawingml/2006/main" xmlns:r="http://schemas.openxmlformats.org/officeDocument/2006/relationships" xmlns:mc="http://schemas.openxmlformats.org/markup-compatibility/2006" xmlns:mv="urn:schemas-microsoft-com:mac:vml" xmlns:p="http://schemas.openxmlformats.org/presentationml/2006/main" xmlns:c="http://schemas.openxmlformats.org/drawingml/2006/chart" xmlns:dgm="http://schemas.openxmlformats.org/drawingml/2006/diagram" xmlns:o="urn:schemas-microsoft-com:office:office" xmlns:v="urn:schemas-microsoft-com:vml" xmlns:pvml="urn:schemas-microsoft-com:office:powerpoint" xmlns:com="http://schemas.openxmlformats.org/drawingml/2006/compatibility" xmlns:p14="http://schemas.microsoft.com/office/powerpoint/2010/main" xmlns:p15="http://schemas.microsoft.com/office/powerpoint/2012/main" xmlns:ahyp="http://schemas.microsoft.com/office/drawing/2018/hyperlinkcolor">
+<p:sld xmlns:a="http://schemas.openxmlformats.org/drawingml/2006/main" xmlns:r="http://schemas.openxmlformats.org/officeDocument/2006/relationships" xmlns:p="http://schemas.openxmlformats.org/presentationml/2006/main">
   <p:cSld>
     <p:spTree>
       <p:nvGrpSpPr>
-        <p:cNvPr id="60" name="Shape 60"/>
+        <p:cNvPr id="1" name="Shape 60"/>
         <p:cNvGrpSpPr/>
         <p:nvPr/>
       </p:nvGrpSpPr>
@@ -9524,7 +9694,9 @@
       <p:sp>
         <p:nvSpPr>
           <p:cNvPr id="61" name="Google Shape;61;p2"/>
-          <p:cNvSpPr txBox="1"/>
+          <p:cNvSpPr txBox="1">
+            <a:spLocks noGrp="1"/>
+          </p:cNvSpPr>
           <p:nvPr>
             <p:ph type="title"/>
           </p:nvPr>
@@ -9543,12 +9715,12 @@
           </a:ln>
         </p:spPr>
         <p:txBody>
-          <a:bodyPr anchorCtr="0" anchor="t" bIns="91425" lIns="91425" spcFirstLastPara="1" rIns="91425" wrap="square" tIns="91425">
+          <a:bodyPr spcFirstLastPara="1" wrap="square" lIns="91425" tIns="91425" rIns="91425" bIns="91425" anchor="t" anchorCtr="0">
             <a:noAutofit/>
           </a:bodyPr>
           <a:lstStyle/>
           <a:p>
-            <a:pPr indent="0" lvl="0" marL="0" rtl="0" algn="l">
+            <a:pPr marL="0" lvl="0" indent="0" algn="l" rtl="0">
               <a:lnSpc>
                 <a:spcPct val="100000"/>
               </a:lnSpc>
@@ -9573,9 +9745,11 @@
       <p:sp>
         <p:nvSpPr>
           <p:cNvPr id="62" name="Google Shape;62;p2"/>
-          <p:cNvSpPr txBox="1"/>
+          <p:cNvSpPr txBox="1">
+            <a:spLocks noGrp="1"/>
+          </p:cNvSpPr>
           <p:nvPr>
-            <p:ph idx="1" type="body"/>
+            <p:ph type="body" idx="1"/>
           </p:nvPr>
         </p:nvSpPr>
         <p:spPr>
@@ -9592,12 +9766,12 @@
           </a:ln>
         </p:spPr>
         <p:txBody>
-          <a:bodyPr anchorCtr="0" anchor="t" bIns="91425" lIns="91425" spcFirstLastPara="1" rIns="91425" wrap="square" tIns="91425">
+          <a:bodyPr spcFirstLastPara="1" wrap="square" lIns="91425" tIns="91425" rIns="91425" bIns="91425" anchor="t" anchorCtr="0">
             <a:noAutofit/>
           </a:bodyPr>
           <a:lstStyle/>
           <a:p>
-            <a:pPr indent="-317500" lvl="0" marL="457200" rtl="0" algn="l">
+            <a:pPr marL="457200" lvl="0" indent="-317500" algn="l" rtl="0">
               <a:lnSpc>
                 <a:spcPct val="115000"/>
               </a:lnSpc>
@@ -9612,7 +9786,7 @@
               <a:buChar char="●"/>
             </a:pPr>
             <a:r>
-              <a:rPr lang="en" u="sng">
+              <a:rPr lang="en" u="sng" dirty="0">
                 <a:solidFill>
                   <a:schemeClr val="hlink"/>
                 </a:solidFill>
@@ -9620,10 +9794,10 @@
               </a:rPr>
               <a:t>Dr Lutz Hamel</a:t>
             </a:r>
-            <a:endParaRPr/>
+            <a:endParaRPr dirty="0"/>
           </a:p>
           <a:p>
-            <a:pPr indent="-317500" lvl="0" marL="457200" rtl="0" algn="l">
+            <a:pPr marL="457200" lvl="0" indent="-317500" algn="l" rtl="0">
               <a:lnSpc>
                 <a:spcPct val="115000"/>
               </a:lnSpc>
@@ -9638,13 +9812,13 @@
               <a:buChar char="●"/>
             </a:pPr>
             <a:r>
-              <a:rPr lang="en"/>
+              <a:rPr lang="en" dirty="0"/>
               <a:t>Best way to get in touch - email:</a:t>
             </a:r>
-            <a:endParaRPr/>
+            <a:endParaRPr dirty="0"/>
           </a:p>
           <a:p>
-            <a:pPr indent="-304800" lvl="1" marL="914400" rtl="0" algn="l">
+            <a:pPr marL="914400" lvl="1" indent="-304800" algn="l" rtl="0">
               <a:lnSpc>
                 <a:spcPct val="115000"/>
               </a:lnSpc>
@@ -9659,7 +9833,7 @@
               <a:buChar char="○"/>
             </a:pPr>
             <a:r>
-              <a:rPr lang="en" u="sng">
+              <a:rPr lang="en" u="sng" dirty="0">
                 <a:solidFill>
                   <a:schemeClr val="hlink"/>
                 </a:solidFill>
@@ -9667,10 +9841,10 @@
               </a:rPr>
               <a:t>lutzhamel@uri.edu</a:t>
             </a:r>
-            <a:endParaRPr/>
+            <a:endParaRPr dirty="0"/>
           </a:p>
           <a:p>
-            <a:pPr indent="-317500" lvl="0" marL="457200" rtl="0" algn="l">
+            <a:pPr marL="457200" lvl="0" indent="-317500" algn="l" rtl="0">
               <a:lnSpc>
                 <a:spcPct val="115000"/>
               </a:lnSpc>
@@ -9685,13 +9859,13 @@
               <a:buChar char="●"/>
             </a:pPr>
             <a:r>
-              <a:rPr lang="en"/>
+              <a:rPr lang="en" dirty="0"/>
               <a:t>Everything is online</a:t>
             </a:r>
-            <a:endParaRPr/>
+            <a:endParaRPr dirty="0"/>
           </a:p>
           <a:p>
-            <a:pPr indent="-304800" lvl="1" marL="914400" rtl="0" algn="l">
+            <a:pPr marL="914400" lvl="1" indent="-304800" algn="l" rtl="0">
               <a:lnSpc>
                 <a:spcPct val="115000"/>
               </a:lnSpc>
@@ -9706,13 +9880,21 @@
               <a:buChar char="○"/>
             </a:pPr>
             <a:r>
-              <a:rPr lang="en"/>
-              <a:t>Gradebook (BrightSpace)</a:t>
+              <a:rPr lang="en" dirty="0"/>
+              <a:t>Assignments &amp; Gradebook &amp; Syllabus (</a:t>
             </a:r>
-            <a:endParaRPr/>
+            <a:r>
+              <a:rPr lang="en" dirty="0" err="1"/>
+              <a:t>BrightSpace</a:t>
+            </a:r>
+            <a:r>
+              <a:rPr lang="en" dirty="0"/>
+              <a:t>)</a:t>
+            </a:r>
+            <a:endParaRPr dirty="0"/>
           </a:p>
           <a:p>
-            <a:pPr indent="-304800" lvl="1" marL="914400" rtl="0" algn="l">
+            <a:pPr marL="914400" lvl="1" indent="-304800" algn="l" rtl="0">
               <a:lnSpc>
                 <a:spcPct val="115000"/>
               </a:lnSpc>
@@ -9727,237 +9909,58 @@
               <a:buChar char="○"/>
             </a:pPr>
             <a:r>
-              <a:rPr lang="en"/>
-              <a:t>Course Website</a:t>
+              <a:rPr lang="en" dirty="0"/>
+              <a:t>Lecture Notes</a:t>
             </a:r>
-            <a:endParaRPr/>
           </a:p>
           <a:p>
-            <a:pPr indent="-304800" lvl="2" marL="1371600" rtl="0" algn="l">
-              <a:lnSpc>
-                <a:spcPct val="115000"/>
-              </a:lnSpc>
-              <a:spcBef>
-                <a:spcPts val="0"/>
-              </a:spcBef>
-              <a:spcAft>
-                <a:spcPts val="0"/>
-              </a:spcAft>
-              <a:buSzPts val="1200"/>
+            <a:pPr lvl="2">
+              <a:spcBef>
+                <a:spcPts val="0"/>
+              </a:spcBef>
+              <a:buFont typeface="Arial"/>
               <a:buChar char="○"/>
             </a:pPr>
             <a:r>
-              <a:rPr lang="en" u="sng">
-                <a:solidFill>
-                  <a:schemeClr val="hlink"/>
-                </a:solidFill>
+              <a:rPr lang="en-US" dirty="0">
                 <a:hlinkClick r:id="rId5"/>
               </a:rPr>
-              <a:t>homepage.cs.uri.edu/faculty/hamel/courses/home/csc310/</a:t>
+              <a:t>g</a:t>
             </a:r>
-            <a:endParaRPr/>
+            <a:r>
+              <a:rPr lang="en" dirty="0">
+                <a:hlinkClick r:id="rId5"/>
+              </a:rPr>
+              <a:t>ithub.com/lutzhamel/ds-notes</a:t>
+            </a:r>
+            <a:endParaRPr lang="en" dirty="0"/>
           </a:p>
           <a:p>
-            <a:pPr indent="-304800" lvl="1" marL="914400" rtl="0" algn="l">
-              <a:lnSpc>
-                <a:spcPct val="115000"/>
-              </a:lnSpc>
-              <a:spcBef>
-                <a:spcPts val="0"/>
-              </a:spcBef>
-              <a:spcAft>
-                <a:spcPts val="0"/>
-              </a:spcAft>
-              <a:buSzPts val="1200"/>
+            <a:pPr lvl="1">
+              <a:spcBef>
+                <a:spcPts val="0"/>
+              </a:spcBef>
+            </a:pPr>
+            <a:r>
+              <a:rPr lang="en" dirty="0"/>
+              <a:t>Book</a:t>
+            </a:r>
+          </a:p>
+          <a:p>
+            <a:pPr lvl="2">
+              <a:spcBef>
+                <a:spcPts val="0"/>
+              </a:spcBef>
               <a:buFont typeface="Arial"/>
               <a:buChar char="○"/>
             </a:pPr>
             <a:r>
-              <a:rPr lang="en"/>
-              <a:t>Shared Google Drive/Github Repo</a:t>
-            </a:r>
-            <a:endParaRPr/>
-          </a:p>
-          <a:p>
-            <a:pPr indent="-304800" lvl="2" marL="1371600" rtl="0" algn="l">
-              <a:lnSpc>
-                <a:spcPct val="115000"/>
-              </a:lnSpc>
-              <a:spcBef>
-                <a:spcPts val="0"/>
-              </a:spcBef>
-              <a:spcAft>
-                <a:spcPts val="0"/>
-              </a:spcAft>
-              <a:buSzPts val="1200"/>
-              <a:buChar char="○"/>
-            </a:pPr>
-            <a:r>
-              <a:rPr lang="en" u="sng">
-                <a:solidFill>
-                  <a:schemeClr val="hlink"/>
-                </a:solidFill>
+              <a:rPr lang="en" dirty="0">
                 <a:hlinkClick r:id="rId6"/>
               </a:rPr>
-              <a:t>Google Drive Link</a:t>
+              <a:t>Python Data Science Handbook</a:t>
             </a:r>
-            <a:endParaRPr/>
-          </a:p>
-          <a:p>
-            <a:pPr indent="-304800" lvl="2" marL="1371600" rtl="0" algn="l">
-              <a:lnSpc>
-                <a:spcPct val="115000"/>
-              </a:lnSpc>
-              <a:spcBef>
-                <a:spcPts val="0"/>
-              </a:spcBef>
-              <a:spcAft>
-                <a:spcPts val="0"/>
-              </a:spcAft>
-              <a:buSzPts val="1200"/>
-              <a:buChar char="○"/>
-            </a:pPr>
-            <a:r>
-              <a:rPr lang="en" u="sng">
-                <a:solidFill>
-                  <a:schemeClr val="hlink"/>
-                </a:solidFill>
-                <a:hlinkClick r:id="rId7"/>
-              </a:rPr>
-              <a:t>github.com/lutzhamel/ds</a:t>
-            </a:r>
-            <a:endParaRPr/>
-          </a:p>
-          <a:p>
-            <a:pPr indent="-304800" lvl="2" marL="1371600" rtl="0" algn="l">
-              <a:lnSpc>
-                <a:spcPct val="115000"/>
-              </a:lnSpc>
-              <a:spcBef>
-                <a:spcPts val="0"/>
-              </a:spcBef>
-              <a:spcAft>
-                <a:spcPts val="0"/>
-              </a:spcAft>
-              <a:buSzPts val="1200"/>
-              <a:buFont typeface="Arial"/>
-              <a:buChar char="○"/>
-            </a:pPr>
-            <a:r>
-              <a:rPr lang="en"/>
-              <a:t>Lecture Notes</a:t>
-            </a:r>
-            <a:endParaRPr/>
-          </a:p>
-          <a:p>
-            <a:pPr indent="-304800" lvl="2" marL="1371600" rtl="0" algn="l">
-              <a:lnSpc>
-                <a:spcPct val="115000"/>
-              </a:lnSpc>
-              <a:spcBef>
-                <a:spcPts val="0"/>
-              </a:spcBef>
-              <a:spcAft>
-                <a:spcPts val="0"/>
-              </a:spcAft>
-              <a:buSzPts val="1200"/>
-              <a:buFont typeface="Arial"/>
-              <a:buChar char="○"/>
-            </a:pPr>
-            <a:r>
-              <a:rPr lang="en"/>
-              <a:t>Example Code</a:t>
-            </a:r>
-            <a:endParaRPr/>
-          </a:p>
-          <a:p>
-            <a:pPr indent="-317500" lvl="0" marL="457200" rtl="0" algn="l">
-              <a:lnSpc>
-                <a:spcPct val="115000"/>
-              </a:lnSpc>
-              <a:spcBef>
-                <a:spcPts val="0"/>
-              </a:spcBef>
-              <a:spcAft>
-                <a:spcPts val="0"/>
-              </a:spcAft>
-              <a:buSzPts val="1400"/>
-              <a:buFont typeface="Arial"/>
-              <a:buChar char="●"/>
-            </a:pPr>
-            <a:r>
-              <a:rPr lang="en"/>
-              <a:t>Python!</a:t>
-            </a:r>
-            <a:endParaRPr/>
-          </a:p>
-          <a:p>
-            <a:pPr indent="-317500" lvl="1" marL="914400" rtl="0" algn="l">
-              <a:lnSpc>
-                <a:spcPct val="115000"/>
-              </a:lnSpc>
-              <a:spcBef>
-                <a:spcPts val="0"/>
-              </a:spcBef>
-              <a:spcAft>
-                <a:spcPts val="0"/>
-              </a:spcAft>
-              <a:buSzPts val="1400"/>
-              <a:buFont typeface="Arial"/>
-              <a:buChar char="●"/>
-            </a:pPr>
-            <a:r>
-              <a:rPr lang="en"/>
-              <a:t>Python3</a:t>
-            </a:r>
-            <a:endParaRPr/>
-          </a:p>
-          <a:p>
-            <a:pPr indent="-317500" lvl="1" marL="914400" rtl="0" algn="l">
-              <a:lnSpc>
-                <a:spcPct val="115000"/>
-              </a:lnSpc>
-              <a:spcBef>
-                <a:spcPts val="0"/>
-              </a:spcBef>
-              <a:spcAft>
-                <a:spcPts val="0"/>
-              </a:spcAft>
-              <a:buSzPts val="1400"/>
-              <a:buFont typeface="Arial"/>
-              <a:buChar char="●"/>
-            </a:pPr>
-            <a:r>
-              <a:rPr lang="en"/>
-              <a:t>Google Colab Notebooks</a:t>
-            </a:r>
-            <a:endParaRPr/>
-          </a:p>
-          <a:p>
-            <a:pPr indent="-317500" lvl="2" marL="1371600" rtl="0" algn="l">
-              <a:lnSpc>
-                <a:spcPct val="115000"/>
-              </a:lnSpc>
-              <a:spcBef>
-                <a:spcPts val="0"/>
-              </a:spcBef>
-              <a:spcAft>
-                <a:spcPts val="0"/>
-              </a:spcAft>
-              <a:buSzPts val="1400"/>
-              <a:buFont typeface="Arial"/>
-              <a:buChar char="●"/>
-            </a:pPr>
-            <a:r>
-              <a:rPr lang="en" u="sng">
-                <a:solidFill>
-                  <a:schemeClr val="hlink"/>
-                </a:solidFill>
-                <a:hlinkClick r:id="rId8"/>
-              </a:rPr>
-              <a:t>colab.research.google.com/notebooks/intro.ipynb</a:t>
-            </a:r>
-            <a:endParaRPr/>
+            <a:endParaRPr lang="en" dirty="0"/>
           </a:p>
         </p:txBody>
       </p:sp>
@@ -9968,10 +9971,10 @@
           <p:nvPr/>
         </p:nvPicPr>
         <p:blipFill rotWithShape="1">
-          <a:blip r:embed="rId9">
+          <a:blip r:embed="rId7">
             <a:alphaModFix/>
           </a:blip>
-          <a:srcRect b="0" l="0" r="0" t="0"/>
+          <a:srcRect/>
           <a:stretch/>
         </p:blipFill>
         <p:spPr>
@@ -9997,11 +10000,11 @@
 </file>
 
 <file path=ppt/slides/slide3.xml><?xml version="1.0" encoding="utf-8"?>
-<p:sld xmlns:a="http://schemas.openxmlformats.org/drawingml/2006/main" xmlns:r="http://schemas.openxmlformats.org/officeDocument/2006/relationships" xmlns:mc="http://schemas.openxmlformats.org/markup-compatibility/2006" xmlns:mv="urn:schemas-microsoft-com:mac:vml" xmlns:p="http://schemas.openxmlformats.org/presentationml/2006/main" xmlns:c="http://schemas.openxmlformats.org/drawingml/2006/chart" xmlns:dgm="http://schemas.openxmlformats.org/drawingml/2006/diagram" xmlns:o="urn:schemas-microsoft-com:office:office" xmlns:v="urn:schemas-microsoft-com:vml" xmlns:pvml="urn:schemas-microsoft-com:office:powerpoint" xmlns:com="http://schemas.openxmlformats.org/drawingml/2006/compatibility" xmlns:p14="http://schemas.microsoft.com/office/powerpoint/2010/main" xmlns:p15="http://schemas.microsoft.com/office/powerpoint/2012/main" xmlns:ahyp="http://schemas.microsoft.com/office/drawing/2018/hyperlinkcolor">
+<p:sld xmlns:a="http://schemas.openxmlformats.org/drawingml/2006/main" xmlns:r="http://schemas.openxmlformats.org/officeDocument/2006/relationships" xmlns:p="http://schemas.openxmlformats.org/presentationml/2006/main">
   <p:cSld>
     <p:spTree>
       <p:nvGrpSpPr>
-        <p:cNvPr id="67" name="Shape 67"/>
+        <p:cNvPr id="1" name="Shape 67"/>
         <p:cNvGrpSpPr/>
         <p:nvPr/>
       </p:nvGrpSpPr>
@@ -10016,7 +10019,9 @@
       <p:sp>
         <p:nvSpPr>
           <p:cNvPr id="68" name="Google Shape;68;p3"/>
-          <p:cNvSpPr txBox="1"/>
+          <p:cNvSpPr txBox="1">
+            <a:spLocks noGrp="1"/>
+          </p:cNvSpPr>
           <p:nvPr>
             <p:ph type="title"/>
           </p:nvPr>
@@ -10035,12 +10040,12 @@
           </a:ln>
         </p:spPr>
         <p:txBody>
-          <a:bodyPr anchorCtr="0" anchor="t" bIns="91425" lIns="91425" spcFirstLastPara="1" rIns="91425" wrap="square" tIns="91425">
+          <a:bodyPr spcFirstLastPara="1" wrap="square" lIns="91425" tIns="91425" rIns="91425" bIns="91425" anchor="t" anchorCtr="0">
             <a:noAutofit/>
           </a:bodyPr>
           <a:lstStyle/>
           <a:p>
-            <a:pPr indent="0" lvl="0" marL="0" rtl="0" algn="l">
+            <a:pPr marL="0" lvl="0" indent="0" algn="l" rtl="0">
               <a:lnSpc>
                 <a:spcPct val="100000"/>
               </a:lnSpc>
@@ -10065,9 +10070,11 @@
       <p:sp>
         <p:nvSpPr>
           <p:cNvPr id="69" name="Google Shape;69;p3"/>
-          <p:cNvSpPr txBox="1"/>
+          <p:cNvSpPr txBox="1">
+            <a:spLocks noGrp="1"/>
+          </p:cNvSpPr>
           <p:nvPr>
-            <p:ph idx="1" type="body"/>
+            <p:ph type="body" idx="1"/>
           </p:nvPr>
         </p:nvSpPr>
         <p:spPr>
@@ -10084,12 +10091,12 @@
           </a:ln>
         </p:spPr>
         <p:txBody>
-          <a:bodyPr anchorCtr="0" anchor="t" bIns="91425" lIns="91425" spcFirstLastPara="1" rIns="91425" wrap="square" tIns="91425">
+          <a:bodyPr spcFirstLastPara="1" wrap="square" lIns="91425" tIns="91425" rIns="91425" bIns="91425" anchor="t" anchorCtr="0">
             <a:noAutofit/>
           </a:bodyPr>
           <a:lstStyle/>
           <a:p>
-            <a:pPr indent="0" lvl="0" marL="0" rtl="0" algn="l">
+            <a:pPr marL="0" lvl="0" indent="0" algn="l" rtl="0">
               <a:lnSpc>
                 <a:spcPct val="100000"/>
               </a:lnSpc>
@@ -10118,7 +10125,7 @@
             </a:endParaRPr>
           </a:p>
           <a:p>
-            <a:pPr indent="-304800" lvl="0" marL="457200" rtl="0" algn="l">
+            <a:pPr marL="457200" lvl="0" indent="-304800" algn="l" rtl="0">
               <a:lnSpc>
                 <a:spcPct val="115000"/>
               </a:lnSpc>
@@ -10150,7 +10157,7 @@
             </a:endParaRPr>
           </a:p>
           <a:p>
-            <a:pPr indent="-304800" lvl="1" marL="914400" rtl="0" algn="l">
+            <a:pPr marL="914400" lvl="1" indent="-304800" algn="l" rtl="0">
               <a:lnSpc>
                 <a:spcPct val="115000"/>
               </a:lnSpc>
@@ -10182,7 +10189,7 @@
             </a:endParaRPr>
           </a:p>
           <a:p>
-            <a:pPr indent="-304800" lvl="0" marL="457200" rtl="0" algn="l">
+            <a:pPr marL="457200" lvl="0" indent="-304800" algn="l" rtl="0">
               <a:lnSpc>
                 <a:spcPct val="115000"/>
               </a:lnSpc>
@@ -10214,7 +10221,7 @@
             </a:endParaRPr>
           </a:p>
           <a:p>
-            <a:pPr indent="-304800" lvl="1" marL="914400" rtl="0" algn="l">
+            <a:pPr marL="914400" lvl="1" indent="-304800" algn="l" rtl="0">
               <a:lnSpc>
                 <a:spcPct val="115000"/>
               </a:lnSpc>
@@ -10262,7 +10269,7 @@
             </a:endParaRPr>
           </a:p>
           <a:p>
-            <a:pPr indent="-304800" lvl="0" marL="457200" rtl="0" algn="l">
+            <a:pPr marL="457200" lvl="0" indent="-304800" algn="l" rtl="0">
               <a:lnSpc>
                 <a:spcPct val="115000"/>
               </a:lnSpc>
@@ -10294,7 +10301,7 @@
             </a:endParaRPr>
           </a:p>
           <a:p>
-            <a:pPr indent="-304800" lvl="1" marL="914400" rtl="0" algn="l">
+            <a:pPr marL="914400" lvl="1" indent="-304800" algn="l" rtl="0">
               <a:lnSpc>
                 <a:spcPct val="115000"/>
               </a:lnSpc>
@@ -10326,7 +10333,7 @@
             </a:endParaRPr>
           </a:p>
           <a:p>
-            <a:pPr indent="0" lvl="0" marL="0" rtl="0" algn="l">
+            <a:pPr marL="0" lvl="0" indent="0" algn="l" rtl="0">
               <a:lnSpc>
                 <a:spcPct val="115000"/>
               </a:lnSpc>
@@ -10358,7 +10365,7 @@
             </a:endParaRPr>
           </a:p>
           <a:p>
-            <a:pPr indent="0" lvl="0" marL="0" rtl="0" algn="l">
+            <a:pPr marL="0" lvl="0" indent="0" algn="l" rtl="0">
               <a:lnSpc>
                 <a:spcPct val="115000"/>
               </a:lnSpc>
@@ -10390,7 +10397,7 @@
             </a:endParaRPr>
           </a:p>
           <a:p>
-            <a:pPr indent="0" lvl="0" marL="0" rtl="0" algn="l">
+            <a:pPr marL="0" lvl="0" indent="0" algn="l" rtl="0">
               <a:lnSpc>
                 <a:spcPct val="115000"/>
               </a:lnSpc>
@@ -10422,7 +10429,7 @@
             </a:endParaRPr>
           </a:p>
           <a:p>
-            <a:pPr indent="0" lvl="0" marL="0" rtl="0" algn="l">
+            <a:pPr marL="0" lvl="0" indent="0" algn="l" rtl="0">
               <a:lnSpc>
                 <a:spcPct val="115000"/>
               </a:lnSpc>
@@ -10436,9 +10443,6 @@
               <a:buFont typeface="Arial"/>
               <a:buNone/>
             </a:pPr>
-            <a:r>
-              <a:t/>
-            </a:r>
             <a:endParaRPr/>
           </a:p>
         </p:txBody>
@@ -10463,12 +10467,12 @@
           </a:ln>
         </p:spPr>
         <p:txBody>
-          <a:bodyPr anchorCtr="0" anchor="t" bIns="91425" lIns="91425" spcFirstLastPara="1" rIns="91425" wrap="square" tIns="91425">
+          <a:bodyPr spcFirstLastPara="1" wrap="square" lIns="91425" tIns="91425" rIns="91425" bIns="91425" anchor="t" anchorCtr="0">
             <a:noAutofit/>
           </a:bodyPr>
           <a:lstStyle/>
           <a:p>
-            <a:pPr indent="0" lvl="0" marL="0" marR="0" rtl="0" algn="l">
+            <a:pPr marL="0" marR="0" lvl="0" indent="0" algn="l" rtl="0">
               <a:lnSpc>
                 <a:spcPct val="115000"/>
               </a:lnSpc>
@@ -10486,7 +10490,7 @@
               <a:buNone/>
             </a:pPr>
             <a:r>
-              <a:rPr b="1" i="0" lang="en" sz="1400" u="none" cap="none" strike="noStrike">
+              <a:rPr lang="en" sz="1400" b="1" i="0" u="none" strike="noStrike" cap="none">
                 <a:solidFill>
                   <a:schemeClr val="dk1"/>
                 </a:solidFill>
@@ -10497,7 +10501,7 @@
               </a:rPr>
               <a:t>☞ Data science is the discipline of the extraction of knowledge from data.</a:t>
             </a:r>
-            <a:endParaRPr b="1" i="0" sz="1400" u="none" cap="none" strike="noStrike">
+            <a:endParaRPr sz="1400" b="1" i="0" u="none" strike="noStrike" cap="none">
               <a:solidFill>
                 <a:srgbClr val="000000"/>
               </a:solidFill>
@@ -10519,7 +10523,7 @@
           <a:blip r:embed="rId3">
             <a:alphaModFix/>
           </a:blip>
-          <a:srcRect b="0" l="0" r="0" t="0"/>
+          <a:srcRect/>
           <a:stretch/>
         </p:blipFill>
         <p:spPr>
@@ -10545,11 +10549,11 @@
 </file>
 
 <file path=ppt/slides/slide4.xml><?xml version="1.0" encoding="utf-8"?>
-<p:sld xmlns:a="http://schemas.openxmlformats.org/drawingml/2006/main" xmlns:r="http://schemas.openxmlformats.org/officeDocument/2006/relationships" xmlns:mc="http://schemas.openxmlformats.org/markup-compatibility/2006" xmlns:mv="urn:schemas-microsoft-com:mac:vml" xmlns:p="http://schemas.openxmlformats.org/presentationml/2006/main" xmlns:c="http://schemas.openxmlformats.org/drawingml/2006/chart" xmlns:dgm="http://schemas.openxmlformats.org/drawingml/2006/diagram" xmlns:o="urn:schemas-microsoft-com:office:office" xmlns:v="urn:schemas-microsoft-com:vml" xmlns:pvml="urn:schemas-microsoft-com:office:powerpoint" xmlns:com="http://schemas.openxmlformats.org/drawingml/2006/compatibility" xmlns:p14="http://schemas.microsoft.com/office/powerpoint/2010/main" xmlns:p15="http://schemas.microsoft.com/office/powerpoint/2012/main" xmlns:ahyp="http://schemas.microsoft.com/office/drawing/2018/hyperlinkcolor">
+<p:sld xmlns:a="http://schemas.openxmlformats.org/drawingml/2006/main" xmlns:r="http://schemas.openxmlformats.org/officeDocument/2006/relationships" xmlns:p="http://schemas.openxmlformats.org/presentationml/2006/main">
   <p:cSld>
     <p:spTree>
       <p:nvGrpSpPr>
-        <p:cNvPr id="75" name="Shape 75"/>
+        <p:cNvPr id="1" name="Shape 75"/>
         <p:cNvGrpSpPr/>
         <p:nvPr/>
       </p:nvGrpSpPr>
@@ -10564,7 +10568,9 @@
       <p:sp>
         <p:nvSpPr>
           <p:cNvPr id="76" name="Google Shape;76;p4"/>
-          <p:cNvSpPr txBox="1"/>
+          <p:cNvSpPr txBox="1">
+            <a:spLocks noGrp="1"/>
+          </p:cNvSpPr>
           <p:nvPr>
             <p:ph type="title"/>
           </p:nvPr>
@@ -10583,12 +10589,12 @@
           </a:ln>
         </p:spPr>
         <p:txBody>
-          <a:bodyPr anchorCtr="0" anchor="t" bIns="91425" lIns="91425" spcFirstLastPara="1" rIns="91425" wrap="square" tIns="91425">
+          <a:bodyPr spcFirstLastPara="1" wrap="square" lIns="91425" tIns="91425" rIns="91425" bIns="91425" anchor="t" anchorCtr="0">
             <a:noAutofit/>
           </a:bodyPr>
           <a:lstStyle/>
           <a:p>
-            <a:pPr indent="0" lvl="0" marL="0" rtl="0" algn="l">
+            <a:pPr marL="0" lvl="0" indent="0" algn="l" rtl="0">
               <a:lnSpc>
                 <a:spcPct val="100000"/>
               </a:lnSpc>
@@ -10613,9 +10619,11 @@
       <p:sp>
         <p:nvSpPr>
           <p:cNvPr id="77" name="Google Shape;77;p4"/>
-          <p:cNvSpPr txBox="1"/>
+          <p:cNvSpPr txBox="1">
+            <a:spLocks noGrp="1"/>
+          </p:cNvSpPr>
           <p:nvPr>
-            <p:ph idx="1" type="body"/>
+            <p:ph type="body" idx="1"/>
           </p:nvPr>
         </p:nvSpPr>
         <p:spPr>
@@ -10632,12 +10640,12 @@
           </a:ln>
         </p:spPr>
         <p:txBody>
-          <a:bodyPr anchorCtr="0" anchor="t" bIns="91425" lIns="91425" spcFirstLastPara="1" rIns="91425" wrap="square" tIns="91425">
+          <a:bodyPr spcFirstLastPara="1" wrap="square" lIns="91425" tIns="91425" rIns="91425" bIns="91425" anchor="t" anchorCtr="0">
             <a:noAutofit/>
           </a:bodyPr>
           <a:lstStyle/>
           <a:p>
-            <a:pPr indent="0" lvl="0" marL="0" rtl="0" algn="l">
+            <a:pPr marL="0" lvl="0" indent="0" algn="l" rtl="0">
               <a:lnSpc>
                 <a:spcPct val="115000"/>
               </a:lnSpc>
@@ -10655,21 +10663,21 @@
               <a:buNone/>
             </a:pPr>
             <a:r>
-              <a:rPr b="1" lang="en" sz="1200">
+              <a:rPr lang="en" sz="1200" b="1">
                 <a:solidFill>
                   <a:schemeClr val="dk1"/>
                 </a:solidFill>
               </a:rPr>
               <a:t>How do we do that?</a:t>
             </a:r>
-            <a:endParaRPr b="1" sz="1200">
+            <a:endParaRPr sz="1200" b="1">
               <a:solidFill>
                 <a:schemeClr val="dk1"/>
               </a:solidFill>
             </a:endParaRPr>
           </a:p>
           <a:p>
-            <a:pPr indent="0" lvl="0" marL="0" rtl="0" algn="l">
+            <a:pPr marL="0" lvl="0" indent="0" algn="l" rtl="0">
               <a:lnSpc>
                 <a:spcPct val="115000"/>
               </a:lnSpc>
@@ -10687,7 +10695,7 @@
               <a:buNone/>
             </a:pPr>
             <a:r>
-              <a:rPr b="1" lang="en">
+              <a:rPr lang="en" b="1">
                 <a:solidFill>
                   <a:schemeClr val="dk1"/>
                 </a:solidFill>
@@ -10709,7 +10717,7 @@
             </a:endParaRPr>
           </a:p>
           <a:p>
-            <a:pPr indent="0" lvl="0" marL="0" rtl="0" algn="l">
+            <a:pPr marL="0" lvl="0" indent="0" algn="l" rtl="0">
               <a:lnSpc>
                 <a:spcPct val="115000"/>
               </a:lnSpc>
@@ -10741,7 +10749,7 @@
             </a:endParaRPr>
           </a:p>
           <a:p>
-            <a:pPr indent="0" lvl="0" marL="0" rtl="0" algn="l">
+            <a:pPr marL="0" lvl="0" indent="0" algn="l" rtl="0">
               <a:lnSpc>
                 <a:spcPct val="115000"/>
               </a:lnSpc>
@@ -10773,7 +10781,7 @@
             </a:endParaRPr>
           </a:p>
           <a:p>
-            <a:pPr indent="0" lvl="0" marL="0" rtl="0" algn="l">
+            <a:pPr marL="0" lvl="0" indent="0" algn="l" rtl="0">
               <a:lnSpc>
                 <a:spcPct val="115000"/>
               </a:lnSpc>
@@ -10787,9 +10795,6 @@
               <a:buFont typeface="Arial"/>
               <a:buNone/>
             </a:pPr>
-            <a:r>
-              <a:t/>
-            </a:r>
             <a:endParaRPr/>
           </a:p>
         </p:txBody>
@@ -10814,12 +10819,12 @@
           </a:ln>
         </p:spPr>
         <p:txBody>
-          <a:bodyPr anchorCtr="0" anchor="t" bIns="91425" lIns="91425" spcFirstLastPara="1" rIns="91425" wrap="square" tIns="91425">
+          <a:bodyPr spcFirstLastPara="1" wrap="square" lIns="91425" tIns="91425" rIns="91425" bIns="91425" anchor="t" anchorCtr="0">
             <a:noAutofit/>
           </a:bodyPr>
           <a:lstStyle/>
           <a:p>
-            <a:pPr indent="0" lvl="0" marL="0" marR="0" rtl="0" algn="l">
+            <a:pPr marL="0" marR="0" lvl="0" indent="0" algn="l" rtl="0">
               <a:lnSpc>
                 <a:spcPct val="115000"/>
               </a:lnSpc>
@@ -10837,7 +10842,7 @@
               <a:buNone/>
             </a:pPr>
             <a:r>
-              <a:rPr b="1" i="0" lang="en" sz="1400" u="none" cap="none" strike="noStrike">
+              <a:rPr lang="en" sz="1400" b="1" i="0" u="none" strike="noStrike" cap="none">
                 <a:solidFill>
                   <a:schemeClr val="dk1"/>
                 </a:solidFill>
@@ -10848,7 +10853,7 @@
               </a:rPr>
               <a:t>☞ Data science is the discipline of the extraction of knowledge from data.</a:t>
             </a:r>
-            <a:endParaRPr b="1" i="0" sz="1400" u="none" cap="none" strike="noStrike">
+            <a:endParaRPr sz="1400" b="1" i="0" u="none" strike="noStrike" cap="none">
               <a:solidFill>
                 <a:srgbClr val="000000"/>
               </a:solidFill>
@@ -10870,7 +10875,7 @@
           <a:blip r:embed="rId3">
             <a:alphaModFix/>
           </a:blip>
-          <a:srcRect b="0" l="0" r="0" t="0"/>
+          <a:srcRect/>
           <a:stretch/>
         </p:blipFill>
         <p:spPr>
@@ -10900,30 +10905,30 @@
           </a:xfrm>
           <a:prstGeom prst="rightArrow">
             <a:avLst>
-              <a:gd fmla="val 50000" name="adj1"/>
-              <a:gd fmla="val 50000" name="adj2"/>
+              <a:gd name="adj1" fmla="val 50000"/>
+              <a:gd name="adj2" fmla="val 50000"/>
             </a:avLst>
           </a:prstGeom>
           <a:solidFill>
             <a:srgbClr val="FF0000"/>
           </a:solidFill>
-          <a:ln cap="flat" cmpd="sng" w="9525">
+          <a:ln w="9525" cap="flat" cmpd="sng">
             <a:solidFill>
               <a:schemeClr val="dk2"/>
             </a:solidFill>
             <a:prstDash val="solid"/>
             <a:round/>
-            <a:headEnd len="sm" w="sm" type="none"/>
-            <a:tailEnd len="sm" w="sm" type="none"/>
+            <a:headEnd type="none" w="sm" len="sm"/>
+            <a:tailEnd type="none" w="sm" len="sm"/>
           </a:ln>
         </p:spPr>
         <p:txBody>
-          <a:bodyPr anchorCtr="0" anchor="ctr" bIns="91425" lIns="91425" spcFirstLastPara="1" rIns="91425" wrap="square" tIns="91425">
+          <a:bodyPr spcFirstLastPara="1" wrap="square" lIns="91425" tIns="91425" rIns="91425" bIns="91425" anchor="ctr" anchorCtr="0">
             <a:noAutofit/>
           </a:bodyPr>
           <a:lstStyle/>
           <a:p>
-            <a:pPr indent="0" lvl="0" marL="0" marR="0" rtl="0" algn="l">
+            <a:pPr marL="0" marR="0" lvl="0" indent="0" algn="l" rtl="0">
               <a:lnSpc>
                 <a:spcPct val="100000"/>
               </a:lnSpc>
@@ -10940,10 +10945,7 @@
               <a:buFont typeface="Arial"/>
               <a:buNone/>
             </a:pPr>
-            <a:r>
-              <a:t/>
-            </a:r>
-            <a:endParaRPr b="0" i="0" sz="1400" u="none" cap="none" strike="noStrike">
+            <a:endParaRPr sz="1400" b="0" i="0" u="none" strike="noStrike" cap="none">
               <a:solidFill>
                 <a:srgbClr val="000000"/>
               </a:solidFill>
@@ -10964,11 +10966,11 @@
 </file>
 
 <file path=ppt/slides/slide5.xml><?xml version="1.0" encoding="utf-8"?>
-<p:sld xmlns:a="http://schemas.openxmlformats.org/drawingml/2006/main" xmlns:r="http://schemas.openxmlformats.org/officeDocument/2006/relationships" xmlns:mc="http://schemas.openxmlformats.org/markup-compatibility/2006" xmlns:mv="urn:schemas-microsoft-com:mac:vml" xmlns:p="http://schemas.openxmlformats.org/presentationml/2006/main" xmlns:c="http://schemas.openxmlformats.org/drawingml/2006/chart" xmlns:dgm="http://schemas.openxmlformats.org/drawingml/2006/diagram" xmlns:o="urn:schemas-microsoft-com:office:office" xmlns:v="urn:schemas-microsoft-com:vml" xmlns:pvml="urn:schemas-microsoft-com:office:powerpoint" xmlns:com="http://schemas.openxmlformats.org/drawingml/2006/compatibility" xmlns:p14="http://schemas.microsoft.com/office/powerpoint/2010/main" xmlns:p15="http://schemas.microsoft.com/office/powerpoint/2012/main" xmlns:ahyp="http://schemas.microsoft.com/office/drawing/2018/hyperlinkcolor">
+<p:sld xmlns:a="http://schemas.openxmlformats.org/drawingml/2006/main" xmlns:r="http://schemas.openxmlformats.org/officeDocument/2006/relationships" xmlns:p="http://schemas.openxmlformats.org/presentationml/2006/main">
   <p:cSld>
     <p:spTree>
       <p:nvGrpSpPr>
-        <p:cNvPr id="84" name="Shape 84"/>
+        <p:cNvPr id="1" name="Shape 84"/>
         <p:cNvGrpSpPr/>
         <p:nvPr/>
       </p:nvGrpSpPr>
@@ -10983,7 +10985,9 @@
       <p:sp>
         <p:nvSpPr>
           <p:cNvPr id="85" name="Google Shape;85;p5"/>
-          <p:cNvSpPr txBox="1"/>
+          <p:cNvSpPr txBox="1">
+            <a:spLocks noGrp="1"/>
+          </p:cNvSpPr>
           <p:nvPr>
             <p:ph type="title"/>
           </p:nvPr>
@@ -11002,12 +11006,12 @@
           </a:ln>
         </p:spPr>
         <p:txBody>
-          <a:bodyPr anchorCtr="0" anchor="t" bIns="91425" lIns="91425" spcFirstLastPara="1" rIns="91425" wrap="square" tIns="91425">
+          <a:bodyPr spcFirstLastPara="1" wrap="square" lIns="91425" tIns="91425" rIns="91425" bIns="91425" anchor="t" anchorCtr="0">
             <a:noAutofit/>
           </a:bodyPr>
           <a:lstStyle/>
           <a:p>
-            <a:pPr indent="0" lvl="0" marL="0" rtl="0" algn="l">
+            <a:pPr marL="0" lvl="0" indent="0" algn="l" rtl="0">
               <a:lnSpc>
                 <a:spcPct val="100000"/>
               </a:lnSpc>
@@ -11049,12 +11053,12 @@
           </a:ln>
         </p:spPr>
         <p:txBody>
-          <a:bodyPr anchorCtr="0" anchor="t" bIns="91425" lIns="91425" spcFirstLastPara="1" rIns="91425" wrap="square" tIns="91425">
+          <a:bodyPr spcFirstLastPara="1" wrap="square" lIns="91425" tIns="91425" rIns="91425" bIns="91425" anchor="t" anchorCtr="0">
             <a:noAutofit/>
           </a:bodyPr>
           <a:lstStyle/>
           <a:p>
-            <a:pPr indent="0" lvl="0" marL="0" marR="0" rtl="0" algn="l">
+            <a:pPr marL="0" marR="0" lvl="0" indent="0" algn="l" rtl="0">
               <a:lnSpc>
                 <a:spcPct val="100000"/>
               </a:lnSpc>
@@ -11072,7 +11076,7 @@
               <a:buNone/>
             </a:pPr>
             <a:r>
-              <a:rPr b="0" i="0" lang="en" sz="1400" u="none" cap="none" strike="noStrike">
+              <a:rPr lang="en" sz="1400" b="0" i="0" u="none" strike="noStrike" cap="none">
                 <a:solidFill>
                   <a:srgbClr val="000000"/>
                 </a:solidFill>
@@ -11083,7 +11087,7 @@
               </a:rPr>
               <a:t>Lots of data - very little information!</a:t>
             </a:r>
-            <a:endParaRPr b="0" i="0" sz="1400" u="none" cap="none" strike="noStrike">
+            <a:endParaRPr sz="1400" b="0" i="0" u="none" strike="noStrike" cap="none">
               <a:solidFill>
                 <a:srgbClr val="000000"/>
               </a:solidFill>
@@ -11094,7 +11098,7 @@
             </a:endParaRPr>
           </a:p>
           <a:p>
-            <a:pPr indent="0" lvl="0" marL="0" marR="0" rtl="0" algn="l">
+            <a:pPr marL="0" marR="0" lvl="0" indent="0" algn="l" rtl="0">
               <a:lnSpc>
                 <a:spcPct val="100000"/>
               </a:lnSpc>
@@ -11111,10 +11115,7 @@
               <a:buFont typeface="Arial"/>
               <a:buNone/>
             </a:pPr>
-            <a:r>
-              <a:t/>
-            </a:r>
-            <a:endParaRPr b="0" i="0" sz="1400" u="none" cap="none" strike="noStrike">
+            <a:endParaRPr sz="1400" b="0" i="0" u="none" strike="noStrike" cap="none">
               <a:solidFill>
                 <a:srgbClr val="000000"/>
               </a:solidFill>
@@ -11125,7 +11126,7 @@
             </a:endParaRPr>
           </a:p>
           <a:p>
-            <a:pPr indent="0" lvl="0" marL="0" marR="0" rtl="0" algn="l">
+            <a:pPr marL="0" marR="0" lvl="0" indent="0" algn="l" rtl="0">
               <a:lnSpc>
                 <a:spcPct val="100000"/>
               </a:lnSpc>
@@ -11143,7 +11144,7 @@
               <a:buNone/>
             </a:pPr>
             <a:r>
-              <a:rPr b="0" i="0" lang="en" sz="1400" u="none" cap="none" strike="noStrike">
+              <a:rPr lang="en" sz="1400" b="0" i="0" u="none" strike="noStrike" cap="none">
                 <a:solidFill>
                   <a:srgbClr val="000000"/>
                 </a:solidFill>
@@ -11155,7 +11156,7 @@
               <a:t>Build a model - </a:t>
             </a:r>
             <a:r>
-              <a:rPr b="1" i="0" lang="en" sz="1400" u="none" cap="none" strike="noStrike">
+              <a:rPr lang="en" sz="1400" b="1" i="0" u="none" strike="noStrike" cap="none">
                 <a:solidFill>
                   <a:srgbClr val="000000"/>
                 </a:solidFill>
@@ -11166,7 +11167,7 @@
               </a:rPr>
               <a:t>a decision tree!</a:t>
             </a:r>
-            <a:endParaRPr b="1" i="0" sz="1400" u="none" cap="none" strike="noStrike">
+            <a:endParaRPr sz="1400" b="1" i="0" u="none" strike="noStrike" cap="none">
               <a:solidFill>
                 <a:srgbClr val="000000"/>
               </a:solidFill>
@@ -11180,7 +11181,7 @@
       </p:sp>
       <p:pic>
         <p:nvPicPr>
-          <p:cNvPr descr="PlayTennis.jpg" id="87" name="Google Shape;87;p5"/>
+          <p:cNvPr id="87" name="Google Shape;87;p5" descr="PlayTennis.jpg"/>
           <p:cNvPicPr preferRelativeResize="0"/>
           <p:nvPr/>
         </p:nvPicPr>
@@ -11188,7 +11189,7 @@
           <a:blip r:embed="rId3">
             <a:alphaModFix/>
           </a:blip>
-          <a:srcRect b="0" l="0" r="0" t="0"/>
+          <a:srcRect/>
           <a:stretch/>
         </p:blipFill>
         <p:spPr>
@@ -11214,11 +11215,11 @@
 </file>
 
 <file path=ppt/slides/slide6.xml><?xml version="1.0" encoding="utf-8"?>
-<p:sld xmlns:a="http://schemas.openxmlformats.org/drawingml/2006/main" xmlns:r="http://schemas.openxmlformats.org/officeDocument/2006/relationships" xmlns:mc="http://schemas.openxmlformats.org/markup-compatibility/2006" xmlns:mv="urn:schemas-microsoft-com:mac:vml" xmlns:p="http://schemas.openxmlformats.org/presentationml/2006/main" xmlns:c="http://schemas.openxmlformats.org/drawingml/2006/chart" xmlns:dgm="http://schemas.openxmlformats.org/drawingml/2006/diagram" xmlns:o="urn:schemas-microsoft-com:office:office" xmlns:v="urn:schemas-microsoft-com:vml" xmlns:pvml="urn:schemas-microsoft-com:office:powerpoint" xmlns:com="http://schemas.openxmlformats.org/drawingml/2006/compatibility" xmlns:p14="http://schemas.microsoft.com/office/powerpoint/2010/main" xmlns:p15="http://schemas.microsoft.com/office/powerpoint/2012/main" xmlns:ahyp="http://schemas.microsoft.com/office/drawing/2018/hyperlinkcolor">
+<p:sld xmlns:a="http://schemas.openxmlformats.org/drawingml/2006/main" xmlns:r="http://schemas.openxmlformats.org/officeDocument/2006/relationships" xmlns:p="http://schemas.openxmlformats.org/presentationml/2006/main">
   <p:cSld>
     <p:spTree>
       <p:nvGrpSpPr>
-        <p:cNvPr id="91" name="Shape 91"/>
+        <p:cNvPr id="1" name="Shape 91"/>
         <p:cNvGrpSpPr/>
         <p:nvPr/>
       </p:nvGrpSpPr>
@@ -11233,7 +11234,9 @@
       <p:sp>
         <p:nvSpPr>
           <p:cNvPr id="92" name="Google Shape;92;p6"/>
-          <p:cNvSpPr txBox="1"/>
+          <p:cNvSpPr txBox="1">
+            <a:spLocks noGrp="1"/>
+          </p:cNvSpPr>
           <p:nvPr>
             <p:ph type="title"/>
           </p:nvPr>
@@ -11252,12 +11255,12 @@
           </a:ln>
         </p:spPr>
         <p:txBody>
-          <a:bodyPr anchorCtr="0" anchor="t" bIns="91425" lIns="91425" spcFirstLastPara="1" rIns="91425" wrap="square" tIns="91425">
+          <a:bodyPr spcFirstLastPara="1" wrap="square" lIns="91425" tIns="91425" rIns="91425" bIns="91425" anchor="t" anchorCtr="0">
             <a:noAutofit/>
           </a:bodyPr>
           <a:lstStyle/>
           <a:p>
-            <a:pPr indent="0" lvl="0" marL="0" rtl="0" algn="l">
+            <a:pPr marL="0" lvl="0" indent="0" algn="l" rtl="0">
               <a:lnSpc>
                 <a:spcPct val="100000"/>
               </a:lnSpc>
@@ -11281,7 +11284,7 @@
       </p:sp>
       <p:pic>
         <p:nvPicPr>
-          <p:cNvPr descr="figure3.1.jpg" id="93" name="Google Shape;93;p6"/>
+          <p:cNvPr id="93" name="Google Shape;93;p6" descr="figure3.1.jpg"/>
           <p:cNvPicPr preferRelativeResize="0"/>
           <p:nvPr/>
         </p:nvPicPr>
@@ -11289,7 +11292,7 @@
           <a:blip r:embed="rId3">
             <a:alphaModFix/>
           </a:blip>
-          <a:srcRect b="0" l="0" r="0" t="0"/>
+          <a:srcRect/>
           <a:stretch/>
         </p:blipFill>
         <p:spPr>
@@ -11308,7 +11311,7 @@
       </p:pic>
       <p:pic>
         <p:nvPicPr>
-          <p:cNvPr descr="PlayTennis.jpg" id="94" name="Google Shape;94;p6"/>
+          <p:cNvPr id="94" name="Google Shape;94;p6" descr="PlayTennis.jpg"/>
           <p:cNvPicPr preferRelativeResize="0"/>
           <p:nvPr/>
         </p:nvPicPr>
@@ -11316,7 +11319,7 @@
           <a:blip r:embed="rId4">
             <a:alphaModFix/>
           </a:blip>
-          <a:srcRect b="0" l="0" r="0" t="0"/>
+          <a:srcRect/>
           <a:stretch/>
         </p:blipFill>
         <p:spPr>
@@ -11353,12 +11356,12 @@
           </a:ln>
         </p:spPr>
         <p:txBody>
-          <a:bodyPr anchorCtr="0" anchor="t" bIns="91425" lIns="91425" spcFirstLastPara="1" rIns="91425" wrap="square" tIns="91425">
+          <a:bodyPr spcFirstLastPara="1" wrap="square" lIns="91425" tIns="91425" rIns="91425" bIns="91425" anchor="t" anchorCtr="0">
             <a:noAutofit/>
           </a:bodyPr>
           <a:lstStyle/>
           <a:p>
-            <a:pPr indent="0" lvl="0" marL="0" marR="0" rtl="0" algn="l">
+            <a:pPr marL="0" marR="0" lvl="0" indent="0" algn="l" rtl="0">
               <a:lnSpc>
                 <a:spcPct val="100000"/>
               </a:lnSpc>
@@ -11376,7 +11379,7 @@
               <a:buNone/>
             </a:pPr>
             <a:r>
-              <a:rPr b="0" i="0" lang="en" sz="1400" u="none" cap="none" strike="noStrike">
+              <a:rPr lang="en" sz="1400" b="0" i="0" u="none" strike="noStrike" cap="none">
                 <a:solidFill>
                   <a:srgbClr val="000000"/>
                 </a:solidFill>
@@ -11387,7 +11390,7 @@
               </a:rPr>
               <a:t>☞This model summarizes the whole table correctly!</a:t>
             </a:r>
-            <a:endParaRPr b="0" i="0" sz="1400" u="none" cap="none" strike="noStrike">
+            <a:endParaRPr sz="1400" b="0" i="0" u="none" strike="noStrike" cap="none">
               <a:solidFill>
                 <a:srgbClr val="000000"/>
               </a:solidFill>
@@ -11419,12 +11422,12 @@
           </a:ln>
         </p:spPr>
         <p:txBody>
-          <a:bodyPr anchorCtr="0" anchor="t" bIns="91425" lIns="91425" spcFirstLastPara="1" rIns="91425" wrap="square" tIns="91425">
+          <a:bodyPr spcFirstLastPara="1" wrap="square" lIns="91425" tIns="91425" rIns="91425" bIns="91425" anchor="t" anchorCtr="0">
             <a:noAutofit/>
           </a:bodyPr>
           <a:lstStyle/>
           <a:p>
-            <a:pPr indent="0" lvl="0" marL="0" marR="0" rtl="0" algn="l">
+            <a:pPr marL="0" marR="0" lvl="0" indent="0" algn="l" rtl="0">
               <a:lnSpc>
                 <a:spcPct val="100000"/>
               </a:lnSpc>
@@ -11442,7 +11445,7 @@
               <a:buNone/>
             </a:pPr>
             <a:r>
-              <a:rPr b="0" i="0" lang="en" sz="1400" u="none" cap="none" strike="noStrike">
+              <a:rPr lang="en" sz="1400" b="0" i="0" u="none" strike="noStrike" cap="none">
                 <a:solidFill>
                   <a:srgbClr val="000000"/>
                 </a:solidFill>
@@ -11453,7 +11456,7 @@
               </a:rPr>
               <a:t>ID3 Decision Tree</a:t>
             </a:r>
-            <a:endParaRPr b="0" i="0" sz="1400" u="none" cap="none" strike="noStrike">
+            <a:endParaRPr sz="1400" b="0" i="0" u="none" strike="noStrike" cap="none">
               <a:solidFill>
                 <a:srgbClr val="000000"/>
               </a:solidFill>
@@ -11474,11 +11477,11 @@
 </file>
 
 <file path=ppt/slides/slide7.xml><?xml version="1.0" encoding="utf-8"?>
-<p:sld xmlns:a="http://schemas.openxmlformats.org/drawingml/2006/main" xmlns:r="http://schemas.openxmlformats.org/officeDocument/2006/relationships" xmlns:mc="http://schemas.openxmlformats.org/markup-compatibility/2006" xmlns:mv="urn:schemas-microsoft-com:mac:vml" xmlns:p="http://schemas.openxmlformats.org/presentationml/2006/main" xmlns:c="http://schemas.openxmlformats.org/drawingml/2006/chart" xmlns:dgm="http://schemas.openxmlformats.org/drawingml/2006/diagram" xmlns:o="urn:schemas-microsoft-com:office:office" xmlns:v="urn:schemas-microsoft-com:vml" xmlns:pvml="urn:schemas-microsoft-com:office:powerpoint" xmlns:com="http://schemas.openxmlformats.org/drawingml/2006/compatibility" xmlns:p14="http://schemas.microsoft.com/office/powerpoint/2010/main" xmlns:p15="http://schemas.microsoft.com/office/powerpoint/2012/main" xmlns:ahyp="http://schemas.microsoft.com/office/drawing/2018/hyperlinkcolor">
+<p:sld xmlns:a="http://schemas.openxmlformats.org/drawingml/2006/main" xmlns:r="http://schemas.openxmlformats.org/officeDocument/2006/relationships" xmlns:p="http://schemas.openxmlformats.org/presentationml/2006/main">
   <p:cSld>
     <p:spTree>
       <p:nvGrpSpPr>
-        <p:cNvPr id="100" name="Shape 100"/>
+        <p:cNvPr id="1" name="Shape 100"/>
         <p:cNvGrpSpPr/>
         <p:nvPr/>
       </p:nvGrpSpPr>
@@ -11493,7 +11496,9 @@
       <p:sp>
         <p:nvSpPr>
           <p:cNvPr id="101" name="Google Shape;101;p7"/>
-          <p:cNvSpPr txBox="1"/>
+          <p:cNvSpPr txBox="1">
+            <a:spLocks noGrp="1"/>
+          </p:cNvSpPr>
           <p:nvPr>
             <p:ph type="title"/>
           </p:nvPr>
@@ -11512,12 +11517,12 @@
           </a:ln>
         </p:spPr>
         <p:txBody>
-          <a:bodyPr anchorCtr="0" anchor="t" bIns="91425" lIns="91425" spcFirstLastPara="1" rIns="91425" wrap="square" tIns="91425">
+          <a:bodyPr spcFirstLastPara="1" wrap="square" lIns="91425" tIns="91425" rIns="91425" bIns="91425" anchor="t" anchorCtr="0">
             <a:noAutofit/>
           </a:bodyPr>
           <a:lstStyle/>
           <a:p>
-            <a:pPr indent="0" lvl="0" marL="0" rtl="0" algn="l">
+            <a:pPr marL="0" lvl="0" indent="0" algn="l" rtl="0">
               <a:lnSpc>
                 <a:spcPct val="100000"/>
               </a:lnSpc>
@@ -11542,9 +11547,11 @@
       <p:sp>
         <p:nvSpPr>
           <p:cNvPr id="102" name="Google Shape;102;p7"/>
-          <p:cNvSpPr txBox="1"/>
+          <p:cNvSpPr txBox="1">
+            <a:spLocks noGrp="1"/>
+          </p:cNvSpPr>
           <p:nvPr>
-            <p:ph idx="1" type="body"/>
+            <p:ph type="body" idx="1"/>
           </p:nvPr>
         </p:nvSpPr>
         <p:spPr>
@@ -11561,12 +11568,12 @@
           </a:ln>
         </p:spPr>
         <p:txBody>
-          <a:bodyPr anchorCtr="0" anchor="t" bIns="91425" lIns="91425" spcFirstLastPara="1" rIns="91425" wrap="square" tIns="91425">
+          <a:bodyPr spcFirstLastPara="1" wrap="square" lIns="91425" tIns="91425" rIns="91425" bIns="91425" anchor="t" anchorCtr="0">
             <a:noAutofit/>
           </a:bodyPr>
           <a:lstStyle/>
           <a:p>
-            <a:pPr indent="0" lvl="0" marL="0" rtl="0" algn="l">
+            <a:pPr marL="0" lvl="0" indent="0" algn="l" rtl="0">
               <a:lnSpc>
                 <a:spcPct val="115000"/>
               </a:lnSpc>
@@ -11584,21 +11591,21 @@
               <a:buNone/>
             </a:pPr>
             <a:r>
-              <a:rPr b="1" lang="en" sz="1200">
+              <a:rPr lang="en" sz="1200" b="1">
                 <a:solidFill>
                   <a:schemeClr val="dk1"/>
                 </a:solidFill>
               </a:rPr>
               <a:t>Where does the data come from?</a:t>
             </a:r>
-            <a:endParaRPr b="1" sz="1200">
+            <a:endParaRPr sz="1200" b="1">
               <a:solidFill>
                 <a:schemeClr val="dk1"/>
               </a:solidFill>
             </a:endParaRPr>
           </a:p>
           <a:p>
-            <a:pPr indent="0" lvl="0" marL="0" rtl="0" algn="l">
+            <a:pPr marL="0" lvl="0" indent="0" algn="l" rtl="0">
               <a:lnSpc>
                 <a:spcPct val="115000"/>
               </a:lnSpc>
@@ -11616,7 +11623,7 @@
               <a:buNone/>
             </a:pPr>
             <a:r>
-              <a:rPr b="1" lang="en">
+              <a:rPr lang="en" b="1">
                 <a:solidFill>
                   <a:schemeClr val="dk1"/>
                 </a:solidFill>
@@ -11638,7 +11645,7 @@
             </a:endParaRPr>
           </a:p>
           <a:p>
-            <a:pPr indent="0" lvl="0" marL="0" rtl="0" algn="l">
+            <a:pPr marL="0" lvl="0" indent="0" algn="l" rtl="0">
               <a:lnSpc>
                 <a:spcPct val="115000"/>
               </a:lnSpc>
@@ -11670,7 +11677,7 @@
             </a:endParaRPr>
           </a:p>
           <a:p>
-            <a:pPr indent="0" lvl="0" marL="0" rtl="0" algn="l">
+            <a:pPr marL="0" lvl="0" indent="0" algn="l" rtl="0">
               <a:lnSpc>
                 <a:spcPct val="115000"/>
               </a:lnSpc>
@@ -11702,7 +11709,7 @@
             </a:endParaRPr>
           </a:p>
           <a:p>
-            <a:pPr indent="0" lvl="0" marL="0" rtl="0" algn="l">
+            <a:pPr marL="0" lvl="0" indent="0" algn="l" rtl="0">
               <a:lnSpc>
                 <a:spcPct val="115000"/>
               </a:lnSpc>
@@ -11716,9 +11723,6 @@
               <a:buFont typeface="Arial"/>
               <a:buNone/>
             </a:pPr>
-            <a:r>
-              <a:t/>
-            </a:r>
             <a:endParaRPr/>
           </a:p>
         </p:txBody>
@@ -11743,12 +11747,12 @@
           </a:ln>
         </p:spPr>
         <p:txBody>
-          <a:bodyPr anchorCtr="0" anchor="t" bIns="91425" lIns="91425" spcFirstLastPara="1" rIns="91425" wrap="square" tIns="91425">
+          <a:bodyPr spcFirstLastPara="1" wrap="square" lIns="91425" tIns="91425" rIns="91425" bIns="91425" anchor="t" anchorCtr="0">
             <a:noAutofit/>
           </a:bodyPr>
           <a:lstStyle/>
           <a:p>
-            <a:pPr indent="0" lvl="0" marL="0" marR="0" rtl="0" algn="l">
+            <a:pPr marL="0" marR="0" lvl="0" indent="0" algn="l" rtl="0">
               <a:lnSpc>
                 <a:spcPct val="115000"/>
               </a:lnSpc>
@@ -11766,7 +11770,7 @@
               <a:buNone/>
             </a:pPr>
             <a:r>
-              <a:rPr b="1" i="0" lang="en" sz="1400" u="none" cap="none" strike="noStrike">
+              <a:rPr lang="en" sz="1400" b="1" i="0" u="none" strike="noStrike" cap="none">
                 <a:solidFill>
                   <a:schemeClr val="dk1"/>
                 </a:solidFill>
@@ -11777,7 +11781,7 @@
               </a:rPr>
               <a:t>☞ Data science is the discipline of the extraction of knowledge from data.</a:t>
             </a:r>
-            <a:endParaRPr b="1" i="0" sz="1400" u="none" cap="none" strike="noStrike">
+            <a:endParaRPr sz="1400" b="1" i="0" u="none" strike="noStrike" cap="none">
               <a:solidFill>
                 <a:srgbClr val="000000"/>
               </a:solidFill>
@@ -11799,7 +11803,7 @@
           <a:blip r:embed="rId3">
             <a:alphaModFix/>
           </a:blip>
-          <a:srcRect b="0" l="0" r="0" t="0"/>
+          <a:srcRect/>
           <a:stretch/>
         </p:blipFill>
         <p:spPr>
@@ -11829,30 +11833,30 @@
           </a:xfrm>
           <a:prstGeom prst="rightArrow">
             <a:avLst>
-              <a:gd fmla="val 50000" name="adj1"/>
-              <a:gd fmla="val 50000" name="adj2"/>
+              <a:gd name="adj1" fmla="val 50000"/>
+              <a:gd name="adj2" fmla="val 50000"/>
             </a:avLst>
           </a:prstGeom>
           <a:solidFill>
             <a:srgbClr val="FF0000"/>
           </a:solidFill>
-          <a:ln cap="flat" cmpd="sng" w="9525">
+          <a:ln w="9525" cap="flat" cmpd="sng">
             <a:solidFill>
               <a:schemeClr val="dk2"/>
             </a:solidFill>
             <a:prstDash val="solid"/>
             <a:round/>
-            <a:headEnd len="sm" w="sm" type="none"/>
-            <a:tailEnd len="sm" w="sm" type="none"/>
+            <a:headEnd type="none" w="sm" len="sm"/>
+            <a:tailEnd type="none" w="sm" len="sm"/>
           </a:ln>
         </p:spPr>
         <p:txBody>
-          <a:bodyPr anchorCtr="0" anchor="ctr" bIns="91425" lIns="91425" spcFirstLastPara="1" rIns="91425" wrap="square" tIns="91425">
+          <a:bodyPr spcFirstLastPara="1" wrap="square" lIns="91425" tIns="91425" rIns="91425" bIns="91425" anchor="ctr" anchorCtr="0">
             <a:noAutofit/>
           </a:bodyPr>
           <a:lstStyle/>
           <a:p>
-            <a:pPr indent="0" lvl="0" marL="0" marR="0" rtl="0" algn="l">
+            <a:pPr marL="0" marR="0" lvl="0" indent="0" algn="l" rtl="0">
               <a:lnSpc>
                 <a:spcPct val="100000"/>
               </a:lnSpc>
@@ -11869,10 +11873,7 @@
               <a:buFont typeface="Arial"/>
               <a:buNone/>
             </a:pPr>
-            <a:r>
-              <a:t/>
-            </a:r>
-            <a:endParaRPr b="0" i="0" sz="1400" u="none" cap="none" strike="noStrike">
+            <a:endParaRPr sz="1400" b="0" i="0" u="none" strike="noStrike" cap="none">
               <a:solidFill>
                 <a:srgbClr val="000000"/>
               </a:solidFill>
@@ -11893,11 +11894,11 @@
 </file>
 
 <file path=ppt/slides/slide8.xml><?xml version="1.0" encoding="utf-8"?>
-<p:sld xmlns:a="http://schemas.openxmlformats.org/drawingml/2006/main" xmlns:r="http://schemas.openxmlformats.org/officeDocument/2006/relationships" xmlns:mc="http://schemas.openxmlformats.org/markup-compatibility/2006" xmlns:mv="urn:schemas-microsoft-com:mac:vml" xmlns:p="http://schemas.openxmlformats.org/presentationml/2006/main" xmlns:c="http://schemas.openxmlformats.org/drawingml/2006/chart" xmlns:dgm="http://schemas.openxmlformats.org/drawingml/2006/diagram" xmlns:o="urn:schemas-microsoft-com:office:office" xmlns:v="urn:schemas-microsoft-com:vml" xmlns:pvml="urn:schemas-microsoft-com:office:powerpoint" xmlns:com="http://schemas.openxmlformats.org/drawingml/2006/compatibility" xmlns:p14="http://schemas.microsoft.com/office/powerpoint/2010/main" xmlns:p15="http://schemas.microsoft.com/office/powerpoint/2012/main" xmlns:ahyp="http://schemas.microsoft.com/office/drawing/2018/hyperlinkcolor">
+<p:sld xmlns:a="http://schemas.openxmlformats.org/drawingml/2006/main" xmlns:r="http://schemas.openxmlformats.org/officeDocument/2006/relationships" xmlns:p="http://schemas.openxmlformats.org/presentationml/2006/main">
   <p:cSld>
     <p:spTree>
       <p:nvGrpSpPr>
-        <p:cNvPr id="109" name="Shape 109"/>
+        <p:cNvPr id="1" name="Shape 109"/>
         <p:cNvGrpSpPr/>
         <p:nvPr/>
       </p:nvGrpSpPr>
@@ -11912,7 +11913,9 @@
       <p:sp>
         <p:nvSpPr>
           <p:cNvPr id="110" name="Google Shape;110;p8"/>
-          <p:cNvSpPr txBox="1"/>
+          <p:cNvSpPr txBox="1">
+            <a:spLocks noGrp="1"/>
+          </p:cNvSpPr>
           <p:nvPr>
             <p:ph type="title"/>
           </p:nvPr>
@@ -11931,12 +11934,12 @@
           </a:ln>
         </p:spPr>
         <p:txBody>
-          <a:bodyPr anchorCtr="0" anchor="t" bIns="91425" lIns="91425" spcFirstLastPara="1" rIns="91425" wrap="square" tIns="91425">
+          <a:bodyPr spcFirstLastPara="1" wrap="square" lIns="91425" tIns="91425" rIns="91425" bIns="91425" anchor="t" anchorCtr="0">
             <a:noAutofit/>
           </a:bodyPr>
           <a:lstStyle/>
           <a:p>
-            <a:pPr indent="0" lvl="0" marL="0" rtl="0" algn="l">
+            <a:pPr marL="0" lvl="0" indent="0" algn="l" rtl="0">
               <a:lnSpc>
                 <a:spcPct val="100000"/>
               </a:lnSpc>
@@ -11960,7 +11963,7 @@
       </p:sp>
       <p:pic>
         <p:nvPicPr>
-          <p:cNvPr descr="data-pipline.png" id="111" name="Google Shape;111;p8"/>
+          <p:cNvPr id="111" name="Google Shape;111;p8" descr="data-pipline.png"/>
           <p:cNvPicPr preferRelativeResize="0"/>
           <p:nvPr/>
         </p:nvPicPr>
@@ -11968,7 +11971,7 @@
           <a:blip r:embed="rId3">
             <a:alphaModFix/>
           </a:blip>
-          <a:srcRect b="0" l="0" r="0" t="0"/>
+          <a:srcRect/>
           <a:stretch/>
         </p:blipFill>
         <p:spPr>
@@ -11994,11 +11997,11 @@
 </file>
 
 <file path=ppt/slides/slide9.xml><?xml version="1.0" encoding="utf-8"?>
-<p:sld xmlns:a="http://schemas.openxmlformats.org/drawingml/2006/main" xmlns:r="http://schemas.openxmlformats.org/officeDocument/2006/relationships" xmlns:mc="http://schemas.openxmlformats.org/markup-compatibility/2006" xmlns:mv="urn:schemas-microsoft-com:mac:vml" xmlns:p="http://schemas.openxmlformats.org/presentationml/2006/main" xmlns:c="http://schemas.openxmlformats.org/drawingml/2006/chart" xmlns:dgm="http://schemas.openxmlformats.org/drawingml/2006/diagram" xmlns:o="urn:schemas-microsoft-com:office:office" xmlns:v="urn:schemas-microsoft-com:vml" xmlns:pvml="urn:schemas-microsoft-com:office:powerpoint" xmlns:com="http://schemas.openxmlformats.org/drawingml/2006/compatibility" xmlns:p14="http://schemas.microsoft.com/office/powerpoint/2010/main" xmlns:p15="http://schemas.microsoft.com/office/powerpoint/2012/main" xmlns:ahyp="http://schemas.microsoft.com/office/drawing/2018/hyperlinkcolor">
+<p:sld xmlns:a="http://schemas.openxmlformats.org/drawingml/2006/main" xmlns:r="http://schemas.openxmlformats.org/officeDocument/2006/relationships" xmlns:p="http://schemas.openxmlformats.org/presentationml/2006/main">
   <p:cSld>
     <p:spTree>
       <p:nvGrpSpPr>
-        <p:cNvPr id="115" name="Shape 115"/>
+        <p:cNvPr id="1" name="Shape 115"/>
         <p:cNvGrpSpPr/>
         <p:nvPr/>
       </p:nvGrpSpPr>
@@ -12013,7 +12016,9 @@
       <p:sp>
         <p:nvSpPr>
           <p:cNvPr id="116" name="Google Shape;116;p9"/>
-          <p:cNvSpPr txBox="1"/>
+          <p:cNvSpPr txBox="1">
+            <a:spLocks noGrp="1"/>
+          </p:cNvSpPr>
           <p:nvPr>
             <p:ph type="title"/>
           </p:nvPr>
@@ -12032,12 +12037,12 @@
           </a:ln>
         </p:spPr>
         <p:txBody>
-          <a:bodyPr anchorCtr="0" anchor="t" bIns="91425" lIns="91425" spcFirstLastPara="1" rIns="91425" wrap="square" tIns="91425">
+          <a:bodyPr spcFirstLastPara="1" wrap="square" lIns="91425" tIns="91425" rIns="91425" bIns="91425" anchor="t" anchorCtr="0">
             <a:noAutofit/>
           </a:bodyPr>
           <a:lstStyle/>
           <a:p>
-            <a:pPr indent="0" lvl="0" marL="0" rtl="0" algn="l">
+            <a:pPr marL="0" lvl="0" indent="0" algn="l" rtl="0">
               <a:lnSpc>
                 <a:spcPct val="100000"/>
               </a:lnSpc>
@@ -12062,9 +12067,11 @@
       <p:sp>
         <p:nvSpPr>
           <p:cNvPr id="117" name="Google Shape;117;p9"/>
-          <p:cNvSpPr txBox="1"/>
+          <p:cNvSpPr txBox="1">
+            <a:spLocks noGrp="1"/>
+          </p:cNvSpPr>
           <p:nvPr>
-            <p:ph idx="1" type="body"/>
+            <p:ph type="body" idx="1"/>
           </p:nvPr>
         </p:nvSpPr>
         <p:spPr>
@@ -12081,12 +12088,12 @@
           </a:ln>
         </p:spPr>
         <p:txBody>
-          <a:bodyPr anchorCtr="0" anchor="t" bIns="91425" lIns="91425" spcFirstLastPara="1" rIns="91425" wrap="square" tIns="91425">
+          <a:bodyPr spcFirstLastPara="1" wrap="square" lIns="91425" tIns="91425" rIns="91425" bIns="91425" anchor="t" anchorCtr="0">
             <a:noAutofit/>
           </a:bodyPr>
           <a:lstStyle/>
           <a:p>
-            <a:pPr indent="0" lvl="0" marL="0" rtl="0" algn="l">
+            <a:pPr marL="0" lvl="0" indent="0" algn="l" rtl="0">
               <a:lnSpc>
                 <a:spcPct val="115000"/>
               </a:lnSpc>
@@ -12104,21 +12111,21 @@
               <a:buNone/>
             </a:pPr>
             <a:r>
-              <a:rPr b="1" lang="en" sz="1200">
+              <a:rPr lang="en" sz="1200" b="1">
                 <a:solidFill>
                   <a:schemeClr val="dk1"/>
                 </a:solidFill>
               </a:rPr>
               <a:t>How do we preprocess our data for model building?</a:t>
             </a:r>
-            <a:endParaRPr b="1" sz="1200">
+            <a:endParaRPr sz="1200" b="1">
               <a:solidFill>
                 <a:schemeClr val="dk1"/>
               </a:solidFill>
             </a:endParaRPr>
           </a:p>
           <a:p>
-            <a:pPr indent="0" lvl="0" marL="0" rtl="0" algn="l">
+            <a:pPr marL="0" lvl="0" indent="0" algn="l" rtl="0">
               <a:lnSpc>
                 <a:spcPct val="115000"/>
               </a:lnSpc>
@@ -12136,7 +12143,7 @@
               <a:buNone/>
             </a:pPr>
             <a:r>
-              <a:rPr b="1" lang="en">
+              <a:rPr lang="en" b="1">
                 <a:solidFill>
                   <a:schemeClr val="dk1"/>
                 </a:solidFill>
@@ -12158,7 +12165,7 @@
             </a:endParaRPr>
           </a:p>
           <a:p>
-            <a:pPr indent="-298450" lvl="0" marL="457200" rtl="0" algn="l">
+            <a:pPr marL="457200" lvl="0" indent="-298450" algn="l" rtl="0">
               <a:lnSpc>
                 <a:spcPct val="115000"/>
               </a:lnSpc>
@@ -12190,7 +12197,7 @@
             </a:endParaRPr>
           </a:p>
           <a:p>
-            <a:pPr indent="-298450" lvl="0" marL="457200" rtl="0" algn="l">
+            <a:pPr marL="457200" lvl="0" indent="-298450" algn="l" rtl="0">
               <a:lnSpc>
                 <a:spcPct val="115000"/>
               </a:lnSpc>
@@ -12222,7 +12229,7 @@
             </a:endParaRPr>
           </a:p>
           <a:p>
-            <a:pPr indent="-298450" lvl="0" marL="457200" rtl="0" algn="l">
+            <a:pPr marL="457200" lvl="0" indent="-298450" algn="l" rtl="0">
               <a:lnSpc>
                 <a:spcPct val="115000"/>
               </a:lnSpc>
@@ -12254,7 +12261,7 @@
             </a:endParaRPr>
           </a:p>
           <a:p>
-            <a:pPr indent="0" lvl="0" marL="0" rtl="0" algn="l">
+            <a:pPr marL="0" lvl="0" indent="0" algn="l" rtl="0">
               <a:lnSpc>
                 <a:spcPct val="115000"/>
               </a:lnSpc>
@@ -12286,7 +12293,7 @@
             </a:endParaRPr>
           </a:p>
           <a:p>
-            <a:pPr indent="0" lvl="0" marL="0" rtl="0" algn="l">
+            <a:pPr marL="0" lvl="0" indent="0" algn="l" rtl="0">
               <a:lnSpc>
                 <a:spcPct val="115000"/>
               </a:lnSpc>
@@ -12318,7 +12325,7 @@
             </a:endParaRPr>
           </a:p>
           <a:p>
-            <a:pPr indent="0" lvl="0" marL="0" rtl="0" algn="l">
+            <a:pPr marL="0" lvl="0" indent="0" algn="l" rtl="0">
               <a:lnSpc>
                 <a:spcPct val="115000"/>
               </a:lnSpc>
@@ -12332,9 +12339,6 @@
               <a:buFont typeface="Arial"/>
               <a:buNone/>
             </a:pPr>
-            <a:r>
-              <a:t/>
-            </a:r>
             <a:endParaRPr/>
           </a:p>
         </p:txBody>
@@ -12359,12 +12363,12 @@
           </a:ln>
         </p:spPr>
         <p:txBody>
-          <a:bodyPr anchorCtr="0" anchor="t" bIns="91425" lIns="91425" spcFirstLastPara="1" rIns="91425" wrap="square" tIns="91425">
+          <a:bodyPr spcFirstLastPara="1" wrap="square" lIns="91425" tIns="91425" rIns="91425" bIns="91425" anchor="t" anchorCtr="0">
             <a:noAutofit/>
           </a:bodyPr>
           <a:lstStyle/>
           <a:p>
-            <a:pPr indent="0" lvl="0" marL="0" marR="0" rtl="0" algn="l">
+            <a:pPr marL="0" marR="0" lvl="0" indent="0" algn="l" rtl="0">
               <a:lnSpc>
                 <a:spcPct val="115000"/>
               </a:lnSpc>
@@ -12382,7 +12386,7 @@
               <a:buNone/>
             </a:pPr>
             <a:r>
-              <a:rPr b="1" i="0" lang="en" sz="1400" u="none" cap="none" strike="noStrike">
+              <a:rPr lang="en" sz="1400" b="1" i="0" u="none" strike="noStrike" cap="none">
                 <a:solidFill>
                   <a:schemeClr val="dk1"/>
                 </a:solidFill>
@@ -12393,7 +12397,7 @@
               </a:rPr>
               <a:t>☞ Data science is the discipline of the extraction of knowledge from data.</a:t>
             </a:r>
-            <a:endParaRPr b="1" i="0" sz="1400" u="none" cap="none" strike="noStrike">
+            <a:endParaRPr sz="1400" b="1" i="0" u="none" strike="noStrike" cap="none">
               <a:solidFill>
                 <a:srgbClr val="000000"/>
               </a:solidFill>
@@ -12415,7 +12419,7 @@
           <a:blip r:embed="rId3">
             <a:alphaModFix/>
           </a:blip>
-          <a:srcRect b="0" l="0" r="0" t="0"/>
+          <a:srcRect/>
           <a:stretch/>
         </p:blipFill>
         <p:spPr>
@@ -12445,30 +12449,30 @@
           </a:xfrm>
           <a:prstGeom prst="rightArrow">
             <a:avLst>
-              <a:gd fmla="val 50000" name="adj1"/>
-              <a:gd fmla="val 50000" name="adj2"/>
+              <a:gd name="adj1" fmla="val 50000"/>
+              <a:gd name="adj2" fmla="val 50000"/>
             </a:avLst>
           </a:prstGeom>
           <a:solidFill>
             <a:srgbClr val="FF0000"/>
           </a:solidFill>
-          <a:ln cap="flat" cmpd="sng" w="9525">
+          <a:ln w="9525" cap="flat" cmpd="sng">
             <a:solidFill>
               <a:schemeClr val="dk2"/>
             </a:solidFill>
             <a:prstDash val="solid"/>
             <a:round/>
-            <a:headEnd len="sm" w="sm" type="none"/>
-            <a:tailEnd len="sm" w="sm" type="none"/>
+            <a:headEnd type="none" w="sm" len="sm"/>
+            <a:tailEnd type="none" w="sm" len="sm"/>
           </a:ln>
         </p:spPr>
         <p:txBody>
-          <a:bodyPr anchorCtr="0" anchor="ctr" bIns="91425" lIns="91425" spcFirstLastPara="1" rIns="91425" wrap="square" tIns="91425">
+          <a:bodyPr spcFirstLastPara="1" wrap="square" lIns="91425" tIns="91425" rIns="91425" bIns="91425" anchor="ctr" anchorCtr="0">
             <a:noAutofit/>
           </a:bodyPr>
           <a:lstStyle/>
           <a:p>
-            <a:pPr indent="0" lvl="0" marL="0" marR="0" rtl="0" algn="l">
+            <a:pPr marL="0" marR="0" lvl="0" indent="0" algn="l" rtl="0">
               <a:lnSpc>
                 <a:spcPct val="100000"/>
               </a:lnSpc>
@@ -12485,10 +12489,7 @@
               <a:buFont typeface="Arial"/>
               <a:buNone/>
             </a:pPr>
-            <a:r>
-              <a:t/>
-            </a:r>
-            <a:endParaRPr b="0" i="0" sz="1400" u="none" cap="none" strike="noStrike">
+            <a:endParaRPr sz="1400" b="0" i="0" u="none" strike="noStrike" cap="none">
               <a:solidFill>
                 <a:srgbClr val="000000"/>
               </a:solidFill>
@@ -12509,7 +12510,288 @@
 </file>
 
 <file path=ppt/theme/theme1.xml><?xml version="1.0" encoding="utf-8"?>
-<a:theme xmlns:a="http://schemas.openxmlformats.org/drawingml/2006/main" xmlns:r="http://schemas.openxmlformats.org/officeDocument/2006/relationships" name="Custom Theme">
+<a:theme xmlns:a="http://schemas.openxmlformats.org/drawingml/2006/main" name="Simple Light">
+  <a:themeElements>
+    <a:clrScheme name="Simple Light">
+      <a:dk1>
+        <a:srgbClr val="000000"/>
+      </a:dk1>
+      <a:lt1>
+        <a:srgbClr val="FFFFFF"/>
+      </a:lt1>
+      <a:dk2>
+        <a:srgbClr val="595959"/>
+      </a:dk2>
+      <a:lt2>
+        <a:srgbClr val="EEEEEE"/>
+      </a:lt2>
+      <a:accent1>
+        <a:srgbClr val="FFAB40"/>
+      </a:accent1>
+      <a:accent2>
+        <a:srgbClr val="212121"/>
+      </a:accent2>
+      <a:accent3>
+        <a:srgbClr val="78909C"/>
+      </a:accent3>
+      <a:accent4>
+        <a:srgbClr val="FFAB40"/>
+      </a:accent4>
+      <a:accent5>
+        <a:srgbClr val="0097A7"/>
+      </a:accent5>
+      <a:accent6>
+        <a:srgbClr val="EEFF41"/>
+      </a:accent6>
+      <a:hlink>
+        <a:srgbClr val="0097A7"/>
+      </a:hlink>
+      <a:folHlink>
+        <a:srgbClr val="0097A7"/>
+      </a:folHlink>
+    </a:clrScheme>
+    <a:fontScheme name="Office">
+      <a:majorFont>
+        <a:latin typeface="Arial"/>
+        <a:ea typeface=""/>
+        <a:cs typeface=""/>
+        <a:font script="Jpan" typeface="ＭＳ Ｐゴシック"/>
+        <a:font script="Hang" typeface="맑은 고딕"/>
+        <a:font script="Hans" typeface="宋体"/>
+        <a:font script="Hant" typeface="新細明體"/>
+        <a:font script="Arab" typeface="Times New Roman"/>
+        <a:font script="Hebr" typeface="Times New Roman"/>
+        <a:font script="Thai" typeface="Angsana New"/>
+        <a:font script="Ethi" typeface="Nyala"/>
+        <a:font script="Beng" typeface="Vrinda"/>
+        <a:font script="Gujr" typeface="Shruti"/>
+        <a:font script="Khmr" typeface="MoolBoran"/>
+        <a:font script="Knda" typeface="Tunga"/>
+        <a:font script="Guru" typeface="Raavi"/>
+        <a:font script="Cans" typeface="Euphemia"/>
+        <a:font script="Cher" typeface="Plantagenet Cherokee"/>
+        <a:font script="Yiii" typeface="Microsoft Yi Baiti"/>
+        <a:font script="Tibt" typeface="Microsoft Himalaya"/>
+        <a:font script="Thaa" typeface="MV Boli"/>
+        <a:font script="Deva" typeface="Mangal"/>
+        <a:font script="Telu" typeface="Gautami"/>
+        <a:font script="Taml" typeface="Latha"/>
+        <a:font script="Syrc" typeface="Estrangelo Edessa"/>
+        <a:font script="Orya" typeface="Kalinga"/>
+        <a:font script="Mlym" typeface="Kartika"/>
+        <a:font script="Laoo" typeface="DokChampa"/>
+        <a:font script="Sinh" typeface="Iskoola Pota"/>
+        <a:font script="Mong" typeface="Mongolian Baiti"/>
+        <a:font script="Viet" typeface="Times New Roman"/>
+        <a:font script="Uigh" typeface="Microsoft Uighur"/>
+        <a:font script="Geor" typeface="Sylfaen"/>
+      </a:majorFont>
+      <a:minorFont>
+        <a:latin typeface="Arial"/>
+        <a:ea typeface=""/>
+        <a:cs typeface=""/>
+        <a:font script="Jpan" typeface="ＭＳ Ｐゴシック"/>
+        <a:font script="Hang" typeface="맑은 고딕"/>
+        <a:font script="Hans" typeface="宋体"/>
+        <a:font script="Hant" typeface="新細明體"/>
+        <a:font script="Arab" typeface="Arial"/>
+        <a:font script="Hebr" typeface="Arial"/>
+        <a:font script="Thai" typeface="Cordia New"/>
+        <a:font script="Ethi" typeface="Nyala"/>
+        <a:font script="Beng" typeface="Vrinda"/>
+        <a:font script="Gujr" typeface="Shruti"/>
+        <a:font script="Khmr" typeface="DaunPenh"/>
+        <a:font script="Knda" typeface="Tunga"/>
+        <a:font script="Guru" typeface="Raavi"/>
+        <a:font script="Cans" typeface="Euphemia"/>
+        <a:font script="Cher" typeface="Plantagenet Cherokee"/>
+        <a:font script="Yiii" typeface="Microsoft Yi Baiti"/>
+        <a:font script="Tibt" typeface="Microsoft Himalaya"/>
+        <a:font script="Thaa" typeface="MV Boli"/>
+        <a:font script="Deva" typeface="Mangal"/>
+        <a:font script="Telu" typeface="Gautami"/>
+        <a:font script="Taml" typeface="Latha"/>
+        <a:font script="Syrc" typeface="Estrangelo Edessa"/>
+        <a:font script="Orya" typeface="Kalinga"/>
+        <a:font script="Mlym" typeface="Kartika"/>
+        <a:font script="Laoo" typeface="DokChampa"/>
+        <a:font script="Sinh" typeface="Iskoola Pota"/>
+        <a:font script="Mong" typeface="Mongolian Baiti"/>
+        <a:font script="Viet" typeface="Arial"/>
+        <a:font script="Uigh" typeface="Microsoft Uighur"/>
+        <a:font script="Geor" typeface="Sylfaen"/>
+      </a:minorFont>
+    </a:fontScheme>
+    <a:fmtScheme name="Office">
+      <a:fillStyleLst>
+        <a:solidFill>
+          <a:schemeClr val="phClr"/>
+        </a:solidFill>
+        <a:gradFill rotWithShape="1">
+          <a:gsLst>
+            <a:gs pos="0">
+              <a:schemeClr val="phClr">
+                <a:tint val="50000"/>
+                <a:satMod val="300000"/>
+              </a:schemeClr>
+            </a:gs>
+            <a:gs pos="35000">
+              <a:schemeClr val="phClr">
+                <a:tint val="37000"/>
+                <a:satMod val="300000"/>
+              </a:schemeClr>
+            </a:gs>
+            <a:gs pos="100000">
+              <a:schemeClr val="phClr">
+                <a:tint val="15000"/>
+                <a:satMod val="350000"/>
+              </a:schemeClr>
+            </a:gs>
+          </a:gsLst>
+          <a:lin ang="16200000" scaled="1"/>
+        </a:gradFill>
+        <a:gradFill rotWithShape="1">
+          <a:gsLst>
+            <a:gs pos="0">
+              <a:schemeClr val="phClr">
+                <a:tint val="100000"/>
+                <a:shade val="100000"/>
+                <a:satMod val="130000"/>
+              </a:schemeClr>
+            </a:gs>
+            <a:gs pos="100000">
+              <a:schemeClr val="phClr">
+                <a:tint val="50000"/>
+                <a:shade val="100000"/>
+                <a:satMod val="350000"/>
+              </a:schemeClr>
+            </a:gs>
+          </a:gsLst>
+          <a:lin ang="16200000" scaled="0"/>
+        </a:gradFill>
+      </a:fillStyleLst>
+      <a:lnStyleLst>
+        <a:ln w="9525" cap="flat" cmpd="sng" algn="ctr">
+          <a:solidFill>
+            <a:schemeClr val="phClr">
+              <a:shade val="95000"/>
+              <a:satMod val="105000"/>
+            </a:schemeClr>
+          </a:solidFill>
+          <a:prstDash val="solid"/>
+        </a:ln>
+        <a:ln w="25400" cap="flat" cmpd="sng" algn="ctr">
+          <a:solidFill>
+            <a:schemeClr val="phClr"/>
+          </a:solidFill>
+          <a:prstDash val="solid"/>
+        </a:ln>
+        <a:ln w="38100" cap="flat" cmpd="sng" algn="ctr">
+          <a:solidFill>
+            <a:schemeClr val="phClr"/>
+          </a:solidFill>
+          <a:prstDash val="solid"/>
+        </a:ln>
+      </a:lnStyleLst>
+      <a:effectStyleLst>
+        <a:effectStyle>
+          <a:effectLst>
+            <a:outerShdw blurRad="40000" dist="20000" dir="5400000" rotWithShape="0">
+              <a:srgbClr val="000000">
+                <a:alpha val="38000"/>
+              </a:srgbClr>
+            </a:outerShdw>
+          </a:effectLst>
+        </a:effectStyle>
+        <a:effectStyle>
+          <a:effectLst>
+            <a:outerShdw blurRad="40000" dist="23000" dir="5400000" rotWithShape="0">
+              <a:srgbClr val="000000">
+                <a:alpha val="35000"/>
+              </a:srgbClr>
+            </a:outerShdw>
+          </a:effectLst>
+        </a:effectStyle>
+        <a:effectStyle>
+          <a:effectLst>
+            <a:outerShdw blurRad="40000" dist="23000" dir="5400000" rotWithShape="0">
+              <a:srgbClr val="000000">
+                <a:alpha val="35000"/>
+              </a:srgbClr>
+            </a:outerShdw>
+          </a:effectLst>
+          <a:scene3d>
+            <a:camera prst="orthographicFront">
+              <a:rot lat="0" lon="0" rev="0"/>
+            </a:camera>
+            <a:lightRig rig="threePt" dir="t">
+              <a:rot lat="0" lon="0" rev="1200000"/>
+            </a:lightRig>
+          </a:scene3d>
+          <a:sp3d>
+            <a:bevelT w="63500" h="25400"/>
+          </a:sp3d>
+        </a:effectStyle>
+      </a:effectStyleLst>
+      <a:bgFillStyleLst>
+        <a:solidFill>
+          <a:schemeClr val="phClr"/>
+        </a:solidFill>
+        <a:gradFill rotWithShape="1">
+          <a:gsLst>
+            <a:gs pos="0">
+              <a:schemeClr val="phClr">
+                <a:tint val="40000"/>
+                <a:satMod val="350000"/>
+              </a:schemeClr>
+            </a:gs>
+            <a:gs pos="40000">
+              <a:schemeClr val="phClr">
+                <a:tint val="45000"/>
+                <a:shade val="99000"/>
+                <a:satMod val="350000"/>
+              </a:schemeClr>
+            </a:gs>
+            <a:gs pos="100000">
+              <a:schemeClr val="phClr">
+                <a:shade val="20000"/>
+                <a:satMod val="255000"/>
+              </a:schemeClr>
+            </a:gs>
+          </a:gsLst>
+          <a:path path="circle">
+            <a:fillToRect l="50000" t="-80000" r="50000" b="180000"/>
+          </a:path>
+        </a:gradFill>
+        <a:gradFill rotWithShape="1">
+          <a:gsLst>
+            <a:gs pos="0">
+              <a:schemeClr val="phClr">
+                <a:tint val="80000"/>
+                <a:satMod val="300000"/>
+              </a:schemeClr>
+            </a:gs>
+            <a:gs pos="100000">
+              <a:schemeClr val="phClr">
+                <a:shade val="30000"/>
+                <a:satMod val="200000"/>
+              </a:schemeClr>
+            </a:gs>
+          </a:gsLst>
+          <a:path path="circle">
+            <a:fillToRect l="50000" t="50000" r="50000" b="50000"/>
+          </a:path>
+        </a:gradFill>
+      </a:bgFillStyleLst>
+    </a:fmtScheme>
+  </a:themeElements>
+  <a:objectDefaults/>
+  <a:extraClrSchemeLst/>
+</a:theme>
+</file>
+
+<file path=ppt/theme/theme2.xml><?xml version="1.0" encoding="utf-8"?>
+<a:theme xmlns:a="http://schemas.openxmlformats.org/drawingml/2006/main" name="Custom Theme">
   <a:themeElements>
     <a:clrScheme name="Default">
       <a:dk1>
@@ -12784,284 +13066,7 @@
       </a:bgFillStyleLst>
     </a:fmtScheme>
   </a:themeElements>
-</a:theme>
-</file>
-
-<file path=ppt/theme/theme2.xml><?xml version="1.0" encoding="utf-8"?>
-<a:theme xmlns:a="http://schemas.openxmlformats.org/drawingml/2006/main" xmlns:r="http://schemas.openxmlformats.org/officeDocument/2006/relationships" name="Simple Light">
-  <a:themeElements>
-    <a:clrScheme name="Simple Light">
-      <a:dk1>
-        <a:srgbClr val="000000"/>
-      </a:dk1>
-      <a:lt1>
-        <a:srgbClr val="FFFFFF"/>
-      </a:lt1>
-      <a:dk2>
-        <a:srgbClr val="595959"/>
-      </a:dk2>
-      <a:lt2>
-        <a:srgbClr val="EEEEEE"/>
-      </a:lt2>
-      <a:accent1>
-        <a:srgbClr val="FFAB40"/>
-      </a:accent1>
-      <a:accent2>
-        <a:srgbClr val="212121"/>
-      </a:accent2>
-      <a:accent3>
-        <a:srgbClr val="78909C"/>
-      </a:accent3>
-      <a:accent4>
-        <a:srgbClr val="FFAB40"/>
-      </a:accent4>
-      <a:accent5>
-        <a:srgbClr val="0097A7"/>
-      </a:accent5>
-      <a:accent6>
-        <a:srgbClr val="EEFF41"/>
-      </a:accent6>
-      <a:hlink>
-        <a:srgbClr val="0097A7"/>
-      </a:hlink>
-      <a:folHlink>
-        <a:srgbClr val="0097A7"/>
-      </a:folHlink>
-    </a:clrScheme>
-    <a:fontScheme name="Office">
-      <a:majorFont>
-        <a:latin typeface="Arial"/>
-        <a:ea typeface=""/>
-        <a:cs typeface=""/>
-        <a:font script="Jpan" typeface="ＭＳ Ｐゴシック"/>
-        <a:font script="Hang" typeface="맑은 고딕"/>
-        <a:font script="Hans" typeface="宋体"/>
-        <a:font script="Hant" typeface="新細明體"/>
-        <a:font script="Arab" typeface="Times New Roman"/>
-        <a:font script="Hebr" typeface="Times New Roman"/>
-        <a:font script="Thai" typeface="Angsana New"/>
-        <a:font script="Ethi" typeface="Nyala"/>
-        <a:font script="Beng" typeface="Vrinda"/>
-        <a:font script="Gujr" typeface="Shruti"/>
-        <a:font script="Khmr" typeface="MoolBoran"/>
-        <a:font script="Knda" typeface="Tunga"/>
-        <a:font script="Guru" typeface="Raavi"/>
-        <a:font script="Cans" typeface="Euphemia"/>
-        <a:font script="Cher" typeface="Plantagenet Cherokee"/>
-        <a:font script="Yiii" typeface="Microsoft Yi Baiti"/>
-        <a:font script="Tibt" typeface="Microsoft Himalaya"/>
-        <a:font script="Thaa" typeface="MV Boli"/>
-        <a:font script="Deva" typeface="Mangal"/>
-        <a:font script="Telu" typeface="Gautami"/>
-        <a:font script="Taml" typeface="Latha"/>
-        <a:font script="Syrc" typeface="Estrangelo Edessa"/>
-        <a:font script="Orya" typeface="Kalinga"/>
-        <a:font script="Mlym" typeface="Kartika"/>
-        <a:font script="Laoo" typeface="DokChampa"/>
-        <a:font script="Sinh" typeface="Iskoola Pota"/>
-        <a:font script="Mong" typeface="Mongolian Baiti"/>
-        <a:font script="Viet" typeface="Times New Roman"/>
-        <a:font script="Uigh" typeface="Microsoft Uighur"/>
-        <a:font script="Geor" typeface="Sylfaen"/>
-      </a:majorFont>
-      <a:minorFont>
-        <a:latin typeface="Arial"/>
-        <a:ea typeface=""/>
-        <a:cs typeface=""/>
-        <a:font script="Jpan" typeface="ＭＳ Ｐゴシック"/>
-        <a:font script="Hang" typeface="맑은 고딕"/>
-        <a:font script="Hans" typeface="宋体"/>
-        <a:font script="Hant" typeface="新細明體"/>
-        <a:font script="Arab" typeface="Arial"/>
-        <a:font script="Hebr" typeface="Arial"/>
-        <a:font script="Thai" typeface="Cordia New"/>
-        <a:font script="Ethi" typeface="Nyala"/>
-        <a:font script="Beng" typeface="Vrinda"/>
-        <a:font script="Gujr" typeface="Shruti"/>
-        <a:font script="Khmr" typeface="DaunPenh"/>
-        <a:font script="Knda" typeface="Tunga"/>
-        <a:font script="Guru" typeface="Raavi"/>
-        <a:font script="Cans" typeface="Euphemia"/>
-        <a:font script="Cher" typeface="Plantagenet Cherokee"/>
-        <a:font script="Yiii" typeface="Microsoft Yi Baiti"/>
-        <a:font script="Tibt" typeface="Microsoft Himalaya"/>
-        <a:font script="Thaa" typeface="MV Boli"/>
-        <a:font script="Deva" typeface="Mangal"/>
-        <a:font script="Telu" typeface="Gautami"/>
-        <a:font script="Taml" typeface="Latha"/>
-        <a:font script="Syrc" typeface="Estrangelo Edessa"/>
-        <a:font script="Orya" typeface="Kalinga"/>
-        <a:font script="Mlym" typeface="Kartika"/>
-        <a:font script="Laoo" typeface="DokChampa"/>
-        <a:font script="Sinh" typeface="Iskoola Pota"/>
-        <a:font script="Mong" typeface="Mongolian Baiti"/>
-        <a:font script="Viet" typeface="Arial"/>
-        <a:font script="Uigh" typeface="Microsoft Uighur"/>
-        <a:font script="Geor" typeface="Sylfaen"/>
-      </a:minorFont>
-    </a:fontScheme>
-    <a:fmtScheme name="Office">
-      <a:fillStyleLst>
-        <a:solidFill>
-          <a:schemeClr val="phClr"/>
-        </a:solidFill>
-        <a:gradFill rotWithShape="1">
-          <a:gsLst>
-            <a:gs pos="0">
-              <a:schemeClr val="phClr">
-                <a:tint val="50000"/>
-                <a:satMod val="300000"/>
-              </a:schemeClr>
-            </a:gs>
-            <a:gs pos="35000">
-              <a:schemeClr val="phClr">
-                <a:tint val="37000"/>
-                <a:satMod val="300000"/>
-              </a:schemeClr>
-            </a:gs>
-            <a:gs pos="100000">
-              <a:schemeClr val="phClr">
-                <a:tint val="15000"/>
-                <a:satMod val="350000"/>
-              </a:schemeClr>
-            </a:gs>
-          </a:gsLst>
-          <a:lin ang="16200000" scaled="1"/>
-        </a:gradFill>
-        <a:gradFill rotWithShape="1">
-          <a:gsLst>
-            <a:gs pos="0">
-              <a:schemeClr val="phClr">
-                <a:tint val="100000"/>
-                <a:shade val="100000"/>
-                <a:satMod val="130000"/>
-              </a:schemeClr>
-            </a:gs>
-            <a:gs pos="100000">
-              <a:schemeClr val="phClr">
-                <a:tint val="50000"/>
-                <a:shade val="100000"/>
-                <a:satMod val="350000"/>
-              </a:schemeClr>
-            </a:gs>
-          </a:gsLst>
-          <a:lin ang="16200000" scaled="0"/>
-        </a:gradFill>
-      </a:fillStyleLst>
-      <a:lnStyleLst>
-        <a:ln w="9525" cap="flat" cmpd="sng" algn="ctr">
-          <a:solidFill>
-            <a:schemeClr val="phClr">
-              <a:shade val="95000"/>
-              <a:satMod val="105000"/>
-            </a:schemeClr>
-          </a:solidFill>
-          <a:prstDash val="solid"/>
-        </a:ln>
-        <a:ln w="25400" cap="flat" cmpd="sng" algn="ctr">
-          <a:solidFill>
-            <a:schemeClr val="phClr"/>
-          </a:solidFill>
-          <a:prstDash val="solid"/>
-        </a:ln>
-        <a:ln w="38100" cap="flat" cmpd="sng" algn="ctr">
-          <a:solidFill>
-            <a:schemeClr val="phClr"/>
-          </a:solidFill>
-          <a:prstDash val="solid"/>
-        </a:ln>
-      </a:lnStyleLst>
-      <a:effectStyleLst>
-        <a:effectStyle>
-          <a:effectLst>
-            <a:outerShdw blurRad="40000" dist="20000" dir="5400000" rotWithShape="0">
-              <a:srgbClr val="000000">
-                <a:alpha val="38000"/>
-              </a:srgbClr>
-            </a:outerShdw>
-          </a:effectLst>
-        </a:effectStyle>
-        <a:effectStyle>
-          <a:effectLst>
-            <a:outerShdw blurRad="40000" dist="23000" dir="5400000" rotWithShape="0">
-              <a:srgbClr val="000000">
-                <a:alpha val="35000"/>
-              </a:srgbClr>
-            </a:outerShdw>
-          </a:effectLst>
-        </a:effectStyle>
-        <a:effectStyle>
-          <a:effectLst>
-            <a:outerShdw blurRad="40000" dist="23000" dir="5400000" rotWithShape="0">
-              <a:srgbClr val="000000">
-                <a:alpha val="35000"/>
-              </a:srgbClr>
-            </a:outerShdw>
-          </a:effectLst>
-          <a:scene3d>
-            <a:camera prst="orthographicFront">
-              <a:rot lat="0" lon="0" rev="0"/>
-            </a:camera>
-            <a:lightRig rig="threePt" dir="t">
-              <a:rot lat="0" lon="0" rev="1200000"/>
-            </a:lightRig>
-          </a:scene3d>
-          <a:sp3d>
-            <a:bevelT w="63500" h="25400"/>
-          </a:sp3d>
-        </a:effectStyle>
-      </a:effectStyleLst>
-      <a:bgFillStyleLst>
-        <a:solidFill>
-          <a:schemeClr val="phClr"/>
-        </a:solidFill>
-        <a:gradFill rotWithShape="1">
-          <a:gsLst>
-            <a:gs pos="0">
-              <a:schemeClr val="phClr">
-                <a:tint val="40000"/>
-                <a:satMod val="350000"/>
-              </a:schemeClr>
-            </a:gs>
-            <a:gs pos="40000">
-              <a:schemeClr val="phClr">
-                <a:tint val="45000"/>
-                <a:shade val="99000"/>
-                <a:satMod val="350000"/>
-              </a:schemeClr>
-            </a:gs>
-            <a:gs pos="100000">
-              <a:schemeClr val="phClr">
-                <a:shade val="20000"/>
-                <a:satMod val="255000"/>
-              </a:schemeClr>
-            </a:gs>
-          </a:gsLst>
-          <a:path path="circle">
-            <a:fillToRect l="50000" t="-80000" r="50000" b="180000"/>
-          </a:path>
-        </a:gradFill>
-        <a:gradFill rotWithShape="1">
-          <a:gsLst>
-            <a:gs pos="0">
-              <a:schemeClr val="phClr">
-                <a:tint val="80000"/>
-                <a:satMod val="300000"/>
-              </a:schemeClr>
-            </a:gs>
-            <a:gs pos="100000">
-              <a:schemeClr val="phClr">
-                <a:shade val="30000"/>
-                <a:satMod val="200000"/>
-              </a:schemeClr>
-            </a:gs>
-          </a:gsLst>
-          <a:path path="circle">
-            <a:fillToRect l="50000" t="50000" r="50000" b="50000"/>
-          </a:path>
-        </a:gradFill>
-      </a:bgFillStyleLst>
-    </a:fmtScheme>
-  </a:themeElements>
+  <a:objectDefaults/>
+  <a:extraClrSchemeLst/>
 </a:theme>
 </file>
--- a/notes/01-What-is-Data-Science.pptx
+++ b/notes/01-What-is-Data-Science.pptx
@@ -252,8 +252,11 @@
     </a:lvl9pPr>
   </p:defaultTextStyle>
   <p:extLst>
+    <p:ext uri="{EFAFB233-063F-42B5-8137-9DF3F51BA10A}">
+      <p15:sldGuideLst xmlns:p15="http://schemas.microsoft.com/office/powerpoint/2012/main"/>
+    </p:ext>
     <p:ext uri="http://customooxmlschemas.google.com/">
-      <go:slidesCustomData xmlns:go="http://customooxmlschemas.google.com/" xmlns:ahyp="http://schemas.microsoft.com/office/drawing/2018/hyperlinkcolor" xmlns:p15="http://schemas.microsoft.com/office/powerpoint/2012/main" xmlns:p14="http://schemas.microsoft.com/office/powerpoint/2010/main" xmlns:com="http://schemas.openxmlformats.org/drawingml/2006/compatibility" xmlns:pvml="urn:schemas-microsoft-com:office:powerpoint" xmlns:v="urn:schemas-microsoft-com:vml" xmlns:o="urn:schemas-microsoft-com:office:office" xmlns:dgm="http://schemas.openxmlformats.org/drawingml/2006/diagram" xmlns:c="http://schemas.openxmlformats.org/drawingml/2006/chart" xmlns:mv="urn:schemas-microsoft-com:mac:vml" xmlns:mc="http://schemas.openxmlformats.org/markup-compatibility/2006" xmlns="" r:id="rId16" roundtripDataSignature="AMtx7mgV2tuNOZf2BqOUAIU2qMV//eIKbg=="/>
+      <go:slidesCustomData xmlns="" xmlns:mc="http://schemas.openxmlformats.org/markup-compatibility/2006" xmlns:mv="urn:schemas-microsoft-com:mac:vml" xmlns:c="http://schemas.openxmlformats.org/drawingml/2006/chart" xmlns:dgm="http://schemas.openxmlformats.org/drawingml/2006/diagram" xmlns:o="urn:schemas-microsoft-com:office:office" xmlns:v="urn:schemas-microsoft-com:vml" xmlns:pvml="urn:schemas-microsoft-com:office:powerpoint" xmlns:com="http://schemas.openxmlformats.org/drawingml/2006/compatibility" xmlns:p14="http://schemas.microsoft.com/office/powerpoint/2010/main" xmlns:p15="http://schemas.microsoft.com/office/powerpoint/2012/main" xmlns:ahyp="http://schemas.microsoft.com/office/drawing/2018/hyperlinkcolor" xmlns:go="http://customooxmlschemas.google.com/" r:id="rId16" roundtripDataSignature="AMtx7mgV2tuNOZf2BqOUAIU2qMV//eIKbg=="/>
     </p:ext>
   </p:extLst>
 </p:presentation>
@@ -9891,6 +9894,27 @@
               <a:rPr lang="en" dirty="0"/>
               <a:t>)</a:t>
             </a:r>
+          </a:p>
+          <a:p>
+            <a:pPr lvl="2">
+              <a:spcBef>
+                <a:spcPts val="0"/>
+              </a:spcBef>
+              <a:buFont typeface="Arial"/>
+              <a:buChar char="○"/>
+            </a:pPr>
+            <a:r>
+              <a:rPr lang="en-US" dirty="0">
+                <a:hlinkClick r:id="rId5"/>
+              </a:rPr>
+              <a:t>https://brightspace.uri.edu/d2l/home</a:t>
+            </a:r>
+            <a:r>
+              <a:rPr lang="en-US">
+                <a:hlinkClick r:id="rId5"/>
+              </a:rPr>
+              <a:t>/174755</a:t>
+            </a:r>
             <a:endParaRPr dirty="0"/>
           </a:p>
           <a:p>
@@ -9923,17 +9947,11 @@
             </a:pPr>
             <a:r>
               <a:rPr lang="en-US" dirty="0">
-                <a:hlinkClick r:id="rId5"/>
+                <a:hlinkClick r:id="rId6"/>
               </a:rPr>
-              <a:t>g</a:t>
+              <a:t>https://lutzhamel.github.io/CSC310/</a:t>
             </a:r>
-            <a:r>
-              <a:rPr lang="en" dirty="0">
-                <a:hlinkClick r:id="rId5"/>
-              </a:rPr>
-              <a:t>ithub.com/lutzhamel/ds-notes</a:t>
-            </a:r>
-            <a:endParaRPr lang="en" dirty="0"/>
+            <a:endParaRPr lang="en-US" dirty="0"/>
           </a:p>
           <a:p>
             <a:pPr lvl="1">
@@ -9956,7 +9974,7 @@
             </a:pPr>
             <a:r>
               <a:rPr lang="en" dirty="0">
-                <a:hlinkClick r:id="rId6"/>
+                <a:hlinkClick r:id="rId7"/>
               </a:rPr>
               <a:t>Python Data Science Handbook</a:t>
             </a:r>
@@ -9971,7 +9989,7 @@
           <p:nvPr/>
         </p:nvPicPr>
         <p:blipFill rotWithShape="1">
-          <a:blip r:embed="rId7">
+          <a:blip r:embed="rId8">
             <a:alphaModFix/>
           </a:blip>
           <a:srcRect/>

--- a/notes/01-What-is-Data-Science.pptx
+++ b/notes/01-What-is-Data-Science.pptx
@@ -256,7 +256,7 @@
       <p15:sldGuideLst xmlns:p15="http://schemas.microsoft.com/office/powerpoint/2012/main"/>
     </p:ext>
     <p:ext uri="http://customooxmlschemas.google.com/">
-      <go:slidesCustomData xmlns="" xmlns:mc="http://schemas.openxmlformats.org/markup-compatibility/2006" xmlns:mv="urn:schemas-microsoft-com:mac:vml" xmlns:c="http://schemas.openxmlformats.org/drawingml/2006/chart" xmlns:dgm="http://schemas.openxmlformats.org/drawingml/2006/diagram" xmlns:o="urn:schemas-microsoft-com:office:office" xmlns:v="urn:schemas-microsoft-com:vml" xmlns:pvml="urn:schemas-microsoft-com:office:powerpoint" xmlns:com="http://schemas.openxmlformats.org/drawingml/2006/compatibility" xmlns:p14="http://schemas.microsoft.com/office/powerpoint/2010/main" xmlns:p15="http://schemas.microsoft.com/office/powerpoint/2012/main" xmlns:ahyp="http://schemas.microsoft.com/office/drawing/2018/hyperlinkcolor" xmlns:go="http://customooxmlschemas.google.com/" r:id="rId16" roundtripDataSignature="AMtx7mgV2tuNOZf2BqOUAIU2qMV//eIKbg=="/>
+      <go:slidesCustomData xmlns:go="http://customooxmlschemas.google.com/" xmlns:ahyp="http://schemas.microsoft.com/office/drawing/2018/hyperlinkcolor" xmlns:p15="http://schemas.microsoft.com/office/powerpoint/2012/main" xmlns:p14="http://schemas.microsoft.com/office/powerpoint/2010/main" xmlns:com="http://schemas.openxmlformats.org/drawingml/2006/compatibility" xmlns:pvml="urn:schemas-microsoft-com:office:powerpoint" xmlns:v="urn:schemas-microsoft-com:vml" xmlns:o="urn:schemas-microsoft-com:office:office" xmlns:dgm="http://schemas.openxmlformats.org/drawingml/2006/diagram" xmlns:c="http://schemas.openxmlformats.org/drawingml/2006/chart" xmlns:mv="urn:schemas-microsoft-com:mac:vml" xmlns:mc="http://schemas.openxmlformats.org/markup-compatibility/2006" xmlns="" r:id="rId16" roundtripDataSignature="AMtx7mgV2tuNOZf2BqOUAIU2qMV//eIKbg=="/>
     </p:ext>
   </p:extLst>
 </p:presentation>
@@ -9884,15 +9884,7 @@
             </a:pPr>
             <a:r>
               <a:rPr lang="en" dirty="0"/>
-              <a:t>Assignments &amp; Gradebook &amp; Syllabus (</a:t>
-            </a:r>
-            <a:r>
-              <a:rPr lang="en" dirty="0" err="1"/>
-              <a:t>BrightSpace</a:t>
-            </a:r>
-            <a:r>
-              <a:rPr lang="en" dirty="0"/>
-              <a:t>)</a:t>
+              <a:t>Assignments &amp; Gradebook &amp; Syllabus</a:t>
             </a:r>
           </a:p>
           <a:p>
@@ -9904,16 +9896,8 @@
               <a:buChar char="○"/>
             </a:pPr>
             <a:r>
-              <a:rPr lang="en-US" dirty="0">
-                <a:hlinkClick r:id="rId5"/>
-              </a:rPr>
-              <a:t>https://brightspace.uri.edu/d2l/home</a:t>
-            </a:r>
-            <a:r>
-              <a:rPr lang="en-US">
-                <a:hlinkClick r:id="rId5"/>
-              </a:rPr>
-              <a:t>/174755</a:t>
+              <a:rPr lang="en-US" dirty="0" err="1"/>
+              <a:t>BrightSpace</a:t>
             </a:r>
             <a:endParaRPr dirty="0"/>
           </a:p>
@@ -9947,7 +9931,7 @@
             </a:pPr>
             <a:r>
               <a:rPr lang="en-US" dirty="0">
-                <a:hlinkClick r:id="rId6"/>
+                <a:hlinkClick r:id="rId5"/>
               </a:rPr>
               <a:t>https://lutzhamel.github.io/CSC310/</a:t>
             </a:r>
@@ -9974,7 +9958,7 @@
             </a:pPr>
             <a:r>
               <a:rPr lang="en" dirty="0">
-                <a:hlinkClick r:id="rId7"/>
+                <a:hlinkClick r:id="rId6"/>
               </a:rPr>
               <a:t>Python Data Science Handbook</a:t>
             </a:r>
@@ -9989,7 +9973,7 @@
           <p:nvPr/>
         </p:nvPicPr>
         <p:blipFill rotWithShape="1">
-          <a:blip r:embed="rId8">
+          <a:blip r:embed="rId7">
             <a:alphaModFix/>
           </a:blip>
           <a:srcRect/>

--- a/notes/01-What-is-Data-Science.pptx
+++ b/notes/01-What-is-Data-Science.pptx
@@ -1,29 +1,29 @@
 
 <file path=ppt/presentation.xml><?xml version="1.0" encoding="utf-8"?>
-<p:presentation xmlns:a="http://schemas.openxmlformats.org/drawingml/2006/main" xmlns:r="http://schemas.openxmlformats.org/officeDocument/2006/relationships" xmlns:p="http://schemas.openxmlformats.org/presentationml/2006/main" strictFirstAndLastChars="0" saveSubsetFonts="1" autoCompressPictures="0">
+<p:presentation xmlns:a="http://schemas.openxmlformats.org/drawingml/2006/main" xmlns:r="http://schemas.openxmlformats.org/officeDocument/2006/relationships" xmlns:mc="http://schemas.openxmlformats.org/markup-compatibility/2006" xmlns:mv="urn:schemas-microsoft-com:mac:vml" xmlns:p="http://schemas.openxmlformats.org/presentationml/2006/main" xmlns:c="http://schemas.openxmlformats.org/drawingml/2006/chart" xmlns:dgm="http://schemas.openxmlformats.org/drawingml/2006/diagram" xmlns:o="urn:schemas-microsoft-com:office:office" xmlns:v="urn:schemas-microsoft-com:vml" xmlns:pvml="urn:schemas-microsoft-com:office:powerpoint" xmlns:com="http://schemas.openxmlformats.org/drawingml/2006/compatibility" xmlns:p14="http://schemas.microsoft.com/office/powerpoint/2010/main" xmlns:p15="http://schemas.microsoft.com/office/powerpoint/2012/main" xmlns:ahyp="http://schemas.microsoft.com/office/drawing/2018/hyperlinkcolor" autoCompressPictures="0" strictFirstAndLastChars="0" saveSubsetFonts="1">
   <p:sldMasterIdLst>
-    <p:sldMasterId id="2147483648" r:id="rId1"/>
+    <p:sldMasterId id="2147483648" r:id="rId3"/>
   </p:sldMasterIdLst>
   <p:notesMasterIdLst>
-    <p:notesMasterId r:id="rId13"/>
+    <p:notesMasterId r:id="rId4"/>
   </p:notesMasterIdLst>
   <p:sldIdLst>
-    <p:sldId id="256" r:id="rId2"/>
-    <p:sldId id="257" r:id="rId3"/>
-    <p:sldId id="258" r:id="rId4"/>
-    <p:sldId id="259" r:id="rId5"/>
-    <p:sldId id="260" r:id="rId6"/>
-    <p:sldId id="261" r:id="rId7"/>
-    <p:sldId id="262" r:id="rId8"/>
-    <p:sldId id="263" r:id="rId9"/>
-    <p:sldId id="264" r:id="rId10"/>
-    <p:sldId id="265" r:id="rId11"/>
-    <p:sldId id="266" r:id="rId12"/>
+    <p:sldId id="256" r:id="rId5"/>
+    <p:sldId id="257" r:id="rId6"/>
+    <p:sldId id="258" r:id="rId7"/>
+    <p:sldId id="259" r:id="rId8"/>
+    <p:sldId id="260" r:id="rId9"/>
+    <p:sldId id="261" r:id="rId10"/>
+    <p:sldId id="262" r:id="rId11"/>
+    <p:sldId id="263" r:id="rId12"/>
+    <p:sldId id="264" r:id="rId13"/>
+    <p:sldId id="265" r:id="rId14"/>
+    <p:sldId id="266" r:id="rId15"/>
   </p:sldIdLst>
-  <p:sldSz cx="9144000" cy="5143500" type="screen16x9"/>
+  <p:sldSz cy="5143500" cx="9144000"/>
   <p:notesSz cx="6858000" cy="9144000"/>
   <p:defaultTextStyle>
-    <a:defPPr marR="0" lvl="0" algn="l" rtl="0">
+    <a:defPPr lvl="0" marR="0" rtl="0" algn="l">
       <a:lnSpc>
         <a:spcPct val="100000"/>
       </a:lnSpc>
@@ -34,7 +34,7 @@
         <a:spcPts val="0"/>
       </a:spcAft>
     </a:defPPr>
-    <a:lvl1pPr marR="0" lvl="0" algn="l" rtl="0">
+    <a:lvl1pPr lvl="0" marR="0" rtl="0" algn="l">
       <a:lnSpc>
         <a:spcPct val="100000"/>
       </a:lnSpc>
@@ -48,7 +48,7 @@
         <a:srgbClr val="000000"/>
       </a:buClr>
       <a:buFont typeface="Arial"/>
-      <a:defRPr sz="1400" b="0" i="0" u="none" strike="noStrike" cap="none">
+      <a:defRPr b="0" i="0" sz="1400" u="none" cap="none" strike="noStrike">
         <a:solidFill>
           <a:srgbClr val="000000"/>
         </a:solidFill>
@@ -58,7 +58,7 @@
         <a:sym typeface="Arial"/>
       </a:defRPr>
     </a:lvl1pPr>
-    <a:lvl2pPr marR="0" lvl="1" algn="l" rtl="0">
+    <a:lvl2pPr lvl="1" marR="0" rtl="0" algn="l">
       <a:lnSpc>
         <a:spcPct val="100000"/>
       </a:lnSpc>
@@ -72,7 +72,7 @@
         <a:srgbClr val="000000"/>
       </a:buClr>
       <a:buFont typeface="Arial"/>
-      <a:defRPr sz="1400" b="0" i="0" u="none" strike="noStrike" cap="none">
+      <a:defRPr b="0" i="0" sz="1400" u="none" cap="none" strike="noStrike">
         <a:solidFill>
           <a:srgbClr val="000000"/>
         </a:solidFill>
@@ -82,7 +82,7 @@
         <a:sym typeface="Arial"/>
       </a:defRPr>
     </a:lvl2pPr>
-    <a:lvl3pPr marR="0" lvl="2" algn="l" rtl="0">
+    <a:lvl3pPr lvl="2" marR="0" rtl="0" algn="l">
       <a:lnSpc>
         <a:spcPct val="100000"/>
       </a:lnSpc>
@@ -96,7 +96,7 @@
         <a:srgbClr val="000000"/>
       </a:buClr>
       <a:buFont typeface="Arial"/>
-      <a:defRPr sz="1400" b="0" i="0" u="none" strike="noStrike" cap="none">
+      <a:defRPr b="0" i="0" sz="1400" u="none" cap="none" strike="noStrike">
         <a:solidFill>
           <a:srgbClr val="000000"/>
         </a:solidFill>
@@ -106,7 +106,7 @@
         <a:sym typeface="Arial"/>
       </a:defRPr>
     </a:lvl3pPr>
-    <a:lvl4pPr marR="0" lvl="3" algn="l" rtl="0">
+    <a:lvl4pPr lvl="3" marR="0" rtl="0" algn="l">
       <a:lnSpc>
         <a:spcPct val="100000"/>
       </a:lnSpc>
@@ -120,7 +120,7 @@
         <a:srgbClr val="000000"/>
       </a:buClr>
       <a:buFont typeface="Arial"/>
-      <a:defRPr sz="1400" b="0" i="0" u="none" strike="noStrike" cap="none">
+      <a:defRPr b="0" i="0" sz="1400" u="none" cap="none" strike="noStrike">
         <a:solidFill>
           <a:srgbClr val="000000"/>
         </a:solidFill>
@@ -130,7 +130,7 @@
         <a:sym typeface="Arial"/>
       </a:defRPr>
     </a:lvl4pPr>
-    <a:lvl5pPr marR="0" lvl="4" algn="l" rtl="0">
+    <a:lvl5pPr lvl="4" marR="0" rtl="0" algn="l">
       <a:lnSpc>
         <a:spcPct val="100000"/>
       </a:lnSpc>
@@ -144,7 +144,7 @@
         <a:srgbClr val="000000"/>
       </a:buClr>
       <a:buFont typeface="Arial"/>
-      <a:defRPr sz="1400" b="0" i="0" u="none" strike="noStrike" cap="none">
+      <a:defRPr b="0" i="0" sz="1400" u="none" cap="none" strike="noStrike">
         <a:solidFill>
           <a:srgbClr val="000000"/>
         </a:solidFill>
@@ -154,7 +154,7 @@
         <a:sym typeface="Arial"/>
       </a:defRPr>
     </a:lvl5pPr>
-    <a:lvl6pPr marR="0" lvl="5" algn="l" rtl="0">
+    <a:lvl6pPr lvl="5" marR="0" rtl="0" algn="l">
       <a:lnSpc>
         <a:spcPct val="100000"/>
       </a:lnSpc>
@@ -168,7 +168,7 @@
         <a:srgbClr val="000000"/>
       </a:buClr>
       <a:buFont typeface="Arial"/>
-      <a:defRPr sz="1400" b="0" i="0" u="none" strike="noStrike" cap="none">
+      <a:defRPr b="0" i="0" sz="1400" u="none" cap="none" strike="noStrike">
         <a:solidFill>
           <a:srgbClr val="000000"/>
         </a:solidFill>
@@ -178,7 +178,7 @@
         <a:sym typeface="Arial"/>
       </a:defRPr>
     </a:lvl6pPr>
-    <a:lvl7pPr marR="0" lvl="6" algn="l" rtl="0">
+    <a:lvl7pPr lvl="6" marR="0" rtl="0" algn="l">
       <a:lnSpc>
         <a:spcPct val="100000"/>
       </a:lnSpc>
@@ -192,7 +192,7 @@
         <a:srgbClr val="000000"/>
       </a:buClr>
       <a:buFont typeface="Arial"/>
-      <a:defRPr sz="1400" b="0" i="0" u="none" strike="noStrike" cap="none">
+      <a:defRPr b="0" i="0" sz="1400" u="none" cap="none" strike="noStrike">
         <a:solidFill>
           <a:srgbClr val="000000"/>
         </a:solidFill>
@@ -202,7 +202,7 @@
         <a:sym typeface="Arial"/>
       </a:defRPr>
     </a:lvl7pPr>
-    <a:lvl8pPr marR="0" lvl="7" algn="l" rtl="0">
+    <a:lvl8pPr lvl="7" marR="0" rtl="0" algn="l">
       <a:lnSpc>
         <a:spcPct val="100000"/>
       </a:lnSpc>
@@ -216,7 +216,7 @@
         <a:srgbClr val="000000"/>
       </a:buClr>
       <a:buFont typeface="Arial"/>
-      <a:defRPr sz="1400" b="0" i="0" u="none" strike="noStrike" cap="none">
+      <a:defRPr b="0" i="0" sz="1400" u="none" cap="none" strike="noStrike">
         <a:solidFill>
           <a:srgbClr val="000000"/>
         </a:solidFill>
@@ -226,7 +226,7 @@
         <a:sym typeface="Arial"/>
       </a:defRPr>
     </a:lvl8pPr>
-    <a:lvl9pPr marR="0" lvl="8" algn="l" rtl="0">
+    <a:lvl9pPr lvl="8" marR="0" rtl="0" algn="l">
       <a:lnSpc>
         <a:spcPct val="100000"/>
       </a:lnSpc>
@@ -240,7 +240,7 @@
         <a:srgbClr val="000000"/>
       </a:buClr>
       <a:buFont typeface="Arial"/>
-      <a:defRPr sz="1400" b="0" i="0" u="none" strike="noStrike" cap="none">
+      <a:defRPr b="0" i="0" sz="1400" u="none" cap="none" strike="noStrike">
         <a:solidFill>
           <a:srgbClr val="000000"/>
         </a:solidFill>
@@ -252,30 +252,26 @@
     </a:lvl9pPr>
   </p:defaultTextStyle>
   <p:extLst>
-    <p:ext uri="{EFAFB233-063F-42B5-8137-9DF3F51BA10A}">
-      <p15:sldGuideLst xmlns:p15="http://schemas.microsoft.com/office/powerpoint/2012/main"/>
-    </p:ext>
-    <p:ext uri="http://customooxmlschemas.google.com/">
-      <go:slidesCustomData xmlns:go="http://customooxmlschemas.google.com/" xmlns:ahyp="http://schemas.microsoft.com/office/drawing/2018/hyperlinkcolor" xmlns:p15="http://schemas.microsoft.com/office/powerpoint/2012/main" xmlns:p14="http://schemas.microsoft.com/office/powerpoint/2010/main" xmlns:com="http://schemas.openxmlformats.org/drawingml/2006/compatibility" xmlns:pvml="urn:schemas-microsoft-com:office:powerpoint" xmlns:v="urn:schemas-microsoft-com:vml" xmlns:o="urn:schemas-microsoft-com:office:office" xmlns:dgm="http://schemas.openxmlformats.org/drawingml/2006/diagram" xmlns:c="http://schemas.openxmlformats.org/drawingml/2006/chart" xmlns:mv="urn:schemas-microsoft-com:mac:vml" xmlns:mc="http://schemas.openxmlformats.org/markup-compatibility/2006" xmlns="" r:id="rId16" roundtripDataSignature="AMtx7mgV2tuNOZf2BqOUAIU2qMV//eIKbg=="/>
+    <p:ext uri="GoogleSlidesCustomDataVersion2">
+      <go:slidesCustomData xmlns:go="http://customooxmlschemas.google.com/" r:id="rId16" roundtripDataSignature="AMtx7mhs3SibVaP0ta0Z0LU7N6SVCyh+LA=="/>
     </p:ext>
   </p:extLst>
 </p:presentation>
 </file>
 
 <file path=ppt/notesMasters/notesMaster1.xml><?xml version="1.0" encoding="utf-8"?>
-<p:notesMaster xmlns:a="http://schemas.openxmlformats.org/drawingml/2006/main" xmlns:r="http://schemas.openxmlformats.org/officeDocument/2006/relationships" xmlns:p="http://schemas.openxmlformats.org/presentationml/2006/main">
+<p:notesMaster xmlns:a="http://schemas.openxmlformats.org/drawingml/2006/main" xmlns:r="http://schemas.openxmlformats.org/officeDocument/2006/relationships" xmlns:mc="http://schemas.openxmlformats.org/markup-compatibility/2006" xmlns:mv="urn:schemas-microsoft-com:mac:vml" xmlns:p="http://schemas.openxmlformats.org/presentationml/2006/main" xmlns:c="http://schemas.openxmlformats.org/drawingml/2006/chart" xmlns:dgm="http://schemas.openxmlformats.org/drawingml/2006/diagram" xmlns:o="urn:schemas-microsoft-com:office:office" xmlns:v="urn:schemas-microsoft-com:vml" xmlns:pvml="urn:schemas-microsoft-com:office:powerpoint" xmlns:com="http://schemas.openxmlformats.org/drawingml/2006/compatibility" xmlns:p14="http://schemas.microsoft.com/office/powerpoint/2010/main" xmlns:p15="http://schemas.microsoft.com/office/powerpoint/2012/main" xmlns:ahyp="http://schemas.microsoft.com/office/drawing/2018/hyperlinkcolor">
   <p:cSld>
     <p:bg>
       <p:bgPr>
         <a:solidFill>
           <a:schemeClr val="lt1"/>
         </a:solidFill>
-        <a:effectLst/>
       </p:bgPr>
     </p:bg>
     <p:spTree>
       <p:nvGrpSpPr>
-        <p:cNvPr id="1" name="Shape 2"/>
+        <p:cNvPr id="2" name="Shape 2"/>
         <p:cNvGrpSpPr/>
         <p:nvPr/>
       </p:nvGrpSpPr>
@@ -290,11 +286,9 @@
       <p:sp>
         <p:nvSpPr>
           <p:cNvPr id="3" name="Google Shape;3;n"/>
-          <p:cNvSpPr>
-            <a:spLocks noGrp="1" noRot="1" noChangeAspect="1"/>
-          </p:cNvSpPr>
+          <p:cNvSpPr/>
           <p:nvPr>
-            <p:ph type="sldImg" idx="2"/>
+            <p:ph idx="2" type="sldImg"/>
           </p:nvPr>
         </p:nvSpPr>
         <p:spPr>
@@ -303,13 +297,9 @@
             <a:ext cx="6096075" cy="3429000"/>
           </a:xfrm>
           <a:custGeom>
-            <a:avLst/>
-            <a:gdLst/>
-            <a:ahLst/>
-            <a:cxnLst/>
-            <a:rect l="l" t="t" r="r" b="b"/>
+            <a:rect b="b" l="l" r="r" t="t"/>
             <a:pathLst>
-              <a:path w="120000" h="120000" extrusionOk="0">
+              <a:path extrusionOk="0" h="120000" w="120000">
                 <a:moveTo>
                   <a:pt x="0" y="0"/>
                 </a:moveTo>
@@ -327,25 +317,23 @@
             </a:pathLst>
           </a:custGeom>
           <a:noFill/>
-          <a:ln w="9525" cap="flat" cmpd="sng">
+          <a:ln cap="flat" cmpd="sng" w="9525">
             <a:solidFill>
               <a:srgbClr val="000000"/>
             </a:solidFill>
             <a:prstDash val="solid"/>
             <a:round/>
-            <a:headEnd type="none" w="sm" len="sm"/>
-            <a:tailEnd type="none" w="sm" len="sm"/>
+            <a:headEnd len="sm" w="sm" type="none"/>
+            <a:tailEnd len="sm" w="sm" type="none"/>
           </a:ln>
         </p:spPr>
       </p:sp>
       <p:sp>
         <p:nvSpPr>
           <p:cNvPr id="4" name="Google Shape;4;n"/>
-          <p:cNvSpPr txBox="1">
-            <a:spLocks noGrp="1"/>
-          </p:cNvSpPr>
+          <p:cNvSpPr txBox="1"/>
           <p:nvPr>
-            <p:ph type="body" idx="1"/>
+            <p:ph idx="1" type="body"/>
           </p:nvPr>
         </p:nvSpPr>
         <p:spPr>
@@ -362,11 +350,14 @@
           </a:ln>
         </p:spPr>
         <p:txBody>
-          <a:bodyPr spcFirstLastPara="1" wrap="square" lIns="91425" tIns="91425" rIns="91425" bIns="91425" anchor="t" anchorCtr="0">
+          <a:bodyPr anchorCtr="0" anchor="t" bIns="91425" lIns="91425" spcFirstLastPara="1" rIns="91425" wrap="square" tIns="91425">
             <a:noAutofit/>
           </a:bodyPr>
           <a:lstStyle>
-            <a:lvl1pPr marL="457200" marR="0" lvl="0" indent="-317500" algn="l" rtl="0">
+            <a:lvl1pPr indent="-317500" lvl="0" marL="457200" marR="0" rtl="0" algn="l">
+              <a:lnSpc>
+                <a:spcPct val="100000"/>
+              </a:lnSpc>
               <a:spcBef>
                 <a:spcPts val="0"/>
               </a:spcBef>
@@ -379,7 +370,7 @@
               <a:buSzPts val="1400"/>
               <a:buFont typeface="Arial"/>
               <a:buChar char="●"/>
-              <a:defRPr sz="1100" b="0" i="0" u="none" strike="noStrike" cap="none">
+              <a:defRPr b="0" i="0" sz="1100" u="none" cap="none" strike="noStrike">
                 <a:solidFill>
                   <a:schemeClr val="dk1"/>
                 </a:solidFill>
@@ -389,7 +380,10 @@
                 <a:sym typeface="Arial"/>
               </a:defRPr>
             </a:lvl1pPr>
-            <a:lvl2pPr marL="914400" marR="0" lvl="1" indent="-317500" algn="l" rtl="0">
+            <a:lvl2pPr indent="-317500" lvl="1" marL="914400" marR="0" rtl="0" algn="l">
+              <a:lnSpc>
+                <a:spcPct val="100000"/>
+              </a:lnSpc>
               <a:spcBef>
                 <a:spcPts val="0"/>
               </a:spcBef>
@@ -402,7 +396,7 @@
               <a:buSzPts val="1400"/>
               <a:buFont typeface="Arial"/>
               <a:buChar char="○"/>
-              <a:defRPr sz="1100" b="0" i="0" u="none" strike="noStrike" cap="none">
+              <a:defRPr b="0" i="0" sz="1100" u="none" cap="none" strike="noStrike">
                 <a:solidFill>
                   <a:schemeClr val="dk1"/>
                 </a:solidFill>
@@ -412,7 +406,10 @@
                 <a:sym typeface="Arial"/>
               </a:defRPr>
             </a:lvl2pPr>
-            <a:lvl3pPr marL="1371600" marR="0" lvl="2" indent="-317500" algn="l" rtl="0">
+            <a:lvl3pPr indent="-317500" lvl="2" marL="1371600" marR="0" rtl="0" algn="l">
+              <a:lnSpc>
+                <a:spcPct val="100000"/>
+              </a:lnSpc>
               <a:spcBef>
                 <a:spcPts val="0"/>
               </a:spcBef>
@@ -425,7 +422,7 @@
               <a:buSzPts val="1400"/>
               <a:buFont typeface="Arial"/>
               <a:buChar char="■"/>
-              <a:defRPr sz="1100" b="0" i="0" u="none" strike="noStrike" cap="none">
+              <a:defRPr b="0" i="0" sz="1100" u="none" cap="none" strike="noStrike">
                 <a:solidFill>
                   <a:schemeClr val="dk1"/>
                 </a:solidFill>
@@ -435,7 +432,10 @@
                 <a:sym typeface="Arial"/>
               </a:defRPr>
             </a:lvl3pPr>
-            <a:lvl4pPr marL="1828800" marR="0" lvl="3" indent="-317500" algn="l" rtl="0">
+            <a:lvl4pPr indent="-317500" lvl="3" marL="1828800" marR="0" rtl="0" algn="l">
+              <a:lnSpc>
+                <a:spcPct val="100000"/>
+              </a:lnSpc>
               <a:spcBef>
                 <a:spcPts val="0"/>
               </a:spcBef>
@@ -448,7 +448,7 @@
               <a:buSzPts val="1400"/>
               <a:buFont typeface="Arial"/>
               <a:buChar char="●"/>
-              <a:defRPr sz="1100" b="0" i="0" u="none" strike="noStrike" cap="none">
+              <a:defRPr b="0" i="0" sz="1100" u="none" cap="none" strike="noStrike">
                 <a:solidFill>
                   <a:schemeClr val="dk1"/>
                 </a:solidFill>
@@ -458,7 +458,10 @@
                 <a:sym typeface="Arial"/>
               </a:defRPr>
             </a:lvl4pPr>
-            <a:lvl5pPr marL="2286000" marR="0" lvl="4" indent="-317500" algn="l" rtl="0">
+            <a:lvl5pPr indent="-317500" lvl="4" marL="2286000" marR="0" rtl="0" algn="l">
+              <a:lnSpc>
+                <a:spcPct val="100000"/>
+              </a:lnSpc>
               <a:spcBef>
                 <a:spcPts val="0"/>
               </a:spcBef>
@@ -471,7 +474,7 @@
               <a:buSzPts val="1400"/>
               <a:buFont typeface="Arial"/>
               <a:buChar char="○"/>
-              <a:defRPr sz="1100" b="0" i="0" u="none" strike="noStrike" cap="none">
+              <a:defRPr b="0" i="0" sz="1100" u="none" cap="none" strike="noStrike">
                 <a:solidFill>
                   <a:schemeClr val="dk1"/>
                 </a:solidFill>
@@ -481,7 +484,10 @@
                 <a:sym typeface="Arial"/>
               </a:defRPr>
             </a:lvl5pPr>
-            <a:lvl6pPr marL="2743200" marR="0" lvl="5" indent="-317500" algn="l" rtl="0">
+            <a:lvl6pPr indent="-317500" lvl="5" marL="2743200" marR="0" rtl="0" algn="l">
+              <a:lnSpc>
+                <a:spcPct val="100000"/>
+              </a:lnSpc>
               <a:spcBef>
                 <a:spcPts val="0"/>
               </a:spcBef>
@@ -494,7 +500,7 @@
               <a:buSzPts val="1400"/>
               <a:buFont typeface="Arial"/>
               <a:buChar char="■"/>
-              <a:defRPr sz="1100" b="0" i="0" u="none" strike="noStrike" cap="none">
+              <a:defRPr b="0" i="0" sz="1100" u="none" cap="none" strike="noStrike">
                 <a:solidFill>
                   <a:schemeClr val="dk1"/>
                 </a:solidFill>
@@ -504,7 +510,10 @@
                 <a:sym typeface="Arial"/>
               </a:defRPr>
             </a:lvl6pPr>
-            <a:lvl7pPr marL="3200400" marR="0" lvl="6" indent="-317500" algn="l" rtl="0">
+            <a:lvl7pPr indent="-317500" lvl="6" marL="3200400" marR="0" rtl="0" algn="l">
+              <a:lnSpc>
+                <a:spcPct val="100000"/>
+              </a:lnSpc>
               <a:spcBef>
                 <a:spcPts val="0"/>
               </a:spcBef>
@@ -517,7 +526,7 @@
               <a:buSzPts val="1400"/>
               <a:buFont typeface="Arial"/>
               <a:buChar char="●"/>
-              <a:defRPr sz="1100" b="0" i="0" u="none" strike="noStrike" cap="none">
+              <a:defRPr b="0" i="0" sz="1100" u="none" cap="none" strike="noStrike">
                 <a:solidFill>
                   <a:schemeClr val="dk1"/>
                 </a:solidFill>
@@ -527,7 +536,10 @@
                 <a:sym typeface="Arial"/>
               </a:defRPr>
             </a:lvl7pPr>
-            <a:lvl8pPr marL="3657600" marR="0" lvl="7" indent="-317500" algn="l" rtl="0">
+            <a:lvl8pPr indent="-317500" lvl="7" marL="3657600" marR="0" rtl="0" algn="l">
+              <a:lnSpc>
+                <a:spcPct val="100000"/>
+              </a:lnSpc>
               <a:spcBef>
                 <a:spcPts val="0"/>
               </a:spcBef>
@@ -540,7 +552,7 @@
               <a:buSzPts val="1400"/>
               <a:buFont typeface="Arial"/>
               <a:buChar char="○"/>
-              <a:defRPr sz="1100" b="0" i="0" u="none" strike="noStrike" cap="none">
+              <a:defRPr b="0" i="0" sz="1100" u="none" cap="none" strike="noStrike">
                 <a:solidFill>
                   <a:schemeClr val="dk1"/>
                 </a:solidFill>
@@ -550,7 +562,10 @@
                 <a:sym typeface="Arial"/>
               </a:defRPr>
             </a:lvl8pPr>
-            <a:lvl9pPr marL="4114800" marR="0" lvl="8" indent="-317500" algn="l" rtl="0">
+            <a:lvl9pPr indent="-317500" lvl="8" marL="4114800" marR="0" rtl="0" algn="l">
+              <a:lnSpc>
+                <a:spcPct val="100000"/>
+              </a:lnSpc>
               <a:spcBef>
                 <a:spcPts val="0"/>
               </a:spcBef>
@@ -563,7 +578,7 @@
               <a:buSzPts val="1400"/>
               <a:buFont typeface="Arial"/>
               <a:buChar char="■"/>
-              <a:defRPr sz="1100" b="0" i="0" u="none" strike="noStrike" cap="none">
+              <a:defRPr b="0" i="0" sz="1100" u="none" cap="none" strike="noStrike">
                 <a:solidFill>
                   <a:schemeClr val="dk1"/>
                 </a:solidFill>
@@ -574,16 +589,14 @@
               </a:defRPr>
             </a:lvl9pPr>
           </a:lstStyle>
-          <a:p>
-            <a:endParaRPr/>
-          </a:p>
+          <a:p/>
         </p:txBody>
       </p:sp>
     </p:spTree>
   </p:cSld>
-  <p:clrMap bg1="lt1" tx1="dk1" bg2="dk2" tx2="lt2" accent1="accent1" accent2="accent2" accent3="accent3" accent4="accent4" accent5="accent5" accent6="accent6" hlink="hlink" folHlink="folHlink"/>
+  <p:clrMap accent1="accent1" accent2="accent2" accent3="accent3" accent4="accent4" accent5="accent5" accent6="accent6" bg1="lt1" bg2="dk2" tx1="dk1" tx2="lt2" folHlink="folHlink" hlink="hlink"/>
   <p:notesStyle>
-    <a:defPPr marR="0" lvl="0" algn="l" rtl="0">
+    <a:defPPr lvl="0" marR="0" rtl="0" algn="l">
       <a:lnSpc>
         <a:spcPct val="100000"/>
       </a:lnSpc>
@@ -594,7 +607,7 @@
         <a:spcPts val="0"/>
       </a:spcAft>
     </a:defPPr>
-    <a:lvl1pPr marR="0" lvl="0" algn="l" rtl="0">
+    <a:lvl1pPr lvl="0" marR="0" rtl="0" algn="l">
       <a:lnSpc>
         <a:spcPct val="100000"/>
       </a:lnSpc>
@@ -608,7 +621,7 @@
         <a:srgbClr val="000000"/>
       </a:buClr>
       <a:buFont typeface="Arial"/>
-      <a:defRPr sz="1400" b="0" i="0" u="none" strike="noStrike" cap="none">
+      <a:defRPr b="0" i="0" sz="1400" u="none" cap="none" strike="noStrike">
         <a:solidFill>
           <a:srgbClr val="000000"/>
         </a:solidFill>
@@ -618,7 +631,7 @@
         <a:sym typeface="Arial"/>
       </a:defRPr>
     </a:lvl1pPr>
-    <a:lvl2pPr marR="0" lvl="1" algn="l" rtl="0">
+    <a:lvl2pPr lvl="1" marR="0" rtl="0" algn="l">
       <a:lnSpc>
         <a:spcPct val="100000"/>
       </a:lnSpc>
@@ -632,7 +645,7 @@
         <a:srgbClr val="000000"/>
       </a:buClr>
       <a:buFont typeface="Arial"/>
-      <a:defRPr sz="1400" b="0" i="0" u="none" strike="noStrike" cap="none">
+      <a:defRPr b="0" i="0" sz="1400" u="none" cap="none" strike="noStrike">
         <a:solidFill>
           <a:srgbClr val="000000"/>
         </a:solidFill>
@@ -642,7 +655,7 @@
         <a:sym typeface="Arial"/>
       </a:defRPr>
     </a:lvl2pPr>
-    <a:lvl3pPr marR="0" lvl="2" algn="l" rtl="0">
+    <a:lvl3pPr lvl="2" marR="0" rtl="0" algn="l">
       <a:lnSpc>
         <a:spcPct val="100000"/>
       </a:lnSpc>
@@ -656,7 +669,7 @@
         <a:srgbClr val="000000"/>
       </a:buClr>
       <a:buFont typeface="Arial"/>
-      <a:defRPr sz="1400" b="0" i="0" u="none" strike="noStrike" cap="none">
+      <a:defRPr b="0" i="0" sz="1400" u="none" cap="none" strike="noStrike">
         <a:solidFill>
           <a:srgbClr val="000000"/>
         </a:solidFill>
@@ -666,7 +679,7 @@
         <a:sym typeface="Arial"/>
       </a:defRPr>
     </a:lvl3pPr>
-    <a:lvl4pPr marR="0" lvl="3" algn="l" rtl="0">
+    <a:lvl4pPr lvl="3" marR="0" rtl="0" algn="l">
       <a:lnSpc>
         <a:spcPct val="100000"/>
       </a:lnSpc>
@@ -680,7 +693,7 @@
         <a:srgbClr val="000000"/>
       </a:buClr>
       <a:buFont typeface="Arial"/>
-      <a:defRPr sz="1400" b="0" i="0" u="none" strike="noStrike" cap="none">
+      <a:defRPr b="0" i="0" sz="1400" u="none" cap="none" strike="noStrike">
         <a:solidFill>
           <a:srgbClr val="000000"/>
         </a:solidFill>
@@ -690,7 +703,7 @@
         <a:sym typeface="Arial"/>
       </a:defRPr>
     </a:lvl4pPr>
-    <a:lvl5pPr marR="0" lvl="4" algn="l" rtl="0">
+    <a:lvl5pPr lvl="4" marR="0" rtl="0" algn="l">
       <a:lnSpc>
         <a:spcPct val="100000"/>
       </a:lnSpc>
@@ -704,7 +717,7 @@
         <a:srgbClr val="000000"/>
       </a:buClr>
       <a:buFont typeface="Arial"/>
-      <a:defRPr sz="1400" b="0" i="0" u="none" strike="noStrike" cap="none">
+      <a:defRPr b="0" i="0" sz="1400" u="none" cap="none" strike="noStrike">
         <a:solidFill>
           <a:srgbClr val="000000"/>
         </a:solidFill>
@@ -714,7 +727,7 @@
         <a:sym typeface="Arial"/>
       </a:defRPr>
     </a:lvl5pPr>
-    <a:lvl6pPr marR="0" lvl="5" algn="l" rtl="0">
+    <a:lvl6pPr lvl="5" marR="0" rtl="0" algn="l">
       <a:lnSpc>
         <a:spcPct val="100000"/>
       </a:lnSpc>
@@ -728,7 +741,7 @@
         <a:srgbClr val="000000"/>
       </a:buClr>
       <a:buFont typeface="Arial"/>
-      <a:defRPr sz="1400" b="0" i="0" u="none" strike="noStrike" cap="none">
+      <a:defRPr b="0" i="0" sz="1400" u="none" cap="none" strike="noStrike">
         <a:solidFill>
           <a:srgbClr val="000000"/>
         </a:solidFill>
@@ -738,7 +751,7 @@
         <a:sym typeface="Arial"/>
       </a:defRPr>
     </a:lvl6pPr>
-    <a:lvl7pPr marR="0" lvl="6" algn="l" rtl="0">
+    <a:lvl7pPr lvl="6" marR="0" rtl="0" algn="l">
       <a:lnSpc>
         <a:spcPct val="100000"/>
       </a:lnSpc>
@@ -752,7 +765,7 @@
         <a:srgbClr val="000000"/>
       </a:buClr>
       <a:buFont typeface="Arial"/>
-      <a:defRPr sz="1400" b="0" i="0" u="none" strike="noStrike" cap="none">
+      <a:defRPr b="0" i="0" sz="1400" u="none" cap="none" strike="noStrike">
         <a:solidFill>
           <a:srgbClr val="000000"/>
         </a:solidFill>
@@ -762,7 +775,7 @@
         <a:sym typeface="Arial"/>
       </a:defRPr>
     </a:lvl7pPr>
-    <a:lvl8pPr marR="0" lvl="7" algn="l" rtl="0">
+    <a:lvl8pPr lvl="7" marR="0" rtl="0" algn="l">
       <a:lnSpc>
         <a:spcPct val="100000"/>
       </a:lnSpc>
@@ -776,7 +789,7 @@
         <a:srgbClr val="000000"/>
       </a:buClr>
       <a:buFont typeface="Arial"/>
-      <a:defRPr sz="1400" b="0" i="0" u="none" strike="noStrike" cap="none">
+      <a:defRPr b="0" i="0" sz="1400" u="none" cap="none" strike="noStrike">
         <a:solidFill>
           <a:srgbClr val="000000"/>
         </a:solidFill>
@@ -786,7 +799,7 @@
         <a:sym typeface="Arial"/>
       </a:defRPr>
     </a:lvl8pPr>
-    <a:lvl9pPr marR="0" lvl="8" algn="l" rtl="0">
+    <a:lvl9pPr lvl="8" marR="0" rtl="0" algn="l">
       <a:lnSpc>
         <a:spcPct val="100000"/>
       </a:lnSpc>
@@ -800,7 +813,7 @@
         <a:srgbClr val="000000"/>
       </a:buClr>
       <a:buFont typeface="Arial"/>
-      <a:defRPr sz="1400" b="0" i="0" u="none" strike="noStrike" cap="none">
+      <a:defRPr b="0" i="0" sz="1400" u="none" cap="none" strike="noStrike">
         <a:solidFill>
           <a:srgbClr val="000000"/>
         </a:solidFill>
@@ -815,11 +828,11 @@
 </file>
 
 <file path=ppt/notesSlides/notesSlide1.xml><?xml version="1.0" encoding="utf-8"?>
-<p:notes xmlns:a="http://schemas.openxmlformats.org/drawingml/2006/main" xmlns:r="http://schemas.openxmlformats.org/officeDocument/2006/relationships" xmlns:p="http://schemas.openxmlformats.org/presentationml/2006/main" showMasterSp="0" showMasterPhAnim="0">
+<p:notes xmlns:a="http://schemas.openxmlformats.org/drawingml/2006/main" xmlns:r="http://schemas.openxmlformats.org/officeDocument/2006/relationships" xmlns:mc="http://schemas.openxmlformats.org/markup-compatibility/2006" xmlns:mv="urn:schemas-microsoft-com:mac:vml" xmlns:p="http://schemas.openxmlformats.org/presentationml/2006/main" xmlns:c="http://schemas.openxmlformats.org/drawingml/2006/chart" xmlns:dgm="http://schemas.openxmlformats.org/drawingml/2006/diagram" xmlns:o="urn:schemas-microsoft-com:office:office" xmlns:v="urn:schemas-microsoft-com:vml" xmlns:pvml="urn:schemas-microsoft-com:office:powerpoint" xmlns:com="http://schemas.openxmlformats.org/drawingml/2006/compatibility" xmlns:p14="http://schemas.microsoft.com/office/powerpoint/2010/main" xmlns:p15="http://schemas.microsoft.com/office/powerpoint/2012/main" xmlns:ahyp="http://schemas.microsoft.com/office/drawing/2018/hyperlinkcolor" showMasterPhAnim="0" showMasterSp="0">
   <p:cSld>
     <p:spTree>
       <p:nvGrpSpPr>
-        <p:cNvPr id="1" name="Shape 50"/>
+        <p:cNvPr id="50" name="Shape 50"/>
         <p:cNvGrpSpPr/>
         <p:nvPr/>
       </p:nvGrpSpPr>
@@ -834,11 +847,9 @@
       <p:sp>
         <p:nvSpPr>
           <p:cNvPr id="51" name="Google Shape;51;p1:notes"/>
-          <p:cNvSpPr>
-            <a:spLocks noGrp="1" noRot="1" noChangeAspect="1"/>
-          </p:cNvSpPr>
+          <p:cNvSpPr/>
           <p:nvPr>
-            <p:ph type="sldImg" idx="2"/>
+            <p:ph idx="2" type="sldImg"/>
           </p:nvPr>
         </p:nvSpPr>
         <p:spPr>
@@ -847,13 +858,9 @@
             <a:ext cx="6096000" cy="3429000"/>
           </a:xfrm>
           <a:custGeom>
-            <a:avLst/>
-            <a:gdLst/>
-            <a:ahLst/>
-            <a:cxnLst/>
-            <a:rect l="l" t="t" r="r" b="b"/>
+            <a:rect b="b" l="l" r="r" t="t"/>
             <a:pathLst>
-              <a:path w="120000" h="120000" extrusionOk="0">
+              <a:path extrusionOk="0" h="120000" w="120000">
                 <a:moveTo>
                   <a:pt x="0" y="0"/>
                 </a:moveTo>
@@ -871,25 +878,23 @@
             </a:pathLst>
           </a:custGeom>
           <a:noFill/>
-          <a:ln w="9525" cap="flat" cmpd="sng">
+          <a:ln cap="flat" cmpd="sng" w="9525">
             <a:solidFill>
               <a:srgbClr val="000000"/>
             </a:solidFill>
             <a:prstDash val="solid"/>
             <a:round/>
-            <a:headEnd type="none" w="sm" len="sm"/>
-            <a:tailEnd type="none" w="sm" len="sm"/>
+            <a:headEnd len="sm" w="sm" type="none"/>
+            <a:tailEnd len="sm" w="sm" type="none"/>
           </a:ln>
         </p:spPr>
       </p:sp>
       <p:sp>
         <p:nvSpPr>
           <p:cNvPr id="52" name="Google Shape;52;p1:notes"/>
-          <p:cNvSpPr txBox="1">
-            <a:spLocks noGrp="1"/>
-          </p:cNvSpPr>
+          <p:cNvSpPr txBox="1"/>
           <p:nvPr>
-            <p:ph type="body" idx="1"/>
+            <p:ph idx="1" type="body"/>
           </p:nvPr>
         </p:nvSpPr>
         <p:spPr>
@@ -906,12 +911,15 @@
           </a:ln>
         </p:spPr>
         <p:txBody>
-          <a:bodyPr spcFirstLastPara="1" wrap="square" lIns="91425" tIns="91425" rIns="91425" bIns="91425" anchor="t" anchorCtr="0">
+          <a:bodyPr anchorCtr="0" anchor="t" bIns="91425" lIns="91425" spcFirstLastPara="1" rIns="91425" wrap="square" tIns="91425">
             <a:noAutofit/>
           </a:bodyPr>
           <a:lstStyle/>
           <a:p>
-            <a:pPr marL="0" lvl="0" indent="0" algn="l" rtl="0">
+            <a:pPr indent="0" lvl="0" marL="0" rtl="0" algn="l">
+              <a:lnSpc>
+                <a:spcPct val="100000"/>
+              </a:lnSpc>
               <a:spcBef>
                 <a:spcPts val="0"/>
               </a:spcBef>
@@ -925,6 +933,9 @@
               <a:buFont typeface="Arial"/>
               <a:buNone/>
             </a:pPr>
+            <a:r>
+              <a:t/>
+            </a:r>
             <a:endParaRPr/>
           </a:p>
         </p:txBody>
@@ -938,11 +949,11 @@
 </file>
 
 <file path=ppt/notesSlides/notesSlide10.xml><?xml version="1.0" encoding="utf-8"?>
-<p:notes xmlns:a="http://schemas.openxmlformats.org/drawingml/2006/main" xmlns:r="http://schemas.openxmlformats.org/officeDocument/2006/relationships" xmlns:p="http://schemas.openxmlformats.org/presentationml/2006/main" showMasterSp="0" showMasterPhAnim="0">
+<p:notes xmlns:a="http://schemas.openxmlformats.org/drawingml/2006/main" xmlns:r="http://schemas.openxmlformats.org/officeDocument/2006/relationships" xmlns:mc="http://schemas.openxmlformats.org/markup-compatibility/2006" xmlns:mv="urn:schemas-microsoft-com:mac:vml" xmlns:p="http://schemas.openxmlformats.org/presentationml/2006/main" xmlns:c="http://schemas.openxmlformats.org/drawingml/2006/chart" xmlns:dgm="http://schemas.openxmlformats.org/drawingml/2006/diagram" xmlns:o="urn:schemas-microsoft-com:office:office" xmlns:v="urn:schemas-microsoft-com:vml" xmlns:pvml="urn:schemas-microsoft-com:office:powerpoint" xmlns:com="http://schemas.openxmlformats.org/drawingml/2006/compatibility" xmlns:p14="http://schemas.microsoft.com/office/powerpoint/2010/main" xmlns:p15="http://schemas.microsoft.com/office/powerpoint/2012/main" xmlns:ahyp="http://schemas.microsoft.com/office/drawing/2018/hyperlinkcolor" showMasterPhAnim="0" showMasterSp="0">
   <p:cSld>
     <p:spTree>
       <p:nvGrpSpPr>
-        <p:cNvPr id="1" name="Shape 121"/>
+        <p:cNvPr id="121" name="Shape 121"/>
         <p:cNvGrpSpPr/>
         <p:nvPr/>
       </p:nvGrpSpPr>
@@ -956,12 +967,10 @@
       </p:grpSpPr>
       <p:sp>
         <p:nvSpPr>
-          <p:cNvPr id="122" name="Google Shape;122;p10:notes"/>
-          <p:cNvSpPr>
-            <a:spLocks noGrp="1" noRot="1" noChangeAspect="1"/>
-          </p:cNvSpPr>
+          <p:cNvPr id="122" name="Google Shape;122;g2ba4929e367_0_0:notes"/>
+          <p:cNvSpPr/>
           <p:nvPr>
-            <p:ph type="sldImg" idx="2"/>
+            <p:ph idx="2" type="sldImg"/>
           </p:nvPr>
         </p:nvSpPr>
         <p:spPr>
@@ -970,13 +979,108 @@
             <a:ext cx="6096000" cy="3429000"/>
           </a:xfrm>
           <a:custGeom>
+            <a:rect b="b" l="l" r="r" t="t"/>
+            <a:pathLst>
+              <a:path extrusionOk="0" h="120000" w="120000">
+                <a:moveTo>
+                  <a:pt x="0" y="0"/>
+                </a:moveTo>
+                <a:lnTo>
+                  <a:pt x="120000" y="0"/>
+                </a:lnTo>
+                <a:lnTo>
+                  <a:pt x="120000" y="120000"/>
+                </a:lnTo>
+                <a:lnTo>
+                  <a:pt x="0" y="120000"/>
+                </a:lnTo>
+                <a:close/>
+              </a:path>
+            </a:pathLst>
+          </a:custGeom>
+        </p:spPr>
+      </p:sp>
+      <p:sp>
+        <p:nvSpPr>
+          <p:cNvPr id="123" name="Google Shape;123;g2ba4929e367_0_0:notes"/>
+          <p:cNvSpPr txBox="1"/>
+          <p:nvPr>
+            <p:ph idx="1" type="body"/>
+          </p:nvPr>
+        </p:nvSpPr>
+        <p:spPr>
+          <a:xfrm>
+            <a:off x="685800" y="4343400"/>
+            <a:ext cx="5486400" cy="4114800"/>
+          </a:xfrm>
+          <a:prstGeom prst="rect">
             <a:avLst/>
-            <a:gdLst/>
-            <a:ahLst/>
-            <a:cxnLst/>
-            <a:rect l="l" t="t" r="r" b="b"/>
+          </a:prstGeom>
+        </p:spPr>
+        <p:txBody>
+          <a:bodyPr anchorCtr="0" anchor="t" bIns="91425" lIns="91425" spcFirstLastPara="1" rIns="91425" wrap="square" tIns="91425">
+            <a:noAutofit/>
+          </a:bodyPr>
+          <a:lstStyle/>
+          <a:p>
+            <a:pPr indent="0" lvl="0" marL="0" rtl="0" algn="l">
+              <a:spcBef>
+                <a:spcPts val="0"/>
+              </a:spcBef>
+              <a:spcAft>
+                <a:spcPts val="0"/>
+              </a:spcAft>
+              <a:buNone/>
+            </a:pPr>
+            <a:r>
+              <a:t/>
+            </a:r>
+            <a:endParaRPr/>
+          </a:p>
+        </p:txBody>
+      </p:sp>
+    </p:spTree>
+  </p:cSld>
+  <p:clrMapOvr>
+    <a:masterClrMapping/>
+  </p:clrMapOvr>
+</p:notes>
+</file>
+
+<file path=ppt/notesSlides/notesSlide11.xml><?xml version="1.0" encoding="utf-8"?>
+<p:notes xmlns:a="http://schemas.openxmlformats.org/drawingml/2006/main" xmlns:r="http://schemas.openxmlformats.org/officeDocument/2006/relationships" xmlns:mc="http://schemas.openxmlformats.org/markup-compatibility/2006" xmlns:mv="urn:schemas-microsoft-com:mac:vml" xmlns:p="http://schemas.openxmlformats.org/presentationml/2006/main" xmlns:c="http://schemas.openxmlformats.org/drawingml/2006/chart" xmlns:dgm="http://schemas.openxmlformats.org/drawingml/2006/diagram" xmlns:o="urn:schemas-microsoft-com:office:office" xmlns:v="urn:schemas-microsoft-com:vml" xmlns:pvml="urn:schemas-microsoft-com:office:powerpoint" xmlns:com="http://schemas.openxmlformats.org/drawingml/2006/compatibility" xmlns:p14="http://schemas.microsoft.com/office/powerpoint/2010/main" xmlns:p15="http://schemas.microsoft.com/office/powerpoint/2012/main" xmlns:ahyp="http://schemas.microsoft.com/office/drawing/2018/hyperlinkcolor" showMasterPhAnim="0" showMasterSp="0">
+  <p:cSld>
+    <p:spTree>
+      <p:nvGrpSpPr>
+        <p:cNvPr id="127" name="Shape 127"/>
+        <p:cNvGrpSpPr/>
+        <p:nvPr/>
+      </p:nvGrpSpPr>
+      <p:grpSpPr>
+        <a:xfrm>
+          <a:off x="0" y="0"/>
+          <a:ext cx="0" cy="0"/>
+          <a:chOff x="0" y="0"/>
+          <a:chExt cx="0" cy="0"/>
+        </a:xfrm>
+      </p:grpSpPr>
+      <p:sp>
+        <p:nvSpPr>
+          <p:cNvPr id="128" name="Google Shape;128;p11:notes"/>
+          <p:cNvSpPr/>
+          <p:nvPr>
+            <p:ph idx="2" type="sldImg"/>
+          </p:nvPr>
+        </p:nvSpPr>
+        <p:spPr>
+          <a:xfrm>
+            <a:off x="381300" y="685800"/>
+            <a:ext cx="6096000" cy="3429000"/>
+          </a:xfrm>
+          <a:custGeom>
+            <a:rect b="b" l="l" r="r" t="t"/>
             <a:pathLst>
-              <a:path w="120000" h="120000" extrusionOk="0">
+              <a:path extrusionOk="0" h="120000" w="120000">
                 <a:moveTo>
                   <a:pt x="0" y="0"/>
                 </a:moveTo>
@@ -994,25 +1098,23 @@
             </a:pathLst>
           </a:custGeom>
           <a:noFill/>
-          <a:ln w="9525" cap="flat" cmpd="sng">
+          <a:ln cap="flat" cmpd="sng" w="9525">
             <a:solidFill>
               <a:srgbClr val="000000"/>
             </a:solidFill>
             <a:prstDash val="solid"/>
             <a:round/>
-            <a:headEnd type="none" w="sm" len="sm"/>
-            <a:tailEnd type="none" w="sm" len="sm"/>
+            <a:headEnd len="sm" w="sm" type="none"/>
+            <a:tailEnd len="sm" w="sm" type="none"/>
           </a:ln>
         </p:spPr>
       </p:sp>
       <p:sp>
         <p:nvSpPr>
-          <p:cNvPr id="123" name="Google Shape;123;p10:notes"/>
-          <p:cNvSpPr txBox="1">
-            <a:spLocks noGrp="1"/>
-          </p:cNvSpPr>
+          <p:cNvPr id="129" name="Google Shape;129;p11:notes"/>
+          <p:cNvSpPr txBox="1"/>
           <p:nvPr>
-            <p:ph type="body" idx="1"/>
+            <p:ph idx="1" type="body"/>
           </p:nvPr>
         </p:nvSpPr>
         <p:spPr>
@@ -1029,12 +1131,15 @@
           </a:ln>
         </p:spPr>
         <p:txBody>
-          <a:bodyPr spcFirstLastPara="1" wrap="square" lIns="91425" tIns="91425" rIns="91425" bIns="91425" anchor="t" anchorCtr="0">
+          <a:bodyPr anchorCtr="0" anchor="t" bIns="91425" lIns="91425" spcFirstLastPara="1" rIns="91425" wrap="square" tIns="91425">
             <a:noAutofit/>
           </a:bodyPr>
           <a:lstStyle/>
           <a:p>
-            <a:pPr marL="0" lvl="0" indent="0" algn="l" rtl="0">
+            <a:pPr indent="0" lvl="0" marL="0" rtl="0" algn="l">
+              <a:lnSpc>
+                <a:spcPct val="100000"/>
+              </a:lnSpc>
               <a:spcBef>
                 <a:spcPts val="0"/>
               </a:spcBef>
@@ -1048,6 +1153,9 @@
               <a:buFont typeface="Arial"/>
               <a:buNone/>
             </a:pPr>
+            <a:r>
+              <a:t/>
+            </a:r>
             <a:endParaRPr/>
           </a:p>
         </p:txBody>
@@ -1060,12 +1168,12 @@
 </p:notes>
 </file>
 
-<file path=ppt/notesSlides/notesSlide11.xml><?xml version="1.0" encoding="utf-8"?>
-<p:notes xmlns:a="http://schemas.openxmlformats.org/drawingml/2006/main" xmlns:r="http://schemas.openxmlformats.org/officeDocument/2006/relationships" xmlns:p="http://schemas.openxmlformats.org/presentationml/2006/main" showMasterSp="0" showMasterPhAnim="0">
+<file path=ppt/notesSlides/notesSlide2.xml><?xml version="1.0" encoding="utf-8"?>
+<p:notes xmlns:a="http://schemas.openxmlformats.org/drawingml/2006/main" xmlns:r="http://schemas.openxmlformats.org/officeDocument/2006/relationships" xmlns:mc="http://schemas.openxmlformats.org/markup-compatibility/2006" xmlns:mv="urn:schemas-microsoft-com:mac:vml" xmlns:p="http://schemas.openxmlformats.org/presentationml/2006/main" xmlns:c="http://schemas.openxmlformats.org/drawingml/2006/chart" xmlns:dgm="http://schemas.openxmlformats.org/drawingml/2006/diagram" xmlns:o="urn:schemas-microsoft-com:office:office" xmlns:v="urn:schemas-microsoft-com:vml" xmlns:pvml="urn:schemas-microsoft-com:office:powerpoint" xmlns:com="http://schemas.openxmlformats.org/drawingml/2006/compatibility" xmlns:p14="http://schemas.microsoft.com/office/powerpoint/2010/main" xmlns:p15="http://schemas.microsoft.com/office/powerpoint/2012/main" xmlns:ahyp="http://schemas.microsoft.com/office/drawing/2018/hyperlinkcolor" showMasterPhAnim="0" showMasterSp="0">
   <p:cSld>
     <p:spTree>
       <p:nvGrpSpPr>
-        <p:cNvPr id="1" name="Shape 126"/>
+        <p:cNvPr id="57" name="Shape 57"/>
         <p:cNvGrpSpPr/>
         <p:nvPr/>
       </p:nvGrpSpPr>
@@ -1079,27 +1187,21 @@
       </p:grpSpPr>
       <p:sp>
         <p:nvSpPr>
-          <p:cNvPr id="127" name="Google Shape;127;p11:notes"/>
-          <p:cNvSpPr>
-            <a:spLocks noGrp="1" noRot="1" noChangeAspect="1"/>
-          </p:cNvSpPr>
+          <p:cNvPr id="58" name="Google Shape;58;p2:notes"/>
+          <p:cNvSpPr/>
           <p:nvPr>
-            <p:ph type="sldImg" idx="2"/>
+            <p:ph idx="2" type="sldImg"/>
           </p:nvPr>
         </p:nvSpPr>
         <p:spPr>
           <a:xfrm>
-            <a:off x="381300" y="685800"/>
+            <a:off x="381000" y="685800"/>
             <a:ext cx="6096000" cy="3429000"/>
           </a:xfrm>
           <a:custGeom>
-            <a:avLst/>
-            <a:gdLst/>
-            <a:ahLst/>
-            <a:cxnLst/>
-            <a:rect l="l" t="t" r="r" b="b"/>
+            <a:rect b="b" l="l" r="r" t="t"/>
             <a:pathLst>
-              <a:path w="120000" h="120000" extrusionOk="0">
+              <a:path extrusionOk="0" h="120000" w="120000">
                 <a:moveTo>
                   <a:pt x="0" y="0"/>
                 </a:moveTo>
@@ -1117,25 +1219,23 @@
             </a:pathLst>
           </a:custGeom>
           <a:noFill/>
-          <a:ln w="9525" cap="flat" cmpd="sng">
+          <a:ln cap="flat" cmpd="sng" w="9525">
             <a:solidFill>
               <a:srgbClr val="000000"/>
             </a:solidFill>
             <a:prstDash val="solid"/>
             <a:round/>
-            <a:headEnd type="none" w="sm" len="sm"/>
-            <a:tailEnd type="none" w="sm" len="sm"/>
+            <a:headEnd len="sm" w="sm" type="none"/>
+            <a:tailEnd len="sm" w="sm" type="none"/>
           </a:ln>
         </p:spPr>
       </p:sp>
       <p:sp>
         <p:nvSpPr>
-          <p:cNvPr id="128" name="Google Shape;128;p11:notes"/>
-          <p:cNvSpPr txBox="1">
-            <a:spLocks noGrp="1"/>
-          </p:cNvSpPr>
+          <p:cNvPr id="59" name="Google Shape;59;p2:notes"/>
+          <p:cNvSpPr txBox="1"/>
           <p:nvPr>
-            <p:ph type="body" idx="1"/>
+            <p:ph idx="1" type="body"/>
           </p:nvPr>
         </p:nvSpPr>
         <p:spPr>
@@ -1152,12 +1252,15 @@
           </a:ln>
         </p:spPr>
         <p:txBody>
-          <a:bodyPr spcFirstLastPara="1" wrap="square" lIns="91425" tIns="91425" rIns="91425" bIns="91425" anchor="t" anchorCtr="0">
+          <a:bodyPr anchorCtr="0" anchor="t" bIns="91425" lIns="91425" spcFirstLastPara="1" rIns="91425" wrap="square" tIns="91425">
             <a:noAutofit/>
           </a:bodyPr>
           <a:lstStyle/>
           <a:p>
-            <a:pPr marL="0" lvl="0" indent="0" algn="l" rtl="0">
+            <a:pPr indent="0" lvl="0" marL="0" rtl="0" algn="l">
+              <a:lnSpc>
+                <a:spcPct val="100000"/>
+              </a:lnSpc>
               <a:spcBef>
                 <a:spcPts val="0"/>
               </a:spcBef>
@@ -1171,6 +1274,9 @@
               <a:buFont typeface="Arial"/>
               <a:buNone/>
             </a:pPr>
+            <a:r>
+              <a:t/>
+            </a:r>
             <a:endParaRPr/>
           </a:p>
         </p:txBody>
@@ -1183,12 +1289,12 @@
 </p:notes>
 </file>
 
-<file path=ppt/notesSlides/notesSlide2.xml><?xml version="1.0" encoding="utf-8"?>
-<p:notes xmlns:a="http://schemas.openxmlformats.org/drawingml/2006/main" xmlns:r="http://schemas.openxmlformats.org/officeDocument/2006/relationships" xmlns:p="http://schemas.openxmlformats.org/presentationml/2006/main" showMasterSp="0" showMasterPhAnim="0">
+<file path=ppt/notesSlides/notesSlide3.xml><?xml version="1.0" encoding="utf-8"?>
+<p:notes xmlns:a="http://schemas.openxmlformats.org/drawingml/2006/main" xmlns:r="http://schemas.openxmlformats.org/officeDocument/2006/relationships" xmlns:mc="http://schemas.openxmlformats.org/markup-compatibility/2006" xmlns:mv="urn:schemas-microsoft-com:mac:vml" xmlns:p="http://schemas.openxmlformats.org/presentationml/2006/main" xmlns:c="http://schemas.openxmlformats.org/drawingml/2006/chart" xmlns:dgm="http://schemas.openxmlformats.org/drawingml/2006/diagram" xmlns:o="urn:schemas-microsoft-com:office:office" xmlns:v="urn:schemas-microsoft-com:vml" xmlns:pvml="urn:schemas-microsoft-com:office:powerpoint" xmlns:com="http://schemas.openxmlformats.org/drawingml/2006/compatibility" xmlns:p14="http://schemas.microsoft.com/office/powerpoint/2010/main" xmlns:p15="http://schemas.microsoft.com/office/powerpoint/2012/main" xmlns:ahyp="http://schemas.microsoft.com/office/drawing/2018/hyperlinkcolor" showMasterPhAnim="0" showMasterSp="0">
   <p:cSld>
     <p:spTree>
       <p:nvGrpSpPr>
-        <p:cNvPr id="1" name="Shape 57"/>
+        <p:cNvPr id="64" name="Shape 64"/>
         <p:cNvGrpSpPr/>
         <p:nvPr/>
       </p:nvGrpSpPr>
@@ -1202,12 +1308,10 @@
       </p:grpSpPr>
       <p:sp>
         <p:nvSpPr>
-          <p:cNvPr id="58" name="Google Shape;58;p2:notes"/>
-          <p:cNvSpPr>
-            <a:spLocks noGrp="1" noRot="1" noChangeAspect="1"/>
-          </p:cNvSpPr>
+          <p:cNvPr id="65" name="Google Shape;65;p3:notes"/>
+          <p:cNvSpPr/>
           <p:nvPr>
-            <p:ph type="sldImg" idx="2"/>
+            <p:ph idx="2" type="sldImg"/>
           </p:nvPr>
         </p:nvSpPr>
         <p:spPr>
@@ -1216,13 +1320,9 @@
             <a:ext cx="6096000" cy="3429000"/>
           </a:xfrm>
           <a:custGeom>
-            <a:avLst/>
-            <a:gdLst/>
-            <a:ahLst/>
-            <a:cxnLst/>
-            <a:rect l="l" t="t" r="r" b="b"/>
+            <a:rect b="b" l="l" r="r" t="t"/>
             <a:pathLst>
-              <a:path w="120000" h="120000" extrusionOk="0">
+              <a:path extrusionOk="0" h="120000" w="120000">
                 <a:moveTo>
                   <a:pt x="0" y="0"/>
                 </a:moveTo>
@@ -1240,25 +1340,23 @@
             </a:pathLst>
           </a:custGeom>
           <a:noFill/>
-          <a:ln w="9525" cap="flat" cmpd="sng">
+          <a:ln cap="flat" cmpd="sng" w="9525">
             <a:solidFill>
               <a:srgbClr val="000000"/>
             </a:solidFill>
             <a:prstDash val="solid"/>
             <a:round/>
-            <a:headEnd type="none" w="sm" len="sm"/>
-            <a:tailEnd type="none" w="sm" len="sm"/>
+            <a:headEnd len="sm" w="sm" type="none"/>
+            <a:tailEnd len="sm" w="sm" type="none"/>
           </a:ln>
         </p:spPr>
       </p:sp>
       <p:sp>
         <p:nvSpPr>
-          <p:cNvPr id="59" name="Google Shape;59;p2:notes"/>
-          <p:cNvSpPr txBox="1">
-            <a:spLocks noGrp="1"/>
-          </p:cNvSpPr>
+          <p:cNvPr id="66" name="Google Shape;66;p3:notes"/>
+          <p:cNvSpPr txBox="1"/>
           <p:nvPr>
-            <p:ph type="body" idx="1"/>
+            <p:ph idx="1" type="body"/>
           </p:nvPr>
         </p:nvSpPr>
         <p:spPr>
@@ -1275,12 +1373,15 @@
           </a:ln>
         </p:spPr>
         <p:txBody>
-          <a:bodyPr spcFirstLastPara="1" wrap="square" lIns="91425" tIns="91425" rIns="91425" bIns="91425" anchor="t" anchorCtr="0">
+          <a:bodyPr anchorCtr="0" anchor="t" bIns="91425" lIns="91425" spcFirstLastPara="1" rIns="91425" wrap="square" tIns="91425">
             <a:noAutofit/>
           </a:bodyPr>
           <a:lstStyle/>
           <a:p>
-            <a:pPr marL="0" lvl="0" indent="0" algn="l" rtl="0">
+            <a:pPr indent="0" lvl="0" marL="0" rtl="0" algn="l">
+              <a:lnSpc>
+                <a:spcPct val="100000"/>
+              </a:lnSpc>
               <a:spcBef>
                 <a:spcPts val="0"/>
               </a:spcBef>
@@ -1294,6 +1395,9 @@
               <a:buFont typeface="Arial"/>
               <a:buNone/>
             </a:pPr>
+            <a:r>
+              <a:t/>
+            </a:r>
             <a:endParaRPr/>
           </a:p>
         </p:txBody>
@@ -1306,12 +1410,12 @@
 </p:notes>
 </file>
 
-<file path=ppt/notesSlides/notesSlide3.xml><?xml version="1.0" encoding="utf-8"?>
-<p:notes xmlns:a="http://schemas.openxmlformats.org/drawingml/2006/main" xmlns:r="http://schemas.openxmlformats.org/officeDocument/2006/relationships" xmlns:p="http://schemas.openxmlformats.org/presentationml/2006/main" showMasterSp="0" showMasterPhAnim="0">
+<file path=ppt/notesSlides/notesSlide4.xml><?xml version="1.0" encoding="utf-8"?>
+<p:notes xmlns:a="http://schemas.openxmlformats.org/drawingml/2006/main" xmlns:r="http://schemas.openxmlformats.org/officeDocument/2006/relationships" xmlns:mc="http://schemas.openxmlformats.org/markup-compatibility/2006" xmlns:mv="urn:schemas-microsoft-com:mac:vml" xmlns:p="http://schemas.openxmlformats.org/presentationml/2006/main" xmlns:c="http://schemas.openxmlformats.org/drawingml/2006/chart" xmlns:dgm="http://schemas.openxmlformats.org/drawingml/2006/diagram" xmlns:o="urn:schemas-microsoft-com:office:office" xmlns:v="urn:schemas-microsoft-com:vml" xmlns:pvml="urn:schemas-microsoft-com:office:powerpoint" xmlns:com="http://schemas.openxmlformats.org/drawingml/2006/compatibility" xmlns:p14="http://schemas.microsoft.com/office/powerpoint/2010/main" xmlns:p15="http://schemas.microsoft.com/office/powerpoint/2012/main" xmlns:ahyp="http://schemas.microsoft.com/office/drawing/2018/hyperlinkcolor" showMasterPhAnim="0" showMasterSp="0">
   <p:cSld>
     <p:spTree>
       <p:nvGrpSpPr>
-        <p:cNvPr id="1" name="Shape 64"/>
+        <p:cNvPr id="72" name="Shape 72"/>
         <p:cNvGrpSpPr/>
         <p:nvPr/>
       </p:nvGrpSpPr>
@@ -1325,27 +1429,21 @@
       </p:grpSpPr>
       <p:sp>
         <p:nvSpPr>
-          <p:cNvPr id="65" name="Google Shape;65;p3:notes"/>
-          <p:cNvSpPr>
-            <a:spLocks noGrp="1" noRot="1" noChangeAspect="1"/>
-          </p:cNvSpPr>
+          <p:cNvPr id="73" name="Google Shape;73;p4:notes"/>
+          <p:cNvSpPr/>
           <p:nvPr>
-            <p:ph type="sldImg" idx="2"/>
+            <p:ph idx="2" type="sldImg"/>
           </p:nvPr>
         </p:nvSpPr>
         <p:spPr>
           <a:xfrm>
-            <a:off x="381000" y="685800"/>
+            <a:off x="381300" y="685800"/>
             <a:ext cx="6096000" cy="3429000"/>
           </a:xfrm>
           <a:custGeom>
-            <a:avLst/>
-            <a:gdLst/>
-            <a:ahLst/>
-            <a:cxnLst/>
-            <a:rect l="l" t="t" r="r" b="b"/>
+            <a:rect b="b" l="l" r="r" t="t"/>
             <a:pathLst>
-              <a:path w="120000" h="120000" extrusionOk="0">
+              <a:path extrusionOk="0" h="120000" w="120000">
                 <a:moveTo>
                   <a:pt x="0" y="0"/>
                 </a:moveTo>
@@ -1363,25 +1461,23 @@
             </a:pathLst>
           </a:custGeom>
           <a:noFill/>
-          <a:ln w="9525" cap="flat" cmpd="sng">
+          <a:ln cap="flat" cmpd="sng" w="9525">
             <a:solidFill>
               <a:srgbClr val="000000"/>
             </a:solidFill>
             <a:prstDash val="solid"/>
             <a:round/>
-            <a:headEnd type="none" w="sm" len="sm"/>
-            <a:tailEnd type="none" w="sm" len="sm"/>
+            <a:headEnd len="sm" w="sm" type="none"/>
+            <a:tailEnd len="sm" w="sm" type="none"/>
           </a:ln>
         </p:spPr>
       </p:sp>
       <p:sp>
         <p:nvSpPr>
-          <p:cNvPr id="66" name="Google Shape;66;p3:notes"/>
-          <p:cNvSpPr txBox="1">
-            <a:spLocks noGrp="1"/>
-          </p:cNvSpPr>
+          <p:cNvPr id="74" name="Google Shape;74;p4:notes"/>
+          <p:cNvSpPr txBox="1"/>
           <p:nvPr>
-            <p:ph type="body" idx="1"/>
+            <p:ph idx="1" type="body"/>
           </p:nvPr>
         </p:nvSpPr>
         <p:spPr>
@@ -1398,12 +1494,15 @@
           </a:ln>
         </p:spPr>
         <p:txBody>
-          <a:bodyPr spcFirstLastPara="1" wrap="square" lIns="91425" tIns="91425" rIns="91425" bIns="91425" anchor="t" anchorCtr="0">
+          <a:bodyPr anchorCtr="0" anchor="t" bIns="91425" lIns="91425" spcFirstLastPara="1" rIns="91425" wrap="square" tIns="91425">
             <a:noAutofit/>
           </a:bodyPr>
           <a:lstStyle/>
           <a:p>
-            <a:pPr marL="0" lvl="0" indent="0" algn="l" rtl="0">
+            <a:pPr indent="0" lvl="0" marL="0" rtl="0" algn="l">
+              <a:lnSpc>
+                <a:spcPct val="100000"/>
+              </a:lnSpc>
               <a:spcBef>
                 <a:spcPts val="0"/>
               </a:spcBef>
@@ -1417,6 +1516,9 @@
               <a:buFont typeface="Arial"/>
               <a:buNone/>
             </a:pPr>
+            <a:r>
+              <a:t/>
+            </a:r>
             <a:endParaRPr/>
           </a:p>
         </p:txBody>
@@ -1429,12 +1531,12 @@
 </p:notes>
 </file>
 
-<file path=ppt/notesSlides/notesSlide4.xml><?xml version="1.0" encoding="utf-8"?>
-<p:notes xmlns:a="http://schemas.openxmlformats.org/drawingml/2006/main" xmlns:r="http://schemas.openxmlformats.org/officeDocument/2006/relationships" xmlns:p="http://schemas.openxmlformats.org/presentationml/2006/main" showMasterSp="0" showMasterPhAnim="0">
+<file path=ppt/notesSlides/notesSlide5.xml><?xml version="1.0" encoding="utf-8"?>
+<p:notes xmlns:a="http://schemas.openxmlformats.org/drawingml/2006/main" xmlns:r="http://schemas.openxmlformats.org/officeDocument/2006/relationships" xmlns:mc="http://schemas.openxmlformats.org/markup-compatibility/2006" xmlns:mv="urn:schemas-microsoft-com:mac:vml" xmlns:p="http://schemas.openxmlformats.org/presentationml/2006/main" xmlns:c="http://schemas.openxmlformats.org/drawingml/2006/chart" xmlns:dgm="http://schemas.openxmlformats.org/drawingml/2006/diagram" xmlns:o="urn:schemas-microsoft-com:office:office" xmlns:v="urn:schemas-microsoft-com:vml" xmlns:pvml="urn:schemas-microsoft-com:office:powerpoint" xmlns:com="http://schemas.openxmlformats.org/drawingml/2006/compatibility" xmlns:p14="http://schemas.microsoft.com/office/powerpoint/2010/main" xmlns:p15="http://schemas.microsoft.com/office/powerpoint/2012/main" xmlns:ahyp="http://schemas.microsoft.com/office/drawing/2018/hyperlinkcolor" showMasterPhAnim="0" showMasterSp="0">
   <p:cSld>
     <p:spTree>
       <p:nvGrpSpPr>
-        <p:cNvPr id="1" name="Shape 72"/>
+        <p:cNvPr id="81" name="Shape 81"/>
         <p:cNvGrpSpPr/>
         <p:nvPr/>
       </p:nvGrpSpPr>
@@ -1448,12 +1550,10 @@
       </p:grpSpPr>
       <p:sp>
         <p:nvSpPr>
-          <p:cNvPr id="73" name="Google Shape;73;p4:notes"/>
-          <p:cNvSpPr>
-            <a:spLocks noGrp="1" noRot="1" noChangeAspect="1"/>
-          </p:cNvSpPr>
+          <p:cNvPr id="82" name="Google Shape;82;p5:notes"/>
+          <p:cNvSpPr/>
           <p:nvPr>
-            <p:ph type="sldImg" idx="2"/>
+            <p:ph idx="2" type="sldImg"/>
           </p:nvPr>
         </p:nvSpPr>
         <p:spPr>
@@ -1462,13 +1562,9 @@
             <a:ext cx="6096000" cy="3429000"/>
           </a:xfrm>
           <a:custGeom>
-            <a:avLst/>
-            <a:gdLst/>
-            <a:ahLst/>
-            <a:cxnLst/>
-            <a:rect l="l" t="t" r="r" b="b"/>
+            <a:rect b="b" l="l" r="r" t="t"/>
             <a:pathLst>
-              <a:path w="120000" h="120000" extrusionOk="0">
+              <a:path extrusionOk="0" h="120000" w="120000">
                 <a:moveTo>
                   <a:pt x="0" y="0"/>
                 </a:moveTo>
@@ -1486,25 +1582,23 @@
             </a:pathLst>
           </a:custGeom>
           <a:noFill/>
-          <a:ln w="9525" cap="flat" cmpd="sng">
+          <a:ln cap="flat" cmpd="sng" w="9525">
             <a:solidFill>
               <a:srgbClr val="000000"/>
             </a:solidFill>
             <a:prstDash val="solid"/>
             <a:round/>
-            <a:headEnd type="none" w="sm" len="sm"/>
-            <a:tailEnd type="none" w="sm" len="sm"/>
+            <a:headEnd len="sm" w="sm" type="none"/>
+            <a:tailEnd len="sm" w="sm" type="none"/>
           </a:ln>
         </p:spPr>
       </p:sp>
       <p:sp>
         <p:nvSpPr>
-          <p:cNvPr id="74" name="Google Shape;74;p4:notes"/>
-          <p:cNvSpPr txBox="1">
-            <a:spLocks noGrp="1"/>
-          </p:cNvSpPr>
+          <p:cNvPr id="83" name="Google Shape;83;p5:notes"/>
+          <p:cNvSpPr txBox="1"/>
           <p:nvPr>
-            <p:ph type="body" idx="1"/>
+            <p:ph idx="1" type="body"/>
           </p:nvPr>
         </p:nvSpPr>
         <p:spPr>
@@ -1521,12 +1615,15 @@
           </a:ln>
         </p:spPr>
         <p:txBody>
-          <a:bodyPr spcFirstLastPara="1" wrap="square" lIns="91425" tIns="91425" rIns="91425" bIns="91425" anchor="t" anchorCtr="0">
+          <a:bodyPr anchorCtr="0" anchor="t" bIns="91425" lIns="91425" spcFirstLastPara="1" rIns="91425" wrap="square" tIns="91425">
             <a:noAutofit/>
           </a:bodyPr>
           <a:lstStyle/>
           <a:p>
-            <a:pPr marL="0" lvl="0" indent="0" algn="l" rtl="0">
+            <a:pPr indent="0" lvl="0" marL="0" rtl="0" algn="l">
+              <a:lnSpc>
+                <a:spcPct val="100000"/>
+              </a:lnSpc>
               <a:spcBef>
                 <a:spcPts val="0"/>
               </a:spcBef>
@@ -1540,6 +1637,9 @@
               <a:buFont typeface="Arial"/>
               <a:buNone/>
             </a:pPr>
+            <a:r>
+              <a:t/>
+            </a:r>
             <a:endParaRPr/>
           </a:p>
         </p:txBody>
@@ -1552,12 +1652,12 @@
 </p:notes>
 </file>
 
-<file path=ppt/notesSlides/notesSlide5.xml><?xml version="1.0" encoding="utf-8"?>
-<p:notes xmlns:a="http://schemas.openxmlformats.org/drawingml/2006/main" xmlns:r="http://schemas.openxmlformats.org/officeDocument/2006/relationships" xmlns:p="http://schemas.openxmlformats.org/presentationml/2006/main" showMasterSp="0" showMasterPhAnim="0">
+<file path=ppt/notesSlides/notesSlide6.xml><?xml version="1.0" encoding="utf-8"?>
+<p:notes xmlns:a="http://schemas.openxmlformats.org/drawingml/2006/main" xmlns:r="http://schemas.openxmlformats.org/officeDocument/2006/relationships" xmlns:mc="http://schemas.openxmlformats.org/markup-compatibility/2006" xmlns:mv="urn:schemas-microsoft-com:mac:vml" xmlns:p="http://schemas.openxmlformats.org/presentationml/2006/main" xmlns:c="http://schemas.openxmlformats.org/drawingml/2006/chart" xmlns:dgm="http://schemas.openxmlformats.org/drawingml/2006/diagram" xmlns:o="urn:schemas-microsoft-com:office:office" xmlns:v="urn:schemas-microsoft-com:vml" xmlns:pvml="urn:schemas-microsoft-com:office:powerpoint" xmlns:com="http://schemas.openxmlformats.org/drawingml/2006/compatibility" xmlns:p14="http://schemas.microsoft.com/office/powerpoint/2010/main" xmlns:p15="http://schemas.microsoft.com/office/powerpoint/2012/main" xmlns:ahyp="http://schemas.microsoft.com/office/drawing/2018/hyperlinkcolor" showMasterPhAnim="0" showMasterSp="0">
   <p:cSld>
     <p:spTree>
       <p:nvGrpSpPr>
-        <p:cNvPr id="1" name="Shape 81"/>
+        <p:cNvPr id="88" name="Shape 88"/>
         <p:cNvGrpSpPr/>
         <p:nvPr/>
       </p:nvGrpSpPr>
@@ -1571,12 +1671,10 @@
       </p:grpSpPr>
       <p:sp>
         <p:nvSpPr>
-          <p:cNvPr id="82" name="Google Shape;82;p5:notes"/>
-          <p:cNvSpPr>
-            <a:spLocks noGrp="1" noRot="1" noChangeAspect="1"/>
-          </p:cNvSpPr>
+          <p:cNvPr id="89" name="Google Shape;89;p6:notes"/>
+          <p:cNvSpPr/>
           <p:nvPr>
-            <p:ph type="sldImg" idx="2"/>
+            <p:ph idx="2" type="sldImg"/>
           </p:nvPr>
         </p:nvSpPr>
         <p:spPr>
@@ -1585,13 +1683,9 @@
             <a:ext cx="6096000" cy="3429000"/>
           </a:xfrm>
           <a:custGeom>
-            <a:avLst/>
-            <a:gdLst/>
-            <a:ahLst/>
-            <a:cxnLst/>
-            <a:rect l="l" t="t" r="r" b="b"/>
+            <a:rect b="b" l="l" r="r" t="t"/>
             <a:pathLst>
-              <a:path w="120000" h="120000" extrusionOk="0">
+              <a:path extrusionOk="0" h="120000" w="120000">
                 <a:moveTo>
                   <a:pt x="0" y="0"/>
                 </a:moveTo>
@@ -1609,25 +1703,23 @@
             </a:pathLst>
           </a:custGeom>
           <a:noFill/>
-          <a:ln w="9525" cap="flat" cmpd="sng">
+          <a:ln cap="flat" cmpd="sng" w="9525">
             <a:solidFill>
               <a:srgbClr val="000000"/>
             </a:solidFill>
             <a:prstDash val="solid"/>
             <a:round/>
-            <a:headEnd type="none" w="sm" len="sm"/>
-            <a:tailEnd type="none" w="sm" len="sm"/>
+            <a:headEnd len="sm" w="sm" type="none"/>
+            <a:tailEnd len="sm" w="sm" type="none"/>
           </a:ln>
         </p:spPr>
       </p:sp>
       <p:sp>
         <p:nvSpPr>
-          <p:cNvPr id="83" name="Google Shape;83;p5:notes"/>
-          <p:cNvSpPr txBox="1">
-            <a:spLocks noGrp="1"/>
-          </p:cNvSpPr>
+          <p:cNvPr id="90" name="Google Shape;90;p6:notes"/>
+          <p:cNvSpPr txBox="1"/>
           <p:nvPr>
-            <p:ph type="body" idx="1"/>
+            <p:ph idx="1" type="body"/>
           </p:nvPr>
         </p:nvSpPr>
         <p:spPr>
@@ -1644,12 +1736,15 @@
           </a:ln>
         </p:spPr>
         <p:txBody>
-          <a:bodyPr spcFirstLastPara="1" wrap="square" lIns="91425" tIns="91425" rIns="91425" bIns="91425" anchor="t" anchorCtr="0">
+          <a:bodyPr anchorCtr="0" anchor="t" bIns="91425" lIns="91425" spcFirstLastPara="1" rIns="91425" wrap="square" tIns="91425">
             <a:noAutofit/>
           </a:bodyPr>
           <a:lstStyle/>
           <a:p>
-            <a:pPr marL="0" lvl="0" indent="0" algn="l" rtl="0">
+            <a:pPr indent="0" lvl="0" marL="0" rtl="0" algn="l">
+              <a:lnSpc>
+                <a:spcPct val="100000"/>
+              </a:lnSpc>
               <a:spcBef>
                 <a:spcPts val="0"/>
               </a:spcBef>
@@ -1663,6 +1758,9 @@
               <a:buFont typeface="Arial"/>
               <a:buNone/>
             </a:pPr>
+            <a:r>
+              <a:t/>
+            </a:r>
             <a:endParaRPr/>
           </a:p>
         </p:txBody>
@@ -1675,12 +1773,12 @@
 </p:notes>
 </file>
 
-<file path=ppt/notesSlides/notesSlide6.xml><?xml version="1.0" encoding="utf-8"?>
-<p:notes xmlns:a="http://schemas.openxmlformats.org/drawingml/2006/main" xmlns:r="http://schemas.openxmlformats.org/officeDocument/2006/relationships" xmlns:p="http://schemas.openxmlformats.org/presentationml/2006/main" showMasterSp="0" showMasterPhAnim="0">
+<file path=ppt/notesSlides/notesSlide7.xml><?xml version="1.0" encoding="utf-8"?>
+<p:notes xmlns:a="http://schemas.openxmlformats.org/drawingml/2006/main" xmlns:r="http://schemas.openxmlformats.org/officeDocument/2006/relationships" xmlns:mc="http://schemas.openxmlformats.org/markup-compatibility/2006" xmlns:mv="urn:schemas-microsoft-com:mac:vml" xmlns:p="http://schemas.openxmlformats.org/presentationml/2006/main" xmlns:c="http://schemas.openxmlformats.org/drawingml/2006/chart" xmlns:dgm="http://schemas.openxmlformats.org/drawingml/2006/diagram" xmlns:o="urn:schemas-microsoft-com:office:office" xmlns:v="urn:schemas-microsoft-com:vml" xmlns:pvml="urn:schemas-microsoft-com:office:powerpoint" xmlns:com="http://schemas.openxmlformats.org/drawingml/2006/compatibility" xmlns:p14="http://schemas.microsoft.com/office/powerpoint/2010/main" xmlns:p15="http://schemas.microsoft.com/office/powerpoint/2012/main" xmlns:ahyp="http://schemas.microsoft.com/office/drawing/2018/hyperlinkcolor" showMasterPhAnim="0" showMasterSp="0">
   <p:cSld>
     <p:spTree>
       <p:nvGrpSpPr>
-        <p:cNvPr id="1" name="Shape 88"/>
+        <p:cNvPr id="97" name="Shape 97"/>
         <p:cNvGrpSpPr/>
         <p:nvPr/>
       </p:nvGrpSpPr>
@@ -1694,12 +1792,10 @@
       </p:grpSpPr>
       <p:sp>
         <p:nvSpPr>
-          <p:cNvPr id="89" name="Google Shape;89;p6:notes"/>
-          <p:cNvSpPr>
-            <a:spLocks noGrp="1" noRot="1" noChangeAspect="1"/>
-          </p:cNvSpPr>
+          <p:cNvPr id="98" name="Google Shape;98;p7:notes"/>
+          <p:cNvSpPr/>
           <p:nvPr>
-            <p:ph type="sldImg" idx="2"/>
+            <p:ph idx="2" type="sldImg"/>
           </p:nvPr>
         </p:nvSpPr>
         <p:spPr>
@@ -1708,13 +1804,9 @@
             <a:ext cx="6096000" cy="3429000"/>
           </a:xfrm>
           <a:custGeom>
-            <a:avLst/>
-            <a:gdLst/>
-            <a:ahLst/>
-            <a:cxnLst/>
-            <a:rect l="l" t="t" r="r" b="b"/>
+            <a:rect b="b" l="l" r="r" t="t"/>
             <a:pathLst>
-              <a:path w="120000" h="120000" extrusionOk="0">
+              <a:path extrusionOk="0" h="120000" w="120000">
                 <a:moveTo>
                   <a:pt x="0" y="0"/>
                 </a:moveTo>
@@ -1732,25 +1824,23 @@
             </a:pathLst>
           </a:custGeom>
           <a:noFill/>
-          <a:ln w="9525" cap="flat" cmpd="sng">
+          <a:ln cap="flat" cmpd="sng" w="9525">
             <a:solidFill>
               <a:srgbClr val="000000"/>
             </a:solidFill>
             <a:prstDash val="solid"/>
             <a:round/>
-            <a:headEnd type="none" w="sm" len="sm"/>
-            <a:tailEnd type="none" w="sm" len="sm"/>
+            <a:headEnd len="sm" w="sm" type="none"/>
+            <a:tailEnd len="sm" w="sm" type="none"/>
           </a:ln>
         </p:spPr>
       </p:sp>
       <p:sp>
         <p:nvSpPr>
-          <p:cNvPr id="90" name="Google Shape;90;p6:notes"/>
-          <p:cNvSpPr txBox="1">
-            <a:spLocks noGrp="1"/>
-          </p:cNvSpPr>
+          <p:cNvPr id="99" name="Google Shape;99;p7:notes"/>
+          <p:cNvSpPr txBox="1"/>
           <p:nvPr>
-            <p:ph type="body" idx="1"/>
+            <p:ph idx="1" type="body"/>
           </p:nvPr>
         </p:nvSpPr>
         <p:spPr>
@@ -1767,12 +1857,15 @@
           </a:ln>
         </p:spPr>
         <p:txBody>
-          <a:bodyPr spcFirstLastPara="1" wrap="square" lIns="91425" tIns="91425" rIns="91425" bIns="91425" anchor="t" anchorCtr="0">
+          <a:bodyPr anchorCtr="0" anchor="t" bIns="91425" lIns="91425" spcFirstLastPara="1" rIns="91425" wrap="square" tIns="91425">
             <a:noAutofit/>
           </a:bodyPr>
           <a:lstStyle/>
           <a:p>
-            <a:pPr marL="0" lvl="0" indent="0" algn="l" rtl="0">
+            <a:pPr indent="0" lvl="0" marL="0" rtl="0" algn="l">
+              <a:lnSpc>
+                <a:spcPct val="100000"/>
+              </a:lnSpc>
               <a:spcBef>
                 <a:spcPts val="0"/>
               </a:spcBef>
@@ -1786,6 +1879,9 @@
               <a:buFont typeface="Arial"/>
               <a:buNone/>
             </a:pPr>
+            <a:r>
+              <a:t/>
+            </a:r>
             <a:endParaRPr/>
           </a:p>
         </p:txBody>
@@ -1798,12 +1894,12 @@
 </p:notes>
 </file>
 
-<file path=ppt/notesSlides/notesSlide7.xml><?xml version="1.0" encoding="utf-8"?>
-<p:notes xmlns:a="http://schemas.openxmlformats.org/drawingml/2006/main" xmlns:r="http://schemas.openxmlformats.org/officeDocument/2006/relationships" xmlns:p="http://schemas.openxmlformats.org/presentationml/2006/main" showMasterSp="0" showMasterPhAnim="0">
+<file path=ppt/notesSlides/notesSlide8.xml><?xml version="1.0" encoding="utf-8"?>
+<p:notes xmlns:a="http://schemas.openxmlformats.org/drawingml/2006/main" xmlns:r="http://schemas.openxmlformats.org/officeDocument/2006/relationships" xmlns:mc="http://schemas.openxmlformats.org/markup-compatibility/2006" xmlns:mv="urn:schemas-microsoft-com:mac:vml" xmlns:p="http://schemas.openxmlformats.org/presentationml/2006/main" xmlns:c="http://schemas.openxmlformats.org/drawingml/2006/chart" xmlns:dgm="http://schemas.openxmlformats.org/drawingml/2006/diagram" xmlns:o="urn:schemas-microsoft-com:office:office" xmlns:v="urn:schemas-microsoft-com:vml" xmlns:pvml="urn:schemas-microsoft-com:office:powerpoint" xmlns:com="http://schemas.openxmlformats.org/drawingml/2006/compatibility" xmlns:p14="http://schemas.microsoft.com/office/powerpoint/2010/main" xmlns:p15="http://schemas.microsoft.com/office/powerpoint/2012/main" xmlns:ahyp="http://schemas.microsoft.com/office/drawing/2018/hyperlinkcolor" showMasterPhAnim="0" showMasterSp="0">
   <p:cSld>
     <p:spTree>
       <p:nvGrpSpPr>
-        <p:cNvPr id="1" name="Shape 97"/>
+        <p:cNvPr id="106" name="Shape 106"/>
         <p:cNvGrpSpPr/>
         <p:nvPr/>
       </p:nvGrpSpPr>
@@ -1817,12 +1913,10 @@
       </p:grpSpPr>
       <p:sp>
         <p:nvSpPr>
-          <p:cNvPr id="98" name="Google Shape;98;p7:notes"/>
-          <p:cNvSpPr>
-            <a:spLocks noGrp="1" noRot="1" noChangeAspect="1"/>
-          </p:cNvSpPr>
+          <p:cNvPr id="107" name="Google Shape;107;p8:notes"/>
+          <p:cNvSpPr/>
           <p:nvPr>
-            <p:ph type="sldImg" idx="2"/>
+            <p:ph idx="2" type="sldImg"/>
           </p:nvPr>
         </p:nvSpPr>
         <p:spPr>
@@ -1831,13 +1925,9 @@
             <a:ext cx="6096000" cy="3429000"/>
           </a:xfrm>
           <a:custGeom>
-            <a:avLst/>
-            <a:gdLst/>
-            <a:ahLst/>
-            <a:cxnLst/>
-            <a:rect l="l" t="t" r="r" b="b"/>
+            <a:rect b="b" l="l" r="r" t="t"/>
             <a:pathLst>
-              <a:path w="120000" h="120000" extrusionOk="0">
+              <a:path extrusionOk="0" h="120000" w="120000">
                 <a:moveTo>
                   <a:pt x="0" y="0"/>
                 </a:moveTo>
@@ -1855,25 +1945,23 @@
             </a:pathLst>
           </a:custGeom>
           <a:noFill/>
-          <a:ln w="9525" cap="flat" cmpd="sng">
+          <a:ln cap="flat" cmpd="sng" w="9525">
             <a:solidFill>
               <a:srgbClr val="000000"/>
             </a:solidFill>
             <a:prstDash val="solid"/>
             <a:round/>
-            <a:headEnd type="none" w="sm" len="sm"/>
-            <a:tailEnd type="none" w="sm" len="sm"/>
+            <a:headEnd len="sm" w="sm" type="none"/>
+            <a:tailEnd len="sm" w="sm" type="none"/>
           </a:ln>
         </p:spPr>
       </p:sp>
       <p:sp>
         <p:nvSpPr>
-          <p:cNvPr id="99" name="Google Shape;99;p7:notes"/>
-          <p:cNvSpPr txBox="1">
-            <a:spLocks noGrp="1"/>
-          </p:cNvSpPr>
+          <p:cNvPr id="108" name="Google Shape;108;p8:notes"/>
+          <p:cNvSpPr txBox="1"/>
           <p:nvPr>
-            <p:ph type="body" idx="1"/>
+            <p:ph idx="1" type="body"/>
           </p:nvPr>
         </p:nvSpPr>
         <p:spPr>
@@ -1890,12 +1978,15 @@
           </a:ln>
         </p:spPr>
         <p:txBody>
-          <a:bodyPr spcFirstLastPara="1" wrap="square" lIns="91425" tIns="91425" rIns="91425" bIns="91425" anchor="t" anchorCtr="0">
+          <a:bodyPr anchorCtr="0" anchor="t" bIns="91425" lIns="91425" spcFirstLastPara="1" rIns="91425" wrap="square" tIns="91425">
             <a:noAutofit/>
           </a:bodyPr>
           <a:lstStyle/>
           <a:p>
-            <a:pPr marL="0" lvl="0" indent="0" algn="l" rtl="0">
+            <a:pPr indent="0" lvl="0" marL="0" rtl="0" algn="l">
+              <a:lnSpc>
+                <a:spcPct val="100000"/>
+              </a:lnSpc>
               <a:spcBef>
                 <a:spcPts val="0"/>
               </a:spcBef>
@@ -1909,6 +2000,9 @@
               <a:buFont typeface="Arial"/>
               <a:buNone/>
             </a:pPr>
+            <a:r>
+              <a:t/>
+            </a:r>
             <a:endParaRPr/>
           </a:p>
         </p:txBody>
@@ -1921,12 +2015,12 @@
 </p:notes>
 </file>
 
-<file path=ppt/notesSlides/notesSlide8.xml><?xml version="1.0" encoding="utf-8"?>
-<p:notes xmlns:a="http://schemas.openxmlformats.org/drawingml/2006/main" xmlns:r="http://schemas.openxmlformats.org/officeDocument/2006/relationships" xmlns:p="http://schemas.openxmlformats.org/presentationml/2006/main" showMasterSp="0" showMasterPhAnim="0">
+<file path=ppt/notesSlides/notesSlide9.xml><?xml version="1.0" encoding="utf-8"?>
+<p:notes xmlns:a="http://schemas.openxmlformats.org/drawingml/2006/main" xmlns:r="http://schemas.openxmlformats.org/officeDocument/2006/relationships" xmlns:mc="http://schemas.openxmlformats.org/markup-compatibility/2006" xmlns:mv="urn:schemas-microsoft-com:mac:vml" xmlns:p="http://schemas.openxmlformats.org/presentationml/2006/main" xmlns:c="http://schemas.openxmlformats.org/drawingml/2006/chart" xmlns:dgm="http://schemas.openxmlformats.org/drawingml/2006/diagram" xmlns:o="urn:schemas-microsoft-com:office:office" xmlns:v="urn:schemas-microsoft-com:vml" xmlns:pvml="urn:schemas-microsoft-com:office:powerpoint" xmlns:com="http://schemas.openxmlformats.org/drawingml/2006/compatibility" xmlns:p14="http://schemas.microsoft.com/office/powerpoint/2010/main" xmlns:p15="http://schemas.microsoft.com/office/powerpoint/2012/main" xmlns:ahyp="http://schemas.microsoft.com/office/drawing/2018/hyperlinkcolor" showMasterPhAnim="0" showMasterSp="0">
   <p:cSld>
     <p:spTree>
       <p:nvGrpSpPr>
-        <p:cNvPr id="1" name="Shape 106"/>
+        <p:cNvPr id="112" name="Shape 112"/>
         <p:cNvGrpSpPr/>
         <p:nvPr/>
       </p:nvGrpSpPr>
@@ -1940,12 +2034,10 @@
       </p:grpSpPr>
       <p:sp>
         <p:nvSpPr>
-          <p:cNvPr id="107" name="Google Shape;107;p8:notes"/>
-          <p:cNvSpPr>
-            <a:spLocks noGrp="1" noRot="1" noChangeAspect="1"/>
-          </p:cNvSpPr>
+          <p:cNvPr id="113" name="Google Shape;113;p9:notes"/>
+          <p:cNvSpPr/>
           <p:nvPr>
-            <p:ph type="sldImg" idx="2"/>
+            <p:ph idx="2" type="sldImg"/>
           </p:nvPr>
         </p:nvSpPr>
         <p:spPr>
@@ -1954,13 +2046,9 @@
             <a:ext cx="6096000" cy="3429000"/>
           </a:xfrm>
           <a:custGeom>
-            <a:avLst/>
-            <a:gdLst/>
-            <a:ahLst/>
-            <a:cxnLst/>
-            <a:rect l="l" t="t" r="r" b="b"/>
+            <a:rect b="b" l="l" r="r" t="t"/>
             <a:pathLst>
-              <a:path w="120000" h="120000" extrusionOk="0">
+              <a:path extrusionOk="0" h="120000" w="120000">
                 <a:moveTo>
                   <a:pt x="0" y="0"/>
                 </a:moveTo>
@@ -1978,25 +2066,23 @@
             </a:pathLst>
           </a:custGeom>
           <a:noFill/>
-          <a:ln w="9525" cap="flat" cmpd="sng">
+          <a:ln cap="flat" cmpd="sng" w="9525">
             <a:solidFill>
               <a:srgbClr val="000000"/>
             </a:solidFill>
             <a:prstDash val="solid"/>
             <a:round/>
-            <a:headEnd type="none" w="sm" len="sm"/>
-            <a:tailEnd type="none" w="sm" len="sm"/>
+            <a:headEnd len="sm" w="sm" type="none"/>
+            <a:tailEnd len="sm" w="sm" type="none"/>
           </a:ln>
         </p:spPr>
       </p:sp>
       <p:sp>
         <p:nvSpPr>
-          <p:cNvPr id="108" name="Google Shape;108;p8:notes"/>
-          <p:cNvSpPr txBox="1">
-            <a:spLocks noGrp="1"/>
-          </p:cNvSpPr>
+          <p:cNvPr id="114" name="Google Shape;114;p9:notes"/>
+          <p:cNvSpPr txBox="1"/>
           <p:nvPr>
-            <p:ph type="body" idx="1"/>
+            <p:ph idx="1" type="body"/>
           </p:nvPr>
         </p:nvSpPr>
         <p:spPr>
@@ -2013,12 +2099,15 @@
           </a:ln>
         </p:spPr>
         <p:txBody>
-          <a:bodyPr spcFirstLastPara="1" wrap="square" lIns="91425" tIns="91425" rIns="91425" bIns="91425" anchor="t" anchorCtr="0">
+          <a:bodyPr anchorCtr="0" anchor="t" bIns="91425" lIns="91425" spcFirstLastPara="1" rIns="91425" wrap="square" tIns="91425">
             <a:noAutofit/>
           </a:bodyPr>
           <a:lstStyle/>
           <a:p>
-            <a:pPr marL="0" lvl="0" indent="0" algn="l" rtl="0">
+            <a:pPr indent="0" lvl="0" marL="0" rtl="0" algn="l">
+              <a:lnSpc>
+                <a:spcPct val="100000"/>
+              </a:lnSpc>
               <a:spcBef>
                 <a:spcPts val="0"/>
               </a:spcBef>
@@ -2032,129 +2121,9 @@
               <a:buFont typeface="Arial"/>
               <a:buNone/>
             </a:pPr>
-            <a:endParaRPr/>
-          </a:p>
-        </p:txBody>
-      </p:sp>
-    </p:spTree>
-  </p:cSld>
-  <p:clrMapOvr>
-    <a:masterClrMapping/>
-  </p:clrMapOvr>
-</p:notes>
-</file>
-
-<file path=ppt/notesSlides/notesSlide9.xml><?xml version="1.0" encoding="utf-8"?>
-<p:notes xmlns:a="http://schemas.openxmlformats.org/drawingml/2006/main" xmlns:r="http://schemas.openxmlformats.org/officeDocument/2006/relationships" xmlns:p="http://schemas.openxmlformats.org/presentationml/2006/main" showMasterSp="0" showMasterPhAnim="0">
-  <p:cSld>
-    <p:spTree>
-      <p:nvGrpSpPr>
-        <p:cNvPr id="1" name="Shape 112"/>
-        <p:cNvGrpSpPr/>
-        <p:nvPr/>
-      </p:nvGrpSpPr>
-      <p:grpSpPr>
-        <a:xfrm>
-          <a:off x="0" y="0"/>
-          <a:ext cx="0" cy="0"/>
-          <a:chOff x="0" y="0"/>
-          <a:chExt cx="0" cy="0"/>
-        </a:xfrm>
-      </p:grpSpPr>
-      <p:sp>
-        <p:nvSpPr>
-          <p:cNvPr id="113" name="Google Shape;113;p9:notes"/>
-          <p:cNvSpPr>
-            <a:spLocks noGrp="1" noRot="1" noChangeAspect="1"/>
-          </p:cNvSpPr>
-          <p:nvPr>
-            <p:ph type="sldImg" idx="2"/>
-          </p:nvPr>
-        </p:nvSpPr>
-        <p:spPr>
-          <a:xfrm>
-            <a:off x="381300" y="685800"/>
-            <a:ext cx="6096000" cy="3429000"/>
-          </a:xfrm>
-          <a:custGeom>
-            <a:avLst/>
-            <a:gdLst/>
-            <a:ahLst/>
-            <a:cxnLst/>
-            <a:rect l="l" t="t" r="r" b="b"/>
-            <a:pathLst>
-              <a:path w="120000" h="120000" extrusionOk="0">
-                <a:moveTo>
-                  <a:pt x="0" y="0"/>
-                </a:moveTo>
-                <a:lnTo>
-                  <a:pt x="120000" y="0"/>
-                </a:lnTo>
-                <a:lnTo>
-                  <a:pt x="120000" y="120000"/>
-                </a:lnTo>
-                <a:lnTo>
-                  <a:pt x="0" y="120000"/>
-                </a:lnTo>
-                <a:close/>
-              </a:path>
-            </a:pathLst>
-          </a:custGeom>
-          <a:noFill/>
-          <a:ln w="9525" cap="flat" cmpd="sng">
-            <a:solidFill>
-              <a:srgbClr val="000000"/>
-            </a:solidFill>
-            <a:prstDash val="solid"/>
-            <a:round/>
-            <a:headEnd type="none" w="sm" len="sm"/>
-            <a:tailEnd type="none" w="sm" len="sm"/>
-          </a:ln>
-        </p:spPr>
-      </p:sp>
-      <p:sp>
-        <p:nvSpPr>
-          <p:cNvPr id="114" name="Google Shape;114;p9:notes"/>
-          <p:cNvSpPr txBox="1">
-            <a:spLocks noGrp="1"/>
-          </p:cNvSpPr>
-          <p:nvPr>
-            <p:ph type="body" idx="1"/>
-          </p:nvPr>
-        </p:nvSpPr>
-        <p:spPr>
-          <a:xfrm>
-            <a:off x="685800" y="4343400"/>
-            <a:ext cx="5486400" cy="4114800"/>
-          </a:xfrm>
-          <a:prstGeom prst="rect">
-            <a:avLst/>
-          </a:prstGeom>
-          <a:noFill/>
-          <a:ln>
-            <a:noFill/>
-          </a:ln>
-        </p:spPr>
-        <p:txBody>
-          <a:bodyPr spcFirstLastPara="1" wrap="square" lIns="91425" tIns="91425" rIns="91425" bIns="91425" anchor="t" anchorCtr="0">
-            <a:noAutofit/>
-          </a:bodyPr>
-          <a:lstStyle/>
-          <a:p>
-            <a:pPr marL="0" lvl="0" indent="0" algn="l" rtl="0">
-              <a:spcBef>
-                <a:spcPts val="0"/>
-              </a:spcBef>
-              <a:spcAft>
-                <a:spcPts val="0"/>
-              </a:spcAft>
-              <a:buClr>
-                <a:schemeClr val="dk1"/>
-              </a:buClr>
-              <a:buSzPts val="1400"/>
-              <a:buFont typeface="Arial"/>
-              <a:buNone/>
-            </a:pPr>
+            <a:r>
+              <a:t/>
+            </a:r>
             <a:endParaRPr/>
           </a:p>
         </p:txBody>
@@ -2168,11 +2137,11 @@
 </file>
 
 <file path=ppt/slideLayouts/slideLayout1.xml><?xml version="1.0" encoding="utf-8"?>
-<p:sldLayout xmlns:a="http://schemas.openxmlformats.org/drawingml/2006/main" xmlns:r="http://schemas.openxmlformats.org/officeDocument/2006/relationships" xmlns:p="http://schemas.openxmlformats.org/presentationml/2006/main" matchingName="Title slide" type="title">
+<p:sldLayout xmlns:a="http://schemas.openxmlformats.org/drawingml/2006/main" xmlns:r="http://schemas.openxmlformats.org/officeDocument/2006/relationships" xmlns:mc="http://schemas.openxmlformats.org/markup-compatibility/2006" xmlns:mv="urn:schemas-microsoft-com:mac:vml" xmlns:p="http://schemas.openxmlformats.org/presentationml/2006/main" xmlns:c="http://schemas.openxmlformats.org/drawingml/2006/chart" xmlns:dgm="http://schemas.openxmlformats.org/drawingml/2006/diagram" xmlns:o="urn:schemas-microsoft-com:office:office" xmlns:v="urn:schemas-microsoft-com:vml" xmlns:pvml="urn:schemas-microsoft-com:office:powerpoint" xmlns:com="http://schemas.openxmlformats.org/drawingml/2006/compatibility" xmlns:p14="http://schemas.microsoft.com/office/powerpoint/2010/main" xmlns:p15="http://schemas.microsoft.com/office/powerpoint/2012/main" xmlns:ahyp="http://schemas.microsoft.com/office/drawing/2018/hyperlinkcolor" matchingName="Title slide" type="title">
   <p:cSld name="TITLE">
     <p:spTree>
       <p:nvGrpSpPr>
-        <p:cNvPr id="1" name="Shape 9"/>
+        <p:cNvPr id="9" name="Shape 9"/>
         <p:cNvGrpSpPr/>
         <p:nvPr/>
       </p:nvGrpSpPr>
@@ -2187,9 +2156,7 @@
       <p:sp>
         <p:nvSpPr>
           <p:cNvPr id="10" name="Google Shape;10;p13"/>
-          <p:cNvSpPr txBox="1">
-            <a:spLocks noGrp="1"/>
-          </p:cNvSpPr>
+          <p:cNvSpPr txBox="1"/>
           <p:nvPr>
             <p:ph type="ctrTitle"/>
           </p:nvPr>
@@ -2208,7 +2175,7 @@
           </a:ln>
         </p:spPr>
         <p:txBody>
-          <a:bodyPr spcFirstLastPara="1" wrap="square" lIns="91425" tIns="91425" rIns="91425" bIns="91425" anchor="b" anchorCtr="0">
+          <a:bodyPr anchorCtr="0" anchor="b" bIns="91425" lIns="91425" spcFirstLastPara="1" rIns="91425" wrap="square" tIns="91425">
             <a:noAutofit/>
           </a:bodyPr>
           <a:lstStyle>
@@ -2228,6 +2195,9 @@
               <a:defRPr sz="5200"/>
             </a:lvl1pPr>
             <a:lvl2pPr lvl="1" algn="ctr">
+              <a:lnSpc>
+                <a:spcPct val="100000"/>
+              </a:lnSpc>
               <a:spcBef>
                 <a:spcPts val="0"/>
               </a:spcBef>
@@ -2239,6 +2209,9 @@
               <a:defRPr sz="5200"/>
             </a:lvl2pPr>
             <a:lvl3pPr lvl="2" algn="ctr">
+              <a:lnSpc>
+                <a:spcPct val="100000"/>
+              </a:lnSpc>
               <a:spcBef>
                 <a:spcPts val="0"/>
               </a:spcBef>
@@ -2250,6 +2223,9 @@
               <a:defRPr sz="5200"/>
             </a:lvl3pPr>
             <a:lvl4pPr lvl="3" algn="ctr">
+              <a:lnSpc>
+                <a:spcPct val="100000"/>
+              </a:lnSpc>
               <a:spcBef>
                 <a:spcPts val="0"/>
               </a:spcBef>
@@ -2261,6 +2237,9 @@
               <a:defRPr sz="5200"/>
             </a:lvl4pPr>
             <a:lvl5pPr lvl="4" algn="ctr">
+              <a:lnSpc>
+                <a:spcPct val="100000"/>
+              </a:lnSpc>
               <a:spcBef>
                 <a:spcPts val="0"/>
               </a:spcBef>
@@ -2272,6 +2251,9 @@
               <a:defRPr sz="5200"/>
             </a:lvl5pPr>
             <a:lvl6pPr lvl="5" algn="ctr">
+              <a:lnSpc>
+                <a:spcPct val="100000"/>
+              </a:lnSpc>
               <a:spcBef>
                 <a:spcPts val="0"/>
               </a:spcBef>
@@ -2283,6 +2265,9 @@
               <a:defRPr sz="5200"/>
             </a:lvl6pPr>
             <a:lvl7pPr lvl="6" algn="ctr">
+              <a:lnSpc>
+                <a:spcPct val="100000"/>
+              </a:lnSpc>
               <a:spcBef>
                 <a:spcPts val="0"/>
               </a:spcBef>
@@ -2294,6 +2279,9 @@
               <a:defRPr sz="5200"/>
             </a:lvl7pPr>
             <a:lvl8pPr lvl="7" algn="ctr">
+              <a:lnSpc>
+                <a:spcPct val="100000"/>
+              </a:lnSpc>
               <a:spcBef>
                 <a:spcPts val="0"/>
               </a:spcBef>
@@ -2305,6 +2293,9 @@
               <a:defRPr sz="5200"/>
             </a:lvl8pPr>
             <a:lvl9pPr lvl="8" algn="ctr">
+              <a:lnSpc>
+                <a:spcPct val="100000"/>
+              </a:lnSpc>
               <a:spcBef>
                 <a:spcPts val="0"/>
               </a:spcBef>
@@ -2316,19 +2307,15 @@
               <a:defRPr sz="5200"/>
             </a:lvl9pPr>
           </a:lstStyle>
-          <a:p>
-            <a:endParaRPr/>
-          </a:p>
+          <a:p/>
         </p:txBody>
       </p:sp>
       <p:sp>
         <p:nvSpPr>
           <p:cNvPr id="11" name="Google Shape;11;p13"/>
-          <p:cNvSpPr txBox="1">
-            <a:spLocks noGrp="1"/>
-          </p:cNvSpPr>
+          <p:cNvSpPr txBox="1"/>
           <p:nvPr>
-            <p:ph type="subTitle" idx="1"/>
+            <p:ph idx="1" type="subTitle"/>
           </p:nvPr>
         </p:nvSpPr>
         <p:spPr>
@@ -2345,7 +2332,7 @@
           </a:ln>
         </p:spPr>
         <p:txBody>
-          <a:bodyPr spcFirstLastPara="1" wrap="square" lIns="91425" tIns="91425" rIns="91425" bIns="91425" anchor="t" anchorCtr="0">
+          <a:bodyPr anchorCtr="0" anchor="t" bIns="91425" lIns="91425" spcFirstLastPara="1" rIns="91425" wrap="square" tIns="91425">
             <a:noAutofit/>
           </a:bodyPr>
           <a:lstStyle>
@@ -2485,19 +2472,15 @@
               <a:defRPr sz="2800"/>
             </a:lvl9pPr>
           </a:lstStyle>
-          <a:p>
-            <a:endParaRPr/>
-          </a:p>
+          <a:p/>
         </p:txBody>
       </p:sp>
       <p:sp>
         <p:nvSpPr>
           <p:cNvPr id="12" name="Google Shape;12;p13"/>
-          <p:cNvSpPr txBox="1">
-            <a:spLocks noGrp="1"/>
-          </p:cNvSpPr>
+          <p:cNvSpPr txBox="1"/>
           <p:nvPr>
-            <p:ph type="sldNum" idx="12"/>
+            <p:ph idx="12" type="sldNum"/>
           </p:nvPr>
         </p:nvSpPr>
         <p:spPr>
@@ -2514,11 +2497,11 @@
           </a:ln>
         </p:spPr>
         <p:txBody>
-          <a:bodyPr spcFirstLastPara="1" wrap="square" lIns="91425" tIns="91425" rIns="91425" bIns="91425" anchor="ctr" anchorCtr="0">
+          <a:bodyPr anchorCtr="0" anchor="ctr" bIns="91425" lIns="91425" spcFirstLastPara="1" rIns="91425" wrap="square" tIns="91425">
             <a:noAutofit/>
           </a:bodyPr>
           <a:lstStyle>
-            <a:lvl1pPr marL="0" lvl="0" indent="0" algn="l">
+            <a:lvl1pPr indent="0" lvl="0" marL="0" marR="0" algn="l">
               <a:lnSpc>
                 <a:spcPct val="100000"/>
               </a:lnSpc>
@@ -2534,9 +2517,17 @@
               <a:buSzPts val="1400"/>
               <a:buFont typeface="Arial"/>
               <a:buNone/>
-              <a:defRPr/>
+              <a:defRPr b="0" i="0" sz="1000" u="none" cap="none" strike="noStrike">
+                <a:solidFill>
+                  <a:schemeClr val="dk2"/>
+                </a:solidFill>
+                <a:latin typeface="Arial"/>
+                <a:ea typeface="Arial"/>
+                <a:cs typeface="Arial"/>
+                <a:sym typeface="Arial"/>
+              </a:defRPr>
             </a:lvl1pPr>
-            <a:lvl2pPr marL="0" lvl="1" indent="0" algn="l">
+            <a:lvl2pPr indent="0" lvl="1" marL="0" marR="0" algn="l">
               <a:lnSpc>
                 <a:spcPct val="100000"/>
               </a:lnSpc>
@@ -2552,9 +2543,17 @@
               <a:buSzPts val="1400"/>
               <a:buFont typeface="Arial"/>
               <a:buNone/>
-              <a:defRPr/>
+              <a:defRPr b="0" i="0" sz="1000" u="none" cap="none" strike="noStrike">
+                <a:solidFill>
+                  <a:schemeClr val="dk2"/>
+                </a:solidFill>
+                <a:latin typeface="Arial"/>
+                <a:ea typeface="Arial"/>
+                <a:cs typeface="Arial"/>
+                <a:sym typeface="Arial"/>
+              </a:defRPr>
             </a:lvl2pPr>
-            <a:lvl3pPr marL="0" lvl="2" indent="0" algn="l">
+            <a:lvl3pPr indent="0" lvl="2" marL="0" marR="0" algn="l">
               <a:lnSpc>
                 <a:spcPct val="100000"/>
               </a:lnSpc>
@@ -2570,9 +2569,17 @@
               <a:buSzPts val="1400"/>
               <a:buFont typeface="Arial"/>
               <a:buNone/>
-              <a:defRPr/>
+              <a:defRPr b="0" i="0" sz="1000" u="none" cap="none" strike="noStrike">
+                <a:solidFill>
+                  <a:schemeClr val="dk2"/>
+                </a:solidFill>
+                <a:latin typeface="Arial"/>
+                <a:ea typeface="Arial"/>
+                <a:cs typeface="Arial"/>
+                <a:sym typeface="Arial"/>
+              </a:defRPr>
             </a:lvl3pPr>
-            <a:lvl4pPr marL="0" lvl="3" indent="0" algn="l">
+            <a:lvl4pPr indent="0" lvl="3" marL="0" marR="0" algn="l">
               <a:lnSpc>
                 <a:spcPct val="100000"/>
               </a:lnSpc>
@@ -2588,9 +2595,17 @@
               <a:buSzPts val="1400"/>
               <a:buFont typeface="Arial"/>
               <a:buNone/>
-              <a:defRPr/>
+              <a:defRPr b="0" i="0" sz="1000" u="none" cap="none" strike="noStrike">
+                <a:solidFill>
+                  <a:schemeClr val="dk2"/>
+                </a:solidFill>
+                <a:latin typeface="Arial"/>
+                <a:ea typeface="Arial"/>
+                <a:cs typeface="Arial"/>
+                <a:sym typeface="Arial"/>
+              </a:defRPr>
             </a:lvl4pPr>
-            <a:lvl5pPr marL="0" lvl="4" indent="0" algn="l">
+            <a:lvl5pPr indent="0" lvl="4" marL="0" marR="0" algn="l">
               <a:lnSpc>
                 <a:spcPct val="100000"/>
               </a:lnSpc>
@@ -2606,9 +2621,17 @@
               <a:buSzPts val="1400"/>
               <a:buFont typeface="Arial"/>
               <a:buNone/>
-              <a:defRPr/>
+              <a:defRPr b="0" i="0" sz="1000" u="none" cap="none" strike="noStrike">
+                <a:solidFill>
+                  <a:schemeClr val="dk2"/>
+                </a:solidFill>
+                <a:latin typeface="Arial"/>
+                <a:ea typeface="Arial"/>
+                <a:cs typeface="Arial"/>
+                <a:sym typeface="Arial"/>
+              </a:defRPr>
             </a:lvl5pPr>
-            <a:lvl6pPr marL="0" lvl="5" indent="0" algn="l">
+            <a:lvl6pPr indent="0" lvl="5" marL="0" marR="0" algn="l">
               <a:lnSpc>
                 <a:spcPct val="100000"/>
               </a:lnSpc>
@@ -2624,9 +2647,17 @@
               <a:buSzPts val="1400"/>
               <a:buFont typeface="Arial"/>
               <a:buNone/>
-              <a:defRPr/>
+              <a:defRPr b="0" i="0" sz="1000" u="none" cap="none" strike="noStrike">
+                <a:solidFill>
+                  <a:schemeClr val="dk2"/>
+                </a:solidFill>
+                <a:latin typeface="Arial"/>
+                <a:ea typeface="Arial"/>
+                <a:cs typeface="Arial"/>
+                <a:sym typeface="Arial"/>
+              </a:defRPr>
             </a:lvl6pPr>
-            <a:lvl7pPr marL="0" lvl="6" indent="0" algn="l">
+            <a:lvl7pPr indent="0" lvl="6" marL="0" marR="0" algn="l">
               <a:lnSpc>
                 <a:spcPct val="100000"/>
               </a:lnSpc>
@@ -2642,9 +2673,17 @@
               <a:buSzPts val="1400"/>
               <a:buFont typeface="Arial"/>
               <a:buNone/>
-              <a:defRPr/>
+              <a:defRPr b="0" i="0" sz="1000" u="none" cap="none" strike="noStrike">
+                <a:solidFill>
+                  <a:schemeClr val="dk2"/>
+                </a:solidFill>
+                <a:latin typeface="Arial"/>
+                <a:ea typeface="Arial"/>
+                <a:cs typeface="Arial"/>
+                <a:sym typeface="Arial"/>
+              </a:defRPr>
             </a:lvl7pPr>
-            <a:lvl8pPr marL="0" lvl="7" indent="0" algn="l">
+            <a:lvl8pPr indent="0" lvl="7" marL="0" marR="0" algn="l">
               <a:lnSpc>
                 <a:spcPct val="100000"/>
               </a:lnSpc>
@@ -2660,9 +2699,17 @@
               <a:buSzPts val="1400"/>
               <a:buFont typeface="Arial"/>
               <a:buNone/>
-              <a:defRPr/>
+              <a:defRPr b="0" i="0" sz="1000" u="none" cap="none" strike="noStrike">
+                <a:solidFill>
+                  <a:schemeClr val="dk2"/>
+                </a:solidFill>
+                <a:latin typeface="Arial"/>
+                <a:ea typeface="Arial"/>
+                <a:cs typeface="Arial"/>
+                <a:sym typeface="Arial"/>
+              </a:defRPr>
             </a:lvl8pPr>
-            <a:lvl9pPr marL="0" lvl="8" indent="0" algn="l">
+            <a:lvl9pPr indent="0" lvl="8" marL="0" marR="0" algn="l">
               <a:lnSpc>
                 <a:spcPct val="100000"/>
               </a:lnSpc>
@@ -2678,11 +2725,19 @@
               <a:buSzPts val="1400"/>
               <a:buFont typeface="Arial"/>
               <a:buNone/>
-              <a:defRPr/>
+              <a:defRPr b="0" i="0" sz="1000" u="none" cap="none" strike="noStrike">
+                <a:solidFill>
+                  <a:schemeClr val="dk2"/>
+                </a:solidFill>
+                <a:latin typeface="Arial"/>
+                <a:ea typeface="Arial"/>
+                <a:cs typeface="Arial"/>
+                <a:sym typeface="Arial"/>
+              </a:defRPr>
             </a:lvl9pPr>
           </a:lstStyle>
           <a:p>
-            <a:pPr marL="0" lvl="0" indent="0" algn="l" rtl="0">
+            <a:pPr indent="0" lvl="0" marL="0" rtl="0" algn="l">
               <a:spcBef>
                 <a:spcPts val="0"/>
               </a:spcBef>
@@ -2708,11 +2763,11 @@
 </file>
 
 <file path=ppt/slideLayouts/slideLayout10.xml><?xml version="1.0" encoding="utf-8"?>
-<p:sldLayout xmlns:a="http://schemas.openxmlformats.org/drawingml/2006/main" xmlns:r="http://schemas.openxmlformats.org/officeDocument/2006/relationships" xmlns:p="http://schemas.openxmlformats.org/presentationml/2006/main" matchingName="Caption">
+<p:sldLayout xmlns:a="http://schemas.openxmlformats.org/drawingml/2006/main" xmlns:r="http://schemas.openxmlformats.org/officeDocument/2006/relationships" xmlns:mc="http://schemas.openxmlformats.org/markup-compatibility/2006" xmlns:mv="urn:schemas-microsoft-com:mac:vml" xmlns:p="http://schemas.openxmlformats.org/presentationml/2006/main" xmlns:c="http://schemas.openxmlformats.org/drawingml/2006/chart" xmlns:dgm="http://schemas.openxmlformats.org/drawingml/2006/diagram" xmlns:o="urn:schemas-microsoft-com:office:office" xmlns:v="urn:schemas-microsoft-com:vml" xmlns:pvml="urn:schemas-microsoft-com:office:powerpoint" xmlns:com="http://schemas.openxmlformats.org/drawingml/2006/compatibility" xmlns:p14="http://schemas.microsoft.com/office/powerpoint/2010/main" xmlns:p15="http://schemas.microsoft.com/office/powerpoint/2012/main" xmlns:ahyp="http://schemas.microsoft.com/office/drawing/2018/hyperlinkcolor" matchingName="Caption">
   <p:cSld name="Caption">
     <p:spTree>
       <p:nvGrpSpPr>
-        <p:cNvPr id="1" name="Shape 43"/>
+        <p:cNvPr id="43" name="Shape 43"/>
         <p:cNvGrpSpPr/>
         <p:nvPr/>
       </p:nvGrpSpPr>
@@ -2727,11 +2782,9 @@
       <p:sp>
         <p:nvSpPr>
           <p:cNvPr id="44" name="Google Shape;44;p22"/>
-          <p:cNvSpPr txBox="1">
-            <a:spLocks noGrp="1"/>
-          </p:cNvSpPr>
+          <p:cNvSpPr txBox="1"/>
           <p:nvPr>
-            <p:ph type="body" idx="1"/>
+            <p:ph idx="1" type="body"/>
           </p:nvPr>
         </p:nvSpPr>
         <p:spPr>
@@ -2748,11 +2801,11 @@
           </a:ln>
         </p:spPr>
         <p:txBody>
-          <a:bodyPr spcFirstLastPara="1" wrap="square" lIns="91425" tIns="91425" rIns="91425" bIns="91425" anchor="ctr" anchorCtr="0">
+          <a:bodyPr anchorCtr="0" anchor="ctr" bIns="91425" lIns="91425" spcFirstLastPara="1" rIns="91425" wrap="square" tIns="91425">
             <a:noAutofit/>
           </a:bodyPr>
           <a:lstStyle>
-            <a:lvl1pPr marL="457200" lvl="0" indent="-228600" algn="l">
+            <a:lvl1pPr indent="-228600" lvl="0" marL="457200" algn="l">
               <a:lnSpc>
                 <a:spcPct val="100000"/>
               </a:lnSpc>
@@ -2767,7 +2820,7 @@
               <a:buNone/>
               <a:defRPr/>
             </a:lvl1pPr>
-            <a:lvl2pPr marL="914400" lvl="1" indent="-317500" algn="l">
+            <a:lvl2pPr indent="-317500" lvl="1" marL="914400" algn="l">
               <a:lnSpc>
                 <a:spcPct val="115000"/>
               </a:lnSpc>
@@ -2781,7 +2834,7 @@
               <a:buChar char="○"/>
               <a:defRPr/>
             </a:lvl2pPr>
-            <a:lvl3pPr marL="1371600" lvl="2" indent="-317500" algn="l">
+            <a:lvl3pPr indent="-317500" lvl="2" marL="1371600" algn="l">
               <a:lnSpc>
                 <a:spcPct val="115000"/>
               </a:lnSpc>
@@ -2795,7 +2848,7 @@
               <a:buChar char="■"/>
               <a:defRPr/>
             </a:lvl3pPr>
-            <a:lvl4pPr marL="1828800" lvl="3" indent="-317500" algn="l">
+            <a:lvl4pPr indent="-317500" lvl="3" marL="1828800" algn="l">
               <a:lnSpc>
                 <a:spcPct val="115000"/>
               </a:lnSpc>
@@ -2809,7 +2862,7 @@
               <a:buChar char="●"/>
               <a:defRPr/>
             </a:lvl4pPr>
-            <a:lvl5pPr marL="2286000" lvl="4" indent="-317500" algn="l">
+            <a:lvl5pPr indent="-317500" lvl="4" marL="2286000" algn="l">
               <a:lnSpc>
                 <a:spcPct val="115000"/>
               </a:lnSpc>
@@ -2823,7 +2876,7 @@
               <a:buChar char="○"/>
               <a:defRPr/>
             </a:lvl5pPr>
-            <a:lvl6pPr marL="2743200" lvl="5" indent="-317500" algn="l">
+            <a:lvl6pPr indent="-317500" lvl="5" marL="2743200" algn="l">
               <a:lnSpc>
                 <a:spcPct val="115000"/>
               </a:lnSpc>
@@ -2837,7 +2890,7 @@
               <a:buChar char="■"/>
               <a:defRPr/>
             </a:lvl6pPr>
-            <a:lvl7pPr marL="3200400" lvl="6" indent="-317500" algn="l">
+            <a:lvl7pPr indent="-317500" lvl="6" marL="3200400" algn="l">
               <a:lnSpc>
                 <a:spcPct val="115000"/>
               </a:lnSpc>
@@ -2851,7 +2904,7 @@
               <a:buChar char="●"/>
               <a:defRPr/>
             </a:lvl7pPr>
-            <a:lvl8pPr marL="3657600" lvl="7" indent="-317500" algn="l">
+            <a:lvl8pPr indent="-317500" lvl="7" marL="3657600" algn="l">
               <a:lnSpc>
                 <a:spcPct val="115000"/>
               </a:lnSpc>
@@ -2865,7 +2918,7 @@
               <a:buChar char="○"/>
               <a:defRPr/>
             </a:lvl8pPr>
-            <a:lvl9pPr marL="4114800" lvl="8" indent="-317500" algn="l">
+            <a:lvl9pPr indent="-317500" lvl="8" marL="4114800" algn="l">
               <a:lnSpc>
                 <a:spcPct val="115000"/>
               </a:lnSpc>
@@ -2880,19 +2933,15 @@
               <a:defRPr/>
             </a:lvl9pPr>
           </a:lstStyle>
-          <a:p>
-            <a:endParaRPr/>
-          </a:p>
+          <a:p/>
         </p:txBody>
       </p:sp>
       <p:sp>
         <p:nvSpPr>
           <p:cNvPr id="45" name="Google Shape;45;p22"/>
-          <p:cNvSpPr txBox="1">
-            <a:spLocks noGrp="1"/>
-          </p:cNvSpPr>
+          <p:cNvSpPr txBox="1"/>
           <p:nvPr>
-            <p:ph type="sldNum" idx="12"/>
+            <p:ph idx="12" type="sldNum"/>
           </p:nvPr>
         </p:nvSpPr>
         <p:spPr>
@@ -2909,11 +2958,11 @@
           </a:ln>
         </p:spPr>
         <p:txBody>
-          <a:bodyPr spcFirstLastPara="1" wrap="square" lIns="91425" tIns="91425" rIns="91425" bIns="91425" anchor="ctr" anchorCtr="0">
+          <a:bodyPr anchorCtr="0" anchor="ctr" bIns="91425" lIns="91425" spcFirstLastPara="1" rIns="91425" wrap="square" tIns="91425">
             <a:noAutofit/>
           </a:bodyPr>
           <a:lstStyle>
-            <a:lvl1pPr marL="0" lvl="0" indent="0" algn="l">
+            <a:lvl1pPr indent="0" lvl="0" marL="0" marR="0" algn="l">
               <a:lnSpc>
                 <a:spcPct val="100000"/>
               </a:lnSpc>
@@ -2929,9 +2978,17 @@
               <a:buSzPts val="1400"/>
               <a:buFont typeface="Arial"/>
               <a:buNone/>
-              <a:defRPr/>
+              <a:defRPr b="0" i="0" sz="1000" u="none" cap="none" strike="noStrike">
+                <a:solidFill>
+                  <a:schemeClr val="dk2"/>
+                </a:solidFill>
+                <a:latin typeface="Arial"/>
+                <a:ea typeface="Arial"/>
+                <a:cs typeface="Arial"/>
+                <a:sym typeface="Arial"/>
+              </a:defRPr>
             </a:lvl1pPr>
-            <a:lvl2pPr marL="0" lvl="1" indent="0" algn="l">
+            <a:lvl2pPr indent="0" lvl="1" marL="0" marR="0" algn="l">
               <a:lnSpc>
                 <a:spcPct val="100000"/>
               </a:lnSpc>
@@ -2947,9 +3004,17 @@
               <a:buSzPts val="1400"/>
               <a:buFont typeface="Arial"/>
               <a:buNone/>
-              <a:defRPr/>
+              <a:defRPr b="0" i="0" sz="1000" u="none" cap="none" strike="noStrike">
+                <a:solidFill>
+                  <a:schemeClr val="dk2"/>
+                </a:solidFill>
+                <a:latin typeface="Arial"/>
+                <a:ea typeface="Arial"/>
+                <a:cs typeface="Arial"/>
+                <a:sym typeface="Arial"/>
+              </a:defRPr>
             </a:lvl2pPr>
-            <a:lvl3pPr marL="0" lvl="2" indent="0" algn="l">
+            <a:lvl3pPr indent="0" lvl="2" marL="0" marR="0" algn="l">
               <a:lnSpc>
                 <a:spcPct val="100000"/>
               </a:lnSpc>
@@ -2965,9 +3030,17 @@
               <a:buSzPts val="1400"/>
               <a:buFont typeface="Arial"/>
               <a:buNone/>
-              <a:defRPr/>
+              <a:defRPr b="0" i="0" sz="1000" u="none" cap="none" strike="noStrike">
+                <a:solidFill>
+                  <a:schemeClr val="dk2"/>
+                </a:solidFill>
+                <a:latin typeface="Arial"/>
+                <a:ea typeface="Arial"/>
+                <a:cs typeface="Arial"/>
+                <a:sym typeface="Arial"/>
+              </a:defRPr>
             </a:lvl3pPr>
-            <a:lvl4pPr marL="0" lvl="3" indent="0" algn="l">
+            <a:lvl4pPr indent="0" lvl="3" marL="0" marR="0" algn="l">
               <a:lnSpc>
                 <a:spcPct val="100000"/>
               </a:lnSpc>
@@ -2983,9 +3056,17 @@
               <a:buSzPts val="1400"/>
               <a:buFont typeface="Arial"/>
               <a:buNone/>
-              <a:defRPr/>
+              <a:defRPr b="0" i="0" sz="1000" u="none" cap="none" strike="noStrike">
+                <a:solidFill>
+                  <a:schemeClr val="dk2"/>
+                </a:solidFill>
+                <a:latin typeface="Arial"/>
+                <a:ea typeface="Arial"/>
+                <a:cs typeface="Arial"/>
+                <a:sym typeface="Arial"/>
+              </a:defRPr>
             </a:lvl4pPr>
-            <a:lvl5pPr marL="0" lvl="4" indent="0" algn="l">
+            <a:lvl5pPr indent="0" lvl="4" marL="0" marR="0" algn="l">
               <a:lnSpc>
                 <a:spcPct val="100000"/>
               </a:lnSpc>
@@ -3001,9 +3082,17 @@
               <a:buSzPts val="1400"/>
               <a:buFont typeface="Arial"/>
               <a:buNone/>
-              <a:defRPr/>
+              <a:defRPr b="0" i="0" sz="1000" u="none" cap="none" strike="noStrike">
+                <a:solidFill>
+                  <a:schemeClr val="dk2"/>
+                </a:solidFill>
+                <a:latin typeface="Arial"/>
+                <a:ea typeface="Arial"/>
+                <a:cs typeface="Arial"/>
+                <a:sym typeface="Arial"/>
+              </a:defRPr>
             </a:lvl5pPr>
-            <a:lvl6pPr marL="0" lvl="5" indent="0" algn="l">
+            <a:lvl6pPr indent="0" lvl="5" marL="0" marR="0" algn="l">
               <a:lnSpc>
                 <a:spcPct val="100000"/>
               </a:lnSpc>
@@ -3019,9 +3108,17 @@
               <a:buSzPts val="1400"/>
               <a:buFont typeface="Arial"/>
               <a:buNone/>
-              <a:defRPr/>
+              <a:defRPr b="0" i="0" sz="1000" u="none" cap="none" strike="noStrike">
+                <a:solidFill>
+                  <a:schemeClr val="dk2"/>
+                </a:solidFill>
+                <a:latin typeface="Arial"/>
+                <a:ea typeface="Arial"/>
+                <a:cs typeface="Arial"/>
+                <a:sym typeface="Arial"/>
+              </a:defRPr>
             </a:lvl6pPr>
-            <a:lvl7pPr marL="0" lvl="6" indent="0" algn="l">
+            <a:lvl7pPr indent="0" lvl="6" marL="0" marR="0" algn="l">
               <a:lnSpc>
                 <a:spcPct val="100000"/>
               </a:lnSpc>
@@ -3037,9 +3134,17 @@
               <a:buSzPts val="1400"/>
               <a:buFont typeface="Arial"/>
               <a:buNone/>
-              <a:defRPr/>
+              <a:defRPr b="0" i="0" sz="1000" u="none" cap="none" strike="noStrike">
+                <a:solidFill>
+                  <a:schemeClr val="dk2"/>
+                </a:solidFill>
+                <a:latin typeface="Arial"/>
+                <a:ea typeface="Arial"/>
+                <a:cs typeface="Arial"/>
+                <a:sym typeface="Arial"/>
+              </a:defRPr>
             </a:lvl7pPr>
-            <a:lvl8pPr marL="0" lvl="7" indent="0" algn="l">
+            <a:lvl8pPr indent="0" lvl="7" marL="0" marR="0" algn="l">
               <a:lnSpc>
                 <a:spcPct val="100000"/>
               </a:lnSpc>
@@ -3055,9 +3160,17 @@
               <a:buSzPts val="1400"/>
               <a:buFont typeface="Arial"/>
               <a:buNone/>
-              <a:defRPr/>
+              <a:defRPr b="0" i="0" sz="1000" u="none" cap="none" strike="noStrike">
+                <a:solidFill>
+                  <a:schemeClr val="dk2"/>
+                </a:solidFill>
+                <a:latin typeface="Arial"/>
+                <a:ea typeface="Arial"/>
+                <a:cs typeface="Arial"/>
+                <a:sym typeface="Arial"/>
+              </a:defRPr>
             </a:lvl8pPr>
-            <a:lvl9pPr marL="0" lvl="8" indent="0" algn="l">
+            <a:lvl9pPr indent="0" lvl="8" marL="0" marR="0" algn="l">
               <a:lnSpc>
                 <a:spcPct val="100000"/>
               </a:lnSpc>
@@ -3073,11 +3186,19 @@
               <a:buSzPts val="1400"/>
               <a:buFont typeface="Arial"/>
               <a:buNone/>
-              <a:defRPr/>
+              <a:defRPr b="0" i="0" sz="1000" u="none" cap="none" strike="noStrike">
+                <a:solidFill>
+                  <a:schemeClr val="dk2"/>
+                </a:solidFill>
+                <a:latin typeface="Arial"/>
+                <a:ea typeface="Arial"/>
+                <a:cs typeface="Arial"/>
+                <a:sym typeface="Arial"/>
+              </a:defRPr>
             </a:lvl9pPr>
           </a:lstStyle>
           <a:p>
-            <a:pPr marL="0" lvl="0" indent="0" algn="l" rtl="0">
+            <a:pPr indent="0" lvl="0" marL="0" rtl="0" algn="l">
               <a:spcBef>
                 <a:spcPts val="0"/>
               </a:spcBef>
@@ -3103,11 +3224,11 @@
 </file>
 
 <file path=ppt/slideLayouts/slideLayout11.xml><?xml version="1.0" encoding="utf-8"?>
-<p:sldLayout xmlns:a="http://schemas.openxmlformats.org/drawingml/2006/main" xmlns:r="http://schemas.openxmlformats.org/officeDocument/2006/relationships" xmlns:p="http://schemas.openxmlformats.org/presentationml/2006/main" matchingName="Big number">
+<p:sldLayout xmlns:a="http://schemas.openxmlformats.org/drawingml/2006/main" xmlns:r="http://schemas.openxmlformats.org/officeDocument/2006/relationships" xmlns:mc="http://schemas.openxmlformats.org/markup-compatibility/2006" xmlns:mv="urn:schemas-microsoft-com:mac:vml" xmlns:p="http://schemas.openxmlformats.org/presentationml/2006/main" xmlns:c="http://schemas.openxmlformats.org/drawingml/2006/chart" xmlns:dgm="http://schemas.openxmlformats.org/drawingml/2006/diagram" xmlns:o="urn:schemas-microsoft-com:office:office" xmlns:v="urn:schemas-microsoft-com:vml" xmlns:pvml="urn:schemas-microsoft-com:office:powerpoint" xmlns:com="http://schemas.openxmlformats.org/drawingml/2006/compatibility" xmlns:p14="http://schemas.microsoft.com/office/powerpoint/2010/main" xmlns:p15="http://schemas.microsoft.com/office/powerpoint/2012/main" xmlns:ahyp="http://schemas.microsoft.com/office/drawing/2018/hyperlinkcolor" matchingName="Big number">
   <p:cSld name="Big number">
     <p:spTree>
       <p:nvGrpSpPr>
-        <p:cNvPr id="1" name="Shape 46"/>
+        <p:cNvPr id="46" name="Shape 46"/>
         <p:cNvGrpSpPr/>
         <p:nvPr/>
       </p:nvGrpSpPr>
@@ -3122,9 +3243,7 @@
       <p:sp>
         <p:nvSpPr>
           <p:cNvPr id="47" name="Google Shape;47;p23"/>
-          <p:cNvSpPr txBox="1">
-            <a:spLocks noGrp="1"/>
-          </p:cNvSpPr>
+          <p:cNvSpPr txBox="1"/>
           <p:nvPr>
             <p:ph type="title"/>
           </p:nvPr>
@@ -3143,7 +3262,7 @@
           </a:ln>
         </p:spPr>
         <p:txBody>
-          <a:bodyPr spcFirstLastPara="1" wrap="square" lIns="91425" tIns="91425" rIns="91425" bIns="91425" anchor="b" anchorCtr="0">
+          <a:bodyPr anchorCtr="0" anchor="b" bIns="91425" lIns="91425" spcFirstLastPara="1" rIns="91425" wrap="square" tIns="91425">
             <a:noAutofit/>
           </a:bodyPr>
           <a:lstStyle>
@@ -3163,6 +3282,9 @@
               <a:defRPr sz="12000"/>
             </a:lvl1pPr>
             <a:lvl2pPr lvl="1" algn="ctr">
+              <a:lnSpc>
+                <a:spcPct val="100000"/>
+              </a:lnSpc>
               <a:spcBef>
                 <a:spcPts val="0"/>
               </a:spcBef>
@@ -3174,6 +3296,9 @@
               <a:defRPr sz="12000"/>
             </a:lvl2pPr>
             <a:lvl3pPr lvl="2" algn="ctr">
+              <a:lnSpc>
+                <a:spcPct val="100000"/>
+              </a:lnSpc>
               <a:spcBef>
                 <a:spcPts val="0"/>
               </a:spcBef>
@@ -3185,6 +3310,9 @@
               <a:defRPr sz="12000"/>
             </a:lvl3pPr>
             <a:lvl4pPr lvl="3" algn="ctr">
+              <a:lnSpc>
+                <a:spcPct val="100000"/>
+              </a:lnSpc>
               <a:spcBef>
                 <a:spcPts val="0"/>
               </a:spcBef>
@@ -3196,6 +3324,9 @@
               <a:defRPr sz="12000"/>
             </a:lvl4pPr>
             <a:lvl5pPr lvl="4" algn="ctr">
+              <a:lnSpc>
+                <a:spcPct val="100000"/>
+              </a:lnSpc>
               <a:spcBef>
                 <a:spcPts val="0"/>
               </a:spcBef>
@@ -3207,6 +3338,9 @@
               <a:defRPr sz="12000"/>
             </a:lvl5pPr>
             <a:lvl6pPr lvl="5" algn="ctr">
+              <a:lnSpc>
+                <a:spcPct val="100000"/>
+              </a:lnSpc>
               <a:spcBef>
                 <a:spcPts val="0"/>
               </a:spcBef>
@@ -3218,6 +3352,9 @@
               <a:defRPr sz="12000"/>
             </a:lvl6pPr>
             <a:lvl7pPr lvl="6" algn="ctr">
+              <a:lnSpc>
+                <a:spcPct val="100000"/>
+              </a:lnSpc>
               <a:spcBef>
                 <a:spcPts val="0"/>
               </a:spcBef>
@@ -3229,6 +3366,9 @@
               <a:defRPr sz="12000"/>
             </a:lvl7pPr>
             <a:lvl8pPr lvl="7" algn="ctr">
+              <a:lnSpc>
+                <a:spcPct val="100000"/>
+              </a:lnSpc>
               <a:spcBef>
                 <a:spcPts val="0"/>
               </a:spcBef>
@@ -3240,6 +3380,9 @@
               <a:defRPr sz="12000"/>
             </a:lvl8pPr>
             <a:lvl9pPr lvl="8" algn="ctr">
+              <a:lnSpc>
+                <a:spcPct val="100000"/>
+              </a:lnSpc>
               <a:spcBef>
                 <a:spcPts val="0"/>
               </a:spcBef>
@@ -3251,19 +3394,15 @@
               <a:defRPr sz="12000"/>
             </a:lvl9pPr>
           </a:lstStyle>
-          <a:p>
-            <a:endParaRPr/>
-          </a:p>
+          <a:p/>
         </p:txBody>
       </p:sp>
       <p:sp>
         <p:nvSpPr>
           <p:cNvPr id="48" name="Google Shape;48;p23"/>
-          <p:cNvSpPr txBox="1">
-            <a:spLocks noGrp="1"/>
-          </p:cNvSpPr>
+          <p:cNvSpPr txBox="1"/>
           <p:nvPr>
-            <p:ph type="body" idx="1"/>
+            <p:ph idx="1" type="body"/>
           </p:nvPr>
         </p:nvSpPr>
         <p:spPr>
@@ -3280,11 +3419,11 @@
           </a:ln>
         </p:spPr>
         <p:txBody>
-          <a:bodyPr spcFirstLastPara="1" wrap="square" lIns="91425" tIns="91425" rIns="91425" bIns="91425" anchor="t" anchorCtr="0">
+          <a:bodyPr anchorCtr="0" anchor="t" bIns="91425" lIns="91425" spcFirstLastPara="1" rIns="91425" wrap="square" tIns="91425">
             <a:noAutofit/>
           </a:bodyPr>
           <a:lstStyle>
-            <a:lvl1pPr marL="457200" lvl="0" indent="-342900" algn="ctr">
+            <a:lvl1pPr indent="-342900" lvl="0" marL="457200" algn="ctr">
               <a:lnSpc>
                 <a:spcPct val="115000"/>
               </a:lnSpc>
@@ -3299,7 +3438,7 @@
               <a:buChar char="●"/>
               <a:defRPr/>
             </a:lvl1pPr>
-            <a:lvl2pPr marL="914400" lvl="1" indent="-317500" algn="ctr">
+            <a:lvl2pPr indent="-317500" lvl="1" marL="914400" algn="ctr">
               <a:lnSpc>
                 <a:spcPct val="115000"/>
               </a:lnSpc>
@@ -3314,7 +3453,7 @@
               <a:buChar char="○"/>
               <a:defRPr/>
             </a:lvl2pPr>
-            <a:lvl3pPr marL="1371600" lvl="2" indent="-317500" algn="ctr">
+            <a:lvl3pPr indent="-317500" lvl="2" marL="1371600" algn="ctr">
               <a:lnSpc>
                 <a:spcPct val="115000"/>
               </a:lnSpc>
@@ -3329,7 +3468,7 @@
               <a:buChar char="■"/>
               <a:defRPr/>
             </a:lvl3pPr>
-            <a:lvl4pPr marL="1828800" lvl="3" indent="-317500" algn="ctr">
+            <a:lvl4pPr indent="-317500" lvl="3" marL="1828800" algn="ctr">
               <a:lnSpc>
                 <a:spcPct val="115000"/>
               </a:lnSpc>
@@ -3344,7 +3483,7 @@
               <a:buChar char="●"/>
               <a:defRPr/>
             </a:lvl4pPr>
-            <a:lvl5pPr marL="2286000" lvl="4" indent="-317500" algn="ctr">
+            <a:lvl5pPr indent="-317500" lvl="4" marL="2286000" algn="ctr">
               <a:lnSpc>
                 <a:spcPct val="115000"/>
               </a:lnSpc>
@@ -3359,7 +3498,7 @@
               <a:buChar char="○"/>
               <a:defRPr/>
             </a:lvl5pPr>
-            <a:lvl6pPr marL="2743200" lvl="5" indent="-317500" algn="ctr">
+            <a:lvl6pPr indent="-317500" lvl="5" marL="2743200" algn="ctr">
               <a:lnSpc>
                 <a:spcPct val="115000"/>
               </a:lnSpc>
@@ -3374,7 +3513,7 @@
               <a:buChar char="■"/>
               <a:defRPr/>
             </a:lvl6pPr>
-            <a:lvl7pPr marL="3200400" lvl="6" indent="-317500" algn="ctr">
+            <a:lvl7pPr indent="-317500" lvl="6" marL="3200400" algn="ctr">
               <a:lnSpc>
                 <a:spcPct val="115000"/>
               </a:lnSpc>
@@ -3389,7 +3528,7 @@
               <a:buChar char="●"/>
               <a:defRPr/>
             </a:lvl7pPr>
-            <a:lvl8pPr marL="3657600" lvl="7" indent="-317500" algn="ctr">
+            <a:lvl8pPr indent="-317500" lvl="7" marL="3657600" algn="ctr">
               <a:lnSpc>
                 <a:spcPct val="115000"/>
               </a:lnSpc>
@@ -3404,7 +3543,7 @@
               <a:buChar char="○"/>
               <a:defRPr/>
             </a:lvl8pPr>
-            <a:lvl9pPr marL="4114800" lvl="8" indent="-317500" algn="ctr">
+            <a:lvl9pPr indent="-317500" lvl="8" marL="4114800" algn="ctr">
               <a:lnSpc>
                 <a:spcPct val="115000"/>
               </a:lnSpc>
@@ -3420,19 +3559,15 @@
               <a:defRPr/>
             </a:lvl9pPr>
           </a:lstStyle>
-          <a:p>
-            <a:endParaRPr/>
-          </a:p>
+          <a:p/>
         </p:txBody>
       </p:sp>
       <p:sp>
         <p:nvSpPr>
           <p:cNvPr id="49" name="Google Shape;49;p23"/>
-          <p:cNvSpPr txBox="1">
-            <a:spLocks noGrp="1"/>
-          </p:cNvSpPr>
+          <p:cNvSpPr txBox="1"/>
           <p:nvPr>
-            <p:ph type="sldNum" idx="12"/>
+            <p:ph idx="12" type="sldNum"/>
           </p:nvPr>
         </p:nvSpPr>
         <p:spPr>
@@ -3449,11 +3584,11 @@
           </a:ln>
         </p:spPr>
         <p:txBody>
-          <a:bodyPr spcFirstLastPara="1" wrap="square" lIns="91425" tIns="91425" rIns="91425" bIns="91425" anchor="ctr" anchorCtr="0">
+          <a:bodyPr anchorCtr="0" anchor="ctr" bIns="91425" lIns="91425" spcFirstLastPara="1" rIns="91425" wrap="square" tIns="91425">
             <a:noAutofit/>
           </a:bodyPr>
           <a:lstStyle>
-            <a:lvl1pPr marL="0" lvl="0" indent="0" algn="l">
+            <a:lvl1pPr indent="0" lvl="0" marL="0" marR="0" algn="l">
               <a:lnSpc>
                 <a:spcPct val="100000"/>
               </a:lnSpc>
@@ -3469,9 +3604,17 @@
               <a:buSzPts val="1400"/>
               <a:buFont typeface="Arial"/>
               <a:buNone/>
-              <a:defRPr/>
+              <a:defRPr b="0" i="0" sz="1000" u="none" cap="none" strike="noStrike">
+                <a:solidFill>
+                  <a:schemeClr val="dk2"/>
+                </a:solidFill>
+                <a:latin typeface="Arial"/>
+                <a:ea typeface="Arial"/>
+                <a:cs typeface="Arial"/>
+                <a:sym typeface="Arial"/>
+              </a:defRPr>
             </a:lvl1pPr>
-            <a:lvl2pPr marL="0" lvl="1" indent="0" algn="l">
+            <a:lvl2pPr indent="0" lvl="1" marL="0" marR="0" algn="l">
               <a:lnSpc>
                 <a:spcPct val="100000"/>
               </a:lnSpc>
@@ -3487,9 +3630,17 @@
               <a:buSzPts val="1400"/>
               <a:buFont typeface="Arial"/>
               <a:buNone/>
-              <a:defRPr/>
+              <a:defRPr b="0" i="0" sz="1000" u="none" cap="none" strike="noStrike">
+                <a:solidFill>
+                  <a:schemeClr val="dk2"/>
+                </a:solidFill>
+                <a:latin typeface="Arial"/>
+                <a:ea typeface="Arial"/>
+                <a:cs typeface="Arial"/>
+                <a:sym typeface="Arial"/>
+              </a:defRPr>
             </a:lvl2pPr>
-            <a:lvl3pPr marL="0" lvl="2" indent="0" algn="l">
+            <a:lvl3pPr indent="0" lvl="2" marL="0" marR="0" algn="l">
               <a:lnSpc>
                 <a:spcPct val="100000"/>
               </a:lnSpc>
@@ -3505,9 +3656,17 @@
               <a:buSzPts val="1400"/>
               <a:buFont typeface="Arial"/>
               <a:buNone/>
-              <a:defRPr/>
+              <a:defRPr b="0" i="0" sz="1000" u="none" cap="none" strike="noStrike">
+                <a:solidFill>
+                  <a:schemeClr val="dk2"/>
+                </a:solidFill>
+                <a:latin typeface="Arial"/>
+                <a:ea typeface="Arial"/>
+                <a:cs typeface="Arial"/>
+                <a:sym typeface="Arial"/>
+              </a:defRPr>
             </a:lvl3pPr>
-            <a:lvl4pPr marL="0" lvl="3" indent="0" algn="l">
+            <a:lvl4pPr indent="0" lvl="3" marL="0" marR="0" algn="l">
               <a:lnSpc>
                 <a:spcPct val="100000"/>
               </a:lnSpc>
@@ -3523,9 +3682,17 @@
               <a:buSzPts val="1400"/>
               <a:buFont typeface="Arial"/>
               <a:buNone/>
-              <a:defRPr/>
+              <a:defRPr b="0" i="0" sz="1000" u="none" cap="none" strike="noStrike">
+                <a:solidFill>
+                  <a:schemeClr val="dk2"/>
+                </a:solidFill>
+                <a:latin typeface="Arial"/>
+                <a:ea typeface="Arial"/>
+                <a:cs typeface="Arial"/>
+                <a:sym typeface="Arial"/>
+              </a:defRPr>
             </a:lvl4pPr>
-            <a:lvl5pPr marL="0" lvl="4" indent="0" algn="l">
+            <a:lvl5pPr indent="0" lvl="4" marL="0" marR="0" algn="l">
               <a:lnSpc>
                 <a:spcPct val="100000"/>
               </a:lnSpc>
@@ -3541,9 +3708,17 @@
               <a:buSzPts val="1400"/>
               <a:buFont typeface="Arial"/>
               <a:buNone/>
-              <a:defRPr/>
+              <a:defRPr b="0" i="0" sz="1000" u="none" cap="none" strike="noStrike">
+                <a:solidFill>
+                  <a:schemeClr val="dk2"/>
+                </a:solidFill>
+                <a:latin typeface="Arial"/>
+                <a:ea typeface="Arial"/>
+                <a:cs typeface="Arial"/>
+                <a:sym typeface="Arial"/>
+              </a:defRPr>
             </a:lvl5pPr>
-            <a:lvl6pPr marL="0" lvl="5" indent="0" algn="l">
+            <a:lvl6pPr indent="0" lvl="5" marL="0" marR="0" algn="l">
               <a:lnSpc>
                 <a:spcPct val="100000"/>
               </a:lnSpc>
@@ -3559,9 +3734,17 @@
               <a:buSzPts val="1400"/>
               <a:buFont typeface="Arial"/>
               <a:buNone/>
-              <a:defRPr/>
+              <a:defRPr b="0" i="0" sz="1000" u="none" cap="none" strike="noStrike">
+                <a:solidFill>
+                  <a:schemeClr val="dk2"/>
+                </a:solidFill>
+                <a:latin typeface="Arial"/>
+                <a:ea typeface="Arial"/>
+                <a:cs typeface="Arial"/>
+                <a:sym typeface="Arial"/>
+              </a:defRPr>
             </a:lvl6pPr>
-            <a:lvl7pPr marL="0" lvl="6" indent="0" algn="l">
+            <a:lvl7pPr indent="0" lvl="6" marL="0" marR="0" algn="l">
               <a:lnSpc>
                 <a:spcPct val="100000"/>
               </a:lnSpc>
@@ -3577,9 +3760,17 @@
               <a:buSzPts val="1400"/>
               <a:buFont typeface="Arial"/>
               <a:buNone/>
-              <a:defRPr/>
+              <a:defRPr b="0" i="0" sz="1000" u="none" cap="none" strike="noStrike">
+                <a:solidFill>
+                  <a:schemeClr val="dk2"/>
+                </a:solidFill>
+                <a:latin typeface="Arial"/>
+                <a:ea typeface="Arial"/>
+                <a:cs typeface="Arial"/>
+                <a:sym typeface="Arial"/>
+              </a:defRPr>
             </a:lvl7pPr>
-            <a:lvl8pPr marL="0" lvl="7" indent="0" algn="l">
+            <a:lvl8pPr indent="0" lvl="7" marL="0" marR="0" algn="l">
               <a:lnSpc>
                 <a:spcPct val="100000"/>
               </a:lnSpc>
@@ -3595,9 +3786,17 @@
               <a:buSzPts val="1400"/>
               <a:buFont typeface="Arial"/>
               <a:buNone/>
-              <a:defRPr/>
+              <a:defRPr b="0" i="0" sz="1000" u="none" cap="none" strike="noStrike">
+                <a:solidFill>
+                  <a:schemeClr val="dk2"/>
+                </a:solidFill>
+                <a:latin typeface="Arial"/>
+                <a:ea typeface="Arial"/>
+                <a:cs typeface="Arial"/>
+                <a:sym typeface="Arial"/>
+              </a:defRPr>
             </a:lvl8pPr>
-            <a:lvl9pPr marL="0" lvl="8" indent="0" algn="l">
+            <a:lvl9pPr indent="0" lvl="8" marL="0" marR="0" algn="l">
               <a:lnSpc>
                 <a:spcPct val="100000"/>
               </a:lnSpc>
@@ -3613,11 +3812,19 @@
               <a:buSzPts val="1400"/>
               <a:buFont typeface="Arial"/>
               <a:buNone/>
-              <a:defRPr/>
+              <a:defRPr b="0" i="0" sz="1000" u="none" cap="none" strike="noStrike">
+                <a:solidFill>
+                  <a:schemeClr val="dk2"/>
+                </a:solidFill>
+                <a:latin typeface="Arial"/>
+                <a:ea typeface="Arial"/>
+                <a:cs typeface="Arial"/>
+                <a:sym typeface="Arial"/>
+              </a:defRPr>
             </a:lvl9pPr>
           </a:lstStyle>
           <a:p>
-            <a:pPr marL="0" lvl="0" indent="0" algn="l" rtl="0">
+            <a:pPr indent="0" lvl="0" marL="0" rtl="0" algn="l">
               <a:spcBef>
                 <a:spcPts val="0"/>
               </a:spcBef>
@@ -3643,11 +3850,11 @@
 </file>
 
 <file path=ppt/slideLayouts/slideLayout2.xml><?xml version="1.0" encoding="utf-8"?>
-<p:sldLayout xmlns:a="http://schemas.openxmlformats.org/drawingml/2006/main" xmlns:r="http://schemas.openxmlformats.org/officeDocument/2006/relationships" xmlns:p="http://schemas.openxmlformats.org/presentationml/2006/main" matchingName="Title and two columns" type="twoColTx">
+<p:sldLayout xmlns:a="http://schemas.openxmlformats.org/drawingml/2006/main" xmlns:r="http://schemas.openxmlformats.org/officeDocument/2006/relationships" xmlns:mc="http://schemas.openxmlformats.org/markup-compatibility/2006" xmlns:mv="urn:schemas-microsoft-com:mac:vml" xmlns:p="http://schemas.openxmlformats.org/presentationml/2006/main" xmlns:c="http://schemas.openxmlformats.org/drawingml/2006/chart" xmlns:dgm="http://schemas.openxmlformats.org/drawingml/2006/diagram" xmlns:o="urn:schemas-microsoft-com:office:office" xmlns:v="urn:schemas-microsoft-com:vml" xmlns:pvml="urn:schemas-microsoft-com:office:powerpoint" xmlns:com="http://schemas.openxmlformats.org/drawingml/2006/compatibility" xmlns:p14="http://schemas.microsoft.com/office/powerpoint/2010/main" xmlns:p15="http://schemas.microsoft.com/office/powerpoint/2012/main" xmlns:ahyp="http://schemas.microsoft.com/office/drawing/2018/hyperlinkcolor" matchingName="Title and two columns" type="twoColTx">
   <p:cSld name="TITLE_AND_TWO_COLUMNS">
     <p:spTree>
       <p:nvGrpSpPr>
-        <p:cNvPr id="1" name="Shape 13"/>
+        <p:cNvPr id="13" name="Shape 13"/>
         <p:cNvGrpSpPr/>
         <p:nvPr/>
       </p:nvGrpSpPr>
@@ -3662,9 +3869,7 @@
       <p:sp>
         <p:nvSpPr>
           <p:cNvPr id="14" name="Google Shape;14;p14"/>
-          <p:cNvSpPr txBox="1">
-            <a:spLocks noGrp="1"/>
-          </p:cNvSpPr>
+          <p:cNvSpPr txBox="1"/>
           <p:nvPr>
             <p:ph type="title"/>
           </p:nvPr>
@@ -3683,7 +3888,7 @@
           </a:ln>
         </p:spPr>
         <p:txBody>
-          <a:bodyPr spcFirstLastPara="1" wrap="square" lIns="91425" tIns="91425" rIns="91425" bIns="91425" anchor="t" anchorCtr="0">
+          <a:bodyPr anchorCtr="0" anchor="t" bIns="91425" lIns="91425" spcFirstLastPara="1" rIns="91425" wrap="square" tIns="91425">
             <a:noAutofit/>
           </a:bodyPr>
           <a:lstStyle>
@@ -3702,7 +3907,10 @@
               <a:buNone/>
               <a:defRPr/>
             </a:lvl1pPr>
-            <a:lvl2pPr lvl="1">
+            <a:lvl2pPr lvl="1" algn="l">
+              <a:lnSpc>
+                <a:spcPct val="100000"/>
+              </a:lnSpc>
               <a:spcBef>
                 <a:spcPts val="0"/>
               </a:spcBef>
@@ -3713,7 +3921,10 @@
               <a:buNone/>
               <a:defRPr/>
             </a:lvl2pPr>
-            <a:lvl3pPr lvl="2">
+            <a:lvl3pPr lvl="2" algn="l">
+              <a:lnSpc>
+                <a:spcPct val="100000"/>
+              </a:lnSpc>
               <a:spcBef>
                 <a:spcPts val="0"/>
               </a:spcBef>
@@ -3724,7 +3935,10 @@
               <a:buNone/>
               <a:defRPr/>
             </a:lvl3pPr>
-            <a:lvl4pPr lvl="3">
+            <a:lvl4pPr lvl="3" algn="l">
+              <a:lnSpc>
+                <a:spcPct val="100000"/>
+              </a:lnSpc>
               <a:spcBef>
                 <a:spcPts val="0"/>
               </a:spcBef>
@@ -3735,7 +3949,10 @@
               <a:buNone/>
               <a:defRPr/>
             </a:lvl4pPr>
-            <a:lvl5pPr lvl="4">
+            <a:lvl5pPr lvl="4" algn="l">
+              <a:lnSpc>
+                <a:spcPct val="100000"/>
+              </a:lnSpc>
               <a:spcBef>
                 <a:spcPts val="0"/>
               </a:spcBef>
@@ -3746,7 +3963,10 @@
               <a:buNone/>
               <a:defRPr/>
             </a:lvl5pPr>
-            <a:lvl6pPr lvl="5">
+            <a:lvl6pPr lvl="5" algn="l">
+              <a:lnSpc>
+                <a:spcPct val="100000"/>
+              </a:lnSpc>
               <a:spcBef>
                 <a:spcPts val="0"/>
               </a:spcBef>
@@ -3757,7 +3977,10 @@
               <a:buNone/>
               <a:defRPr/>
             </a:lvl6pPr>
-            <a:lvl7pPr lvl="6">
+            <a:lvl7pPr lvl="6" algn="l">
+              <a:lnSpc>
+                <a:spcPct val="100000"/>
+              </a:lnSpc>
               <a:spcBef>
                 <a:spcPts val="0"/>
               </a:spcBef>
@@ -3768,7 +3991,10 @@
               <a:buNone/>
               <a:defRPr/>
             </a:lvl7pPr>
-            <a:lvl8pPr lvl="7">
+            <a:lvl8pPr lvl="7" algn="l">
+              <a:lnSpc>
+                <a:spcPct val="100000"/>
+              </a:lnSpc>
               <a:spcBef>
                 <a:spcPts val="0"/>
               </a:spcBef>
@@ -3779,7 +4005,10 @@
               <a:buNone/>
               <a:defRPr/>
             </a:lvl8pPr>
-            <a:lvl9pPr lvl="8">
+            <a:lvl9pPr lvl="8" algn="l">
+              <a:lnSpc>
+                <a:spcPct val="100000"/>
+              </a:lnSpc>
               <a:spcBef>
                 <a:spcPts val="0"/>
               </a:spcBef>
@@ -3791,19 +4020,15 @@
               <a:defRPr/>
             </a:lvl9pPr>
           </a:lstStyle>
-          <a:p>
-            <a:endParaRPr/>
-          </a:p>
+          <a:p/>
         </p:txBody>
       </p:sp>
       <p:sp>
         <p:nvSpPr>
           <p:cNvPr id="15" name="Google Shape;15;p14"/>
-          <p:cNvSpPr txBox="1">
-            <a:spLocks noGrp="1"/>
-          </p:cNvSpPr>
+          <p:cNvSpPr txBox="1"/>
           <p:nvPr>
-            <p:ph type="body" idx="1"/>
+            <p:ph idx="1" type="body"/>
           </p:nvPr>
         </p:nvSpPr>
         <p:spPr>
@@ -3820,11 +4045,11 @@
           </a:ln>
         </p:spPr>
         <p:txBody>
-          <a:bodyPr spcFirstLastPara="1" wrap="square" lIns="91425" tIns="91425" rIns="91425" bIns="91425" anchor="t" anchorCtr="0">
+          <a:bodyPr anchorCtr="0" anchor="t" bIns="91425" lIns="91425" spcFirstLastPara="1" rIns="91425" wrap="square" tIns="91425">
             <a:noAutofit/>
           </a:bodyPr>
           <a:lstStyle>
-            <a:lvl1pPr marL="457200" lvl="0" indent="-317500" algn="l">
+            <a:lvl1pPr indent="-317500" lvl="0" marL="457200" algn="l">
               <a:lnSpc>
                 <a:spcPct val="115000"/>
               </a:lnSpc>
@@ -3839,7 +4064,7 @@
               <a:buChar char="●"/>
               <a:defRPr sz="1400"/>
             </a:lvl1pPr>
-            <a:lvl2pPr marL="914400" lvl="1" indent="-304800" algn="l">
+            <a:lvl2pPr indent="-304800" lvl="1" marL="914400" algn="l">
               <a:lnSpc>
                 <a:spcPct val="115000"/>
               </a:lnSpc>
@@ -3854,7 +4079,7 @@
               <a:buChar char="○"/>
               <a:defRPr sz="1200"/>
             </a:lvl2pPr>
-            <a:lvl3pPr marL="1371600" lvl="2" indent="-304800" algn="l">
+            <a:lvl3pPr indent="-304800" lvl="2" marL="1371600" algn="l">
               <a:lnSpc>
                 <a:spcPct val="115000"/>
               </a:lnSpc>
@@ -3869,7 +4094,7 @@
               <a:buChar char="■"/>
               <a:defRPr sz="1200"/>
             </a:lvl3pPr>
-            <a:lvl4pPr marL="1828800" lvl="3" indent="-304800" algn="l">
+            <a:lvl4pPr indent="-304800" lvl="3" marL="1828800" algn="l">
               <a:lnSpc>
                 <a:spcPct val="115000"/>
               </a:lnSpc>
@@ -3884,7 +4109,7 @@
               <a:buChar char="●"/>
               <a:defRPr sz="1200"/>
             </a:lvl4pPr>
-            <a:lvl5pPr marL="2286000" lvl="4" indent="-304800" algn="l">
+            <a:lvl5pPr indent="-304800" lvl="4" marL="2286000" algn="l">
               <a:lnSpc>
                 <a:spcPct val="115000"/>
               </a:lnSpc>
@@ -3899,7 +4124,7 @@
               <a:buChar char="○"/>
               <a:defRPr sz="1200"/>
             </a:lvl5pPr>
-            <a:lvl6pPr marL="2743200" lvl="5" indent="-304800" algn="l">
+            <a:lvl6pPr indent="-304800" lvl="5" marL="2743200" algn="l">
               <a:lnSpc>
                 <a:spcPct val="115000"/>
               </a:lnSpc>
@@ -3914,7 +4139,7 @@
               <a:buChar char="■"/>
               <a:defRPr sz="1200"/>
             </a:lvl6pPr>
-            <a:lvl7pPr marL="3200400" lvl="6" indent="-304800" algn="l">
+            <a:lvl7pPr indent="-304800" lvl="6" marL="3200400" algn="l">
               <a:lnSpc>
                 <a:spcPct val="115000"/>
               </a:lnSpc>
@@ -3929,7 +4154,7 @@
               <a:buChar char="●"/>
               <a:defRPr sz="1200"/>
             </a:lvl7pPr>
-            <a:lvl8pPr marL="3657600" lvl="7" indent="-304800" algn="l">
+            <a:lvl8pPr indent="-304800" lvl="7" marL="3657600" algn="l">
               <a:lnSpc>
                 <a:spcPct val="115000"/>
               </a:lnSpc>
@@ -3944,7 +4169,7 @@
               <a:buChar char="○"/>
               <a:defRPr sz="1200"/>
             </a:lvl8pPr>
-            <a:lvl9pPr marL="4114800" lvl="8" indent="-304800" algn="l">
+            <a:lvl9pPr indent="-304800" lvl="8" marL="4114800" algn="l">
               <a:lnSpc>
                 <a:spcPct val="115000"/>
               </a:lnSpc>
@@ -3960,19 +4185,15 @@
               <a:defRPr sz="1200"/>
             </a:lvl9pPr>
           </a:lstStyle>
-          <a:p>
-            <a:endParaRPr/>
-          </a:p>
+          <a:p/>
         </p:txBody>
       </p:sp>
       <p:sp>
         <p:nvSpPr>
           <p:cNvPr id="16" name="Google Shape;16;p14"/>
-          <p:cNvSpPr txBox="1">
-            <a:spLocks noGrp="1"/>
-          </p:cNvSpPr>
+          <p:cNvSpPr txBox="1"/>
           <p:nvPr>
-            <p:ph type="body" idx="2"/>
+            <p:ph idx="2" type="body"/>
           </p:nvPr>
         </p:nvSpPr>
         <p:spPr>
@@ -3989,11 +4210,11 @@
           </a:ln>
         </p:spPr>
         <p:txBody>
-          <a:bodyPr spcFirstLastPara="1" wrap="square" lIns="91425" tIns="91425" rIns="91425" bIns="91425" anchor="t" anchorCtr="0">
+          <a:bodyPr anchorCtr="0" anchor="t" bIns="91425" lIns="91425" spcFirstLastPara="1" rIns="91425" wrap="square" tIns="91425">
             <a:noAutofit/>
           </a:bodyPr>
           <a:lstStyle>
-            <a:lvl1pPr marL="457200" lvl="0" indent="-317500" algn="l">
+            <a:lvl1pPr indent="-317500" lvl="0" marL="457200" algn="l">
               <a:lnSpc>
                 <a:spcPct val="115000"/>
               </a:lnSpc>
@@ -4008,7 +4229,7 @@
               <a:buChar char="●"/>
               <a:defRPr sz="1400"/>
             </a:lvl1pPr>
-            <a:lvl2pPr marL="914400" lvl="1" indent="-304800" algn="l">
+            <a:lvl2pPr indent="-304800" lvl="1" marL="914400" algn="l">
               <a:lnSpc>
                 <a:spcPct val="115000"/>
               </a:lnSpc>
@@ -4023,7 +4244,7 @@
               <a:buChar char="○"/>
               <a:defRPr sz="1200"/>
             </a:lvl2pPr>
-            <a:lvl3pPr marL="1371600" lvl="2" indent="-304800" algn="l">
+            <a:lvl3pPr indent="-304800" lvl="2" marL="1371600" algn="l">
               <a:lnSpc>
                 <a:spcPct val="115000"/>
               </a:lnSpc>
@@ -4038,7 +4259,7 @@
               <a:buChar char="■"/>
               <a:defRPr sz="1200"/>
             </a:lvl3pPr>
-            <a:lvl4pPr marL="1828800" lvl="3" indent="-304800" algn="l">
+            <a:lvl4pPr indent="-304800" lvl="3" marL="1828800" algn="l">
               <a:lnSpc>
                 <a:spcPct val="115000"/>
               </a:lnSpc>
@@ -4053,7 +4274,7 @@
               <a:buChar char="●"/>
               <a:defRPr sz="1200"/>
             </a:lvl4pPr>
-            <a:lvl5pPr marL="2286000" lvl="4" indent="-304800" algn="l">
+            <a:lvl5pPr indent="-304800" lvl="4" marL="2286000" algn="l">
               <a:lnSpc>
                 <a:spcPct val="115000"/>
               </a:lnSpc>
@@ -4068,7 +4289,7 @@
               <a:buChar char="○"/>
               <a:defRPr sz="1200"/>
             </a:lvl5pPr>
-            <a:lvl6pPr marL="2743200" lvl="5" indent="-304800" algn="l">
+            <a:lvl6pPr indent="-304800" lvl="5" marL="2743200" algn="l">
               <a:lnSpc>
                 <a:spcPct val="115000"/>
               </a:lnSpc>
@@ -4083,7 +4304,7 @@
               <a:buChar char="■"/>
               <a:defRPr sz="1200"/>
             </a:lvl6pPr>
-            <a:lvl7pPr marL="3200400" lvl="6" indent="-304800" algn="l">
+            <a:lvl7pPr indent="-304800" lvl="6" marL="3200400" algn="l">
               <a:lnSpc>
                 <a:spcPct val="115000"/>
               </a:lnSpc>
@@ -4098,7 +4319,7 @@
               <a:buChar char="●"/>
               <a:defRPr sz="1200"/>
             </a:lvl7pPr>
-            <a:lvl8pPr marL="3657600" lvl="7" indent="-304800" algn="l">
+            <a:lvl8pPr indent="-304800" lvl="7" marL="3657600" algn="l">
               <a:lnSpc>
                 <a:spcPct val="115000"/>
               </a:lnSpc>
@@ -4113,7 +4334,7 @@
               <a:buChar char="○"/>
               <a:defRPr sz="1200"/>
             </a:lvl8pPr>
-            <a:lvl9pPr marL="4114800" lvl="8" indent="-304800" algn="l">
+            <a:lvl9pPr indent="-304800" lvl="8" marL="4114800" algn="l">
               <a:lnSpc>
                 <a:spcPct val="115000"/>
               </a:lnSpc>
@@ -4129,19 +4350,15 @@
               <a:defRPr sz="1200"/>
             </a:lvl9pPr>
           </a:lstStyle>
-          <a:p>
-            <a:endParaRPr/>
-          </a:p>
+          <a:p/>
         </p:txBody>
       </p:sp>
       <p:sp>
         <p:nvSpPr>
           <p:cNvPr id="17" name="Google Shape;17;p14"/>
-          <p:cNvSpPr txBox="1">
-            <a:spLocks noGrp="1"/>
-          </p:cNvSpPr>
+          <p:cNvSpPr txBox="1"/>
           <p:nvPr>
-            <p:ph type="sldNum" idx="12"/>
+            <p:ph idx="12" type="sldNum"/>
           </p:nvPr>
         </p:nvSpPr>
         <p:spPr>
@@ -4158,11 +4375,11 @@
           </a:ln>
         </p:spPr>
         <p:txBody>
-          <a:bodyPr spcFirstLastPara="1" wrap="square" lIns="91425" tIns="91425" rIns="91425" bIns="91425" anchor="ctr" anchorCtr="0">
+          <a:bodyPr anchorCtr="0" anchor="ctr" bIns="91425" lIns="91425" spcFirstLastPara="1" rIns="91425" wrap="square" tIns="91425">
             <a:noAutofit/>
           </a:bodyPr>
           <a:lstStyle>
-            <a:lvl1pPr marL="0" lvl="0" indent="0" algn="l">
+            <a:lvl1pPr indent="0" lvl="0" marL="0" marR="0" algn="l">
               <a:lnSpc>
                 <a:spcPct val="100000"/>
               </a:lnSpc>
@@ -4178,9 +4395,17 @@
               <a:buSzPts val="1400"/>
               <a:buFont typeface="Arial"/>
               <a:buNone/>
-              <a:defRPr/>
+              <a:defRPr b="0" i="0" sz="1000" u="none" cap="none" strike="noStrike">
+                <a:solidFill>
+                  <a:schemeClr val="dk2"/>
+                </a:solidFill>
+                <a:latin typeface="Arial"/>
+                <a:ea typeface="Arial"/>
+                <a:cs typeface="Arial"/>
+                <a:sym typeface="Arial"/>
+              </a:defRPr>
             </a:lvl1pPr>
-            <a:lvl2pPr marL="0" lvl="1" indent="0" algn="l">
+            <a:lvl2pPr indent="0" lvl="1" marL="0" marR="0" algn="l">
               <a:lnSpc>
                 <a:spcPct val="100000"/>
               </a:lnSpc>
@@ -4196,9 +4421,17 @@
               <a:buSzPts val="1400"/>
               <a:buFont typeface="Arial"/>
               <a:buNone/>
-              <a:defRPr/>
+              <a:defRPr b="0" i="0" sz="1000" u="none" cap="none" strike="noStrike">
+                <a:solidFill>
+                  <a:schemeClr val="dk2"/>
+                </a:solidFill>
+                <a:latin typeface="Arial"/>
+                <a:ea typeface="Arial"/>
+                <a:cs typeface="Arial"/>
+                <a:sym typeface="Arial"/>
+              </a:defRPr>
             </a:lvl2pPr>
-            <a:lvl3pPr marL="0" lvl="2" indent="0" algn="l">
+            <a:lvl3pPr indent="0" lvl="2" marL="0" marR="0" algn="l">
               <a:lnSpc>
                 <a:spcPct val="100000"/>
               </a:lnSpc>
@@ -4214,9 +4447,17 @@
               <a:buSzPts val="1400"/>
               <a:buFont typeface="Arial"/>
               <a:buNone/>
-              <a:defRPr/>
+              <a:defRPr b="0" i="0" sz="1000" u="none" cap="none" strike="noStrike">
+                <a:solidFill>
+                  <a:schemeClr val="dk2"/>
+                </a:solidFill>
+                <a:latin typeface="Arial"/>
+                <a:ea typeface="Arial"/>
+                <a:cs typeface="Arial"/>
+                <a:sym typeface="Arial"/>
+              </a:defRPr>
             </a:lvl3pPr>
-            <a:lvl4pPr marL="0" lvl="3" indent="0" algn="l">
+            <a:lvl4pPr indent="0" lvl="3" marL="0" marR="0" algn="l">
               <a:lnSpc>
                 <a:spcPct val="100000"/>
               </a:lnSpc>
@@ -4232,9 +4473,17 @@
               <a:buSzPts val="1400"/>
               <a:buFont typeface="Arial"/>
               <a:buNone/>
-              <a:defRPr/>
+              <a:defRPr b="0" i="0" sz="1000" u="none" cap="none" strike="noStrike">
+                <a:solidFill>
+                  <a:schemeClr val="dk2"/>
+                </a:solidFill>
+                <a:latin typeface="Arial"/>
+                <a:ea typeface="Arial"/>
+                <a:cs typeface="Arial"/>
+                <a:sym typeface="Arial"/>
+              </a:defRPr>
             </a:lvl4pPr>
-            <a:lvl5pPr marL="0" lvl="4" indent="0" algn="l">
+            <a:lvl5pPr indent="0" lvl="4" marL="0" marR="0" algn="l">
               <a:lnSpc>
                 <a:spcPct val="100000"/>
               </a:lnSpc>
@@ -4250,9 +4499,17 @@
               <a:buSzPts val="1400"/>
               <a:buFont typeface="Arial"/>
               <a:buNone/>
-              <a:defRPr/>
+              <a:defRPr b="0" i="0" sz="1000" u="none" cap="none" strike="noStrike">
+                <a:solidFill>
+                  <a:schemeClr val="dk2"/>
+                </a:solidFill>
+                <a:latin typeface="Arial"/>
+                <a:ea typeface="Arial"/>
+                <a:cs typeface="Arial"/>
+                <a:sym typeface="Arial"/>
+              </a:defRPr>
             </a:lvl5pPr>
-            <a:lvl6pPr marL="0" lvl="5" indent="0" algn="l">
+            <a:lvl6pPr indent="0" lvl="5" marL="0" marR="0" algn="l">
               <a:lnSpc>
                 <a:spcPct val="100000"/>
               </a:lnSpc>
@@ -4268,9 +4525,17 @@
               <a:buSzPts val="1400"/>
               <a:buFont typeface="Arial"/>
               <a:buNone/>
-              <a:defRPr/>
+              <a:defRPr b="0" i="0" sz="1000" u="none" cap="none" strike="noStrike">
+                <a:solidFill>
+                  <a:schemeClr val="dk2"/>
+                </a:solidFill>
+                <a:latin typeface="Arial"/>
+                <a:ea typeface="Arial"/>
+                <a:cs typeface="Arial"/>
+                <a:sym typeface="Arial"/>
+              </a:defRPr>
             </a:lvl6pPr>
-            <a:lvl7pPr marL="0" lvl="6" indent="0" algn="l">
+            <a:lvl7pPr indent="0" lvl="6" marL="0" marR="0" algn="l">
               <a:lnSpc>
                 <a:spcPct val="100000"/>
               </a:lnSpc>
@@ -4286,9 +4551,17 @@
               <a:buSzPts val="1400"/>
               <a:buFont typeface="Arial"/>
               <a:buNone/>
-              <a:defRPr/>
+              <a:defRPr b="0" i="0" sz="1000" u="none" cap="none" strike="noStrike">
+                <a:solidFill>
+                  <a:schemeClr val="dk2"/>
+                </a:solidFill>
+                <a:latin typeface="Arial"/>
+                <a:ea typeface="Arial"/>
+                <a:cs typeface="Arial"/>
+                <a:sym typeface="Arial"/>
+              </a:defRPr>
             </a:lvl7pPr>
-            <a:lvl8pPr marL="0" lvl="7" indent="0" algn="l">
+            <a:lvl8pPr indent="0" lvl="7" marL="0" marR="0" algn="l">
               <a:lnSpc>
                 <a:spcPct val="100000"/>
               </a:lnSpc>
@@ -4304,9 +4577,17 @@
               <a:buSzPts val="1400"/>
               <a:buFont typeface="Arial"/>
               <a:buNone/>
-              <a:defRPr/>
+              <a:defRPr b="0" i="0" sz="1000" u="none" cap="none" strike="noStrike">
+                <a:solidFill>
+                  <a:schemeClr val="dk2"/>
+                </a:solidFill>
+                <a:latin typeface="Arial"/>
+                <a:ea typeface="Arial"/>
+                <a:cs typeface="Arial"/>
+                <a:sym typeface="Arial"/>
+              </a:defRPr>
             </a:lvl8pPr>
-            <a:lvl9pPr marL="0" lvl="8" indent="0" algn="l">
+            <a:lvl9pPr indent="0" lvl="8" marL="0" marR="0" algn="l">
               <a:lnSpc>
                 <a:spcPct val="100000"/>
               </a:lnSpc>
@@ -4322,11 +4603,19 @@
               <a:buSzPts val="1400"/>
               <a:buFont typeface="Arial"/>
               <a:buNone/>
-              <a:defRPr/>
+              <a:defRPr b="0" i="0" sz="1000" u="none" cap="none" strike="noStrike">
+                <a:solidFill>
+                  <a:schemeClr val="dk2"/>
+                </a:solidFill>
+                <a:latin typeface="Arial"/>
+                <a:ea typeface="Arial"/>
+                <a:cs typeface="Arial"/>
+                <a:sym typeface="Arial"/>
+              </a:defRPr>
             </a:lvl9pPr>
           </a:lstStyle>
           <a:p>
-            <a:pPr marL="0" lvl="0" indent="0" algn="l" rtl="0">
+            <a:pPr indent="0" lvl="0" marL="0" rtl="0" algn="l">
               <a:spcBef>
                 <a:spcPts val="0"/>
               </a:spcBef>
@@ -4352,11 +4641,11 @@
 </file>
 
 <file path=ppt/slideLayouts/slideLayout3.xml><?xml version="1.0" encoding="utf-8"?>
-<p:sldLayout xmlns:a="http://schemas.openxmlformats.org/drawingml/2006/main" xmlns:r="http://schemas.openxmlformats.org/officeDocument/2006/relationships" xmlns:p="http://schemas.openxmlformats.org/presentationml/2006/main" matchingName="Title only" type="titleOnly">
+<p:sldLayout xmlns:a="http://schemas.openxmlformats.org/drawingml/2006/main" xmlns:r="http://schemas.openxmlformats.org/officeDocument/2006/relationships" xmlns:mc="http://schemas.openxmlformats.org/markup-compatibility/2006" xmlns:mv="urn:schemas-microsoft-com:mac:vml" xmlns:p="http://schemas.openxmlformats.org/presentationml/2006/main" xmlns:c="http://schemas.openxmlformats.org/drawingml/2006/chart" xmlns:dgm="http://schemas.openxmlformats.org/drawingml/2006/diagram" xmlns:o="urn:schemas-microsoft-com:office:office" xmlns:v="urn:schemas-microsoft-com:vml" xmlns:pvml="urn:schemas-microsoft-com:office:powerpoint" xmlns:com="http://schemas.openxmlformats.org/drawingml/2006/compatibility" xmlns:p14="http://schemas.microsoft.com/office/powerpoint/2010/main" xmlns:p15="http://schemas.microsoft.com/office/powerpoint/2012/main" xmlns:ahyp="http://schemas.microsoft.com/office/drawing/2018/hyperlinkcolor" matchingName="Title only" type="titleOnly">
   <p:cSld name="TITLE_ONLY">
     <p:spTree>
       <p:nvGrpSpPr>
-        <p:cNvPr id="1" name="Shape 18"/>
+        <p:cNvPr id="18" name="Shape 18"/>
         <p:cNvGrpSpPr/>
         <p:nvPr/>
       </p:nvGrpSpPr>
@@ -4371,9 +4660,7 @@
       <p:sp>
         <p:nvSpPr>
           <p:cNvPr id="19" name="Google Shape;19;p15"/>
-          <p:cNvSpPr txBox="1">
-            <a:spLocks noGrp="1"/>
-          </p:cNvSpPr>
+          <p:cNvSpPr txBox="1"/>
           <p:nvPr>
             <p:ph type="title"/>
           </p:nvPr>
@@ -4392,7 +4679,7 @@
           </a:ln>
         </p:spPr>
         <p:txBody>
-          <a:bodyPr spcFirstLastPara="1" wrap="square" lIns="91425" tIns="91425" rIns="91425" bIns="91425" anchor="t" anchorCtr="0">
+          <a:bodyPr anchorCtr="0" anchor="t" bIns="91425" lIns="91425" spcFirstLastPara="1" rIns="91425" wrap="square" tIns="91425">
             <a:noAutofit/>
           </a:bodyPr>
           <a:lstStyle>
@@ -4411,7 +4698,10 @@
               <a:buNone/>
               <a:defRPr/>
             </a:lvl1pPr>
-            <a:lvl2pPr lvl="1">
+            <a:lvl2pPr lvl="1" algn="l">
+              <a:lnSpc>
+                <a:spcPct val="100000"/>
+              </a:lnSpc>
               <a:spcBef>
                 <a:spcPts val="0"/>
               </a:spcBef>
@@ -4422,7 +4712,10 @@
               <a:buNone/>
               <a:defRPr/>
             </a:lvl2pPr>
-            <a:lvl3pPr lvl="2">
+            <a:lvl3pPr lvl="2" algn="l">
+              <a:lnSpc>
+                <a:spcPct val="100000"/>
+              </a:lnSpc>
               <a:spcBef>
                 <a:spcPts val="0"/>
               </a:spcBef>
@@ -4433,7 +4726,10 @@
               <a:buNone/>
               <a:defRPr/>
             </a:lvl3pPr>
-            <a:lvl4pPr lvl="3">
+            <a:lvl4pPr lvl="3" algn="l">
+              <a:lnSpc>
+                <a:spcPct val="100000"/>
+              </a:lnSpc>
               <a:spcBef>
                 <a:spcPts val="0"/>
               </a:spcBef>
@@ -4444,7 +4740,10 @@
               <a:buNone/>
               <a:defRPr/>
             </a:lvl4pPr>
-            <a:lvl5pPr lvl="4">
+            <a:lvl5pPr lvl="4" algn="l">
+              <a:lnSpc>
+                <a:spcPct val="100000"/>
+              </a:lnSpc>
               <a:spcBef>
                 <a:spcPts val="0"/>
               </a:spcBef>
@@ -4455,7 +4754,10 @@
               <a:buNone/>
               <a:defRPr/>
             </a:lvl5pPr>
-            <a:lvl6pPr lvl="5">
+            <a:lvl6pPr lvl="5" algn="l">
+              <a:lnSpc>
+                <a:spcPct val="100000"/>
+              </a:lnSpc>
               <a:spcBef>
                 <a:spcPts val="0"/>
               </a:spcBef>
@@ -4466,7 +4768,10 @@
               <a:buNone/>
               <a:defRPr/>
             </a:lvl6pPr>
-            <a:lvl7pPr lvl="6">
+            <a:lvl7pPr lvl="6" algn="l">
+              <a:lnSpc>
+                <a:spcPct val="100000"/>
+              </a:lnSpc>
               <a:spcBef>
                 <a:spcPts val="0"/>
               </a:spcBef>
@@ -4477,7 +4782,10 @@
               <a:buNone/>
               <a:defRPr/>
             </a:lvl7pPr>
-            <a:lvl8pPr lvl="7">
+            <a:lvl8pPr lvl="7" algn="l">
+              <a:lnSpc>
+                <a:spcPct val="100000"/>
+              </a:lnSpc>
               <a:spcBef>
                 <a:spcPts val="0"/>
               </a:spcBef>
@@ -4488,7 +4796,10 @@
               <a:buNone/>
               <a:defRPr/>
             </a:lvl8pPr>
-            <a:lvl9pPr lvl="8">
+            <a:lvl9pPr lvl="8" algn="l">
+              <a:lnSpc>
+                <a:spcPct val="100000"/>
+              </a:lnSpc>
               <a:spcBef>
                 <a:spcPts val="0"/>
               </a:spcBef>
@@ -4500,19 +4811,15 @@
               <a:defRPr/>
             </a:lvl9pPr>
           </a:lstStyle>
-          <a:p>
-            <a:endParaRPr/>
-          </a:p>
+          <a:p/>
         </p:txBody>
       </p:sp>
       <p:sp>
         <p:nvSpPr>
           <p:cNvPr id="20" name="Google Shape;20;p15"/>
-          <p:cNvSpPr txBox="1">
-            <a:spLocks noGrp="1"/>
-          </p:cNvSpPr>
+          <p:cNvSpPr txBox="1"/>
           <p:nvPr>
-            <p:ph type="sldNum" idx="12"/>
+            <p:ph idx="12" type="sldNum"/>
           </p:nvPr>
         </p:nvSpPr>
         <p:spPr>
@@ -4529,11 +4836,11 @@
           </a:ln>
         </p:spPr>
         <p:txBody>
-          <a:bodyPr spcFirstLastPara="1" wrap="square" lIns="91425" tIns="91425" rIns="91425" bIns="91425" anchor="ctr" anchorCtr="0">
+          <a:bodyPr anchorCtr="0" anchor="ctr" bIns="91425" lIns="91425" spcFirstLastPara="1" rIns="91425" wrap="square" tIns="91425">
             <a:noAutofit/>
           </a:bodyPr>
           <a:lstStyle>
-            <a:lvl1pPr marL="0" lvl="0" indent="0" algn="l">
+            <a:lvl1pPr indent="0" lvl="0" marL="0" marR="0" algn="l">
               <a:lnSpc>
                 <a:spcPct val="100000"/>
               </a:lnSpc>
@@ -4549,9 +4856,17 @@
               <a:buSzPts val="1400"/>
               <a:buFont typeface="Arial"/>
               <a:buNone/>
-              <a:defRPr/>
+              <a:defRPr b="0" i="0" sz="1000" u="none" cap="none" strike="noStrike">
+                <a:solidFill>
+                  <a:schemeClr val="dk2"/>
+                </a:solidFill>
+                <a:latin typeface="Arial"/>
+                <a:ea typeface="Arial"/>
+                <a:cs typeface="Arial"/>
+                <a:sym typeface="Arial"/>
+              </a:defRPr>
             </a:lvl1pPr>
-            <a:lvl2pPr marL="0" lvl="1" indent="0" algn="l">
+            <a:lvl2pPr indent="0" lvl="1" marL="0" marR="0" algn="l">
               <a:lnSpc>
                 <a:spcPct val="100000"/>
               </a:lnSpc>
@@ -4567,9 +4882,17 @@
               <a:buSzPts val="1400"/>
               <a:buFont typeface="Arial"/>
               <a:buNone/>
-              <a:defRPr/>
+              <a:defRPr b="0" i="0" sz="1000" u="none" cap="none" strike="noStrike">
+                <a:solidFill>
+                  <a:schemeClr val="dk2"/>
+                </a:solidFill>
+                <a:latin typeface="Arial"/>
+                <a:ea typeface="Arial"/>
+                <a:cs typeface="Arial"/>
+                <a:sym typeface="Arial"/>
+              </a:defRPr>
             </a:lvl2pPr>
-            <a:lvl3pPr marL="0" lvl="2" indent="0" algn="l">
+            <a:lvl3pPr indent="0" lvl="2" marL="0" marR="0" algn="l">
               <a:lnSpc>
                 <a:spcPct val="100000"/>
               </a:lnSpc>
@@ -4585,9 +4908,17 @@
               <a:buSzPts val="1400"/>
               <a:buFont typeface="Arial"/>
               <a:buNone/>
-              <a:defRPr/>
+              <a:defRPr b="0" i="0" sz="1000" u="none" cap="none" strike="noStrike">
+                <a:solidFill>
+                  <a:schemeClr val="dk2"/>
+                </a:solidFill>
+                <a:latin typeface="Arial"/>
+                <a:ea typeface="Arial"/>
+                <a:cs typeface="Arial"/>
+                <a:sym typeface="Arial"/>
+              </a:defRPr>
             </a:lvl3pPr>
-            <a:lvl4pPr marL="0" lvl="3" indent="0" algn="l">
+            <a:lvl4pPr indent="0" lvl="3" marL="0" marR="0" algn="l">
               <a:lnSpc>
                 <a:spcPct val="100000"/>
               </a:lnSpc>
@@ -4603,9 +4934,17 @@
               <a:buSzPts val="1400"/>
               <a:buFont typeface="Arial"/>
               <a:buNone/>
-              <a:defRPr/>
+              <a:defRPr b="0" i="0" sz="1000" u="none" cap="none" strike="noStrike">
+                <a:solidFill>
+                  <a:schemeClr val="dk2"/>
+                </a:solidFill>
+                <a:latin typeface="Arial"/>
+                <a:ea typeface="Arial"/>
+                <a:cs typeface="Arial"/>
+                <a:sym typeface="Arial"/>
+              </a:defRPr>
             </a:lvl4pPr>
-            <a:lvl5pPr marL="0" lvl="4" indent="0" algn="l">
+            <a:lvl5pPr indent="0" lvl="4" marL="0" marR="0" algn="l">
               <a:lnSpc>
                 <a:spcPct val="100000"/>
               </a:lnSpc>
@@ -4621,9 +4960,17 @@
               <a:buSzPts val="1400"/>
               <a:buFont typeface="Arial"/>
               <a:buNone/>
-              <a:defRPr/>
+              <a:defRPr b="0" i="0" sz="1000" u="none" cap="none" strike="noStrike">
+                <a:solidFill>
+                  <a:schemeClr val="dk2"/>
+                </a:solidFill>
+                <a:latin typeface="Arial"/>
+                <a:ea typeface="Arial"/>
+                <a:cs typeface="Arial"/>
+                <a:sym typeface="Arial"/>
+              </a:defRPr>
             </a:lvl5pPr>
-            <a:lvl6pPr marL="0" lvl="5" indent="0" algn="l">
+            <a:lvl6pPr indent="0" lvl="5" marL="0" marR="0" algn="l">
               <a:lnSpc>
                 <a:spcPct val="100000"/>
               </a:lnSpc>
@@ -4639,9 +4986,17 @@
               <a:buSzPts val="1400"/>
               <a:buFont typeface="Arial"/>
               <a:buNone/>
-              <a:defRPr/>
+              <a:defRPr b="0" i="0" sz="1000" u="none" cap="none" strike="noStrike">
+                <a:solidFill>
+                  <a:schemeClr val="dk2"/>
+                </a:solidFill>
+                <a:latin typeface="Arial"/>
+                <a:ea typeface="Arial"/>
+                <a:cs typeface="Arial"/>
+                <a:sym typeface="Arial"/>
+              </a:defRPr>
             </a:lvl6pPr>
-            <a:lvl7pPr marL="0" lvl="6" indent="0" algn="l">
+            <a:lvl7pPr indent="0" lvl="6" marL="0" marR="0" algn="l">
               <a:lnSpc>
                 <a:spcPct val="100000"/>
               </a:lnSpc>
@@ -4657,9 +5012,17 @@
               <a:buSzPts val="1400"/>
               <a:buFont typeface="Arial"/>
               <a:buNone/>
-              <a:defRPr/>
+              <a:defRPr b="0" i="0" sz="1000" u="none" cap="none" strike="noStrike">
+                <a:solidFill>
+                  <a:schemeClr val="dk2"/>
+                </a:solidFill>
+                <a:latin typeface="Arial"/>
+                <a:ea typeface="Arial"/>
+                <a:cs typeface="Arial"/>
+                <a:sym typeface="Arial"/>
+              </a:defRPr>
             </a:lvl7pPr>
-            <a:lvl8pPr marL="0" lvl="7" indent="0" algn="l">
+            <a:lvl8pPr indent="0" lvl="7" marL="0" marR="0" algn="l">
               <a:lnSpc>
                 <a:spcPct val="100000"/>
               </a:lnSpc>
@@ -4675,9 +5038,17 @@
               <a:buSzPts val="1400"/>
               <a:buFont typeface="Arial"/>
               <a:buNone/>
-              <a:defRPr/>
+              <a:defRPr b="0" i="0" sz="1000" u="none" cap="none" strike="noStrike">
+                <a:solidFill>
+                  <a:schemeClr val="dk2"/>
+                </a:solidFill>
+                <a:latin typeface="Arial"/>
+                <a:ea typeface="Arial"/>
+                <a:cs typeface="Arial"/>
+                <a:sym typeface="Arial"/>
+              </a:defRPr>
             </a:lvl8pPr>
-            <a:lvl9pPr marL="0" lvl="8" indent="0" algn="l">
+            <a:lvl9pPr indent="0" lvl="8" marL="0" marR="0" algn="l">
               <a:lnSpc>
                 <a:spcPct val="100000"/>
               </a:lnSpc>
@@ -4693,11 +5064,19 @@
               <a:buSzPts val="1400"/>
               <a:buFont typeface="Arial"/>
               <a:buNone/>
-              <a:defRPr/>
+              <a:defRPr b="0" i="0" sz="1000" u="none" cap="none" strike="noStrike">
+                <a:solidFill>
+                  <a:schemeClr val="dk2"/>
+                </a:solidFill>
+                <a:latin typeface="Arial"/>
+                <a:ea typeface="Arial"/>
+                <a:cs typeface="Arial"/>
+                <a:sym typeface="Arial"/>
+              </a:defRPr>
             </a:lvl9pPr>
           </a:lstStyle>
           <a:p>
-            <a:pPr marL="0" lvl="0" indent="0" algn="l" rtl="0">
+            <a:pPr indent="0" lvl="0" marL="0" rtl="0" algn="l">
               <a:spcBef>
                 <a:spcPts val="0"/>
               </a:spcBef>
@@ -4723,11 +5102,11 @@
 </file>
 
 <file path=ppt/slideLayouts/slideLayout4.xml><?xml version="1.0" encoding="utf-8"?>
-<p:sldLayout xmlns:a="http://schemas.openxmlformats.org/drawingml/2006/main" xmlns:r="http://schemas.openxmlformats.org/officeDocument/2006/relationships" xmlns:p="http://schemas.openxmlformats.org/presentationml/2006/main" matchingName="Blank" type="blank">
+<p:sldLayout xmlns:a="http://schemas.openxmlformats.org/drawingml/2006/main" xmlns:r="http://schemas.openxmlformats.org/officeDocument/2006/relationships" xmlns:mc="http://schemas.openxmlformats.org/markup-compatibility/2006" xmlns:mv="urn:schemas-microsoft-com:mac:vml" xmlns:p="http://schemas.openxmlformats.org/presentationml/2006/main" xmlns:c="http://schemas.openxmlformats.org/drawingml/2006/chart" xmlns:dgm="http://schemas.openxmlformats.org/drawingml/2006/diagram" xmlns:o="urn:schemas-microsoft-com:office:office" xmlns:v="urn:schemas-microsoft-com:vml" xmlns:pvml="urn:schemas-microsoft-com:office:powerpoint" xmlns:com="http://schemas.openxmlformats.org/drawingml/2006/compatibility" xmlns:p14="http://schemas.microsoft.com/office/powerpoint/2010/main" xmlns:p15="http://schemas.microsoft.com/office/powerpoint/2012/main" xmlns:ahyp="http://schemas.microsoft.com/office/drawing/2018/hyperlinkcolor" matchingName="Blank" type="blank">
   <p:cSld name="BLANK">
     <p:spTree>
       <p:nvGrpSpPr>
-        <p:cNvPr id="1" name="Shape 21"/>
+        <p:cNvPr id="21" name="Shape 21"/>
         <p:cNvGrpSpPr/>
         <p:nvPr/>
       </p:nvGrpSpPr>
@@ -4742,11 +5121,9 @@
       <p:sp>
         <p:nvSpPr>
           <p:cNvPr id="22" name="Google Shape;22;p16"/>
-          <p:cNvSpPr txBox="1">
-            <a:spLocks noGrp="1"/>
-          </p:cNvSpPr>
+          <p:cNvSpPr txBox="1"/>
           <p:nvPr>
-            <p:ph type="sldNum" idx="12"/>
+            <p:ph idx="12" type="sldNum"/>
           </p:nvPr>
         </p:nvSpPr>
         <p:spPr>
@@ -4763,11 +5140,11 @@
           </a:ln>
         </p:spPr>
         <p:txBody>
-          <a:bodyPr spcFirstLastPara="1" wrap="square" lIns="91425" tIns="91425" rIns="91425" bIns="91425" anchor="ctr" anchorCtr="0">
+          <a:bodyPr anchorCtr="0" anchor="ctr" bIns="91425" lIns="91425" spcFirstLastPara="1" rIns="91425" wrap="square" tIns="91425">
             <a:noAutofit/>
           </a:bodyPr>
           <a:lstStyle>
-            <a:lvl1pPr marL="0" lvl="0" indent="0" algn="l">
+            <a:lvl1pPr indent="0" lvl="0" marL="0" marR="0" algn="l">
               <a:lnSpc>
                 <a:spcPct val="100000"/>
               </a:lnSpc>
@@ -4783,9 +5160,17 @@
               <a:buSzPts val="1400"/>
               <a:buFont typeface="Arial"/>
               <a:buNone/>
-              <a:defRPr/>
+              <a:defRPr b="0" i="0" sz="1000" u="none" cap="none" strike="noStrike">
+                <a:solidFill>
+                  <a:schemeClr val="dk2"/>
+                </a:solidFill>
+                <a:latin typeface="Arial"/>
+                <a:ea typeface="Arial"/>
+                <a:cs typeface="Arial"/>
+                <a:sym typeface="Arial"/>
+              </a:defRPr>
             </a:lvl1pPr>
-            <a:lvl2pPr marL="0" lvl="1" indent="0" algn="l">
+            <a:lvl2pPr indent="0" lvl="1" marL="0" marR="0" algn="l">
               <a:lnSpc>
                 <a:spcPct val="100000"/>
               </a:lnSpc>
@@ -4801,9 +5186,17 @@
               <a:buSzPts val="1400"/>
               <a:buFont typeface="Arial"/>
               <a:buNone/>
-              <a:defRPr/>
+              <a:defRPr b="0" i="0" sz="1000" u="none" cap="none" strike="noStrike">
+                <a:solidFill>
+                  <a:schemeClr val="dk2"/>
+                </a:solidFill>
+                <a:latin typeface="Arial"/>
+                <a:ea typeface="Arial"/>
+                <a:cs typeface="Arial"/>
+                <a:sym typeface="Arial"/>
+              </a:defRPr>
             </a:lvl2pPr>
-            <a:lvl3pPr marL="0" lvl="2" indent="0" algn="l">
+            <a:lvl3pPr indent="0" lvl="2" marL="0" marR="0" algn="l">
               <a:lnSpc>
                 <a:spcPct val="100000"/>
               </a:lnSpc>
@@ -4819,9 +5212,17 @@
               <a:buSzPts val="1400"/>
               <a:buFont typeface="Arial"/>
               <a:buNone/>
-              <a:defRPr/>
+              <a:defRPr b="0" i="0" sz="1000" u="none" cap="none" strike="noStrike">
+                <a:solidFill>
+                  <a:schemeClr val="dk2"/>
+                </a:solidFill>
+                <a:latin typeface="Arial"/>
+                <a:ea typeface="Arial"/>
+                <a:cs typeface="Arial"/>
+                <a:sym typeface="Arial"/>
+              </a:defRPr>
             </a:lvl3pPr>
-            <a:lvl4pPr marL="0" lvl="3" indent="0" algn="l">
+            <a:lvl4pPr indent="0" lvl="3" marL="0" marR="0" algn="l">
               <a:lnSpc>
                 <a:spcPct val="100000"/>
               </a:lnSpc>
@@ -4837,9 +5238,17 @@
               <a:buSzPts val="1400"/>
               <a:buFont typeface="Arial"/>
               <a:buNone/>
-              <a:defRPr/>
+              <a:defRPr b="0" i="0" sz="1000" u="none" cap="none" strike="noStrike">
+                <a:solidFill>
+                  <a:schemeClr val="dk2"/>
+                </a:solidFill>
+                <a:latin typeface="Arial"/>
+                <a:ea typeface="Arial"/>
+                <a:cs typeface="Arial"/>
+                <a:sym typeface="Arial"/>
+              </a:defRPr>
             </a:lvl4pPr>
-            <a:lvl5pPr marL="0" lvl="4" indent="0" algn="l">
+            <a:lvl5pPr indent="0" lvl="4" marL="0" marR="0" algn="l">
               <a:lnSpc>
                 <a:spcPct val="100000"/>
               </a:lnSpc>
@@ -4855,9 +5264,17 @@
               <a:buSzPts val="1400"/>
               <a:buFont typeface="Arial"/>
               <a:buNone/>
-              <a:defRPr/>
+              <a:defRPr b="0" i="0" sz="1000" u="none" cap="none" strike="noStrike">
+                <a:solidFill>
+                  <a:schemeClr val="dk2"/>
+                </a:solidFill>
+                <a:latin typeface="Arial"/>
+                <a:ea typeface="Arial"/>
+                <a:cs typeface="Arial"/>
+                <a:sym typeface="Arial"/>
+              </a:defRPr>
             </a:lvl5pPr>
-            <a:lvl6pPr marL="0" lvl="5" indent="0" algn="l">
+            <a:lvl6pPr indent="0" lvl="5" marL="0" marR="0" algn="l">
               <a:lnSpc>
                 <a:spcPct val="100000"/>
               </a:lnSpc>
@@ -4873,9 +5290,17 @@
               <a:buSzPts val="1400"/>
               <a:buFont typeface="Arial"/>
               <a:buNone/>
-              <a:defRPr/>
+              <a:defRPr b="0" i="0" sz="1000" u="none" cap="none" strike="noStrike">
+                <a:solidFill>
+                  <a:schemeClr val="dk2"/>
+                </a:solidFill>
+                <a:latin typeface="Arial"/>
+                <a:ea typeface="Arial"/>
+                <a:cs typeface="Arial"/>
+                <a:sym typeface="Arial"/>
+              </a:defRPr>
             </a:lvl6pPr>
-            <a:lvl7pPr marL="0" lvl="6" indent="0" algn="l">
+            <a:lvl7pPr indent="0" lvl="6" marL="0" marR="0" algn="l">
               <a:lnSpc>
                 <a:spcPct val="100000"/>
               </a:lnSpc>
@@ -4891,9 +5316,17 @@
               <a:buSzPts val="1400"/>
               <a:buFont typeface="Arial"/>
               <a:buNone/>
-              <a:defRPr/>
+              <a:defRPr b="0" i="0" sz="1000" u="none" cap="none" strike="noStrike">
+                <a:solidFill>
+                  <a:schemeClr val="dk2"/>
+                </a:solidFill>
+                <a:latin typeface="Arial"/>
+                <a:ea typeface="Arial"/>
+                <a:cs typeface="Arial"/>
+                <a:sym typeface="Arial"/>
+              </a:defRPr>
             </a:lvl7pPr>
-            <a:lvl8pPr marL="0" lvl="7" indent="0" algn="l">
+            <a:lvl8pPr indent="0" lvl="7" marL="0" marR="0" algn="l">
               <a:lnSpc>
                 <a:spcPct val="100000"/>
               </a:lnSpc>
@@ -4909,9 +5342,17 @@
               <a:buSzPts val="1400"/>
               <a:buFont typeface="Arial"/>
               <a:buNone/>
-              <a:defRPr/>
+              <a:defRPr b="0" i="0" sz="1000" u="none" cap="none" strike="noStrike">
+                <a:solidFill>
+                  <a:schemeClr val="dk2"/>
+                </a:solidFill>
+                <a:latin typeface="Arial"/>
+                <a:ea typeface="Arial"/>
+                <a:cs typeface="Arial"/>
+                <a:sym typeface="Arial"/>
+              </a:defRPr>
             </a:lvl8pPr>
-            <a:lvl9pPr marL="0" lvl="8" indent="0" algn="l">
+            <a:lvl9pPr indent="0" lvl="8" marL="0" marR="0" algn="l">
               <a:lnSpc>
                 <a:spcPct val="100000"/>
               </a:lnSpc>
@@ -4927,11 +5368,19 @@
               <a:buSzPts val="1400"/>
               <a:buFont typeface="Arial"/>
               <a:buNone/>
-              <a:defRPr/>
+              <a:defRPr b="0" i="0" sz="1000" u="none" cap="none" strike="noStrike">
+                <a:solidFill>
+                  <a:schemeClr val="dk2"/>
+                </a:solidFill>
+                <a:latin typeface="Arial"/>
+                <a:ea typeface="Arial"/>
+                <a:cs typeface="Arial"/>
+                <a:sym typeface="Arial"/>
+              </a:defRPr>
             </a:lvl9pPr>
           </a:lstStyle>
           <a:p>
-            <a:pPr marL="0" lvl="0" indent="0" algn="l" rtl="0">
+            <a:pPr indent="0" lvl="0" marL="0" rtl="0" algn="l">
               <a:spcBef>
                 <a:spcPts val="0"/>
               </a:spcBef>
@@ -4957,11 +5406,11 @@
 </file>
 
 <file path=ppt/slideLayouts/slideLayout5.xml><?xml version="1.0" encoding="utf-8"?>
-<p:sldLayout xmlns:a="http://schemas.openxmlformats.org/drawingml/2006/main" xmlns:r="http://schemas.openxmlformats.org/officeDocument/2006/relationships" xmlns:p="http://schemas.openxmlformats.org/presentationml/2006/main" matchingName="Section header" type="secHead">
+<p:sldLayout xmlns:a="http://schemas.openxmlformats.org/drawingml/2006/main" xmlns:r="http://schemas.openxmlformats.org/officeDocument/2006/relationships" xmlns:mc="http://schemas.openxmlformats.org/markup-compatibility/2006" xmlns:mv="urn:schemas-microsoft-com:mac:vml" xmlns:p="http://schemas.openxmlformats.org/presentationml/2006/main" xmlns:c="http://schemas.openxmlformats.org/drawingml/2006/chart" xmlns:dgm="http://schemas.openxmlformats.org/drawingml/2006/diagram" xmlns:o="urn:schemas-microsoft-com:office:office" xmlns:v="urn:schemas-microsoft-com:vml" xmlns:pvml="urn:schemas-microsoft-com:office:powerpoint" xmlns:com="http://schemas.openxmlformats.org/drawingml/2006/compatibility" xmlns:p14="http://schemas.microsoft.com/office/powerpoint/2010/main" xmlns:p15="http://schemas.microsoft.com/office/powerpoint/2012/main" xmlns:ahyp="http://schemas.microsoft.com/office/drawing/2018/hyperlinkcolor" matchingName="Section header" type="secHead">
   <p:cSld name="SECTION_HEADER">
     <p:spTree>
       <p:nvGrpSpPr>
-        <p:cNvPr id="1" name="Shape 23"/>
+        <p:cNvPr id="23" name="Shape 23"/>
         <p:cNvGrpSpPr/>
         <p:nvPr/>
       </p:nvGrpSpPr>
@@ -4976,9 +5425,7 @@
       <p:sp>
         <p:nvSpPr>
           <p:cNvPr id="24" name="Google Shape;24;p17"/>
-          <p:cNvSpPr txBox="1">
-            <a:spLocks noGrp="1"/>
-          </p:cNvSpPr>
+          <p:cNvSpPr txBox="1"/>
           <p:nvPr>
             <p:ph type="title"/>
           </p:nvPr>
@@ -4997,7 +5444,7 @@
           </a:ln>
         </p:spPr>
         <p:txBody>
-          <a:bodyPr spcFirstLastPara="1" wrap="square" lIns="91425" tIns="91425" rIns="91425" bIns="91425" anchor="ctr" anchorCtr="0">
+          <a:bodyPr anchorCtr="0" anchor="ctr" bIns="91425" lIns="91425" spcFirstLastPara="1" rIns="91425" wrap="square" tIns="91425">
             <a:noAutofit/>
           </a:bodyPr>
           <a:lstStyle>
@@ -5017,6 +5464,9 @@
               <a:defRPr sz="3600"/>
             </a:lvl1pPr>
             <a:lvl2pPr lvl="1" algn="ctr">
+              <a:lnSpc>
+                <a:spcPct val="100000"/>
+              </a:lnSpc>
               <a:spcBef>
                 <a:spcPts val="0"/>
               </a:spcBef>
@@ -5028,6 +5478,9 @@
               <a:defRPr sz="3600"/>
             </a:lvl2pPr>
             <a:lvl3pPr lvl="2" algn="ctr">
+              <a:lnSpc>
+                <a:spcPct val="100000"/>
+              </a:lnSpc>
               <a:spcBef>
                 <a:spcPts val="0"/>
               </a:spcBef>
@@ -5039,6 +5492,9 @@
               <a:defRPr sz="3600"/>
             </a:lvl3pPr>
             <a:lvl4pPr lvl="3" algn="ctr">
+              <a:lnSpc>
+                <a:spcPct val="100000"/>
+              </a:lnSpc>
               <a:spcBef>
                 <a:spcPts val="0"/>
               </a:spcBef>
@@ -5050,6 +5506,9 @@
               <a:defRPr sz="3600"/>
             </a:lvl4pPr>
             <a:lvl5pPr lvl="4" algn="ctr">
+              <a:lnSpc>
+                <a:spcPct val="100000"/>
+              </a:lnSpc>
               <a:spcBef>
                 <a:spcPts val="0"/>
               </a:spcBef>
@@ -5061,6 +5520,9 @@
               <a:defRPr sz="3600"/>
             </a:lvl5pPr>
             <a:lvl6pPr lvl="5" algn="ctr">
+              <a:lnSpc>
+                <a:spcPct val="100000"/>
+              </a:lnSpc>
               <a:spcBef>
                 <a:spcPts val="0"/>
               </a:spcBef>
@@ -5072,6 +5534,9 @@
               <a:defRPr sz="3600"/>
             </a:lvl6pPr>
             <a:lvl7pPr lvl="6" algn="ctr">
+              <a:lnSpc>
+                <a:spcPct val="100000"/>
+              </a:lnSpc>
               <a:spcBef>
                 <a:spcPts val="0"/>
               </a:spcBef>
@@ -5083,6 +5548,9 @@
               <a:defRPr sz="3600"/>
             </a:lvl7pPr>
             <a:lvl8pPr lvl="7" algn="ctr">
+              <a:lnSpc>
+                <a:spcPct val="100000"/>
+              </a:lnSpc>
               <a:spcBef>
                 <a:spcPts val="0"/>
               </a:spcBef>
@@ -5094,6 +5562,9 @@
               <a:defRPr sz="3600"/>
             </a:lvl8pPr>
             <a:lvl9pPr lvl="8" algn="ctr">
+              <a:lnSpc>
+                <a:spcPct val="100000"/>
+              </a:lnSpc>
               <a:spcBef>
                 <a:spcPts val="0"/>
               </a:spcBef>
@@ -5105,19 +5576,15 @@
               <a:defRPr sz="3600"/>
             </a:lvl9pPr>
           </a:lstStyle>
-          <a:p>
-            <a:endParaRPr/>
-          </a:p>
+          <a:p/>
         </p:txBody>
       </p:sp>
       <p:sp>
         <p:nvSpPr>
           <p:cNvPr id="25" name="Google Shape;25;p17"/>
-          <p:cNvSpPr txBox="1">
-            <a:spLocks noGrp="1"/>
-          </p:cNvSpPr>
+          <p:cNvSpPr txBox="1"/>
           <p:nvPr>
-            <p:ph type="sldNum" idx="12"/>
+            <p:ph idx="12" type="sldNum"/>
           </p:nvPr>
         </p:nvSpPr>
         <p:spPr>
@@ -5134,11 +5601,11 @@
           </a:ln>
         </p:spPr>
         <p:txBody>
-          <a:bodyPr spcFirstLastPara="1" wrap="square" lIns="91425" tIns="91425" rIns="91425" bIns="91425" anchor="ctr" anchorCtr="0">
+          <a:bodyPr anchorCtr="0" anchor="ctr" bIns="91425" lIns="91425" spcFirstLastPara="1" rIns="91425" wrap="square" tIns="91425">
             <a:noAutofit/>
           </a:bodyPr>
           <a:lstStyle>
-            <a:lvl1pPr marL="0" lvl="0" indent="0" algn="l">
+            <a:lvl1pPr indent="0" lvl="0" marL="0" marR="0" algn="l">
               <a:lnSpc>
                 <a:spcPct val="100000"/>
               </a:lnSpc>
@@ -5154,9 +5621,17 @@
               <a:buSzPts val="1400"/>
               <a:buFont typeface="Arial"/>
               <a:buNone/>
-              <a:defRPr/>
+              <a:defRPr b="0" i="0" sz="1000" u="none" cap="none" strike="noStrike">
+                <a:solidFill>
+                  <a:schemeClr val="dk2"/>
+                </a:solidFill>
+                <a:latin typeface="Arial"/>
+                <a:ea typeface="Arial"/>
+                <a:cs typeface="Arial"/>
+                <a:sym typeface="Arial"/>
+              </a:defRPr>
             </a:lvl1pPr>
-            <a:lvl2pPr marL="0" lvl="1" indent="0" algn="l">
+            <a:lvl2pPr indent="0" lvl="1" marL="0" marR="0" algn="l">
               <a:lnSpc>
                 <a:spcPct val="100000"/>
               </a:lnSpc>
@@ -5172,9 +5647,17 @@
               <a:buSzPts val="1400"/>
               <a:buFont typeface="Arial"/>
               <a:buNone/>
-              <a:defRPr/>
+              <a:defRPr b="0" i="0" sz="1000" u="none" cap="none" strike="noStrike">
+                <a:solidFill>
+                  <a:schemeClr val="dk2"/>
+                </a:solidFill>
+                <a:latin typeface="Arial"/>
+                <a:ea typeface="Arial"/>
+                <a:cs typeface="Arial"/>
+                <a:sym typeface="Arial"/>
+              </a:defRPr>
             </a:lvl2pPr>
-            <a:lvl3pPr marL="0" lvl="2" indent="0" algn="l">
+            <a:lvl3pPr indent="0" lvl="2" marL="0" marR="0" algn="l">
               <a:lnSpc>
                 <a:spcPct val="100000"/>
               </a:lnSpc>
@@ -5190,9 +5673,17 @@
               <a:buSzPts val="1400"/>
               <a:buFont typeface="Arial"/>
               <a:buNone/>
-              <a:defRPr/>
+              <a:defRPr b="0" i="0" sz="1000" u="none" cap="none" strike="noStrike">
+                <a:solidFill>
+                  <a:schemeClr val="dk2"/>
+                </a:solidFill>
+                <a:latin typeface="Arial"/>
+                <a:ea typeface="Arial"/>
+                <a:cs typeface="Arial"/>
+                <a:sym typeface="Arial"/>
+              </a:defRPr>
             </a:lvl3pPr>
-            <a:lvl4pPr marL="0" lvl="3" indent="0" algn="l">
+            <a:lvl4pPr indent="0" lvl="3" marL="0" marR="0" algn="l">
               <a:lnSpc>
                 <a:spcPct val="100000"/>
               </a:lnSpc>
@@ -5208,9 +5699,17 @@
               <a:buSzPts val="1400"/>
               <a:buFont typeface="Arial"/>
               <a:buNone/>
-              <a:defRPr/>
+              <a:defRPr b="0" i="0" sz="1000" u="none" cap="none" strike="noStrike">
+                <a:solidFill>
+                  <a:schemeClr val="dk2"/>
+                </a:solidFill>
+                <a:latin typeface="Arial"/>
+                <a:ea typeface="Arial"/>
+                <a:cs typeface="Arial"/>
+                <a:sym typeface="Arial"/>
+              </a:defRPr>
             </a:lvl4pPr>
-            <a:lvl5pPr marL="0" lvl="4" indent="0" algn="l">
+            <a:lvl5pPr indent="0" lvl="4" marL="0" marR="0" algn="l">
               <a:lnSpc>
                 <a:spcPct val="100000"/>
               </a:lnSpc>
@@ -5226,9 +5725,17 @@
               <a:buSzPts val="1400"/>
               <a:buFont typeface="Arial"/>
               <a:buNone/>
-              <a:defRPr/>
+              <a:defRPr b="0" i="0" sz="1000" u="none" cap="none" strike="noStrike">
+                <a:solidFill>
+                  <a:schemeClr val="dk2"/>
+                </a:solidFill>
+                <a:latin typeface="Arial"/>
+                <a:ea typeface="Arial"/>
+                <a:cs typeface="Arial"/>
+                <a:sym typeface="Arial"/>
+              </a:defRPr>
             </a:lvl5pPr>
-            <a:lvl6pPr marL="0" lvl="5" indent="0" algn="l">
+            <a:lvl6pPr indent="0" lvl="5" marL="0" marR="0" algn="l">
               <a:lnSpc>
                 <a:spcPct val="100000"/>
               </a:lnSpc>
@@ -5244,9 +5751,17 @@
               <a:buSzPts val="1400"/>
               <a:buFont typeface="Arial"/>
               <a:buNone/>
-              <a:defRPr/>
+              <a:defRPr b="0" i="0" sz="1000" u="none" cap="none" strike="noStrike">
+                <a:solidFill>
+                  <a:schemeClr val="dk2"/>
+                </a:solidFill>
+                <a:latin typeface="Arial"/>
+                <a:ea typeface="Arial"/>
+                <a:cs typeface="Arial"/>
+                <a:sym typeface="Arial"/>
+              </a:defRPr>
             </a:lvl6pPr>
-            <a:lvl7pPr marL="0" lvl="6" indent="0" algn="l">
+            <a:lvl7pPr indent="0" lvl="6" marL="0" marR="0" algn="l">
               <a:lnSpc>
                 <a:spcPct val="100000"/>
               </a:lnSpc>
@@ -5262,9 +5777,17 @@
               <a:buSzPts val="1400"/>
               <a:buFont typeface="Arial"/>
               <a:buNone/>
-              <a:defRPr/>
+              <a:defRPr b="0" i="0" sz="1000" u="none" cap="none" strike="noStrike">
+                <a:solidFill>
+                  <a:schemeClr val="dk2"/>
+                </a:solidFill>
+                <a:latin typeface="Arial"/>
+                <a:ea typeface="Arial"/>
+                <a:cs typeface="Arial"/>
+                <a:sym typeface="Arial"/>
+              </a:defRPr>
             </a:lvl7pPr>
-            <a:lvl8pPr marL="0" lvl="7" indent="0" algn="l">
+            <a:lvl8pPr indent="0" lvl="7" marL="0" marR="0" algn="l">
               <a:lnSpc>
                 <a:spcPct val="100000"/>
               </a:lnSpc>
@@ -5280,9 +5803,17 @@
               <a:buSzPts val="1400"/>
               <a:buFont typeface="Arial"/>
               <a:buNone/>
-              <a:defRPr/>
+              <a:defRPr b="0" i="0" sz="1000" u="none" cap="none" strike="noStrike">
+                <a:solidFill>
+                  <a:schemeClr val="dk2"/>
+                </a:solidFill>
+                <a:latin typeface="Arial"/>
+                <a:ea typeface="Arial"/>
+                <a:cs typeface="Arial"/>
+                <a:sym typeface="Arial"/>
+              </a:defRPr>
             </a:lvl8pPr>
-            <a:lvl9pPr marL="0" lvl="8" indent="0" algn="l">
+            <a:lvl9pPr indent="0" lvl="8" marL="0" marR="0" algn="l">
               <a:lnSpc>
                 <a:spcPct val="100000"/>
               </a:lnSpc>
@@ -5298,11 +5829,19 @@
               <a:buSzPts val="1400"/>
               <a:buFont typeface="Arial"/>
               <a:buNone/>
-              <a:defRPr/>
+              <a:defRPr b="0" i="0" sz="1000" u="none" cap="none" strike="noStrike">
+                <a:solidFill>
+                  <a:schemeClr val="dk2"/>
+                </a:solidFill>
+                <a:latin typeface="Arial"/>
+                <a:ea typeface="Arial"/>
+                <a:cs typeface="Arial"/>
+                <a:sym typeface="Arial"/>
+              </a:defRPr>
             </a:lvl9pPr>
           </a:lstStyle>
           <a:p>
-            <a:pPr marL="0" lvl="0" indent="0" algn="l" rtl="0">
+            <a:pPr indent="0" lvl="0" marL="0" rtl="0" algn="l">
               <a:spcBef>
                 <a:spcPts val="0"/>
               </a:spcBef>
@@ -5328,11 +5867,11 @@
 </file>
 
 <file path=ppt/slideLayouts/slideLayout6.xml><?xml version="1.0" encoding="utf-8"?>
-<p:sldLayout xmlns:a="http://schemas.openxmlformats.org/drawingml/2006/main" xmlns:r="http://schemas.openxmlformats.org/officeDocument/2006/relationships" xmlns:p="http://schemas.openxmlformats.org/presentationml/2006/main" matchingName="Title and body" type="tx">
+<p:sldLayout xmlns:a="http://schemas.openxmlformats.org/drawingml/2006/main" xmlns:r="http://schemas.openxmlformats.org/officeDocument/2006/relationships" xmlns:mc="http://schemas.openxmlformats.org/markup-compatibility/2006" xmlns:mv="urn:schemas-microsoft-com:mac:vml" xmlns:p="http://schemas.openxmlformats.org/presentationml/2006/main" xmlns:c="http://schemas.openxmlformats.org/drawingml/2006/chart" xmlns:dgm="http://schemas.openxmlformats.org/drawingml/2006/diagram" xmlns:o="urn:schemas-microsoft-com:office:office" xmlns:v="urn:schemas-microsoft-com:vml" xmlns:pvml="urn:schemas-microsoft-com:office:powerpoint" xmlns:com="http://schemas.openxmlformats.org/drawingml/2006/compatibility" xmlns:p14="http://schemas.microsoft.com/office/powerpoint/2010/main" xmlns:p15="http://schemas.microsoft.com/office/powerpoint/2012/main" xmlns:ahyp="http://schemas.microsoft.com/office/drawing/2018/hyperlinkcolor" matchingName="Title and body" type="tx">
   <p:cSld name="TITLE_AND_BODY">
     <p:spTree>
       <p:nvGrpSpPr>
-        <p:cNvPr id="1" name="Shape 26"/>
+        <p:cNvPr id="26" name="Shape 26"/>
         <p:cNvGrpSpPr/>
         <p:nvPr/>
       </p:nvGrpSpPr>
@@ -5347,9 +5886,7 @@
       <p:sp>
         <p:nvSpPr>
           <p:cNvPr id="27" name="Google Shape;27;p18"/>
-          <p:cNvSpPr txBox="1">
-            <a:spLocks noGrp="1"/>
-          </p:cNvSpPr>
+          <p:cNvSpPr txBox="1"/>
           <p:nvPr>
             <p:ph type="title"/>
           </p:nvPr>
@@ -5368,7 +5905,7 @@
           </a:ln>
         </p:spPr>
         <p:txBody>
-          <a:bodyPr spcFirstLastPara="1" wrap="square" lIns="91425" tIns="91425" rIns="91425" bIns="91425" anchor="t" anchorCtr="0">
+          <a:bodyPr anchorCtr="0" anchor="t" bIns="91425" lIns="91425" spcFirstLastPara="1" rIns="91425" wrap="square" tIns="91425">
             <a:noAutofit/>
           </a:bodyPr>
           <a:lstStyle>
@@ -5387,7 +5924,10 @@
               <a:buNone/>
               <a:defRPr/>
             </a:lvl1pPr>
-            <a:lvl2pPr lvl="1">
+            <a:lvl2pPr lvl="1" algn="l">
+              <a:lnSpc>
+                <a:spcPct val="100000"/>
+              </a:lnSpc>
               <a:spcBef>
                 <a:spcPts val="0"/>
               </a:spcBef>
@@ -5398,7 +5938,10 @@
               <a:buNone/>
               <a:defRPr/>
             </a:lvl2pPr>
-            <a:lvl3pPr lvl="2">
+            <a:lvl3pPr lvl="2" algn="l">
+              <a:lnSpc>
+                <a:spcPct val="100000"/>
+              </a:lnSpc>
               <a:spcBef>
                 <a:spcPts val="0"/>
               </a:spcBef>
@@ -5409,7 +5952,10 @@
               <a:buNone/>
               <a:defRPr/>
             </a:lvl3pPr>
-            <a:lvl4pPr lvl="3">
+            <a:lvl4pPr lvl="3" algn="l">
+              <a:lnSpc>
+                <a:spcPct val="100000"/>
+              </a:lnSpc>
               <a:spcBef>
                 <a:spcPts val="0"/>
               </a:spcBef>
@@ -5420,7 +5966,10 @@
               <a:buNone/>
               <a:defRPr/>
             </a:lvl4pPr>
-            <a:lvl5pPr lvl="4">
+            <a:lvl5pPr lvl="4" algn="l">
+              <a:lnSpc>
+                <a:spcPct val="100000"/>
+              </a:lnSpc>
               <a:spcBef>
                 <a:spcPts val="0"/>
               </a:spcBef>
@@ -5431,7 +5980,10 @@
               <a:buNone/>
               <a:defRPr/>
             </a:lvl5pPr>
-            <a:lvl6pPr lvl="5">
+            <a:lvl6pPr lvl="5" algn="l">
+              <a:lnSpc>
+                <a:spcPct val="100000"/>
+              </a:lnSpc>
               <a:spcBef>
                 <a:spcPts val="0"/>
               </a:spcBef>
@@ -5442,7 +5994,10 @@
               <a:buNone/>
               <a:defRPr/>
             </a:lvl6pPr>
-            <a:lvl7pPr lvl="6">
+            <a:lvl7pPr lvl="6" algn="l">
+              <a:lnSpc>
+                <a:spcPct val="100000"/>
+              </a:lnSpc>
               <a:spcBef>
                 <a:spcPts val="0"/>
               </a:spcBef>
@@ -5453,7 +6008,10 @@
               <a:buNone/>
               <a:defRPr/>
             </a:lvl7pPr>
-            <a:lvl8pPr lvl="7">
+            <a:lvl8pPr lvl="7" algn="l">
+              <a:lnSpc>
+                <a:spcPct val="100000"/>
+              </a:lnSpc>
               <a:spcBef>
                 <a:spcPts val="0"/>
               </a:spcBef>
@@ -5464,7 +6022,10 @@
               <a:buNone/>
               <a:defRPr/>
             </a:lvl8pPr>
-            <a:lvl9pPr lvl="8">
+            <a:lvl9pPr lvl="8" algn="l">
+              <a:lnSpc>
+                <a:spcPct val="100000"/>
+              </a:lnSpc>
               <a:spcBef>
                 <a:spcPts val="0"/>
               </a:spcBef>
@@ -5476,19 +6037,15 @@
               <a:defRPr/>
             </a:lvl9pPr>
           </a:lstStyle>
-          <a:p>
-            <a:endParaRPr/>
-          </a:p>
+          <a:p/>
         </p:txBody>
       </p:sp>
       <p:sp>
         <p:nvSpPr>
           <p:cNvPr id="28" name="Google Shape;28;p18"/>
-          <p:cNvSpPr txBox="1">
-            <a:spLocks noGrp="1"/>
-          </p:cNvSpPr>
+          <p:cNvSpPr txBox="1"/>
           <p:nvPr>
-            <p:ph type="body" idx="1"/>
+            <p:ph idx="1" type="body"/>
           </p:nvPr>
         </p:nvSpPr>
         <p:spPr>
@@ -5505,11 +6062,11 @@
           </a:ln>
         </p:spPr>
         <p:txBody>
-          <a:bodyPr spcFirstLastPara="1" wrap="square" lIns="91425" tIns="91425" rIns="91425" bIns="91425" anchor="t" anchorCtr="0">
+          <a:bodyPr anchorCtr="0" anchor="t" bIns="91425" lIns="91425" spcFirstLastPara="1" rIns="91425" wrap="square" tIns="91425">
             <a:noAutofit/>
           </a:bodyPr>
           <a:lstStyle>
-            <a:lvl1pPr marL="457200" lvl="0" indent="-342900" algn="l">
+            <a:lvl1pPr indent="-342900" lvl="0" marL="457200" algn="l">
               <a:lnSpc>
                 <a:spcPct val="115000"/>
               </a:lnSpc>
@@ -5524,7 +6081,7 @@
               <a:buChar char="●"/>
               <a:defRPr/>
             </a:lvl1pPr>
-            <a:lvl2pPr marL="914400" lvl="1" indent="-317500" algn="l">
+            <a:lvl2pPr indent="-317500" lvl="1" marL="914400" algn="l">
               <a:lnSpc>
                 <a:spcPct val="115000"/>
               </a:lnSpc>
@@ -5539,7 +6096,7 @@
               <a:buChar char="○"/>
               <a:defRPr/>
             </a:lvl2pPr>
-            <a:lvl3pPr marL="1371600" lvl="2" indent="-317500" algn="l">
+            <a:lvl3pPr indent="-317500" lvl="2" marL="1371600" algn="l">
               <a:lnSpc>
                 <a:spcPct val="115000"/>
               </a:lnSpc>
@@ -5554,7 +6111,7 @@
               <a:buChar char="■"/>
               <a:defRPr/>
             </a:lvl3pPr>
-            <a:lvl4pPr marL="1828800" lvl="3" indent="-317500" algn="l">
+            <a:lvl4pPr indent="-317500" lvl="3" marL="1828800" algn="l">
               <a:lnSpc>
                 <a:spcPct val="115000"/>
               </a:lnSpc>
@@ -5569,7 +6126,7 @@
               <a:buChar char="●"/>
               <a:defRPr/>
             </a:lvl4pPr>
-            <a:lvl5pPr marL="2286000" lvl="4" indent="-317500" algn="l">
+            <a:lvl5pPr indent="-317500" lvl="4" marL="2286000" algn="l">
               <a:lnSpc>
                 <a:spcPct val="115000"/>
               </a:lnSpc>
@@ -5584,7 +6141,7 @@
               <a:buChar char="○"/>
               <a:defRPr/>
             </a:lvl5pPr>
-            <a:lvl6pPr marL="2743200" lvl="5" indent="-317500" algn="l">
+            <a:lvl6pPr indent="-317500" lvl="5" marL="2743200" algn="l">
               <a:lnSpc>
                 <a:spcPct val="115000"/>
               </a:lnSpc>
@@ -5599,7 +6156,7 @@
               <a:buChar char="■"/>
               <a:defRPr/>
             </a:lvl6pPr>
-            <a:lvl7pPr marL="3200400" lvl="6" indent="-317500" algn="l">
+            <a:lvl7pPr indent="-317500" lvl="6" marL="3200400" algn="l">
               <a:lnSpc>
                 <a:spcPct val="115000"/>
               </a:lnSpc>
@@ -5614,7 +6171,7 @@
               <a:buChar char="●"/>
               <a:defRPr/>
             </a:lvl7pPr>
-            <a:lvl8pPr marL="3657600" lvl="7" indent="-317500" algn="l">
+            <a:lvl8pPr indent="-317500" lvl="7" marL="3657600" algn="l">
               <a:lnSpc>
                 <a:spcPct val="115000"/>
               </a:lnSpc>
@@ -5629,7 +6186,7 @@
               <a:buChar char="○"/>
               <a:defRPr/>
             </a:lvl8pPr>
-            <a:lvl9pPr marL="4114800" lvl="8" indent="-317500" algn="l">
+            <a:lvl9pPr indent="-317500" lvl="8" marL="4114800" algn="l">
               <a:lnSpc>
                 <a:spcPct val="115000"/>
               </a:lnSpc>
@@ -5645,19 +6202,15 @@
               <a:defRPr/>
             </a:lvl9pPr>
           </a:lstStyle>
-          <a:p>
-            <a:endParaRPr/>
-          </a:p>
+          <a:p/>
         </p:txBody>
       </p:sp>
       <p:sp>
         <p:nvSpPr>
           <p:cNvPr id="29" name="Google Shape;29;p18"/>
-          <p:cNvSpPr txBox="1">
-            <a:spLocks noGrp="1"/>
-          </p:cNvSpPr>
+          <p:cNvSpPr txBox="1"/>
           <p:nvPr>
-            <p:ph type="sldNum" idx="12"/>
+            <p:ph idx="12" type="sldNum"/>
           </p:nvPr>
         </p:nvSpPr>
         <p:spPr>
@@ -5674,11 +6227,11 @@
           </a:ln>
         </p:spPr>
         <p:txBody>
-          <a:bodyPr spcFirstLastPara="1" wrap="square" lIns="91425" tIns="91425" rIns="91425" bIns="91425" anchor="ctr" anchorCtr="0">
+          <a:bodyPr anchorCtr="0" anchor="ctr" bIns="91425" lIns="91425" spcFirstLastPara="1" rIns="91425" wrap="square" tIns="91425">
             <a:noAutofit/>
           </a:bodyPr>
           <a:lstStyle>
-            <a:lvl1pPr marL="0" lvl="0" indent="0" algn="l">
+            <a:lvl1pPr indent="0" lvl="0" marL="0" marR="0" algn="l">
               <a:lnSpc>
                 <a:spcPct val="100000"/>
               </a:lnSpc>
@@ -5694,9 +6247,17 @@
               <a:buSzPts val="1400"/>
               <a:buFont typeface="Arial"/>
               <a:buNone/>
-              <a:defRPr/>
+              <a:defRPr b="0" i="0" sz="1000" u="none" cap="none" strike="noStrike">
+                <a:solidFill>
+                  <a:schemeClr val="dk2"/>
+                </a:solidFill>
+                <a:latin typeface="Arial"/>
+                <a:ea typeface="Arial"/>
+                <a:cs typeface="Arial"/>
+                <a:sym typeface="Arial"/>
+              </a:defRPr>
             </a:lvl1pPr>
-            <a:lvl2pPr marL="0" lvl="1" indent="0" algn="l">
+            <a:lvl2pPr indent="0" lvl="1" marL="0" marR="0" algn="l">
               <a:lnSpc>
                 <a:spcPct val="100000"/>
               </a:lnSpc>
@@ -5712,9 +6273,17 @@
               <a:buSzPts val="1400"/>
               <a:buFont typeface="Arial"/>
               <a:buNone/>
-              <a:defRPr/>
+              <a:defRPr b="0" i="0" sz="1000" u="none" cap="none" strike="noStrike">
+                <a:solidFill>
+                  <a:schemeClr val="dk2"/>
+                </a:solidFill>
+                <a:latin typeface="Arial"/>
+                <a:ea typeface="Arial"/>
+                <a:cs typeface="Arial"/>
+                <a:sym typeface="Arial"/>
+              </a:defRPr>
             </a:lvl2pPr>
-            <a:lvl3pPr marL="0" lvl="2" indent="0" algn="l">
+            <a:lvl3pPr indent="0" lvl="2" marL="0" marR="0" algn="l">
               <a:lnSpc>
                 <a:spcPct val="100000"/>
               </a:lnSpc>
@@ -5730,9 +6299,17 @@
               <a:buSzPts val="1400"/>
               <a:buFont typeface="Arial"/>
               <a:buNone/>
-              <a:defRPr/>
+              <a:defRPr b="0" i="0" sz="1000" u="none" cap="none" strike="noStrike">
+                <a:solidFill>
+                  <a:schemeClr val="dk2"/>
+                </a:solidFill>
+                <a:latin typeface="Arial"/>
+                <a:ea typeface="Arial"/>
+                <a:cs typeface="Arial"/>
+                <a:sym typeface="Arial"/>
+              </a:defRPr>
             </a:lvl3pPr>
-            <a:lvl4pPr marL="0" lvl="3" indent="0" algn="l">
+            <a:lvl4pPr indent="0" lvl="3" marL="0" marR="0" algn="l">
               <a:lnSpc>
                 <a:spcPct val="100000"/>
               </a:lnSpc>
@@ -5748,9 +6325,17 @@
               <a:buSzPts val="1400"/>
               <a:buFont typeface="Arial"/>
               <a:buNone/>
-              <a:defRPr/>
+              <a:defRPr b="0" i="0" sz="1000" u="none" cap="none" strike="noStrike">
+                <a:solidFill>
+                  <a:schemeClr val="dk2"/>
+                </a:solidFill>
+                <a:latin typeface="Arial"/>
+                <a:ea typeface="Arial"/>
+                <a:cs typeface="Arial"/>
+                <a:sym typeface="Arial"/>
+              </a:defRPr>
             </a:lvl4pPr>
-            <a:lvl5pPr marL="0" lvl="4" indent="0" algn="l">
+            <a:lvl5pPr indent="0" lvl="4" marL="0" marR="0" algn="l">
               <a:lnSpc>
                 <a:spcPct val="100000"/>
               </a:lnSpc>
@@ -5766,9 +6351,17 @@
               <a:buSzPts val="1400"/>
               <a:buFont typeface="Arial"/>
               <a:buNone/>
-              <a:defRPr/>
+              <a:defRPr b="0" i="0" sz="1000" u="none" cap="none" strike="noStrike">
+                <a:solidFill>
+                  <a:schemeClr val="dk2"/>
+                </a:solidFill>
+                <a:latin typeface="Arial"/>
+                <a:ea typeface="Arial"/>
+                <a:cs typeface="Arial"/>
+                <a:sym typeface="Arial"/>
+              </a:defRPr>
             </a:lvl5pPr>
-            <a:lvl6pPr marL="0" lvl="5" indent="0" algn="l">
+            <a:lvl6pPr indent="0" lvl="5" marL="0" marR="0" algn="l">
               <a:lnSpc>
                 <a:spcPct val="100000"/>
               </a:lnSpc>
@@ -5784,9 +6377,17 @@
               <a:buSzPts val="1400"/>
               <a:buFont typeface="Arial"/>
               <a:buNone/>
-              <a:defRPr/>
+              <a:defRPr b="0" i="0" sz="1000" u="none" cap="none" strike="noStrike">
+                <a:solidFill>
+                  <a:schemeClr val="dk2"/>
+                </a:solidFill>
+                <a:latin typeface="Arial"/>
+                <a:ea typeface="Arial"/>
+                <a:cs typeface="Arial"/>
+                <a:sym typeface="Arial"/>
+              </a:defRPr>
             </a:lvl6pPr>
-            <a:lvl7pPr marL="0" lvl="6" indent="0" algn="l">
+            <a:lvl7pPr indent="0" lvl="6" marL="0" marR="0" algn="l">
               <a:lnSpc>
                 <a:spcPct val="100000"/>
               </a:lnSpc>
@@ -5802,9 +6403,17 @@
               <a:buSzPts val="1400"/>
               <a:buFont typeface="Arial"/>
               <a:buNone/>
-              <a:defRPr/>
+              <a:defRPr b="0" i="0" sz="1000" u="none" cap="none" strike="noStrike">
+                <a:solidFill>
+                  <a:schemeClr val="dk2"/>
+                </a:solidFill>
+                <a:latin typeface="Arial"/>
+                <a:ea typeface="Arial"/>
+                <a:cs typeface="Arial"/>
+                <a:sym typeface="Arial"/>
+              </a:defRPr>
             </a:lvl7pPr>
-            <a:lvl8pPr marL="0" lvl="7" indent="0" algn="l">
+            <a:lvl8pPr indent="0" lvl="7" marL="0" marR="0" algn="l">
               <a:lnSpc>
                 <a:spcPct val="100000"/>
               </a:lnSpc>
@@ -5820,9 +6429,17 @@
               <a:buSzPts val="1400"/>
               <a:buFont typeface="Arial"/>
               <a:buNone/>
-              <a:defRPr/>
+              <a:defRPr b="0" i="0" sz="1000" u="none" cap="none" strike="noStrike">
+                <a:solidFill>
+                  <a:schemeClr val="dk2"/>
+                </a:solidFill>
+                <a:latin typeface="Arial"/>
+                <a:ea typeface="Arial"/>
+                <a:cs typeface="Arial"/>
+                <a:sym typeface="Arial"/>
+              </a:defRPr>
             </a:lvl8pPr>
-            <a:lvl9pPr marL="0" lvl="8" indent="0" algn="l">
+            <a:lvl9pPr indent="0" lvl="8" marL="0" marR="0" algn="l">
               <a:lnSpc>
                 <a:spcPct val="100000"/>
               </a:lnSpc>
@@ -5838,11 +6455,19 @@
               <a:buSzPts val="1400"/>
               <a:buFont typeface="Arial"/>
               <a:buNone/>
-              <a:defRPr/>
+              <a:defRPr b="0" i="0" sz="1000" u="none" cap="none" strike="noStrike">
+                <a:solidFill>
+                  <a:schemeClr val="dk2"/>
+                </a:solidFill>
+                <a:latin typeface="Arial"/>
+                <a:ea typeface="Arial"/>
+                <a:cs typeface="Arial"/>
+                <a:sym typeface="Arial"/>
+              </a:defRPr>
             </a:lvl9pPr>
           </a:lstStyle>
           <a:p>
-            <a:pPr marL="0" lvl="0" indent="0" algn="l" rtl="0">
+            <a:pPr indent="0" lvl="0" marL="0" rtl="0" algn="l">
               <a:spcBef>
                 <a:spcPts val="0"/>
               </a:spcBef>
@@ -5868,11 +6493,11 @@
 </file>
 
 <file path=ppt/slideLayouts/slideLayout7.xml><?xml version="1.0" encoding="utf-8"?>
-<p:sldLayout xmlns:a="http://schemas.openxmlformats.org/drawingml/2006/main" xmlns:r="http://schemas.openxmlformats.org/officeDocument/2006/relationships" xmlns:p="http://schemas.openxmlformats.org/presentationml/2006/main" matchingName="One column text">
+<p:sldLayout xmlns:a="http://schemas.openxmlformats.org/drawingml/2006/main" xmlns:r="http://schemas.openxmlformats.org/officeDocument/2006/relationships" xmlns:mc="http://schemas.openxmlformats.org/markup-compatibility/2006" xmlns:mv="urn:schemas-microsoft-com:mac:vml" xmlns:p="http://schemas.openxmlformats.org/presentationml/2006/main" xmlns:c="http://schemas.openxmlformats.org/drawingml/2006/chart" xmlns:dgm="http://schemas.openxmlformats.org/drawingml/2006/diagram" xmlns:o="urn:schemas-microsoft-com:office:office" xmlns:v="urn:schemas-microsoft-com:vml" xmlns:pvml="urn:schemas-microsoft-com:office:powerpoint" xmlns:com="http://schemas.openxmlformats.org/drawingml/2006/compatibility" xmlns:p14="http://schemas.microsoft.com/office/powerpoint/2010/main" xmlns:p15="http://schemas.microsoft.com/office/powerpoint/2012/main" xmlns:ahyp="http://schemas.microsoft.com/office/drawing/2018/hyperlinkcolor" matchingName="One column text">
   <p:cSld name="One column text">
     <p:spTree>
       <p:nvGrpSpPr>
-        <p:cNvPr id="1" name="Shape 30"/>
+        <p:cNvPr id="30" name="Shape 30"/>
         <p:cNvGrpSpPr/>
         <p:nvPr/>
       </p:nvGrpSpPr>
@@ -5887,9 +6512,7 @@
       <p:sp>
         <p:nvSpPr>
           <p:cNvPr id="31" name="Google Shape;31;p19"/>
-          <p:cNvSpPr txBox="1">
-            <a:spLocks noGrp="1"/>
-          </p:cNvSpPr>
+          <p:cNvSpPr txBox="1"/>
           <p:nvPr>
             <p:ph type="title"/>
           </p:nvPr>
@@ -5908,7 +6531,7 @@
           </a:ln>
         </p:spPr>
         <p:txBody>
-          <a:bodyPr spcFirstLastPara="1" wrap="square" lIns="91425" tIns="91425" rIns="91425" bIns="91425" anchor="b" anchorCtr="0">
+          <a:bodyPr anchorCtr="0" anchor="b" bIns="91425" lIns="91425" spcFirstLastPara="1" rIns="91425" wrap="square" tIns="91425">
             <a:noAutofit/>
           </a:bodyPr>
           <a:lstStyle>
@@ -5927,7 +6550,10 @@
               <a:buNone/>
               <a:defRPr sz="2400"/>
             </a:lvl1pPr>
-            <a:lvl2pPr lvl="1">
+            <a:lvl2pPr lvl="1" algn="l">
+              <a:lnSpc>
+                <a:spcPct val="100000"/>
+              </a:lnSpc>
               <a:spcBef>
                 <a:spcPts val="0"/>
               </a:spcBef>
@@ -5938,7 +6564,10 @@
               <a:buNone/>
               <a:defRPr sz="2400"/>
             </a:lvl2pPr>
-            <a:lvl3pPr lvl="2">
+            <a:lvl3pPr lvl="2" algn="l">
+              <a:lnSpc>
+                <a:spcPct val="100000"/>
+              </a:lnSpc>
               <a:spcBef>
                 <a:spcPts val="0"/>
               </a:spcBef>
@@ -5949,7 +6578,10 @@
               <a:buNone/>
               <a:defRPr sz="2400"/>
             </a:lvl3pPr>
-            <a:lvl4pPr lvl="3">
+            <a:lvl4pPr lvl="3" algn="l">
+              <a:lnSpc>
+                <a:spcPct val="100000"/>
+              </a:lnSpc>
               <a:spcBef>
                 <a:spcPts val="0"/>
               </a:spcBef>
@@ -5960,7 +6592,10 @@
               <a:buNone/>
               <a:defRPr sz="2400"/>
             </a:lvl4pPr>
-            <a:lvl5pPr lvl="4">
+            <a:lvl5pPr lvl="4" algn="l">
+              <a:lnSpc>
+                <a:spcPct val="100000"/>
+              </a:lnSpc>
               <a:spcBef>
                 <a:spcPts val="0"/>
               </a:spcBef>
@@ -5971,7 +6606,10 @@
               <a:buNone/>
               <a:defRPr sz="2400"/>
             </a:lvl5pPr>
-            <a:lvl6pPr lvl="5">
+            <a:lvl6pPr lvl="5" algn="l">
+              <a:lnSpc>
+                <a:spcPct val="100000"/>
+              </a:lnSpc>
               <a:spcBef>
                 <a:spcPts val="0"/>
               </a:spcBef>
@@ -5982,7 +6620,10 @@
               <a:buNone/>
               <a:defRPr sz="2400"/>
             </a:lvl6pPr>
-            <a:lvl7pPr lvl="6">
+            <a:lvl7pPr lvl="6" algn="l">
+              <a:lnSpc>
+                <a:spcPct val="100000"/>
+              </a:lnSpc>
               <a:spcBef>
                 <a:spcPts val="0"/>
               </a:spcBef>
@@ -5993,7 +6634,10 @@
               <a:buNone/>
               <a:defRPr sz="2400"/>
             </a:lvl7pPr>
-            <a:lvl8pPr lvl="7">
+            <a:lvl8pPr lvl="7" algn="l">
+              <a:lnSpc>
+                <a:spcPct val="100000"/>
+              </a:lnSpc>
               <a:spcBef>
                 <a:spcPts val="0"/>
               </a:spcBef>
@@ -6004,7 +6648,10 @@
               <a:buNone/>
               <a:defRPr sz="2400"/>
             </a:lvl8pPr>
-            <a:lvl9pPr lvl="8">
+            <a:lvl9pPr lvl="8" algn="l">
+              <a:lnSpc>
+                <a:spcPct val="100000"/>
+              </a:lnSpc>
               <a:spcBef>
                 <a:spcPts val="0"/>
               </a:spcBef>
@@ -6016,19 +6663,15 @@
               <a:defRPr sz="2400"/>
             </a:lvl9pPr>
           </a:lstStyle>
-          <a:p>
-            <a:endParaRPr/>
-          </a:p>
+          <a:p/>
         </p:txBody>
       </p:sp>
       <p:sp>
         <p:nvSpPr>
           <p:cNvPr id="32" name="Google Shape;32;p19"/>
-          <p:cNvSpPr txBox="1">
-            <a:spLocks noGrp="1"/>
-          </p:cNvSpPr>
+          <p:cNvSpPr txBox="1"/>
           <p:nvPr>
-            <p:ph type="body" idx="1"/>
+            <p:ph idx="1" type="body"/>
           </p:nvPr>
         </p:nvSpPr>
         <p:spPr>
@@ -6045,11 +6688,11 @@
           </a:ln>
         </p:spPr>
         <p:txBody>
-          <a:bodyPr spcFirstLastPara="1" wrap="square" lIns="91425" tIns="91425" rIns="91425" bIns="91425" anchor="t" anchorCtr="0">
+          <a:bodyPr anchorCtr="0" anchor="t" bIns="91425" lIns="91425" spcFirstLastPara="1" rIns="91425" wrap="square" tIns="91425">
             <a:noAutofit/>
           </a:bodyPr>
           <a:lstStyle>
-            <a:lvl1pPr marL="457200" lvl="0" indent="-304800" algn="l">
+            <a:lvl1pPr indent="-304800" lvl="0" marL="457200" algn="l">
               <a:lnSpc>
                 <a:spcPct val="115000"/>
               </a:lnSpc>
@@ -6064,7 +6707,7 @@
               <a:buChar char="●"/>
               <a:defRPr sz="1200"/>
             </a:lvl1pPr>
-            <a:lvl2pPr marL="914400" lvl="1" indent="-304800" algn="l">
+            <a:lvl2pPr indent="-304800" lvl="1" marL="914400" algn="l">
               <a:lnSpc>
                 <a:spcPct val="115000"/>
               </a:lnSpc>
@@ -6079,7 +6722,7 @@
               <a:buChar char="○"/>
               <a:defRPr sz="1200"/>
             </a:lvl2pPr>
-            <a:lvl3pPr marL="1371600" lvl="2" indent="-304800" algn="l">
+            <a:lvl3pPr indent="-304800" lvl="2" marL="1371600" algn="l">
               <a:lnSpc>
                 <a:spcPct val="115000"/>
               </a:lnSpc>
@@ -6094,7 +6737,7 @@
               <a:buChar char="■"/>
               <a:defRPr sz="1200"/>
             </a:lvl3pPr>
-            <a:lvl4pPr marL="1828800" lvl="3" indent="-304800" algn="l">
+            <a:lvl4pPr indent="-304800" lvl="3" marL="1828800" algn="l">
               <a:lnSpc>
                 <a:spcPct val="115000"/>
               </a:lnSpc>
@@ -6109,7 +6752,7 @@
               <a:buChar char="●"/>
               <a:defRPr sz="1200"/>
             </a:lvl4pPr>
-            <a:lvl5pPr marL="2286000" lvl="4" indent="-304800" algn="l">
+            <a:lvl5pPr indent="-304800" lvl="4" marL="2286000" algn="l">
               <a:lnSpc>
                 <a:spcPct val="115000"/>
               </a:lnSpc>
@@ -6124,7 +6767,7 @@
               <a:buChar char="○"/>
               <a:defRPr sz="1200"/>
             </a:lvl5pPr>
-            <a:lvl6pPr marL="2743200" lvl="5" indent="-304800" algn="l">
+            <a:lvl6pPr indent="-304800" lvl="5" marL="2743200" algn="l">
               <a:lnSpc>
                 <a:spcPct val="115000"/>
               </a:lnSpc>
@@ -6139,7 +6782,7 @@
               <a:buChar char="■"/>
               <a:defRPr sz="1200"/>
             </a:lvl6pPr>
-            <a:lvl7pPr marL="3200400" lvl="6" indent="-304800" algn="l">
+            <a:lvl7pPr indent="-304800" lvl="6" marL="3200400" algn="l">
               <a:lnSpc>
                 <a:spcPct val="115000"/>
               </a:lnSpc>
@@ -6154,7 +6797,7 @@
               <a:buChar char="●"/>
               <a:defRPr sz="1200"/>
             </a:lvl7pPr>
-            <a:lvl8pPr marL="3657600" lvl="7" indent="-304800" algn="l">
+            <a:lvl8pPr indent="-304800" lvl="7" marL="3657600" algn="l">
               <a:lnSpc>
                 <a:spcPct val="115000"/>
               </a:lnSpc>
@@ -6169,7 +6812,7 @@
               <a:buChar char="○"/>
               <a:defRPr sz="1200"/>
             </a:lvl8pPr>
-            <a:lvl9pPr marL="4114800" lvl="8" indent="-304800" algn="l">
+            <a:lvl9pPr indent="-304800" lvl="8" marL="4114800" algn="l">
               <a:lnSpc>
                 <a:spcPct val="115000"/>
               </a:lnSpc>
@@ -6185,19 +6828,15 @@
               <a:defRPr sz="1200"/>
             </a:lvl9pPr>
           </a:lstStyle>
-          <a:p>
-            <a:endParaRPr/>
-          </a:p>
+          <a:p/>
         </p:txBody>
       </p:sp>
       <p:sp>
         <p:nvSpPr>
           <p:cNvPr id="33" name="Google Shape;33;p19"/>
-          <p:cNvSpPr txBox="1">
-            <a:spLocks noGrp="1"/>
-          </p:cNvSpPr>
+          <p:cNvSpPr txBox="1"/>
           <p:nvPr>
-            <p:ph type="sldNum" idx="12"/>
+            <p:ph idx="12" type="sldNum"/>
           </p:nvPr>
         </p:nvSpPr>
         <p:spPr>
@@ -6214,11 +6853,11 @@
           </a:ln>
         </p:spPr>
         <p:txBody>
-          <a:bodyPr spcFirstLastPara="1" wrap="square" lIns="91425" tIns="91425" rIns="91425" bIns="91425" anchor="ctr" anchorCtr="0">
+          <a:bodyPr anchorCtr="0" anchor="ctr" bIns="91425" lIns="91425" spcFirstLastPara="1" rIns="91425" wrap="square" tIns="91425">
             <a:noAutofit/>
           </a:bodyPr>
           <a:lstStyle>
-            <a:lvl1pPr marL="0" lvl="0" indent="0" algn="l">
+            <a:lvl1pPr indent="0" lvl="0" marL="0" marR="0" algn="l">
               <a:lnSpc>
                 <a:spcPct val="100000"/>
               </a:lnSpc>
@@ -6234,9 +6873,17 @@
               <a:buSzPts val="1400"/>
               <a:buFont typeface="Arial"/>
               <a:buNone/>
-              <a:defRPr/>
+              <a:defRPr b="0" i="0" sz="1000" u="none" cap="none" strike="noStrike">
+                <a:solidFill>
+                  <a:schemeClr val="dk2"/>
+                </a:solidFill>
+                <a:latin typeface="Arial"/>
+                <a:ea typeface="Arial"/>
+                <a:cs typeface="Arial"/>
+                <a:sym typeface="Arial"/>
+              </a:defRPr>
             </a:lvl1pPr>
-            <a:lvl2pPr marL="0" lvl="1" indent="0" algn="l">
+            <a:lvl2pPr indent="0" lvl="1" marL="0" marR="0" algn="l">
               <a:lnSpc>
                 <a:spcPct val="100000"/>
               </a:lnSpc>
@@ -6252,9 +6899,17 @@
               <a:buSzPts val="1400"/>
               <a:buFont typeface="Arial"/>
               <a:buNone/>
-              <a:defRPr/>
+              <a:defRPr b="0" i="0" sz="1000" u="none" cap="none" strike="noStrike">
+                <a:solidFill>
+                  <a:schemeClr val="dk2"/>
+                </a:solidFill>
+                <a:latin typeface="Arial"/>
+                <a:ea typeface="Arial"/>
+                <a:cs typeface="Arial"/>
+                <a:sym typeface="Arial"/>
+              </a:defRPr>
             </a:lvl2pPr>
-            <a:lvl3pPr marL="0" lvl="2" indent="0" algn="l">
+            <a:lvl3pPr indent="0" lvl="2" marL="0" marR="0" algn="l">
               <a:lnSpc>
                 <a:spcPct val="100000"/>
               </a:lnSpc>
@@ -6270,9 +6925,17 @@
               <a:buSzPts val="1400"/>
               <a:buFont typeface="Arial"/>
               <a:buNone/>
-              <a:defRPr/>
+              <a:defRPr b="0" i="0" sz="1000" u="none" cap="none" strike="noStrike">
+                <a:solidFill>
+                  <a:schemeClr val="dk2"/>
+                </a:solidFill>
+                <a:latin typeface="Arial"/>
+                <a:ea typeface="Arial"/>
+                <a:cs typeface="Arial"/>
+                <a:sym typeface="Arial"/>
+              </a:defRPr>
             </a:lvl3pPr>
-            <a:lvl4pPr marL="0" lvl="3" indent="0" algn="l">
+            <a:lvl4pPr indent="0" lvl="3" marL="0" marR="0" algn="l">
               <a:lnSpc>
                 <a:spcPct val="100000"/>
               </a:lnSpc>
@@ -6288,9 +6951,17 @@
               <a:buSzPts val="1400"/>
               <a:buFont typeface="Arial"/>
               <a:buNone/>
-              <a:defRPr/>
+              <a:defRPr b="0" i="0" sz="1000" u="none" cap="none" strike="noStrike">
+                <a:solidFill>
+                  <a:schemeClr val="dk2"/>
+                </a:solidFill>
+                <a:latin typeface="Arial"/>
+                <a:ea typeface="Arial"/>
+                <a:cs typeface="Arial"/>
+                <a:sym typeface="Arial"/>
+              </a:defRPr>
             </a:lvl4pPr>
-            <a:lvl5pPr marL="0" lvl="4" indent="0" algn="l">
+            <a:lvl5pPr indent="0" lvl="4" marL="0" marR="0" algn="l">
               <a:lnSpc>
                 <a:spcPct val="100000"/>
               </a:lnSpc>
@@ -6306,9 +6977,17 @@
               <a:buSzPts val="1400"/>
               <a:buFont typeface="Arial"/>
               <a:buNone/>
-              <a:defRPr/>
+              <a:defRPr b="0" i="0" sz="1000" u="none" cap="none" strike="noStrike">
+                <a:solidFill>
+                  <a:schemeClr val="dk2"/>
+                </a:solidFill>
+                <a:latin typeface="Arial"/>
+                <a:ea typeface="Arial"/>
+                <a:cs typeface="Arial"/>
+                <a:sym typeface="Arial"/>
+              </a:defRPr>
             </a:lvl5pPr>
-            <a:lvl6pPr marL="0" lvl="5" indent="0" algn="l">
+            <a:lvl6pPr indent="0" lvl="5" marL="0" marR="0" algn="l">
               <a:lnSpc>
                 <a:spcPct val="100000"/>
               </a:lnSpc>
@@ -6324,9 +7003,17 @@
               <a:buSzPts val="1400"/>
               <a:buFont typeface="Arial"/>
               <a:buNone/>
-              <a:defRPr/>
+              <a:defRPr b="0" i="0" sz="1000" u="none" cap="none" strike="noStrike">
+                <a:solidFill>
+                  <a:schemeClr val="dk2"/>
+                </a:solidFill>
+                <a:latin typeface="Arial"/>
+                <a:ea typeface="Arial"/>
+                <a:cs typeface="Arial"/>
+                <a:sym typeface="Arial"/>
+              </a:defRPr>
             </a:lvl6pPr>
-            <a:lvl7pPr marL="0" lvl="6" indent="0" algn="l">
+            <a:lvl7pPr indent="0" lvl="6" marL="0" marR="0" algn="l">
               <a:lnSpc>
                 <a:spcPct val="100000"/>
               </a:lnSpc>
@@ -6342,9 +7029,17 @@
               <a:buSzPts val="1400"/>
               <a:buFont typeface="Arial"/>
               <a:buNone/>
-              <a:defRPr/>
+              <a:defRPr b="0" i="0" sz="1000" u="none" cap="none" strike="noStrike">
+                <a:solidFill>
+                  <a:schemeClr val="dk2"/>
+                </a:solidFill>
+                <a:latin typeface="Arial"/>
+                <a:ea typeface="Arial"/>
+                <a:cs typeface="Arial"/>
+                <a:sym typeface="Arial"/>
+              </a:defRPr>
             </a:lvl7pPr>
-            <a:lvl8pPr marL="0" lvl="7" indent="0" algn="l">
+            <a:lvl8pPr indent="0" lvl="7" marL="0" marR="0" algn="l">
               <a:lnSpc>
                 <a:spcPct val="100000"/>
               </a:lnSpc>
@@ -6360,9 +7055,17 @@
               <a:buSzPts val="1400"/>
               <a:buFont typeface="Arial"/>
               <a:buNone/>
-              <a:defRPr/>
+              <a:defRPr b="0" i="0" sz="1000" u="none" cap="none" strike="noStrike">
+                <a:solidFill>
+                  <a:schemeClr val="dk2"/>
+                </a:solidFill>
+                <a:latin typeface="Arial"/>
+                <a:ea typeface="Arial"/>
+                <a:cs typeface="Arial"/>
+                <a:sym typeface="Arial"/>
+              </a:defRPr>
             </a:lvl8pPr>
-            <a:lvl9pPr marL="0" lvl="8" indent="0" algn="l">
+            <a:lvl9pPr indent="0" lvl="8" marL="0" marR="0" algn="l">
               <a:lnSpc>
                 <a:spcPct val="100000"/>
               </a:lnSpc>
@@ -6378,11 +7081,19 @@
               <a:buSzPts val="1400"/>
               <a:buFont typeface="Arial"/>
               <a:buNone/>
-              <a:defRPr/>
+              <a:defRPr b="0" i="0" sz="1000" u="none" cap="none" strike="noStrike">
+                <a:solidFill>
+                  <a:schemeClr val="dk2"/>
+                </a:solidFill>
+                <a:latin typeface="Arial"/>
+                <a:ea typeface="Arial"/>
+                <a:cs typeface="Arial"/>
+                <a:sym typeface="Arial"/>
+              </a:defRPr>
             </a:lvl9pPr>
           </a:lstStyle>
           <a:p>
-            <a:pPr marL="0" lvl="0" indent="0" algn="l" rtl="0">
+            <a:pPr indent="0" lvl="0" marL="0" rtl="0" algn="l">
               <a:spcBef>
                 <a:spcPts val="0"/>
               </a:spcBef>
@@ -6408,11 +7119,11 @@
 </file>
 
 <file path=ppt/slideLayouts/slideLayout8.xml><?xml version="1.0" encoding="utf-8"?>
-<p:sldLayout xmlns:a="http://schemas.openxmlformats.org/drawingml/2006/main" xmlns:r="http://schemas.openxmlformats.org/officeDocument/2006/relationships" xmlns:p="http://schemas.openxmlformats.org/presentationml/2006/main" matchingName="Main point">
+<p:sldLayout xmlns:a="http://schemas.openxmlformats.org/drawingml/2006/main" xmlns:r="http://schemas.openxmlformats.org/officeDocument/2006/relationships" xmlns:mc="http://schemas.openxmlformats.org/markup-compatibility/2006" xmlns:mv="urn:schemas-microsoft-com:mac:vml" xmlns:p="http://schemas.openxmlformats.org/presentationml/2006/main" xmlns:c="http://schemas.openxmlformats.org/drawingml/2006/chart" xmlns:dgm="http://schemas.openxmlformats.org/drawingml/2006/diagram" xmlns:o="urn:schemas-microsoft-com:office:office" xmlns:v="urn:schemas-microsoft-com:vml" xmlns:pvml="urn:schemas-microsoft-com:office:powerpoint" xmlns:com="http://schemas.openxmlformats.org/drawingml/2006/compatibility" xmlns:p14="http://schemas.microsoft.com/office/powerpoint/2010/main" xmlns:p15="http://schemas.microsoft.com/office/powerpoint/2012/main" xmlns:ahyp="http://schemas.microsoft.com/office/drawing/2018/hyperlinkcolor" matchingName="Main point">
   <p:cSld name="Main point">
     <p:spTree>
       <p:nvGrpSpPr>
-        <p:cNvPr id="1" name="Shape 34"/>
+        <p:cNvPr id="34" name="Shape 34"/>
         <p:cNvGrpSpPr/>
         <p:nvPr/>
       </p:nvGrpSpPr>
@@ -6427,9 +7138,7 @@
       <p:sp>
         <p:nvSpPr>
           <p:cNvPr id="35" name="Google Shape;35;p20"/>
-          <p:cNvSpPr txBox="1">
-            <a:spLocks noGrp="1"/>
-          </p:cNvSpPr>
+          <p:cNvSpPr txBox="1"/>
           <p:nvPr>
             <p:ph type="title"/>
           </p:nvPr>
@@ -6448,7 +7157,7 @@
           </a:ln>
         </p:spPr>
         <p:txBody>
-          <a:bodyPr spcFirstLastPara="1" wrap="square" lIns="91425" tIns="91425" rIns="91425" bIns="91425" anchor="ctr" anchorCtr="0">
+          <a:bodyPr anchorCtr="0" anchor="ctr" bIns="91425" lIns="91425" spcFirstLastPara="1" rIns="91425" wrap="square" tIns="91425">
             <a:noAutofit/>
           </a:bodyPr>
           <a:lstStyle>
@@ -6467,7 +7176,10 @@
               <a:buNone/>
               <a:defRPr sz="4800"/>
             </a:lvl1pPr>
-            <a:lvl2pPr lvl="1">
+            <a:lvl2pPr lvl="1" algn="l">
+              <a:lnSpc>
+                <a:spcPct val="100000"/>
+              </a:lnSpc>
               <a:spcBef>
                 <a:spcPts val="0"/>
               </a:spcBef>
@@ -6478,7 +7190,10 @@
               <a:buNone/>
               <a:defRPr sz="4800"/>
             </a:lvl2pPr>
-            <a:lvl3pPr lvl="2">
+            <a:lvl3pPr lvl="2" algn="l">
+              <a:lnSpc>
+                <a:spcPct val="100000"/>
+              </a:lnSpc>
               <a:spcBef>
                 <a:spcPts val="0"/>
               </a:spcBef>
@@ -6489,7 +7204,10 @@
               <a:buNone/>
               <a:defRPr sz="4800"/>
             </a:lvl3pPr>
-            <a:lvl4pPr lvl="3">
+            <a:lvl4pPr lvl="3" algn="l">
+              <a:lnSpc>
+                <a:spcPct val="100000"/>
+              </a:lnSpc>
               <a:spcBef>
                 <a:spcPts val="0"/>
               </a:spcBef>
@@ -6500,7 +7218,10 @@
               <a:buNone/>
               <a:defRPr sz="4800"/>
             </a:lvl4pPr>
-            <a:lvl5pPr lvl="4">
+            <a:lvl5pPr lvl="4" algn="l">
+              <a:lnSpc>
+                <a:spcPct val="100000"/>
+              </a:lnSpc>
               <a:spcBef>
                 <a:spcPts val="0"/>
               </a:spcBef>
@@ -6511,7 +7232,10 @@
               <a:buNone/>
               <a:defRPr sz="4800"/>
             </a:lvl5pPr>
-            <a:lvl6pPr lvl="5">
+            <a:lvl6pPr lvl="5" algn="l">
+              <a:lnSpc>
+                <a:spcPct val="100000"/>
+              </a:lnSpc>
               <a:spcBef>
                 <a:spcPts val="0"/>
               </a:spcBef>
@@ -6522,7 +7246,10 @@
               <a:buNone/>
               <a:defRPr sz="4800"/>
             </a:lvl6pPr>
-            <a:lvl7pPr lvl="6">
+            <a:lvl7pPr lvl="6" algn="l">
+              <a:lnSpc>
+                <a:spcPct val="100000"/>
+              </a:lnSpc>
               <a:spcBef>
                 <a:spcPts val="0"/>
               </a:spcBef>
@@ -6533,7 +7260,10 @@
               <a:buNone/>
               <a:defRPr sz="4800"/>
             </a:lvl7pPr>
-            <a:lvl8pPr lvl="7">
+            <a:lvl8pPr lvl="7" algn="l">
+              <a:lnSpc>
+                <a:spcPct val="100000"/>
+              </a:lnSpc>
               <a:spcBef>
                 <a:spcPts val="0"/>
               </a:spcBef>
@@ -6544,7 +7274,10 @@
               <a:buNone/>
               <a:defRPr sz="4800"/>
             </a:lvl8pPr>
-            <a:lvl9pPr lvl="8">
+            <a:lvl9pPr lvl="8" algn="l">
+              <a:lnSpc>
+                <a:spcPct val="100000"/>
+              </a:lnSpc>
               <a:spcBef>
                 <a:spcPts val="0"/>
               </a:spcBef>
@@ -6556,19 +7289,15 @@
               <a:defRPr sz="4800"/>
             </a:lvl9pPr>
           </a:lstStyle>
-          <a:p>
-            <a:endParaRPr/>
-          </a:p>
+          <a:p/>
         </p:txBody>
       </p:sp>
       <p:sp>
         <p:nvSpPr>
           <p:cNvPr id="36" name="Google Shape;36;p20"/>
-          <p:cNvSpPr txBox="1">
-            <a:spLocks noGrp="1"/>
-          </p:cNvSpPr>
+          <p:cNvSpPr txBox="1"/>
           <p:nvPr>
-            <p:ph type="sldNum" idx="12"/>
+            <p:ph idx="12" type="sldNum"/>
           </p:nvPr>
         </p:nvSpPr>
         <p:spPr>
@@ -6585,11 +7314,11 @@
           </a:ln>
         </p:spPr>
         <p:txBody>
-          <a:bodyPr spcFirstLastPara="1" wrap="square" lIns="91425" tIns="91425" rIns="91425" bIns="91425" anchor="ctr" anchorCtr="0">
+          <a:bodyPr anchorCtr="0" anchor="ctr" bIns="91425" lIns="91425" spcFirstLastPara="1" rIns="91425" wrap="square" tIns="91425">
             <a:noAutofit/>
           </a:bodyPr>
           <a:lstStyle>
-            <a:lvl1pPr marL="0" lvl="0" indent="0" algn="l">
+            <a:lvl1pPr indent="0" lvl="0" marL="0" marR="0" algn="l">
               <a:lnSpc>
                 <a:spcPct val="100000"/>
               </a:lnSpc>
@@ -6605,9 +7334,17 @@
               <a:buSzPts val="1400"/>
               <a:buFont typeface="Arial"/>
               <a:buNone/>
-              <a:defRPr/>
+              <a:defRPr b="0" i="0" sz="1000" u="none" cap="none" strike="noStrike">
+                <a:solidFill>
+                  <a:schemeClr val="dk2"/>
+                </a:solidFill>
+                <a:latin typeface="Arial"/>
+                <a:ea typeface="Arial"/>
+                <a:cs typeface="Arial"/>
+                <a:sym typeface="Arial"/>
+              </a:defRPr>
             </a:lvl1pPr>
-            <a:lvl2pPr marL="0" lvl="1" indent="0" algn="l">
+            <a:lvl2pPr indent="0" lvl="1" marL="0" marR="0" algn="l">
               <a:lnSpc>
                 <a:spcPct val="100000"/>
               </a:lnSpc>
@@ -6623,9 +7360,17 @@
               <a:buSzPts val="1400"/>
               <a:buFont typeface="Arial"/>
               <a:buNone/>
-              <a:defRPr/>
+              <a:defRPr b="0" i="0" sz="1000" u="none" cap="none" strike="noStrike">
+                <a:solidFill>
+                  <a:schemeClr val="dk2"/>
+                </a:solidFill>
+                <a:latin typeface="Arial"/>
+                <a:ea typeface="Arial"/>
+                <a:cs typeface="Arial"/>
+                <a:sym typeface="Arial"/>
+              </a:defRPr>
             </a:lvl2pPr>
-            <a:lvl3pPr marL="0" lvl="2" indent="0" algn="l">
+            <a:lvl3pPr indent="0" lvl="2" marL="0" marR="0" algn="l">
               <a:lnSpc>
                 <a:spcPct val="100000"/>
               </a:lnSpc>
@@ -6641,9 +7386,17 @@
               <a:buSzPts val="1400"/>
               <a:buFont typeface="Arial"/>
               <a:buNone/>
-              <a:defRPr/>
+              <a:defRPr b="0" i="0" sz="1000" u="none" cap="none" strike="noStrike">
+                <a:solidFill>
+                  <a:schemeClr val="dk2"/>
+                </a:solidFill>
+                <a:latin typeface="Arial"/>
+                <a:ea typeface="Arial"/>
+                <a:cs typeface="Arial"/>
+                <a:sym typeface="Arial"/>
+              </a:defRPr>
             </a:lvl3pPr>
-            <a:lvl4pPr marL="0" lvl="3" indent="0" algn="l">
+            <a:lvl4pPr indent="0" lvl="3" marL="0" marR="0" algn="l">
               <a:lnSpc>
                 <a:spcPct val="100000"/>
               </a:lnSpc>
@@ -6659,9 +7412,17 @@
               <a:buSzPts val="1400"/>
               <a:buFont typeface="Arial"/>
               <a:buNone/>
-              <a:defRPr/>
+              <a:defRPr b="0" i="0" sz="1000" u="none" cap="none" strike="noStrike">
+                <a:solidFill>
+                  <a:schemeClr val="dk2"/>
+                </a:solidFill>
+                <a:latin typeface="Arial"/>
+                <a:ea typeface="Arial"/>
+                <a:cs typeface="Arial"/>
+                <a:sym typeface="Arial"/>
+              </a:defRPr>
             </a:lvl4pPr>
-            <a:lvl5pPr marL="0" lvl="4" indent="0" algn="l">
+            <a:lvl5pPr indent="0" lvl="4" marL="0" marR="0" algn="l">
               <a:lnSpc>
                 <a:spcPct val="100000"/>
               </a:lnSpc>
@@ -6677,9 +7438,17 @@
               <a:buSzPts val="1400"/>
               <a:buFont typeface="Arial"/>
               <a:buNone/>
-              <a:defRPr/>
+              <a:defRPr b="0" i="0" sz="1000" u="none" cap="none" strike="noStrike">
+                <a:solidFill>
+                  <a:schemeClr val="dk2"/>
+                </a:solidFill>
+                <a:latin typeface="Arial"/>
+                <a:ea typeface="Arial"/>
+                <a:cs typeface="Arial"/>
+                <a:sym typeface="Arial"/>
+              </a:defRPr>
             </a:lvl5pPr>
-            <a:lvl6pPr marL="0" lvl="5" indent="0" algn="l">
+            <a:lvl6pPr indent="0" lvl="5" marL="0" marR="0" algn="l">
               <a:lnSpc>
                 <a:spcPct val="100000"/>
               </a:lnSpc>
@@ -6695,9 +7464,17 @@
               <a:buSzPts val="1400"/>
               <a:buFont typeface="Arial"/>
               <a:buNone/>
-              <a:defRPr/>
+              <a:defRPr b="0" i="0" sz="1000" u="none" cap="none" strike="noStrike">
+                <a:solidFill>
+                  <a:schemeClr val="dk2"/>
+                </a:solidFill>
+                <a:latin typeface="Arial"/>
+                <a:ea typeface="Arial"/>
+                <a:cs typeface="Arial"/>
+                <a:sym typeface="Arial"/>
+              </a:defRPr>
             </a:lvl6pPr>
-            <a:lvl7pPr marL="0" lvl="6" indent="0" algn="l">
+            <a:lvl7pPr indent="0" lvl="6" marL="0" marR="0" algn="l">
               <a:lnSpc>
                 <a:spcPct val="100000"/>
               </a:lnSpc>
@@ -6713,9 +7490,17 @@
               <a:buSzPts val="1400"/>
               <a:buFont typeface="Arial"/>
               <a:buNone/>
-              <a:defRPr/>
+              <a:defRPr b="0" i="0" sz="1000" u="none" cap="none" strike="noStrike">
+                <a:solidFill>
+                  <a:schemeClr val="dk2"/>
+                </a:solidFill>
+                <a:latin typeface="Arial"/>
+                <a:ea typeface="Arial"/>
+                <a:cs typeface="Arial"/>
+                <a:sym typeface="Arial"/>
+              </a:defRPr>
             </a:lvl7pPr>
-            <a:lvl8pPr marL="0" lvl="7" indent="0" algn="l">
+            <a:lvl8pPr indent="0" lvl="7" marL="0" marR="0" algn="l">
               <a:lnSpc>
                 <a:spcPct val="100000"/>
               </a:lnSpc>
@@ -6731,9 +7516,17 @@
               <a:buSzPts val="1400"/>
               <a:buFont typeface="Arial"/>
               <a:buNone/>
-              <a:defRPr/>
+              <a:defRPr b="0" i="0" sz="1000" u="none" cap="none" strike="noStrike">
+                <a:solidFill>
+                  <a:schemeClr val="dk2"/>
+                </a:solidFill>
+                <a:latin typeface="Arial"/>
+                <a:ea typeface="Arial"/>
+                <a:cs typeface="Arial"/>
+                <a:sym typeface="Arial"/>
+              </a:defRPr>
             </a:lvl8pPr>
-            <a:lvl9pPr marL="0" lvl="8" indent="0" algn="l">
+            <a:lvl9pPr indent="0" lvl="8" marL="0" marR="0" algn="l">
               <a:lnSpc>
                 <a:spcPct val="100000"/>
               </a:lnSpc>
@@ -6749,11 +7542,19 @@
               <a:buSzPts val="1400"/>
               <a:buFont typeface="Arial"/>
               <a:buNone/>
-              <a:defRPr/>
+              <a:defRPr b="0" i="0" sz="1000" u="none" cap="none" strike="noStrike">
+                <a:solidFill>
+                  <a:schemeClr val="dk2"/>
+                </a:solidFill>
+                <a:latin typeface="Arial"/>
+                <a:ea typeface="Arial"/>
+                <a:cs typeface="Arial"/>
+                <a:sym typeface="Arial"/>
+              </a:defRPr>
             </a:lvl9pPr>
           </a:lstStyle>
           <a:p>
-            <a:pPr marL="0" lvl="0" indent="0" algn="l" rtl="0">
+            <a:pPr indent="0" lvl="0" marL="0" rtl="0" algn="l">
               <a:spcBef>
                 <a:spcPts val="0"/>
               </a:spcBef>
@@ -6779,11 +7580,11 @@
 </file>
 
 <file path=ppt/slideLayouts/slideLayout9.xml><?xml version="1.0" encoding="utf-8"?>
-<p:sldLayout xmlns:a="http://schemas.openxmlformats.org/drawingml/2006/main" xmlns:r="http://schemas.openxmlformats.org/officeDocument/2006/relationships" xmlns:p="http://schemas.openxmlformats.org/presentationml/2006/main" matchingName="Section title and description">
+<p:sldLayout xmlns:a="http://schemas.openxmlformats.org/drawingml/2006/main" xmlns:r="http://schemas.openxmlformats.org/officeDocument/2006/relationships" xmlns:mc="http://schemas.openxmlformats.org/markup-compatibility/2006" xmlns:mv="urn:schemas-microsoft-com:mac:vml" xmlns:p="http://schemas.openxmlformats.org/presentationml/2006/main" xmlns:c="http://schemas.openxmlformats.org/drawingml/2006/chart" xmlns:dgm="http://schemas.openxmlformats.org/drawingml/2006/diagram" xmlns:o="urn:schemas-microsoft-com:office:office" xmlns:v="urn:schemas-microsoft-com:vml" xmlns:pvml="urn:schemas-microsoft-com:office:powerpoint" xmlns:com="http://schemas.openxmlformats.org/drawingml/2006/compatibility" xmlns:p14="http://schemas.microsoft.com/office/powerpoint/2010/main" xmlns:p15="http://schemas.microsoft.com/office/powerpoint/2012/main" xmlns:ahyp="http://schemas.microsoft.com/office/drawing/2018/hyperlinkcolor" matchingName="Section title and description">
   <p:cSld name="Section title and description">
     <p:spTree>
       <p:nvGrpSpPr>
-        <p:cNvPr id="1" name="Shape 37"/>
+        <p:cNvPr id="37" name="Shape 37"/>
         <p:cNvGrpSpPr/>
         <p:nvPr/>
       </p:nvGrpSpPr>
@@ -6817,12 +7618,12 @@
           </a:ln>
         </p:spPr>
         <p:txBody>
-          <a:bodyPr spcFirstLastPara="1" wrap="square" lIns="91425" tIns="91425" rIns="91425" bIns="91425" anchor="ctr" anchorCtr="0">
+          <a:bodyPr anchorCtr="0" anchor="ctr" bIns="91425" lIns="91425" spcFirstLastPara="1" rIns="91425" wrap="square" tIns="91425">
             <a:noAutofit/>
           </a:bodyPr>
           <a:lstStyle/>
           <a:p>
-            <a:pPr marL="0" marR="0" lvl="0" indent="0" algn="l" rtl="0">
+            <a:pPr indent="0" lvl="0" marL="0" marR="0" rtl="0" algn="l">
               <a:lnSpc>
                 <a:spcPct val="100000"/>
               </a:lnSpc>
@@ -6839,7 +7640,10 @@
               <a:buFont typeface="Arial"/>
               <a:buNone/>
             </a:pPr>
-            <a:endParaRPr sz="1400" b="0" i="0" u="none" strike="noStrike" cap="none">
+            <a:r>
+              <a:t/>
+            </a:r>
+            <a:endParaRPr b="0" i="0" sz="1400" u="none" cap="none" strike="noStrike">
               <a:solidFill>
                 <a:srgbClr val="000000"/>
               </a:solidFill>
@@ -6854,9 +7658,7 @@
       <p:sp>
         <p:nvSpPr>
           <p:cNvPr id="39" name="Google Shape;39;p21"/>
-          <p:cNvSpPr txBox="1">
-            <a:spLocks noGrp="1"/>
-          </p:cNvSpPr>
+          <p:cNvSpPr txBox="1"/>
           <p:nvPr>
             <p:ph type="title"/>
           </p:nvPr>
@@ -6875,7 +7677,7 @@
           </a:ln>
         </p:spPr>
         <p:txBody>
-          <a:bodyPr spcFirstLastPara="1" wrap="square" lIns="91425" tIns="91425" rIns="91425" bIns="91425" anchor="b" anchorCtr="0">
+          <a:bodyPr anchorCtr="0" anchor="b" bIns="91425" lIns="91425" spcFirstLastPara="1" rIns="91425" wrap="square" tIns="91425">
             <a:noAutofit/>
           </a:bodyPr>
           <a:lstStyle>
@@ -6895,6 +7697,9 @@
               <a:defRPr sz="4200"/>
             </a:lvl1pPr>
             <a:lvl2pPr lvl="1" algn="ctr">
+              <a:lnSpc>
+                <a:spcPct val="100000"/>
+              </a:lnSpc>
               <a:spcBef>
                 <a:spcPts val="0"/>
               </a:spcBef>
@@ -6906,6 +7711,9 @@
               <a:defRPr sz="4200"/>
             </a:lvl2pPr>
             <a:lvl3pPr lvl="2" algn="ctr">
+              <a:lnSpc>
+                <a:spcPct val="100000"/>
+              </a:lnSpc>
               <a:spcBef>
                 <a:spcPts val="0"/>
               </a:spcBef>
@@ -6917,6 +7725,9 @@
               <a:defRPr sz="4200"/>
             </a:lvl3pPr>
             <a:lvl4pPr lvl="3" algn="ctr">
+              <a:lnSpc>
+                <a:spcPct val="100000"/>
+              </a:lnSpc>
               <a:spcBef>
                 <a:spcPts val="0"/>
               </a:spcBef>
@@ -6928,6 +7739,9 @@
               <a:defRPr sz="4200"/>
             </a:lvl4pPr>
             <a:lvl5pPr lvl="4" algn="ctr">
+              <a:lnSpc>
+                <a:spcPct val="100000"/>
+              </a:lnSpc>
               <a:spcBef>
                 <a:spcPts val="0"/>
               </a:spcBef>
@@ -6939,6 +7753,9 @@
               <a:defRPr sz="4200"/>
             </a:lvl5pPr>
             <a:lvl6pPr lvl="5" algn="ctr">
+              <a:lnSpc>
+                <a:spcPct val="100000"/>
+              </a:lnSpc>
               <a:spcBef>
                 <a:spcPts val="0"/>
               </a:spcBef>
@@ -6950,6 +7767,9 @@
               <a:defRPr sz="4200"/>
             </a:lvl6pPr>
             <a:lvl7pPr lvl="6" algn="ctr">
+              <a:lnSpc>
+                <a:spcPct val="100000"/>
+              </a:lnSpc>
               <a:spcBef>
                 <a:spcPts val="0"/>
               </a:spcBef>
@@ -6961,6 +7781,9 @@
               <a:defRPr sz="4200"/>
             </a:lvl7pPr>
             <a:lvl8pPr lvl="7" algn="ctr">
+              <a:lnSpc>
+                <a:spcPct val="100000"/>
+              </a:lnSpc>
               <a:spcBef>
                 <a:spcPts val="0"/>
               </a:spcBef>
@@ -6972,6 +7795,9 @@
               <a:defRPr sz="4200"/>
             </a:lvl8pPr>
             <a:lvl9pPr lvl="8" algn="ctr">
+              <a:lnSpc>
+                <a:spcPct val="100000"/>
+              </a:lnSpc>
               <a:spcBef>
                 <a:spcPts val="0"/>
               </a:spcBef>
@@ -6983,19 +7809,15 @@
               <a:defRPr sz="4200"/>
             </a:lvl9pPr>
           </a:lstStyle>
-          <a:p>
-            <a:endParaRPr/>
-          </a:p>
+          <a:p/>
         </p:txBody>
       </p:sp>
       <p:sp>
         <p:nvSpPr>
           <p:cNvPr id="40" name="Google Shape;40;p21"/>
-          <p:cNvSpPr txBox="1">
-            <a:spLocks noGrp="1"/>
-          </p:cNvSpPr>
+          <p:cNvSpPr txBox="1"/>
           <p:nvPr>
-            <p:ph type="subTitle" idx="1"/>
+            <p:ph idx="1" type="subTitle"/>
           </p:nvPr>
         </p:nvSpPr>
         <p:spPr>
@@ -7012,7 +7834,7 @@
           </a:ln>
         </p:spPr>
         <p:txBody>
-          <a:bodyPr spcFirstLastPara="1" wrap="square" lIns="91425" tIns="91425" rIns="91425" bIns="91425" anchor="t" anchorCtr="0">
+          <a:bodyPr anchorCtr="0" anchor="t" bIns="91425" lIns="91425" spcFirstLastPara="1" rIns="91425" wrap="square" tIns="91425">
             <a:noAutofit/>
           </a:bodyPr>
           <a:lstStyle>
@@ -7152,19 +7974,15 @@
               <a:defRPr sz="2100"/>
             </a:lvl9pPr>
           </a:lstStyle>
-          <a:p>
-            <a:endParaRPr/>
-          </a:p>
+          <a:p/>
         </p:txBody>
       </p:sp>
       <p:sp>
         <p:nvSpPr>
           <p:cNvPr id="41" name="Google Shape;41;p21"/>
-          <p:cNvSpPr txBox="1">
-            <a:spLocks noGrp="1"/>
-          </p:cNvSpPr>
+          <p:cNvSpPr txBox="1"/>
           <p:nvPr>
-            <p:ph type="body" idx="2"/>
+            <p:ph idx="2" type="body"/>
           </p:nvPr>
         </p:nvSpPr>
         <p:spPr>
@@ -7181,11 +7999,11 @@
           </a:ln>
         </p:spPr>
         <p:txBody>
-          <a:bodyPr spcFirstLastPara="1" wrap="square" lIns="91425" tIns="91425" rIns="91425" bIns="91425" anchor="ctr" anchorCtr="0">
+          <a:bodyPr anchorCtr="0" anchor="ctr" bIns="91425" lIns="91425" spcFirstLastPara="1" rIns="91425" wrap="square" tIns="91425">
             <a:noAutofit/>
           </a:bodyPr>
           <a:lstStyle>
-            <a:lvl1pPr marL="457200" lvl="0" indent="-342900" algn="l">
+            <a:lvl1pPr indent="-342900" lvl="0" marL="457200" algn="l">
               <a:lnSpc>
                 <a:spcPct val="115000"/>
               </a:lnSpc>
@@ -7200,7 +8018,7 @@
               <a:buChar char="●"/>
               <a:defRPr/>
             </a:lvl1pPr>
-            <a:lvl2pPr marL="914400" lvl="1" indent="-317500" algn="l">
+            <a:lvl2pPr indent="-317500" lvl="1" marL="914400" algn="l">
               <a:lnSpc>
                 <a:spcPct val="115000"/>
               </a:lnSpc>
@@ -7215,7 +8033,7 @@
               <a:buChar char="○"/>
               <a:defRPr/>
             </a:lvl2pPr>
-            <a:lvl3pPr marL="1371600" lvl="2" indent="-317500" algn="l">
+            <a:lvl3pPr indent="-317500" lvl="2" marL="1371600" algn="l">
               <a:lnSpc>
                 <a:spcPct val="115000"/>
               </a:lnSpc>
@@ -7230,7 +8048,7 @@
               <a:buChar char="■"/>
               <a:defRPr/>
             </a:lvl3pPr>
-            <a:lvl4pPr marL="1828800" lvl="3" indent="-317500" algn="l">
+            <a:lvl4pPr indent="-317500" lvl="3" marL="1828800" algn="l">
               <a:lnSpc>
                 <a:spcPct val="115000"/>
               </a:lnSpc>
@@ -7245,7 +8063,7 @@
               <a:buChar char="●"/>
               <a:defRPr/>
             </a:lvl4pPr>
-            <a:lvl5pPr marL="2286000" lvl="4" indent="-317500" algn="l">
+            <a:lvl5pPr indent="-317500" lvl="4" marL="2286000" algn="l">
               <a:lnSpc>
                 <a:spcPct val="115000"/>
               </a:lnSpc>
@@ -7260,7 +8078,7 @@
               <a:buChar char="○"/>
               <a:defRPr/>
             </a:lvl5pPr>
-            <a:lvl6pPr marL="2743200" lvl="5" indent="-317500" algn="l">
+            <a:lvl6pPr indent="-317500" lvl="5" marL="2743200" algn="l">
               <a:lnSpc>
                 <a:spcPct val="115000"/>
               </a:lnSpc>
@@ -7275,7 +8093,7 @@
               <a:buChar char="■"/>
               <a:defRPr/>
             </a:lvl6pPr>
-            <a:lvl7pPr marL="3200400" lvl="6" indent="-317500" algn="l">
+            <a:lvl7pPr indent="-317500" lvl="6" marL="3200400" algn="l">
               <a:lnSpc>
                 <a:spcPct val="115000"/>
               </a:lnSpc>
@@ -7290,7 +8108,7 @@
               <a:buChar char="●"/>
               <a:defRPr/>
             </a:lvl7pPr>
-            <a:lvl8pPr marL="3657600" lvl="7" indent="-317500" algn="l">
+            <a:lvl8pPr indent="-317500" lvl="7" marL="3657600" algn="l">
               <a:lnSpc>
                 <a:spcPct val="115000"/>
               </a:lnSpc>
@@ -7305,7 +8123,7 @@
               <a:buChar char="○"/>
               <a:defRPr/>
             </a:lvl8pPr>
-            <a:lvl9pPr marL="4114800" lvl="8" indent="-317500" algn="l">
+            <a:lvl9pPr indent="-317500" lvl="8" marL="4114800" algn="l">
               <a:lnSpc>
                 <a:spcPct val="115000"/>
               </a:lnSpc>
@@ -7321,19 +8139,15 @@
               <a:defRPr/>
             </a:lvl9pPr>
           </a:lstStyle>
-          <a:p>
-            <a:endParaRPr/>
-          </a:p>
+          <a:p/>
         </p:txBody>
       </p:sp>
       <p:sp>
         <p:nvSpPr>
           <p:cNvPr id="42" name="Google Shape;42;p21"/>
-          <p:cNvSpPr txBox="1">
-            <a:spLocks noGrp="1"/>
-          </p:cNvSpPr>
+          <p:cNvSpPr txBox="1"/>
           <p:nvPr>
-            <p:ph type="sldNum" idx="12"/>
+            <p:ph idx="12" type="sldNum"/>
           </p:nvPr>
         </p:nvSpPr>
         <p:spPr>
@@ -7350,11 +8164,11 @@
           </a:ln>
         </p:spPr>
         <p:txBody>
-          <a:bodyPr spcFirstLastPara="1" wrap="square" lIns="91425" tIns="91425" rIns="91425" bIns="91425" anchor="ctr" anchorCtr="0">
+          <a:bodyPr anchorCtr="0" anchor="ctr" bIns="91425" lIns="91425" spcFirstLastPara="1" rIns="91425" wrap="square" tIns="91425">
             <a:noAutofit/>
           </a:bodyPr>
           <a:lstStyle>
-            <a:lvl1pPr marL="0" lvl="0" indent="0" algn="l">
+            <a:lvl1pPr indent="0" lvl="0" marL="0" marR="0" algn="l">
               <a:lnSpc>
                 <a:spcPct val="100000"/>
               </a:lnSpc>
@@ -7370,9 +8184,17 @@
               <a:buSzPts val="1400"/>
               <a:buFont typeface="Arial"/>
               <a:buNone/>
-              <a:defRPr/>
+              <a:defRPr b="0" i="0" sz="1000" u="none" cap="none" strike="noStrike">
+                <a:solidFill>
+                  <a:schemeClr val="dk2"/>
+                </a:solidFill>
+                <a:latin typeface="Arial"/>
+                <a:ea typeface="Arial"/>
+                <a:cs typeface="Arial"/>
+                <a:sym typeface="Arial"/>
+              </a:defRPr>
             </a:lvl1pPr>
-            <a:lvl2pPr marL="0" lvl="1" indent="0" algn="l">
+            <a:lvl2pPr indent="0" lvl="1" marL="0" marR="0" algn="l">
               <a:lnSpc>
                 <a:spcPct val="100000"/>
               </a:lnSpc>
@@ -7388,9 +8210,17 @@
               <a:buSzPts val="1400"/>
               <a:buFont typeface="Arial"/>
               <a:buNone/>
-              <a:defRPr/>
+              <a:defRPr b="0" i="0" sz="1000" u="none" cap="none" strike="noStrike">
+                <a:solidFill>
+                  <a:schemeClr val="dk2"/>
+                </a:solidFill>
+                <a:latin typeface="Arial"/>
+                <a:ea typeface="Arial"/>
+                <a:cs typeface="Arial"/>
+                <a:sym typeface="Arial"/>
+              </a:defRPr>
             </a:lvl2pPr>
-            <a:lvl3pPr marL="0" lvl="2" indent="0" algn="l">
+            <a:lvl3pPr indent="0" lvl="2" marL="0" marR="0" algn="l">
               <a:lnSpc>
                 <a:spcPct val="100000"/>
               </a:lnSpc>
@@ -7406,9 +8236,17 @@
               <a:buSzPts val="1400"/>
               <a:buFont typeface="Arial"/>
               <a:buNone/>
-              <a:defRPr/>
+              <a:defRPr b="0" i="0" sz="1000" u="none" cap="none" strike="noStrike">
+                <a:solidFill>
+                  <a:schemeClr val="dk2"/>
+                </a:solidFill>
+                <a:latin typeface="Arial"/>
+                <a:ea typeface="Arial"/>
+                <a:cs typeface="Arial"/>
+                <a:sym typeface="Arial"/>
+              </a:defRPr>
             </a:lvl3pPr>
-            <a:lvl4pPr marL="0" lvl="3" indent="0" algn="l">
+            <a:lvl4pPr indent="0" lvl="3" marL="0" marR="0" algn="l">
               <a:lnSpc>
                 <a:spcPct val="100000"/>
               </a:lnSpc>
@@ -7424,9 +8262,17 @@
               <a:buSzPts val="1400"/>
               <a:buFont typeface="Arial"/>
               <a:buNone/>
-              <a:defRPr/>
+              <a:defRPr b="0" i="0" sz="1000" u="none" cap="none" strike="noStrike">
+                <a:solidFill>
+                  <a:schemeClr val="dk2"/>
+                </a:solidFill>
+                <a:latin typeface="Arial"/>
+                <a:ea typeface="Arial"/>
+                <a:cs typeface="Arial"/>
+                <a:sym typeface="Arial"/>
+              </a:defRPr>
             </a:lvl4pPr>
-            <a:lvl5pPr marL="0" lvl="4" indent="0" algn="l">
+            <a:lvl5pPr indent="0" lvl="4" marL="0" marR="0" algn="l">
               <a:lnSpc>
                 <a:spcPct val="100000"/>
               </a:lnSpc>
@@ -7442,9 +8288,17 @@
               <a:buSzPts val="1400"/>
               <a:buFont typeface="Arial"/>
               <a:buNone/>
-              <a:defRPr/>
+              <a:defRPr b="0" i="0" sz="1000" u="none" cap="none" strike="noStrike">
+                <a:solidFill>
+                  <a:schemeClr val="dk2"/>
+                </a:solidFill>
+                <a:latin typeface="Arial"/>
+                <a:ea typeface="Arial"/>
+                <a:cs typeface="Arial"/>
+                <a:sym typeface="Arial"/>
+              </a:defRPr>
             </a:lvl5pPr>
-            <a:lvl6pPr marL="0" lvl="5" indent="0" algn="l">
+            <a:lvl6pPr indent="0" lvl="5" marL="0" marR="0" algn="l">
               <a:lnSpc>
                 <a:spcPct val="100000"/>
               </a:lnSpc>
@@ -7460,9 +8314,17 @@
               <a:buSzPts val="1400"/>
               <a:buFont typeface="Arial"/>
               <a:buNone/>
-              <a:defRPr/>
+              <a:defRPr b="0" i="0" sz="1000" u="none" cap="none" strike="noStrike">
+                <a:solidFill>
+                  <a:schemeClr val="dk2"/>
+                </a:solidFill>
+                <a:latin typeface="Arial"/>
+                <a:ea typeface="Arial"/>
+                <a:cs typeface="Arial"/>
+                <a:sym typeface="Arial"/>
+              </a:defRPr>
             </a:lvl6pPr>
-            <a:lvl7pPr marL="0" lvl="6" indent="0" algn="l">
+            <a:lvl7pPr indent="0" lvl="6" marL="0" marR="0" algn="l">
               <a:lnSpc>
                 <a:spcPct val="100000"/>
               </a:lnSpc>
@@ -7478,9 +8340,17 @@
               <a:buSzPts val="1400"/>
               <a:buFont typeface="Arial"/>
               <a:buNone/>
-              <a:defRPr/>
+              <a:defRPr b="0" i="0" sz="1000" u="none" cap="none" strike="noStrike">
+                <a:solidFill>
+                  <a:schemeClr val="dk2"/>
+                </a:solidFill>
+                <a:latin typeface="Arial"/>
+                <a:ea typeface="Arial"/>
+                <a:cs typeface="Arial"/>
+                <a:sym typeface="Arial"/>
+              </a:defRPr>
             </a:lvl7pPr>
-            <a:lvl8pPr marL="0" lvl="7" indent="0" algn="l">
+            <a:lvl8pPr indent="0" lvl="7" marL="0" marR="0" algn="l">
               <a:lnSpc>
                 <a:spcPct val="100000"/>
               </a:lnSpc>
@@ -7496,9 +8366,17 @@
               <a:buSzPts val="1400"/>
               <a:buFont typeface="Arial"/>
               <a:buNone/>
-              <a:defRPr/>
+              <a:defRPr b="0" i="0" sz="1000" u="none" cap="none" strike="noStrike">
+                <a:solidFill>
+                  <a:schemeClr val="dk2"/>
+                </a:solidFill>
+                <a:latin typeface="Arial"/>
+                <a:ea typeface="Arial"/>
+                <a:cs typeface="Arial"/>
+                <a:sym typeface="Arial"/>
+              </a:defRPr>
             </a:lvl8pPr>
-            <a:lvl9pPr marL="0" lvl="8" indent="0" algn="l">
+            <a:lvl9pPr indent="0" lvl="8" marL="0" marR="0" algn="l">
               <a:lnSpc>
                 <a:spcPct val="100000"/>
               </a:lnSpc>
@@ -7514,11 +8392,19 @@
               <a:buSzPts val="1400"/>
               <a:buFont typeface="Arial"/>
               <a:buNone/>
-              <a:defRPr/>
+              <a:defRPr b="0" i="0" sz="1000" u="none" cap="none" strike="noStrike">
+                <a:solidFill>
+                  <a:schemeClr val="dk2"/>
+                </a:solidFill>
+                <a:latin typeface="Arial"/>
+                <a:ea typeface="Arial"/>
+                <a:cs typeface="Arial"/>
+                <a:sym typeface="Arial"/>
+              </a:defRPr>
             </a:lvl9pPr>
           </a:lstStyle>
           <a:p>
-            <a:pPr marL="0" lvl="0" indent="0" algn="l" rtl="0">
+            <a:pPr indent="0" lvl="0" marL="0" rtl="0" algn="l">
               <a:spcBef>
                 <a:spcPts val="0"/>
               </a:spcBef>
@@ -7544,19 +8430,18 @@
 </file>
 
 <file path=ppt/slideMasters/slideMaster1.xml><?xml version="1.0" encoding="utf-8"?>
-<p:sldMaster xmlns:a="http://schemas.openxmlformats.org/drawingml/2006/main" xmlns:r="http://schemas.openxmlformats.org/officeDocument/2006/relationships" xmlns:p="http://schemas.openxmlformats.org/presentationml/2006/main">
+<p:sldMaster xmlns:a="http://schemas.openxmlformats.org/drawingml/2006/main" xmlns:r="http://schemas.openxmlformats.org/officeDocument/2006/relationships" xmlns:mc="http://schemas.openxmlformats.org/markup-compatibility/2006" xmlns:mv="urn:schemas-microsoft-com:mac:vml" xmlns:p="http://schemas.openxmlformats.org/presentationml/2006/main" xmlns:c="http://schemas.openxmlformats.org/drawingml/2006/chart" xmlns:dgm="http://schemas.openxmlformats.org/drawingml/2006/diagram" xmlns:o="urn:schemas-microsoft-com:office:office" xmlns:v="urn:schemas-microsoft-com:vml" xmlns:pvml="urn:schemas-microsoft-com:office:powerpoint" xmlns:com="http://schemas.openxmlformats.org/drawingml/2006/compatibility" xmlns:p14="http://schemas.microsoft.com/office/powerpoint/2010/main" xmlns:p15="http://schemas.microsoft.com/office/powerpoint/2012/main" xmlns:ahyp="http://schemas.microsoft.com/office/drawing/2018/hyperlinkcolor">
   <p:cSld name="simple-light-2">
     <p:bg>
       <p:bgPr>
         <a:solidFill>
           <a:schemeClr val="lt1"/>
         </a:solidFill>
-        <a:effectLst/>
       </p:bgPr>
     </p:bg>
     <p:spTree>
       <p:nvGrpSpPr>
-        <p:cNvPr id="1" name="Shape 5"/>
+        <p:cNvPr id="5" name="Shape 5"/>
         <p:cNvGrpSpPr/>
         <p:nvPr/>
       </p:nvGrpSpPr>
@@ -7571,9 +8456,7 @@
       <p:sp>
         <p:nvSpPr>
           <p:cNvPr id="6" name="Google Shape;6;p12"/>
-          <p:cNvSpPr txBox="1">
-            <a:spLocks noGrp="1"/>
-          </p:cNvSpPr>
+          <p:cNvSpPr txBox="1"/>
           <p:nvPr>
             <p:ph type="title"/>
           </p:nvPr>
@@ -7592,11 +8475,11 @@
           </a:ln>
         </p:spPr>
         <p:txBody>
-          <a:bodyPr spcFirstLastPara="1" wrap="square" lIns="91425" tIns="91425" rIns="91425" bIns="91425" anchor="t" anchorCtr="0">
+          <a:bodyPr anchorCtr="0" anchor="t" bIns="91425" lIns="91425" spcFirstLastPara="1" rIns="91425" wrap="square" tIns="91425">
             <a:noAutofit/>
           </a:bodyPr>
           <a:lstStyle>
-            <a:lvl1pPr marR="0" lvl="0" algn="l" rtl="0">
+            <a:lvl1pPr lvl="0" marR="0" rtl="0" algn="l">
               <a:lnSpc>
                 <a:spcPct val="100000"/>
               </a:lnSpc>
@@ -7612,7 +8495,7 @@
               <a:buSzPts val="2800"/>
               <a:buFont typeface="Arial"/>
               <a:buNone/>
-              <a:defRPr sz="2800" b="0" i="0" u="none" strike="noStrike" cap="none">
+              <a:defRPr b="0" i="0" sz="2800" u="none" cap="none" strike="noStrike">
                 <a:solidFill>
                   <a:schemeClr val="dk1"/>
                 </a:solidFill>
@@ -7622,7 +8505,10 @@
                 <a:sym typeface="Arial"/>
               </a:defRPr>
             </a:lvl1pPr>
-            <a:lvl2pPr lvl="1">
+            <a:lvl2pPr lvl="1" marR="0" rtl="0" algn="l">
+              <a:lnSpc>
+                <a:spcPct val="100000"/>
+              </a:lnSpc>
               <a:spcBef>
                 <a:spcPts val="0"/>
               </a:spcBef>
@@ -7635,13 +8521,20 @@
               <a:buSzPts val="2800"/>
               <a:buFont typeface="Arial"/>
               <a:buNone/>
-              <a:defRPr sz="2800">
+              <a:defRPr b="0" i="0" sz="2800" u="none" cap="none" strike="noStrike">
                 <a:solidFill>
                   <a:schemeClr val="dk1"/>
                 </a:solidFill>
+                <a:latin typeface="Arial"/>
+                <a:ea typeface="Arial"/>
+                <a:cs typeface="Arial"/>
+                <a:sym typeface="Arial"/>
               </a:defRPr>
             </a:lvl2pPr>
-            <a:lvl3pPr lvl="2">
+            <a:lvl3pPr lvl="2" marR="0" rtl="0" algn="l">
+              <a:lnSpc>
+                <a:spcPct val="100000"/>
+              </a:lnSpc>
               <a:spcBef>
                 <a:spcPts val="0"/>
               </a:spcBef>
@@ -7654,13 +8547,20 @@
               <a:buSzPts val="2800"/>
               <a:buFont typeface="Arial"/>
               <a:buNone/>
-              <a:defRPr sz="2800">
+              <a:defRPr b="0" i="0" sz="2800" u="none" cap="none" strike="noStrike">
                 <a:solidFill>
                   <a:schemeClr val="dk1"/>
                 </a:solidFill>
+                <a:latin typeface="Arial"/>
+                <a:ea typeface="Arial"/>
+                <a:cs typeface="Arial"/>
+                <a:sym typeface="Arial"/>
               </a:defRPr>
             </a:lvl3pPr>
-            <a:lvl4pPr lvl="3">
+            <a:lvl4pPr lvl="3" marR="0" rtl="0" algn="l">
+              <a:lnSpc>
+                <a:spcPct val="100000"/>
+              </a:lnSpc>
               <a:spcBef>
                 <a:spcPts val="0"/>
               </a:spcBef>
@@ -7673,13 +8573,20 @@
               <a:buSzPts val="2800"/>
               <a:buFont typeface="Arial"/>
               <a:buNone/>
-              <a:defRPr sz="2800">
+              <a:defRPr b="0" i="0" sz="2800" u="none" cap="none" strike="noStrike">
                 <a:solidFill>
                   <a:schemeClr val="dk1"/>
                 </a:solidFill>
+                <a:latin typeface="Arial"/>
+                <a:ea typeface="Arial"/>
+                <a:cs typeface="Arial"/>
+                <a:sym typeface="Arial"/>
               </a:defRPr>
             </a:lvl4pPr>
-            <a:lvl5pPr lvl="4">
+            <a:lvl5pPr lvl="4" marR="0" rtl="0" algn="l">
+              <a:lnSpc>
+                <a:spcPct val="100000"/>
+              </a:lnSpc>
               <a:spcBef>
                 <a:spcPts val="0"/>
               </a:spcBef>
@@ -7692,13 +8599,20 @@
               <a:buSzPts val="2800"/>
               <a:buFont typeface="Arial"/>
               <a:buNone/>
-              <a:defRPr sz="2800">
+              <a:defRPr b="0" i="0" sz="2800" u="none" cap="none" strike="noStrike">
                 <a:solidFill>
                   <a:schemeClr val="dk1"/>
                 </a:solidFill>
+                <a:latin typeface="Arial"/>
+                <a:ea typeface="Arial"/>
+                <a:cs typeface="Arial"/>
+                <a:sym typeface="Arial"/>
               </a:defRPr>
             </a:lvl5pPr>
-            <a:lvl6pPr lvl="5">
+            <a:lvl6pPr lvl="5" marR="0" rtl="0" algn="l">
+              <a:lnSpc>
+                <a:spcPct val="100000"/>
+              </a:lnSpc>
               <a:spcBef>
                 <a:spcPts val="0"/>
               </a:spcBef>
@@ -7711,13 +8625,20 @@
               <a:buSzPts val="2800"/>
               <a:buFont typeface="Arial"/>
               <a:buNone/>
-              <a:defRPr sz="2800">
+              <a:defRPr b="0" i="0" sz="2800" u="none" cap="none" strike="noStrike">
                 <a:solidFill>
                   <a:schemeClr val="dk1"/>
                 </a:solidFill>
+                <a:latin typeface="Arial"/>
+                <a:ea typeface="Arial"/>
+                <a:cs typeface="Arial"/>
+                <a:sym typeface="Arial"/>
               </a:defRPr>
             </a:lvl6pPr>
-            <a:lvl7pPr lvl="6">
+            <a:lvl7pPr lvl="6" marR="0" rtl="0" algn="l">
+              <a:lnSpc>
+                <a:spcPct val="100000"/>
+              </a:lnSpc>
               <a:spcBef>
                 <a:spcPts val="0"/>
               </a:spcBef>
@@ -7730,13 +8651,20 @@
               <a:buSzPts val="2800"/>
               <a:buFont typeface="Arial"/>
               <a:buNone/>
-              <a:defRPr sz="2800">
+              <a:defRPr b="0" i="0" sz="2800" u="none" cap="none" strike="noStrike">
                 <a:solidFill>
                   <a:schemeClr val="dk1"/>
                 </a:solidFill>
+                <a:latin typeface="Arial"/>
+                <a:ea typeface="Arial"/>
+                <a:cs typeface="Arial"/>
+                <a:sym typeface="Arial"/>
               </a:defRPr>
             </a:lvl7pPr>
-            <a:lvl8pPr lvl="7">
+            <a:lvl8pPr lvl="7" marR="0" rtl="0" algn="l">
+              <a:lnSpc>
+                <a:spcPct val="100000"/>
+              </a:lnSpc>
               <a:spcBef>
                 <a:spcPts val="0"/>
               </a:spcBef>
@@ -7749,13 +8677,20 @@
               <a:buSzPts val="2800"/>
               <a:buFont typeface="Arial"/>
               <a:buNone/>
-              <a:defRPr sz="2800">
+              <a:defRPr b="0" i="0" sz="2800" u="none" cap="none" strike="noStrike">
                 <a:solidFill>
                   <a:schemeClr val="dk1"/>
                 </a:solidFill>
+                <a:latin typeface="Arial"/>
+                <a:ea typeface="Arial"/>
+                <a:cs typeface="Arial"/>
+                <a:sym typeface="Arial"/>
               </a:defRPr>
             </a:lvl8pPr>
-            <a:lvl9pPr lvl="8">
+            <a:lvl9pPr lvl="8" marR="0" rtl="0" algn="l">
+              <a:lnSpc>
+                <a:spcPct val="100000"/>
+              </a:lnSpc>
               <a:spcBef>
                 <a:spcPts val="0"/>
               </a:spcBef>
@@ -7768,26 +8703,26 @@
               <a:buSzPts val="2800"/>
               <a:buFont typeface="Arial"/>
               <a:buNone/>
-              <a:defRPr sz="2800">
+              <a:defRPr b="0" i="0" sz="2800" u="none" cap="none" strike="noStrike">
                 <a:solidFill>
                   <a:schemeClr val="dk1"/>
                 </a:solidFill>
+                <a:latin typeface="Arial"/>
+                <a:ea typeface="Arial"/>
+                <a:cs typeface="Arial"/>
+                <a:sym typeface="Arial"/>
               </a:defRPr>
             </a:lvl9pPr>
           </a:lstStyle>
-          <a:p>
-            <a:endParaRPr/>
-          </a:p>
+          <a:p/>
         </p:txBody>
       </p:sp>
       <p:sp>
         <p:nvSpPr>
           <p:cNvPr id="7" name="Google Shape;7;p12"/>
-          <p:cNvSpPr txBox="1">
-            <a:spLocks noGrp="1"/>
-          </p:cNvSpPr>
+          <p:cNvSpPr txBox="1"/>
           <p:nvPr>
-            <p:ph type="body" idx="1"/>
+            <p:ph idx="1" type="body"/>
           </p:nvPr>
         </p:nvSpPr>
         <p:spPr>
@@ -7804,11 +8739,11 @@
           </a:ln>
         </p:spPr>
         <p:txBody>
-          <a:bodyPr spcFirstLastPara="1" wrap="square" lIns="91425" tIns="91425" rIns="91425" bIns="91425" anchor="t" anchorCtr="0">
+          <a:bodyPr anchorCtr="0" anchor="t" bIns="91425" lIns="91425" spcFirstLastPara="1" rIns="91425" wrap="square" tIns="91425">
             <a:noAutofit/>
           </a:bodyPr>
           <a:lstStyle>
-            <a:lvl1pPr marL="457200" marR="0" lvl="0" indent="-342900" algn="l" rtl="0">
+            <a:lvl1pPr indent="-342900" lvl="0" marL="457200" marR="0" rtl="0" algn="l">
               <a:lnSpc>
                 <a:spcPct val="115000"/>
               </a:lnSpc>
@@ -7824,7 +8759,7 @@
               <a:buSzPts val="1800"/>
               <a:buFont typeface="Arial"/>
               <a:buChar char="●"/>
-              <a:defRPr sz="1800" b="0" i="0" u="none" strike="noStrike" cap="none">
+              <a:defRPr b="0" i="0" sz="1800" u="none" cap="none" strike="noStrike">
                 <a:solidFill>
                   <a:schemeClr val="dk2"/>
                 </a:solidFill>
@@ -7834,7 +8769,7 @@
                 <a:sym typeface="Arial"/>
               </a:defRPr>
             </a:lvl1pPr>
-            <a:lvl2pPr marL="914400" marR="0" lvl="1" indent="-317500" algn="l" rtl="0">
+            <a:lvl2pPr indent="-317500" lvl="1" marL="914400" marR="0" rtl="0" algn="l">
               <a:lnSpc>
                 <a:spcPct val="115000"/>
               </a:lnSpc>
@@ -7850,7 +8785,7 @@
               <a:buSzPts val="1400"/>
               <a:buFont typeface="Arial"/>
               <a:buChar char="○"/>
-              <a:defRPr sz="1400" b="0" i="0" u="none" strike="noStrike" cap="none">
+              <a:defRPr b="0" i="0" sz="1400" u="none" cap="none" strike="noStrike">
                 <a:solidFill>
                   <a:schemeClr val="dk2"/>
                 </a:solidFill>
@@ -7860,7 +8795,7 @@
                 <a:sym typeface="Arial"/>
               </a:defRPr>
             </a:lvl2pPr>
-            <a:lvl3pPr marL="1371600" marR="0" lvl="2" indent="-317500" algn="l" rtl="0">
+            <a:lvl3pPr indent="-317500" lvl="2" marL="1371600" marR="0" rtl="0" algn="l">
               <a:lnSpc>
                 <a:spcPct val="115000"/>
               </a:lnSpc>
@@ -7876,7 +8811,7 @@
               <a:buSzPts val="1400"/>
               <a:buFont typeface="Arial"/>
               <a:buChar char="■"/>
-              <a:defRPr sz="1400" b="0" i="0" u="none" strike="noStrike" cap="none">
+              <a:defRPr b="0" i="0" sz="1400" u="none" cap="none" strike="noStrike">
                 <a:solidFill>
                   <a:schemeClr val="dk2"/>
                 </a:solidFill>
@@ -7886,7 +8821,7 @@
                 <a:sym typeface="Arial"/>
               </a:defRPr>
             </a:lvl3pPr>
-            <a:lvl4pPr marL="1828800" marR="0" lvl="3" indent="-317500" algn="l" rtl="0">
+            <a:lvl4pPr indent="-317500" lvl="3" marL="1828800" marR="0" rtl="0" algn="l">
               <a:lnSpc>
                 <a:spcPct val="115000"/>
               </a:lnSpc>
@@ -7902,7 +8837,7 @@
               <a:buSzPts val="1400"/>
               <a:buFont typeface="Arial"/>
               <a:buChar char="●"/>
-              <a:defRPr sz="1400" b="0" i="0" u="none" strike="noStrike" cap="none">
+              <a:defRPr b="0" i="0" sz="1400" u="none" cap="none" strike="noStrike">
                 <a:solidFill>
                   <a:schemeClr val="dk2"/>
                 </a:solidFill>
@@ -7912,7 +8847,7 @@
                 <a:sym typeface="Arial"/>
               </a:defRPr>
             </a:lvl4pPr>
-            <a:lvl5pPr marL="2286000" marR="0" lvl="4" indent="-317500" algn="l" rtl="0">
+            <a:lvl5pPr indent="-317500" lvl="4" marL="2286000" marR="0" rtl="0" algn="l">
               <a:lnSpc>
                 <a:spcPct val="115000"/>
               </a:lnSpc>
@@ -7928,7 +8863,7 @@
               <a:buSzPts val="1400"/>
               <a:buFont typeface="Arial"/>
               <a:buChar char="○"/>
-              <a:defRPr sz="1400" b="0" i="0" u="none" strike="noStrike" cap="none">
+              <a:defRPr b="0" i="0" sz="1400" u="none" cap="none" strike="noStrike">
                 <a:solidFill>
                   <a:schemeClr val="dk2"/>
                 </a:solidFill>
@@ -7938,7 +8873,7 @@
                 <a:sym typeface="Arial"/>
               </a:defRPr>
             </a:lvl5pPr>
-            <a:lvl6pPr marL="2743200" marR="0" lvl="5" indent="-317500" algn="l" rtl="0">
+            <a:lvl6pPr indent="-317500" lvl="5" marL="2743200" marR="0" rtl="0" algn="l">
               <a:lnSpc>
                 <a:spcPct val="115000"/>
               </a:lnSpc>
@@ -7954,7 +8889,7 @@
               <a:buSzPts val="1400"/>
               <a:buFont typeface="Arial"/>
               <a:buChar char="■"/>
-              <a:defRPr sz="1400" b="0" i="0" u="none" strike="noStrike" cap="none">
+              <a:defRPr b="0" i="0" sz="1400" u="none" cap="none" strike="noStrike">
                 <a:solidFill>
                   <a:schemeClr val="dk2"/>
                 </a:solidFill>
@@ -7964,7 +8899,7 @@
                 <a:sym typeface="Arial"/>
               </a:defRPr>
             </a:lvl6pPr>
-            <a:lvl7pPr marL="3200400" marR="0" lvl="6" indent="-317500" algn="l" rtl="0">
+            <a:lvl7pPr indent="-317500" lvl="6" marL="3200400" marR="0" rtl="0" algn="l">
               <a:lnSpc>
                 <a:spcPct val="115000"/>
               </a:lnSpc>
@@ -7980,7 +8915,7 @@
               <a:buSzPts val="1400"/>
               <a:buFont typeface="Arial"/>
               <a:buChar char="●"/>
-              <a:defRPr sz="1400" b="0" i="0" u="none" strike="noStrike" cap="none">
+              <a:defRPr b="0" i="0" sz="1400" u="none" cap="none" strike="noStrike">
                 <a:solidFill>
                   <a:schemeClr val="dk2"/>
                 </a:solidFill>
@@ -7990,7 +8925,7 @@
                 <a:sym typeface="Arial"/>
               </a:defRPr>
             </a:lvl7pPr>
-            <a:lvl8pPr marL="3657600" marR="0" lvl="7" indent="-317500" algn="l" rtl="0">
+            <a:lvl8pPr indent="-317500" lvl="7" marL="3657600" marR="0" rtl="0" algn="l">
               <a:lnSpc>
                 <a:spcPct val="115000"/>
               </a:lnSpc>
@@ -8006,7 +8941,7 @@
               <a:buSzPts val="1400"/>
               <a:buFont typeface="Arial"/>
               <a:buChar char="○"/>
-              <a:defRPr sz="1400" b="0" i="0" u="none" strike="noStrike" cap="none">
+              <a:defRPr b="0" i="0" sz="1400" u="none" cap="none" strike="noStrike">
                 <a:solidFill>
                   <a:schemeClr val="dk2"/>
                 </a:solidFill>
@@ -8016,7 +8951,7 @@
                 <a:sym typeface="Arial"/>
               </a:defRPr>
             </a:lvl8pPr>
-            <a:lvl9pPr marL="4114800" marR="0" lvl="8" indent="-317500" algn="l" rtl="0">
+            <a:lvl9pPr indent="-317500" lvl="8" marL="4114800" marR="0" rtl="0" algn="l">
               <a:lnSpc>
                 <a:spcPct val="115000"/>
               </a:lnSpc>
@@ -8032,7 +8967,7 @@
               <a:buSzPts val="1400"/>
               <a:buFont typeface="Arial"/>
               <a:buChar char="■"/>
-              <a:defRPr sz="1400" b="0" i="0" u="none" strike="noStrike" cap="none">
+              <a:defRPr b="0" i="0" sz="1400" u="none" cap="none" strike="noStrike">
                 <a:solidFill>
                   <a:schemeClr val="dk2"/>
                 </a:solidFill>
@@ -8043,19 +8978,15 @@
               </a:defRPr>
             </a:lvl9pPr>
           </a:lstStyle>
-          <a:p>
-            <a:endParaRPr/>
-          </a:p>
+          <a:p/>
         </p:txBody>
       </p:sp>
       <p:sp>
         <p:nvSpPr>
           <p:cNvPr id="8" name="Google Shape;8;p12"/>
-          <p:cNvSpPr txBox="1">
-            <a:spLocks noGrp="1"/>
-          </p:cNvSpPr>
+          <p:cNvSpPr txBox="1"/>
           <p:nvPr>
-            <p:ph type="sldNum" idx="12"/>
+            <p:ph idx="12" type="sldNum"/>
           </p:nvPr>
         </p:nvSpPr>
         <p:spPr>
@@ -8072,11 +9003,11 @@
           </a:ln>
         </p:spPr>
         <p:txBody>
-          <a:bodyPr spcFirstLastPara="1" wrap="square" lIns="91425" tIns="91425" rIns="91425" bIns="91425" anchor="ctr" anchorCtr="0">
+          <a:bodyPr anchorCtr="0" anchor="ctr" bIns="91425" lIns="91425" spcFirstLastPara="1" rIns="91425" wrap="square" tIns="91425">
             <a:noAutofit/>
           </a:bodyPr>
           <a:lstStyle>
-            <a:lvl1pPr marL="0" marR="0" lvl="0" indent="0" algn="r" rtl="0">
+            <a:lvl1pPr indent="0" lvl="0" marL="0" marR="0" rtl="0" algn="r">
               <a:lnSpc>
                 <a:spcPct val="100000"/>
               </a:lnSpc>
@@ -8092,7 +9023,7 @@
               <a:buSzPts val="1000"/>
               <a:buFont typeface="Arial"/>
               <a:buNone/>
-              <a:defRPr sz="1000" b="0" i="0" u="none" strike="noStrike" cap="none">
+              <a:defRPr b="0" i="0" sz="1000" u="none" cap="none" strike="noStrike">
                 <a:solidFill>
                   <a:schemeClr val="dk2"/>
                 </a:solidFill>
@@ -8102,7 +9033,7 @@
                 <a:sym typeface="Arial"/>
               </a:defRPr>
             </a:lvl1pPr>
-            <a:lvl2pPr marL="0" marR="0" lvl="1" indent="0" algn="r" rtl="0">
+            <a:lvl2pPr indent="0" lvl="1" marL="0" marR="0" rtl="0" algn="r">
               <a:lnSpc>
                 <a:spcPct val="100000"/>
               </a:lnSpc>
@@ -8118,7 +9049,7 @@
               <a:buSzPts val="1000"/>
               <a:buFont typeface="Arial"/>
               <a:buNone/>
-              <a:defRPr sz="1000" b="0" i="0" u="none" strike="noStrike" cap="none">
+              <a:defRPr b="0" i="0" sz="1000" u="none" cap="none" strike="noStrike">
                 <a:solidFill>
                   <a:schemeClr val="dk2"/>
                 </a:solidFill>
@@ -8128,7 +9059,7 @@
                 <a:sym typeface="Arial"/>
               </a:defRPr>
             </a:lvl2pPr>
-            <a:lvl3pPr marL="0" marR="0" lvl="2" indent="0" algn="r" rtl="0">
+            <a:lvl3pPr indent="0" lvl="2" marL="0" marR="0" rtl="0" algn="r">
               <a:lnSpc>
                 <a:spcPct val="100000"/>
               </a:lnSpc>
@@ -8144,7 +9075,7 @@
               <a:buSzPts val="1000"/>
               <a:buFont typeface="Arial"/>
               <a:buNone/>
-              <a:defRPr sz="1000" b="0" i="0" u="none" strike="noStrike" cap="none">
+              <a:defRPr b="0" i="0" sz="1000" u="none" cap="none" strike="noStrike">
                 <a:solidFill>
                   <a:schemeClr val="dk2"/>
                 </a:solidFill>
@@ -8154,7 +9085,7 @@
                 <a:sym typeface="Arial"/>
               </a:defRPr>
             </a:lvl3pPr>
-            <a:lvl4pPr marL="0" marR="0" lvl="3" indent="0" algn="r" rtl="0">
+            <a:lvl4pPr indent="0" lvl="3" marL="0" marR="0" rtl="0" algn="r">
               <a:lnSpc>
                 <a:spcPct val="100000"/>
               </a:lnSpc>
@@ -8170,7 +9101,7 @@
               <a:buSzPts val="1000"/>
               <a:buFont typeface="Arial"/>
               <a:buNone/>
-              <a:defRPr sz="1000" b="0" i="0" u="none" strike="noStrike" cap="none">
+              <a:defRPr b="0" i="0" sz="1000" u="none" cap="none" strike="noStrike">
                 <a:solidFill>
                   <a:schemeClr val="dk2"/>
                 </a:solidFill>
@@ -8180,7 +9111,7 @@
                 <a:sym typeface="Arial"/>
               </a:defRPr>
             </a:lvl4pPr>
-            <a:lvl5pPr marL="0" marR="0" lvl="4" indent="0" algn="r" rtl="0">
+            <a:lvl5pPr indent="0" lvl="4" marL="0" marR="0" rtl="0" algn="r">
               <a:lnSpc>
                 <a:spcPct val="100000"/>
               </a:lnSpc>
@@ -8196,7 +9127,7 @@
               <a:buSzPts val="1000"/>
               <a:buFont typeface="Arial"/>
               <a:buNone/>
-              <a:defRPr sz="1000" b="0" i="0" u="none" strike="noStrike" cap="none">
+              <a:defRPr b="0" i="0" sz="1000" u="none" cap="none" strike="noStrike">
                 <a:solidFill>
                   <a:schemeClr val="dk2"/>
                 </a:solidFill>
@@ -8206,7 +9137,7 @@
                 <a:sym typeface="Arial"/>
               </a:defRPr>
             </a:lvl5pPr>
-            <a:lvl6pPr marL="0" marR="0" lvl="5" indent="0" algn="r" rtl="0">
+            <a:lvl6pPr indent="0" lvl="5" marL="0" marR="0" rtl="0" algn="r">
               <a:lnSpc>
                 <a:spcPct val="100000"/>
               </a:lnSpc>
@@ -8222,7 +9153,7 @@
               <a:buSzPts val="1000"/>
               <a:buFont typeface="Arial"/>
               <a:buNone/>
-              <a:defRPr sz="1000" b="0" i="0" u="none" strike="noStrike" cap="none">
+              <a:defRPr b="0" i="0" sz="1000" u="none" cap="none" strike="noStrike">
                 <a:solidFill>
                   <a:schemeClr val="dk2"/>
                 </a:solidFill>
@@ -8232,7 +9163,7 @@
                 <a:sym typeface="Arial"/>
               </a:defRPr>
             </a:lvl6pPr>
-            <a:lvl7pPr marL="0" marR="0" lvl="6" indent="0" algn="r" rtl="0">
+            <a:lvl7pPr indent="0" lvl="6" marL="0" marR="0" rtl="0" algn="r">
               <a:lnSpc>
                 <a:spcPct val="100000"/>
               </a:lnSpc>
@@ -8248,7 +9179,7 @@
               <a:buSzPts val="1000"/>
               <a:buFont typeface="Arial"/>
               <a:buNone/>
-              <a:defRPr sz="1000" b="0" i="0" u="none" strike="noStrike" cap="none">
+              <a:defRPr b="0" i="0" sz="1000" u="none" cap="none" strike="noStrike">
                 <a:solidFill>
                   <a:schemeClr val="dk2"/>
                 </a:solidFill>
@@ -8258,7 +9189,7 @@
                 <a:sym typeface="Arial"/>
               </a:defRPr>
             </a:lvl7pPr>
-            <a:lvl8pPr marL="0" marR="0" lvl="7" indent="0" algn="r" rtl="0">
+            <a:lvl8pPr indent="0" lvl="7" marL="0" marR="0" rtl="0" algn="r">
               <a:lnSpc>
                 <a:spcPct val="100000"/>
               </a:lnSpc>
@@ -8274,7 +9205,7 @@
               <a:buSzPts val="1000"/>
               <a:buFont typeface="Arial"/>
               <a:buNone/>
-              <a:defRPr sz="1000" b="0" i="0" u="none" strike="noStrike" cap="none">
+              <a:defRPr b="0" i="0" sz="1000" u="none" cap="none" strike="noStrike">
                 <a:solidFill>
                   <a:schemeClr val="dk2"/>
                 </a:solidFill>
@@ -8284,7 +9215,7 @@
                 <a:sym typeface="Arial"/>
               </a:defRPr>
             </a:lvl8pPr>
-            <a:lvl9pPr marL="0" marR="0" lvl="8" indent="0" algn="r" rtl="0">
+            <a:lvl9pPr indent="0" lvl="8" marL="0" marR="0" rtl="0" algn="r">
               <a:lnSpc>
                 <a:spcPct val="100000"/>
               </a:lnSpc>
@@ -8300,7 +9231,7 @@
               <a:buSzPts val="1000"/>
               <a:buFont typeface="Arial"/>
               <a:buNone/>
-              <a:defRPr sz="1000" b="0" i="0" u="none" strike="noStrike" cap="none">
+              <a:defRPr b="0" i="0" sz="1000" u="none" cap="none" strike="noStrike">
                 <a:solidFill>
                   <a:schemeClr val="dk2"/>
                 </a:solidFill>
@@ -8312,7 +9243,7 @@
             </a:lvl9pPr>
           </a:lstStyle>
           <a:p>
-            <a:pPr marL="0" lvl="0" indent="0" algn="r" rtl="0">
+            <a:pPr indent="0" lvl="0" marL="0" rtl="0" algn="r">
               <a:spcBef>
                 <a:spcPts val="0"/>
               </a:spcBef>
@@ -8331,7 +9262,7 @@
       </p:sp>
     </p:spTree>
   </p:cSld>
-  <p:clrMap bg1="lt1" tx1="dk1" bg2="dk2" tx2="lt2" accent1="accent1" accent2="accent2" accent3="accent3" accent4="accent4" accent5="accent5" accent6="accent6" hlink="hlink" folHlink="folHlink"/>
+  <p:clrMap accent1="accent1" accent2="accent2" accent3="accent3" accent4="accent4" accent5="accent5" accent6="accent6" bg1="lt1" bg2="dk2" tx1="dk1" tx2="lt2" folHlink="folHlink" hlink="hlink"/>
   <p:sldLayoutIdLst>
     <p:sldLayoutId id="2147483649" r:id="rId1"/>
     <p:sldLayoutId id="2147483650" r:id="rId2"/>
@@ -8345,10 +9276,10 @@
     <p:sldLayoutId id="2147483658" r:id="rId10"/>
     <p:sldLayoutId id="2147483659" r:id="rId11"/>
   </p:sldLayoutIdLst>
-  <p:hf sldNum="0" hdr="0" ftr="0" dt="0"/>
+  <p:hf dt="0" ftr="0" hdr="0" sldNum="0"/>
   <p:txStyles>
     <p:titleStyle>
-      <a:defPPr marR="0" lvl="0" algn="l" rtl="0">
+      <a:defPPr lvl="0" marR="0" rtl="0" algn="l">
         <a:lnSpc>
           <a:spcPct val="100000"/>
         </a:lnSpc>
@@ -8359,7 +9290,7 @@
           <a:spcPts val="0"/>
         </a:spcAft>
       </a:defPPr>
-      <a:lvl1pPr marR="0" lvl="0" algn="l" rtl="0">
+      <a:lvl1pPr lvl="0" marR="0" rtl="0" algn="l">
         <a:lnSpc>
           <a:spcPct val="100000"/>
         </a:lnSpc>
@@ -8373,7 +9304,7 @@
           <a:srgbClr val="000000"/>
         </a:buClr>
         <a:buFont typeface="Arial"/>
-        <a:defRPr sz="1400" b="0" i="0" u="none" strike="noStrike" cap="none">
+        <a:defRPr b="0" i="0" sz="1400" u="none" cap="none" strike="noStrike">
           <a:solidFill>
             <a:srgbClr val="000000"/>
           </a:solidFill>
@@ -8383,7 +9314,7 @@
           <a:sym typeface="Arial"/>
         </a:defRPr>
       </a:lvl1pPr>
-      <a:lvl2pPr marR="0" lvl="1" algn="l" rtl="0">
+      <a:lvl2pPr lvl="1" marR="0" rtl="0" algn="l">
         <a:lnSpc>
           <a:spcPct val="100000"/>
         </a:lnSpc>
@@ -8397,7 +9328,7 @@
           <a:srgbClr val="000000"/>
         </a:buClr>
         <a:buFont typeface="Arial"/>
-        <a:defRPr sz="1400" b="0" i="0" u="none" strike="noStrike" cap="none">
+        <a:defRPr b="0" i="0" sz="1400" u="none" cap="none" strike="noStrike">
           <a:solidFill>
             <a:srgbClr val="000000"/>
           </a:solidFill>
@@ -8407,7 +9338,7 @@
           <a:sym typeface="Arial"/>
         </a:defRPr>
       </a:lvl2pPr>
-      <a:lvl3pPr marR="0" lvl="2" algn="l" rtl="0">
+      <a:lvl3pPr lvl="2" marR="0" rtl="0" algn="l">
         <a:lnSpc>
           <a:spcPct val="100000"/>
         </a:lnSpc>
@@ -8421,7 +9352,7 @@
           <a:srgbClr val="000000"/>
         </a:buClr>
         <a:buFont typeface="Arial"/>
-        <a:defRPr sz="1400" b="0" i="0" u="none" strike="noStrike" cap="none">
+        <a:defRPr b="0" i="0" sz="1400" u="none" cap="none" strike="noStrike">
           <a:solidFill>
             <a:srgbClr val="000000"/>
           </a:solidFill>
@@ -8431,7 +9362,7 @@
           <a:sym typeface="Arial"/>
         </a:defRPr>
       </a:lvl3pPr>
-      <a:lvl4pPr marR="0" lvl="3" algn="l" rtl="0">
+      <a:lvl4pPr lvl="3" marR="0" rtl="0" algn="l">
         <a:lnSpc>
           <a:spcPct val="100000"/>
         </a:lnSpc>
@@ -8445,7 +9376,7 @@
           <a:srgbClr val="000000"/>
         </a:buClr>
         <a:buFont typeface="Arial"/>
-        <a:defRPr sz="1400" b="0" i="0" u="none" strike="noStrike" cap="none">
+        <a:defRPr b="0" i="0" sz="1400" u="none" cap="none" strike="noStrike">
           <a:solidFill>
             <a:srgbClr val="000000"/>
           </a:solidFill>
@@ -8455,7 +9386,7 @@
           <a:sym typeface="Arial"/>
         </a:defRPr>
       </a:lvl4pPr>
-      <a:lvl5pPr marR="0" lvl="4" algn="l" rtl="0">
+      <a:lvl5pPr lvl="4" marR="0" rtl="0" algn="l">
         <a:lnSpc>
           <a:spcPct val="100000"/>
         </a:lnSpc>
@@ -8469,7 +9400,7 @@
           <a:srgbClr val="000000"/>
         </a:buClr>
         <a:buFont typeface="Arial"/>
-        <a:defRPr sz="1400" b="0" i="0" u="none" strike="noStrike" cap="none">
+        <a:defRPr b="0" i="0" sz="1400" u="none" cap="none" strike="noStrike">
           <a:solidFill>
             <a:srgbClr val="000000"/>
           </a:solidFill>
@@ -8479,7 +9410,7 @@
           <a:sym typeface="Arial"/>
         </a:defRPr>
       </a:lvl5pPr>
-      <a:lvl6pPr marR="0" lvl="5" algn="l" rtl="0">
+      <a:lvl6pPr lvl="5" marR="0" rtl="0" algn="l">
         <a:lnSpc>
           <a:spcPct val="100000"/>
         </a:lnSpc>
@@ -8493,7 +9424,7 @@
           <a:srgbClr val="000000"/>
         </a:buClr>
         <a:buFont typeface="Arial"/>
-        <a:defRPr sz="1400" b="0" i="0" u="none" strike="noStrike" cap="none">
+        <a:defRPr b="0" i="0" sz="1400" u="none" cap="none" strike="noStrike">
           <a:solidFill>
             <a:srgbClr val="000000"/>
           </a:solidFill>
@@ -8503,7 +9434,7 @@
           <a:sym typeface="Arial"/>
         </a:defRPr>
       </a:lvl6pPr>
-      <a:lvl7pPr marR="0" lvl="6" algn="l" rtl="0">
+      <a:lvl7pPr lvl="6" marR="0" rtl="0" algn="l">
         <a:lnSpc>
           <a:spcPct val="100000"/>
         </a:lnSpc>
@@ -8517,7 +9448,7 @@
           <a:srgbClr val="000000"/>
         </a:buClr>
         <a:buFont typeface="Arial"/>
-        <a:defRPr sz="1400" b="0" i="0" u="none" strike="noStrike" cap="none">
+        <a:defRPr b="0" i="0" sz="1400" u="none" cap="none" strike="noStrike">
           <a:solidFill>
             <a:srgbClr val="000000"/>
           </a:solidFill>
@@ -8527,7 +9458,7 @@
           <a:sym typeface="Arial"/>
         </a:defRPr>
       </a:lvl7pPr>
-      <a:lvl8pPr marR="0" lvl="7" algn="l" rtl="0">
+      <a:lvl8pPr lvl="7" marR="0" rtl="0" algn="l">
         <a:lnSpc>
           <a:spcPct val="100000"/>
         </a:lnSpc>
@@ -8541,7 +9472,7 @@
           <a:srgbClr val="000000"/>
         </a:buClr>
         <a:buFont typeface="Arial"/>
-        <a:defRPr sz="1400" b="0" i="0" u="none" strike="noStrike" cap="none">
+        <a:defRPr b="0" i="0" sz="1400" u="none" cap="none" strike="noStrike">
           <a:solidFill>
             <a:srgbClr val="000000"/>
           </a:solidFill>
@@ -8551,7 +9482,7 @@
           <a:sym typeface="Arial"/>
         </a:defRPr>
       </a:lvl8pPr>
-      <a:lvl9pPr marR="0" lvl="8" algn="l" rtl="0">
+      <a:lvl9pPr lvl="8" marR="0" rtl="0" algn="l">
         <a:lnSpc>
           <a:spcPct val="100000"/>
         </a:lnSpc>
@@ -8565,7 +9496,7 @@
           <a:srgbClr val="000000"/>
         </a:buClr>
         <a:buFont typeface="Arial"/>
-        <a:defRPr sz="1400" b="0" i="0" u="none" strike="noStrike" cap="none">
+        <a:defRPr b="0" i="0" sz="1400" u="none" cap="none" strike="noStrike">
           <a:solidFill>
             <a:srgbClr val="000000"/>
           </a:solidFill>
@@ -8577,7 +9508,7 @@
       </a:lvl9pPr>
     </p:titleStyle>
     <p:bodyStyle>
-      <a:defPPr marR="0" lvl="0" algn="l" rtl="0">
+      <a:defPPr lvl="0" marR="0" rtl="0" algn="l">
         <a:lnSpc>
           <a:spcPct val="100000"/>
         </a:lnSpc>
@@ -8588,7 +9519,7 @@
           <a:spcPts val="0"/>
         </a:spcAft>
       </a:defPPr>
-      <a:lvl1pPr marR="0" lvl="0" algn="l" rtl="0">
+      <a:lvl1pPr lvl="0" marR="0" rtl="0" algn="l">
         <a:lnSpc>
           <a:spcPct val="100000"/>
         </a:lnSpc>
@@ -8602,7 +9533,7 @@
           <a:srgbClr val="000000"/>
         </a:buClr>
         <a:buFont typeface="Arial"/>
-        <a:defRPr sz="1400" b="0" i="0" u="none" strike="noStrike" cap="none">
+        <a:defRPr b="0" i="0" sz="1400" u="none" cap="none" strike="noStrike">
           <a:solidFill>
             <a:srgbClr val="000000"/>
           </a:solidFill>
@@ -8612,7 +9543,7 @@
           <a:sym typeface="Arial"/>
         </a:defRPr>
       </a:lvl1pPr>
-      <a:lvl2pPr marR="0" lvl="1" algn="l" rtl="0">
+      <a:lvl2pPr lvl="1" marR="0" rtl="0" algn="l">
         <a:lnSpc>
           <a:spcPct val="100000"/>
         </a:lnSpc>
@@ -8626,7 +9557,7 @@
           <a:srgbClr val="000000"/>
         </a:buClr>
         <a:buFont typeface="Arial"/>
-        <a:defRPr sz="1400" b="0" i="0" u="none" strike="noStrike" cap="none">
+        <a:defRPr b="0" i="0" sz="1400" u="none" cap="none" strike="noStrike">
           <a:solidFill>
             <a:srgbClr val="000000"/>
           </a:solidFill>
@@ -8636,7 +9567,7 @@
           <a:sym typeface="Arial"/>
         </a:defRPr>
       </a:lvl2pPr>
-      <a:lvl3pPr marR="0" lvl="2" algn="l" rtl="0">
+      <a:lvl3pPr lvl="2" marR="0" rtl="0" algn="l">
         <a:lnSpc>
           <a:spcPct val="100000"/>
         </a:lnSpc>
@@ -8650,7 +9581,7 @@
           <a:srgbClr val="000000"/>
         </a:buClr>
         <a:buFont typeface="Arial"/>
-        <a:defRPr sz="1400" b="0" i="0" u="none" strike="noStrike" cap="none">
+        <a:defRPr b="0" i="0" sz="1400" u="none" cap="none" strike="noStrike">
           <a:solidFill>
             <a:srgbClr val="000000"/>
           </a:solidFill>
@@ -8660,7 +9591,7 @@
           <a:sym typeface="Arial"/>
         </a:defRPr>
       </a:lvl3pPr>
-      <a:lvl4pPr marR="0" lvl="3" algn="l" rtl="0">
+      <a:lvl4pPr lvl="3" marR="0" rtl="0" algn="l">
         <a:lnSpc>
           <a:spcPct val="100000"/>
         </a:lnSpc>
@@ -8674,7 +9605,7 @@
           <a:srgbClr val="000000"/>
         </a:buClr>
         <a:buFont typeface="Arial"/>
-        <a:defRPr sz="1400" b="0" i="0" u="none" strike="noStrike" cap="none">
+        <a:defRPr b="0" i="0" sz="1400" u="none" cap="none" strike="noStrike">
           <a:solidFill>
             <a:srgbClr val="000000"/>
           </a:solidFill>
@@ -8684,7 +9615,7 @@
           <a:sym typeface="Arial"/>
         </a:defRPr>
       </a:lvl4pPr>
-      <a:lvl5pPr marR="0" lvl="4" algn="l" rtl="0">
+      <a:lvl5pPr lvl="4" marR="0" rtl="0" algn="l">
         <a:lnSpc>
           <a:spcPct val="100000"/>
         </a:lnSpc>
@@ -8698,7 +9629,7 @@
           <a:srgbClr val="000000"/>
         </a:buClr>
         <a:buFont typeface="Arial"/>
-        <a:defRPr sz="1400" b="0" i="0" u="none" strike="noStrike" cap="none">
+        <a:defRPr b="0" i="0" sz="1400" u="none" cap="none" strike="noStrike">
           <a:solidFill>
             <a:srgbClr val="000000"/>
           </a:solidFill>
@@ -8708,7 +9639,7 @@
           <a:sym typeface="Arial"/>
         </a:defRPr>
       </a:lvl5pPr>
-      <a:lvl6pPr marR="0" lvl="5" algn="l" rtl="0">
+      <a:lvl6pPr lvl="5" marR="0" rtl="0" algn="l">
         <a:lnSpc>
           <a:spcPct val="100000"/>
         </a:lnSpc>
@@ -8722,7 +9653,7 @@
           <a:srgbClr val="000000"/>
         </a:buClr>
         <a:buFont typeface="Arial"/>
-        <a:defRPr sz="1400" b="0" i="0" u="none" strike="noStrike" cap="none">
+        <a:defRPr b="0" i="0" sz="1400" u="none" cap="none" strike="noStrike">
           <a:solidFill>
             <a:srgbClr val="000000"/>
           </a:solidFill>
@@ -8732,7 +9663,7 @@
           <a:sym typeface="Arial"/>
         </a:defRPr>
       </a:lvl6pPr>
-      <a:lvl7pPr marR="0" lvl="6" algn="l" rtl="0">
+      <a:lvl7pPr lvl="6" marR="0" rtl="0" algn="l">
         <a:lnSpc>
           <a:spcPct val="100000"/>
         </a:lnSpc>
@@ -8746,7 +9677,7 @@
           <a:srgbClr val="000000"/>
         </a:buClr>
         <a:buFont typeface="Arial"/>
-        <a:defRPr sz="1400" b="0" i="0" u="none" strike="noStrike" cap="none">
+        <a:defRPr b="0" i="0" sz="1400" u="none" cap="none" strike="noStrike">
           <a:solidFill>
             <a:srgbClr val="000000"/>
           </a:solidFill>
@@ -8756,7 +9687,7 @@
           <a:sym typeface="Arial"/>
         </a:defRPr>
       </a:lvl7pPr>
-      <a:lvl8pPr marR="0" lvl="7" algn="l" rtl="0">
+      <a:lvl8pPr lvl="7" marR="0" rtl="0" algn="l">
         <a:lnSpc>
           <a:spcPct val="100000"/>
         </a:lnSpc>
@@ -8770,7 +9701,7 @@
           <a:srgbClr val="000000"/>
         </a:buClr>
         <a:buFont typeface="Arial"/>
-        <a:defRPr sz="1400" b="0" i="0" u="none" strike="noStrike" cap="none">
+        <a:defRPr b="0" i="0" sz="1400" u="none" cap="none" strike="noStrike">
           <a:solidFill>
             <a:srgbClr val="000000"/>
           </a:solidFill>
@@ -8780,7 +9711,7 @@
           <a:sym typeface="Arial"/>
         </a:defRPr>
       </a:lvl8pPr>
-      <a:lvl9pPr marR="0" lvl="8" algn="l" rtl="0">
+      <a:lvl9pPr lvl="8" marR="0" rtl="0" algn="l">
         <a:lnSpc>
           <a:spcPct val="100000"/>
         </a:lnSpc>
@@ -8794,7 +9725,7 @@
           <a:srgbClr val="000000"/>
         </a:buClr>
         <a:buFont typeface="Arial"/>
-        <a:defRPr sz="1400" b="0" i="0" u="none" strike="noStrike" cap="none">
+        <a:defRPr b="0" i="0" sz="1400" u="none" cap="none" strike="noStrike">
           <a:solidFill>
             <a:srgbClr val="000000"/>
           </a:solidFill>
@@ -8806,7 +9737,7 @@
       </a:lvl9pPr>
     </p:bodyStyle>
     <p:otherStyle>
-      <a:defPPr marR="0" lvl="0" algn="l" rtl="0">
+      <a:defPPr lvl="0" marR="0" rtl="0" algn="l">
         <a:lnSpc>
           <a:spcPct val="100000"/>
         </a:lnSpc>
@@ -8817,7 +9748,7 @@
           <a:spcPts val="0"/>
         </a:spcAft>
       </a:defPPr>
-      <a:lvl1pPr marR="0" lvl="0" algn="l" rtl="0">
+      <a:lvl1pPr lvl="0" marR="0" rtl="0" algn="l">
         <a:lnSpc>
           <a:spcPct val="100000"/>
         </a:lnSpc>
@@ -8831,7 +9762,7 @@
           <a:srgbClr val="000000"/>
         </a:buClr>
         <a:buFont typeface="Arial"/>
-        <a:defRPr sz="1400" b="0" i="0" u="none" strike="noStrike" cap="none">
+        <a:defRPr b="0" i="0" sz="1400" u="none" cap="none" strike="noStrike">
           <a:solidFill>
             <a:srgbClr val="000000"/>
           </a:solidFill>
@@ -8841,7 +9772,7 @@
           <a:sym typeface="Arial"/>
         </a:defRPr>
       </a:lvl1pPr>
-      <a:lvl2pPr marR="0" lvl="1" algn="l" rtl="0">
+      <a:lvl2pPr lvl="1" marR="0" rtl="0" algn="l">
         <a:lnSpc>
           <a:spcPct val="100000"/>
         </a:lnSpc>
@@ -8855,7 +9786,7 @@
           <a:srgbClr val="000000"/>
         </a:buClr>
         <a:buFont typeface="Arial"/>
-        <a:defRPr sz="1400" b="0" i="0" u="none" strike="noStrike" cap="none">
+        <a:defRPr b="0" i="0" sz="1400" u="none" cap="none" strike="noStrike">
           <a:solidFill>
             <a:srgbClr val="000000"/>
           </a:solidFill>
@@ -8865,7 +9796,7 @@
           <a:sym typeface="Arial"/>
         </a:defRPr>
       </a:lvl2pPr>
-      <a:lvl3pPr marR="0" lvl="2" algn="l" rtl="0">
+      <a:lvl3pPr lvl="2" marR="0" rtl="0" algn="l">
         <a:lnSpc>
           <a:spcPct val="100000"/>
         </a:lnSpc>
@@ -8879,7 +9810,7 @@
           <a:srgbClr val="000000"/>
         </a:buClr>
         <a:buFont typeface="Arial"/>
-        <a:defRPr sz="1400" b="0" i="0" u="none" strike="noStrike" cap="none">
+        <a:defRPr b="0" i="0" sz="1400" u="none" cap="none" strike="noStrike">
           <a:solidFill>
             <a:srgbClr val="000000"/>
           </a:solidFill>
@@ -8889,7 +9820,7 @@
           <a:sym typeface="Arial"/>
         </a:defRPr>
       </a:lvl3pPr>
-      <a:lvl4pPr marR="0" lvl="3" algn="l" rtl="0">
+      <a:lvl4pPr lvl="3" marR="0" rtl="0" algn="l">
         <a:lnSpc>
           <a:spcPct val="100000"/>
         </a:lnSpc>
@@ -8903,7 +9834,7 @@
           <a:srgbClr val="000000"/>
         </a:buClr>
         <a:buFont typeface="Arial"/>
-        <a:defRPr sz="1400" b="0" i="0" u="none" strike="noStrike" cap="none">
+        <a:defRPr b="0" i="0" sz="1400" u="none" cap="none" strike="noStrike">
           <a:solidFill>
             <a:srgbClr val="000000"/>
           </a:solidFill>
@@ -8913,7 +9844,7 @@
           <a:sym typeface="Arial"/>
         </a:defRPr>
       </a:lvl4pPr>
-      <a:lvl5pPr marR="0" lvl="4" algn="l" rtl="0">
+      <a:lvl5pPr lvl="4" marR="0" rtl="0" algn="l">
         <a:lnSpc>
           <a:spcPct val="100000"/>
         </a:lnSpc>
@@ -8927,7 +9858,7 @@
           <a:srgbClr val="000000"/>
         </a:buClr>
         <a:buFont typeface="Arial"/>
-        <a:defRPr sz="1400" b="0" i="0" u="none" strike="noStrike" cap="none">
+        <a:defRPr b="0" i="0" sz="1400" u="none" cap="none" strike="noStrike">
           <a:solidFill>
             <a:srgbClr val="000000"/>
           </a:solidFill>
@@ -8937,7 +9868,7 @@
           <a:sym typeface="Arial"/>
         </a:defRPr>
       </a:lvl5pPr>
-      <a:lvl6pPr marR="0" lvl="5" algn="l" rtl="0">
+      <a:lvl6pPr lvl="5" marR="0" rtl="0" algn="l">
         <a:lnSpc>
           <a:spcPct val="100000"/>
         </a:lnSpc>
@@ -8951,7 +9882,7 @@
           <a:srgbClr val="000000"/>
         </a:buClr>
         <a:buFont typeface="Arial"/>
-        <a:defRPr sz="1400" b="0" i="0" u="none" strike="noStrike" cap="none">
+        <a:defRPr b="0" i="0" sz="1400" u="none" cap="none" strike="noStrike">
           <a:solidFill>
             <a:srgbClr val="000000"/>
           </a:solidFill>
@@ -8961,7 +9892,7 @@
           <a:sym typeface="Arial"/>
         </a:defRPr>
       </a:lvl6pPr>
-      <a:lvl7pPr marR="0" lvl="6" algn="l" rtl="0">
+      <a:lvl7pPr lvl="6" marR="0" rtl="0" algn="l">
         <a:lnSpc>
           <a:spcPct val="100000"/>
         </a:lnSpc>
@@ -8975,7 +9906,7 @@
           <a:srgbClr val="000000"/>
         </a:buClr>
         <a:buFont typeface="Arial"/>
-        <a:defRPr sz="1400" b="0" i="0" u="none" strike="noStrike" cap="none">
+        <a:defRPr b="0" i="0" sz="1400" u="none" cap="none" strike="noStrike">
           <a:solidFill>
             <a:srgbClr val="000000"/>
           </a:solidFill>
@@ -8985,7 +9916,7 @@
           <a:sym typeface="Arial"/>
         </a:defRPr>
       </a:lvl7pPr>
-      <a:lvl8pPr marR="0" lvl="7" algn="l" rtl="0">
+      <a:lvl8pPr lvl="7" marR="0" rtl="0" algn="l">
         <a:lnSpc>
           <a:spcPct val="100000"/>
         </a:lnSpc>
@@ -8999,7 +9930,7 @@
           <a:srgbClr val="000000"/>
         </a:buClr>
         <a:buFont typeface="Arial"/>
-        <a:defRPr sz="1400" b="0" i="0" u="none" strike="noStrike" cap="none">
+        <a:defRPr b="0" i="0" sz="1400" u="none" cap="none" strike="noStrike">
           <a:solidFill>
             <a:srgbClr val="000000"/>
           </a:solidFill>
@@ -9009,7 +9940,7 @@
           <a:sym typeface="Arial"/>
         </a:defRPr>
       </a:lvl8pPr>
-      <a:lvl9pPr marR="0" lvl="8" algn="l" rtl="0">
+      <a:lvl9pPr lvl="8" marR="0" rtl="0" algn="l">
         <a:lnSpc>
           <a:spcPct val="100000"/>
         </a:lnSpc>
@@ -9023,7 +9954,7 @@
           <a:srgbClr val="000000"/>
         </a:buClr>
         <a:buFont typeface="Arial"/>
-        <a:defRPr sz="1400" b="0" i="0" u="none" strike="noStrike" cap="none">
+        <a:defRPr b="0" i="0" sz="1400" u="none" cap="none" strike="noStrike">
           <a:solidFill>
             <a:srgbClr val="000000"/>
           </a:solidFill>
@@ -9039,11 +9970,11 @@
 </file>
 
 <file path=ppt/slides/slide1.xml><?xml version="1.0" encoding="utf-8"?>
-<p:sld xmlns:a="http://schemas.openxmlformats.org/drawingml/2006/main" xmlns:r="http://schemas.openxmlformats.org/officeDocument/2006/relationships" xmlns:p="http://schemas.openxmlformats.org/presentationml/2006/main">
+<p:sld xmlns:a="http://schemas.openxmlformats.org/drawingml/2006/main" xmlns:r="http://schemas.openxmlformats.org/officeDocument/2006/relationships" xmlns:mc="http://schemas.openxmlformats.org/markup-compatibility/2006" xmlns:mv="urn:schemas-microsoft-com:mac:vml" xmlns:p="http://schemas.openxmlformats.org/presentationml/2006/main" xmlns:c="http://schemas.openxmlformats.org/drawingml/2006/chart" xmlns:dgm="http://schemas.openxmlformats.org/drawingml/2006/diagram" xmlns:o="urn:schemas-microsoft-com:office:office" xmlns:v="urn:schemas-microsoft-com:vml" xmlns:pvml="urn:schemas-microsoft-com:office:powerpoint" xmlns:com="http://schemas.openxmlformats.org/drawingml/2006/compatibility" xmlns:p14="http://schemas.microsoft.com/office/powerpoint/2010/main" xmlns:p15="http://schemas.microsoft.com/office/powerpoint/2012/main" xmlns:ahyp="http://schemas.microsoft.com/office/drawing/2018/hyperlinkcolor">
   <p:cSld>
     <p:spTree>
       <p:nvGrpSpPr>
-        <p:cNvPr id="1" name="Shape 53"/>
+        <p:cNvPr id="53" name="Shape 53"/>
         <p:cNvGrpSpPr/>
         <p:nvPr/>
       </p:nvGrpSpPr>
@@ -9057,7 +9988,7 @@
       </p:grpSpPr>
       <p:pic>
         <p:nvPicPr>
-          <p:cNvPr id="54" name="Google Shape;54;p1" descr="data-science-illustration-­Feature_1290x688_MS-940x501.jpg"/>
+          <p:cNvPr descr="data-science-illustration-­Feature_1290x688_MS-940x501.jpg" id="54" name="Google Shape;54;p1"/>
           <p:cNvPicPr preferRelativeResize="0"/>
           <p:nvPr/>
         </p:nvPicPr>
@@ -9065,7 +9996,7 @@
           <a:blip r:embed="rId3">
             <a:alphaModFix amt="46000"/>
           </a:blip>
-          <a:srcRect/>
+          <a:srcRect b="0" l="0" r="0" t="0"/>
           <a:stretch/>
         </p:blipFill>
         <p:spPr>
@@ -9085,9 +10016,7 @@
       <p:sp>
         <p:nvSpPr>
           <p:cNvPr id="55" name="Google Shape;55;p1"/>
-          <p:cNvSpPr txBox="1">
-            <a:spLocks noGrp="1"/>
-          </p:cNvSpPr>
+          <p:cNvSpPr txBox="1"/>
           <p:nvPr>
             <p:ph type="ctrTitle"/>
           </p:nvPr>
@@ -9106,12 +10035,12 @@
           </a:ln>
         </p:spPr>
         <p:txBody>
-          <a:bodyPr spcFirstLastPara="1" wrap="square" lIns="91425" tIns="91425" rIns="91425" bIns="91425" anchor="b" anchorCtr="0">
+          <a:bodyPr anchorCtr="0" anchor="b" bIns="91425" lIns="91425" spcFirstLastPara="1" rIns="91425" wrap="square" tIns="91425">
             <a:noAutofit/>
           </a:bodyPr>
           <a:lstStyle/>
           <a:p>
-            <a:pPr marL="0" lvl="0" indent="0" algn="ctr" rtl="0">
+            <a:pPr indent="0" lvl="0" marL="0" rtl="0" algn="ctr">
               <a:lnSpc>
                 <a:spcPct val="100000"/>
               </a:lnSpc>
@@ -9136,11 +10065,9 @@
       <p:sp>
         <p:nvSpPr>
           <p:cNvPr id="56" name="Google Shape;56;p1"/>
-          <p:cNvSpPr txBox="1">
-            <a:spLocks noGrp="1"/>
-          </p:cNvSpPr>
+          <p:cNvSpPr txBox="1"/>
           <p:nvPr>
-            <p:ph type="subTitle" idx="1"/>
+            <p:ph idx="1" type="subTitle"/>
           </p:nvPr>
         </p:nvSpPr>
         <p:spPr>
@@ -9157,12 +10084,12 @@
           </a:ln>
         </p:spPr>
         <p:txBody>
-          <a:bodyPr spcFirstLastPara="1" wrap="square" lIns="91425" tIns="91425" rIns="91425" bIns="91425" anchor="t" anchorCtr="0">
+          <a:bodyPr anchorCtr="0" anchor="t" bIns="91425" lIns="91425" spcFirstLastPara="1" rIns="91425" wrap="square" tIns="91425">
             <a:noAutofit/>
           </a:bodyPr>
           <a:lstStyle/>
           <a:p>
-            <a:pPr marL="0" lvl="0" indent="0" algn="ctr" rtl="0">
+            <a:pPr indent="0" lvl="0" marL="0" rtl="0" algn="ctr">
               <a:lnSpc>
                 <a:spcPct val="100000"/>
               </a:lnSpc>
@@ -9177,10 +10104,10 @@
               <a:buNone/>
             </a:pPr>
             <a:r>
-              <a:rPr lang="en" dirty="0"/>
+              <a:rPr lang="en"/>
               <a:t>CSC310</a:t>
             </a:r>
-            <a:endParaRPr dirty="0"/>
+            <a:endParaRPr/>
           </a:p>
         </p:txBody>
       </p:sp>
@@ -9193,63 +10120,11 @@
 </file>
 
 <file path=ppt/slides/slide10.xml><?xml version="1.0" encoding="utf-8"?>
-<p:sld xmlns:a="http://schemas.openxmlformats.org/drawingml/2006/main" xmlns:r="http://schemas.openxmlformats.org/officeDocument/2006/relationships" xmlns:p="http://schemas.openxmlformats.org/presentationml/2006/main">
+<p:sld xmlns:a="http://schemas.openxmlformats.org/drawingml/2006/main" xmlns:r="http://schemas.openxmlformats.org/officeDocument/2006/relationships" xmlns:mc="http://schemas.openxmlformats.org/markup-compatibility/2006" xmlns:mv="urn:schemas-microsoft-com:mac:vml" xmlns:p="http://schemas.openxmlformats.org/presentationml/2006/main" xmlns:c="http://schemas.openxmlformats.org/drawingml/2006/chart" xmlns:dgm="http://schemas.openxmlformats.org/drawingml/2006/diagram" xmlns:o="urn:schemas-microsoft-com:office:office" xmlns:v="urn:schemas-microsoft-com:vml" xmlns:pvml="urn:schemas-microsoft-com:office:powerpoint" xmlns:com="http://schemas.openxmlformats.org/drawingml/2006/compatibility" xmlns:p14="http://schemas.microsoft.com/office/powerpoint/2010/main" xmlns:p15="http://schemas.microsoft.com/office/powerpoint/2012/main" xmlns:ahyp="http://schemas.microsoft.com/office/drawing/2018/hyperlinkcolor">
   <p:cSld>
     <p:spTree>
       <p:nvGrpSpPr>
-        <p:cNvPr id="1" name="Shape 124"/>
-        <p:cNvGrpSpPr/>
-        <p:nvPr/>
-      </p:nvGrpSpPr>
-      <p:grpSpPr>
-        <a:xfrm>
-          <a:off x="0" y="0"/>
-          <a:ext cx="0" cy="0"/>
-          <a:chOff x="0" y="0"/>
-          <a:chExt cx="0" cy="0"/>
-        </a:xfrm>
-      </p:grpSpPr>
-      <p:pic>
-        <p:nvPicPr>
-          <p:cNvPr id="125" name="Google Shape;125;p10" descr="slide_3.jpg"/>
-          <p:cNvPicPr preferRelativeResize="0"/>
-          <p:nvPr/>
-        </p:nvPicPr>
-        <p:blipFill rotWithShape="1">
-          <a:blip r:embed="rId3">
-            <a:alphaModFix/>
-          </a:blip>
-          <a:srcRect/>
-          <a:stretch/>
-        </p:blipFill>
-        <p:spPr>
-          <a:xfrm>
-            <a:off x="152400" y="152400"/>
-            <a:ext cx="6451601" cy="4838701"/>
-          </a:xfrm>
-          <a:prstGeom prst="rect">
-            <a:avLst/>
-          </a:prstGeom>
-          <a:noFill/>
-          <a:ln>
-            <a:noFill/>
-          </a:ln>
-        </p:spPr>
-      </p:pic>
-    </p:spTree>
-  </p:cSld>
-  <p:clrMapOvr>
-    <a:masterClrMapping/>
-  </p:clrMapOvr>
-</p:sld>
-</file>
-
-<file path=ppt/slides/slide11.xml><?xml version="1.0" encoding="utf-8"?>
-<p:sld xmlns:a="http://schemas.openxmlformats.org/drawingml/2006/main" xmlns:r="http://schemas.openxmlformats.org/officeDocument/2006/relationships" xmlns:p="http://schemas.openxmlformats.org/presentationml/2006/main">
-  <p:cSld>
-    <p:spTree>
-      <p:nvGrpSpPr>
-        <p:cNvPr id="1" name="Shape 129"/>
+        <p:cNvPr id="124" name="Shape 124"/>
         <p:cNvGrpSpPr/>
         <p:nvPr/>
       </p:nvGrpSpPr>
@@ -9263,10 +10138,257 @@
       </p:grpSpPr>
       <p:sp>
         <p:nvSpPr>
-          <p:cNvPr id="130" name="Google Shape;130;p11"/>
-          <p:cNvSpPr txBox="1">
-            <a:spLocks noGrp="1"/>
-          </p:cNvSpPr>
+          <p:cNvPr id="125" name="Google Shape;125;g2ba4929e367_0_0"/>
+          <p:cNvSpPr txBox="1"/>
+          <p:nvPr>
+            <p:ph type="title"/>
+          </p:nvPr>
+        </p:nvSpPr>
+        <p:spPr>
+          <a:xfrm>
+            <a:off x="311700" y="445025"/>
+            <a:ext cx="8520600" cy="572700"/>
+          </a:xfrm>
+          <a:prstGeom prst="rect">
+            <a:avLst/>
+          </a:prstGeom>
+        </p:spPr>
+        <p:txBody>
+          <a:bodyPr anchorCtr="0" anchor="t" bIns="91425" lIns="91425" spcFirstLastPara="1" rIns="91425" wrap="square" tIns="91425">
+            <a:noAutofit/>
+          </a:bodyPr>
+          <a:lstStyle/>
+          <a:p>
+            <a:pPr indent="0" lvl="0" marL="0" rtl="0" algn="l">
+              <a:spcBef>
+                <a:spcPts val="0"/>
+              </a:spcBef>
+              <a:spcAft>
+                <a:spcPts val="0"/>
+              </a:spcAft>
+              <a:buNone/>
+            </a:pPr>
+            <a:r>
+              <a:rPr lang="en"/>
+              <a:t>Descriptive vs. Inferential Statistics</a:t>
+            </a:r>
+            <a:endParaRPr/>
+          </a:p>
+        </p:txBody>
+      </p:sp>
+      <p:sp>
+        <p:nvSpPr>
+          <p:cNvPr id="126" name="Google Shape;126;g2ba4929e367_0_0"/>
+          <p:cNvSpPr txBox="1"/>
+          <p:nvPr>
+            <p:ph idx="1" type="body"/>
+          </p:nvPr>
+        </p:nvSpPr>
+        <p:spPr>
+          <a:xfrm>
+            <a:off x="311700" y="1152475"/>
+            <a:ext cx="8520600" cy="3866400"/>
+          </a:xfrm>
+          <a:prstGeom prst="rect">
+            <a:avLst/>
+          </a:prstGeom>
+        </p:spPr>
+        <p:txBody>
+          <a:bodyPr anchorCtr="0" anchor="t" bIns="91425" lIns="91425" spcFirstLastPara="1" rIns="91425" wrap="square" tIns="91425">
+            <a:normAutofit fontScale="92500" lnSpcReduction="20000"/>
+          </a:bodyPr>
+          <a:lstStyle/>
+          <a:p>
+            <a:pPr indent="0" lvl="0" marL="0" rtl="0" algn="l">
+              <a:spcBef>
+                <a:spcPts val="0"/>
+              </a:spcBef>
+              <a:spcAft>
+                <a:spcPts val="0"/>
+              </a:spcAft>
+              <a:buNone/>
+            </a:pPr>
+            <a:r>
+              <a:rPr b="1" lang="en"/>
+              <a:t>Purpose</a:t>
+            </a:r>
+            <a:r>
+              <a:rPr lang="en"/>
+              <a:t>: Descriptive statistics aim to summarize data, while inferential statistics aim to make predictions or generalizations about a population from a sample.</a:t>
+            </a:r>
+            <a:endParaRPr/>
+          </a:p>
+          <a:p>
+            <a:pPr indent="0" lvl="0" marL="0" rtl="0" algn="l">
+              <a:spcBef>
+                <a:spcPts val="0"/>
+              </a:spcBef>
+              <a:spcAft>
+                <a:spcPts val="0"/>
+              </a:spcAft>
+              <a:buClr>
+                <a:schemeClr val="dk1"/>
+              </a:buClr>
+              <a:buSzPct val="61111"/>
+              <a:buFont typeface="Arial"/>
+              <a:buNone/>
+            </a:pPr>
+            <a:r>
+              <a:t/>
+            </a:r>
+            <a:endParaRPr/>
+          </a:p>
+          <a:p>
+            <a:pPr indent="0" lvl="0" marL="0" rtl="0" algn="l">
+              <a:spcBef>
+                <a:spcPts val="0"/>
+              </a:spcBef>
+              <a:spcAft>
+                <a:spcPts val="0"/>
+              </a:spcAft>
+              <a:buNone/>
+            </a:pPr>
+            <a:r>
+              <a:rPr b="1" lang="en"/>
+              <a:t>Data coverage</a:t>
+            </a:r>
+            <a:r>
+              <a:rPr lang="en"/>
+              <a:t>: Descriptive statistics deal with the entire dataset, whereas inferential statistics focus on samples from which to generalize about a population.</a:t>
+            </a:r>
+            <a:endParaRPr/>
+          </a:p>
+          <a:p>
+            <a:pPr indent="0" lvl="0" marL="0" rtl="0" algn="l">
+              <a:spcBef>
+                <a:spcPts val="0"/>
+              </a:spcBef>
+              <a:spcAft>
+                <a:spcPts val="0"/>
+              </a:spcAft>
+              <a:buClr>
+                <a:schemeClr val="dk1"/>
+              </a:buClr>
+              <a:buSzPct val="61111"/>
+              <a:buFont typeface="Arial"/>
+              <a:buNone/>
+            </a:pPr>
+            <a:r>
+              <a:t/>
+            </a:r>
+            <a:endParaRPr/>
+          </a:p>
+          <a:p>
+            <a:pPr indent="0" lvl="0" marL="0" rtl="0" algn="l">
+              <a:spcBef>
+                <a:spcPts val="0"/>
+              </a:spcBef>
+              <a:spcAft>
+                <a:spcPts val="0"/>
+              </a:spcAft>
+              <a:buNone/>
+            </a:pPr>
+            <a:r>
+              <a:rPr b="1" lang="en"/>
+              <a:t>Analysis outcome</a:t>
+            </a:r>
+            <a:r>
+              <a:rPr lang="en"/>
+              <a:t>: The outcome of descriptive statistics is a summary of data, while the outcome of inferential statistics is predictions, decisions, or inferences about population parameters.</a:t>
+            </a:r>
+            <a:endParaRPr/>
+          </a:p>
+          <a:p>
+            <a:pPr indent="0" lvl="0" marL="0" rtl="0" algn="l">
+              <a:spcBef>
+                <a:spcPts val="0"/>
+              </a:spcBef>
+              <a:spcAft>
+                <a:spcPts val="0"/>
+              </a:spcAft>
+              <a:buClr>
+                <a:schemeClr val="dk1"/>
+              </a:buClr>
+              <a:buSzPct val="61111"/>
+              <a:buFont typeface="Arial"/>
+              <a:buNone/>
+            </a:pPr>
+            <a:r>
+              <a:t/>
+            </a:r>
+            <a:endParaRPr/>
+          </a:p>
+          <a:p>
+            <a:pPr indent="0" lvl="0" marL="0" rtl="0" algn="l">
+              <a:spcBef>
+                <a:spcPts val="0"/>
+              </a:spcBef>
+              <a:spcAft>
+                <a:spcPts val="0"/>
+              </a:spcAft>
+              <a:buClr>
+                <a:schemeClr val="dk1"/>
+              </a:buClr>
+              <a:buSzPct val="61111"/>
+              <a:buFont typeface="Arial"/>
+              <a:buNone/>
+            </a:pPr>
+            <a:r>
+              <a:rPr b="1" lang="en"/>
+              <a:t>In summary</a:t>
+            </a:r>
+            <a:r>
+              <a:rPr lang="en"/>
+              <a:t>, descriptive statistics help describe, show, or summarize data in a meaningful way, allowing the data to be visualized easily, whereas inferential statistics take data from a sample and make inferences or predictions about a population.</a:t>
+            </a:r>
+            <a:endParaRPr/>
+          </a:p>
+          <a:p>
+            <a:pPr indent="0" lvl="0" marL="0" rtl="0" algn="l">
+              <a:spcBef>
+                <a:spcPts val="0"/>
+              </a:spcBef>
+              <a:spcAft>
+                <a:spcPts val="0"/>
+              </a:spcAft>
+              <a:buNone/>
+            </a:pPr>
+            <a:r>
+              <a:t/>
+            </a:r>
+            <a:endParaRPr/>
+          </a:p>
+        </p:txBody>
+      </p:sp>
+    </p:spTree>
+  </p:cSld>
+  <p:clrMapOvr>
+    <a:masterClrMapping/>
+  </p:clrMapOvr>
+</p:sld>
+</file>
+
+<file path=ppt/slides/slide11.xml><?xml version="1.0" encoding="utf-8"?>
+<p:sld xmlns:a="http://schemas.openxmlformats.org/drawingml/2006/main" xmlns:r="http://schemas.openxmlformats.org/officeDocument/2006/relationships" xmlns:mc="http://schemas.openxmlformats.org/markup-compatibility/2006" xmlns:mv="urn:schemas-microsoft-com:mac:vml" xmlns:p="http://schemas.openxmlformats.org/presentationml/2006/main" xmlns:c="http://schemas.openxmlformats.org/drawingml/2006/chart" xmlns:dgm="http://schemas.openxmlformats.org/drawingml/2006/diagram" xmlns:o="urn:schemas-microsoft-com:office:office" xmlns:v="urn:schemas-microsoft-com:vml" xmlns:pvml="urn:schemas-microsoft-com:office:powerpoint" xmlns:com="http://schemas.openxmlformats.org/drawingml/2006/compatibility" xmlns:p14="http://schemas.microsoft.com/office/powerpoint/2010/main" xmlns:p15="http://schemas.microsoft.com/office/powerpoint/2012/main" xmlns:ahyp="http://schemas.microsoft.com/office/drawing/2018/hyperlinkcolor">
+  <p:cSld>
+    <p:spTree>
+      <p:nvGrpSpPr>
+        <p:cNvPr id="130" name="Shape 130"/>
+        <p:cNvGrpSpPr/>
+        <p:nvPr/>
+      </p:nvGrpSpPr>
+      <p:grpSpPr>
+        <a:xfrm>
+          <a:off x="0" y="0"/>
+          <a:ext cx="0" cy="0"/>
+          <a:chOff x="0" y="0"/>
+          <a:chExt cx="0" cy="0"/>
+        </a:xfrm>
+      </p:grpSpPr>
+      <p:sp>
+        <p:nvSpPr>
+          <p:cNvPr id="131" name="Google Shape;131;p11"/>
+          <p:cNvSpPr txBox="1"/>
           <p:nvPr>
             <p:ph type="title"/>
           </p:nvPr>
@@ -9285,12 +10407,12 @@
           </a:ln>
         </p:spPr>
         <p:txBody>
-          <a:bodyPr spcFirstLastPara="1" wrap="square" lIns="91425" tIns="91425" rIns="91425" bIns="91425" anchor="t" anchorCtr="0">
+          <a:bodyPr anchorCtr="0" anchor="t" bIns="91425" lIns="91425" spcFirstLastPara="1" rIns="91425" wrap="square" tIns="91425">
             <a:noAutofit/>
           </a:bodyPr>
           <a:lstStyle/>
           <a:p>
-            <a:pPr marL="0" lvl="0" indent="0" algn="l" rtl="0">
+            <a:pPr indent="0" lvl="0" marL="0" rtl="0" algn="l">
               <a:lnSpc>
                 <a:spcPct val="100000"/>
               </a:lnSpc>
@@ -9314,12 +10436,10 @@
       </p:sp>
       <p:sp>
         <p:nvSpPr>
-          <p:cNvPr id="131" name="Google Shape;131;p11"/>
-          <p:cNvSpPr txBox="1">
-            <a:spLocks noGrp="1"/>
-          </p:cNvSpPr>
+          <p:cNvPr id="132" name="Google Shape;132;p11"/>
+          <p:cNvSpPr txBox="1"/>
           <p:nvPr>
-            <p:ph type="body" idx="1"/>
+            <p:ph idx="1" type="body"/>
           </p:nvPr>
         </p:nvSpPr>
         <p:spPr>
@@ -9336,12 +10456,12 @@
           </a:ln>
         </p:spPr>
         <p:txBody>
-          <a:bodyPr spcFirstLastPara="1" wrap="square" lIns="91425" tIns="91425" rIns="91425" bIns="91425" anchor="t" anchorCtr="0">
+          <a:bodyPr anchorCtr="0" anchor="t" bIns="91425" lIns="91425" spcFirstLastPara="1" rIns="91425" wrap="square" tIns="91425">
             <a:noAutofit/>
           </a:bodyPr>
           <a:lstStyle/>
           <a:p>
-            <a:pPr marL="0" lvl="0" indent="0" algn="l" rtl="0">
+            <a:pPr indent="0" lvl="0" marL="0" rtl="0" algn="l">
               <a:lnSpc>
                 <a:spcPct val="115000"/>
               </a:lnSpc>
@@ -9359,21 +10479,21 @@
               <a:buNone/>
             </a:pPr>
             <a:r>
-              <a:rPr lang="en" sz="1200" b="1">
+              <a:rPr b="1" lang="en" sz="1200">
                 <a:solidFill>
                   <a:schemeClr val="dk1"/>
                 </a:solidFill>
               </a:rPr>
               <a:t>How do we ask the right questions?</a:t>
             </a:r>
-            <a:endParaRPr sz="1200" b="1">
+            <a:endParaRPr b="1" sz="1200">
               <a:solidFill>
                 <a:schemeClr val="dk1"/>
               </a:solidFill>
             </a:endParaRPr>
           </a:p>
           <a:p>
-            <a:pPr marL="0" lvl="0" indent="0" algn="l" rtl="0">
+            <a:pPr indent="0" lvl="0" marL="0" rtl="0" algn="l">
               <a:lnSpc>
                 <a:spcPct val="115000"/>
               </a:lnSpc>
@@ -9391,7 +10511,7 @@
               <a:buNone/>
             </a:pPr>
             <a:r>
-              <a:rPr lang="en" b="1">
+              <a:rPr b="1" lang="en">
                 <a:solidFill>
                   <a:schemeClr val="dk1"/>
                 </a:solidFill>
@@ -9413,7 +10533,7 @@
             </a:endParaRPr>
           </a:p>
           <a:p>
-            <a:pPr marL="0" lvl="0" indent="0" algn="l" rtl="0">
+            <a:pPr indent="0" lvl="0" marL="0" rtl="0" algn="l">
               <a:lnSpc>
                 <a:spcPct val="115000"/>
               </a:lnSpc>
@@ -9439,7 +10559,7 @@
               <a:t>Knowledge cannot be generated in a vacuum.  You need the context of a domain in order to generate new insights. E.g. bioinformatics, climate modeling, sales forecasting, </a:t>
             </a:r>
             <a:r>
-              <a:rPr lang="en" sz="1100" i="1">
+              <a:rPr i="1" lang="en" sz="1100">
                 <a:solidFill>
                   <a:schemeClr val="dk1"/>
                 </a:solidFill>
@@ -9461,7 +10581,7 @@
             </a:endParaRPr>
           </a:p>
           <a:p>
-            <a:pPr marL="0" lvl="0" indent="0" algn="l" rtl="0">
+            <a:pPr indent="0" lvl="0" marL="0" rtl="0" algn="l">
               <a:lnSpc>
                 <a:spcPct val="115000"/>
               </a:lnSpc>
@@ -9493,7 +10613,7 @@
             </a:endParaRPr>
           </a:p>
           <a:p>
-            <a:pPr marL="0" lvl="0" indent="0" algn="l" rtl="0">
+            <a:pPr indent="0" lvl="0" marL="0" rtl="0" algn="l">
               <a:lnSpc>
                 <a:spcPct val="115000"/>
               </a:lnSpc>
@@ -9507,13 +10627,16 @@
               <a:buFont typeface="Arial"/>
               <a:buNone/>
             </a:pPr>
+            <a:r>
+              <a:t/>
+            </a:r>
             <a:endParaRPr/>
           </a:p>
         </p:txBody>
       </p:sp>
       <p:sp>
         <p:nvSpPr>
-          <p:cNvPr id="132" name="Google Shape;132;p11"/>
+          <p:cNvPr id="133" name="Google Shape;133;p11"/>
           <p:cNvSpPr txBox="1"/>
           <p:nvPr/>
         </p:nvSpPr>
@@ -9531,12 +10654,12 @@
           </a:ln>
         </p:spPr>
         <p:txBody>
-          <a:bodyPr spcFirstLastPara="1" wrap="square" lIns="91425" tIns="91425" rIns="91425" bIns="91425" anchor="t" anchorCtr="0">
+          <a:bodyPr anchorCtr="0" anchor="t" bIns="91425" lIns="91425" spcFirstLastPara="1" rIns="91425" wrap="square" tIns="91425">
             <a:noAutofit/>
           </a:bodyPr>
           <a:lstStyle/>
           <a:p>
-            <a:pPr marL="0" marR="0" lvl="0" indent="0" algn="l" rtl="0">
+            <a:pPr indent="0" lvl="0" marL="0" marR="0" rtl="0" algn="l">
               <a:lnSpc>
                 <a:spcPct val="115000"/>
               </a:lnSpc>
@@ -9554,7 +10677,7 @@
               <a:buNone/>
             </a:pPr>
             <a:r>
-              <a:rPr lang="en" sz="1400" b="1" i="0" u="none" strike="noStrike" cap="none">
+              <a:rPr b="1" i="0" lang="en" sz="1400" u="none" cap="none" strike="noStrike">
                 <a:solidFill>
                   <a:schemeClr val="dk1"/>
                 </a:solidFill>
@@ -9565,7 +10688,7 @@
               </a:rPr>
               <a:t>☞ Data science is the discipline of the extraction of knowledge from data.</a:t>
             </a:r>
-            <a:endParaRPr sz="1400" b="1" i="0" u="none" strike="noStrike" cap="none">
+            <a:endParaRPr b="1" i="0" sz="1400" u="none" cap="none" strike="noStrike">
               <a:solidFill>
                 <a:srgbClr val="000000"/>
               </a:solidFill>
@@ -9579,7 +10702,7 @@
       </p:sp>
       <p:pic>
         <p:nvPicPr>
-          <p:cNvPr id="133" name="Google Shape;133;p11"/>
+          <p:cNvPr id="134" name="Google Shape;134;p11"/>
           <p:cNvPicPr preferRelativeResize="0"/>
           <p:nvPr/>
         </p:nvPicPr>
@@ -9587,7 +10710,7 @@
           <a:blip r:embed="rId3">
             <a:alphaModFix/>
           </a:blip>
-          <a:srcRect/>
+          <a:srcRect b="0" l="0" r="0" t="0"/>
           <a:stretch/>
         </p:blipFill>
         <p:spPr>
@@ -9606,7 +10729,7 @@
       </p:pic>
       <p:sp>
         <p:nvSpPr>
-          <p:cNvPr id="134" name="Google Shape;134;p11"/>
+          <p:cNvPr id="135" name="Google Shape;135;p11"/>
           <p:cNvSpPr/>
           <p:nvPr/>
         </p:nvSpPr>
@@ -9617,30 +10740,30 @@
           </a:xfrm>
           <a:prstGeom prst="rightArrow">
             <a:avLst>
-              <a:gd name="adj1" fmla="val 50000"/>
-              <a:gd name="adj2" fmla="val 50000"/>
+              <a:gd fmla="val 50000" name="adj1"/>
+              <a:gd fmla="val 50000" name="adj2"/>
             </a:avLst>
           </a:prstGeom>
           <a:solidFill>
             <a:srgbClr val="FF0000"/>
           </a:solidFill>
-          <a:ln w="9525" cap="flat" cmpd="sng">
+          <a:ln cap="flat" cmpd="sng" w="9525">
             <a:solidFill>
               <a:schemeClr val="dk2"/>
             </a:solidFill>
             <a:prstDash val="solid"/>
             <a:round/>
-            <a:headEnd type="none" w="sm" len="sm"/>
-            <a:tailEnd type="none" w="sm" len="sm"/>
+            <a:headEnd len="sm" w="sm" type="none"/>
+            <a:tailEnd len="sm" w="sm" type="none"/>
           </a:ln>
         </p:spPr>
         <p:txBody>
-          <a:bodyPr spcFirstLastPara="1" wrap="square" lIns="91425" tIns="91425" rIns="91425" bIns="91425" anchor="ctr" anchorCtr="0">
+          <a:bodyPr anchorCtr="0" anchor="ctr" bIns="91425" lIns="91425" spcFirstLastPara="1" rIns="91425" wrap="square" tIns="91425">
             <a:noAutofit/>
           </a:bodyPr>
           <a:lstStyle/>
           <a:p>
-            <a:pPr marL="0" marR="0" lvl="0" indent="0" algn="l" rtl="0">
+            <a:pPr indent="0" lvl="0" marL="0" marR="0" rtl="0" algn="l">
               <a:lnSpc>
                 <a:spcPct val="100000"/>
               </a:lnSpc>
@@ -9657,7 +10780,10 @@
               <a:buFont typeface="Arial"/>
               <a:buNone/>
             </a:pPr>
-            <a:endParaRPr sz="1400" b="0" i="0" u="none" strike="noStrike" cap="none">
+            <a:r>
+              <a:t/>
+            </a:r>
+            <a:endParaRPr b="0" i="0" sz="1400" u="none" cap="none" strike="noStrike">
               <a:solidFill>
                 <a:srgbClr val="000000"/>
               </a:solidFill>
@@ -9678,11 +10804,11 @@
 </file>
 
 <file path=ppt/slides/slide2.xml><?xml version="1.0" encoding="utf-8"?>
-<p:sld xmlns:a="http://schemas.openxmlformats.org/drawingml/2006/main" xmlns:r="http://schemas.openxmlformats.org/officeDocument/2006/relationships" xmlns:p="http://schemas.openxmlformats.org/presentationml/2006/main">
+<p:sld xmlns:a="http://schemas.openxmlformats.org/drawingml/2006/main" xmlns:r="http://schemas.openxmlformats.org/officeDocument/2006/relationships" xmlns:mc="http://schemas.openxmlformats.org/markup-compatibility/2006" xmlns:mv="urn:schemas-microsoft-com:mac:vml" xmlns:p="http://schemas.openxmlformats.org/presentationml/2006/main" xmlns:c="http://schemas.openxmlformats.org/drawingml/2006/chart" xmlns:dgm="http://schemas.openxmlformats.org/drawingml/2006/diagram" xmlns:o="urn:schemas-microsoft-com:office:office" xmlns:v="urn:schemas-microsoft-com:vml" xmlns:pvml="urn:schemas-microsoft-com:office:powerpoint" xmlns:com="http://schemas.openxmlformats.org/drawingml/2006/compatibility" xmlns:p14="http://schemas.microsoft.com/office/powerpoint/2010/main" xmlns:p15="http://schemas.microsoft.com/office/powerpoint/2012/main" xmlns:ahyp="http://schemas.microsoft.com/office/drawing/2018/hyperlinkcolor">
   <p:cSld>
     <p:spTree>
       <p:nvGrpSpPr>
-        <p:cNvPr id="1" name="Shape 60"/>
+        <p:cNvPr id="60" name="Shape 60"/>
         <p:cNvGrpSpPr/>
         <p:nvPr/>
       </p:nvGrpSpPr>
@@ -9697,9 +10823,7 @@
       <p:sp>
         <p:nvSpPr>
           <p:cNvPr id="61" name="Google Shape;61;p2"/>
-          <p:cNvSpPr txBox="1">
-            <a:spLocks noGrp="1"/>
-          </p:cNvSpPr>
+          <p:cNvSpPr txBox="1"/>
           <p:nvPr>
             <p:ph type="title"/>
           </p:nvPr>
@@ -9718,12 +10842,12 @@
           </a:ln>
         </p:spPr>
         <p:txBody>
-          <a:bodyPr spcFirstLastPara="1" wrap="square" lIns="91425" tIns="91425" rIns="91425" bIns="91425" anchor="t" anchorCtr="0">
+          <a:bodyPr anchorCtr="0" anchor="t" bIns="91425" lIns="91425" spcFirstLastPara="1" rIns="91425" wrap="square" tIns="91425">
             <a:noAutofit/>
           </a:bodyPr>
           <a:lstStyle/>
           <a:p>
-            <a:pPr marL="0" lvl="0" indent="0" algn="l" rtl="0">
+            <a:pPr indent="0" lvl="0" marL="0" rtl="0" algn="l">
               <a:lnSpc>
                 <a:spcPct val="100000"/>
               </a:lnSpc>
@@ -9748,11 +10872,9 @@
       <p:sp>
         <p:nvSpPr>
           <p:cNvPr id="62" name="Google Shape;62;p2"/>
-          <p:cNvSpPr txBox="1">
-            <a:spLocks noGrp="1"/>
-          </p:cNvSpPr>
+          <p:cNvSpPr txBox="1"/>
           <p:nvPr>
-            <p:ph type="body" idx="1"/>
+            <p:ph idx="1" type="body"/>
           </p:nvPr>
         </p:nvSpPr>
         <p:spPr>
@@ -9769,12 +10891,12 @@
           </a:ln>
         </p:spPr>
         <p:txBody>
-          <a:bodyPr spcFirstLastPara="1" wrap="square" lIns="91425" tIns="91425" rIns="91425" bIns="91425" anchor="t" anchorCtr="0">
+          <a:bodyPr anchorCtr="0" anchor="t" bIns="91425" lIns="91425" spcFirstLastPara="1" rIns="91425" wrap="square" tIns="91425">
             <a:noAutofit/>
           </a:bodyPr>
           <a:lstStyle/>
           <a:p>
-            <a:pPr marL="457200" lvl="0" indent="-317500" algn="l" rtl="0">
+            <a:pPr indent="-317500" lvl="0" marL="457200" rtl="0" algn="l">
               <a:lnSpc>
                 <a:spcPct val="115000"/>
               </a:lnSpc>
@@ -9789,7 +10911,7 @@
               <a:buChar char="●"/>
             </a:pPr>
             <a:r>
-              <a:rPr lang="en" u="sng" dirty="0">
+              <a:rPr lang="en" u="sng">
                 <a:solidFill>
                   <a:schemeClr val="hlink"/>
                 </a:solidFill>
@@ -9797,10 +10919,10 @@
               </a:rPr>
               <a:t>Dr Lutz Hamel</a:t>
             </a:r>
-            <a:endParaRPr dirty="0"/>
+            <a:endParaRPr/>
           </a:p>
           <a:p>
-            <a:pPr marL="457200" lvl="0" indent="-317500" algn="l" rtl="0">
+            <a:pPr indent="-317500" lvl="0" marL="457200" rtl="0" algn="l">
               <a:lnSpc>
                 <a:spcPct val="115000"/>
               </a:lnSpc>
@@ -9815,13 +10937,13 @@
               <a:buChar char="●"/>
             </a:pPr>
             <a:r>
-              <a:rPr lang="en" dirty="0"/>
+              <a:rPr lang="en"/>
               <a:t>Best way to get in touch - email:</a:t>
             </a:r>
-            <a:endParaRPr dirty="0"/>
+            <a:endParaRPr/>
           </a:p>
           <a:p>
-            <a:pPr marL="914400" lvl="1" indent="-304800" algn="l" rtl="0">
+            <a:pPr indent="-304800" lvl="1" marL="914400" rtl="0" algn="l">
               <a:lnSpc>
                 <a:spcPct val="115000"/>
               </a:lnSpc>
@@ -9836,7 +10958,7 @@
               <a:buChar char="○"/>
             </a:pPr>
             <a:r>
-              <a:rPr lang="en" u="sng" dirty="0">
+              <a:rPr lang="en" u="sng">
                 <a:solidFill>
                   <a:schemeClr val="hlink"/>
                 </a:solidFill>
@@ -9844,10 +10966,10 @@
               </a:rPr>
               <a:t>lutzhamel@uri.edu</a:t>
             </a:r>
-            <a:endParaRPr dirty="0"/>
+            <a:endParaRPr/>
           </a:p>
           <a:p>
-            <a:pPr marL="457200" lvl="0" indent="-317500" algn="l" rtl="0">
+            <a:pPr indent="-317500" lvl="0" marL="457200" rtl="0" algn="l">
               <a:lnSpc>
                 <a:spcPct val="115000"/>
               </a:lnSpc>
@@ -9862,13 +10984,13 @@
               <a:buChar char="●"/>
             </a:pPr>
             <a:r>
-              <a:rPr lang="en" dirty="0"/>
+              <a:rPr lang="en"/>
               <a:t>Everything is online</a:t>
             </a:r>
-            <a:endParaRPr dirty="0"/>
+            <a:endParaRPr/>
           </a:p>
           <a:p>
-            <a:pPr marL="914400" lvl="1" indent="-304800" algn="l" rtl="0">
+            <a:pPr indent="-304800" lvl="1" marL="914400" rtl="0" algn="l">
               <a:lnSpc>
                 <a:spcPct val="115000"/>
               </a:lnSpc>
@@ -9883,26 +11005,34 @@
               <a:buChar char="○"/>
             </a:pPr>
             <a:r>
-              <a:rPr lang="en" dirty="0"/>
+              <a:rPr lang="en"/>
               <a:t>Assignments &amp; Gradebook &amp; Syllabus</a:t>
             </a:r>
+            <a:endParaRPr/>
           </a:p>
           <a:p>
-            <a:pPr lvl="2">
-              <a:spcBef>
-                <a:spcPts val="0"/>
-              </a:spcBef>
+            <a:pPr indent="-304800" lvl="2" marL="1371600" rtl="0" algn="l">
+              <a:lnSpc>
+                <a:spcPct val="115000"/>
+              </a:lnSpc>
+              <a:spcBef>
+                <a:spcPts val="0"/>
+              </a:spcBef>
+              <a:spcAft>
+                <a:spcPts val="0"/>
+              </a:spcAft>
+              <a:buSzPts val="1200"/>
               <a:buFont typeface="Arial"/>
               <a:buChar char="○"/>
             </a:pPr>
             <a:r>
-              <a:rPr lang="en-US" dirty="0" err="1"/>
+              <a:rPr lang="en"/>
               <a:t>BrightSpace</a:t>
             </a:r>
-            <a:endParaRPr dirty="0"/>
+            <a:endParaRPr/>
           </a:p>
           <a:p>
-            <a:pPr marL="914400" lvl="1" indent="-304800" algn="l" rtl="0">
+            <a:pPr indent="-304800" lvl="1" marL="914400" rtl="0" algn="l">
               <a:lnSpc>
                 <a:spcPct val="115000"/>
               </a:lnSpc>
@@ -9917,52 +11047,82 @@
               <a:buChar char="○"/>
             </a:pPr>
             <a:r>
-              <a:rPr lang="en" dirty="0"/>
+              <a:rPr lang="en"/>
               <a:t>Lecture Notes</a:t>
             </a:r>
+            <a:endParaRPr/>
           </a:p>
           <a:p>
-            <a:pPr lvl="2">
-              <a:spcBef>
-                <a:spcPts val="0"/>
-              </a:spcBef>
+            <a:pPr indent="-304800" lvl="2" marL="1371600" rtl="0" algn="l">
+              <a:lnSpc>
+                <a:spcPct val="115000"/>
+              </a:lnSpc>
+              <a:spcBef>
+                <a:spcPts val="0"/>
+              </a:spcBef>
+              <a:spcAft>
+                <a:spcPts val="0"/>
+              </a:spcAft>
+              <a:buSzPts val="1200"/>
               <a:buFont typeface="Arial"/>
               <a:buChar char="○"/>
             </a:pPr>
             <a:r>
-              <a:rPr lang="en-US" dirty="0">
+              <a:rPr lang="en" u="sng">
+                <a:solidFill>
+                  <a:schemeClr val="hlink"/>
+                </a:solidFill>
                 <a:hlinkClick r:id="rId5"/>
               </a:rPr>
               <a:t>https://lutzhamel.github.io/CSC310/</a:t>
             </a:r>
-            <a:endParaRPr lang="en-US" dirty="0"/>
+            <a:endParaRPr/>
           </a:p>
           <a:p>
-            <a:pPr lvl="1">
-              <a:spcBef>
-                <a:spcPts val="0"/>
-              </a:spcBef>
-            </a:pPr>
-            <a:r>
-              <a:rPr lang="en" dirty="0"/>
-              <a:t>Book</a:t>
-            </a:r>
-          </a:p>
-          <a:p>
-            <a:pPr lvl="2">
-              <a:spcBef>
-                <a:spcPts val="0"/>
-              </a:spcBef>
-              <a:buFont typeface="Arial"/>
+            <a:pPr indent="-304800" lvl="1" marL="914400" rtl="0" algn="l">
+              <a:lnSpc>
+                <a:spcPct val="115000"/>
+              </a:lnSpc>
+              <a:spcBef>
+                <a:spcPts val="0"/>
+              </a:spcBef>
+              <a:spcAft>
+                <a:spcPts val="0"/>
+              </a:spcAft>
+              <a:buSzPts val="1200"/>
               <a:buChar char="○"/>
             </a:pPr>
             <a:r>
-              <a:rPr lang="en" dirty="0">
+              <a:rPr lang="en"/>
+              <a:t>Book</a:t>
+            </a:r>
+            <a:endParaRPr/>
+          </a:p>
+          <a:p>
+            <a:pPr indent="-304800" lvl="2" marL="1371600" rtl="0" algn="l">
+              <a:lnSpc>
+                <a:spcPct val="115000"/>
+              </a:lnSpc>
+              <a:spcBef>
+                <a:spcPts val="0"/>
+              </a:spcBef>
+              <a:spcAft>
+                <a:spcPts val="0"/>
+              </a:spcAft>
+              <a:buSzPts val="1200"/>
+              <a:buFont typeface="Arial"/>
+              <a:buChar char="○"/>
+            </a:pPr>
+            <a:r>
+              <a:rPr lang="en" u="sng">
+                <a:solidFill>
+                  <a:schemeClr val="hlink"/>
+                </a:solidFill>
                 <a:hlinkClick r:id="rId6"/>
               </a:rPr>
               <a:t>Python Data Science Handbook</a:t>
             </a:r>
-            <a:endParaRPr lang="en" dirty="0"/>
+            <a:endParaRPr/>
           </a:p>
         </p:txBody>
       </p:sp>
@@ -9976,7 +11136,7 @@
           <a:blip r:embed="rId7">
             <a:alphaModFix/>
           </a:blip>
-          <a:srcRect/>
+          <a:srcRect b="0" l="0" r="0" t="0"/>
           <a:stretch/>
         </p:blipFill>
         <p:spPr>
@@ -10002,11 +11162,11 @@
 </file>
 
 <file path=ppt/slides/slide3.xml><?xml version="1.0" encoding="utf-8"?>
-<p:sld xmlns:a="http://schemas.openxmlformats.org/drawingml/2006/main" xmlns:r="http://schemas.openxmlformats.org/officeDocument/2006/relationships" xmlns:p="http://schemas.openxmlformats.org/presentationml/2006/main">
+<p:sld xmlns:a="http://schemas.openxmlformats.org/drawingml/2006/main" xmlns:r="http://schemas.openxmlformats.org/officeDocument/2006/relationships" xmlns:mc="http://schemas.openxmlformats.org/markup-compatibility/2006" xmlns:mv="urn:schemas-microsoft-com:mac:vml" xmlns:p="http://schemas.openxmlformats.org/presentationml/2006/main" xmlns:c="http://schemas.openxmlformats.org/drawingml/2006/chart" xmlns:dgm="http://schemas.openxmlformats.org/drawingml/2006/diagram" xmlns:o="urn:schemas-microsoft-com:office:office" xmlns:v="urn:schemas-microsoft-com:vml" xmlns:pvml="urn:schemas-microsoft-com:office:powerpoint" xmlns:com="http://schemas.openxmlformats.org/drawingml/2006/compatibility" xmlns:p14="http://schemas.microsoft.com/office/powerpoint/2010/main" xmlns:p15="http://schemas.microsoft.com/office/powerpoint/2012/main" xmlns:ahyp="http://schemas.microsoft.com/office/drawing/2018/hyperlinkcolor">
   <p:cSld>
     <p:spTree>
       <p:nvGrpSpPr>
-        <p:cNvPr id="1" name="Shape 67"/>
+        <p:cNvPr id="67" name="Shape 67"/>
         <p:cNvGrpSpPr/>
         <p:nvPr/>
       </p:nvGrpSpPr>
@@ -10021,9 +11181,7 @@
       <p:sp>
         <p:nvSpPr>
           <p:cNvPr id="68" name="Google Shape;68;p3"/>
-          <p:cNvSpPr txBox="1">
-            <a:spLocks noGrp="1"/>
-          </p:cNvSpPr>
+          <p:cNvSpPr txBox="1"/>
           <p:nvPr>
             <p:ph type="title"/>
           </p:nvPr>
@@ -10042,12 +11200,12 @@
           </a:ln>
         </p:spPr>
         <p:txBody>
-          <a:bodyPr spcFirstLastPara="1" wrap="square" lIns="91425" tIns="91425" rIns="91425" bIns="91425" anchor="t" anchorCtr="0">
+          <a:bodyPr anchorCtr="0" anchor="t" bIns="91425" lIns="91425" spcFirstLastPara="1" rIns="91425" wrap="square" tIns="91425">
             <a:noAutofit/>
           </a:bodyPr>
           <a:lstStyle/>
           <a:p>
-            <a:pPr marL="0" lvl="0" indent="0" algn="l" rtl="0">
+            <a:pPr indent="0" lvl="0" marL="0" rtl="0" algn="l">
               <a:lnSpc>
                 <a:spcPct val="100000"/>
               </a:lnSpc>
@@ -10072,11 +11230,9 @@
       <p:sp>
         <p:nvSpPr>
           <p:cNvPr id="69" name="Google Shape;69;p3"/>
-          <p:cNvSpPr txBox="1">
-            <a:spLocks noGrp="1"/>
-          </p:cNvSpPr>
+          <p:cNvSpPr txBox="1"/>
           <p:nvPr>
-            <p:ph type="body" idx="1"/>
+            <p:ph idx="1" type="body"/>
           </p:nvPr>
         </p:nvSpPr>
         <p:spPr>
@@ -10093,12 +11249,12 @@
           </a:ln>
         </p:spPr>
         <p:txBody>
-          <a:bodyPr spcFirstLastPara="1" wrap="square" lIns="91425" tIns="91425" rIns="91425" bIns="91425" anchor="t" anchorCtr="0">
+          <a:bodyPr anchorCtr="0" anchor="t" bIns="91425" lIns="91425" spcFirstLastPara="1" rIns="91425" wrap="square" tIns="91425">
             <a:noAutofit/>
           </a:bodyPr>
           <a:lstStyle/>
           <a:p>
-            <a:pPr marL="0" lvl="0" indent="0" algn="l" rtl="0">
+            <a:pPr indent="0" lvl="0" marL="0" rtl="0" algn="l">
               <a:lnSpc>
                 <a:spcPct val="100000"/>
               </a:lnSpc>
@@ -10127,7 +11283,7 @@
             </a:endParaRPr>
           </a:p>
           <a:p>
-            <a:pPr marL="457200" lvl="0" indent="-304800" algn="l" rtl="0">
+            <a:pPr indent="-304800" lvl="0" marL="457200" rtl="0" algn="l">
               <a:lnSpc>
                 <a:spcPct val="115000"/>
               </a:lnSpc>
@@ -10159,7 +11315,7 @@
             </a:endParaRPr>
           </a:p>
           <a:p>
-            <a:pPr marL="914400" lvl="1" indent="-304800" algn="l" rtl="0">
+            <a:pPr indent="-304800" lvl="1" marL="914400" rtl="0" algn="l">
               <a:lnSpc>
                 <a:spcPct val="115000"/>
               </a:lnSpc>
@@ -10191,7 +11347,7 @@
             </a:endParaRPr>
           </a:p>
           <a:p>
-            <a:pPr marL="457200" lvl="0" indent="-304800" algn="l" rtl="0">
+            <a:pPr indent="-304800" lvl="0" marL="457200" rtl="0" algn="l">
               <a:lnSpc>
                 <a:spcPct val="115000"/>
               </a:lnSpc>
@@ -10223,7 +11379,7 @@
             </a:endParaRPr>
           </a:p>
           <a:p>
-            <a:pPr marL="914400" lvl="1" indent="-304800" algn="l" rtl="0">
+            <a:pPr indent="-304800" lvl="1" marL="914400" rtl="0" algn="l">
               <a:lnSpc>
                 <a:spcPct val="115000"/>
               </a:lnSpc>
@@ -10271,7 +11427,7 @@
             </a:endParaRPr>
           </a:p>
           <a:p>
-            <a:pPr marL="457200" lvl="0" indent="-304800" algn="l" rtl="0">
+            <a:pPr indent="-304800" lvl="0" marL="457200" rtl="0" algn="l">
               <a:lnSpc>
                 <a:spcPct val="115000"/>
               </a:lnSpc>
@@ -10303,7 +11459,7 @@
             </a:endParaRPr>
           </a:p>
           <a:p>
-            <a:pPr marL="914400" lvl="1" indent="-304800" algn="l" rtl="0">
+            <a:pPr indent="-304800" lvl="1" marL="914400" rtl="0" algn="l">
               <a:lnSpc>
                 <a:spcPct val="115000"/>
               </a:lnSpc>
@@ -10335,7 +11491,7 @@
             </a:endParaRPr>
           </a:p>
           <a:p>
-            <a:pPr marL="0" lvl="0" indent="0" algn="l" rtl="0">
+            <a:pPr indent="0" lvl="0" marL="0" rtl="0" algn="l">
               <a:lnSpc>
                 <a:spcPct val="115000"/>
               </a:lnSpc>
@@ -10367,7 +11523,7 @@
             </a:endParaRPr>
           </a:p>
           <a:p>
-            <a:pPr marL="0" lvl="0" indent="0" algn="l" rtl="0">
+            <a:pPr indent="0" lvl="0" marL="0" rtl="0" algn="l">
               <a:lnSpc>
                 <a:spcPct val="115000"/>
               </a:lnSpc>
@@ -10399,7 +11555,7 @@
             </a:endParaRPr>
           </a:p>
           <a:p>
-            <a:pPr marL="0" lvl="0" indent="0" algn="l" rtl="0">
+            <a:pPr indent="0" lvl="0" marL="0" rtl="0" algn="l">
               <a:lnSpc>
                 <a:spcPct val="115000"/>
               </a:lnSpc>
@@ -10431,7 +11587,7 @@
             </a:endParaRPr>
           </a:p>
           <a:p>
-            <a:pPr marL="0" lvl="0" indent="0" algn="l" rtl="0">
+            <a:pPr indent="0" lvl="0" marL="0" rtl="0" algn="l">
               <a:lnSpc>
                 <a:spcPct val="115000"/>
               </a:lnSpc>
@@ -10445,6 +11601,9 @@
               <a:buFont typeface="Arial"/>
               <a:buNone/>
             </a:pPr>
+            <a:r>
+              <a:t/>
+            </a:r>
             <a:endParaRPr/>
           </a:p>
         </p:txBody>
@@ -10469,12 +11628,12 @@
           </a:ln>
         </p:spPr>
         <p:txBody>
-          <a:bodyPr spcFirstLastPara="1" wrap="square" lIns="91425" tIns="91425" rIns="91425" bIns="91425" anchor="t" anchorCtr="0">
+          <a:bodyPr anchorCtr="0" anchor="t" bIns="91425" lIns="91425" spcFirstLastPara="1" rIns="91425" wrap="square" tIns="91425">
             <a:noAutofit/>
           </a:bodyPr>
           <a:lstStyle/>
           <a:p>
-            <a:pPr marL="0" marR="0" lvl="0" indent="0" algn="l" rtl="0">
+            <a:pPr indent="0" lvl="0" marL="0" marR="0" rtl="0" algn="l">
               <a:lnSpc>
                 <a:spcPct val="115000"/>
               </a:lnSpc>
@@ -10492,7 +11651,7 @@
               <a:buNone/>
             </a:pPr>
             <a:r>
-              <a:rPr lang="en" sz="1400" b="1" i="0" u="none" strike="noStrike" cap="none">
+              <a:rPr b="1" i="0" lang="en" sz="1400" u="none" cap="none" strike="noStrike">
                 <a:solidFill>
                   <a:schemeClr val="dk1"/>
                 </a:solidFill>
@@ -10503,7 +11662,7 @@
               </a:rPr>
               <a:t>☞ Data science is the discipline of the extraction of knowledge from data.</a:t>
             </a:r>
-            <a:endParaRPr sz="1400" b="1" i="0" u="none" strike="noStrike" cap="none">
+            <a:endParaRPr b="1" i="0" sz="1400" u="none" cap="none" strike="noStrike">
               <a:solidFill>
                 <a:srgbClr val="000000"/>
               </a:solidFill>
@@ -10525,7 +11684,7 @@
           <a:blip r:embed="rId3">
             <a:alphaModFix/>
           </a:blip>
-          <a:srcRect/>
+          <a:srcRect b="0" l="0" r="0" t="0"/>
           <a:stretch/>
         </p:blipFill>
         <p:spPr>
@@ -10551,11 +11710,11 @@
 </file>
 
 <file path=ppt/slides/slide4.xml><?xml version="1.0" encoding="utf-8"?>
-<p:sld xmlns:a="http://schemas.openxmlformats.org/drawingml/2006/main" xmlns:r="http://schemas.openxmlformats.org/officeDocument/2006/relationships" xmlns:p="http://schemas.openxmlformats.org/presentationml/2006/main">
+<p:sld xmlns:a="http://schemas.openxmlformats.org/drawingml/2006/main" xmlns:r="http://schemas.openxmlformats.org/officeDocument/2006/relationships" xmlns:mc="http://schemas.openxmlformats.org/markup-compatibility/2006" xmlns:mv="urn:schemas-microsoft-com:mac:vml" xmlns:p="http://schemas.openxmlformats.org/presentationml/2006/main" xmlns:c="http://schemas.openxmlformats.org/drawingml/2006/chart" xmlns:dgm="http://schemas.openxmlformats.org/drawingml/2006/diagram" xmlns:o="urn:schemas-microsoft-com:office:office" xmlns:v="urn:schemas-microsoft-com:vml" xmlns:pvml="urn:schemas-microsoft-com:office:powerpoint" xmlns:com="http://schemas.openxmlformats.org/drawingml/2006/compatibility" xmlns:p14="http://schemas.microsoft.com/office/powerpoint/2010/main" xmlns:p15="http://schemas.microsoft.com/office/powerpoint/2012/main" xmlns:ahyp="http://schemas.microsoft.com/office/drawing/2018/hyperlinkcolor">
   <p:cSld>
     <p:spTree>
       <p:nvGrpSpPr>
-        <p:cNvPr id="1" name="Shape 75"/>
+        <p:cNvPr id="75" name="Shape 75"/>
         <p:cNvGrpSpPr/>
         <p:nvPr/>
       </p:nvGrpSpPr>
@@ -10570,9 +11729,7 @@
       <p:sp>
         <p:nvSpPr>
           <p:cNvPr id="76" name="Google Shape;76;p4"/>
-          <p:cNvSpPr txBox="1">
-            <a:spLocks noGrp="1"/>
-          </p:cNvSpPr>
+          <p:cNvSpPr txBox="1"/>
           <p:nvPr>
             <p:ph type="title"/>
           </p:nvPr>
@@ -10591,12 +11748,12 @@
           </a:ln>
         </p:spPr>
         <p:txBody>
-          <a:bodyPr spcFirstLastPara="1" wrap="square" lIns="91425" tIns="91425" rIns="91425" bIns="91425" anchor="t" anchorCtr="0">
+          <a:bodyPr anchorCtr="0" anchor="t" bIns="91425" lIns="91425" spcFirstLastPara="1" rIns="91425" wrap="square" tIns="91425">
             <a:noAutofit/>
           </a:bodyPr>
           <a:lstStyle/>
           <a:p>
-            <a:pPr marL="0" lvl="0" indent="0" algn="l" rtl="0">
+            <a:pPr indent="0" lvl="0" marL="0" rtl="0" algn="l">
               <a:lnSpc>
                 <a:spcPct val="100000"/>
               </a:lnSpc>
@@ -10621,11 +11778,9 @@
       <p:sp>
         <p:nvSpPr>
           <p:cNvPr id="77" name="Google Shape;77;p4"/>
-          <p:cNvSpPr txBox="1">
-            <a:spLocks noGrp="1"/>
-          </p:cNvSpPr>
+          <p:cNvSpPr txBox="1"/>
           <p:nvPr>
-            <p:ph type="body" idx="1"/>
+            <p:ph idx="1" type="body"/>
           </p:nvPr>
         </p:nvSpPr>
         <p:spPr>
@@ -10642,12 +11797,12 @@
           </a:ln>
         </p:spPr>
         <p:txBody>
-          <a:bodyPr spcFirstLastPara="1" wrap="square" lIns="91425" tIns="91425" rIns="91425" bIns="91425" anchor="t" anchorCtr="0">
+          <a:bodyPr anchorCtr="0" anchor="t" bIns="91425" lIns="91425" spcFirstLastPara="1" rIns="91425" wrap="square" tIns="91425">
             <a:noAutofit/>
           </a:bodyPr>
           <a:lstStyle/>
           <a:p>
-            <a:pPr marL="0" lvl="0" indent="0" algn="l" rtl="0">
+            <a:pPr indent="0" lvl="0" marL="0" rtl="0" algn="l">
               <a:lnSpc>
                 <a:spcPct val="115000"/>
               </a:lnSpc>
@@ -10665,21 +11820,21 @@
               <a:buNone/>
             </a:pPr>
             <a:r>
-              <a:rPr lang="en" sz="1200" b="1">
+              <a:rPr b="1" lang="en" sz="1200">
                 <a:solidFill>
                   <a:schemeClr val="dk1"/>
                 </a:solidFill>
               </a:rPr>
               <a:t>How do we do that?</a:t>
             </a:r>
-            <a:endParaRPr sz="1200" b="1">
+            <a:endParaRPr b="1" sz="1200">
               <a:solidFill>
                 <a:schemeClr val="dk1"/>
               </a:solidFill>
             </a:endParaRPr>
           </a:p>
           <a:p>
-            <a:pPr marL="0" lvl="0" indent="0" algn="l" rtl="0">
+            <a:pPr indent="0" lvl="0" marL="0" rtl="0" algn="l">
               <a:lnSpc>
                 <a:spcPct val="115000"/>
               </a:lnSpc>
@@ -10697,7 +11852,7 @@
               <a:buNone/>
             </a:pPr>
             <a:r>
-              <a:rPr lang="en" b="1">
+              <a:rPr b="1" lang="en">
                 <a:solidFill>
                   <a:schemeClr val="dk1"/>
                 </a:solidFill>
@@ -10719,7 +11874,7 @@
             </a:endParaRPr>
           </a:p>
           <a:p>
-            <a:pPr marL="0" lvl="0" indent="0" algn="l" rtl="0">
+            <a:pPr indent="0" lvl="0" marL="0" rtl="0" algn="l">
               <a:lnSpc>
                 <a:spcPct val="115000"/>
               </a:lnSpc>
@@ -10751,7 +11906,7 @@
             </a:endParaRPr>
           </a:p>
           <a:p>
-            <a:pPr marL="0" lvl="0" indent="0" algn="l" rtl="0">
+            <a:pPr indent="0" lvl="0" marL="0" rtl="0" algn="l">
               <a:lnSpc>
                 <a:spcPct val="115000"/>
               </a:lnSpc>
@@ -10783,7 +11938,7 @@
             </a:endParaRPr>
           </a:p>
           <a:p>
-            <a:pPr marL="0" lvl="0" indent="0" algn="l" rtl="0">
+            <a:pPr indent="0" lvl="0" marL="0" rtl="0" algn="l">
               <a:lnSpc>
                 <a:spcPct val="115000"/>
               </a:lnSpc>
@@ -10797,6 +11952,9 @@
               <a:buFont typeface="Arial"/>
               <a:buNone/>
             </a:pPr>
+            <a:r>
+              <a:t/>
+            </a:r>
             <a:endParaRPr/>
           </a:p>
         </p:txBody>
@@ -10821,12 +11979,12 @@
           </a:ln>
         </p:spPr>
         <p:txBody>
-          <a:bodyPr spcFirstLastPara="1" wrap="square" lIns="91425" tIns="91425" rIns="91425" bIns="91425" anchor="t" anchorCtr="0">
+          <a:bodyPr anchorCtr="0" anchor="t" bIns="91425" lIns="91425" spcFirstLastPara="1" rIns="91425" wrap="square" tIns="91425">
             <a:noAutofit/>
           </a:bodyPr>
           <a:lstStyle/>
           <a:p>
-            <a:pPr marL="0" marR="0" lvl="0" indent="0" algn="l" rtl="0">
+            <a:pPr indent="0" lvl="0" marL="0" marR="0" rtl="0" algn="l">
               <a:lnSpc>
                 <a:spcPct val="115000"/>
               </a:lnSpc>
@@ -10844,7 +12002,7 @@
               <a:buNone/>
             </a:pPr>
             <a:r>
-              <a:rPr lang="en" sz="1400" b="1" i="0" u="none" strike="noStrike" cap="none">
+              <a:rPr b="1" i="0" lang="en" sz="1400" u="none" cap="none" strike="noStrike">
                 <a:solidFill>
                   <a:schemeClr val="dk1"/>
                 </a:solidFill>
@@ -10855,7 +12013,7 @@
               </a:rPr>
               <a:t>☞ Data science is the discipline of the extraction of knowledge from data.</a:t>
             </a:r>
-            <a:endParaRPr sz="1400" b="1" i="0" u="none" strike="noStrike" cap="none">
+            <a:endParaRPr b="1" i="0" sz="1400" u="none" cap="none" strike="noStrike">
               <a:solidFill>
                 <a:srgbClr val="000000"/>
               </a:solidFill>
@@ -10877,7 +12035,7 @@
           <a:blip r:embed="rId3">
             <a:alphaModFix/>
           </a:blip>
-          <a:srcRect/>
+          <a:srcRect b="0" l="0" r="0" t="0"/>
           <a:stretch/>
         </p:blipFill>
         <p:spPr>
@@ -10907,30 +12065,30 @@
           </a:xfrm>
           <a:prstGeom prst="rightArrow">
             <a:avLst>
-              <a:gd name="adj1" fmla="val 50000"/>
-              <a:gd name="adj2" fmla="val 50000"/>
+              <a:gd fmla="val 50000" name="adj1"/>
+              <a:gd fmla="val 50000" name="adj2"/>
             </a:avLst>
           </a:prstGeom>
           <a:solidFill>
             <a:srgbClr val="FF0000"/>
           </a:solidFill>
-          <a:ln w="9525" cap="flat" cmpd="sng">
+          <a:ln cap="flat" cmpd="sng" w="9525">
             <a:solidFill>
               <a:schemeClr val="dk2"/>
             </a:solidFill>
             <a:prstDash val="solid"/>
             <a:round/>
-            <a:headEnd type="none" w="sm" len="sm"/>
-            <a:tailEnd type="none" w="sm" len="sm"/>
+            <a:headEnd len="sm" w="sm" type="none"/>
+            <a:tailEnd len="sm" w="sm" type="none"/>
           </a:ln>
         </p:spPr>
         <p:txBody>
-          <a:bodyPr spcFirstLastPara="1" wrap="square" lIns="91425" tIns="91425" rIns="91425" bIns="91425" anchor="ctr" anchorCtr="0">
+          <a:bodyPr anchorCtr="0" anchor="ctr" bIns="91425" lIns="91425" spcFirstLastPara="1" rIns="91425" wrap="square" tIns="91425">
             <a:noAutofit/>
           </a:bodyPr>
           <a:lstStyle/>
           <a:p>
-            <a:pPr marL="0" marR="0" lvl="0" indent="0" algn="l" rtl="0">
+            <a:pPr indent="0" lvl="0" marL="0" marR="0" rtl="0" algn="l">
               <a:lnSpc>
                 <a:spcPct val="100000"/>
               </a:lnSpc>
@@ -10947,7 +12105,10 @@
               <a:buFont typeface="Arial"/>
               <a:buNone/>
             </a:pPr>
-            <a:endParaRPr sz="1400" b="0" i="0" u="none" strike="noStrike" cap="none">
+            <a:r>
+              <a:t/>
+            </a:r>
+            <a:endParaRPr b="0" i="0" sz="1400" u="none" cap="none" strike="noStrike">
               <a:solidFill>
                 <a:srgbClr val="000000"/>
               </a:solidFill>
@@ -10968,11 +12129,11 @@
 </file>
 
 <file path=ppt/slides/slide5.xml><?xml version="1.0" encoding="utf-8"?>
-<p:sld xmlns:a="http://schemas.openxmlformats.org/drawingml/2006/main" xmlns:r="http://schemas.openxmlformats.org/officeDocument/2006/relationships" xmlns:p="http://schemas.openxmlformats.org/presentationml/2006/main">
+<p:sld xmlns:a="http://schemas.openxmlformats.org/drawingml/2006/main" xmlns:r="http://schemas.openxmlformats.org/officeDocument/2006/relationships" xmlns:mc="http://schemas.openxmlformats.org/markup-compatibility/2006" xmlns:mv="urn:schemas-microsoft-com:mac:vml" xmlns:p="http://schemas.openxmlformats.org/presentationml/2006/main" xmlns:c="http://schemas.openxmlformats.org/drawingml/2006/chart" xmlns:dgm="http://schemas.openxmlformats.org/drawingml/2006/diagram" xmlns:o="urn:schemas-microsoft-com:office:office" xmlns:v="urn:schemas-microsoft-com:vml" xmlns:pvml="urn:schemas-microsoft-com:office:powerpoint" xmlns:com="http://schemas.openxmlformats.org/drawingml/2006/compatibility" xmlns:p14="http://schemas.microsoft.com/office/powerpoint/2010/main" xmlns:p15="http://schemas.microsoft.com/office/powerpoint/2012/main" xmlns:ahyp="http://schemas.microsoft.com/office/drawing/2018/hyperlinkcolor">
   <p:cSld>
     <p:spTree>
       <p:nvGrpSpPr>
-        <p:cNvPr id="1" name="Shape 84"/>
+        <p:cNvPr id="84" name="Shape 84"/>
         <p:cNvGrpSpPr/>
         <p:nvPr/>
       </p:nvGrpSpPr>
@@ -10987,9 +12148,7 @@
       <p:sp>
         <p:nvSpPr>
           <p:cNvPr id="85" name="Google Shape;85;p5"/>
-          <p:cNvSpPr txBox="1">
-            <a:spLocks noGrp="1"/>
-          </p:cNvSpPr>
+          <p:cNvSpPr txBox="1"/>
           <p:nvPr>
             <p:ph type="title"/>
           </p:nvPr>
@@ -11008,12 +12167,12 @@
           </a:ln>
         </p:spPr>
         <p:txBody>
-          <a:bodyPr spcFirstLastPara="1" wrap="square" lIns="91425" tIns="91425" rIns="91425" bIns="91425" anchor="t" anchorCtr="0">
+          <a:bodyPr anchorCtr="0" anchor="t" bIns="91425" lIns="91425" spcFirstLastPara="1" rIns="91425" wrap="square" tIns="91425">
             <a:noAutofit/>
           </a:bodyPr>
           <a:lstStyle/>
           <a:p>
-            <a:pPr marL="0" lvl="0" indent="0" algn="l" rtl="0">
+            <a:pPr indent="0" lvl="0" marL="0" rtl="0" algn="l">
               <a:lnSpc>
                 <a:spcPct val="100000"/>
               </a:lnSpc>
@@ -11055,12 +12214,12 @@
           </a:ln>
         </p:spPr>
         <p:txBody>
-          <a:bodyPr spcFirstLastPara="1" wrap="square" lIns="91425" tIns="91425" rIns="91425" bIns="91425" anchor="t" anchorCtr="0">
+          <a:bodyPr anchorCtr="0" anchor="t" bIns="91425" lIns="91425" spcFirstLastPara="1" rIns="91425" wrap="square" tIns="91425">
             <a:noAutofit/>
           </a:bodyPr>
           <a:lstStyle/>
           <a:p>
-            <a:pPr marL="0" marR="0" lvl="0" indent="0" algn="l" rtl="0">
+            <a:pPr indent="0" lvl="0" marL="0" marR="0" rtl="0" algn="l">
               <a:lnSpc>
                 <a:spcPct val="100000"/>
               </a:lnSpc>
@@ -11078,7 +12237,7 @@
               <a:buNone/>
             </a:pPr>
             <a:r>
-              <a:rPr lang="en" sz="1400" b="0" i="0" u="none" strike="noStrike" cap="none">
+              <a:rPr b="0" i="0" lang="en" sz="1400" u="none" cap="none" strike="noStrike">
                 <a:solidFill>
                   <a:srgbClr val="000000"/>
                 </a:solidFill>
@@ -11089,7 +12248,7 @@
               </a:rPr>
               <a:t>Lots of data - very little information!</a:t>
             </a:r>
-            <a:endParaRPr sz="1400" b="0" i="0" u="none" strike="noStrike" cap="none">
+            <a:endParaRPr b="0" i="0" sz="1400" u="none" cap="none" strike="noStrike">
               <a:solidFill>
                 <a:srgbClr val="000000"/>
               </a:solidFill>
@@ -11100,7 +12259,7 @@
             </a:endParaRPr>
           </a:p>
           <a:p>
-            <a:pPr marL="0" marR="0" lvl="0" indent="0" algn="l" rtl="0">
+            <a:pPr indent="0" lvl="0" marL="0" marR="0" rtl="0" algn="l">
               <a:lnSpc>
                 <a:spcPct val="100000"/>
               </a:lnSpc>
@@ -11117,7 +12276,10 @@
               <a:buFont typeface="Arial"/>
               <a:buNone/>
             </a:pPr>
-            <a:endParaRPr sz="1400" b="0" i="0" u="none" strike="noStrike" cap="none">
+            <a:r>
+              <a:t/>
+            </a:r>
+            <a:endParaRPr b="0" i="0" sz="1400" u="none" cap="none" strike="noStrike">
               <a:solidFill>
                 <a:srgbClr val="000000"/>
               </a:solidFill>
@@ -11128,7 +12290,7 @@
             </a:endParaRPr>
           </a:p>
           <a:p>
-            <a:pPr marL="0" marR="0" lvl="0" indent="0" algn="l" rtl="0">
+            <a:pPr indent="0" lvl="0" marL="0" marR="0" rtl="0" algn="l">
               <a:lnSpc>
                 <a:spcPct val="100000"/>
               </a:lnSpc>
@@ -11146,7 +12308,7 @@
               <a:buNone/>
             </a:pPr>
             <a:r>
-              <a:rPr lang="en" sz="1400" b="0" i="0" u="none" strike="noStrike" cap="none">
+              <a:rPr b="0" i="0" lang="en" sz="1400" u="none" cap="none" strike="noStrike">
                 <a:solidFill>
                   <a:srgbClr val="000000"/>
                 </a:solidFill>
@@ -11158,7 +12320,7 @@
               <a:t>Build a model - </a:t>
             </a:r>
             <a:r>
-              <a:rPr lang="en" sz="1400" b="1" i="0" u="none" strike="noStrike" cap="none">
+              <a:rPr b="1" i="0" lang="en" sz="1400" u="none" cap="none" strike="noStrike">
                 <a:solidFill>
                   <a:srgbClr val="000000"/>
                 </a:solidFill>
@@ -11169,7 +12331,7 @@
               </a:rPr>
               <a:t>a decision tree!</a:t>
             </a:r>
-            <a:endParaRPr sz="1400" b="1" i="0" u="none" strike="noStrike" cap="none">
+            <a:endParaRPr b="1" i="0" sz="1400" u="none" cap="none" strike="noStrike">
               <a:solidFill>
                 <a:srgbClr val="000000"/>
               </a:solidFill>
@@ -11183,7 +12345,7 @@
       </p:sp>
       <p:pic>
         <p:nvPicPr>
-          <p:cNvPr id="87" name="Google Shape;87;p5" descr="PlayTennis.jpg"/>
+          <p:cNvPr descr="PlayTennis.jpg" id="87" name="Google Shape;87;p5"/>
           <p:cNvPicPr preferRelativeResize="0"/>
           <p:nvPr/>
         </p:nvPicPr>
@@ -11191,7 +12353,7 @@
           <a:blip r:embed="rId3">
             <a:alphaModFix/>
           </a:blip>
-          <a:srcRect/>
+          <a:srcRect b="0" l="0" r="0" t="0"/>
           <a:stretch/>
         </p:blipFill>
         <p:spPr>
@@ -11217,11 +12379,11 @@
 </file>
 
 <file path=ppt/slides/slide6.xml><?xml version="1.0" encoding="utf-8"?>
-<p:sld xmlns:a="http://schemas.openxmlformats.org/drawingml/2006/main" xmlns:r="http://schemas.openxmlformats.org/officeDocument/2006/relationships" xmlns:p="http://schemas.openxmlformats.org/presentationml/2006/main">
+<p:sld xmlns:a="http://schemas.openxmlformats.org/drawingml/2006/main" xmlns:r="http://schemas.openxmlformats.org/officeDocument/2006/relationships" xmlns:mc="http://schemas.openxmlformats.org/markup-compatibility/2006" xmlns:mv="urn:schemas-microsoft-com:mac:vml" xmlns:p="http://schemas.openxmlformats.org/presentationml/2006/main" xmlns:c="http://schemas.openxmlformats.org/drawingml/2006/chart" xmlns:dgm="http://schemas.openxmlformats.org/drawingml/2006/diagram" xmlns:o="urn:schemas-microsoft-com:office:office" xmlns:v="urn:schemas-microsoft-com:vml" xmlns:pvml="urn:schemas-microsoft-com:office:powerpoint" xmlns:com="http://schemas.openxmlformats.org/drawingml/2006/compatibility" xmlns:p14="http://schemas.microsoft.com/office/powerpoint/2010/main" xmlns:p15="http://schemas.microsoft.com/office/powerpoint/2012/main" xmlns:ahyp="http://schemas.microsoft.com/office/drawing/2018/hyperlinkcolor">
   <p:cSld>
     <p:spTree>
       <p:nvGrpSpPr>
-        <p:cNvPr id="1" name="Shape 91"/>
+        <p:cNvPr id="91" name="Shape 91"/>
         <p:cNvGrpSpPr/>
         <p:nvPr/>
       </p:nvGrpSpPr>
@@ -11236,9 +12398,7 @@
       <p:sp>
         <p:nvSpPr>
           <p:cNvPr id="92" name="Google Shape;92;p6"/>
-          <p:cNvSpPr txBox="1">
-            <a:spLocks noGrp="1"/>
-          </p:cNvSpPr>
+          <p:cNvSpPr txBox="1"/>
           <p:nvPr>
             <p:ph type="title"/>
           </p:nvPr>
@@ -11257,12 +12417,12 @@
           </a:ln>
         </p:spPr>
         <p:txBody>
-          <a:bodyPr spcFirstLastPara="1" wrap="square" lIns="91425" tIns="91425" rIns="91425" bIns="91425" anchor="t" anchorCtr="0">
+          <a:bodyPr anchorCtr="0" anchor="t" bIns="91425" lIns="91425" spcFirstLastPara="1" rIns="91425" wrap="square" tIns="91425">
             <a:noAutofit/>
           </a:bodyPr>
           <a:lstStyle/>
           <a:p>
-            <a:pPr marL="0" lvl="0" indent="0" algn="l" rtl="0">
+            <a:pPr indent="0" lvl="0" marL="0" rtl="0" algn="l">
               <a:lnSpc>
                 <a:spcPct val="100000"/>
               </a:lnSpc>
@@ -11286,7 +12446,7 @@
       </p:sp>
       <p:pic>
         <p:nvPicPr>
-          <p:cNvPr id="93" name="Google Shape;93;p6" descr="figure3.1.jpg"/>
+          <p:cNvPr descr="figure3.1.jpg" id="93" name="Google Shape;93;p6"/>
           <p:cNvPicPr preferRelativeResize="0"/>
           <p:nvPr/>
         </p:nvPicPr>
@@ -11294,7 +12454,7 @@
           <a:blip r:embed="rId3">
             <a:alphaModFix/>
           </a:blip>
-          <a:srcRect/>
+          <a:srcRect b="0" l="0" r="0" t="0"/>
           <a:stretch/>
         </p:blipFill>
         <p:spPr>
@@ -11313,7 +12473,7 @@
       </p:pic>
       <p:pic>
         <p:nvPicPr>
-          <p:cNvPr id="94" name="Google Shape;94;p6" descr="PlayTennis.jpg"/>
+          <p:cNvPr descr="PlayTennis.jpg" id="94" name="Google Shape;94;p6"/>
           <p:cNvPicPr preferRelativeResize="0"/>
           <p:nvPr/>
         </p:nvPicPr>
@@ -11321,7 +12481,7 @@
           <a:blip r:embed="rId4">
             <a:alphaModFix/>
           </a:blip>
-          <a:srcRect/>
+          <a:srcRect b="0" l="0" r="0" t="0"/>
           <a:stretch/>
         </p:blipFill>
         <p:spPr>
@@ -11358,12 +12518,12 @@
           </a:ln>
         </p:spPr>
         <p:txBody>
-          <a:bodyPr spcFirstLastPara="1" wrap="square" lIns="91425" tIns="91425" rIns="91425" bIns="91425" anchor="t" anchorCtr="0">
+          <a:bodyPr anchorCtr="0" anchor="t" bIns="91425" lIns="91425" spcFirstLastPara="1" rIns="91425" wrap="square" tIns="91425">
             <a:noAutofit/>
           </a:bodyPr>
           <a:lstStyle/>
           <a:p>
-            <a:pPr marL="0" marR="0" lvl="0" indent="0" algn="l" rtl="0">
+            <a:pPr indent="0" lvl="0" marL="0" marR="0" rtl="0" algn="l">
               <a:lnSpc>
                 <a:spcPct val="100000"/>
               </a:lnSpc>
@@ -11381,7 +12541,7 @@
               <a:buNone/>
             </a:pPr>
             <a:r>
-              <a:rPr lang="en" sz="1400" b="0" i="0" u="none" strike="noStrike" cap="none">
+              <a:rPr b="0" i="0" lang="en" sz="1400" u="none" cap="none" strike="noStrike">
                 <a:solidFill>
                   <a:srgbClr val="000000"/>
                 </a:solidFill>
@@ -11392,7 +12552,7 @@
               </a:rPr>
               <a:t>☞This model summarizes the whole table correctly!</a:t>
             </a:r>
-            <a:endParaRPr sz="1400" b="0" i="0" u="none" strike="noStrike" cap="none">
+            <a:endParaRPr b="0" i="0" sz="1400" u="none" cap="none" strike="noStrike">
               <a:solidFill>
                 <a:srgbClr val="000000"/>
               </a:solidFill>
@@ -11424,12 +12584,12 @@
           </a:ln>
         </p:spPr>
         <p:txBody>
-          <a:bodyPr spcFirstLastPara="1" wrap="square" lIns="91425" tIns="91425" rIns="91425" bIns="91425" anchor="t" anchorCtr="0">
+          <a:bodyPr anchorCtr="0" anchor="t" bIns="91425" lIns="91425" spcFirstLastPara="1" rIns="91425" wrap="square" tIns="91425">
             <a:noAutofit/>
           </a:bodyPr>
           <a:lstStyle/>
           <a:p>
-            <a:pPr marL="0" marR="0" lvl="0" indent="0" algn="l" rtl="0">
+            <a:pPr indent="0" lvl="0" marL="0" marR="0" rtl="0" algn="l">
               <a:lnSpc>
                 <a:spcPct val="100000"/>
               </a:lnSpc>
@@ -11447,7 +12607,7 @@
               <a:buNone/>
             </a:pPr>
             <a:r>
-              <a:rPr lang="en" sz="1400" b="0" i="0" u="none" strike="noStrike" cap="none">
+              <a:rPr b="0" i="0" lang="en" sz="1400" u="none" cap="none" strike="noStrike">
                 <a:solidFill>
                   <a:srgbClr val="000000"/>
                 </a:solidFill>
@@ -11458,7 +12618,7 @@
               </a:rPr>
               <a:t>ID3 Decision Tree</a:t>
             </a:r>
-            <a:endParaRPr sz="1400" b="0" i="0" u="none" strike="noStrike" cap="none">
+            <a:endParaRPr b="0" i="0" sz="1400" u="none" cap="none" strike="noStrike">
               <a:solidFill>
                 <a:srgbClr val="000000"/>
               </a:solidFill>
@@ -11479,11 +12639,11 @@
 </file>
 
 <file path=ppt/slides/slide7.xml><?xml version="1.0" encoding="utf-8"?>
-<p:sld xmlns:a="http://schemas.openxmlformats.org/drawingml/2006/main" xmlns:r="http://schemas.openxmlformats.org/officeDocument/2006/relationships" xmlns:p="http://schemas.openxmlformats.org/presentationml/2006/main">
+<p:sld xmlns:a="http://schemas.openxmlformats.org/drawingml/2006/main" xmlns:r="http://schemas.openxmlformats.org/officeDocument/2006/relationships" xmlns:mc="http://schemas.openxmlformats.org/markup-compatibility/2006" xmlns:mv="urn:schemas-microsoft-com:mac:vml" xmlns:p="http://schemas.openxmlformats.org/presentationml/2006/main" xmlns:c="http://schemas.openxmlformats.org/drawingml/2006/chart" xmlns:dgm="http://schemas.openxmlformats.org/drawingml/2006/diagram" xmlns:o="urn:schemas-microsoft-com:office:office" xmlns:v="urn:schemas-microsoft-com:vml" xmlns:pvml="urn:schemas-microsoft-com:office:powerpoint" xmlns:com="http://schemas.openxmlformats.org/drawingml/2006/compatibility" xmlns:p14="http://schemas.microsoft.com/office/powerpoint/2010/main" xmlns:p15="http://schemas.microsoft.com/office/powerpoint/2012/main" xmlns:ahyp="http://schemas.microsoft.com/office/drawing/2018/hyperlinkcolor">
   <p:cSld>
     <p:spTree>
       <p:nvGrpSpPr>
-        <p:cNvPr id="1" name="Shape 100"/>
+        <p:cNvPr id="100" name="Shape 100"/>
         <p:cNvGrpSpPr/>
         <p:nvPr/>
       </p:nvGrpSpPr>
@@ -11498,9 +12658,7 @@
       <p:sp>
         <p:nvSpPr>
           <p:cNvPr id="101" name="Google Shape;101;p7"/>
-          <p:cNvSpPr txBox="1">
-            <a:spLocks noGrp="1"/>
-          </p:cNvSpPr>
+          <p:cNvSpPr txBox="1"/>
           <p:nvPr>
             <p:ph type="title"/>
           </p:nvPr>
@@ -11519,12 +12677,12 @@
           </a:ln>
         </p:spPr>
         <p:txBody>
-          <a:bodyPr spcFirstLastPara="1" wrap="square" lIns="91425" tIns="91425" rIns="91425" bIns="91425" anchor="t" anchorCtr="0">
+          <a:bodyPr anchorCtr="0" anchor="t" bIns="91425" lIns="91425" spcFirstLastPara="1" rIns="91425" wrap="square" tIns="91425">
             <a:noAutofit/>
           </a:bodyPr>
           <a:lstStyle/>
           <a:p>
-            <a:pPr marL="0" lvl="0" indent="0" algn="l" rtl="0">
+            <a:pPr indent="0" lvl="0" marL="0" rtl="0" algn="l">
               <a:lnSpc>
                 <a:spcPct val="100000"/>
               </a:lnSpc>
@@ -11549,11 +12707,9 @@
       <p:sp>
         <p:nvSpPr>
           <p:cNvPr id="102" name="Google Shape;102;p7"/>
-          <p:cNvSpPr txBox="1">
-            <a:spLocks noGrp="1"/>
-          </p:cNvSpPr>
+          <p:cNvSpPr txBox="1"/>
           <p:nvPr>
-            <p:ph type="body" idx="1"/>
+            <p:ph idx="1" type="body"/>
           </p:nvPr>
         </p:nvSpPr>
         <p:spPr>
@@ -11570,12 +12726,12 @@
           </a:ln>
         </p:spPr>
         <p:txBody>
-          <a:bodyPr spcFirstLastPara="1" wrap="square" lIns="91425" tIns="91425" rIns="91425" bIns="91425" anchor="t" anchorCtr="0">
+          <a:bodyPr anchorCtr="0" anchor="t" bIns="91425" lIns="91425" spcFirstLastPara="1" rIns="91425" wrap="square" tIns="91425">
             <a:noAutofit/>
           </a:bodyPr>
           <a:lstStyle/>
           <a:p>
-            <a:pPr marL="0" lvl="0" indent="0" algn="l" rtl="0">
+            <a:pPr indent="0" lvl="0" marL="0" rtl="0" algn="l">
               <a:lnSpc>
                 <a:spcPct val="115000"/>
               </a:lnSpc>
@@ -11593,21 +12749,21 @@
               <a:buNone/>
             </a:pPr>
             <a:r>
-              <a:rPr lang="en" sz="1200" b="1">
+              <a:rPr b="1" lang="en" sz="1200">
                 <a:solidFill>
                   <a:schemeClr val="dk1"/>
                 </a:solidFill>
               </a:rPr>
               <a:t>Where does the data come from?</a:t>
             </a:r>
-            <a:endParaRPr sz="1200" b="1">
+            <a:endParaRPr b="1" sz="1200">
               <a:solidFill>
                 <a:schemeClr val="dk1"/>
               </a:solidFill>
             </a:endParaRPr>
           </a:p>
           <a:p>
-            <a:pPr marL="0" lvl="0" indent="0" algn="l" rtl="0">
+            <a:pPr indent="0" lvl="0" marL="0" rtl="0" algn="l">
               <a:lnSpc>
                 <a:spcPct val="115000"/>
               </a:lnSpc>
@@ -11625,7 +12781,7 @@
               <a:buNone/>
             </a:pPr>
             <a:r>
-              <a:rPr lang="en" b="1">
+              <a:rPr b="1" lang="en">
                 <a:solidFill>
                   <a:schemeClr val="dk1"/>
                 </a:solidFill>
@@ -11647,7 +12803,7 @@
             </a:endParaRPr>
           </a:p>
           <a:p>
-            <a:pPr marL="0" lvl="0" indent="0" algn="l" rtl="0">
+            <a:pPr indent="0" lvl="0" marL="0" rtl="0" algn="l">
               <a:lnSpc>
                 <a:spcPct val="115000"/>
               </a:lnSpc>
@@ -11679,7 +12835,7 @@
             </a:endParaRPr>
           </a:p>
           <a:p>
-            <a:pPr marL="0" lvl="0" indent="0" algn="l" rtl="0">
+            <a:pPr indent="0" lvl="0" marL="0" rtl="0" algn="l">
               <a:lnSpc>
                 <a:spcPct val="115000"/>
               </a:lnSpc>
@@ -11711,7 +12867,7 @@
             </a:endParaRPr>
           </a:p>
           <a:p>
-            <a:pPr marL="0" lvl="0" indent="0" algn="l" rtl="0">
+            <a:pPr indent="0" lvl="0" marL="0" rtl="0" algn="l">
               <a:lnSpc>
                 <a:spcPct val="115000"/>
               </a:lnSpc>
@@ -11725,6 +12881,9 @@
               <a:buFont typeface="Arial"/>
               <a:buNone/>
             </a:pPr>
+            <a:r>
+              <a:t/>
+            </a:r>
             <a:endParaRPr/>
           </a:p>
         </p:txBody>
@@ -11749,12 +12908,12 @@
           </a:ln>
         </p:spPr>
         <p:txBody>
-          <a:bodyPr spcFirstLastPara="1" wrap="square" lIns="91425" tIns="91425" rIns="91425" bIns="91425" anchor="t" anchorCtr="0">
+          <a:bodyPr anchorCtr="0" anchor="t" bIns="91425" lIns="91425" spcFirstLastPara="1" rIns="91425" wrap="square" tIns="91425">
             <a:noAutofit/>
           </a:bodyPr>
           <a:lstStyle/>
           <a:p>
-            <a:pPr marL="0" marR="0" lvl="0" indent="0" algn="l" rtl="0">
+            <a:pPr indent="0" lvl="0" marL="0" marR="0" rtl="0" algn="l">
               <a:lnSpc>
                 <a:spcPct val="115000"/>
               </a:lnSpc>
@@ -11772,7 +12931,7 @@
               <a:buNone/>
             </a:pPr>
             <a:r>
-              <a:rPr lang="en" sz="1400" b="1" i="0" u="none" strike="noStrike" cap="none">
+              <a:rPr b="1" i="0" lang="en" sz="1400" u="none" cap="none" strike="noStrike">
                 <a:solidFill>
                   <a:schemeClr val="dk1"/>
                 </a:solidFill>
@@ -11783,7 +12942,7 @@
               </a:rPr>
               <a:t>☞ Data science is the discipline of the extraction of knowledge from data.</a:t>
             </a:r>
-            <a:endParaRPr sz="1400" b="1" i="0" u="none" strike="noStrike" cap="none">
+            <a:endParaRPr b="1" i="0" sz="1400" u="none" cap="none" strike="noStrike">
               <a:solidFill>
                 <a:srgbClr val="000000"/>
               </a:solidFill>
@@ -11805,7 +12964,7 @@
           <a:blip r:embed="rId3">
             <a:alphaModFix/>
           </a:blip>
-          <a:srcRect/>
+          <a:srcRect b="0" l="0" r="0" t="0"/>
           <a:stretch/>
         </p:blipFill>
         <p:spPr>
@@ -11835,30 +12994,30 @@
           </a:xfrm>
           <a:prstGeom prst="rightArrow">
             <a:avLst>
-              <a:gd name="adj1" fmla="val 50000"/>
-              <a:gd name="adj2" fmla="val 50000"/>
+              <a:gd fmla="val 50000" name="adj1"/>
+              <a:gd fmla="val 50000" name="adj2"/>
             </a:avLst>
           </a:prstGeom>
           <a:solidFill>
             <a:srgbClr val="FF0000"/>
           </a:solidFill>
-          <a:ln w="9525" cap="flat" cmpd="sng">
+          <a:ln cap="flat" cmpd="sng" w="9525">
             <a:solidFill>
               <a:schemeClr val="dk2"/>
             </a:solidFill>
             <a:prstDash val="solid"/>
             <a:round/>
-            <a:headEnd type="none" w="sm" len="sm"/>
-            <a:tailEnd type="none" w="sm" len="sm"/>
+            <a:headEnd len="sm" w="sm" type="none"/>
+            <a:tailEnd len="sm" w="sm" type="none"/>
           </a:ln>
         </p:spPr>
         <p:txBody>
-          <a:bodyPr spcFirstLastPara="1" wrap="square" lIns="91425" tIns="91425" rIns="91425" bIns="91425" anchor="ctr" anchorCtr="0">
+          <a:bodyPr anchorCtr="0" anchor="ctr" bIns="91425" lIns="91425" spcFirstLastPara="1" rIns="91425" wrap="square" tIns="91425">
             <a:noAutofit/>
           </a:bodyPr>
           <a:lstStyle/>
           <a:p>
-            <a:pPr marL="0" marR="0" lvl="0" indent="0" algn="l" rtl="0">
+            <a:pPr indent="0" lvl="0" marL="0" marR="0" rtl="0" algn="l">
               <a:lnSpc>
                 <a:spcPct val="100000"/>
               </a:lnSpc>
@@ -11875,7 +13034,10 @@
               <a:buFont typeface="Arial"/>
               <a:buNone/>
             </a:pPr>
-            <a:endParaRPr sz="1400" b="0" i="0" u="none" strike="noStrike" cap="none">
+            <a:r>
+              <a:t/>
+            </a:r>
+            <a:endParaRPr b="0" i="0" sz="1400" u="none" cap="none" strike="noStrike">
               <a:solidFill>
                 <a:srgbClr val="000000"/>
               </a:solidFill>
@@ -11896,11 +13058,11 @@
 </file>
 
 <file path=ppt/slides/slide8.xml><?xml version="1.0" encoding="utf-8"?>
-<p:sld xmlns:a="http://schemas.openxmlformats.org/drawingml/2006/main" xmlns:r="http://schemas.openxmlformats.org/officeDocument/2006/relationships" xmlns:p="http://schemas.openxmlformats.org/presentationml/2006/main">
+<p:sld xmlns:a="http://schemas.openxmlformats.org/drawingml/2006/main" xmlns:r="http://schemas.openxmlformats.org/officeDocument/2006/relationships" xmlns:mc="http://schemas.openxmlformats.org/markup-compatibility/2006" xmlns:mv="urn:schemas-microsoft-com:mac:vml" xmlns:p="http://schemas.openxmlformats.org/presentationml/2006/main" xmlns:c="http://schemas.openxmlformats.org/drawingml/2006/chart" xmlns:dgm="http://schemas.openxmlformats.org/drawingml/2006/diagram" xmlns:o="urn:schemas-microsoft-com:office:office" xmlns:v="urn:schemas-microsoft-com:vml" xmlns:pvml="urn:schemas-microsoft-com:office:powerpoint" xmlns:com="http://schemas.openxmlformats.org/drawingml/2006/compatibility" xmlns:p14="http://schemas.microsoft.com/office/powerpoint/2010/main" xmlns:p15="http://schemas.microsoft.com/office/powerpoint/2012/main" xmlns:ahyp="http://schemas.microsoft.com/office/drawing/2018/hyperlinkcolor">
   <p:cSld>
     <p:spTree>
       <p:nvGrpSpPr>
-        <p:cNvPr id="1" name="Shape 109"/>
+        <p:cNvPr id="109" name="Shape 109"/>
         <p:cNvGrpSpPr/>
         <p:nvPr/>
       </p:nvGrpSpPr>
@@ -11915,9 +13077,7 @@
       <p:sp>
         <p:nvSpPr>
           <p:cNvPr id="110" name="Google Shape;110;p8"/>
-          <p:cNvSpPr txBox="1">
-            <a:spLocks noGrp="1"/>
-          </p:cNvSpPr>
+          <p:cNvSpPr txBox="1"/>
           <p:nvPr>
             <p:ph type="title"/>
           </p:nvPr>
@@ -11936,12 +13096,12 @@
           </a:ln>
         </p:spPr>
         <p:txBody>
-          <a:bodyPr spcFirstLastPara="1" wrap="square" lIns="91425" tIns="91425" rIns="91425" bIns="91425" anchor="t" anchorCtr="0">
+          <a:bodyPr anchorCtr="0" anchor="t" bIns="91425" lIns="91425" spcFirstLastPara="1" rIns="91425" wrap="square" tIns="91425">
             <a:noAutofit/>
           </a:bodyPr>
           <a:lstStyle/>
           <a:p>
-            <a:pPr marL="0" lvl="0" indent="0" algn="l" rtl="0">
+            <a:pPr indent="0" lvl="0" marL="0" rtl="0" algn="l">
               <a:lnSpc>
                 <a:spcPct val="100000"/>
               </a:lnSpc>
@@ -11965,7 +13125,7 @@
       </p:sp>
       <p:pic>
         <p:nvPicPr>
-          <p:cNvPr id="111" name="Google Shape;111;p8" descr="data-pipline.png"/>
+          <p:cNvPr descr="data-pipline.png" id="111" name="Google Shape;111;p8"/>
           <p:cNvPicPr preferRelativeResize="0"/>
           <p:nvPr/>
         </p:nvPicPr>
@@ -11973,7 +13133,7 @@
           <a:blip r:embed="rId3">
             <a:alphaModFix/>
           </a:blip>
-          <a:srcRect/>
+          <a:srcRect b="0" l="0" r="0" t="0"/>
           <a:stretch/>
         </p:blipFill>
         <p:spPr>
@@ -11999,11 +13159,11 @@
 </file>
 
 <file path=ppt/slides/slide9.xml><?xml version="1.0" encoding="utf-8"?>
-<p:sld xmlns:a="http://schemas.openxmlformats.org/drawingml/2006/main" xmlns:r="http://schemas.openxmlformats.org/officeDocument/2006/relationships" xmlns:p="http://schemas.openxmlformats.org/presentationml/2006/main">
+<p:sld xmlns:a="http://schemas.openxmlformats.org/drawingml/2006/main" xmlns:r="http://schemas.openxmlformats.org/officeDocument/2006/relationships" xmlns:mc="http://schemas.openxmlformats.org/markup-compatibility/2006" xmlns:mv="urn:schemas-microsoft-com:mac:vml" xmlns:p="http://schemas.openxmlformats.org/presentationml/2006/main" xmlns:c="http://schemas.openxmlformats.org/drawingml/2006/chart" xmlns:dgm="http://schemas.openxmlformats.org/drawingml/2006/diagram" xmlns:o="urn:schemas-microsoft-com:office:office" xmlns:v="urn:schemas-microsoft-com:vml" xmlns:pvml="urn:schemas-microsoft-com:office:powerpoint" xmlns:com="http://schemas.openxmlformats.org/drawingml/2006/compatibility" xmlns:p14="http://schemas.microsoft.com/office/powerpoint/2010/main" xmlns:p15="http://schemas.microsoft.com/office/powerpoint/2012/main" xmlns:ahyp="http://schemas.microsoft.com/office/drawing/2018/hyperlinkcolor">
   <p:cSld>
     <p:spTree>
       <p:nvGrpSpPr>
-        <p:cNvPr id="1" name="Shape 115"/>
+        <p:cNvPr id="115" name="Shape 115"/>
         <p:cNvGrpSpPr/>
         <p:nvPr/>
       </p:nvGrpSpPr>
@@ -12018,9 +13178,7 @@
       <p:sp>
         <p:nvSpPr>
           <p:cNvPr id="116" name="Google Shape;116;p9"/>
-          <p:cNvSpPr txBox="1">
-            <a:spLocks noGrp="1"/>
-          </p:cNvSpPr>
+          <p:cNvSpPr txBox="1"/>
           <p:nvPr>
             <p:ph type="title"/>
           </p:nvPr>
@@ -12039,12 +13197,12 @@
           </a:ln>
         </p:spPr>
         <p:txBody>
-          <a:bodyPr spcFirstLastPara="1" wrap="square" lIns="91425" tIns="91425" rIns="91425" bIns="91425" anchor="t" anchorCtr="0">
+          <a:bodyPr anchorCtr="0" anchor="t" bIns="91425" lIns="91425" spcFirstLastPara="1" rIns="91425" wrap="square" tIns="91425">
             <a:noAutofit/>
           </a:bodyPr>
           <a:lstStyle/>
           <a:p>
-            <a:pPr marL="0" lvl="0" indent="0" algn="l" rtl="0">
+            <a:pPr indent="0" lvl="0" marL="0" rtl="0" algn="l">
               <a:lnSpc>
                 <a:spcPct val="100000"/>
               </a:lnSpc>
@@ -12069,11 +13227,9 @@
       <p:sp>
         <p:nvSpPr>
           <p:cNvPr id="117" name="Google Shape;117;p9"/>
-          <p:cNvSpPr txBox="1">
-            <a:spLocks noGrp="1"/>
-          </p:cNvSpPr>
+          <p:cNvSpPr txBox="1"/>
           <p:nvPr>
-            <p:ph type="body" idx="1"/>
+            <p:ph idx="1" type="body"/>
           </p:nvPr>
         </p:nvSpPr>
         <p:spPr>
@@ -12090,12 +13246,12 @@
           </a:ln>
         </p:spPr>
         <p:txBody>
-          <a:bodyPr spcFirstLastPara="1" wrap="square" lIns="91425" tIns="91425" rIns="91425" bIns="91425" anchor="t" anchorCtr="0">
+          <a:bodyPr anchorCtr="0" anchor="t" bIns="91425" lIns="91425" spcFirstLastPara="1" rIns="91425" wrap="square" tIns="91425">
             <a:noAutofit/>
           </a:bodyPr>
           <a:lstStyle/>
           <a:p>
-            <a:pPr marL="0" lvl="0" indent="0" algn="l" rtl="0">
+            <a:pPr indent="0" lvl="0" marL="0" rtl="0" algn="l">
               <a:lnSpc>
                 <a:spcPct val="115000"/>
               </a:lnSpc>
@@ -12113,21 +13269,21 @@
               <a:buNone/>
             </a:pPr>
             <a:r>
-              <a:rPr lang="en" sz="1200" b="1">
+              <a:rPr b="1" lang="en" sz="1200">
                 <a:solidFill>
                   <a:schemeClr val="dk1"/>
                 </a:solidFill>
               </a:rPr>
               <a:t>How do we preprocess our data for model building?</a:t>
             </a:r>
-            <a:endParaRPr sz="1200" b="1">
+            <a:endParaRPr b="1" sz="1200">
               <a:solidFill>
                 <a:schemeClr val="dk1"/>
               </a:solidFill>
             </a:endParaRPr>
           </a:p>
           <a:p>
-            <a:pPr marL="0" lvl="0" indent="0" algn="l" rtl="0">
+            <a:pPr indent="0" lvl="0" marL="0" rtl="0" algn="l">
               <a:lnSpc>
                 <a:spcPct val="115000"/>
               </a:lnSpc>
@@ -12145,7 +13301,7 @@
               <a:buNone/>
             </a:pPr>
             <a:r>
-              <a:rPr lang="en" b="1">
+              <a:rPr b="1" lang="en">
                 <a:solidFill>
                   <a:schemeClr val="dk1"/>
                 </a:solidFill>
@@ -12167,7 +13323,7 @@
             </a:endParaRPr>
           </a:p>
           <a:p>
-            <a:pPr marL="457200" lvl="0" indent="-298450" algn="l" rtl="0">
+            <a:pPr indent="-298450" lvl="0" marL="457200" rtl="0" algn="l">
               <a:lnSpc>
                 <a:spcPct val="115000"/>
               </a:lnSpc>
@@ -12199,7 +13355,7 @@
             </a:endParaRPr>
           </a:p>
           <a:p>
-            <a:pPr marL="457200" lvl="0" indent="-298450" algn="l" rtl="0">
+            <a:pPr indent="-298450" lvl="0" marL="457200" rtl="0" algn="l">
               <a:lnSpc>
                 <a:spcPct val="115000"/>
               </a:lnSpc>
@@ -12231,7 +13387,7 @@
             </a:endParaRPr>
           </a:p>
           <a:p>
-            <a:pPr marL="457200" lvl="0" indent="-298450" algn="l" rtl="0">
+            <a:pPr indent="-298450" lvl="0" marL="457200" rtl="0" algn="l">
               <a:lnSpc>
                 <a:spcPct val="115000"/>
               </a:lnSpc>
@@ -12263,7 +13419,7 @@
             </a:endParaRPr>
           </a:p>
           <a:p>
-            <a:pPr marL="0" lvl="0" indent="0" algn="l" rtl="0">
+            <a:pPr indent="0" lvl="0" marL="0" rtl="0" algn="l">
               <a:lnSpc>
                 <a:spcPct val="115000"/>
               </a:lnSpc>
@@ -12295,7 +13451,7 @@
             </a:endParaRPr>
           </a:p>
           <a:p>
-            <a:pPr marL="0" lvl="0" indent="0" algn="l" rtl="0">
+            <a:pPr indent="0" lvl="0" marL="0" rtl="0" algn="l">
               <a:lnSpc>
                 <a:spcPct val="115000"/>
               </a:lnSpc>
@@ -12327,7 +13483,7 @@
             </a:endParaRPr>
           </a:p>
           <a:p>
-            <a:pPr marL="0" lvl="0" indent="0" algn="l" rtl="0">
+            <a:pPr indent="0" lvl="0" marL="0" rtl="0" algn="l">
               <a:lnSpc>
                 <a:spcPct val="115000"/>
               </a:lnSpc>
@@ -12341,6 +13497,9 @@
               <a:buFont typeface="Arial"/>
               <a:buNone/>
             </a:pPr>
+            <a:r>
+              <a:t/>
+            </a:r>
             <a:endParaRPr/>
           </a:p>
         </p:txBody>
@@ -12365,12 +13524,12 @@
           </a:ln>
         </p:spPr>
         <p:txBody>
-          <a:bodyPr spcFirstLastPara="1" wrap="square" lIns="91425" tIns="91425" rIns="91425" bIns="91425" anchor="t" anchorCtr="0">
+          <a:bodyPr anchorCtr="0" anchor="t" bIns="91425" lIns="91425" spcFirstLastPara="1" rIns="91425" wrap="square" tIns="91425">
             <a:noAutofit/>
           </a:bodyPr>
           <a:lstStyle/>
           <a:p>
-            <a:pPr marL="0" marR="0" lvl="0" indent="0" algn="l" rtl="0">
+            <a:pPr indent="0" lvl="0" marL="0" marR="0" rtl="0" algn="l">
               <a:lnSpc>
                 <a:spcPct val="115000"/>
               </a:lnSpc>
@@ -12388,7 +13547,7 @@
               <a:buNone/>
             </a:pPr>
             <a:r>
-              <a:rPr lang="en" sz="1400" b="1" i="0" u="none" strike="noStrike" cap="none">
+              <a:rPr b="1" i="0" lang="en" sz="1400" u="none" cap="none" strike="noStrike">
                 <a:solidFill>
                   <a:schemeClr val="dk1"/>
                 </a:solidFill>
@@ -12399,7 +13558,7 @@
               </a:rPr>
               <a:t>☞ Data science is the discipline of the extraction of knowledge from data.</a:t>
             </a:r>
-            <a:endParaRPr sz="1400" b="1" i="0" u="none" strike="noStrike" cap="none">
+            <a:endParaRPr b="1" i="0" sz="1400" u="none" cap="none" strike="noStrike">
               <a:solidFill>
                 <a:srgbClr val="000000"/>
               </a:solidFill>
@@ -12421,7 +13580,7 @@
           <a:blip r:embed="rId3">
             <a:alphaModFix/>
           </a:blip>
-          <a:srcRect/>
+          <a:srcRect b="0" l="0" r="0" t="0"/>
           <a:stretch/>
         </p:blipFill>
         <p:spPr>
@@ -12451,30 +13610,30 @@
           </a:xfrm>
           <a:prstGeom prst="rightArrow">
             <a:avLst>
-              <a:gd name="adj1" fmla="val 50000"/>
-              <a:gd name="adj2" fmla="val 50000"/>
+              <a:gd fmla="val 50000" name="adj1"/>
+              <a:gd fmla="val 50000" name="adj2"/>
             </a:avLst>
           </a:prstGeom>
           <a:solidFill>
             <a:srgbClr val="FF0000"/>
           </a:solidFill>
-          <a:ln w="9525" cap="flat" cmpd="sng">
+          <a:ln cap="flat" cmpd="sng" w="9525">
             <a:solidFill>
               <a:schemeClr val="dk2"/>
             </a:solidFill>
             <a:prstDash val="solid"/>
             <a:round/>
-            <a:headEnd type="none" w="sm" len="sm"/>
-            <a:tailEnd type="none" w="sm" len="sm"/>
+            <a:headEnd len="sm" w="sm" type="none"/>
+            <a:tailEnd len="sm" w="sm" type="none"/>
           </a:ln>
         </p:spPr>
         <p:txBody>
-          <a:bodyPr spcFirstLastPara="1" wrap="square" lIns="91425" tIns="91425" rIns="91425" bIns="91425" anchor="ctr" anchorCtr="0">
+          <a:bodyPr anchorCtr="0" anchor="ctr" bIns="91425" lIns="91425" spcFirstLastPara="1" rIns="91425" wrap="square" tIns="91425">
             <a:noAutofit/>
           </a:bodyPr>
           <a:lstStyle/>
           <a:p>
-            <a:pPr marL="0" marR="0" lvl="0" indent="0" algn="l" rtl="0">
+            <a:pPr indent="0" lvl="0" marL="0" marR="0" rtl="0" algn="l">
               <a:lnSpc>
                 <a:spcPct val="100000"/>
               </a:lnSpc>
@@ -12491,7 +13650,10 @@
               <a:buFont typeface="Arial"/>
               <a:buNone/>
             </a:pPr>
-            <a:endParaRPr sz="1400" b="0" i="0" u="none" strike="noStrike" cap="none">
+            <a:r>
+              <a:t/>
+            </a:r>
+            <a:endParaRPr b="0" i="0" sz="1400" u="none" cap="none" strike="noStrike">
               <a:solidFill>
                 <a:srgbClr val="000000"/>
               </a:solidFill>
@@ -12512,7 +13674,7 @@
 </file>
 
 <file path=ppt/theme/theme1.xml><?xml version="1.0" encoding="utf-8"?>
-<a:theme xmlns:a="http://schemas.openxmlformats.org/drawingml/2006/main" name="Simple Light">
+<a:theme xmlns:a="http://schemas.openxmlformats.org/drawingml/2006/main" xmlns:r="http://schemas.openxmlformats.org/officeDocument/2006/relationships" name="Simple Light">
   <a:themeElements>
     <a:clrScheme name="Simple Light">
       <a:dk1>
@@ -12787,13 +13949,11 @@
       </a:bgFillStyleLst>
     </a:fmtScheme>
   </a:themeElements>
-  <a:objectDefaults/>
-  <a:extraClrSchemeLst/>
 </a:theme>
 </file>
 
 <file path=ppt/theme/theme2.xml><?xml version="1.0" encoding="utf-8"?>
-<a:theme xmlns:a="http://schemas.openxmlformats.org/drawingml/2006/main" name="Custom Theme">
+<a:theme xmlns:a="http://schemas.openxmlformats.org/drawingml/2006/main" xmlns:r="http://schemas.openxmlformats.org/officeDocument/2006/relationships" name="Custom Theme">
   <a:themeElements>
     <a:clrScheme name="Default">
       <a:dk1>
@@ -13068,7 +14228,5 @@
       </a:bgFillStyleLst>
     </a:fmtScheme>
   </a:themeElements>
-  <a:objectDefaults/>
-  <a:extraClrSchemeLst/>
 </a:theme>
 </file>